--- a/plan/抽卡手游.pptx
+++ b/plan/抽卡手游.pptx
@@ -5,17 +5,22 @@
     <p:sldMasterId id="2147483648" r:id="rId1"/>
   </p:sldMasterIdLst>
   <p:notesMasterIdLst>
-    <p:notesMasterId r:id="rId10"/>
+    <p:notesMasterId r:id="rId15"/>
   </p:notesMasterIdLst>
   <p:sldIdLst>
-    <p:sldId id="256" r:id="rId3"/>
-    <p:sldId id="257" r:id="rId4"/>
-    <p:sldId id="258" r:id="rId5"/>
-    <p:sldId id="262" r:id="rId6"/>
-    <p:sldId id="263" r:id="rId7"/>
-    <p:sldId id="259" r:id="rId8"/>
-    <p:sldId id="261" r:id="rId9"/>
-    <p:sldId id="260" r:id="rId11"/>
+    <p:sldId id="256" r:id="rId2"/>
+    <p:sldId id="257" r:id="rId3"/>
+    <p:sldId id="258" r:id="rId4"/>
+    <p:sldId id="262" r:id="rId5"/>
+    <p:sldId id="263" r:id="rId6"/>
+    <p:sldId id="259" r:id="rId7"/>
+    <p:sldId id="261" r:id="rId8"/>
+    <p:sldId id="260" r:id="rId9"/>
+    <p:sldId id="1311" r:id="rId10"/>
+    <p:sldId id="1313" r:id="rId11"/>
+    <p:sldId id="1315" r:id="rId12"/>
+    <p:sldId id="1317" r:id="rId13"/>
+    <p:sldId id="1314" r:id="rId14"/>
   </p:sldIdLst>
   <p:sldSz cx="12192000" cy="6858000"/>
   <p:notesSz cx="6858000" cy="9144000"/>
@@ -114,6 +119,11 @@
       </a:defRPr>
     </a:lvl9pPr>
   </p:defaultTextStyle>
+  <p:extLst>
+    <p:ext uri="{EFAFB233-063F-42B5-8137-9DF3F51BA10A}">
+      <p15:sldGuideLst xmlns:p15="http://schemas.microsoft.com/office/powerpoint/2012/main"/>
+    </p:ext>
+  </p:extLst>
 </p:presentation>
 </file>
 
@@ -199,6 +209,7 @@
           <a:p>
             <a:fld id="{D2A48B96-639E-45A3-A0BA-2464DFDB1FAA}" type="datetimeFigureOut">
               <a:rPr lang="zh-CN" altLang="en-US" smtClean="0"/>
+              <a:t>2020/7/7</a:t>
             </a:fld>
             <a:endParaRPr lang="zh-CN" altLang="en-US"/>
           </a:p>
@@ -262,42 +273,37 @@
           <a:p>
             <a:pPr lvl="0"/>
             <a:r>
-              <a:rPr lang="zh-CN" altLang="en-US" smtClean="0"/>
+              <a:rPr lang="zh-CN" altLang="en-US"/>
               <a:t>单击此处编辑母版文本样式</a:t>
             </a:r>
-            <a:endParaRPr lang="zh-CN" altLang="en-US" smtClean="0"/>
           </a:p>
           <a:p>
             <a:pPr lvl="1"/>
             <a:r>
-              <a:rPr lang="zh-CN" altLang="en-US" smtClean="0"/>
+              <a:rPr lang="zh-CN" altLang="en-US"/>
               <a:t>第二级</a:t>
             </a:r>
-            <a:endParaRPr lang="zh-CN" altLang="en-US" smtClean="0"/>
           </a:p>
           <a:p>
             <a:pPr lvl="2"/>
             <a:r>
-              <a:rPr lang="zh-CN" altLang="en-US" smtClean="0"/>
+              <a:rPr lang="zh-CN" altLang="en-US"/>
               <a:t>第三级</a:t>
             </a:r>
-            <a:endParaRPr lang="zh-CN" altLang="en-US" smtClean="0"/>
           </a:p>
           <a:p>
             <a:pPr lvl="3"/>
             <a:r>
-              <a:rPr lang="zh-CN" altLang="en-US" smtClean="0"/>
+              <a:rPr lang="zh-CN" altLang="en-US"/>
               <a:t>第四级</a:t>
             </a:r>
-            <a:endParaRPr lang="zh-CN" altLang="en-US" smtClean="0"/>
           </a:p>
           <a:p>
             <a:pPr lvl="4"/>
             <a:r>
-              <a:rPr lang="zh-CN" altLang="en-US" smtClean="0"/>
+              <a:rPr lang="zh-CN" altLang="en-US"/>
               <a:t>第五级</a:t>
             </a:r>
-            <a:endParaRPr lang="zh-CN" altLang="en-US"/>
           </a:p>
         </p:txBody>
       </p:sp>
@@ -361,6 +367,7 @@
           <a:p>
             <a:fld id="{A6837353-30EB-4A48-80EB-173D804AEFBD}" type="slidenum">
               <a:rPr lang="zh-CN" altLang="en-US" smtClean="0"/>
+              <a:t>‹#›</a:t>
             </a:fld>
             <a:endParaRPr lang="zh-CN" altLang="en-US"/>
           </a:p>
@@ -473,11 +480,20 @@
         <p:cNvGrpSpPr/>
         <p:nvPr/>
       </p:nvGrpSpPr>
-      <p:grpSpPr/>
+      <p:grpSpPr>
+        <a:xfrm>
+          <a:off x="0" y="0"/>
+          <a:ext cx="0" cy="0"/>
+          <a:chOff x="0" y="0"/>
+          <a:chExt cx="0" cy="0"/>
+        </a:xfrm>
+      </p:grpSpPr>
       <p:sp>
         <p:nvSpPr>
           <p:cNvPr id="2" name="幻灯片图像占位符 1"/>
-          <p:cNvSpPr/>
+          <p:cNvSpPr>
+            <a:spLocks noGrp="1" noRot="1" noChangeAspect="1"/>
+          </p:cNvSpPr>
           <p:nvPr>
             <p:ph type="sldImg" idx="2"/>
           </p:nvPr>
@@ -487,7 +503,9 @@
       <p:sp>
         <p:nvSpPr>
           <p:cNvPr id="3" name="文本占位符 2"/>
-          <p:cNvSpPr/>
+          <p:cNvSpPr>
+            <a:spLocks noGrp="1"/>
+          </p:cNvSpPr>
           <p:nvPr>
             <p:ph type="body" idx="3"/>
           </p:nvPr>
@@ -495,6 +513,7 @@
         <p:spPr/>
         <p:txBody>
           <a:bodyPr/>
+          <a:lstStyle/>
           <a:p>
             <a:endParaRPr lang="zh-CN" altLang="en-US"/>
           </a:p>
@@ -553,7 +572,6 @@
               <a:rPr lang="zh-CN" altLang="en-US"/>
               <a:t>单击此处编辑母版标题样式</a:t>
             </a:r>
-            <a:endParaRPr lang="zh-CN" altLang="en-US"/>
           </a:p>
         </p:txBody>
       </p:sp>
@@ -618,7 +636,6 @@
               <a:rPr lang="zh-CN" altLang="en-US"/>
               <a:t>单击此处编辑母版副标题样式</a:t>
             </a:r>
-            <a:endParaRPr lang="zh-CN" altLang="en-US"/>
           </a:p>
         </p:txBody>
       </p:sp>
@@ -639,6 +656,7 @@
           <a:p>
             <a:fld id="{5AD20816-3703-4B36-A03B-6CEA84674823}" type="datetimeFigureOut">
               <a:rPr lang="zh-CN" altLang="en-US" smtClean="0"/>
+              <a:t>2020/7/7</a:t>
             </a:fld>
             <a:endParaRPr lang="zh-CN" altLang="en-US"/>
           </a:p>
@@ -680,6 +698,7 @@
           <a:p>
             <a:fld id="{1AD5F6A7-CD3C-4EF4-868A-B12F0998E4AD}" type="slidenum">
               <a:rPr lang="zh-CN" altLang="en-US" smtClean="0"/>
+              <a:t>‹#›</a:t>
             </a:fld>
             <a:endParaRPr lang="zh-CN" altLang="en-US"/>
           </a:p>
@@ -729,7 +748,6 @@
               <a:rPr lang="zh-CN" altLang="en-US"/>
               <a:t>单击此处编辑母版标题样式</a:t>
             </a:r>
-            <a:endParaRPr lang="zh-CN" altLang="en-US"/>
           </a:p>
         </p:txBody>
       </p:sp>
@@ -753,7 +771,6 @@
               <a:rPr lang="zh-CN" altLang="en-US"/>
               <a:t>单击此处编辑母版文本样式</a:t>
             </a:r>
-            <a:endParaRPr lang="zh-CN" altLang="en-US"/>
           </a:p>
           <a:p>
             <a:pPr lvl="1"/>
@@ -761,7 +778,6 @@
               <a:rPr lang="zh-CN" altLang="en-US"/>
               <a:t>二级</a:t>
             </a:r>
-            <a:endParaRPr lang="zh-CN" altLang="en-US"/>
           </a:p>
           <a:p>
             <a:pPr lvl="2"/>
@@ -769,7 +785,6 @@
               <a:rPr lang="zh-CN" altLang="en-US"/>
               <a:t>三级</a:t>
             </a:r>
-            <a:endParaRPr lang="zh-CN" altLang="en-US"/>
           </a:p>
           <a:p>
             <a:pPr lvl="3"/>
@@ -777,7 +792,6 @@
               <a:rPr lang="zh-CN" altLang="en-US"/>
               <a:t>四级</a:t>
             </a:r>
-            <a:endParaRPr lang="zh-CN" altLang="en-US"/>
           </a:p>
           <a:p>
             <a:pPr lvl="4"/>
@@ -785,7 +799,6 @@
               <a:rPr lang="zh-CN" altLang="en-US"/>
               <a:t>五级</a:t>
             </a:r>
-            <a:endParaRPr lang="zh-CN" altLang="en-US"/>
           </a:p>
         </p:txBody>
       </p:sp>
@@ -806,6 +819,7 @@
           <a:p>
             <a:fld id="{5AD20816-3703-4B36-A03B-6CEA84674823}" type="datetimeFigureOut">
               <a:rPr lang="zh-CN" altLang="en-US" smtClean="0"/>
+              <a:t>2020/7/7</a:t>
             </a:fld>
             <a:endParaRPr lang="zh-CN" altLang="en-US"/>
           </a:p>
@@ -847,6 +861,7 @@
           <a:p>
             <a:fld id="{1AD5F6A7-CD3C-4EF4-868A-B12F0998E4AD}" type="slidenum">
               <a:rPr lang="zh-CN" altLang="en-US" smtClean="0"/>
+              <a:t>‹#›</a:t>
             </a:fld>
             <a:endParaRPr lang="zh-CN" altLang="en-US"/>
           </a:p>
@@ -901,7 +916,6 @@
               <a:rPr lang="zh-CN" altLang="en-US"/>
               <a:t>单击此处编辑母版标题样式</a:t>
             </a:r>
-            <a:endParaRPr lang="zh-CN" altLang="en-US"/>
           </a:p>
         </p:txBody>
       </p:sp>
@@ -930,7 +944,6 @@
               <a:rPr lang="zh-CN" altLang="en-US"/>
               <a:t>单击此处编辑母版文本样式</a:t>
             </a:r>
-            <a:endParaRPr lang="zh-CN" altLang="en-US"/>
           </a:p>
           <a:p>
             <a:pPr lvl="1"/>
@@ -938,7 +951,6 @@
               <a:rPr lang="zh-CN" altLang="en-US"/>
               <a:t>二级</a:t>
             </a:r>
-            <a:endParaRPr lang="zh-CN" altLang="en-US"/>
           </a:p>
           <a:p>
             <a:pPr lvl="2"/>
@@ -946,7 +958,6 @@
               <a:rPr lang="zh-CN" altLang="en-US"/>
               <a:t>三级</a:t>
             </a:r>
-            <a:endParaRPr lang="zh-CN" altLang="en-US"/>
           </a:p>
           <a:p>
             <a:pPr lvl="3"/>
@@ -954,7 +965,6 @@
               <a:rPr lang="zh-CN" altLang="en-US"/>
               <a:t>四级</a:t>
             </a:r>
-            <a:endParaRPr lang="zh-CN" altLang="en-US"/>
           </a:p>
           <a:p>
             <a:pPr lvl="4"/>
@@ -962,7 +972,6 @@
               <a:rPr lang="zh-CN" altLang="en-US"/>
               <a:t>五级</a:t>
             </a:r>
-            <a:endParaRPr lang="zh-CN" altLang="en-US"/>
           </a:p>
         </p:txBody>
       </p:sp>
@@ -983,6 +992,7 @@
           <a:p>
             <a:fld id="{5AD20816-3703-4B36-A03B-6CEA84674823}" type="datetimeFigureOut">
               <a:rPr lang="zh-CN" altLang="en-US" smtClean="0"/>
+              <a:t>2020/7/7</a:t>
             </a:fld>
             <a:endParaRPr lang="zh-CN" altLang="en-US"/>
           </a:p>
@@ -1024,6 +1034,7 @@
           <a:p>
             <a:fld id="{1AD5F6A7-CD3C-4EF4-868A-B12F0998E4AD}" type="slidenum">
               <a:rPr lang="zh-CN" altLang="en-US" smtClean="0"/>
+              <a:t>‹#›</a:t>
             </a:fld>
             <a:endParaRPr lang="zh-CN" altLang="en-US"/>
           </a:p>
@@ -1073,7 +1084,6 @@
               <a:rPr lang="zh-CN" altLang="en-US"/>
               <a:t>单击此处编辑母版标题样式</a:t>
             </a:r>
-            <a:endParaRPr lang="zh-CN" altLang="en-US"/>
           </a:p>
         </p:txBody>
       </p:sp>
@@ -1097,7 +1107,6 @@
               <a:rPr lang="zh-CN" altLang="en-US"/>
               <a:t>单击此处编辑母版文本样式</a:t>
             </a:r>
-            <a:endParaRPr lang="zh-CN" altLang="en-US"/>
           </a:p>
           <a:p>
             <a:pPr lvl="1"/>
@@ -1105,7 +1114,6 @@
               <a:rPr lang="zh-CN" altLang="en-US"/>
               <a:t>二级</a:t>
             </a:r>
-            <a:endParaRPr lang="zh-CN" altLang="en-US"/>
           </a:p>
           <a:p>
             <a:pPr lvl="2"/>
@@ -1113,7 +1121,6 @@
               <a:rPr lang="zh-CN" altLang="en-US"/>
               <a:t>三级</a:t>
             </a:r>
-            <a:endParaRPr lang="zh-CN" altLang="en-US"/>
           </a:p>
           <a:p>
             <a:pPr lvl="3"/>
@@ -1121,7 +1128,6 @@
               <a:rPr lang="zh-CN" altLang="en-US"/>
               <a:t>四级</a:t>
             </a:r>
-            <a:endParaRPr lang="zh-CN" altLang="en-US"/>
           </a:p>
           <a:p>
             <a:pPr lvl="4"/>
@@ -1129,7 +1135,6 @@
               <a:rPr lang="zh-CN" altLang="en-US"/>
               <a:t>五级</a:t>
             </a:r>
-            <a:endParaRPr lang="zh-CN" altLang="en-US"/>
           </a:p>
         </p:txBody>
       </p:sp>
@@ -1150,6 +1155,7 @@
           <a:p>
             <a:fld id="{5AD20816-3703-4B36-A03B-6CEA84674823}" type="datetimeFigureOut">
               <a:rPr lang="zh-CN" altLang="en-US" smtClean="0"/>
+              <a:t>2020/7/7</a:t>
             </a:fld>
             <a:endParaRPr lang="zh-CN" altLang="en-US"/>
           </a:p>
@@ -1191,6 +1197,7 @@
           <a:p>
             <a:fld id="{1AD5F6A7-CD3C-4EF4-868A-B12F0998E4AD}" type="slidenum">
               <a:rPr lang="zh-CN" altLang="en-US" smtClean="0"/>
+              <a:t>‹#›</a:t>
             </a:fld>
             <a:endParaRPr lang="zh-CN" altLang="en-US"/>
           </a:p>
@@ -1249,7 +1256,6 @@
               <a:rPr lang="zh-CN" altLang="en-US"/>
               <a:t>单击此处编辑母版标题样式</a:t>
             </a:r>
-            <a:endParaRPr lang="zh-CN" altLang="en-US"/>
           </a:p>
         </p:txBody>
       </p:sp>
@@ -1369,7 +1375,6 @@
               <a:rPr lang="zh-CN" altLang="en-US"/>
               <a:t>单击此处编辑母版文本样式</a:t>
             </a:r>
-            <a:endParaRPr lang="zh-CN" altLang="en-US"/>
           </a:p>
         </p:txBody>
       </p:sp>
@@ -1390,6 +1395,7 @@
           <a:p>
             <a:fld id="{5AD20816-3703-4B36-A03B-6CEA84674823}" type="datetimeFigureOut">
               <a:rPr lang="zh-CN" altLang="en-US" smtClean="0"/>
+              <a:t>2020/7/7</a:t>
             </a:fld>
             <a:endParaRPr lang="zh-CN" altLang="en-US"/>
           </a:p>
@@ -1431,6 +1437,7 @@
           <a:p>
             <a:fld id="{1AD5F6A7-CD3C-4EF4-868A-B12F0998E4AD}" type="slidenum">
               <a:rPr lang="zh-CN" altLang="en-US" smtClean="0"/>
+              <a:t>‹#›</a:t>
             </a:fld>
             <a:endParaRPr lang="zh-CN" altLang="en-US"/>
           </a:p>
@@ -1480,7 +1487,6 @@
               <a:rPr lang="zh-CN" altLang="en-US"/>
               <a:t>单击此处编辑母版标题样式</a:t>
             </a:r>
-            <a:endParaRPr lang="zh-CN" altLang="en-US"/>
           </a:p>
         </p:txBody>
       </p:sp>
@@ -1509,7 +1515,6 @@
               <a:rPr lang="zh-CN" altLang="en-US"/>
               <a:t>单击此处编辑母版文本样式</a:t>
             </a:r>
-            <a:endParaRPr lang="zh-CN" altLang="en-US"/>
           </a:p>
           <a:p>
             <a:pPr lvl="1"/>
@@ -1517,7 +1522,6 @@
               <a:rPr lang="zh-CN" altLang="en-US"/>
               <a:t>二级</a:t>
             </a:r>
-            <a:endParaRPr lang="zh-CN" altLang="en-US"/>
           </a:p>
           <a:p>
             <a:pPr lvl="2"/>
@@ -1525,7 +1529,6 @@
               <a:rPr lang="zh-CN" altLang="en-US"/>
               <a:t>三级</a:t>
             </a:r>
-            <a:endParaRPr lang="zh-CN" altLang="en-US"/>
           </a:p>
           <a:p>
             <a:pPr lvl="3"/>
@@ -1533,7 +1536,6 @@
               <a:rPr lang="zh-CN" altLang="en-US"/>
               <a:t>四级</a:t>
             </a:r>
-            <a:endParaRPr lang="zh-CN" altLang="en-US"/>
           </a:p>
           <a:p>
             <a:pPr lvl="4"/>
@@ -1541,7 +1543,6 @@
               <a:rPr lang="zh-CN" altLang="en-US"/>
               <a:t>五级</a:t>
             </a:r>
-            <a:endParaRPr lang="zh-CN" altLang="en-US"/>
           </a:p>
         </p:txBody>
       </p:sp>
@@ -1570,7 +1571,6 @@
               <a:rPr lang="zh-CN" altLang="en-US"/>
               <a:t>单击此处编辑母版文本样式</a:t>
             </a:r>
-            <a:endParaRPr lang="zh-CN" altLang="en-US"/>
           </a:p>
           <a:p>
             <a:pPr lvl="1"/>
@@ -1578,7 +1578,6 @@
               <a:rPr lang="zh-CN" altLang="en-US"/>
               <a:t>二级</a:t>
             </a:r>
-            <a:endParaRPr lang="zh-CN" altLang="en-US"/>
           </a:p>
           <a:p>
             <a:pPr lvl="2"/>
@@ -1586,7 +1585,6 @@
               <a:rPr lang="zh-CN" altLang="en-US"/>
               <a:t>三级</a:t>
             </a:r>
-            <a:endParaRPr lang="zh-CN" altLang="en-US"/>
           </a:p>
           <a:p>
             <a:pPr lvl="3"/>
@@ -1594,7 +1592,6 @@
               <a:rPr lang="zh-CN" altLang="en-US"/>
               <a:t>四级</a:t>
             </a:r>
-            <a:endParaRPr lang="zh-CN" altLang="en-US"/>
           </a:p>
           <a:p>
             <a:pPr lvl="4"/>
@@ -1602,7 +1599,6 @@
               <a:rPr lang="zh-CN" altLang="en-US"/>
               <a:t>五级</a:t>
             </a:r>
-            <a:endParaRPr lang="zh-CN" altLang="en-US"/>
           </a:p>
         </p:txBody>
       </p:sp>
@@ -1623,6 +1619,7 @@
           <a:p>
             <a:fld id="{5AD20816-3703-4B36-A03B-6CEA84674823}" type="datetimeFigureOut">
               <a:rPr lang="zh-CN" altLang="en-US" smtClean="0"/>
+              <a:t>2020/7/7</a:t>
             </a:fld>
             <a:endParaRPr lang="zh-CN" altLang="en-US"/>
           </a:p>
@@ -1664,6 +1661,7 @@
           <a:p>
             <a:fld id="{1AD5F6A7-CD3C-4EF4-868A-B12F0998E4AD}" type="slidenum">
               <a:rPr lang="zh-CN" altLang="en-US" smtClean="0"/>
+              <a:t>‹#›</a:t>
             </a:fld>
             <a:endParaRPr lang="zh-CN" altLang="en-US"/>
           </a:p>
@@ -1718,7 +1716,6 @@
               <a:rPr lang="zh-CN" altLang="en-US"/>
               <a:t>单击此处编辑母版标题样式</a:t>
             </a:r>
-            <a:endParaRPr lang="zh-CN" altLang="en-US"/>
           </a:p>
         </p:txBody>
       </p:sp>
@@ -1784,7 +1781,6 @@
               <a:rPr lang="zh-CN" altLang="en-US"/>
               <a:t>单击此处编辑母版文本样式</a:t>
             </a:r>
-            <a:endParaRPr lang="zh-CN" altLang="en-US"/>
           </a:p>
         </p:txBody>
       </p:sp>
@@ -1813,7 +1809,6 @@
               <a:rPr lang="zh-CN" altLang="en-US"/>
               <a:t>单击此处编辑母版文本样式</a:t>
             </a:r>
-            <a:endParaRPr lang="zh-CN" altLang="en-US"/>
           </a:p>
           <a:p>
             <a:pPr lvl="1"/>
@@ -1821,7 +1816,6 @@
               <a:rPr lang="zh-CN" altLang="en-US"/>
               <a:t>二级</a:t>
             </a:r>
-            <a:endParaRPr lang="zh-CN" altLang="en-US"/>
           </a:p>
           <a:p>
             <a:pPr lvl="2"/>
@@ -1829,7 +1823,6 @@
               <a:rPr lang="zh-CN" altLang="en-US"/>
               <a:t>三级</a:t>
             </a:r>
-            <a:endParaRPr lang="zh-CN" altLang="en-US"/>
           </a:p>
           <a:p>
             <a:pPr lvl="3"/>
@@ -1837,7 +1830,6 @@
               <a:rPr lang="zh-CN" altLang="en-US"/>
               <a:t>四级</a:t>
             </a:r>
-            <a:endParaRPr lang="zh-CN" altLang="en-US"/>
           </a:p>
           <a:p>
             <a:pPr lvl="4"/>
@@ -1845,7 +1837,6 @@
               <a:rPr lang="zh-CN" altLang="en-US"/>
               <a:t>五级</a:t>
             </a:r>
-            <a:endParaRPr lang="zh-CN" altLang="en-US"/>
           </a:p>
         </p:txBody>
       </p:sp>
@@ -1911,7 +1902,6 @@
               <a:rPr lang="zh-CN" altLang="en-US"/>
               <a:t>单击此处编辑母版文本样式</a:t>
             </a:r>
-            <a:endParaRPr lang="zh-CN" altLang="en-US"/>
           </a:p>
         </p:txBody>
       </p:sp>
@@ -1940,7 +1930,6 @@
               <a:rPr lang="zh-CN" altLang="en-US"/>
               <a:t>单击此处编辑母版文本样式</a:t>
             </a:r>
-            <a:endParaRPr lang="zh-CN" altLang="en-US"/>
           </a:p>
           <a:p>
             <a:pPr lvl="1"/>
@@ -1948,7 +1937,6 @@
               <a:rPr lang="zh-CN" altLang="en-US"/>
               <a:t>二级</a:t>
             </a:r>
-            <a:endParaRPr lang="zh-CN" altLang="en-US"/>
           </a:p>
           <a:p>
             <a:pPr lvl="2"/>
@@ -1956,7 +1944,6 @@
               <a:rPr lang="zh-CN" altLang="en-US"/>
               <a:t>三级</a:t>
             </a:r>
-            <a:endParaRPr lang="zh-CN" altLang="en-US"/>
           </a:p>
           <a:p>
             <a:pPr lvl="3"/>
@@ -1964,7 +1951,6 @@
               <a:rPr lang="zh-CN" altLang="en-US"/>
               <a:t>四级</a:t>
             </a:r>
-            <a:endParaRPr lang="zh-CN" altLang="en-US"/>
           </a:p>
           <a:p>
             <a:pPr lvl="4"/>
@@ -1972,7 +1958,6 @@
               <a:rPr lang="zh-CN" altLang="en-US"/>
               <a:t>五级</a:t>
             </a:r>
-            <a:endParaRPr lang="zh-CN" altLang="en-US"/>
           </a:p>
         </p:txBody>
       </p:sp>
@@ -1993,6 +1978,7 @@
           <a:p>
             <a:fld id="{5AD20816-3703-4B36-A03B-6CEA84674823}" type="datetimeFigureOut">
               <a:rPr lang="zh-CN" altLang="en-US" smtClean="0"/>
+              <a:t>2020/7/7</a:t>
             </a:fld>
             <a:endParaRPr lang="zh-CN" altLang="en-US"/>
           </a:p>
@@ -2034,6 +2020,7 @@
           <a:p>
             <a:fld id="{1AD5F6A7-CD3C-4EF4-868A-B12F0998E4AD}" type="slidenum">
               <a:rPr lang="zh-CN" altLang="en-US" smtClean="0"/>
+              <a:t>‹#›</a:t>
             </a:fld>
             <a:endParaRPr lang="zh-CN" altLang="en-US"/>
           </a:p>
@@ -2083,7 +2070,6 @@
               <a:rPr lang="zh-CN" altLang="en-US"/>
               <a:t>单击此处编辑母版标题样式</a:t>
             </a:r>
-            <a:endParaRPr lang="zh-CN" altLang="en-US"/>
           </a:p>
         </p:txBody>
       </p:sp>
@@ -2104,6 +2090,7 @@
           <a:p>
             <a:fld id="{5AD20816-3703-4B36-A03B-6CEA84674823}" type="datetimeFigureOut">
               <a:rPr lang="zh-CN" altLang="en-US" smtClean="0"/>
+              <a:t>2020/7/7</a:t>
             </a:fld>
             <a:endParaRPr lang="zh-CN" altLang="en-US"/>
           </a:p>
@@ -2145,6 +2132,7 @@
           <a:p>
             <a:fld id="{1AD5F6A7-CD3C-4EF4-868A-B12F0998E4AD}" type="slidenum">
               <a:rPr lang="zh-CN" altLang="en-US" smtClean="0"/>
+              <a:t>‹#›</a:t>
             </a:fld>
             <a:endParaRPr lang="zh-CN" altLang="en-US"/>
           </a:p>
@@ -2192,6 +2180,7 @@
           <a:p>
             <a:fld id="{5AD20816-3703-4B36-A03B-6CEA84674823}" type="datetimeFigureOut">
               <a:rPr lang="zh-CN" altLang="en-US" smtClean="0"/>
+              <a:t>2020/7/7</a:t>
             </a:fld>
             <a:endParaRPr lang="zh-CN" altLang="en-US"/>
           </a:p>
@@ -2233,6 +2222,7 @@
           <a:p>
             <a:fld id="{1AD5F6A7-CD3C-4EF4-868A-B12F0998E4AD}" type="slidenum">
               <a:rPr lang="zh-CN" altLang="en-US" smtClean="0"/>
+              <a:t>‹#›</a:t>
             </a:fld>
             <a:endParaRPr lang="zh-CN" altLang="en-US"/>
           </a:p>
@@ -2291,7 +2281,6 @@
               <a:rPr lang="zh-CN" altLang="en-US"/>
               <a:t>单击此处编辑母版标题样式</a:t>
             </a:r>
-            <a:endParaRPr lang="zh-CN" altLang="en-US"/>
           </a:p>
         </p:txBody>
       </p:sp>
@@ -2348,7 +2337,6 @@
               <a:rPr lang="zh-CN" altLang="en-US"/>
               <a:t>单击此处编辑母版文本样式</a:t>
             </a:r>
-            <a:endParaRPr lang="zh-CN" altLang="en-US"/>
           </a:p>
           <a:p>
             <a:pPr lvl="1"/>
@@ -2356,7 +2344,6 @@
               <a:rPr lang="zh-CN" altLang="en-US"/>
               <a:t>二级</a:t>
             </a:r>
-            <a:endParaRPr lang="zh-CN" altLang="en-US"/>
           </a:p>
           <a:p>
             <a:pPr lvl="2"/>
@@ -2364,7 +2351,6 @@
               <a:rPr lang="zh-CN" altLang="en-US"/>
               <a:t>三级</a:t>
             </a:r>
-            <a:endParaRPr lang="zh-CN" altLang="en-US"/>
           </a:p>
           <a:p>
             <a:pPr lvl="3"/>
@@ -2372,7 +2358,6 @@
               <a:rPr lang="zh-CN" altLang="en-US"/>
               <a:t>四级</a:t>
             </a:r>
-            <a:endParaRPr lang="zh-CN" altLang="en-US"/>
           </a:p>
           <a:p>
             <a:pPr lvl="4"/>
@@ -2380,7 +2365,6 @@
               <a:rPr lang="zh-CN" altLang="en-US"/>
               <a:t>五级</a:t>
             </a:r>
-            <a:endParaRPr lang="zh-CN" altLang="en-US"/>
           </a:p>
         </p:txBody>
       </p:sp>
@@ -2446,7 +2430,6 @@
               <a:rPr lang="zh-CN" altLang="en-US"/>
               <a:t>单击此处编辑母版文本样式</a:t>
             </a:r>
-            <a:endParaRPr lang="zh-CN" altLang="en-US"/>
           </a:p>
         </p:txBody>
       </p:sp>
@@ -2467,6 +2450,7 @@
           <a:p>
             <a:fld id="{5AD20816-3703-4B36-A03B-6CEA84674823}" type="datetimeFigureOut">
               <a:rPr lang="zh-CN" altLang="en-US" smtClean="0"/>
+              <a:t>2020/7/7</a:t>
             </a:fld>
             <a:endParaRPr lang="zh-CN" altLang="en-US"/>
           </a:p>
@@ -2508,6 +2492,7 @@
           <a:p>
             <a:fld id="{1AD5F6A7-CD3C-4EF4-868A-B12F0998E4AD}" type="slidenum">
               <a:rPr lang="zh-CN" altLang="en-US" smtClean="0"/>
+              <a:t>‹#›</a:t>
             </a:fld>
             <a:endParaRPr lang="zh-CN" altLang="en-US"/>
           </a:p>
@@ -2566,7 +2551,6 @@
               <a:rPr lang="zh-CN" altLang="en-US"/>
               <a:t>单击此处编辑母版标题样式</a:t>
             </a:r>
-            <a:endParaRPr lang="zh-CN" altLang="en-US"/>
           </a:p>
         </p:txBody>
       </p:sp>
@@ -2693,7 +2677,6 @@
               <a:rPr lang="zh-CN" altLang="en-US"/>
               <a:t>单击此处编辑母版文本样式</a:t>
             </a:r>
-            <a:endParaRPr lang="zh-CN" altLang="en-US"/>
           </a:p>
         </p:txBody>
       </p:sp>
@@ -2714,6 +2697,7 @@
           <a:p>
             <a:fld id="{5AD20816-3703-4B36-A03B-6CEA84674823}" type="datetimeFigureOut">
               <a:rPr lang="zh-CN" altLang="en-US" smtClean="0"/>
+              <a:t>2020/7/7</a:t>
             </a:fld>
             <a:endParaRPr lang="zh-CN" altLang="en-US"/>
           </a:p>
@@ -2755,6 +2739,7 @@
           <a:p>
             <a:fld id="{1AD5F6A7-CD3C-4EF4-868A-B12F0998E4AD}" type="slidenum">
               <a:rPr lang="zh-CN" altLang="en-US" smtClean="0"/>
+              <a:t>‹#›</a:t>
             </a:fld>
             <a:endParaRPr lang="zh-CN" altLang="en-US"/>
           </a:p>
@@ -2819,7 +2804,6 @@
               <a:rPr lang="zh-CN" altLang="en-US"/>
               <a:t>单击此处编辑母版标题样式</a:t>
             </a:r>
-            <a:endParaRPr lang="zh-CN" altLang="en-US"/>
           </a:p>
         </p:txBody>
       </p:sp>
@@ -2853,7 +2837,6 @@
               <a:rPr lang="zh-CN" altLang="en-US"/>
               <a:t>单击此处编辑母版文本样式</a:t>
             </a:r>
-            <a:endParaRPr lang="zh-CN" altLang="en-US"/>
           </a:p>
           <a:p>
             <a:pPr lvl="1"/>
@@ -2861,7 +2844,6 @@
               <a:rPr lang="zh-CN" altLang="en-US"/>
               <a:t>二级</a:t>
             </a:r>
-            <a:endParaRPr lang="zh-CN" altLang="en-US"/>
           </a:p>
           <a:p>
             <a:pPr lvl="2"/>
@@ -2869,7 +2851,6 @@
               <a:rPr lang="zh-CN" altLang="en-US"/>
               <a:t>三级</a:t>
             </a:r>
-            <a:endParaRPr lang="zh-CN" altLang="en-US"/>
           </a:p>
           <a:p>
             <a:pPr lvl="3"/>
@@ -2877,7 +2858,6 @@
               <a:rPr lang="zh-CN" altLang="en-US"/>
               <a:t>四级</a:t>
             </a:r>
-            <a:endParaRPr lang="zh-CN" altLang="en-US"/>
           </a:p>
           <a:p>
             <a:pPr lvl="4"/>
@@ -2885,7 +2865,6 @@
               <a:rPr lang="zh-CN" altLang="en-US"/>
               <a:t>五级</a:t>
             </a:r>
-            <a:endParaRPr lang="zh-CN" altLang="en-US"/>
           </a:p>
         </p:txBody>
       </p:sp>
@@ -2924,6 +2903,7 @@
           <a:p>
             <a:fld id="{5AD20816-3703-4B36-A03B-6CEA84674823}" type="datetimeFigureOut">
               <a:rPr lang="zh-CN" altLang="en-US" smtClean="0"/>
+              <a:t>2020/7/7</a:t>
             </a:fld>
             <a:endParaRPr lang="zh-CN" altLang="en-US"/>
           </a:p>
@@ -3001,6 +2981,7 @@
           <a:p>
             <a:fld id="{1AD5F6A7-CD3C-4EF4-868A-B12F0998E4AD}" type="slidenum">
               <a:rPr lang="zh-CN" altLang="en-US" smtClean="0"/>
+              <a:t>‹#›</a:t>
             </a:fld>
             <a:endParaRPr lang="zh-CN" altLang="en-US"/>
           </a:p>
@@ -3341,7 +3322,6 @@
               <a:rPr lang="zh-CN" altLang="en-US" dirty="0"/>
               <a:t>抽卡手游</a:t>
             </a:r>
-            <a:endParaRPr lang="zh-CN" altLang="en-US" dirty="0"/>
           </a:p>
         </p:txBody>
       </p:sp>
@@ -3387,11 +3367,3787 @@
               <a:rPr lang="zh-CN" altLang="en-US" dirty="0"/>
               <a:t>助教：支晨曦</a:t>
             </a:r>
+          </a:p>
+        </p:txBody>
+      </p:sp>
+    </p:spTree>
+  </p:cSld>
+  <p:clrMapOvr>
+    <a:masterClrMapping/>
+  </p:clrMapOvr>
+</p:sld>
+</file>
+
+<file path=ppt/slides/slide10.xml><?xml version="1.0" encoding="utf-8"?>
+<p:sld xmlns:a="http://schemas.openxmlformats.org/drawingml/2006/main" xmlns:r="http://schemas.openxmlformats.org/officeDocument/2006/relationships" xmlns:p="http://schemas.openxmlformats.org/presentationml/2006/main">
+  <p:cSld>
+    <p:spTree>
+      <p:nvGrpSpPr>
+        <p:cNvPr id="1" name=""/>
+        <p:cNvGrpSpPr/>
+        <p:nvPr/>
+      </p:nvGrpSpPr>
+      <p:grpSpPr>
+        <a:xfrm>
+          <a:off x="0" y="0"/>
+          <a:ext cx="0" cy="0"/>
+          <a:chOff x="0" y="0"/>
+          <a:chExt cx="0" cy="0"/>
+        </a:xfrm>
+      </p:grpSpPr>
+      <p:sp>
+        <p:nvSpPr>
+          <p:cNvPr id="4" name="矩形 3">
+            <a:extLst>
+              <a:ext uri="{FF2B5EF4-FFF2-40B4-BE49-F238E27FC236}">
+                <a16:creationId xmlns:a16="http://schemas.microsoft.com/office/drawing/2014/main" id="{F997D4DD-EDB2-4FA5-84BA-9BA89AF05EA3}"/>
+              </a:ext>
+            </a:extLst>
+          </p:cNvPr>
+          <p:cNvSpPr/>
+          <p:nvPr/>
+        </p:nvSpPr>
+        <p:spPr>
+          <a:xfrm>
+            <a:off x="1371600" y="1773643"/>
+            <a:ext cx="2339788" cy="1371600"/>
+          </a:xfrm>
+          <a:prstGeom prst="rect">
+            <a:avLst/>
+          </a:prstGeom>
+        </p:spPr>
+        <p:style>
+          <a:lnRef idx="2">
+            <a:schemeClr val="accent1">
+              <a:shade val="50000"/>
+            </a:schemeClr>
+          </a:lnRef>
+          <a:fillRef idx="1">
+            <a:schemeClr val="accent1"/>
+          </a:fillRef>
+          <a:effectRef idx="0">
+            <a:schemeClr val="accent1"/>
+          </a:effectRef>
+          <a:fontRef idx="minor">
+            <a:schemeClr val="lt1"/>
+          </a:fontRef>
+        </p:style>
+        <p:txBody>
+          <a:bodyPr rtlCol="0" anchor="ctr"/>
+          <a:lstStyle/>
+          <a:p>
+            <a:pPr algn="ctr"/>
+            <a:r>
+              <a:rPr lang="zh-CN" altLang="en-US" dirty="0"/>
+              <a:t>设置维护时间功能</a:t>
+            </a:r>
+          </a:p>
+        </p:txBody>
+      </p:sp>
+      <p:sp>
+        <p:nvSpPr>
+          <p:cNvPr id="5" name="矩形 4">
+            <a:extLst>
+              <a:ext uri="{FF2B5EF4-FFF2-40B4-BE49-F238E27FC236}">
+                <a16:creationId xmlns:a16="http://schemas.microsoft.com/office/drawing/2014/main" id="{E78B0C72-3131-4C30-BAD0-A68F793662F7}"/>
+              </a:ext>
+            </a:extLst>
+          </p:cNvPr>
+          <p:cNvSpPr/>
+          <p:nvPr/>
+        </p:nvSpPr>
+        <p:spPr>
+          <a:xfrm>
+            <a:off x="3971365" y="1773643"/>
+            <a:ext cx="2339788" cy="1371600"/>
+          </a:xfrm>
+          <a:prstGeom prst="rect">
+            <a:avLst/>
+          </a:prstGeom>
+        </p:spPr>
+        <p:style>
+          <a:lnRef idx="2">
+            <a:schemeClr val="accent1">
+              <a:shade val="50000"/>
+            </a:schemeClr>
+          </a:lnRef>
+          <a:fillRef idx="1">
+            <a:schemeClr val="accent1"/>
+          </a:fillRef>
+          <a:effectRef idx="0">
+            <a:schemeClr val="accent1"/>
+          </a:effectRef>
+          <a:fontRef idx="minor">
+            <a:schemeClr val="lt1"/>
+          </a:fontRef>
+        </p:style>
+        <p:txBody>
+          <a:bodyPr rtlCol="0" anchor="ctr"/>
+          <a:lstStyle/>
+          <a:p>
+            <a:pPr algn="ctr"/>
+            <a:r>
+              <a:rPr lang="zh-CN" altLang="en-US" dirty="0"/>
+              <a:t>发邮件功能</a:t>
+            </a:r>
+          </a:p>
+        </p:txBody>
+      </p:sp>
+      <p:sp>
+        <p:nvSpPr>
+          <p:cNvPr id="6" name="矩形 5">
+            <a:extLst>
+              <a:ext uri="{FF2B5EF4-FFF2-40B4-BE49-F238E27FC236}">
+                <a16:creationId xmlns:a16="http://schemas.microsoft.com/office/drawing/2014/main" id="{E8C17BDE-1840-4C08-AAB1-A03E136F9860}"/>
+              </a:ext>
+            </a:extLst>
+          </p:cNvPr>
+          <p:cNvSpPr/>
+          <p:nvPr/>
+        </p:nvSpPr>
+        <p:spPr>
+          <a:xfrm>
+            <a:off x="6571130" y="1773643"/>
+            <a:ext cx="2339788" cy="1371600"/>
+          </a:xfrm>
+          <a:prstGeom prst="rect">
+            <a:avLst/>
+          </a:prstGeom>
+        </p:spPr>
+        <p:style>
+          <a:lnRef idx="2">
+            <a:schemeClr val="accent1">
+              <a:shade val="50000"/>
+            </a:schemeClr>
+          </a:lnRef>
+          <a:fillRef idx="1">
+            <a:schemeClr val="accent1"/>
+          </a:fillRef>
+          <a:effectRef idx="0">
+            <a:schemeClr val="accent1"/>
+          </a:effectRef>
+          <a:fontRef idx="minor">
+            <a:schemeClr val="lt1"/>
+          </a:fontRef>
+        </p:style>
+        <p:txBody>
+          <a:bodyPr rtlCol="0" anchor="ctr"/>
+          <a:lstStyle/>
+          <a:p>
+            <a:pPr algn="ctr"/>
+            <a:r>
+              <a:rPr lang="en-US" altLang="zh-CN" dirty="0"/>
+              <a:t>BAN</a:t>
+            </a:r>
+            <a:r>
+              <a:rPr lang="zh-CN" altLang="en-US" dirty="0"/>
+              <a:t>功能</a:t>
+            </a:r>
+          </a:p>
+        </p:txBody>
+      </p:sp>
+      <p:sp>
+        <p:nvSpPr>
+          <p:cNvPr id="7" name="矩形 6">
+            <a:extLst>
+              <a:ext uri="{FF2B5EF4-FFF2-40B4-BE49-F238E27FC236}">
+                <a16:creationId xmlns:a16="http://schemas.microsoft.com/office/drawing/2014/main" id="{7EAA81D9-F508-4B0B-BF88-68CA18CD8EC1}"/>
+              </a:ext>
+            </a:extLst>
+          </p:cNvPr>
+          <p:cNvSpPr/>
+          <p:nvPr/>
+        </p:nvSpPr>
+        <p:spPr>
+          <a:xfrm>
+            <a:off x="2541494" y="4788899"/>
+            <a:ext cx="2339788" cy="1371600"/>
+          </a:xfrm>
+          <a:prstGeom prst="rect">
+            <a:avLst/>
+          </a:prstGeom>
+        </p:spPr>
+        <p:style>
+          <a:lnRef idx="2">
+            <a:schemeClr val="accent1">
+              <a:shade val="50000"/>
+            </a:schemeClr>
+          </a:lnRef>
+          <a:fillRef idx="1">
+            <a:schemeClr val="accent1"/>
+          </a:fillRef>
+          <a:effectRef idx="0">
+            <a:schemeClr val="accent1"/>
+          </a:effectRef>
+          <a:fontRef idx="minor">
+            <a:schemeClr val="lt1"/>
+          </a:fontRef>
+        </p:style>
+        <p:txBody>
+          <a:bodyPr rtlCol="0" anchor="ctr"/>
+          <a:lstStyle/>
+          <a:p>
+            <a:pPr algn="ctr"/>
+            <a:r>
+              <a:rPr lang="zh-CN" altLang="en-US" dirty="0"/>
+              <a:t>统计功能</a:t>
+            </a:r>
+          </a:p>
+        </p:txBody>
+      </p:sp>
+      <p:sp>
+        <p:nvSpPr>
+          <p:cNvPr id="8" name="矩形 7">
+            <a:extLst>
+              <a:ext uri="{FF2B5EF4-FFF2-40B4-BE49-F238E27FC236}">
+                <a16:creationId xmlns:a16="http://schemas.microsoft.com/office/drawing/2014/main" id="{DE99F2B5-81CC-4022-98A7-5D9416D540B6}"/>
+              </a:ext>
+            </a:extLst>
+          </p:cNvPr>
+          <p:cNvSpPr/>
+          <p:nvPr/>
+        </p:nvSpPr>
+        <p:spPr>
+          <a:xfrm>
+            <a:off x="5141259" y="4788899"/>
+            <a:ext cx="2339788" cy="1371600"/>
+          </a:xfrm>
+          <a:prstGeom prst="rect">
+            <a:avLst/>
+          </a:prstGeom>
+        </p:spPr>
+        <p:style>
+          <a:lnRef idx="2">
+            <a:schemeClr val="accent1">
+              <a:shade val="50000"/>
+            </a:schemeClr>
+          </a:lnRef>
+          <a:fillRef idx="1">
+            <a:schemeClr val="accent1"/>
+          </a:fillRef>
+          <a:effectRef idx="0">
+            <a:schemeClr val="accent1"/>
+          </a:effectRef>
+          <a:fontRef idx="minor">
+            <a:schemeClr val="lt1"/>
+          </a:fontRef>
+        </p:style>
+        <p:txBody>
+          <a:bodyPr rtlCol="0" anchor="ctr"/>
+          <a:lstStyle/>
+          <a:p>
+            <a:pPr algn="ctr"/>
+            <a:r>
+              <a:rPr lang="zh-CN" altLang="en-US" dirty="0"/>
+              <a:t>卡片的增加</a:t>
+            </a:r>
+            <a:r>
+              <a:rPr lang="en-US" altLang="zh-CN" dirty="0"/>
+              <a:t>/</a:t>
+            </a:r>
+            <a:r>
+              <a:rPr lang="zh-CN" altLang="en-US" dirty="0"/>
+              <a:t>更改功能</a:t>
+            </a:r>
+          </a:p>
+        </p:txBody>
+      </p:sp>
+      <p:sp>
+        <p:nvSpPr>
+          <p:cNvPr id="9" name="箭头: 下 8">
+            <a:extLst>
+              <a:ext uri="{FF2B5EF4-FFF2-40B4-BE49-F238E27FC236}">
+                <a16:creationId xmlns:a16="http://schemas.microsoft.com/office/drawing/2014/main" id="{FD9E76DF-6D2B-43C5-B76A-23008715D2DF}"/>
+              </a:ext>
+            </a:extLst>
+          </p:cNvPr>
+          <p:cNvSpPr/>
+          <p:nvPr/>
+        </p:nvSpPr>
+        <p:spPr>
+          <a:xfrm>
+            <a:off x="4634753" y="3246970"/>
+            <a:ext cx="842682" cy="1371600"/>
+          </a:xfrm>
+          <a:prstGeom prst="downArrow">
+            <a:avLst/>
+          </a:prstGeom>
+        </p:spPr>
+        <p:style>
+          <a:lnRef idx="2">
+            <a:schemeClr val="accent1">
+              <a:shade val="50000"/>
+            </a:schemeClr>
+          </a:lnRef>
+          <a:fillRef idx="1">
+            <a:schemeClr val="accent1"/>
+          </a:fillRef>
+          <a:effectRef idx="0">
+            <a:schemeClr val="accent1"/>
+          </a:effectRef>
+          <a:fontRef idx="minor">
+            <a:schemeClr val="lt1"/>
+          </a:fontRef>
+        </p:style>
+        <p:txBody>
+          <a:bodyPr rtlCol="0" anchor="ctr"/>
+          <a:lstStyle/>
+          <a:p>
+            <a:pPr algn="ctr"/>
+            <a:endParaRPr lang="zh-CN" altLang="en-US"/>
+          </a:p>
+        </p:txBody>
+      </p:sp>
+      <p:sp>
+        <p:nvSpPr>
+          <p:cNvPr id="11" name="文本框 10">
+            <a:extLst>
+              <a:ext uri="{FF2B5EF4-FFF2-40B4-BE49-F238E27FC236}">
+                <a16:creationId xmlns:a16="http://schemas.microsoft.com/office/drawing/2014/main" id="{08B6BE69-A4CB-4EEA-8053-FC2EA93E2C24}"/>
+              </a:ext>
+            </a:extLst>
+          </p:cNvPr>
+          <p:cNvSpPr txBox="1"/>
+          <p:nvPr/>
+        </p:nvSpPr>
+        <p:spPr>
+          <a:xfrm>
+            <a:off x="313765" y="376518"/>
+            <a:ext cx="2645276" cy="923330"/>
+          </a:xfrm>
+          <a:prstGeom prst="rect">
+            <a:avLst/>
+          </a:prstGeom>
+          <a:noFill/>
+        </p:spPr>
+        <p:txBody>
+          <a:bodyPr wrap="none" rtlCol="0">
+            <a:spAutoFit/>
+          </a:bodyPr>
+          <a:lstStyle/>
+          <a:p>
+            <a:r>
+              <a:rPr lang="zh-CN" altLang="en-US" dirty="0"/>
+              <a:t>运维前端</a:t>
+            </a:r>
+            <a:r>
+              <a:rPr lang="en-US" altLang="zh-CN" dirty="0"/>
+              <a:t>&amp;</a:t>
+            </a:r>
+            <a:r>
+              <a:rPr lang="zh-CN" altLang="en-US" dirty="0"/>
+              <a:t>后端制作</a:t>
+            </a:r>
+          </a:p>
+          <a:p>
+            <a:r>
+              <a:rPr lang="zh-CN" altLang="en-US" dirty="0"/>
+              <a:t>主要负责</a:t>
+            </a:r>
+            <a:r>
+              <a:rPr lang="en-US" altLang="zh-CN" dirty="0"/>
+              <a:t>:Edward/Naomi</a:t>
+            </a:r>
+          </a:p>
+          <a:p>
+            <a:r>
+              <a:rPr lang="en-US" altLang="zh-CN" dirty="0"/>
+              <a:t>day 2</a:t>
+            </a:r>
+          </a:p>
+        </p:txBody>
+      </p:sp>
+      <p:sp>
+        <p:nvSpPr>
+          <p:cNvPr id="12" name="矩形 11">
+            <a:extLst>
+              <a:ext uri="{FF2B5EF4-FFF2-40B4-BE49-F238E27FC236}">
+                <a16:creationId xmlns:a16="http://schemas.microsoft.com/office/drawing/2014/main" id="{0BBFB9A3-55AB-49FD-A7C5-8C360848F891}"/>
+              </a:ext>
+            </a:extLst>
+          </p:cNvPr>
+          <p:cNvSpPr/>
+          <p:nvPr/>
+        </p:nvSpPr>
+        <p:spPr>
+          <a:xfrm>
+            <a:off x="4787152" y="259978"/>
+            <a:ext cx="1891553" cy="349431"/>
+          </a:xfrm>
+          <a:prstGeom prst="rect">
+            <a:avLst/>
+          </a:prstGeom>
+        </p:spPr>
+        <p:style>
+          <a:lnRef idx="2">
+            <a:schemeClr val="accent1">
+              <a:shade val="50000"/>
+            </a:schemeClr>
+          </a:lnRef>
+          <a:fillRef idx="1">
+            <a:schemeClr val="accent1"/>
+          </a:fillRef>
+          <a:effectRef idx="0">
+            <a:schemeClr val="accent1"/>
+          </a:effectRef>
+          <a:fontRef idx="minor">
+            <a:schemeClr val="lt1"/>
+          </a:fontRef>
+        </p:style>
+        <p:txBody>
+          <a:bodyPr rtlCol="0" anchor="ctr"/>
+          <a:lstStyle/>
+          <a:p>
+            <a:pPr algn="ctr"/>
+            <a:r>
+              <a:rPr lang="zh-CN" altLang="en-US" dirty="0"/>
+              <a:t>需要负责人去做</a:t>
+            </a:r>
+          </a:p>
+        </p:txBody>
+      </p:sp>
+      <p:sp>
+        <p:nvSpPr>
+          <p:cNvPr id="13" name="矩形 12">
+            <a:extLst>
+              <a:ext uri="{FF2B5EF4-FFF2-40B4-BE49-F238E27FC236}">
+                <a16:creationId xmlns:a16="http://schemas.microsoft.com/office/drawing/2014/main" id="{09A9F452-6518-40F1-8F56-AFF9779C4440}"/>
+              </a:ext>
+            </a:extLst>
+          </p:cNvPr>
+          <p:cNvSpPr/>
+          <p:nvPr/>
+        </p:nvSpPr>
+        <p:spPr>
+          <a:xfrm>
+            <a:off x="4787152" y="811920"/>
+            <a:ext cx="1891553" cy="349431"/>
+          </a:xfrm>
+          <a:prstGeom prst="rect">
+            <a:avLst/>
+          </a:prstGeom>
+        </p:spPr>
+        <p:style>
+          <a:lnRef idx="2">
+            <a:schemeClr val="accent5">
+              <a:shade val="50000"/>
+            </a:schemeClr>
+          </a:lnRef>
+          <a:fillRef idx="1">
+            <a:schemeClr val="accent5"/>
+          </a:fillRef>
+          <a:effectRef idx="0">
+            <a:schemeClr val="accent5"/>
+          </a:effectRef>
+          <a:fontRef idx="minor">
+            <a:schemeClr val="lt1"/>
+          </a:fontRef>
+        </p:style>
+        <p:txBody>
+          <a:bodyPr rtlCol="0" anchor="ctr"/>
+          <a:lstStyle/>
+          <a:p>
+            <a:pPr algn="ctr"/>
+            <a:r>
+              <a:rPr lang="zh-CN" altLang="en-US" dirty="0"/>
+              <a:t>容易让大家协助</a:t>
+            </a:r>
+          </a:p>
+        </p:txBody>
+      </p:sp>
+      <p:sp>
+        <p:nvSpPr>
+          <p:cNvPr id="14" name="矩形 13">
+            <a:extLst>
+              <a:ext uri="{FF2B5EF4-FFF2-40B4-BE49-F238E27FC236}">
+                <a16:creationId xmlns:a16="http://schemas.microsoft.com/office/drawing/2014/main" id="{F80BEB46-27FA-47BB-BC1C-86A7E5BEF171}"/>
+              </a:ext>
+            </a:extLst>
+          </p:cNvPr>
+          <p:cNvSpPr/>
+          <p:nvPr/>
+        </p:nvSpPr>
+        <p:spPr>
+          <a:xfrm>
+            <a:off x="4787152" y="1322485"/>
+            <a:ext cx="1891553" cy="349431"/>
+          </a:xfrm>
+          <a:prstGeom prst="rect">
+            <a:avLst/>
+          </a:prstGeom>
+        </p:spPr>
+        <p:style>
+          <a:lnRef idx="2">
+            <a:schemeClr val="accent2">
+              <a:shade val="50000"/>
+            </a:schemeClr>
+          </a:lnRef>
+          <a:fillRef idx="1">
+            <a:schemeClr val="accent2"/>
+          </a:fillRef>
+          <a:effectRef idx="0">
+            <a:schemeClr val="accent2"/>
+          </a:effectRef>
+          <a:fontRef idx="minor">
+            <a:schemeClr val="lt1"/>
+          </a:fontRef>
+        </p:style>
+        <p:txBody>
+          <a:bodyPr rtlCol="0" anchor="ctr"/>
+          <a:lstStyle/>
+          <a:p>
+            <a:pPr algn="ctr"/>
+            <a:r>
+              <a:rPr lang="zh-CN" altLang="en-US" dirty="0"/>
+              <a:t>其它人</a:t>
+            </a:r>
+            <a:r>
+              <a:rPr lang="en-US" altLang="zh-CN" dirty="0"/>
+              <a:t>/</a:t>
+            </a:r>
+            <a:r>
+              <a:rPr lang="zh-CN" altLang="en-US" dirty="0"/>
+              <a:t>全体工作</a:t>
+            </a:r>
+          </a:p>
+        </p:txBody>
+      </p:sp>
+      <p:sp>
+        <p:nvSpPr>
+          <p:cNvPr id="15" name="矩形 14">
+            <a:extLst>
+              <a:ext uri="{FF2B5EF4-FFF2-40B4-BE49-F238E27FC236}">
+                <a16:creationId xmlns:a16="http://schemas.microsoft.com/office/drawing/2014/main" id="{CBE45AA9-D6B1-483F-B542-63B5A0020E3E}"/>
+              </a:ext>
+            </a:extLst>
+          </p:cNvPr>
+          <p:cNvSpPr/>
+          <p:nvPr/>
+        </p:nvSpPr>
+        <p:spPr>
+          <a:xfrm>
+            <a:off x="6465775" y="3387332"/>
+            <a:ext cx="2170188" cy="810044"/>
+          </a:xfrm>
+          <a:prstGeom prst="rect">
+            <a:avLst/>
+          </a:prstGeom>
+        </p:spPr>
+        <p:style>
+          <a:lnRef idx="2">
+            <a:schemeClr val="accent2">
+              <a:shade val="50000"/>
+            </a:schemeClr>
+          </a:lnRef>
+          <a:fillRef idx="1">
+            <a:schemeClr val="accent2"/>
+          </a:fillRef>
+          <a:effectRef idx="0">
+            <a:schemeClr val="accent2"/>
+          </a:effectRef>
+          <a:fontRef idx="minor">
+            <a:schemeClr val="lt1"/>
+          </a:fontRef>
+        </p:style>
+        <p:txBody>
+          <a:bodyPr rtlCol="0" anchor="ctr"/>
+          <a:lstStyle/>
+          <a:p>
+            <a:pPr algn="ctr"/>
+            <a:r>
+              <a:rPr lang="zh-CN" altLang="en-US" dirty="0"/>
+              <a:t>游戏机制设计完成</a:t>
+            </a:r>
+          </a:p>
+        </p:txBody>
+      </p:sp>
+      <p:sp>
+        <p:nvSpPr>
+          <p:cNvPr id="16" name="箭头: 右 15">
+            <a:extLst>
+              <a:ext uri="{FF2B5EF4-FFF2-40B4-BE49-F238E27FC236}">
+                <a16:creationId xmlns:a16="http://schemas.microsoft.com/office/drawing/2014/main" id="{15E101B7-4A98-4070-9FF3-0D81D323111F}"/>
+              </a:ext>
+            </a:extLst>
+          </p:cNvPr>
+          <p:cNvSpPr/>
+          <p:nvPr/>
+        </p:nvSpPr>
+        <p:spPr>
+          <a:xfrm rot="10800000">
+            <a:off x="5562677" y="3617639"/>
+            <a:ext cx="748476" cy="349431"/>
+          </a:xfrm>
+          <a:prstGeom prst="rightArrow">
+            <a:avLst/>
+          </a:prstGeom>
+        </p:spPr>
+        <p:style>
+          <a:lnRef idx="2">
+            <a:schemeClr val="accent2">
+              <a:shade val="50000"/>
+            </a:schemeClr>
+          </a:lnRef>
+          <a:fillRef idx="1">
+            <a:schemeClr val="accent2"/>
+          </a:fillRef>
+          <a:effectRef idx="0">
+            <a:schemeClr val="accent2"/>
+          </a:effectRef>
+          <a:fontRef idx="minor">
+            <a:schemeClr val="lt1"/>
+          </a:fontRef>
+        </p:style>
+        <p:txBody>
+          <a:bodyPr rtlCol="0" anchor="ctr"/>
+          <a:lstStyle/>
+          <a:p>
+            <a:pPr algn="ctr"/>
+            <a:endParaRPr lang="zh-CN" altLang="en-US"/>
+          </a:p>
+        </p:txBody>
+      </p:sp>
+      <p:sp>
+        <p:nvSpPr>
+          <p:cNvPr id="18" name="文本框 17">
+            <a:extLst>
+              <a:ext uri="{FF2B5EF4-FFF2-40B4-BE49-F238E27FC236}">
+                <a16:creationId xmlns:a16="http://schemas.microsoft.com/office/drawing/2014/main" id="{8E3FD868-54F5-4961-990B-04397FC70D5E}"/>
+              </a:ext>
+            </a:extLst>
+          </p:cNvPr>
+          <p:cNvSpPr txBox="1"/>
+          <p:nvPr/>
+        </p:nvSpPr>
+        <p:spPr>
+          <a:xfrm>
+            <a:off x="7507665" y="1354693"/>
+            <a:ext cx="1569660" cy="369332"/>
+          </a:xfrm>
+          <a:prstGeom prst="rect">
+            <a:avLst/>
+          </a:prstGeom>
+          <a:noFill/>
+        </p:spPr>
+        <p:txBody>
+          <a:bodyPr wrap="none" rtlCol="0">
+            <a:spAutoFit/>
+          </a:bodyPr>
+          <a:lstStyle/>
+          <a:p>
+            <a:r>
+              <a:rPr lang="zh-CN" altLang="en-US" dirty="0">
+                <a:solidFill>
+                  <a:srgbClr val="FF0000"/>
+                </a:solidFill>
+              </a:rPr>
+              <a:t>至少今天完成</a:t>
+            </a:r>
+          </a:p>
+        </p:txBody>
+      </p:sp>
+      <p:sp>
+        <p:nvSpPr>
+          <p:cNvPr id="19" name="矩形 18">
+            <a:extLst>
+              <a:ext uri="{FF2B5EF4-FFF2-40B4-BE49-F238E27FC236}">
+                <a16:creationId xmlns:a16="http://schemas.microsoft.com/office/drawing/2014/main" id="{8C159E23-B03F-4AB1-A3F2-A4E947538E9F}"/>
+              </a:ext>
+            </a:extLst>
+          </p:cNvPr>
+          <p:cNvSpPr/>
+          <p:nvPr/>
+        </p:nvSpPr>
+        <p:spPr>
+          <a:xfrm>
+            <a:off x="9460482" y="2931838"/>
+            <a:ext cx="2339788" cy="1371600"/>
+          </a:xfrm>
+          <a:prstGeom prst="rect">
+            <a:avLst/>
+          </a:prstGeom>
+        </p:spPr>
+        <p:style>
+          <a:lnRef idx="2">
+            <a:schemeClr val="accent1">
+              <a:shade val="50000"/>
+            </a:schemeClr>
+          </a:lnRef>
+          <a:fillRef idx="1">
+            <a:schemeClr val="accent1"/>
+          </a:fillRef>
+          <a:effectRef idx="0">
+            <a:schemeClr val="accent1"/>
+          </a:effectRef>
+          <a:fontRef idx="minor">
+            <a:schemeClr val="lt1"/>
+          </a:fontRef>
+        </p:style>
+        <p:txBody>
+          <a:bodyPr rtlCol="0" anchor="ctr"/>
+          <a:lstStyle/>
+          <a:p>
+            <a:pPr algn="ctr"/>
+            <a:r>
+              <a:rPr lang="zh-CN" altLang="en-US" dirty="0"/>
+              <a:t>服务器部署</a:t>
+            </a:r>
+          </a:p>
+        </p:txBody>
+      </p:sp>
+      <p:sp>
+        <p:nvSpPr>
+          <p:cNvPr id="20" name="矩形 19">
+            <a:extLst>
+              <a:ext uri="{FF2B5EF4-FFF2-40B4-BE49-F238E27FC236}">
+                <a16:creationId xmlns:a16="http://schemas.microsoft.com/office/drawing/2014/main" id="{E5329E39-1795-4DA2-8182-122E4E99A365}"/>
+              </a:ext>
+            </a:extLst>
+          </p:cNvPr>
+          <p:cNvSpPr/>
+          <p:nvPr/>
+        </p:nvSpPr>
+        <p:spPr>
+          <a:xfrm>
+            <a:off x="9705724" y="1773643"/>
+            <a:ext cx="1849304" cy="562257"/>
+          </a:xfrm>
+          <a:prstGeom prst="rect">
+            <a:avLst/>
+          </a:prstGeom>
+        </p:spPr>
+        <p:style>
+          <a:lnRef idx="2">
+            <a:schemeClr val="accent3">
+              <a:shade val="50000"/>
+            </a:schemeClr>
+          </a:lnRef>
+          <a:fillRef idx="1">
+            <a:schemeClr val="accent3"/>
+          </a:fillRef>
+          <a:effectRef idx="0">
+            <a:schemeClr val="accent3"/>
+          </a:effectRef>
+          <a:fontRef idx="minor">
+            <a:schemeClr val="lt1"/>
+          </a:fontRef>
+        </p:style>
+        <p:txBody>
+          <a:bodyPr rtlCol="0" anchor="ctr"/>
+          <a:lstStyle/>
+          <a:p>
+            <a:pPr algn="ctr"/>
+            <a:r>
+              <a:rPr lang="zh-CN" altLang="en-US" dirty="0"/>
+              <a:t>等待申请完毕</a:t>
+            </a:r>
+          </a:p>
+        </p:txBody>
+      </p:sp>
+      <p:sp>
+        <p:nvSpPr>
+          <p:cNvPr id="21" name="箭头: 下 20">
+            <a:extLst>
+              <a:ext uri="{FF2B5EF4-FFF2-40B4-BE49-F238E27FC236}">
+                <a16:creationId xmlns:a16="http://schemas.microsoft.com/office/drawing/2014/main" id="{705B40AA-55A0-45D7-9944-34FBB4C44832}"/>
+              </a:ext>
+            </a:extLst>
+          </p:cNvPr>
+          <p:cNvSpPr/>
+          <p:nvPr/>
+        </p:nvSpPr>
+        <p:spPr>
+          <a:xfrm>
+            <a:off x="10484141" y="2395848"/>
+            <a:ext cx="292470" cy="476042"/>
+          </a:xfrm>
+          <a:prstGeom prst="downArrow">
+            <a:avLst/>
+          </a:prstGeom>
+        </p:spPr>
+        <p:style>
+          <a:lnRef idx="2">
+            <a:schemeClr val="accent3">
+              <a:shade val="50000"/>
+            </a:schemeClr>
+          </a:lnRef>
+          <a:fillRef idx="1">
+            <a:schemeClr val="accent3"/>
+          </a:fillRef>
+          <a:effectRef idx="0">
+            <a:schemeClr val="accent3"/>
+          </a:effectRef>
+          <a:fontRef idx="minor">
+            <a:schemeClr val="lt1"/>
+          </a:fontRef>
+        </p:style>
+        <p:txBody>
+          <a:bodyPr rtlCol="0" anchor="ctr"/>
+          <a:lstStyle/>
+          <a:p>
+            <a:pPr algn="ctr"/>
+            <a:endParaRPr lang="zh-CN" altLang="en-US"/>
+          </a:p>
+        </p:txBody>
+      </p:sp>
+      <p:sp>
+        <p:nvSpPr>
+          <p:cNvPr id="22" name="矩形 21">
+            <a:extLst>
+              <a:ext uri="{FF2B5EF4-FFF2-40B4-BE49-F238E27FC236}">
+                <a16:creationId xmlns:a16="http://schemas.microsoft.com/office/drawing/2014/main" id="{A48B8D55-827B-4329-BCD2-B2297BF07D7F}"/>
+              </a:ext>
+            </a:extLst>
+          </p:cNvPr>
+          <p:cNvSpPr/>
+          <p:nvPr/>
+        </p:nvSpPr>
+        <p:spPr>
+          <a:xfrm>
+            <a:off x="1255599" y="1697443"/>
+            <a:ext cx="7821726" cy="1516337"/>
+          </a:xfrm>
+          <a:prstGeom prst="rect">
+            <a:avLst/>
+          </a:prstGeom>
+          <a:solidFill>
+            <a:schemeClr val="accent6">
+              <a:lumMod val="60000"/>
+              <a:lumOff val="40000"/>
+              <a:alpha val="25000"/>
+            </a:schemeClr>
+          </a:solidFill>
+          <a:ln>
+            <a:solidFill>
+              <a:schemeClr val="accent6">
+                <a:lumMod val="75000"/>
+              </a:schemeClr>
+            </a:solidFill>
+          </a:ln>
+        </p:spPr>
+        <p:style>
+          <a:lnRef idx="2">
+            <a:schemeClr val="accent1">
+              <a:shade val="50000"/>
+            </a:schemeClr>
+          </a:lnRef>
+          <a:fillRef idx="1">
+            <a:schemeClr val="accent1"/>
+          </a:fillRef>
+          <a:effectRef idx="0">
+            <a:schemeClr val="accent1"/>
+          </a:effectRef>
+          <a:fontRef idx="minor">
+            <a:schemeClr val="lt1"/>
+          </a:fontRef>
+        </p:style>
+        <p:txBody>
+          <a:bodyPr rtlCol="0" anchor="ctr"/>
+          <a:lstStyle/>
+          <a:p>
+            <a:pPr algn="ctr"/>
+            <a:endParaRPr lang="zh-CN" altLang="en-US"/>
+          </a:p>
+        </p:txBody>
+      </p:sp>
+    </p:spTree>
+    <p:extLst>
+      <p:ext uri="{BB962C8B-B14F-4D97-AF65-F5344CB8AC3E}">
+        <p14:creationId xmlns:p14="http://schemas.microsoft.com/office/powerpoint/2010/main" val="2553376688"/>
+      </p:ext>
+    </p:extLst>
+  </p:cSld>
+  <p:clrMapOvr>
+    <a:masterClrMapping/>
+  </p:clrMapOvr>
+</p:sld>
+</file>
+
+<file path=ppt/slides/slide11.xml><?xml version="1.0" encoding="utf-8"?>
+<p:sld xmlns:a="http://schemas.openxmlformats.org/drawingml/2006/main" xmlns:r="http://schemas.openxmlformats.org/officeDocument/2006/relationships" xmlns:p="http://schemas.openxmlformats.org/presentationml/2006/main">
+  <p:cSld>
+    <p:spTree>
+      <p:nvGrpSpPr>
+        <p:cNvPr id="1" name=""/>
+        <p:cNvGrpSpPr/>
+        <p:nvPr/>
+      </p:nvGrpSpPr>
+      <p:grpSpPr>
+        <a:xfrm>
+          <a:off x="0" y="0"/>
+          <a:ext cx="0" cy="0"/>
+          <a:chOff x="0" y="0"/>
+          <a:chExt cx="0" cy="0"/>
+        </a:xfrm>
+      </p:grpSpPr>
+      <p:sp>
+        <p:nvSpPr>
+          <p:cNvPr id="2" name="文本框 1">
+            <a:extLst>
+              <a:ext uri="{FF2B5EF4-FFF2-40B4-BE49-F238E27FC236}">
+                <a16:creationId xmlns:a16="http://schemas.microsoft.com/office/drawing/2014/main" id="{A437BE03-DEAA-49BA-AEE1-D5B80B5E0990}"/>
+              </a:ext>
+            </a:extLst>
+          </p:cNvPr>
+          <p:cNvSpPr txBox="1"/>
+          <p:nvPr/>
+        </p:nvSpPr>
+        <p:spPr>
+          <a:xfrm>
+            <a:off x="209550" y="171450"/>
+            <a:ext cx="2664512" cy="369332"/>
+          </a:xfrm>
+          <a:prstGeom prst="rect">
+            <a:avLst/>
+          </a:prstGeom>
+          <a:noFill/>
+        </p:spPr>
+        <p:txBody>
+          <a:bodyPr wrap="none" rtlCol="0">
+            <a:spAutoFit/>
+          </a:bodyPr>
+          <a:lstStyle/>
+          <a:p>
+            <a:r>
+              <a:rPr lang="zh-CN" altLang="en-US" dirty="0"/>
+              <a:t>用户发出的请求总览</a:t>
+            </a:r>
+            <a:r>
+              <a:rPr lang="en-US" altLang="zh-CN" dirty="0"/>
+              <a:t>v2.0</a:t>
+            </a:r>
             <a:endParaRPr lang="zh-CN" altLang="en-US" dirty="0"/>
           </a:p>
         </p:txBody>
       </p:sp>
+      <p:grpSp>
+        <p:nvGrpSpPr>
+          <p:cNvPr id="24" name="组合 23">
+            <a:extLst>
+              <a:ext uri="{FF2B5EF4-FFF2-40B4-BE49-F238E27FC236}">
+                <a16:creationId xmlns:a16="http://schemas.microsoft.com/office/drawing/2014/main" id="{5A0DDA0C-97BE-4DCF-A5F2-280DF2D7A85C}"/>
+              </a:ext>
+            </a:extLst>
+          </p:cNvPr>
+          <p:cNvGrpSpPr/>
+          <p:nvPr/>
+        </p:nvGrpSpPr>
+        <p:grpSpPr>
+          <a:xfrm>
+            <a:off x="104775" y="4361871"/>
+            <a:ext cx="11192475" cy="695327"/>
+            <a:chOff x="104775" y="4257675"/>
+            <a:chExt cx="11192475" cy="695327"/>
+          </a:xfrm>
+        </p:grpSpPr>
+        <p:sp>
+          <p:nvSpPr>
+            <p:cNvPr id="3" name="矩形 2">
+              <a:extLst>
+                <a:ext uri="{FF2B5EF4-FFF2-40B4-BE49-F238E27FC236}">
+                  <a16:creationId xmlns:a16="http://schemas.microsoft.com/office/drawing/2014/main" id="{D3468A60-F460-435D-949A-7ACB25A39EBD}"/>
+                </a:ext>
+              </a:extLst>
+            </p:cNvPr>
+            <p:cNvSpPr/>
+            <p:nvPr/>
+          </p:nvSpPr>
+          <p:spPr>
+            <a:xfrm>
+              <a:off x="2430840" y="4257677"/>
+              <a:ext cx="1733550" cy="695325"/>
+            </a:xfrm>
+            <a:prstGeom prst="rect">
+              <a:avLst/>
+            </a:prstGeom>
+          </p:spPr>
+          <p:style>
+            <a:lnRef idx="2">
+              <a:schemeClr val="accent1">
+                <a:shade val="50000"/>
+              </a:schemeClr>
+            </a:lnRef>
+            <a:fillRef idx="1">
+              <a:schemeClr val="accent1"/>
+            </a:fillRef>
+            <a:effectRef idx="0">
+              <a:schemeClr val="accent1"/>
+            </a:effectRef>
+            <a:fontRef idx="minor">
+              <a:schemeClr val="lt1"/>
+            </a:fontRef>
+          </p:style>
+          <p:txBody>
+            <a:bodyPr rtlCol="0" anchor="ctr"/>
+            <a:lstStyle/>
+            <a:p>
+              <a:pPr algn="ctr"/>
+              <a:r>
+                <a:rPr lang="zh-CN" altLang="en-US" dirty="0"/>
+                <a:t>获取世界</a:t>
+              </a:r>
+              <a:endParaRPr lang="en-US" altLang="zh-CN" dirty="0"/>
+            </a:p>
+            <a:p>
+              <a:pPr algn="ctr"/>
+              <a:r>
+                <a:rPr lang="en-US" altLang="zh-CN" dirty="0"/>
+                <a:t>(</a:t>
+              </a:r>
+              <a:r>
+                <a:rPr lang="en-US" altLang="zh-CN" dirty="0" err="1"/>
+                <a:t>WorldMap</a:t>
+              </a:r>
+              <a:r>
+                <a:rPr lang="en-US" altLang="zh-CN" dirty="0"/>
+                <a:t>)</a:t>
+              </a:r>
+            </a:p>
+          </p:txBody>
+        </p:sp>
+        <p:sp>
+          <p:nvSpPr>
+            <p:cNvPr id="4" name="矩形 3">
+              <a:extLst>
+                <a:ext uri="{FF2B5EF4-FFF2-40B4-BE49-F238E27FC236}">
+                  <a16:creationId xmlns:a16="http://schemas.microsoft.com/office/drawing/2014/main" id="{59F520D5-B757-4469-A4A6-F50953D40F09}"/>
+                </a:ext>
+              </a:extLst>
+            </p:cNvPr>
+            <p:cNvSpPr/>
+            <p:nvPr/>
+          </p:nvSpPr>
+          <p:spPr>
+            <a:xfrm>
+              <a:off x="104775" y="4257677"/>
+              <a:ext cx="1733550" cy="695325"/>
+            </a:xfrm>
+            <a:prstGeom prst="rect">
+              <a:avLst/>
+            </a:prstGeom>
+          </p:spPr>
+          <p:style>
+            <a:lnRef idx="2">
+              <a:schemeClr val="accent5">
+                <a:shade val="50000"/>
+              </a:schemeClr>
+            </a:lnRef>
+            <a:fillRef idx="1">
+              <a:schemeClr val="accent5"/>
+            </a:fillRef>
+            <a:effectRef idx="0">
+              <a:schemeClr val="accent5"/>
+            </a:effectRef>
+            <a:fontRef idx="minor">
+              <a:schemeClr val="lt1"/>
+            </a:fontRef>
+          </p:style>
+          <p:txBody>
+            <a:bodyPr rtlCol="0" anchor="ctr"/>
+            <a:lstStyle/>
+            <a:p>
+              <a:pPr algn="ctr"/>
+              <a:r>
+                <a:rPr lang="zh-CN" altLang="en-US" dirty="0"/>
+                <a:t>人</a:t>
+              </a:r>
+              <a:r>
+                <a:rPr lang="en-US" altLang="zh-CN" dirty="0" err="1"/>
+                <a:t>vsNPC</a:t>
+              </a:r>
+              <a:r>
+                <a:rPr lang="zh-CN" altLang="en-US" dirty="0"/>
+                <a:t>战</a:t>
+              </a:r>
+            </a:p>
+          </p:txBody>
+        </p:sp>
+        <p:sp>
+          <p:nvSpPr>
+            <p:cNvPr id="5" name="矩形 4">
+              <a:extLst>
+                <a:ext uri="{FF2B5EF4-FFF2-40B4-BE49-F238E27FC236}">
+                  <a16:creationId xmlns:a16="http://schemas.microsoft.com/office/drawing/2014/main" id="{78602886-F540-4089-8E51-571229AECA0E}"/>
+                </a:ext>
+              </a:extLst>
+            </p:cNvPr>
+            <p:cNvSpPr/>
+            <p:nvPr/>
+          </p:nvSpPr>
+          <p:spPr>
+            <a:xfrm>
+              <a:off x="4808460" y="4257676"/>
+              <a:ext cx="1733550" cy="695325"/>
+            </a:xfrm>
+            <a:prstGeom prst="rect">
+              <a:avLst/>
+            </a:prstGeom>
+          </p:spPr>
+          <p:style>
+            <a:lnRef idx="2">
+              <a:schemeClr val="accent1">
+                <a:shade val="50000"/>
+              </a:schemeClr>
+            </a:lnRef>
+            <a:fillRef idx="1">
+              <a:schemeClr val="accent1"/>
+            </a:fillRef>
+            <a:effectRef idx="0">
+              <a:schemeClr val="accent1"/>
+            </a:effectRef>
+            <a:fontRef idx="minor">
+              <a:schemeClr val="lt1"/>
+            </a:fontRef>
+          </p:style>
+          <p:txBody>
+            <a:bodyPr rtlCol="0" anchor="ctr"/>
+            <a:lstStyle/>
+            <a:p>
+              <a:pPr algn="ctr"/>
+              <a:r>
+                <a:rPr lang="zh-CN" altLang="en-US" dirty="0"/>
+                <a:t>获取关卡</a:t>
+              </a:r>
+              <a:endParaRPr lang="en-US" altLang="zh-CN" dirty="0"/>
+            </a:p>
+            <a:p>
+              <a:pPr algn="ctr"/>
+              <a:r>
+                <a:rPr lang="en-US" altLang="zh-CN" dirty="0"/>
+                <a:t>(Stage)</a:t>
+              </a:r>
+            </a:p>
+          </p:txBody>
+        </p:sp>
+        <p:sp>
+          <p:nvSpPr>
+            <p:cNvPr id="7" name="矩形 6">
+              <a:extLst>
+                <a:ext uri="{FF2B5EF4-FFF2-40B4-BE49-F238E27FC236}">
+                  <a16:creationId xmlns:a16="http://schemas.microsoft.com/office/drawing/2014/main" id="{FA25D0B9-6CCB-403F-A853-32618100097F}"/>
+                </a:ext>
+              </a:extLst>
+            </p:cNvPr>
+            <p:cNvSpPr/>
+            <p:nvPr/>
+          </p:nvSpPr>
+          <p:spPr>
+            <a:xfrm>
+              <a:off x="7186080" y="4257675"/>
+              <a:ext cx="1733550" cy="695325"/>
+            </a:xfrm>
+            <a:prstGeom prst="rect">
+              <a:avLst/>
+            </a:prstGeom>
+          </p:spPr>
+          <p:style>
+            <a:lnRef idx="2">
+              <a:schemeClr val="accent1">
+                <a:shade val="50000"/>
+              </a:schemeClr>
+            </a:lnRef>
+            <a:fillRef idx="1">
+              <a:schemeClr val="accent1"/>
+            </a:fillRef>
+            <a:effectRef idx="0">
+              <a:schemeClr val="accent1"/>
+            </a:effectRef>
+            <a:fontRef idx="minor">
+              <a:schemeClr val="lt1"/>
+            </a:fontRef>
+          </p:style>
+          <p:txBody>
+            <a:bodyPr rtlCol="0" anchor="ctr"/>
+            <a:lstStyle/>
+            <a:p>
+              <a:pPr algn="ctr"/>
+              <a:r>
+                <a:rPr lang="zh-CN" altLang="en-US" dirty="0"/>
+                <a:t>关卡开战</a:t>
+              </a:r>
+              <a:endParaRPr lang="en-US" altLang="zh-CN" dirty="0"/>
+            </a:p>
+          </p:txBody>
+        </p:sp>
+        <p:sp>
+          <p:nvSpPr>
+            <p:cNvPr id="8" name="矩形 7">
+              <a:extLst>
+                <a:ext uri="{FF2B5EF4-FFF2-40B4-BE49-F238E27FC236}">
+                  <a16:creationId xmlns:a16="http://schemas.microsoft.com/office/drawing/2014/main" id="{77BA373A-C9A7-45C9-8381-B5551508149C}"/>
+                </a:ext>
+              </a:extLst>
+            </p:cNvPr>
+            <p:cNvSpPr/>
+            <p:nvPr/>
+          </p:nvSpPr>
+          <p:spPr>
+            <a:xfrm>
+              <a:off x="9563700" y="4257675"/>
+              <a:ext cx="1733550" cy="695325"/>
+            </a:xfrm>
+            <a:prstGeom prst="rect">
+              <a:avLst/>
+            </a:prstGeom>
+          </p:spPr>
+          <p:style>
+            <a:lnRef idx="2">
+              <a:schemeClr val="accent1">
+                <a:shade val="50000"/>
+              </a:schemeClr>
+            </a:lnRef>
+            <a:fillRef idx="1">
+              <a:schemeClr val="accent1"/>
+            </a:fillRef>
+            <a:effectRef idx="0">
+              <a:schemeClr val="accent1"/>
+            </a:effectRef>
+            <a:fontRef idx="minor">
+              <a:schemeClr val="lt1"/>
+            </a:fontRef>
+          </p:style>
+          <p:txBody>
+            <a:bodyPr rtlCol="0" anchor="ctr"/>
+            <a:lstStyle/>
+            <a:p>
+              <a:pPr algn="ctr"/>
+              <a:r>
+                <a:rPr lang="zh-CN" altLang="en-US" dirty="0"/>
+                <a:t>战斗结果上传</a:t>
+              </a:r>
+              <a:endParaRPr lang="en-US" altLang="zh-CN" dirty="0"/>
+            </a:p>
+          </p:txBody>
+        </p:sp>
+      </p:grpSp>
+      <p:grpSp>
+        <p:nvGrpSpPr>
+          <p:cNvPr id="25" name="组合 24">
+            <a:extLst>
+              <a:ext uri="{FF2B5EF4-FFF2-40B4-BE49-F238E27FC236}">
+                <a16:creationId xmlns:a16="http://schemas.microsoft.com/office/drawing/2014/main" id="{4908C154-6A34-40DA-BD2D-9C17FC3541D8}"/>
+              </a:ext>
+            </a:extLst>
+          </p:cNvPr>
+          <p:cNvGrpSpPr/>
+          <p:nvPr/>
+        </p:nvGrpSpPr>
+        <p:grpSpPr>
+          <a:xfrm>
+            <a:off x="133350" y="5286377"/>
+            <a:ext cx="4031040" cy="695325"/>
+            <a:chOff x="133350" y="5286377"/>
+            <a:chExt cx="4031040" cy="695325"/>
+          </a:xfrm>
+        </p:grpSpPr>
+        <p:sp>
+          <p:nvSpPr>
+            <p:cNvPr id="9" name="矩形 8">
+              <a:extLst>
+                <a:ext uri="{FF2B5EF4-FFF2-40B4-BE49-F238E27FC236}">
+                  <a16:creationId xmlns:a16="http://schemas.microsoft.com/office/drawing/2014/main" id="{E01AAEC0-793D-4AC2-8F1C-B50F70044263}"/>
+                </a:ext>
+              </a:extLst>
+            </p:cNvPr>
+            <p:cNvSpPr/>
+            <p:nvPr/>
+          </p:nvSpPr>
+          <p:spPr>
+            <a:xfrm>
+              <a:off x="133350" y="5286377"/>
+              <a:ext cx="1733550" cy="695325"/>
+            </a:xfrm>
+            <a:prstGeom prst="rect">
+              <a:avLst/>
+            </a:prstGeom>
+          </p:spPr>
+          <p:style>
+            <a:lnRef idx="2">
+              <a:schemeClr val="accent5">
+                <a:shade val="50000"/>
+              </a:schemeClr>
+            </a:lnRef>
+            <a:fillRef idx="1">
+              <a:schemeClr val="accent5"/>
+            </a:fillRef>
+            <a:effectRef idx="0">
+              <a:schemeClr val="accent5"/>
+            </a:effectRef>
+            <a:fontRef idx="minor">
+              <a:schemeClr val="lt1"/>
+            </a:fontRef>
+          </p:style>
+          <p:txBody>
+            <a:bodyPr rtlCol="0" anchor="ctr"/>
+            <a:lstStyle/>
+            <a:p>
+              <a:pPr algn="ctr"/>
+              <a:r>
+                <a:rPr lang="zh-CN" altLang="en-US" dirty="0"/>
+                <a:t>人</a:t>
+              </a:r>
+              <a:r>
+                <a:rPr lang="en-US" altLang="zh-CN" dirty="0"/>
+                <a:t>vs</a:t>
+              </a:r>
+              <a:r>
+                <a:rPr lang="zh-CN" altLang="en-US" dirty="0"/>
+                <a:t>人战</a:t>
+              </a:r>
+            </a:p>
+          </p:txBody>
+        </p:sp>
+        <p:sp>
+          <p:nvSpPr>
+            <p:cNvPr id="10" name="矩形 9">
+              <a:extLst>
+                <a:ext uri="{FF2B5EF4-FFF2-40B4-BE49-F238E27FC236}">
+                  <a16:creationId xmlns:a16="http://schemas.microsoft.com/office/drawing/2014/main" id="{9B044D79-8255-4ECD-9078-28D098450880}"/>
+                </a:ext>
+              </a:extLst>
+            </p:cNvPr>
+            <p:cNvSpPr/>
+            <p:nvPr/>
+          </p:nvSpPr>
+          <p:spPr>
+            <a:xfrm>
+              <a:off x="2430840" y="5286377"/>
+              <a:ext cx="1733550" cy="695325"/>
+            </a:xfrm>
+            <a:prstGeom prst="rect">
+              <a:avLst/>
+            </a:prstGeom>
+          </p:spPr>
+          <p:style>
+            <a:lnRef idx="2">
+              <a:schemeClr val="accent3">
+                <a:shade val="50000"/>
+              </a:schemeClr>
+            </a:lnRef>
+            <a:fillRef idx="1">
+              <a:schemeClr val="accent3"/>
+            </a:fillRef>
+            <a:effectRef idx="0">
+              <a:schemeClr val="accent3"/>
+            </a:effectRef>
+            <a:fontRef idx="minor">
+              <a:schemeClr val="lt1"/>
+            </a:fontRef>
+          </p:style>
+          <p:txBody>
+            <a:bodyPr rtlCol="0" anchor="ctr"/>
+            <a:lstStyle/>
+            <a:p>
+              <a:pPr algn="ctr"/>
+              <a:r>
+                <a:rPr lang="zh-CN" altLang="en-US" dirty="0"/>
+                <a:t>待定</a:t>
+              </a:r>
+              <a:endParaRPr lang="en-US" altLang="zh-CN" dirty="0"/>
+            </a:p>
+          </p:txBody>
+        </p:sp>
+      </p:grpSp>
+      <p:grpSp>
+        <p:nvGrpSpPr>
+          <p:cNvPr id="22" name="组合 21">
+            <a:extLst>
+              <a:ext uri="{FF2B5EF4-FFF2-40B4-BE49-F238E27FC236}">
+                <a16:creationId xmlns:a16="http://schemas.microsoft.com/office/drawing/2014/main" id="{351CE562-CE81-4B40-A896-6584F44DDBD4}"/>
+              </a:ext>
+            </a:extLst>
+          </p:cNvPr>
+          <p:cNvGrpSpPr/>
+          <p:nvPr/>
+        </p:nvGrpSpPr>
+        <p:grpSpPr>
+          <a:xfrm>
+            <a:off x="104775" y="2503345"/>
+            <a:ext cx="4059615" cy="700085"/>
+            <a:chOff x="104775" y="2334286"/>
+            <a:chExt cx="4059615" cy="700085"/>
+          </a:xfrm>
+        </p:grpSpPr>
+        <p:sp>
+          <p:nvSpPr>
+            <p:cNvPr id="11" name="矩形 10">
+              <a:extLst>
+                <a:ext uri="{FF2B5EF4-FFF2-40B4-BE49-F238E27FC236}">
+                  <a16:creationId xmlns:a16="http://schemas.microsoft.com/office/drawing/2014/main" id="{F6DB2E7D-0F58-4269-B5D9-369BA0AFA126}"/>
+                </a:ext>
+              </a:extLst>
+            </p:cNvPr>
+            <p:cNvSpPr/>
+            <p:nvPr/>
+          </p:nvSpPr>
+          <p:spPr>
+            <a:xfrm>
+              <a:off x="104775" y="2334286"/>
+              <a:ext cx="1733550" cy="695325"/>
+            </a:xfrm>
+            <a:prstGeom prst="rect">
+              <a:avLst/>
+            </a:prstGeom>
+          </p:spPr>
+          <p:style>
+            <a:lnRef idx="2">
+              <a:schemeClr val="accent5">
+                <a:shade val="50000"/>
+              </a:schemeClr>
+            </a:lnRef>
+            <a:fillRef idx="1">
+              <a:schemeClr val="accent5"/>
+            </a:fillRef>
+            <a:effectRef idx="0">
+              <a:schemeClr val="accent5"/>
+            </a:effectRef>
+            <a:fontRef idx="minor">
+              <a:schemeClr val="lt1"/>
+            </a:fontRef>
+          </p:style>
+          <p:txBody>
+            <a:bodyPr rtlCol="0" anchor="ctr"/>
+            <a:lstStyle/>
+            <a:p>
+              <a:pPr algn="ctr"/>
+              <a:r>
+                <a:rPr lang="zh-CN" altLang="en-US" dirty="0"/>
+                <a:t>库存</a:t>
+              </a:r>
+            </a:p>
+          </p:txBody>
+        </p:sp>
+        <p:sp>
+          <p:nvSpPr>
+            <p:cNvPr id="12" name="矩形 11">
+              <a:extLst>
+                <a:ext uri="{FF2B5EF4-FFF2-40B4-BE49-F238E27FC236}">
+                  <a16:creationId xmlns:a16="http://schemas.microsoft.com/office/drawing/2014/main" id="{C92EF744-E900-457F-9B3C-90CF9F164583}"/>
+                </a:ext>
+              </a:extLst>
+            </p:cNvPr>
+            <p:cNvSpPr/>
+            <p:nvPr/>
+          </p:nvSpPr>
+          <p:spPr>
+            <a:xfrm>
+              <a:off x="2430840" y="2339046"/>
+              <a:ext cx="1733550" cy="695325"/>
+            </a:xfrm>
+            <a:prstGeom prst="rect">
+              <a:avLst/>
+            </a:prstGeom>
+          </p:spPr>
+          <p:style>
+            <a:lnRef idx="2">
+              <a:schemeClr val="accent1">
+                <a:shade val="50000"/>
+              </a:schemeClr>
+            </a:lnRef>
+            <a:fillRef idx="1">
+              <a:schemeClr val="accent1"/>
+            </a:fillRef>
+            <a:effectRef idx="0">
+              <a:schemeClr val="accent1"/>
+            </a:effectRef>
+            <a:fontRef idx="minor">
+              <a:schemeClr val="lt1"/>
+            </a:fontRef>
+          </p:style>
+          <p:txBody>
+            <a:bodyPr rtlCol="0" anchor="ctr"/>
+            <a:lstStyle/>
+            <a:p>
+              <a:pPr algn="ctr"/>
+              <a:r>
+                <a:rPr lang="zh-CN" altLang="en-US" dirty="0"/>
+                <a:t>库存卡片</a:t>
+              </a:r>
+              <a:r>
+                <a:rPr lang="en-US" altLang="zh-CN" dirty="0"/>
+                <a:t>/</a:t>
+              </a:r>
+              <a:r>
+                <a:rPr lang="zh-CN" altLang="en-US" dirty="0"/>
+                <a:t>道具</a:t>
+              </a:r>
+              <a:endParaRPr lang="en-US" altLang="zh-CN" dirty="0"/>
+            </a:p>
+            <a:p>
+              <a:pPr algn="ctr"/>
+              <a:r>
+                <a:rPr lang="zh-CN" altLang="en-US" dirty="0"/>
+                <a:t>查询</a:t>
+              </a:r>
+              <a:endParaRPr lang="en-US" altLang="zh-CN" dirty="0"/>
+            </a:p>
+          </p:txBody>
+        </p:sp>
+      </p:grpSp>
+      <p:grpSp>
+        <p:nvGrpSpPr>
+          <p:cNvPr id="20" name="组合 19">
+            <a:extLst>
+              <a:ext uri="{FF2B5EF4-FFF2-40B4-BE49-F238E27FC236}">
+                <a16:creationId xmlns:a16="http://schemas.microsoft.com/office/drawing/2014/main" id="{2725B84E-D684-4FB9-B292-5B1D8C55D3EA}"/>
+              </a:ext>
+            </a:extLst>
+          </p:cNvPr>
+          <p:cNvGrpSpPr/>
+          <p:nvPr/>
+        </p:nvGrpSpPr>
+        <p:grpSpPr>
+          <a:xfrm>
+            <a:off x="104775" y="1574082"/>
+            <a:ext cx="11698030" cy="700085"/>
+            <a:chOff x="104775" y="1439588"/>
+            <a:chExt cx="11698030" cy="700085"/>
+          </a:xfrm>
+        </p:grpSpPr>
+        <p:sp>
+          <p:nvSpPr>
+            <p:cNvPr id="13" name="矩形 12">
+              <a:extLst>
+                <a:ext uri="{FF2B5EF4-FFF2-40B4-BE49-F238E27FC236}">
+                  <a16:creationId xmlns:a16="http://schemas.microsoft.com/office/drawing/2014/main" id="{8848C854-224D-41EC-8BB9-4D875F026D7E}"/>
+                </a:ext>
+              </a:extLst>
+            </p:cNvPr>
+            <p:cNvSpPr/>
+            <p:nvPr/>
+          </p:nvSpPr>
+          <p:spPr>
+            <a:xfrm>
+              <a:off x="104775" y="1439588"/>
+              <a:ext cx="1733550" cy="695325"/>
+            </a:xfrm>
+            <a:prstGeom prst="rect">
+              <a:avLst/>
+            </a:prstGeom>
+          </p:spPr>
+          <p:style>
+            <a:lnRef idx="2">
+              <a:schemeClr val="accent5">
+                <a:shade val="50000"/>
+              </a:schemeClr>
+            </a:lnRef>
+            <a:fillRef idx="1">
+              <a:schemeClr val="accent5"/>
+            </a:fillRef>
+            <a:effectRef idx="0">
+              <a:schemeClr val="accent5"/>
+            </a:effectRef>
+            <a:fontRef idx="minor">
+              <a:schemeClr val="lt1"/>
+            </a:fontRef>
+          </p:style>
+          <p:txBody>
+            <a:bodyPr rtlCol="0" anchor="ctr"/>
+            <a:lstStyle/>
+            <a:p>
+              <a:pPr algn="ctr"/>
+              <a:r>
+                <a:rPr lang="zh-CN" altLang="en-US" dirty="0"/>
+                <a:t>账号</a:t>
+              </a:r>
+            </a:p>
+          </p:txBody>
+        </p:sp>
+        <p:sp>
+          <p:nvSpPr>
+            <p:cNvPr id="14" name="矩形 13">
+              <a:extLst>
+                <a:ext uri="{FF2B5EF4-FFF2-40B4-BE49-F238E27FC236}">
+                  <a16:creationId xmlns:a16="http://schemas.microsoft.com/office/drawing/2014/main" id="{3D55DEB5-B1B5-498D-AA76-29DB1F5D660C}"/>
+                </a:ext>
+              </a:extLst>
+            </p:cNvPr>
+            <p:cNvSpPr/>
+            <p:nvPr/>
+          </p:nvSpPr>
+          <p:spPr>
+            <a:xfrm>
+              <a:off x="2430840" y="1444348"/>
+              <a:ext cx="1733550" cy="695325"/>
+            </a:xfrm>
+            <a:prstGeom prst="rect">
+              <a:avLst/>
+            </a:prstGeom>
+          </p:spPr>
+          <p:style>
+            <a:lnRef idx="2">
+              <a:schemeClr val="accent1">
+                <a:shade val="50000"/>
+              </a:schemeClr>
+            </a:lnRef>
+            <a:fillRef idx="1">
+              <a:schemeClr val="accent1"/>
+            </a:fillRef>
+            <a:effectRef idx="0">
+              <a:schemeClr val="accent1"/>
+            </a:effectRef>
+            <a:fontRef idx="minor">
+              <a:schemeClr val="lt1"/>
+            </a:fontRef>
+          </p:style>
+          <p:txBody>
+            <a:bodyPr rtlCol="0" anchor="ctr"/>
+            <a:lstStyle/>
+            <a:p>
+              <a:pPr algn="ctr"/>
+              <a:r>
+                <a:rPr lang="zh-CN" altLang="en-US" dirty="0"/>
+                <a:t>账号信息查询</a:t>
+              </a:r>
+              <a:endParaRPr lang="en-US" altLang="zh-CN" dirty="0"/>
+            </a:p>
+          </p:txBody>
+        </p:sp>
+        <p:sp>
+          <p:nvSpPr>
+            <p:cNvPr id="15" name="矩形 14">
+              <a:extLst>
+                <a:ext uri="{FF2B5EF4-FFF2-40B4-BE49-F238E27FC236}">
+                  <a16:creationId xmlns:a16="http://schemas.microsoft.com/office/drawing/2014/main" id="{2C99D904-D5D7-430B-9A6D-8A9ABD816D04}"/>
+                </a:ext>
+              </a:extLst>
+            </p:cNvPr>
+            <p:cNvSpPr/>
+            <p:nvPr/>
+          </p:nvSpPr>
+          <p:spPr>
+            <a:xfrm>
+              <a:off x="6265831" y="1444348"/>
+              <a:ext cx="1733550" cy="695325"/>
+            </a:xfrm>
+            <a:prstGeom prst="rect">
+              <a:avLst/>
+            </a:prstGeom>
+          </p:spPr>
+          <p:style>
+            <a:lnRef idx="2">
+              <a:schemeClr val="accent1">
+                <a:shade val="50000"/>
+              </a:schemeClr>
+            </a:lnRef>
+            <a:fillRef idx="1">
+              <a:schemeClr val="accent1"/>
+            </a:fillRef>
+            <a:effectRef idx="0">
+              <a:schemeClr val="accent1"/>
+            </a:effectRef>
+            <a:fontRef idx="minor">
+              <a:schemeClr val="lt1"/>
+            </a:fontRef>
+          </p:style>
+          <p:txBody>
+            <a:bodyPr rtlCol="0" anchor="ctr"/>
+            <a:lstStyle/>
+            <a:p>
+              <a:pPr algn="ctr"/>
+              <a:r>
+                <a:rPr lang="zh-CN" altLang="en-US" dirty="0"/>
+                <a:t>战绩查询</a:t>
+              </a:r>
+              <a:endParaRPr lang="en-US" altLang="zh-CN" dirty="0"/>
+            </a:p>
+          </p:txBody>
+        </p:sp>
+        <p:sp>
+          <p:nvSpPr>
+            <p:cNvPr id="29" name="矩形 28">
+              <a:extLst>
+                <a:ext uri="{FF2B5EF4-FFF2-40B4-BE49-F238E27FC236}">
+                  <a16:creationId xmlns:a16="http://schemas.microsoft.com/office/drawing/2014/main" id="{3876F5A7-1906-4EB9-BCD8-3EA289C92739}"/>
+                </a:ext>
+              </a:extLst>
+            </p:cNvPr>
+            <p:cNvSpPr/>
+            <p:nvPr/>
+          </p:nvSpPr>
+          <p:spPr>
+            <a:xfrm>
+              <a:off x="8167543" y="1444348"/>
+              <a:ext cx="1733550" cy="695325"/>
+            </a:xfrm>
+            <a:prstGeom prst="rect">
+              <a:avLst/>
+            </a:prstGeom>
+          </p:spPr>
+          <p:style>
+            <a:lnRef idx="2">
+              <a:schemeClr val="accent1">
+                <a:shade val="50000"/>
+              </a:schemeClr>
+            </a:lnRef>
+            <a:fillRef idx="1">
+              <a:schemeClr val="accent1"/>
+            </a:fillRef>
+            <a:effectRef idx="0">
+              <a:schemeClr val="accent1"/>
+            </a:effectRef>
+            <a:fontRef idx="minor">
+              <a:schemeClr val="lt1"/>
+            </a:fontRef>
+          </p:style>
+          <p:txBody>
+            <a:bodyPr rtlCol="0" anchor="ctr"/>
+            <a:lstStyle/>
+            <a:p>
+              <a:pPr algn="ctr"/>
+              <a:r>
+                <a:rPr lang="zh-CN" altLang="en-US" dirty="0"/>
+                <a:t>用户查询</a:t>
+              </a:r>
+              <a:endParaRPr lang="en-US" altLang="zh-CN" dirty="0"/>
+            </a:p>
+          </p:txBody>
+        </p:sp>
+        <p:sp>
+          <p:nvSpPr>
+            <p:cNvPr id="30" name="矩形 29">
+              <a:extLst>
+                <a:ext uri="{FF2B5EF4-FFF2-40B4-BE49-F238E27FC236}">
+                  <a16:creationId xmlns:a16="http://schemas.microsoft.com/office/drawing/2014/main" id="{F6F97E4C-B604-4690-8699-6B78124946FE}"/>
+                </a:ext>
+              </a:extLst>
+            </p:cNvPr>
+            <p:cNvSpPr/>
+            <p:nvPr/>
+          </p:nvSpPr>
+          <p:spPr>
+            <a:xfrm>
+              <a:off x="10069255" y="1444348"/>
+              <a:ext cx="1733550" cy="695325"/>
+            </a:xfrm>
+            <a:prstGeom prst="rect">
+              <a:avLst/>
+            </a:prstGeom>
+          </p:spPr>
+          <p:style>
+            <a:lnRef idx="2">
+              <a:schemeClr val="accent1">
+                <a:shade val="50000"/>
+              </a:schemeClr>
+            </a:lnRef>
+            <a:fillRef idx="1">
+              <a:schemeClr val="accent1"/>
+            </a:fillRef>
+            <a:effectRef idx="0">
+              <a:schemeClr val="accent1"/>
+            </a:effectRef>
+            <a:fontRef idx="minor">
+              <a:schemeClr val="lt1"/>
+            </a:fontRef>
+          </p:style>
+          <p:txBody>
+            <a:bodyPr rtlCol="0" anchor="ctr"/>
+            <a:lstStyle/>
+            <a:p>
+              <a:pPr algn="ctr"/>
+              <a:r>
+                <a:rPr lang="zh-CN" altLang="en-US" dirty="0"/>
+                <a:t>好友</a:t>
+              </a:r>
+              <a:r>
+                <a:rPr lang="en-US" altLang="zh-CN" dirty="0"/>
+                <a:t>/</a:t>
+              </a:r>
+              <a:r>
+                <a:rPr lang="zh-CN" altLang="en-US" dirty="0"/>
+                <a:t>黑名单</a:t>
+              </a:r>
+              <a:endParaRPr lang="en-US" altLang="zh-CN" dirty="0"/>
+            </a:p>
+            <a:p>
+              <a:pPr algn="ctr"/>
+              <a:r>
+                <a:rPr lang="zh-CN" altLang="en-US" dirty="0"/>
+                <a:t>标记</a:t>
+              </a:r>
+              <a:endParaRPr lang="en-US" altLang="zh-CN" dirty="0"/>
+            </a:p>
+          </p:txBody>
+        </p:sp>
+        <p:sp>
+          <p:nvSpPr>
+            <p:cNvPr id="31" name="矩形 30">
+              <a:extLst>
+                <a:ext uri="{FF2B5EF4-FFF2-40B4-BE49-F238E27FC236}">
+                  <a16:creationId xmlns:a16="http://schemas.microsoft.com/office/drawing/2014/main" id="{B8AD8693-A046-41EB-B6EF-85719B617CB1}"/>
+                </a:ext>
+              </a:extLst>
+            </p:cNvPr>
+            <p:cNvSpPr/>
+            <p:nvPr/>
+          </p:nvSpPr>
+          <p:spPr>
+            <a:xfrm>
+              <a:off x="4364119" y="1444348"/>
+              <a:ext cx="1733550" cy="695325"/>
+            </a:xfrm>
+            <a:prstGeom prst="rect">
+              <a:avLst/>
+            </a:prstGeom>
+          </p:spPr>
+          <p:style>
+            <a:lnRef idx="2">
+              <a:schemeClr val="accent1">
+                <a:shade val="50000"/>
+              </a:schemeClr>
+            </a:lnRef>
+            <a:fillRef idx="1">
+              <a:schemeClr val="accent1"/>
+            </a:fillRef>
+            <a:effectRef idx="0">
+              <a:schemeClr val="accent1"/>
+            </a:effectRef>
+            <a:fontRef idx="minor">
+              <a:schemeClr val="lt1"/>
+            </a:fontRef>
+          </p:style>
+          <p:txBody>
+            <a:bodyPr rtlCol="0" anchor="ctr"/>
+            <a:lstStyle/>
+            <a:p>
+              <a:pPr algn="ctr"/>
+              <a:r>
+                <a:rPr lang="zh-CN" altLang="en-US" dirty="0"/>
+                <a:t>邮件查询</a:t>
+              </a:r>
+              <a:endParaRPr lang="en-US" altLang="zh-CN" dirty="0"/>
+            </a:p>
+            <a:p>
+              <a:pPr algn="ctr"/>
+              <a:r>
+                <a:rPr lang="zh-CN" altLang="en-US" dirty="0"/>
+                <a:t>邮件发送</a:t>
+              </a:r>
+              <a:r>
+                <a:rPr lang="en-US" altLang="zh-CN" dirty="0"/>
+                <a:t>/</a:t>
+              </a:r>
+              <a:r>
+                <a:rPr lang="zh-CN" altLang="en-US" dirty="0"/>
+                <a:t>删除</a:t>
+              </a:r>
+              <a:endParaRPr lang="en-US" altLang="zh-CN" dirty="0"/>
+            </a:p>
+          </p:txBody>
+        </p:sp>
+      </p:grpSp>
+      <p:grpSp>
+        <p:nvGrpSpPr>
+          <p:cNvPr id="23" name="组合 22">
+            <a:extLst>
+              <a:ext uri="{FF2B5EF4-FFF2-40B4-BE49-F238E27FC236}">
+                <a16:creationId xmlns:a16="http://schemas.microsoft.com/office/drawing/2014/main" id="{02DA4588-BB2D-4EC1-89DF-CAC6ABEA2C3F}"/>
+              </a:ext>
+            </a:extLst>
+          </p:cNvPr>
+          <p:cNvGrpSpPr/>
+          <p:nvPr/>
+        </p:nvGrpSpPr>
+        <p:grpSpPr>
+          <a:xfrm>
+            <a:off x="104775" y="3432608"/>
+            <a:ext cx="4059615" cy="700085"/>
+            <a:chOff x="104775" y="3273800"/>
+            <a:chExt cx="4059615" cy="700085"/>
+          </a:xfrm>
+        </p:grpSpPr>
+        <p:sp>
+          <p:nvSpPr>
+            <p:cNvPr id="16" name="矩形 15">
+              <a:extLst>
+                <a:ext uri="{FF2B5EF4-FFF2-40B4-BE49-F238E27FC236}">
+                  <a16:creationId xmlns:a16="http://schemas.microsoft.com/office/drawing/2014/main" id="{F9B63706-0540-414A-85E6-27D84258FE7F}"/>
+                </a:ext>
+              </a:extLst>
+            </p:cNvPr>
+            <p:cNvSpPr/>
+            <p:nvPr/>
+          </p:nvSpPr>
+          <p:spPr>
+            <a:xfrm>
+              <a:off x="104775" y="3273800"/>
+              <a:ext cx="1733550" cy="695325"/>
+            </a:xfrm>
+            <a:prstGeom prst="rect">
+              <a:avLst/>
+            </a:prstGeom>
+          </p:spPr>
+          <p:style>
+            <a:lnRef idx="2">
+              <a:schemeClr val="accent5">
+                <a:shade val="50000"/>
+              </a:schemeClr>
+            </a:lnRef>
+            <a:fillRef idx="1">
+              <a:schemeClr val="accent5"/>
+            </a:fillRef>
+            <a:effectRef idx="0">
+              <a:schemeClr val="accent5"/>
+            </a:effectRef>
+            <a:fontRef idx="minor">
+              <a:schemeClr val="lt1"/>
+            </a:fontRef>
+          </p:style>
+          <p:txBody>
+            <a:bodyPr rtlCol="0" anchor="ctr"/>
+            <a:lstStyle/>
+            <a:p>
+              <a:pPr algn="ctr"/>
+              <a:r>
+                <a:rPr lang="zh-CN" altLang="en-US" dirty="0"/>
+                <a:t>抽卡</a:t>
+              </a:r>
+            </a:p>
+          </p:txBody>
+        </p:sp>
+        <p:sp>
+          <p:nvSpPr>
+            <p:cNvPr id="17" name="矩形 16">
+              <a:extLst>
+                <a:ext uri="{FF2B5EF4-FFF2-40B4-BE49-F238E27FC236}">
+                  <a16:creationId xmlns:a16="http://schemas.microsoft.com/office/drawing/2014/main" id="{A0739BF1-CA6C-4291-BB5E-CD1049F86740}"/>
+                </a:ext>
+              </a:extLst>
+            </p:cNvPr>
+            <p:cNvSpPr/>
+            <p:nvPr/>
+          </p:nvSpPr>
+          <p:spPr>
+            <a:xfrm>
+              <a:off x="2430840" y="3278560"/>
+              <a:ext cx="1733550" cy="695325"/>
+            </a:xfrm>
+            <a:prstGeom prst="rect">
+              <a:avLst/>
+            </a:prstGeom>
+          </p:spPr>
+          <p:style>
+            <a:lnRef idx="2">
+              <a:schemeClr val="accent1">
+                <a:shade val="50000"/>
+              </a:schemeClr>
+            </a:lnRef>
+            <a:fillRef idx="1">
+              <a:schemeClr val="accent1"/>
+            </a:fillRef>
+            <a:effectRef idx="0">
+              <a:schemeClr val="accent1"/>
+            </a:effectRef>
+            <a:fontRef idx="minor">
+              <a:schemeClr val="lt1"/>
+            </a:fontRef>
+          </p:style>
+          <p:txBody>
+            <a:bodyPr rtlCol="0" anchor="ctr"/>
+            <a:lstStyle/>
+            <a:p>
+              <a:pPr algn="ctr"/>
+              <a:r>
+                <a:rPr lang="zh-CN" altLang="en-US" dirty="0"/>
+                <a:t>抽卡请求</a:t>
+              </a:r>
+              <a:endParaRPr lang="en-US" altLang="zh-CN" dirty="0"/>
+            </a:p>
+          </p:txBody>
+        </p:sp>
+      </p:grpSp>
+      <p:grpSp>
+        <p:nvGrpSpPr>
+          <p:cNvPr id="21" name="组合 20">
+            <a:extLst>
+              <a:ext uri="{FF2B5EF4-FFF2-40B4-BE49-F238E27FC236}">
+                <a16:creationId xmlns:a16="http://schemas.microsoft.com/office/drawing/2014/main" id="{437A7D6D-94C3-4295-B7BC-6835C32512E1}"/>
+              </a:ext>
+            </a:extLst>
+          </p:cNvPr>
+          <p:cNvGrpSpPr/>
+          <p:nvPr/>
+        </p:nvGrpSpPr>
+        <p:grpSpPr>
+          <a:xfrm>
+            <a:off x="104775" y="649579"/>
+            <a:ext cx="4059615" cy="695325"/>
+            <a:chOff x="104775" y="649579"/>
+            <a:chExt cx="4059615" cy="695325"/>
+          </a:xfrm>
+        </p:grpSpPr>
+        <p:sp>
+          <p:nvSpPr>
+            <p:cNvPr id="18" name="矩形 17">
+              <a:extLst>
+                <a:ext uri="{FF2B5EF4-FFF2-40B4-BE49-F238E27FC236}">
+                  <a16:creationId xmlns:a16="http://schemas.microsoft.com/office/drawing/2014/main" id="{F87922E6-8D45-4A4A-AB97-088C121DFB57}"/>
+                </a:ext>
+              </a:extLst>
+            </p:cNvPr>
+            <p:cNvSpPr/>
+            <p:nvPr/>
+          </p:nvSpPr>
+          <p:spPr>
+            <a:xfrm>
+              <a:off x="104775" y="649579"/>
+              <a:ext cx="1733550" cy="695325"/>
+            </a:xfrm>
+            <a:prstGeom prst="rect">
+              <a:avLst/>
+            </a:prstGeom>
+          </p:spPr>
+          <p:style>
+            <a:lnRef idx="2">
+              <a:schemeClr val="accent5">
+                <a:shade val="50000"/>
+              </a:schemeClr>
+            </a:lnRef>
+            <a:fillRef idx="1">
+              <a:schemeClr val="accent5"/>
+            </a:fillRef>
+            <a:effectRef idx="0">
+              <a:schemeClr val="accent5"/>
+            </a:effectRef>
+            <a:fontRef idx="minor">
+              <a:schemeClr val="lt1"/>
+            </a:fontRef>
+          </p:style>
+          <p:txBody>
+            <a:bodyPr rtlCol="0" anchor="ctr"/>
+            <a:lstStyle/>
+            <a:p>
+              <a:pPr algn="ctr"/>
+              <a:r>
+                <a:rPr lang="zh-CN" altLang="en-US" dirty="0"/>
+                <a:t>登入</a:t>
+              </a:r>
+              <a:r>
+                <a:rPr lang="en-US" altLang="zh-CN" dirty="0"/>
+                <a:t>/</a:t>
+              </a:r>
+              <a:r>
+                <a:rPr lang="zh-CN" altLang="en-US" dirty="0"/>
+                <a:t>登出</a:t>
+              </a:r>
+            </a:p>
+          </p:txBody>
+        </p:sp>
+        <p:sp>
+          <p:nvSpPr>
+            <p:cNvPr id="19" name="矩形 18">
+              <a:extLst>
+                <a:ext uri="{FF2B5EF4-FFF2-40B4-BE49-F238E27FC236}">
+                  <a16:creationId xmlns:a16="http://schemas.microsoft.com/office/drawing/2014/main" id="{7DBE8A0C-7D3E-45AE-91F0-13FDD78A8B0F}"/>
+                </a:ext>
+              </a:extLst>
+            </p:cNvPr>
+            <p:cNvSpPr/>
+            <p:nvPr/>
+          </p:nvSpPr>
+          <p:spPr>
+            <a:xfrm>
+              <a:off x="2430840" y="649579"/>
+              <a:ext cx="1733550" cy="695325"/>
+            </a:xfrm>
+            <a:prstGeom prst="rect">
+              <a:avLst/>
+            </a:prstGeom>
+          </p:spPr>
+          <p:style>
+            <a:lnRef idx="2">
+              <a:schemeClr val="accent1">
+                <a:shade val="50000"/>
+              </a:schemeClr>
+            </a:lnRef>
+            <a:fillRef idx="1">
+              <a:schemeClr val="accent1"/>
+            </a:fillRef>
+            <a:effectRef idx="0">
+              <a:schemeClr val="accent1"/>
+            </a:effectRef>
+            <a:fontRef idx="minor">
+              <a:schemeClr val="lt1"/>
+            </a:fontRef>
+          </p:style>
+          <p:txBody>
+            <a:bodyPr rtlCol="0" anchor="ctr"/>
+            <a:lstStyle/>
+            <a:p>
+              <a:pPr algn="ctr"/>
+              <a:r>
+                <a:rPr lang="zh-CN" altLang="en-US"/>
+                <a:t>登入</a:t>
+              </a:r>
+              <a:r>
+                <a:rPr lang="en-US" altLang="zh-CN" dirty="0"/>
+                <a:t>/</a:t>
+              </a:r>
+              <a:r>
+                <a:rPr lang="zh-CN" altLang="en-US" dirty="0"/>
+                <a:t>登出</a:t>
+              </a:r>
+            </a:p>
+          </p:txBody>
+        </p:sp>
+      </p:grpSp>
+      <p:grpSp>
+        <p:nvGrpSpPr>
+          <p:cNvPr id="26" name="组合 25">
+            <a:extLst>
+              <a:ext uri="{FF2B5EF4-FFF2-40B4-BE49-F238E27FC236}">
+                <a16:creationId xmlns:a16="http://schemas.microsoft.com/office/drawing/2014/main" id="{CE0706F3-48BD-44E1-B194-978FCCB69295}"/>
+              </a:ext>
+            </a:extLst>
+          </p:cNvPr>
+          <p:cNvGrpSpPr/>
+          <p:nvPr/>
+        </p:nvGrpSpPr>
+        <p:grpSpPr>
+          <a:xfrm>
+            <a:off x="104775" y="6157915"/>
+            <a:ext cx="4059615" cy="700085"/>
+            <a:chOff x="104775" y="3273800"/>
+            <a:chExt cx="4059615" cy="700085"/>
+          </a:xfrm>
+        </p:grpSpPr>
+        <p:sp>
+          <p:nvSpPr>
+            <p:cNvPr id="27" name="矩形 26">
+              <a:extLst>
+                <a:ext uri="{FF2B5EF4-FFF2-40B4-BE49-F238E27FC236}">
+                  <a16:creationId xmlns:a16="http://schemas.microsoft.com/office/drawing/2014/main" id="{6BB855A8-50B7-4BFD-92BF-EC8C2850D614}"/>
+                </a:ext>
+              </a:extLst>
+            </p:cNvPr>
+            <p:cNvSpPr/>
+            <p:nvPr/>
+          </p:nvSpPr>
+          <p:spPr>
+            <a:xfrm>
+              <a:off x="104775" y="3273800"/>
+              <a:ext cx="1733550" cy="695325"/>
+            </a:xfrm>
+            <a:prstGeom prst="rect">
+              <a:avLst/>
+            </a:prstGeom>
+          </p:spPr>
+          <p:style>
+            <a:lnRef idx="2">
+              <a:schemeClr val="accent5">
+                <a:shade val="50000"/>
+              </a:schemeClr>
+            </a:lnRef>
+            <a:fillRef idx="1">
+              <a:schemeClr val="accent5"/>
+            </a:fillRef>
+            <a:effectRef idx="0">
+              <a:schemeClr val="accent5"/>
+            </a:effectRef>
+            <a:fontRef idx="minor">
+              <a:schemeClr val="lt1"/>
+            </a:fontRef>
+          </p:style>
+          <p:txBody>
+            <a:bodyPr rtlCol="0" anchor="ctr"/>
+            <a:lstStyle/>
+            <a:p>
+              <a:pPr algn="ctr"/>
+              <a:r>
+                <a:rPr lang="zh-CN" altLang="en-US" dirty="0"/>
+                <a:t>聊天</a:t>
+              </a:r>
+            </a:p>
+          </p:txBody>
+        </p:sp>
+        <p:sp>
+          <p:nvSpPr>
+            <p:cNvPr id="28" name="矩形 27">
+              <a:extLst>
+                <a:ext uri="{FF2B5EF4-FFF2-40B4-BE49-F238E27FC236}">
+                  <a16:creationId xmlns:a16="http://schemas.microsoft.com/office/drawing/2014/main" id="{7841F520-2C7A-480B-9369-9D2878A4904C}"/>
+                </a:ext>
+              </a:extLst>
+            </p:cNvPr>
+            <p:cNvSpPr/>
+            <p:nvPr/>
+          </p:nvSpPr>
+          <p:spPr>
+            <a:xfrm>
+              <a:off x="2430840" y="3278560"/>
+              <a:ext cx="1733550" cy="695325"/>
+            </a:xfrm>
+            <a:prstGeom prst="rect">
+              <a:avLst/>
+            </a:prstGeom>
+          </p:spPr>
+          <p:style>
+            <a:lnRef idx="2">
+              <a:schemeClr val="accent1">
+                <a:shade val="50000"/>
+              </a:schemeClr>
+            </a:lnRef>
+            <a:fillRef idx="1">
+              <a:schemeClr val="accent1"/>
+            </a:fillRef>
+            <a:effectRef idx="0">
+              <a:schemeClr val="accent1"/>
+            </a:effectRef>
+            <a:fontRef idx="minor">
+              <a:schemeClr val="lt1"/>
+            </a:fontRef>
+          </p:style>
+          <p:txBody>
+            <a:bodyPr rtlCol="0" anchor="ctr"/>
+            <a:lstStyle/>
+            <a:p>
+              <a:pPr algn="ctr"/>
+              <a:r>
+                <a:rPr lang="zh-CN" altLang="en-US" dirty="0"/>
+                <a:t>聊天</a:t>
+              </a:r>
+              <a:endParaRPr lang="en-US" altLang="zh-CN" dirty="0"/>
+            </a:p>
+          </p:txBody>
+        </p:sp>
+      </p:grpSp>
     </p:spTree>
+    <p:extLst>
+      <p:ext uri="{BB962C8B-B14F-4D97-AF65-F5344CB8AC3E}">
+        <p14:creationId xmlns:p14="http://schemas.microsoft.com/office/powerpoint/2010/main" val="3409585674"/>
+      </p:ext>
+    </p:extLst>
+  </p:cSld>
+  <p:clrMapOvr>
+    <a:masterClrMapping/>
+  </p:clrMapOvr>
+</p:sld>
+</file>
+
+<file path=ppt/slides/slide12.xml><?xml version="1.0" encoding="utf-8"?>
+<p:sld xmlns:a="http://schemas.openxmlformats.org/drawingml/2006/main" xmlns:r="http://schemas.openxmlformats.org/officeDocument/2006/relationships" xmlns:p="http://schemas.openxmlformats.org/presentationml/2006/main">
+  <p:cSld>
+    <p:spTree>
+      <p:nvGrpSpPr>
+        <p:cNvPr id="1" name=""/>
+        <p:cNvGrpSpPr/>
+        <p:nvPr/>
+      </p:nvGrpSpPr>
+      <p:grpSpPr>
+        <a:xfrm>
+          <a:off x="0" y="0"/>
+          <a:ext cx="0" cy="0"/>
+          <a:chOff x="0" y="0"/>
+          <a:chExt cx="0" cy="0"/>
+        </a:xfrm>
+      </p:grpSpPr>
+      <p:sp>
+        <p:nvSpPr>
+          <p:cNvPr id="2" name="文本框 1">
+            <a:extLst>
+              <a:ext uri="{FF2B5EF4-FFF2-40B4-BE49-F238E27FC236}">
+                <a16:creationId xmlns:a16="http://schemas.microsoft.com/office/drawing/2014/main" id="{A437BE03-DEAA-49BA-AEE1-D5B80B5E0990}"/>
+              </a:ext>
+            </a:extLst>
+          </p:cNvPr>
+          <p:cNvSpPr txBox="1"/>
+          <p:nvPr/>
+        </p:nvSpPr>
+        <p:spPr>
+          <a:xfrm>
+            <a:off x="3677381" y="171450"/>
+            <a:ext cx="2262158" cy="369332"/>
+          </a:xfrm>
+          <a:prstGeom prst="rect">
+            <a:avLst/>
+          </a:prstGeom>
+          <a:noFill/>
+        </p:spPr>
+        <p:txBody>
+          <a:bodyPr wrap="none" rtlCol="0">
+            <a:spAutoFit/>
+          </a:bodyPr>
+          <a:lstStyle/>
+          <a:p>
+            <a:r>
+              <a:rPr lang="zh-CN" altLang="en-US" dirty="0"/>
+              <a:t>需搬到数据库的数据</a:t>
+            </a:r>
+          </a:p>
+        </p:txBody>
+      </p:sp>
+      <p:sp>
+        <p:nvSpPr>
+          <p:cNvPr id="32" name="文本框 31">
+            <a:extLst>
+              <a:ext uri="{FF2B5EF4-FFF2-40B4-BE49-F238E27FC236}">
+                <a16:creationId xmlns:a16="http://schemas.microsoft.com/office/drawing/2014/main" id="{52DEC9E0-A20D-406C-AB86-EED79728A395}"/>
+              </a:ext>
+            </a:extLst>
+          </p:cNvPr>
+          <p:cNvSpPr txBox="1"/>
+          <p:nvPr/>
+        </p:nvSpPr>
+        <p:spPr>
+          <a:xfrm>
+            <a:off x="6137046" y="171450"/>
+            <a:ext cx="2031325" cy="369332"/>
+          </a:xfrm>
+          <a:prstGeom prst="rect">
+            <a:avLst/>
+          </a:prstGeom>
+          <a:noFill/>
+        </p:spPr>
+        <p:txBody>
+          <a:bodyPr wrap="none" rtlCol="0">
+            <a:spAutoFit/>
+          </a:bodyPr>
+          <a:lstStyle/>
+          <a:p>
+            <a:r>
+              <a:rPr lang="zh-CN" altLang="en-US" dirty="0"/>
+              <a:t>客户端提供的数据</a:t>
+            </a:r>
+          </a:p>
+        </p:txBody>
+      </p:sp>
+      <p:cxnSp>
+        <p:nvCxnSpPr>
+          <p:cNvPr id="33" name="直接连接符 32">
+            <a:extLst>
+              <a:ext uri="{FF2B5EF4-FFF2-40B4-BE49-F238E27FC236}">
+                <a16:creationId xmlns:a16="http://schemas.microsoft.com/office/drawing/2014/main" id="{E66C0B27-0005-47CF-A0DD-D3ADBD46F723}"/>
+              </a:ext>
+            </a:extLst>
+          </p:cNvPr>
+          <p:cNvCxnSpPr>
+            <a:cxnSpLocks/>
+          </p:cNvCxnSpPr>
+          <p:nvPr/>
+        </p:nvCxnSpPr>
+        <p:spPr>
+          <a:xfrm>
+            <a:off x="6096000" y="0"/>
+            <a:ext cx="0" cy="6781800"/>
+          </a:xfrm>
+          <a:prstGeom prst="line">
+            <a:avLst/>
+          </a:prstGeom>
+        </p:spPr>
+        <p:style>
+          <a:lnRef idx="1">
+            <a:schemeClr val="accent1"/>
+          </a:lnRef>
+          <a:fillRef idx="0">
+            <a:schemeClr val="accent1"/>
+          </a:fillRef>
+          <a:effectRef idx="0">
+            <a:schemeClr val="accent1"/>
+          </a:effectRef>
+          <a:fontRef idx="minor">
+            <a:schemeClr val="tx1"/>
+          </a:fontRef>
+        </p:style>
+      </p:cxnSp>
+      <p:sp>
+        <p:nvSpPr>
+          <p:cNvPr id="35" name="矩形 34">
+            <a:extLst>
+              <a:ext uri="{FF2B5EF4-FFF2-40B4-BE49-F238E27FC236}">
+                <a16:creationId xmlns:a16="http://schemas.microsoft.com/office/drawing/2014/main" id="{2C8D58AA-DC24-49EF-83D2-09EEC88D990E}"/>
+              </a:ext>
+            </a:extLst>
+          </p:cNvPr>
+          <p:cNvSpPr/>
+          <p:nvPr/>
+        </p:nvSpPr>
+        <p:spPr>
+          <a:xfrm>
+            <a:off x="6434821" y="921617"/>
+            <a:ext cx="1733550" cy="695325"/>
+          </a:xfrm>
+          <a:prstGeom prst="rect">
+            <a:avLst/>
+          </a:prstGeom>
+        </p:spPr>
+        <p:style>
+          <a:lnRef idx="2">
+            <a:schemeClr val="accent1">
+              <a:shade val="50000"/>
+            </a:schemeClr>
+          </a:lnRef>
+          <a:fillRef idx="1">
+            <a:schemeClr val="accent1"/>
+          </a:fillRef>
+          <a:effectRef idx="0">
+            <a:schemeClr val="accent1"/>
+          </a:effectRef>
+          <a:fontRef idx="minor">
+            <a:schemeClr val="lt1"/>
+          </a:fontRef>
+        </p:style>
+        <p:txBody>
+          <a:bodyPr rtlCol="0" anchor="ctr"/>
+          <a:lstStyle/>
+          <a:p>
+            <a:pPr algn="ctr"/>
+            <a:r>
+              <a:rPr lang="en-US" altLang="zh-CN" dirty="0"/>
+              <a:t>UI</a:t>
+            </a:r>
+          </a:p>
+        </p:txBody>
+      </p:sp>
+      <p:sp>
+        <p:nvSpPr>
+          <p:cNvPr id="37" name="矩形 36">
+            <a:extLst>
+              <a:ext uri="{FF2B5EF4-FFF2-40B4-BE49-F238E27FC236}">
+                <a16:creationId xmlns:a16="http://schemas.microsoft.com/office/drawing/2014/main" id="{5CE51E46-3124-4F7F-AD01-8EE46D48B2E0}"/>
+              </a:ext>
+            </a:extLst>
+          </p:cNvPr>
+          <p:cNvSpPr/>
+          <p:nvPr/>
+        </p:nvSpPr>
+        <p:spPr>
+          <a:xfrm>
+            <a:off x="8587471" y="921617"/>
+            <a:ext cx="1733550" cy="695325"/>
+          </a:xfrm>
+          <a:prstGeom prst="rect">
+            <a:avLst/>
+          </a:prstGeom>
+        </p:spPr>
+        <p:style>
+          <a:lnRef idx="2">
+            <a:schemeClr val="accent1">
+              <a:shade val="50000"/>
+            </a:schemeClr>
+          </a:lnRef>
+          <a:fillRef idx="1">
+            <a:schemeClr val="accent1"/>
+          </a:fillRef>
+          <a:effectRef idx="0">
+            <a:schemeClr val="accent1"/>
+          </a:effectRef>
+          <a:fontRef idx="minor">
+            <a:schemeClr val="lt1"/>
+          </a:fontRef>
+        </p:style>
+        <p:txBody>
+          <a:bodyPr rtlCol="0" anchor="ctr"/>
+          <a:lstStyle/>
+          <a:p>
+            <a:pPr algn="ctr"/>
+            <a:r>
+              <a:rPr lang="en-US" altLang="zh-CN" dirty="0"/>
+              <a:t>assets</a:t>
+            </a:r>
+          </a:p>
+          <a:p>
+            <a:pPr algn="ctr"/>
+            <a:r>
+              <a:rPr lang="zh-CN" altLang="en-US" dirty="0"/>
+              <a:t>（图片</a:t>
+            </a:r>
+            <a:r>
+              <a:rPr lang="en-US" altLang="zh-CN" dirty="0"/>
+              <a:t>/</a:t>
+            </a:r>
+            <a:r>
+              <a:rPr lang="zh-CN" altLang="en-US" dirty="0"/>
+              <a:t>音乐）</a:t>
+            </a:r>
+            <a:endParaRPr lang="en-US" altLang="zh-CN" dirty="0"/>
+          </a:p>
+        </p:txBody>
+      </p:sp>
+      <p:sp>
+        <p:nvSpPr>
+          <p:cNvPr id="39" name="矩形 38">
+            <a:extLst>
+              <a:ext uri="{FF2B5EF4-FFF2-40B4-BE49-F238E27FC236}">
+                <a16:creationId xmlns:a16="http://schemas.microsoft.com/office/drawing/2014/main" id="{095621A5-5757-4A81-BBDC-7506305ECF8A}"/>
+              </a:ext>
+            </a:extLst>
+          </p:cNvPr>
+          <p:cNvSpPr/>
+          <p:nvPr/>
+        </p:nvSpPr>
+        <p:spPr>
+          <a:xfrm>
+            <a:off x="1021976" y="134471"/>
+            <a:ext cx="2187389" cy="2290482"/>
+          </a:xfrm>
+          <a:prstGeom prst="rect">
+            <a:avLst/>
+          </a:prstGeom>
+        </p:spPr>
+        <p:style>
+          <a:lnRef idx="2">
+            <a:schemeClr val="accent5">
+              <a:shade val="50000"/>
+            </a:schemeClr>
+          </a:lnRef>
+          <a:fillRef idx="1">
+            <a:schemeClr val="accent5"/>
+          </a:fillRef>
+          <a:effectRef idx="0">
+            <a:schemeClr val="accent5"/>
+          </a:effectRef>
+          <a:fontRef idx="minor">
+            <a:schemeClr val="lt1"/>
+          </a:fontRef>
+        </p:style>
+        <p:txBody>
+          <a:bodyPr rtlCol="0" anchor="t"/>
+          <a:lstStyle/>
+          <a:p>
+            <a:r>
+              <a:rPr lang="zh-CN" altLang="en-US" dirty="0"/>
+              <a:t>用户</a:t>
+            </a:r>
+            <a:endParaRPr lang="en-US" altLang="zh-CN" dirty="0"/>
+          </a:p>
+          <a:p>
+            <a:r>
+              <a:rPr lang="en-US" altLang="zh-CN" dirty="0"/>
+              <a:t>·</a:t>
+            </a:r>
+            <a:r>
+              <a:rPr lang="zh-CN" altLang="en-US" dirty="0"/>
+              <a:t>密码</a:t>
+            </a:r>
+            <a:endParaRPr lang="en-US" altLang="zh-CN" dirty="0"/>
+          </a:p>
+          <a:p>
+            <a:r>
+              <a:rPr lang="en-US" altLang="zh-CN" dirty="0"/>
+              <a:t>·</a:t>
+            </a:r>
+            <a:r>
+              <a:rPr lang="zh-CN" altLang="en-US" dirty="0"/>
+              <a:t>手机</a:t>
+            </a:r>
+            <a:endParaRPr lang="en-US" altLang="zh-CN" dirty="0"/>
+          </a:p>
+          <a:p>
+            <a:r>
+              <a:rPr lang="en-US" altLang="zh-CN" dirty="0"/>
+              <a:t>·</a:t>
+            </a:r>
+            <a:r>
+              <a:rPr lang="zh-CN" altLang="en-US" dirty="0"/>
+              <a:t>邮箱</a:t>
+            </a:r>
+            <a:endParaRPr lang="en-US" altLang="zh-CN" dirty="0"/>
+          </a:p>
+          <a:p>
+            <a:r>
+              <a:rPr lang="en-US" altLang="zh-CN" dirty="0"/>
+              <a:t>·</a:t>
+            </a:r>
+            <a:r>
+              <a:rPr lang="zh-CN" altLang="en-US" dirty="0"/>
+              <a:t>游戏金钱余额</a:t>
+            </a:r>
+            <a:endParaRPr lang="en-US" altLang="zh-CN" dirty="0"/>
+          </a:p>
+          <a:p>
+            <a:r>
+              <a:rPr lang="en-US" altLang="zh-CN" dirty="0"/>
+              <a:t>·BAN</a:t>
+            </a:r>
+            <a:r>
+              <a:rPr lang="zh-CN" altLang="en-US" dirty="0"/>
+              <a:t>？</a:t>
+            </a:r>
+            <a:endParaRPr lang="en-US" altLang="zh-CN" dirty="0"/>
+          </a:p>
+          <a:p>
+            <a:r>
+              <a:rPr lang="en-US" altLang="zh-CN" dirty="0"/>
+              <a:t>·</a:t>
+            </a:r>
+            <a:r>
+              <a:rPr lang="zh-CN" altLang="en-US" dirty="0"/>
+              <a:t>等级</a:t>
+            </a:r>
+          </a:p>
+        </p:txBody>
+      </p:sp>
+      <p:sp>
+        <p:nvSpPr>
+          <p:cNvPr id="40" name="矩形 39">
+            <a:extLst>
+              <a:ext uri="{FF2B5EF4-FFF2-40B4-BE49-F238E27FC236}">
+                <a16:creationId xmlns:a16="http://schemas.microsoft.com/office/drawing/2014/main" id="{600B7F97-9BEE-4949-BD91-0DB5F78CFFA9}"/>
+              </a:ext>
+            </a:extLst>
+          </p:cNvPr>
+          <p:cNvSpPr/>
+          <p:nvPr/>
+        </p:nvSpPr>
+        <p:spPr>
+          <a:xfrm>
+            <a:off x="205516" y="2617693"/>
+            <a:ext cx="3236256" cy="1326778"/>
+          </a:xfrm>
+          <a:prstGeom prst="rect">
+            <a:avLst/>
+          </a:prstGeom>
+        </p:spPr>
+        <p:style>
+          <a:lnRef idx="2">
+            <a:schemeClr val="accent5">
+              <a:shade val="50000"/>
+            </a:schemeClr>
+          </a:lnRef>
+          <a:fillRef idx="1">
+            <a:schemeClr val="accent5"/>
+          </a:fillRef>
+          <a:effectRef idx="0">
+            <a:schemeClr val="accent5"/>
+          </a:effectRef>
+          <a:fontRef idx="minor">
+            <a:schemeClr val="lt1"/>
+          </a:fontRef>
+        </p:style>
+        <p:txBody>
+          <a:bodyPr rtlCol="0" anchor="t"/>
+          <a:lstStyle/>
+          <a:p>
+            <a:r>
+              <a:rPr lang="zh-CN" altLang="en-US" dirty="0"/>
+              <a:t>游戏内邮箱</a:t>
+            </a:r>
+          </a:p>
+        </p:txBody>
+      </p:sp>
+      <p:sp>
+        <p:nvSpPr>
+          <p:cNvPr id="41" name="矩形 40">
+            <a:extLst>
+              <a:ext uri="{FF2B5EF4-FFF2-40B4-BE49-F238E27FC236}">
+                <a16:creationId xmlns:a16="http://schemas.microsoft.com/office/drawing/2014/main" id="{09B044DA-8EB6-4402-8B2D-55C11EFEE24B}"/>
+              </a:ext>
+            </a:extLst>
+          </p:cNvPr>
+          <p:cNvSpPr/>
+          <p:nvPr/>
+        </p:nvSpPr>
+        <p:spPr>
+          <a:xfrm>
+            <a:off x="877685" y="3016624"/>
+            <a:ext cx="2187389" cy="528918"/>
+          </a:xfrm>
+          <a:prstGeom prst="rect">
+            <a:avLst/>
+          </a:prstGeom>
+        </p:spPr>
+        <p:style>
+          <a:lnRef idx="2">
+            <a:schemeClr val="accent5">
+              <a:shade val="50000"/>
+            </a:schemeClr>
+          </a:lnRef>
+          <a:fillRef idx="1">
+            <a:schemeClr val="accent5"/>
+          </a:fillRef>
+          <a:effectRef idx="0">
+            <a:schemeClr val="accent5"/>
+          </a:effectRef>
+          <a:fontRef idx="minor">
+            <a:schemeClr val="lt1"/>
+          </a:fontRef>
+        </p:style>
+        <p:txBody>
+          <a:bodyPr rtlCol="0" anchor="t"/>
+          <a:lstStyle/>
+          <a:p>
+            <a:r>
+              <a:rPr lang="zh-CN" altLang="en-US" dirty="0"/>
+              <a:t>游戏内邮件</a:t>
+            </a:r>
+          </a:p>
+        </p:txBody>
+      </p:sp>
+      <p:sp>
+        <p:nvSpPr>
+          <p:cNvPr id="42" name="矩形 41">
+            <a:extLst>
+              <a:ext uri="{FF2B5EF4-FFF2-40B4-BE49-F238E27FC236}">
+                <a16:creationId xmlns:a16="http://schemas.microsoft.com/office/drawing/2014/main" id="{9BE03605-45E0-4B16-AEDF-EF699B033F0E}"/>
+              </a:ext>
+            </a:extLst>
+          </p:cNvPr>
+          <p:cNvSpPr/>
+          <p:nvPr/>
+        </p:nvSpPr>
+        <p:spPr>
+          <a:xfrm>
+            <a:off x="205515" y="4047565"/>
+            <a:ext cx="2187389" cy="694765"/>
+          </a:xfrm>
+          <a:prstGeom prst="rect">
+            <a:avLst/>
+          </a:prstGeom>
+        </p:spPr>
+        <p:style>
+          <a:lnRef idx="2">
+            <a:schemeClr val="accent5">
+              <a:shade val="50000"/>
+            </a:schemeClr>
+          </a:lnRef>
+          <a:fillRef idx="1">
+            <a:schemeClr val="accent5"/>
+          </a:fillRef>
+          <a:effectRef idx="0">
+            <a:schemeClr val="accent5"/>
+          </a:effectRef>
+          <a:fontRef idx="minor">
+            <a:schemeClr val="lt1"/>
+          </a:fontRef>
+        </p:style>
+        <p:txBody>
+          <a:bodyPr rtlCol="0" anchor="t"/>
+          <a:lstStyle/>
+          <a:p>
+            <a:r>
+              <a:rPr lang="zh-CN" altLang="en-US" dirty="0"/>
+              <a:t>好友名单</a:t>
+            </a:r>
+          </a:p>
+        </p:txBody>
+      </p:sp>
+      <p:sp>
+        <p:nvSpPr>
+          <p:cNvPr id="43" name="矩形 42">
+            <a:extLst>
+              <a:ext uri="{FF2B5EF4-FFF2-40B4-BE49-F238E27FC236}">
+                <a16:creationId xmlns:a16="http://schemas.microsoft.com/office/drawing/2014/main" id="{C231B6D7-0946-4FF2-959E-084C3C34CA56}"/>
+              </a:ext>
+            </a:extLst>
+          </p:cNvPr>
+          <p:cNvSpPr/>
+          <p:nvPr/>
+        </p:nvSpPr>
+        <p:spPr>
+          <a:xfrm>
+            <a:off x="205515" y="4845424"/>
+            <a:ext cx="2187389" cy="694765"/>
+          </a:xfrm>
+          <a:prstGeom prst="rect">
+            <a:avLst/>
+          </a:prstGeom>
+        </p:spPr>
+        <p:style>
+          <a:lnRef idx="2">
+            <a:schemeClr val="accent5">
+              <a:shade val="50000"/>
+            </a:schemeClr>
+          </a:lnRef>
+          <a:fillRef idx="1">
+            <a:schemeClr val="accent5"/>
+          </a:fillRef>
+          <a:effectRef idx="0">
+            <a:schemeClr val="accent5"/>
+          </a:effectRef>
+          <a:fontRef idx="minor">
+            <a:schemeClr val="lt1"/>
+          </a:fontRef>
+        </p:style>
+        <p:txBody>
+          <a:bodyPr rtlCol="0" anchor="t"/>
+          <a:lstStyle/>
+          <a:p>
+            <a:r>
+              <a:rPr lang="zh-CN" altLang="en-US" dirty="0"/>
+              <a:t>黑名单</a:t>
+            </a:r>
+          </a:p>
+        </p:txBody>
+      </p:sp>
+      <p:sp>
+        <p:nvSpPr>
+          <p:cNvPr id="44" name="矩形 43">
+            <a:extLst>
+              <a:ext uri="{FF2B5EF4-FFF2-40B4-BE49-F238E27FC236}">
+                <a16:creationId xmlns:a16="http://schemas.microsoft.com/office/drawing/2014/main" id="{B42BB5D5-0799-4026-A54B-0DFB9DF8ACCD}"/>
+              </a:ext>
+            </a:extLst>
+          </p:cNvPr>
+          <p:cNvSpPr/>
+          <p:nvPr/>
+        </p:nvSpPr>
+        <p:spPr>
+          <a:xfrm>
+            <a:off x="385483" y="5777753"/>
+            <a:ext cx="2187389" cy="694765"/>
+          </a:xfrm>
+          <a:prstGeom prst="rect">
+            <a:avLst/>
+          </a:prstGeom>
+          <a:solidFill>
+            <a:schemeClr val="bg1">
+              <a:lumMod val="75000"/>
+            </a:schemeClr>
+          </a:solidFill>
+        </p:spPr>
+        <p:style>
+          <a:lnRef idx="2">
+            <a:schemeClr val="accent3">
+              <a:shade val="50000"/>
+            </a:schemeClr>
+          </a:lnRef>
+          <a:fillRef idx="1">
+            <a:schemeClr val="accent3"/>
+          </a:fillRef>
+          <a:effectRef idx="0">
+            <a:schemeClr val="accent3"/>
+          </a:effectRef>
+          <a:fontRef idx="minor">
+            <a:schemeClr val="lt1"/>
+          </a:fontRef>
+        </p:style>
+        <p:txBody>
+          <a:bodyPr rtlCol="0" anchor="t"/>
+          <a:lstStyle/>
+          <a:p>
+            <a:r>
+              <a:rPr lang="zh-CN" altLang="en-US" dirty="0"/>
+              <a:t>战绩（待定，因为受游戏机制影响）</a:t>
+            </a:r>
+          </a:p>
+        </p:txBody>
+      </p:sp>
+      <p:sp>
+        <p:nvSpPr>
+          <p:cNvPr id="46" name="矩形 45">
+            <a:extLst>
+              <a:ext uri="{FF2B5EF4-FFF2-40B4-BE49-F238E27FC236}">
+                <a16:creationId xmlns:a16="http://schemas.microsoft.com/office/drawing/2014/main" id="{3918B4AA-C451-4E79-B923-AC8154B5F338}"/>
+              </a:ext>
+            </a:extLst>
+          </p:cNvPr>
+          <p:cNvSpPr/>
+          <p:nvPr/>
+        </p:nvSpPr>
+        <p:spPr>
+          <a:xfrm>
+            <a:off x="1057162" y="3184713"/>
+            <a:ext cx="2187389" cy="528918"/>
+          </a:xfrm>
+          <a:prstGeom prst="rect">
+            <a:avLst/>
+          </a:prstGeom>
+        </p:spPr>
+        <p:style>
+          <a:lnRef idx="2">
+            <a:schemeClr val="accent5">
+              <a:shade val="50000"/>
+            </a:schemeClr>
+          </a:lnRef>
+          <a:fillRef idx="1">
+            <a:schemeClr val="accent5"/>
+          </a:fillRef>
+          <a:effectRef idx="0">
+            <a:schemeClr val="accent5"/>
+          </a:effectRef>
+          <a:fontRef idx="minor">
+            <a:schemeClr val="lt1"/>
+          </a:fontRef>
+        </p:style>
+        <p:txBody>
+          <a:bodyPr rtlCol="0" anchor="t"/>
+          <a:lstStyle/>
+          <a:p>
+            <a:r>
+              <a:rPr lang="zh-CN" altLang="en-US" dirty="0"/>
+              <a:t>游戏内邮件</a:t>
+            </a:r>
+          </a:p>
+        </p:txBody>
+      </p:sp>
+      <p:sp>
+        <p:nvSpPr>
+          <p:cNvPr id="47" name="矩形 46">
+            <a:extLst>
+              <a:ext uri="{FF2B5EF4-FFF2-40B4-BE49-F238E27FC236}">
+                <a16:creationId xmlns:a16="http://schemas.microsoft.com/office/drawing/2014/main" id="{C609EE65-8D9A-4E4B-BE13-FE6CC3DDC1C9}"/>
+              </a:ext>
+            </a:extLst>
+          </p:cNvPr>
+          <p:cNvSpPr/>
+          <p:nvPr/>
+        </p:nvSpPr>
+        <p:spPr>
+          <a:xfrm>
+            <a:off x="1173703" y="3314701"/>
+            <a:ext cx="2187389" cy="528918"/>
+          </a:xfrm>
+          <a:prstGeom prst="rect">
+            <a:avLst/>
+          </a:prstGeom>
+        </p:spPr>
+        <p:style>
+          <a:lnRef idx="2">
+            <a:schemeClr val="accent5">
+              <a:shade val="50000"/>
+            </a:schemeClr>
+          </a:lnRef>
+          <a:fillRef idx="1">
+            <a:schemeClr val="accent5"/>
+          </a:fillRef>
+          <a:effectRef idx="0">
+            <a:schemeClr val="accent5"/>
+          </a:effectRef>
+          <a:fontRef idx="minor">
+            <a:schemeClr val="lt1"/>
+          </a:fontRef>
+        </p:style>
+        <p:txBody>
+          <a:bodyPr rtlCol="0" anchor="t"/>
+          <a:lstStyle/>
+          <a:p>
+            <a:r>
+              <a:rPr lang="zh-CN" altLang="en-US" dirty="0"/>
+              <a:t>游戏内邮件</a:t>
+            </a:r>
+          </a:p>
+        </p:txBody>
+      </p:sp>
+      <p:sp>
+        <p:nvSpPr>
+          <p:cNvPr id="48" name="矩形 47">
+            <a:extLst>
+              <a:ext uri="{FF2B5EF4-FFF2-40B4-BE49-F238E27FC236}">
+                <a16:creationId xmlns:a16="http://schemas.microsoft.com/office/drawing/2014/main" id="{D18DE2FF-6D88-4159-B762-647108599C1A}"/>
+              </a:ext>
+            </a:extLst>
+          </p:cNvPr>
+          <p:cNvSpPr/>
+          <p:nvPr/>
+        </p:nvSpPr>
+        <p:spPr>
+          <a:xfrm>
+            <a:off x="3246670" y="990140"/>
+            <a:ext cx="1415552" cy="369333"/>
+          </a:xfrm>
+          <a:prstGeom prst="rect">
+            <a:avLst/>
+          </a:prstGeom>
+        </p:spPr>
+        <p:style>
+          <a:lnRef idx="2">
+            <a:schemeClr val="accent5">
+              <a:shade val="50000"/>
+            </a:schemeClr>
+          </a:lnRef>
+          <a:fillRef idx="1">
+            <a:schemeClr val="accent5"/>
+          </a:fillRef>
+          <a:effectRef idx="0">
+            <a:schemeClr val="accent5"/>
+          </a:effectRef>
+          <a:fontRef idx="minor">
+            <a:schemeClr val="lt1"/>
+          </a:fontRef>
+        </p:style>
+        <p:txBody>
+          <a:bodyPr rtlCol="0" anchor="t"/>
+          <a:lstStyle/>
+          <a:p>
+            <a:r>
+              <a:rPr lang="zh-CN" altLang="en-US" dirty="0"/>
+              <a:t>持有的卡片</a:t>
+            </a:r>
+          </a:p>
+        </p:txBody>
+      </p:sp>
+      <p:sp>
+        <p:nvSpPr>
+          <p:cNvPr id="49" name="矩形 48">
+            <a:extLst>
+              <a:ext uri="{FF2B5EF4-FFF2-40B4-BE49-F238E27FC236}">
+                <a16:creationId xmlns:a16="http://schemas.microsoft.com/office/drawing/2014/main" id="{2352AF4A-63D2-4506-B384-C3B49A32CE6E}"/>
+              </a:ext>
+            </a:extLst>
+          </p:cNvPr>
+          <p:cNvSpPr/>
+          <p:nvPr/>
+        </p:nvSpPr>
+        <p:spPr>
+          <a:xfrm>
+            <a:off x="3343399" y="1094583"/>
+            <a:ext cx="1415552" cy="369333"/>
+          </a:xfrm>
+          <a:prstGeom prst="rect">
+            <a:avLst/>
+          </a:prstGeom>
+        </p:spPr>
+        <p:style>
+          <a:lnRef idx="2">
+            <a:schemeClr val="accent5">
+              <a:shade val="50000"/>
+            </a:schemeClr>
+          </a:lnRef>
+          <a:fillRef idx="1">
+            <a:schemeClr val="accent5"/>
+          </a:fillRef>
+          <a:effectRef idx="0">
+            <a:schemeClr val="accent5"/>
+          </a:effectRef>
+          <a:fontRef idx="minor">
+            <a:schemeClr val="lt1"/>
+          </a:fontRef>
+        </p:style>
+        <p:txBody>
+          <a:bodyPr rtlCol="0" anchor="t"/>
+          <a:lstStyle/>
+          <a:p>
+            <a:r>
+              <a:rPr lang="zh-CN" altLang="en-US" dirty="0"/>
+              <a:t>持有的卡片</a:t>
+            </a:r>
+          </a:p>
+        </p:txBody>
+      </p:sp>
+      <p:sp>
+        <p:nvSpPr>
+          <p:cNvPr id="50" name="矩形 49">
+            <a:extLst>
+              <a:ext uri="{FF2B5EF4-FFF2-40B4-BE49-F238E27FC236}">
+                <a16:creationId xmlns:a16="http://schemas.microsoft.com/office/drawing/2014/main" id="{3B32999C-09C7-46D7-96BC-B4D6B4CD4CDF}"/>
+              </a:ext>
+            </a:extLst>
+          </p:cNvPr>
+          <p:cNvSpPr/>
+          <p:nvPr/>
+        </p:nvSpPr>
+        <p:spPr>
+          <a:xfrm>
+            <a:off x="3469043" y="1189604"/>
+            <a:ext cx="1415552" cy="971320"/>
+          </a:xfrm>
+          <a:prstGeom prst="rect">
+            <a:avLst/>
+          </a:prstGeom>
+        </p:spPr>
+        <p:style>
+          <a:lnRef idx="2">
+            <a:schemeClr val="accent5">
+              <a:shade val="50000"/>
+            </a:schemeClr>
+          </a:lnRef>
+          <a:fillRef idx="1">
+            <a:schemeClr val="accent5"/>
+          </a:fillRef>
+          <a:effectRef idx="0">
+            <a:schemeClr val="accent5"/>
+          </a:effectRef>
+          <a:fontRef idx="minor">
+            <a:schemeClr val="lt1"/>
+          </a:fontRef>
+        </p:style>
+        <p:txBody>
+          <a:bodyPr rtlCol="0" anchor="t"/>
+          <a:lstStyle/>
+          <a:p>
+            <a:r>
+              <a:rPr lang="zh-CN" altLang="en-US" dirty="0"/>
+              <a:t>持有的卡片</a:t>
+            </a:r>
+            <a:endParaRPr lang="en-US" altLang="zh-CN" dirty="0"/>
+          </a:p>
+          <a:p>
+            <a:r>
+              <a:rPr lang="en-US" altLang="zh-CN" dirty="0"/>
+              <a:t>·</a:t>
+            </a:r>
+            <a:r>
+              <a:rPr lang="zh-CN" altLang="en-US" dirty="0"/>
+              <a:t>获得日期</a:t>
+            </a:r>
+          </a:p>
+        </p:txBody>
+      </p:sp>
+      <p:sp>
+        <p:nvSpPr>
+          <p:cNvPr id="51" name="矩形 50">
+            <a:extLst>
+              <a:ext uri="{FF2B5EF4-FFF2-40B4-BE49-F238E27FC236}">
+                <a16:creationId xmlns:a16="http://schemas.microsoft.com/office/drawing/2014/main" id="{90CF392E-C1AD-4FDD-9280-676EFC1CE451}"/>
+              </a:ext>
+            </a:extLst>
+          </p:cNvPr>
+          <p:cNvSpPr/>
+          <p:nvPr/>
+        </p:nvSpPr>
+        <p:spPr>
+          <a:xfrm>
+            <a:off x="2738132" y="5777753"/>
+            <a:ext cx="2187389" cy="694765"/>
+          </a:xfrm>
+          <a:prstGeom prst="rect">
+            <a:avLst/>
+          </a:prstGeom>
+        </p:spPr>
+        <p:style>
+          <a:lnRef idx="2">
+            <a:schemeClr val="accent3">
+              <a:shade val="50000"/>
+            </a:schemeClr>
+          </a:lnRef>
+          <a:fillRef idx="1">
+            <a:schemeClr val="accent3"/>
+          </a:fillRef>
+          <a:effectRef idx="0">
+            <a:schemeClr val="accent3"/>
+          </a:effectRef>
+          <a:fontRef idx="minor">
+            <a:schemeClr val="lt1"/>
+          </a:fontRef>
+        </p:style>
+        <p:txBody>
+          <a:bodyPr rtlCol="0" anchor="t"/>
+          <a:lstStyle/>
+          <a:p>
+            <a:r>
+              <a:rPr lang="zh-CN" altLang="en-US" dirty="0"/>
+              <a:t>进度</a:t>
+            </a:r>
+          </a:p>
+        </p:txBody>
+      </p:sp>
+      <p:sp>
+        <p:nvSpPr>
+          <p:cNvPr id="52" name="矩形 51">
+            <a:extLst>
+              <a:ext uri="{FF2B5EF4-FFF2-40B4-BE49-F238E27FC236}">
+                <a16:creationId xmlns:a16="http://schemas.microsoft.com/office/drawing/2014/main" id="{9F643ACA-0369-4853-AE84-771EDEF71F6D}"/>
+              </a:ext>
+            </a:extLst>
+          </p:cNvPr>
+          <p:cNvSpPr/>
+          <p:nvPr/>
+        </p:nvSpPr>
+        <p:spPr>
+          <a:xfrm>
+            <a:off x="2679898" y="4212981"/>
+            <a:ext cx="1855510" cy="589353"/>
+          </a:xfrm>
+          <a:prstGeom prst="rect">
+            <a:avLst/>
+          </a:prstGeom>
+        </p:spPr>
+        <p:style>
+          <a:lnRef idx="2">
+            <a:schemeClr val="accent5">
+              <a:shade val="50000"/>
+            </a:schemeClr>
+          </a:lnRef>
+          <a:fillRef idx="1">
+            <a:schemeClr val="accent5"/>
+          </a:fillRef>
+          <a:effectRef idx="0">
+            <a:schemeClr val="accent5"/>
+          </a:effectRef>
+          <a:fontRef idx="minor">
+            <a:schemeClr val="lt1"/>
+          </a:fontRef>
+        </p:style>
+        <p:txBody>
+          <a:bodyPr rtlCol="0" anchor="t"/>
+          <a:lstStyle/>
+          <a:p>
+            <a:r>
+              <a:rPr lang="zh-CN" altLang="en-US" dirty="0"/>
+              <a:t>聊天历史</a:t>
+            </a:r>
+            <a:endParaRPr lang="en-US" altLang="zh-CN" dirty="0"/>
+          </a:p>
+          <a:p>
+            <a:r>
+              <a:rPr lang="en-US" altLang="zh-CN" dirty="0"/>
+              <a:t>·</a:t>
+            </a:r>
+            <a:r>
+              <a:rPr lang="zh-CN" altLang="en-US" dirty="0"/>
+              <a:t>对方</a:t>
+            </a:r>
+          </a:p>
+        </p:txBody>
+      </p:sp>
+      <p:sp>
+        <p:nvSpPr>
+          <p:cNvPr id="53" name="矩形 52">
+            <a:extLst>
+              <a:ext uri="{FF2B5EF4-FFF2-40B4-BE49-F238E27FC236}">
+                <a16:creationId xmlns:a16="http://schemas.microsoft.com/office/drawing/2014/main" id="{BE635FAB-B860-4D47-9351-E6268AC92F2A}"/>
+              </a:ext>
+            </a:extLst>
+          </p:cNvPr>
+          <p:cNvSpPr/>
+          <p:nvPr/>
+        </p:nvSpPr>
+        <p:spPr>
+          <a:xfrm>
+            <a:off x="2806712" y="4271758"/>
+            <a:ext cx="1855510" cy="589353"/>
+          </a:xfrm>
+          <a:prstGeom prst="rect">
+            <a:avLst/>
+          </a:prstGeom>
+        </p:spPr>
+        <p:style>
+          <a:lnRef idx="2">
+            <a:schemeClr val="accent5">
+              <a:shade val="50000"/>
+            </a:schemeClr>
+          </a:lnRef>
+          <a:fillRef idx="1">
+            <a:schemeClr val="accent5"/>
+          </a:fillRef>
+          <a:effectRef idx="0">
+            <a:schemeClr val="accent5"/>
+          </a:effectRef>
+          <a:fontRef idx="minor">
+            <a:schemeClr val="lt1"/>
+          </a:fontRef>
+        </p:style>
+        <p:txBody>
+          <a:bodyPr rtlCol="0" anchor="t"/>
+          <a:lstStyle/>
+          <a:p>
+            <a:r>
+              <a:rPr lang="zh-CN" altLang="en-US" dirty="0"/>
+              <a:t>聊天历史</a:t>
+            </a:r>
+            <a:endParaRPr lang="en-US" altLang="zh-CN" dirty="0"/>
+          </a:p>
+          <a:p>
+            <a:r>
+              <a:rPr lang="en-US" altLang="zh-CN" dirty="0"/>
+              <a:t>·</a:t>
+            </a:r>
+            <a:r>
+              <a:rPr lang="zh-CN" altLang="en-US" dirty="0"/>
+              <a:t>对方</a:t>
+            </a:r>
+          </a:p>
+        </p:txBody>
+      </p:sp>
+      <p:sp>
+        <p:nvSpPr>
+          <p:cNvPr id="54" name="矩形 53">
+            <a:extLst>
+              <a:ext uri="{FF2B5EF4-FFF2-40B4-BE49-F238E27FC236}">
+                <a16:creationId xmlns:a16="http://schemas.microsoft.com/office/drawing/2014/main" id="{9ED06D1E-F77B-4F06-AAF9-E59AAC0AE75D}"/>
+              </a:ext>
+            </a:extLst>
+          </p:cNvPr>
+          <p:cNvSpPr/>
+          <p:nvPr/>
+        </p:nvSpPr>
+        <p:spPr>
+          <a:xfrm>
+            <a:off x="2942496" y="4381750"/>
+            <a:ext cx="1855510" cy="589353"/>
+          </a:xfrm>
+          <a:prstGeom prst="rect">
+            <a:avLst/>
+          </a:prstGeom>
+        </p:spPr>
+        <p:style>
+          <a:lnRef idx="2">
+            <a:schemeClr val="accent5">
+              <a:shade val="50000"/>
+            </a:schemeClr>
+          </a:lnRef>
+          <a:fillRef idx="1">
+            <a:schemeClr val="accent5"/>
+          </a:fillRef>
+          <a:effectRef idx="0">
+            <a:schemeClr val="accent5"/>
+          </a:effectRef>
+          <a:fontRef idx="minor">
+            <a:schemeClr val="lt1"/>
+          </a:fontRef>
+        </p:style>
+        <p:txBody>
+          <a:bodyPr rtlCol="0" anchor="t"/>
+          <a:lstStyle/>
+          <a:p>
+            <a:r>
+              <a:rPr lang="zh-CN" altLang="en-US" dirty="0"/>
+              <a:t>聊天历史</a:t>
+            </a:r>
+            <a:endParaRPr lang="en-US" altLang="zh-CN" dirty="0"/>
+          </a:p>
+          <a:p>
+            <a:r>
+              <a:rPr lang="en-US" altLang="zh-CN" dirty="0"/>
+              <a:t>·</a:t>
+            </a:r>
+            <a:r>
+              <a:rPr lang="zh-CN" altLang="en-US" dirty="0"/>
+              <a:t>对方</a:t>
+            </a:r>
+          </a:p>
+        </p:txBody>
+      </p:sp>
+    </p:spTree>
+    <p:extLst>
+      <p:ext uri="{BB962C8B-B14F-4D97-AF65-F5344CB8AC3E}">
+        <p14:creationId xmlns:p14="http://schemas.microsoft.com/office/powerpoint/2010/main" val="795590700"/>
+      </p:ext>
+    </p:extLst>
+  </p:cSld>
+  <p:clrMapOvr>
+    <a:masterClrMapping/>
+  </p:clrMapOvr>
+</p:sld>
+</file>
+
+<file path=ppt/slides/slide13.xml><?xml version="1.0" encoding="utf-8"?>
+<p:sld xmlns:a="http://schemas.openxmlformats.org/drawingml/2006/main" xmlns:r="http://schemas.openxmlformats.org/officeDocument/2006/relationships" xmlns:p="http://schemas.openxmlformats.org/presentationml/2006/main">
+  <p:cSld>
+    <p:spTree>
+      <p:nvGrpSpPr>
+        <p:cNvPr id="1" name=""/>
+        <p:cNvGrpSpPr/>
+        <p:nvPr/>
+      </p:nvGrpSpPr>
+      <p:grpSpPr>
+        <a:xfrm>
+          <a:off x="0" y="0"/>
+          <a:ext cx="0" cy="0"/>
+          <a:chOff x="0" y="0"/>
+          <a:chExt cx="0" cy="0"/>
+        </a:xfrm>
+      </p:grpSpPr>
+      <p:sp>
+        <p:nvSpPr>
+          <p:cNvPr id="2" name="矩形 1">
+            <a:extLst>
+              <a:ext uri="{FF2B5EF4-FFF2-40B4-BE49-F238E27FC236}">
+                <a16:creationId xmlns:a16="http://schemas.microsoft.com/office/drawing/2014/main" id="{F8B92729-C8EF-43EF-AF66-4E275BE9517E}"/>
+              </a:ext>
+            </a:extLst>
+          </p:cNvPr>
+          <p:cNvSpPr/>
+          <p:nvPr/>
+        </p:nvSpPr>
+        <p:spPr>
+          <a:xfrm>
+            <a:off x="323850" y="190500"/>
+            <a:ext cx="2886075" cy="561975"/>
+          </a:xfrm>
+          <a:prstGeom prst="rect">
+            <a:avLst/>
+          </a:prstGeom>
+        </p:spPr>
+        <p:style>
+          <a:lnRef idx="2">
+            <a:schemeClr val="accent5">
+              <a:shade val="50000"/>
+            </a:schemeClr>
+          </a:lnRef>
+          <a:fillRef idx="1">
+            <a:schemeClr val="accent5"/>
+          </a:fillRef>
+          <a:effectRef idx="0">
+            <a:schemeClr val="accent5"/>
+          </a:effectRef>
+          <a:fontRef idx="minor">
+            <a:schemeClr val="lt1"/>
+          </a:fontRef>
+        </p:style>
+        <p:txBody>
+          <a:bodyPr rtlCol="0" anchor="ctr"/>
+          <a:lstStyle/>
+          <a:p>
+            <a:pPr algn="ctr"/>
+            <a:r>
+              <a:rPr lang="zh-CN" altLang="en-US" dirty="0"/>
+              <a:t>游戏</a:t>
+            </a:r>
+            <a:r>
+              <a:rPr lang="en-US" altLang="zh-CN" dirty="0"/>
+              <a:t>UI</a:t>
+            </a:r>
+            <a:r>
+              <a:rPr lang="zh-CN" altLang="en-US" dirty="0"/>
+              <a:t>提前设计 流程</a:t>
+            </a:r>
+          </a:p>
+        </p:txBody>
+      </p:sp>
+      <p:sp>
+        <p:nvSpPr>
+          <p:cNvPr id="3" name="文本框 2">
+            <a:extLst>
+              <a:ext uri="{FF2B5EF4-FFF2-40B4-BE49-F238E27FC236}">
+                <a16:creationId xmlns:a16="http://schemas.microsoft.com/office/drawing/2014/main" id="{B3E49996-694F-40B4-9CD5-25A442EB2D76}"/>
+              </a:ext>
+            </a:extLst>
+          </p:cNvPr>
+          <p:cNvSpPr txBox="1"/>
+          <p:nvPr/>
+        </p:nvSpPr>
+        <p:spPr>
+          <a:xfrm>
+            <a:off x="323850" y="1000125"/>
+            <a:ext cx="11160428" cy="646331"/>
+          </a:xfrm>
+          <a:prstGeom prst="rect">
+            <a:avLst/>
+          </a:prstGeom>
+          <a:noFill/>
+        </p:spPr>
+        <p:txBody>
+          <a:bodyPr wrap="none" rtlCol="0">
+            <a:spAutoFit/>
+          </a:bodyPr>
+          <a:lstStyle/>
+          <a:p>
+            <a:r>
+              <a:rPr lang="en-US" altLang="zh-CN" dirty="0"/>
+              <a:t>1.</a:t>
+            </a:r>
+            <a:r>
+              <a:rPr lang="zh-CN" altLang="en-US" dirty="0"/>
+              <a:t>去</a:t>
+            </a:r>
+            <a:r>
+              <a:rPr lang="en-US" altLang="zh-CN" dirty="0"/>
+              <a:t>GitHub</a:t>
+            </a:r>
+            <a:r>
+              <a:rPr lang="zh-CN" altLang="en-US" dirty="0"/>
+              <a:t>下载离线版抽卡手游（因为</a:t>
+            </a:r>
+            <a:r>
+              <a:rPr lang="en-US" altLang="zh-CN" dirty="0" err="1"/>
+              <a:t>CardGame</a:t>
+            </a:r>
+            <a:r>
+              <a:rPr lang="en-US" altLang="zh-CN" dirty="0"/>
+              <a:t> Repository</a:t>
+            </a:r>
+            <a:r>
+              <a:rPr lang="zh-CN" altLang="en-US" dirty="0"/>
+              <a:t>内的版本正处于修改中，请到下面的</a:t>
+            </a:r>
+            <a:r>
+              <a:rPr lang="en-US" altLang="zh-CN" dirty="0"/>
+              <a:t>Repository</a:t>
+            </a:r>
+            <a:r>
+              <a:rPr lang="zh-CN" altLang="en-US" dirty="0"/>
+              <a:t>）</a:t>
+            </a:r>
+            <a:endParaRPr lang="en-US" altLang="zh-CN" dirty="0"/>
+          </a:p>
+          <a:p>
+            <a:r>
+              <a:rPr lang="en-US" altLang="zh-CN" dirty="0">
+                <a:hlinkClick r:id="rId2"/>
+              </a:rPr>
+              <a:t>https://github.com/bluelaserpointer/-Surviver_CICJ_GameJam-</a:t>
+            </a:r>
+            <a:endParaRPr lang="zh-CN" altLang="en-US" dirty="0"/>
+          </a:p>
+        </p:txBody>
+      </p:sp>
+      <p:pic>
+        <p:nvPicPr>
+          <p:cNvPr id="4" name="图片 3">
+            <a:extLst>
+              <a:ext uri="{FF2B5EF4-FFF2-40B4-BE49-F238E27FC236}">
+                <a16:creationId xmlns:a16="http://schemas.microsoft.com/office/drawing/2014/main" id="{1F694112-14ED-48B7-B610-4624E8A9D237}"/>
+              </a:ext>
+            </a:extLst>
+          </p:cNvPr>
+          <p:cNvPicPr>
+            <a:picLocks noChangeAspect="1"/>
+          </p:cNvPicPr>
+          <p:nvPr/>
+        </p:nvPicPr>
+        <p:blipFill rotWithShape="1">
+          <a:blip r:embed="rId3"/>
+          <a:srcRect b="38739"/>
+          <a:stretch/>
+        </p:blipFill>
+        <p:spPr>
+          <a:xfrm>
+            <a:off x="428626" y="1638300"/>
+            <a:ext cx="5810250" cy="1657350"/>
+          </a:xfrm>
+          <a:prstGeom prst="rect">
+            <a:avLst/>
+          </a:prstGeom>
+        </p:spPr>
+      </p:pic>
+      <p:pic>
+        <p:nvPicPr>
+          <p:cNvPr id="5" name="图片 4">
+            <a:extLst>
+              <a:ext uri="{FF2B5EF4-FFF2-40B4-BE49-F238E27FC236}">
+                <a16:creationId xmlns:a16="http://schemas.microsoft.com/office/drawing/2014/main" id="{8397F39D-54FD-4785-A67C-63CCC282A7BF}"/>
+              </a:ext>
+            </a:extLst>
+          </p:cNvPr>
+          <p:cNvPicPr>
+            <a:picLocks noChangeAspect="1"/>
+          </p:cNvPicPr>
+          <p:nvPr/>
+        </p:nvPicPr>
+        <p:blipFill>
+          <a:blip r:embed="rId4"/>
+          <a:stretch>
+            <a:fillRect/>
+          </a:stretch>
+        </p:blipFill>
+        <p:spPr>
+          <a:xfrm>
+            <a:off x="428626" y="3933825"/>
+            <a:ext cx="4105274" cy="2562736"/>
+          </a:xfrm>
+          <a:prstGeom prst="rect">
+            <a:avLst/>
+          </a:prstGeom>
+        </p:spPr>
+      </p:pic>
+      <p:sp>
+        <p:nvSpPr>
+          <p:cNvPr id="6" name="文本框 5">
+            <a:extLst>
+              <a:ext uri="{FF2B5EF4-FFF2-40B4-BE49-F238E27FC236}">
+                <a16:creationId xmlns:a16="http://schemas.microsoft.com/office/drawing/2014/main" id="{AF6D350F-FB0C-43CB-9D48-17685221513A}"/>
+              </a:ext>
+            </a:extLst>
+          </p:cNvPr>
+          <p:cNvSpPr txBox="1"/>
+          <p:nvPr/>
+        </p:nvSpPr>
+        <p:spPr>
+          <a:xfrm>
+            <a:off x="323850" y="3244334"/>
+            <a:ext cx="5532284" cy="646331"/>
+          </a:xfrm>
+          <a:prstGeom prst="rect">
+            <a:avLst/>
+          </a:prstGeom>
+          <a:noFill/>
+        </p:spPr>
+        <p:txBody>
+          <a:bodyPr wrap="none" rtlCol="0">
+            <a:spAutoFit/>
+          </a:bodyPr>
+          <a:lstStyle/>
+          <a:p>
+            <a:r>
+              <a:rPr lang="en-US" altLang="zh-CN" dirty="0"/>
+              <a:t>2.</a:t>
+            </a:r>
+            <a:r>
+              <a:rPr lang="zh-CN" altLang="en-US" dirty="0"/>
+              <a:t>打开游戏，观察各页面所需的按钮</a:t>
+            </a:r>
+            <a:endParaRPr lang="en-US" altLang="zh-CN" dirty="0"/>
+          </a:p>
+          <a:p>
+            <a:r>
+              <a:rPr lang="zh-CN" altLang="en-US" dirty="0"/>
+              <a:t>（包括思考这里缺少的</a:t>
+            </a:r>
+            <a:r>
+              <a:rPr lang="en-US" altLang="zh-CN" dirty="0"/>
+              <a:t>"</a:t>
+            </a:r>
+            <a:r>
+              <a:rPr lang="zh-CN" altLang="en-US" dirty="0"/>
+              <a:t>账号</a:t>
+            </a:r>
+            <a:r>
+              <a:rPr lang="en-US" altLang="zh-CN" dirty="0"/>
+              <a:t>""</a:t>
+            </a:r>
+            <a:r>
+              <a:rPr lang="zh-CN" altLang="en-US" dirty="0"/>
+              <a:t>邮箱</a:t>
+            </a:r>
+            <a:r>
+              <a:rPr lang="en-US" altLang="zh-CN" dirty="0"/>
+              <a:t>""</a:t>
+            </a:r>
+            <a:r>
+              <a:rPr lang="zh-CN" altLang="en-US" dirty="0"/>
+              <a:t>聊天室</a:t>
+            </a:r>
+            <a:r>
+              <a:rPr lang="en-US" altLang="zh-CN" dirty="0"/>
+              <a:t>"</a:t>
+            </a:r>
+            <a:r>
+              <a:rPr lang="zh-CN" altLang="en-US" dirty="0"/>
+              <a:t>等按钮）</a:t>
+            </a:r>
+          </a:p>
+        </p:txBody>
+      </p:sp>
+      <p:sp>
+        <p:nvSpPr>
+          <p:cNvPr id="7" name="文本框 6">
+            <a:extLst>
+              <a:ext uri="{FF2B5EF4-FFF2-40B4-BE49-F238E27FC236}">
+                <a16:creationId xmlns:a16="http://schemas.microsoft.com/office/drawing/2014/main" id="{4744ACF2-C2BE-4DD7-8173-52909909FDDC}"/>
+              </a:ext>
+            </a:extLst>
+          </p:cNvPr>
+          <p:cNvSpPr txBox="1"/>
+          <p:nvPr/>
+        </p:nvSpPr>
+        <p:spPr>
+          <a:xfrm>
+            <a:off x="5951994" y="3244334"/>
+            <a:ext cx="5997155" cy="646331"/>
+          </a:xfrm>
+          <a:prstGeom prst="rect">
+            <a:avLst/>
+          </a:prstGeom>
+          <a:noFill/>
+        </p:spPr>
+        <p:txBody>
+          <a:bodyPr wrap="none" rtlCol="0">
+            <a:spAutoFit/>
+          </a:bodyPr>
+          <a:lstStyle/>
+          <a:p>
+            <a:r>
+              <a:rPr lang="en-US" altLang="zh-CN" dirty="0"/>
+              <a:t>3.</a:t>
+            </a:r>
+            <a:r>
+              <a:rPr lang="zh-CN" altLang="en-US" dirty="0"/>
+              <a:t>打开</a:t>
+            </a:r>
+            <a:r>
+              <a:rPr lang="en-US" altLang="zh-CN" dirty="0"/>
+              <a:t>Android Studio</a:t>
+            </a:r>
+            <a:r>
+              <a:rPr lang="zh-CN" altLang="en-US" dirty="0"/>
+              <a:t>，随便一个</a:t>
+            </a:r>
+            <a:r>
+              <a:rPr lang="en-US" altLang="zh-CN" dirty="0"/>
+              <a:t>Template</a:t>
+            </a:r>
+            <a:r>
+              <a:rPr lang="zh-CN" altLang="en-US" dirty="0"/>
+              <a:t>，打开</a:t>
+            </a:r>
+            <a:r>
+              <a:rPr lang="en-US" altLang="zh-CN" dirty="0"/>
+              <a:t>UI</a:t>
+            </a:r>
+            <a:r>
+              <a:rPr lang="zh-CN" altLang="en-US" dirty="0"/>
+              <a:t>设计，</a:t>
+            </a:r>
+            <a:endParaRPr lang="en-US" altLang="zh-CN" dirty="0"/>
+          </a:p>
+          <a:p>
+            <a:r>
+              <a:rPr lang="zh-CN" altLang="en-US" dirty="0"/>
+              <a:t>对每一个按钮进行布局，并设置适当的</a:t>
+            </a:r>
+            <a:r>
+              <a:rPr lang="en-US" altLang="zh-CN" dirty="0"/>
+              <a:t>ID</a:t>
+            </a:r>
+            <a:endParaRPr lang="zh-CN" altLang="en-US" dirty="0"/>
+          </a:p>
+        </p:txBody>
+      </p:sp>
+      <p:sp>
+        <p:nvSpPr>
+          <p:cNvPr id="8" name="文本框 7">
+            <a:extLst>
+              <a:ext uri="{FF2B5EF4-FFF2-40B4-BE49-F238E27FC236}">
+                <a16:creationId xmlns:a16="http://schemas.microsoft.com/office/drawing/2014/main" id="{F723CF47-0D2B-4680-B7F2-2230D3C55F9D}"/>
+              </a:ext>
+            </a:extLst>
+          </p:cNvPr>
+          <p:cNvSpPr txBox="1"/>
+          <p:nvPr/>
+        </p:nvSpPr>
+        <p:spPr>
+          <a:xfrm>
+            <a:off x="6028194" y="3976491"/>
+            <a:ext cx="4974439" cy="369332"/>
+          </a:xfrm>
+          <a:prstGeom prst="rect">
+            <a:avLst/>
+          </a:prstGeom>
+          <a:noFill/>
+        </p:spPr>
+        <p:txBody>
+          <a:bodyPr wrap="none" rtlCol="0">
+            <a:spAutoFit/>
+          </a:bodyPr>
+          <a:lstStyle/>
+          <a:p>
+            <a:r>
+              <a:rPr lang="en-US" altLang="zh-CN" dirty="0"/>
+              <a:t>4.</a:t>
+            </a:r>
+            <a:r>
+              <a:rPr lang="zh-CN" altLang="en-US" dirty="0"/>
+              <a:t>到游戏资源文件夹内，获取有需要的控件图片</a:t>
+            </a:r>
+          </a:p>
+        </p:txBody>
+      </p:sp>
+      <p:pic>
+        <p:nvPicPr>
+          <p:cNvPr id="9" name="图片 8">
+            <a:extLst>
+              <a:ext uri="{FF2B5EF4-FFF2-40B4-BE49-F238E27FC236}">
+                <a16:creationId xmlns:a16="http://schemas.microsoft.com/office/drawing/2014/main" id="{5CCBCBB3-9E4C-4193-90AB-093D40B085C7}"/>
+              </a:ext>
+            </a:extLst>
+          </p:cNvPr>
+          <p:cNvPicPr>
+            <a:picLocks noChangeAspect="1"/>
+          </p:cNvPicPr>
+          <p:nvPr/>
+        </p:nvPicPr>
+        <p:blipFill rotWithShape="1">
+          <a:blip r:embed="rId5"/>
+          <a:srcRect b="63596"/>
+          <a:stretch/>
+        </p:blipFill>
+        <p:spPr>
+          <a:xfrm>
+            <a:off x="6028194" y="4368766"/>
+            <a:ext cx="6119993" cy="2133600"/>
+          </a:xfrm>
+          <a:prstGeom prst="rect">
+            <a:avLst/>
+          </a:prstGeom>
+        </p:spPr>
+      </p:pic>
+    </p:spTree>
+    <p:extLst>
+      <p:ext uri="{BB962C8B-B14F-4D97-AF65-F5344CB8AC3E}">
+        <p14:creationId xmlns:p14="http://schemas.microsoft.com/office/powerpoint/2010/main" val="2713174366"/>
+      </p:ext>
+    </p:extLst>
   </p:cSld>
   <p:clrMapOvr>
     <a:masterClrMapping/>
@@ -3766,7 +7522,6 @@
               <a:rPr lang="zh-CN" altLang="en-US" sz="3200" dirty="0"/>
               <a:t>后面 </a:t>
             </a:r>
-            <a:endParaRPr lang="zh-CN" altLang="en-US" sz="3200" dirty="0"/>
           </a:p>
         </p:txBody>
       </p:sp>
@@ -3804,7 +7559,7 @@
           <p:nvPr/>
         </p:nvPicPr>
         <p:blipFill>
-          <a:blip r:embed="rId1"/>
+          <a:blip r:embed="rId2"/>
           <a:stretch>
             <a:fillRect/>
           </a:stretch>
@@ -3853,7 +7608,7 @@
           <p:nvPr/>
         </p:nvPicPr>
         <p:blipFill>
-          <a:blip r:embed="rId1"/>
+          <a:blip r:embed="rId2"/>
           <a:stretch>
             <a:fillRect/>
           </a:stretch>
@@ -3919,7 +7674,6 @@
               <a:rPr lang="zh-CN" altLang="en-US" sz="3200" dirty="0"/>
               <a:t>第一周</a:t>
             </a:r>
-            <a:endParaRPr lang="zh-CN" altLang="en-US" sz="3200" dirty="0"/>
           </a:p>
         </p:txBody>
       </p:sp>
@@ -4103,7 +7857,6 @@
               <a:rPr lang="zh-CN" altLang="en-US" dirty="0"/>
               <a:t>邮箱，聊天室（待定））</a:t>
             </a:r>
-            <a:endParaRPr lang="zh-CN" altLang="en-US" dirty="0"/>
           </a:p>
         </p:txBody>
       </p:sp>
@@ -4145,7 +7898,6 @@
               <a:rPr lang="zh-CN" altLang="en-US" dirty="0"/>
               <a:t>（登录，登出）</a:t>
             </a:r>
-            <a:endParaRPr lang="zh-CN" altLang="en-US" dirty="0"/>
           </a:p>
         </p:txBody>
       </p:sp>
@@ -4179,7 +7931,6 @@
               <a:rPr lang="zh-CN" altLang="en-US" dirty="0"/>
               <a:t>找服务器</a:t>
             </a:r>
-            <a:endParaRPr lang="zh-CN" altLang="en-US" dirty="0"/>
           </a:p>
         </p:txBody>
       </p:sp>
@@ -4387,11 +8138,6 @@
               </a:rPr>
               <a:t>等级</a:t>
             </a:r>
-            <a:endParaRPr lang="zh-CN" altLang="en-US" dirty="0">
-              <a:solidFill>
-                <a:schemeClr val="tx1"/>
-              </a:solidFill>
-            </a:endParaRPr>
           </a:p>
         </p:txBody>
       </p:sp>
@@ -4492,7 +8238,6 @@
               <a:rPr lang="zh-CN" altLang="en-US" dirty="0"/>
               <a:t>游戏内邮箱</a:t>
             </a:r>
-            <a:endParaRPr lang="zh-CN" altLang="en-US" dirty="0"/>
           </a:p>
         </p:txBody>
       </p:sp>
@@ -4533,7 +8278,6 @@
               <a:rPr lang="zh-CN" altLang="en-US" dirty="0"/>
               <a:t>商店</a:t>
             </a:r>
-            <a:endParaRPr lang="zh-CN" altLang="en-US" dirty="0"/>
           </a:p>
         </p:txBody>
       </p:sp>
@@ -4574,7 +8318,6 @@
               <a:rPr lang="zh-CN" altLang="en-US" dirty="0"/>
               <a:t>游戏内邮件</a:t>
             </a:r>
-            <a:endParaRPr lang="zh-CN" altLang="en-US" dirty="0"/>
           </a:p>
         </p:txBody>
       </p:sp>
@@ -4617,7 +8360,6 @@
               <a:rPr lang="zh-CN" altLang="en-US" dirty="0"/>
               <a:t>好友名单</a:t>
             </a:r>
-            <a:endParaRPr lang="zh-CN" altLang="en-US" dirty="0"/>
           </a:p>
         </p:txBody>
       </p:sp>
@@ -4660,7 +8402,6 @@
               <a:rPr lang="zh-CN" altLang="en-US" dirty="0"/>
               <a:t>黑名单</a:t>
             </a:r>
-            <a:endParaRPr lang="zh-CN" altLang="en-US" dirty="0"/>
           </a:p>
         </p:txBody>
       </p:sp>
@@ -4708,7 +8449,6 @@
               <a:rPr lang="zh-CN" altLang="en-US" dirty="0"/>
               <a:t>战绩（待定，因为受游戏机制影响）</a:t>
             </a:r>
-            <a:endParaRPr lang="zh-CN" altLang="en-US" dirty="0"/>
           </a:p>
         </p:txBody>
       </p:sp>
@@ -4749,7 +8489,6 @@
               <a:rPr lang="zh-CN" altLang="en-US" dirty="0"/>
               <a:t>游戏内道具</a:t>
             </a:r>
-            <a:endParaRPr lang="zh-CN" altLang="en-US" dirty="0"/>
           </a:p>
         </p:txBody>
       </p:sp>
@@ -4790,7 +8529,6 @@
               <a:rPr lang="zh-CN" altLang="en-US" dirty="0"/>
               <a:t>抽卡池</a:t>
             </a:r>
-            <a:endParaRPr lang="zh-CN" altLang="en-US" dirty="0"/>
           </a:p>
         </p:txBody>
       </p:sp>
@@ -4831,7 +8569,6 @@
               <a:rPr lang="zh-CN" altLang="en-US" dirty="0"/>
               <a:t>能抽出的卡片</a:t>
             </a:r>
-            <a:endParaRPr lang="zh-CN" altLang="en-US" dirty="0"/>
           </a:p>
         </p:txBody>
       </p:sp>
@@ -4881,7 +8618,6 @@
               <a:rPr lang="en-US" altLang="zh-CN" dirty="0"/>
               <a:t>·ID</a:t>
             </a:r>
-            <a:endParaRPr lang="en-US" altLang="zh-CN" dirty="0"/>
           </a:p>
           <a:p>
             <a:r>
@@ -4951,7 +8687,6 @@
               <a:rPr lang="zh-CN" altLang="en-US" dirty="0"/>
               <a:t>运营方</a:t>
             </a:r>
-            <a:endParaRPr lang="zh-CN" altLang="en-US" dirty="0"/>
           </a:p>
         </p:txBody>
       </p:sp>
@@ -4981,7 +8716,6 @@
               <a:rPr lang="zh-CN" altLang="en-US" dirty="0"/>
               <a:t>用户方</a:t>
             </a:r>
-            <a:endParaRPr lang="zh-CN" altLang="en-US" dirty="0"/>
           </a:p>
         </p:txBody>
       </p:sp>
@@ -5022,7 +8756,6 @@
               <a:rPr lang="zh-CN" altLang="en-US" dirty="0"/>
               <a:t>游戏内邮件</a:t>
             </a:r>
-            <a:endParaRPr lang="zh-CN" altLang="en-US" dirty="0"/>
           </a:p>
         </p:txBody>
       </p:sp>
@@ -5063,7 +8796,6 @@
               <a:rPr lang="zh-CN" altLang="en-US" dirty="0"/>
               <a:t>游戏内邮件</a:t>
             </a:r>
-            <a:endParaRPr lang="zh-CN" altLang="en-US" dirty="0"/>
           </a:p>
         </p:txBody>
       </p:sp>
@@ -5104,7 +8836,6 @@
               <a:rPr lang="zh-CN" altLang="en-US" dirty="0"/>
               <a:t>能抽出的卡片</a:t>
             </a:r>
-            <a:endParaRPr lang="zh-CN" altLang="en-US" dirty="0"/>
           </a:p>
         </p:txBody>
       </p:sp>
@@ -5145,7 +8876,6 @@
               <a:rPr lang="zh-CN" altLang="en-US" dirty="0"/>
               <a:t>能抽出的卡片</a:t>
             </a:r>
-            <a:endParaRPr lang="zh-CN" altLang="en-US" dirty="0"/>
           </a:p>
         </p:txBody>
       </p:sp>
@@ -5186,7 +8916,6 @@
               <a:rPr lang="zh-CN" altLang="en-US" dirty="0"/>
               <a:t>游戏内道具</a:t>
             </a:r>
-            <a:endParaRPr lang="zh-CN" altLang="en-US" dirty="0"/>
           </a:p>
         </p:txBody>
       </p:sp>
@@ -5227,7 +8956,6 @@
               <a:rPr lang="zh-CN" altLang="en-US" dirty="0"/>
               <a:t>游戏内道具</a:t>
             </a:r>
-            <a:endParaRPr lang="zh-CN" altLang="en-US" dirty="0"/>
           </a:p>
         </p:txBody>
       </p:sp>
@@ -5268,7 +8996,6 @@
               <a:rPr lang="zh-CN" altLang="en-US" dirty="0"/>
               <a:t>持有的卡片</a:t>
             </a:r>
-            <a:endParaRPr lang="zh-CN" altLang="en-US" dirty="0"/>
           </a:p>
         </p:txBody>
       </p:sp>
@@ -5309,7 +9036,6 @@
               <a:rPr lang="zh-CN" altLang="en-US" dirty="0"/>
               <a:t>持有的卡片</a:t>
             </a:r>
-            <a:endParaRPr lang="zh-CN" altLang="en-US" dirty="0"/>
           </a:p>
         </p:txBody>
       </p:sp>
@@ -5361,7 +9087,6 @@
               <a:rPr lang="zh-CN" altLang="en-US" dirty="0"/>
               <a:t>获得日期</a:t>
             </a:r>
-            <a:endParaRPr lang="zh-CN" altLang="en-US" dirty="0"/>
           </a:p>
         </p:txBody>
       </p:sp>
@@ -5402,7 +9127,6 @@
               <a:rPr lang="zh-CN" altLang="en-US" dirty="0"/>
               <a:t>活动</a:t>
             </a:r>
-            <a:endParaRPr lang="zh-CN" altLang="en-US" dirty="0"/>
           </a:p>
         </p:txBody>
       </p:sp>
@@ -5443,7 +9167,6 @@
               <a:rPr lang="zh-CN" altLang="en-US" dirty="0"/>
               <a:t>定期活动</a:t>
             </a:r>
-            <a:endParaRPr lang="zh-CN" altLang="en-US" dirty="0"/>
           </a:p>
         </p:txBody>
       </p:sp>
@@ -5484,7 +9207,6 @@
               <a:rPr lang="zh-CN" altLang="en-US" dirty="0"/>
               <a:t>限时活动</a:t>
             </a:r>
-            <a:endParaRPr lang="zh-CN" altLang="en-US" dirty="0"/>
           </a:p>
         </p:txBody>
       </p:sp>
@@ -5525,7 +9247,6 @@
               <a:rPr lang="zh-CN" altLang="en-US" dirty="0"/>
               <a:t>定期活动</a:t>
             </a:r>
-            <a:endParaRPr lang="zh-CN" altLang="en-US" dirty="0"/>
           </a:p>
         </p:txBody>
       </p:sp>
@@ -5566,7 +9287,6 @@
               <a:rPr lang="zh-CN" altLang="en-US" dirty="0"/>
               <a:t>限时活动</a:t>
             </a:r>
-            <a:endParaRPr lang="zh-CN" altLang="en-US" dirty="0"/>
           </a:p>
         </p:txBody>
       </p:sp>
@@ -5609,7 +9329,6 @@
               <a:rPr lang="zh-CN" altLang="en-US" dirty="0"/>
               <a:t>进度</a:t>
             </a:r>
-            <a:endParaRPr lang="zh-CN" altLang="en-US" dirty="0"/>
           </a:p>
         </p:txBody>
       </p:sp>
@@ -5828,7 +9547,6 @@
               <a:rPr lang="zh-CN" altLang="en-US" dirty="0"/>
               <a:t>对方</a:t>
             </a:r>
-            <a:endParaRPr lang="zh-CN" altLang="en-US" dirty="0"/>
           </a:p>
         </p:txBody>
       </p:sp>
@@ -5882,7 +9600,6 @@
               <a:rPr lang="zh-CN" altLang="en-US" dirty="0"/>
               <a:t>对方</a:t>
             </a:r>
-            <a:endParaRPr lang="zh-CN" altLang="en-US" dirty="0"/>
           </a:p>
         </p:txBody>
       </p:sp>
@@ -5936,7 +9653,6 @@
               <a:rPr lang="zh-CN" altLang="en-US" dirty="0"/>
               <a:t>对方</a:t>
             </a:r>
-            <a:endParaRPr lang="zh-CN" altLang="en-US" dirty="0"/>
           </a:p>
         </p:txBody>
       </p:sp>
@@ -6017,39 +9733,1856 @@
               <a:rPr lang="en-US" altLang="zh-CN" sz="3600" dirty="0"/>
               <a:t>2.Spring</a:t>
             </a:r>
-            <a:endParaRPr lang="en-US" altLang="zh-CN" sz="3600" dirty="0"/>
           </a:p>
           <a:p>
             <a:r>
               <a:rPr lang="en-US" altLang="zh-CN" sz="3600" dirty="0"/>
               <a:t>3.Mysql+MongoDB</a:t>
             </a:r>
-            <a:endParaRPr lang="en-US" altLang="zh-CN" sz="3600" dirty="0"/>
           </a:p>
           <a:p>
             <a:r>
               <a:rPr lang="en-US" altLang="zh-CN" sz="3600" dirty="0"/>
               <a:t>4.Vue</a:t>
             </a:r>
-            <a:endParaRPr lang="en-US" altLang="zh-CN" sz="3600" dirty="0"/>
           </a:p>
           <a:p>
             <a:r>
               <a:rPr lang="en-US" altLang="zh-CN" sz="3600" dirty="0"/>
               <a:t>5.GitHub</a:t>
             </a:r>
-            <a:endParaRPr lang="en-US" altLang="zh-CN" sz="3600" dirty="0"/>
           </a:p>
           <a:p>
             <a:r>
               <a:rPr lang="en-US" altLang="zh-CN" sz="3600" dirty="0"/>
               <a:t>6.aws</a:t>
             </a:r>
-            <a:endParaRPr lang="en-US" altLang="zh-CN" sz="3600" dirty="0"/>
           </a:p>
         </p:txBody>
       </p:sp>
     </p:spTree>
+  </p:cSld>
+  <p:clrMapOvr>
+    <a:masterClrMapping/>
+  </p:clrMapOvr>
+</p:sld>
+</file>
+
+<file path=ppt/slides/slide9.xml><?xml version="1.0" encoding="utf-8"?>
+<p:sld xmlns:a="http://schemas.openxmlformats.org/drawingml/2006/main" xmlns:r="http://schemas.openxmlformats.org/officeDocument/2006/relationships" xmlns:p="http://schemas.openxmlformats.org/presentationml/2006/main">
+  <p:cSld>
+    <p:spTree>
+      <p:nvGrpSpPr>
+        <p:cNvPr id="1" name=""/>
+        <p:cNvGrpSpPr/>
+        <p:nvPr/>
+      </p:nvGrpSpPr>
+      <p:grpSpPr>
+        <a:xfrm>
+          <a:off x="0" y="0"/>
+          <a:ext cx="0" cy="0"/>
+          <a:chOff x="0" y="0"/>
+          <a:chExt cx="0" cy="0"/>
+        </a:xfrm>
+      </p:grpSpPr>
+      <p:sp>
+        <p:nvSpPr>
+          <p:cNvPr id="10" name="文本框 9">
+            <a:extLst>
+              <a:ext uri="{FF2B5EF4-FFF2-40B4-BE49-F238E27FC236}">
+                <a16:creationId xmlns:a16="http://schemas.microsoft.com/office/drawing/2014/main" id="{4155671A-A060-4F6A-A6F0-0F05EC2C53E5}"/>
+              </a:ext>
+            </a:extLst>
+          </p:cNvPr>
+          <p:cNvSpPr txBox="1"/>
+          <p:nvPr/>
+        </p:nvSpPr>
+        <p:spPr>
+          <a:xfrm>
+            <a:off x="313765" y="376518"/>
+            <a:ext cx="1508746" cy="923330"/>
+          </a:xfrm>
+          <a:prstGeom prst="rect">
+            <a:avLst/>
+          </a:prstGeom>
+          <a:noFill/>
+        </p:spPr>
+        <p:txBody>
+          <a:bodyPr wrap="none" rtlCol="0">
+            <a:spAutoFit/>
+          </a:bodyPr>
+          <a:lstStyle/>
+          <a:p>
+            <a:r>
+              <a:rPr lang="zh-CN" altLang="en-US" dirty="0"/>
+              <a:t>安卓</a:t>
+            </a:r>
+            <a:r>
+              <a:rPr lang="en-US" altLang="zh-CN" dirty="0"/>
+              <a:t>APP</a:t>
+            </a:r>
+            <a:r>
+              <a:rPr lang="zh-CN" altLang="en-US" dirty="0"/>
+              <a:t>制作</a:t>
+            </a:r>
+            <a:endParaRPr lang="en-US" altLang="zh-CN" dirty="0"/>
+          </a:p>
+          <a:p>
+            <a:r>
+              <a:rPr lang="zh-CN" altLang="en-US" dirty="0"/>
+              <a:t>主要负责</a:t>
+            </a:r>
+            <a:r>
+              <a:rPr lang="en-US" altLang="zh-CN" dirty="0"/>
+              <a:t>:</a:t>
+            </a:r>
+            <a:r>
+              <a:rPr lang="en-US" altLang="zh-CN" dirty="0" err="1"/>
+              <a:t>jun</a:t>
+            </a:r>
+            <a:endParaRPr lang="en-US" altLang="zh-CN" dirty="0"/>
+          </a:p>
+          <a:p>
+            <a:r>
+              <a:rPr lang="en-US" altLang="zh-CN" dirty="0"/>
+              <a:t>day 2</a:t>
+            </a:r>
+          </a:p>
+        </p:txBody>
+      </p:sp>
+      <p:sp>
+        <p:nvSpPr>
+          <p:cNvPr id="4" name="矩形 3">
+            <a:extLst>
+              <a:ext uri="{FF2B5EF4-FFF2-40B4-BE49-F238E27FC236}">
+                <a16:creationId xmlns:a16="http://schemas.microsoft.com/office/drawing/2014/main" id="{F997D4DD-EDB2-4FA5-84BA-9BA89AF05EA3}"/>
+              </a:ext>
+            </a:extLst>
+          </p:cNvPr>
+          <p:cNvSpPr/>
+          <p:nvPr/>
+        </p:nvSpPr>
+        <p:spPr>
+          <a:xfrm>
+            <a:off x="1891554" y="259978"/>
+            <a:ext cx="2170188" cy="810044"/>
+          </a:xfrm>
+          <a:prstGeom prst="rect">
+            <a:avLst/>
+          </a:prstGeom>
+        </p:spPr>
+        <p:style>
+          <a:lnRef idx="2">
+            <a:schemeClr val="accent1">
+              <a:shade val="50000"/>
+            </a:schemeClr>
+          </a:lnRef>
+          <a:fillRef idx="1">
+            <a:schemeClr val="accent1"/>
+          </a:fillRef>
+          <a:effectRef idx="0">
+            <a:schemeClr val="accent1"/>
+          </a:effectRef>
+          <a:fontRef idx="minor">
+            <a:schemeClr val="lt1"/>
+          </a:fontRef>
+        </p:style>
+        <p:txBody>
+          <a:bodyPr rtlCol="0" anchor="ctr"/>
+          <a:lstStyle/>
+          <a:p>
+            <a:pPr algn="ctr"/>
+            <a:r>
+              <a:rPr lang="en-US" altLang="zh-CN" dirty="0"/>
+              <a:t>fetch</a:t>
+            </a:r>
+            <a:r>
+              <a:rPr lang="zh-CN" altLang="en-US" dirty="0"/>
+              <a:t>的实现</a:t>
+            </a:r>
+            <a:endParaRPr lang="en-US" altLang="zh-CN" dirty="0"/>
+          </a:p>
+          <a:p>
+            <a:pPr algn="ctr"/>
+            <a:r>
+              <a:rPr lang="zh-CN" altLang="en-US" dirty="0"/>
+              <a:t>获取数据的显示</a:t>
+            </a:r>
+          </a:p>
+        </p:txBody>
+      </p:sp>
+      <p:sp>
+        <p:nvSpPr>
+          <p:cNvPr id="7" name="矩形 6">
+            <a:extLst>
+              <a:ext uri="{FF2B5EF4-FFF2-40B4-BE49-F238E27FC236}">
+                <a16:creationId xmlns:a16="http://schemas.microsoft.com/office/drawing/2014/main" id="{7EAA81D9-F508-4B0B-BF88-68CA18CD8EC1}"/>
+              </a:ext>
+            </a:extLst>
+          </p:cNvPr>
+          <p:cNvSpPr/>
+          <p:nvPr/>
+        </p:nvSpPr>
+        <p:spPr>
+          <a:xfrm>
+            <a:off x="1891554" y="1161351"/>
+            <a:ext cx="2170188" cy="810044"/>
+          </a:xfrm>
+          <a:prstGeom prst="rect">
+            <a:avLst/>
+          </a:prstGeom>
+        </p:spPr>
+        <p:style>
+          <a:lnRef idx="2">
+            <a:schemeClr val="accent1">
+              <a:shade val="50000"/>
+            </a:schemeClr>
+          </a:lnRef>
+          <a:fillRef idx="1">
+            <a:schemeClr val="accent1"/>
+          </a:fillRef>
+          <a:effectRef idx="0">
+            <a:schemeClr val="accent1"/>
+          </a:effectRef>
+          <a:fontRef idx="minor">
+            <a:schemeClr val="lt1"/>
+          </a:fontRef>
+        </p:style>
+        <p:txBody>
+          <a:bodyPr rtlCol="0" anchor="ctr"/>
+          <a:lstStyle/>
+          <a:p>
+            <a:pPr algn="ctr"/>
+            <a:r>
+              <a:rPr lang="en-US" altLang="zh-CN" dirty="0"/>
+              <a:t>UI</a:t>
+            </a:r>
+            <a:r>
+              <a:rPr lang="zh-CN" altLang="en-US" dirty="0"/>
+              <a:t>控制的学习</a:t>
+            </a:r>
+            <a:endParaRPr lang="en-US" altLang="zh-CN" dirty="0"/>
+          </a:p>
+          <a:p>
+            <a:pPr algn="ctr"/>
+            <a:r>
+              <a:rPr lang="zh-CN" altLang="en-US" dirty="0"/>
+              <a:t>（显示</a:t>
+            </a:r>
+            <a:r>
+              <a:rPr lang="en-US" altLang="zh-CN" dirty="0"/>
+              <a:t>/</a:t>
+            </a:r>
+            <a:r>
+              <a:rPr lang="zh-CN" altLang="en-US" dirty="0"/>
+              <a:t>隐藏</a:t>
+            </a:r>
+            <a:r>
+              <a:rPr lang="en-US" altLang="zh-CN" dirty="0"/>
+              <a:t>/</a:t>
+            </a:r>
+            <a:r>
+              <a:rPr lang="zh-CN" altLang="en-US" dirty="0"/>
+              <a:t>移动）</a:t>
+            </a:r>
+          </a:p>
+        </p:txBody>
+      </p:sp>
+      <p:sp>
+        <p:nvSpPr>
+          <p:cNvPr id="11" name="矩形 10">
+            <a:extLst>
+              <a:ext uri="{FF2B5EF4-FFF2-40B4-BE49-F238E27FC236}">
+                <a16:creationId xmlns:a16="http://schemas.microsoft.com/office/drawing/2014/main" id="{A67F7683-1595-4C29-88D6-201551E33F19}"/>
+              </a:ext>
+            </a:extLst>
+          </p:cNvPr>
+          <p:cNvSpPr/>
+          <p:nvPr/>
+        </p:nvSpPr>
+        <p:spPr>
+          <a:xfrm>
+            <a:off x="1891554" y="2062724"/>
+            <a:ext cx="2170188" cy="810044"/>
+          </a:xfrm>
+          <a:prstGeom prst="rect">
+            <a:avLst/>
+          </a:prstGeom>
+        </p:spPr>
+        <p:style>
+          <a:lnRef idx="2">
+            <a:schemeClr val="accent1">
+              <a:shade val="50000"/>
+            </a:schemeClr>
+          </a:lnRef>
+          <a:fillRef idx="1">
+            <a:schemeClr val="accent1"/>
+          </a:fillRef>
+          <a:effectRef idx="0">
+            <a:schemeClr val="accent1"/>
+          </a:effectRef>
+          <a:fontRef idx="minor">
+            <a:schemeClr val="lt1"/>
+          </a:fontRef>
+        </p:style>
+        <p:txBody>
+          <a:bodyPr rtlCol="0" anchor="ctr"/>
+          <a:lstStyle/>
+          <a:p>
+            <a:pPr algn="ctr"/>
+            <a:r>
+              <a:rPr lang="zh-CN" altLang="en-US" dirty="0"/>
+              <a:t>修正离线版抽卡游戏</a:t>
+            </a:r>
+            <a:endParaRPr lang="en-US" altLang="zh-CN" dirty="0"/>
+          </a:p>
+          <a:p>
+            <a:pPr algn="ctr"/>
+            <a:r>
+              <a:rPr lang="zh-CN" altLang="en-US" dirty="0"/>
+              <a:t>兼容性问题</a:t>
+            </a:r>
+          </a:p>
+        </p:txBody>
+      </p:sp>
+      <p:sp>
+        <p:nvSpPr>
+          <p:cNvPr id="12" name="矩形 11">
+            <a:extLst>
+              <a:ext uri="{FF2B5EF4-FFF2-40B4-BE49-F238E27FC236}">
+                <a16:creationId xmlns:a16="http://schemas.microsoft.com/office/drawing/2014/main" id="{CA34644D-1B19-4C22-A91E-5EEE1C1C44E0}"/>
+              </a:ext>
+            </a:extLst>
+          </p:cNvPr>
+          <p:cNvSpPr/>
+          <p:nvPr/>
+        </p:nvSpPr>
+        <p:spPr>
+          <a:xfrm>
+            <a:off x="1891554" y="2964097"/>
+            <a:ext cx="2170188" cy="810044"/>
+          </a:xfrm>
+          <a:prstGeom prst="rect">
+            <a:avLst/>
+          </a:prstGeom>
+        </p:spPr>
+        <p:style>
+          <a:lnRef idx="2">
+            <a:schemeClr val="accent1">
+              <a:shade val="50000"/>
+            </a:schemeClr>
+          </a:lnRef>
+          <a:fillRef idx="1">
+            <a:schemeClr val="accent1"/>
+          </a:fillRef>
+          <a:effectRef idx="0">
+            <a:schemeClr val="accent1"/>
+          </a:effectRef>
+          <a:fontRef idx="minor">
+            <a:schemeClr val="lt1"/>
+          </a:fontRef>
+        </p:style>
+        <p:txBody>
+          <a:bodyPr rtlCol="0" anchor="ctr"/>
+          <a:lstStyle/>
+          <a:p>
+            <a:pPr algn="ctr"/>
+            <a:r>
+              <a:rPr lang="zh-CN" altLang="en-US" dirty="0"/>
+              <a:t>重新设计接口</a:t>
+            </a:r>
+            <a:endParaRPr lang="en-US" altLang="zh-CN" dirty="0"/>
+          </a:p>
+          <a:p>
+            <a:pPr algn="ctr"/>
+            <a:r>
+              <a:rPr lang="zh-CN" altLang="en-US" dirty="0"/>
+              <a:t>使移植适应性增强</a:t>
+            </a:r>
+          </a:p>
+        </p:txBody>
+      </p:sp>
+      <p:sp>
+        <p:nvSpPr>
+          <p:cNvPr id="13" name="矩形 12">
+            <a:extLst>
+              <a:ext uri="{FF2B5EF4-FFF2-40B4-BE49-F238E27FC236}">
+                <a16:creationId xmlns:a16="http://schemas.microsoft.com/office/drawing/2014/main" id="{ECF45125-90F6-48DF-8253-2463D6450A3E}"/>
+              </a:ext>
+            </a:extLst>
+          </p:cNvPr>
+          <p:cNvSpPr/>
+          <p:nvPr/>
+        </p:nvSpPr>
+        <p:spPr>
+          <a:xfrm>
+            <a:off x="5088302" y="2964097"/>
+            <a:ext cx="2170188" cy="810044"/>
+          </a:xfrm>
+          <a:prstGeom prst="rect">
+            <a:avLst/>
+          </a:prstGeom>
+        </p:spPr>
+        <p:style>
+          <a:lnRef idx="2">
+            <a:schemeClr val="accent1">
+              <a:shade val="50000"/>
+            </a:schemeClr>
+          </a:lnRef>
+          <a:fillRef idx="1">
+            <a:schemeClr val="accent1"/>
+          </a:fillRef>
+          <a:effectRef idx="0">
+            <a:schemeClr val="accent1"/>
+          </a:effectRef>
+          <a:fontRef idx="minor">
+            <a:schemeClr val="lt1"/>
+          </a:fontRef>
+        </p:style>
+        <p:txBody>
+          <a:bodyPr rtlCol="0" anchor="ctr"/>
+          <a:lstStyle/>
+          <a:p>
+            <a:pPr algn="ctr"/>
+            <a:r>
+              <a:rPr lang="zh-CN" altLang="en-US" sz="3200" dirty="0"/>
+              <a:t>移植</a:t>
+            </a:r>
+          </a:p>
+        </p:txBody>
+      </p:sp>
+      <p:sp>
+        <p:nvSpPr>
+          <p:cNvPr id="14" name="箭头: 右 13">
+            <a:extLst>
+              <a:ext uri="{FF2B5EF4-FFF2-40B4-BE49-F238E27FC236}">
+                <a16:creationId xmlns:a16="http://schemas.microsoft.com/office/drawing/2014/main" id="{E076F455-313E-4BAF-B7C0-CA05F52E19AD}"/>
+              </a:ext>
+            </a:extLst>
+          </p:cNvPr>
+          <p:cNvSpPr/>
+          <p:nvPr/>
+        </p:nvSpPr>
+        <p:spPr>
+          <a:xfrm>
+            <a:off x="4155120" y="3208963"/>
+            <a:ext cx="839804" cy="349431"/>
+          </a:xfrm>
+          <a:prstGeom prst="rightArrow">
+            <a:avLst/>
+          </a:prstGeom>
+        </p:spPr>
+        <p:style>
+          <a:lnRef idx="2">
+            <a:schemeClr val="accent1">
+              <a:shade val="50000"/>
+            </a:schemeClr>
+          </a:lnRef>
+          <a:fillRef idx="1">
+            <a:schemeClr val="accent1"/>
+          </a:fillRef>
+          <a:effectRef idx="0">
+            <a:schemeClr val="accent1"/>
+          </a:effectRef>
+          <a:fontRef idx="minor">
+            <a:schemeClr val="lt1"/>
+          </a:fontRef>
+        </p:style>
+        <p:txBody>
+          <a:bodyPr rtlCol="0" anchor="ctr"/>
+          <a:lstStyle/>
+          <a:p>
+            <a:pPr algn="ctr"/>
+            <a:endParaRPr lang="zh-CN" altLang="en-US"/>
+          </a:p>
+        </p:txBody>
+      </p:sp>
+      <p:sp>
+        <p:nvSpPr>
+          <p:cNvPr id="16" name="矩形 15">
+            <a:extLst>
+              <a:ext uri="{FF2B5EF4-FFF2-40B4-BE49-F238E27FC236}">
+                <a16:creationId xmlns:a16="http://schemas.microsoft.com/office/drawing/2014/main" id="{5E6D16EC-59A1-4F98-8791-5BA13C0F4E06}"/>
+              </a:ext>
+            </a:extLst>
+          </p:cNvPr>
+          <p:cNvSpPr/>
+          <p:nvPr/>
+        </p:nvSpPr>
+        <p:spPr>
+          <a:xfrm>
+            <a:off x="8285050" y="2964097"/>
+            <a:ext cx="2170188" cy="810044"/>
+          </a:xfrm>
+          <a:prstGeom prst="rect">
+            <a:avLst/>
+          </a:prstGeom>
+        </p:spPr>
+        <p:style>
+          <a:lnRef idx="2">
+            <a:schemeClr val="accent1">
+              <a:shade val="50000"/>
+            </a:schemeClr>
+          </a:lnRef>
+          <a:fillRef idx="1">
+            <a:schemeClr val="accent1"/>
+          </a:fillRef>
+          <a:effectRef idx="0">
+            <a:schemeClr val="accent1"/>
+          </a:effectRef>
+          <a:fontRef idx="minor">
+            <a:schemeClr val="lt1"/>
+          </a:fontRef>
+        </p:style>
+        <p:txBody>
+          <a:bodyPr rtlCol="0" anchor="ctr"/>
+          <a:lstStyle/>
+          <a:p>
+            <a:pPr algn="ctr"/>
+            <a:r>
+              <a:rPr lang="zh-CN" altLang="en-US" dirty="0"/>
+              <a:t>修改至最终</a:t>
+            </a:r>
+            <a:endParaRPr lang="en-US" altLang="zh-CN" dirty="0"/>
+          </a:p>
+          <a:p>
+            <a:pPr algn="ctr"/>
+            <a:r>
+              <a:rPr lang="zh-CN" altLang="en-US" dirty="0"/>
+              <a:t>游戏机制</a:t>
+            </a:r>
+          </a:p>
+        </p:txBody>
+      </p:sp>
+      <p:sp>
+        <p:nvSpPr>
+          <p:cNvPr id="17" name="矩形 16">
+            <a:extLst>
+              <a:ext uri="{FF2B5EF4-FFF2-40B4-BE49-F238E27FC236}">
+                <a16:creationId xmlns:a16="http://schemas.microsoft.com/office/drawing/2014/main" id="{6B9F8169-62DA-4ADC-A2FF-7B1CADAA8CBD}"/>
+              </a:ext>
+            </a:extLst>
+          </p:cNvPr>
+          <p:cNvSpPr/>
+          <p:nvPr/>
+        </p:nvSpPr>
+        <p:spPr>
+          <a:xfrm>
+            <a:off x="9746297" y="5668216"/>
+            <a:ext cx="2170188" cy="810044"/>
+          </a:xfrm>
+          <a:prstGeom prst="rect">
+            <a:avLst/>
+          </a:prstGeom>
+        </p:spPr>
+        <p:style>
+          <a:lnRef idx="2">
+            <a:schemeClr val="accent5">
+              <a:shade val="50000"/>
+            </a:schemeClr>
+          </a:lnRef>
+          <a:fillRef idx="1">
+            <a:schemeClr val="accent5"/>
+          </a:fillRef>
+          <a:effectRef idx="0">
+            <a:schemeClr val="accent5"/>
+          </a:effectRef>
+          <a:fontRef idx="minor">
+            <a:schemeClr val="lt1"/>
+          </a:fontRef>
+        </p:style>
+        <p:txBody>
+          <a:bodyPr rtlCol="0" anchor="ctr"/>
+          <a:lstStyle/>
+          <a:p>
+            <a:pPr algn="ctr"/>
+            <a:r>
+              <a:rPr lang="zh-CN" altLang="en-US" dirty="0"/>
+              <a:t>游戏优化</a:t>
+            </a:r>
+            <a:endParaRPr lang="en-US" altLang="zh-CN" dirty="0"/>
+          </a:p>
+        </p:txBody>
+      </p:sp>
+      <p:sp>
+        <p:nvSpPr>
+          <p:cNvPr id="18" name="矩形 17">
+            <a:extLst>
+              <a:ext uri="{FF2B5EF4-FFF2-40B4-BE49-F238E27FC236}">
+                <a16:creationId xmlns:a16="http://schemas.microsoft.com/office/drawing/2014/main" id="{D5408291-2B02-4179-9508-B44A84ACDF16}"/>
+              </a:ext>
+            </a:extLst>
+          </p:cNvPr>
+          <p:cNvSpPr/>
+          <p:nvPr/>
+        </p:nvSpPr>
+        <p:spPr>
+          <a:xfrm>
+            <a:off x="7496156" y="5668216"/>
+            <a:ext cx="2170188" cy="810044"/>
+          </a:xfrm>
+          <a:prstGeom prst="rect">
+            <a:avLst/>
+          </a:prstGeom>
+        </p:spPr>
+        <p:style>
+          <a:lnRef idx="2">
+            <a:schemeClr val="accent5">
+              <a:shade val="50000"/>
+            </a:schemeClr>
+          </a:lnRef>
+          <a:fillRef idx="1">
+            <a:schemeClr val="accent5"/>
+          </a:fillRef>
+          <a:effectRef idx="0">
+            <a:schemeClr val="accent5"/>
+          </a:effectRef>
+          <a:fontRef idx="minor">
+            <a:schemeClr val="lt1"/>
+          </a:fontRef>
+        </p:style>
+        <p:txBody>
+          <a:bodyPr rtlCol="0" anchor="ctr"/>
+          <a:lstStyle/>
+          <a:p>
+            <a:pPr algn="ctr"/>
+            <a:r>
+              <a:rPr lang="zh-CN" altLang="en-US" dirty="0"/>
+              <a:t>内置邮箱</a:t>
+            </a:r>
+            <a:r>
+              <a:rPr lang="en-US" altLang="zh-CN" dirty="0"/>
+              <a:t>/</a:t>
+            </a:r>
+            <a:r>
+              <a:rPr lang="zh-CN" altLang="en-US" dirty="0"/>
+              <a:t>聊天室</a:t>
+            </a:r>
+          </a:p>
+        </p:txBody>
+      </p:sp>
+      <p:sp>
+        <p:nvSpPr>
+          <p:cNvPr id="20" name="箭头: 右 19">
+            <a:extLst>
+              <a:ext uri="{FF2B5EF4-FFF2-40B4-BE49-F238E27FC236}">
+                <a16:creationId xmlns:a16="http://schemas.microsoft.com/office/drawing/2014/main" id="{9D58D5AB-51B6-4B09-A5C1-8781610FBD3C}"/>
+              </a:ext>
+            </a:extLst>
+          </p:cNvPr>
+          <p:cNvSpPr/>
+          <p:nvPr/>
+        </p:nvSpPr>
+        <p:spPr>
+          <a:xfrm>
+            <a:off x="7351868" y="3208963"/>
+            <a:ext cx="839804" cy="349431"/>
+          </a:xfrm>
+          <a:prstGeom prst="rightArrow">
+            <a:avLst/>
+          </a:prstGeom>
+        </p:spPr>
+        <p:style>
+          <a:lnRef idx="2">
+            <a:schemeClr val="accent1">
+              <a:shade val="50000"/>
+            </a:schemeClr>
+          </a:lnRef>
+          <a:fillRef idx="1">
+            <a:schemeClr val="accent1"/>
+          </a:fillRef>
+          <a:effectRef idx="0">
+            <a:schemeClr val="accent1"/>
+          </a:effectRef>
+          <a:fontRef idx="minor">
+            <a:schemeClr val="lt1"/>
+          </a:fontRef>
+        </p:style>
+        <p:txBody>
+          <a:bodyPr rtlCol="0" anchor="ctr"/>
+          <a:lstStyle/>
+          <a:p>
+            <a:pPr algn="ctr"/>
+            <a:endParaRPr lang="zh-CN" altLang="en-US"/>
+          </a:p>
+        </p:txBody>
+      </p:sp>
+      <p:sp>
+        <p:nvSpPr>
+          <p:cNvPr id="23" name="箭头: 右 22">
+            <a:extLst>
+              <a:ext uri="{FF2B5EF4-FFF2-40B4-BE49-F238E27FC236}">
+                <a16:creationId xmlns:a16="http://schemas.microsoft.com/office/drawing/2014/main" id="{4E4284AF-905F-45B8-9A26-136858D1529A}"/>
+              </a:ext>
+            </a:extLst>
+          </p:cNvPr>
+          <p:cNvSpPr/>
+          <p:nvPr/>
+        </p:nvSpPr>
+        <p:spPr>
+          <a:xfrm rot="5400000">
+            <a:off x="5721761" y="4126562"/>
+            <a:ext cx="748476" cy="349431"/>
+          </a:xfrm>
+          <a:prstGeom prst="rightArrow">
+            <a:avLst/>
+          </a:prstGeom>
+        </p:spPr>
+        <p:style>
+          <a:lnRef idx="2">
+            <a:schemeClr val="accent1">
+              <a:shade val="50000"/>
+            </a:schemeClr>
+          </a:lnRef>
+          <a:fillRef idx="1">
+            <a:schemeClr val="accent1"/>
+          </a:fillRef>
+          <a:effectRef idx="0">
+            <a:schemeClr val="accent1"/>
+          </a:effectRef>
+          <a:fontRef idx="minor">
+            <a:schemeClr val="lt1"/>
+          </a:fontRef>
+        </p:style>
+        <p:txBody>
+          <a:bodyPr rtlCol="0" anchor="ctr"/>
+          <a:lstStyle/>
+          <a:p>
+            <a:pPr algn="ctr"/>
+            <a:endParaRPr lang="zh-CN" altLang="en-US"/>
+          </a:p>
+        </p:txBody>
+      </p:sp>
+      <p:sp>
+        <p:nvSpPr>
+          <p:cNvPr id="24" name="矩形 23">
+            <a:extLst>
+              <a:ext uri="{FF2B5EF4-FFF2-40B4-BE49-F238E27FC236}">
+                <a16:creationId xmlns:a16="http://schemas.microsoft.com/office/drawing/2014/main" id="{FE80DEC1-2031-4E2E-8A03-A0B7518A79DF}"/>
+              </a:ext>
+            </a:extLst>
+          </p:cNvPr>
+          <p:cNvSpPr/>
+          <p:nvPr/>
+        </p:nvSpPr>
+        <p:spPr>
+          <a:xfrm>
+            <a:off x="5010905" y="4766843"/>
+            <a:ext cx="2170188" cy="810044"/>
+          </a:xfrm>
+          <a:prstGeom prst="rect">
+            <a:avLst/>
+          </a:prstGeom>
+        </p:spPr>
+        <p:style>
+          <a:lnRef idx="2">
+            <a:schemeClr val="accent5">
+              <a:shade val="50000"/>
+            </a:schemeClr>
+          </a:lnRef>
+          <a:fillRef idx="1">
+            <a:schemeClr val="accent5"/>
+          </a:fillRef>
+          <a:effectRef idx="0">
+            <a:schemeClr val="accent5"/>
+          </a:effectRef>
+          <a:fontRef idx="minor">
+            <a:schemeClr val="lt1"/>
+          </a:fontRef>
+        </p:style>
+        <p:txBody>
+          <a:bodyPr rtlCol="0" anchor="ctr"/>
+          <a:lstStyle/>
+          <a:p>
+            <a:pPr algn="ctr"/>
+            <a:r>
+              <a:rPr lang="zh-CN" altLang="en-US" dirty="0"/>
+              <a:t>服务器</a:t>
+            </a:r>
+            <a:endParaRPr lang="en-US" altLang="zh-CN" dirty="0"/>
+          </a:p>
+          <a:p>
+            <a:pPr algn="ctr"/>
+            <a:r>
+              <a:rPr lang="en-US" altLang="zh-CN" dirty="0"/>
+              <a:t>APP</a:t>
+            </a:r>
+            <a:r>
+              <a:rPr lang="zh-CN" altLang="en-US" dirty="0"/>
+              <a:t>连接初次测试</a:t>
+            </a:r>
+          </a:p>
+        </p:txBody>
+      </p:sp>
+      <p:sp>
+        <p:nvSpPr>
+          <p:cNvPr id="25" name="矩形 24">
+            <a:extLst>
+              <a:ext uri="{FF2B5EF4-FFF2-40B4-BE49-F238E27FC236}">
+                <a16:creationId xmlns:a16="http://schemas.microsoft.com/office/drawing/2014/main" id="{DE21F332-7E35-414A-9AF7-58C76009E462}"/>
+              </a:ext>
+            </a:extLst>
+          </p:cNvPr>
+          <p:cNvSpPr/>
+          <p:nvPr/>
+        </p:nvSpPr>
+        <p:spPr>
+          <a:xfrm>
+            <a:off x="5010905" y="5668216"/>
+            <a:ext cx="2170188" cy="810044"/>
+          </a:xfrm>
+          <a:prstGeom prst="rect">
+            <a:avLst/>
+          </a:prstGeom>
+        </p:spPr>
+        <p:style>
+          <a:lnRef idx="2">
+            <a:schemeClr val="accent2">
+              <a:shade val="50000"/>
+            </a:schemeClr>
+          </a:lnRef>
+          <a:fillRef idx="1">
+            <a:schemeClr val="accent2"/>
+          </a:fillRef>
+          <a:effectRef idx="0">
+            <a:schemeClr val="accent2"/>
+          </a:effectRef>
+          <a:fontRef idx="minor">
+            <a:schemeClr val="lt1"/>
+          </a:fontRef>
+        </p:style>
+        <p:txBody>
+          <a:bodyPr rtlCol="0" anchor="ctr"/>
+          <a:lstStyle/>
+          <a:p>
+            <a:pPr algn="ctr"/>
+            <a:r>
+              <a:rPr lang="zh-CN" altLang="en-US" dirty="0"/>
+              <a:t>服务器</a:t>
+            </a:r>
+            <a:endParaRPr lang="en-US" altLang="zh-CN" dirty="0"/>
+          </a:p>
+          <a:p>
+            <a:pPr algn="ctr"/>
+            <a:r>
+              <a:rPr lang="en-US" altLang="zh-CN" dirty="0"/>
+              <a:t>APP</a:t>
+            </a:r>
+            <a:r>
+              <a:rPr lang="zh-CN" altLang="en-US" dirty="0"/>
+              <a:t>连接压力测试</a:t>
+            </a:r>
+          </a:p>
+        </p:txBody>
+      </p:sp>
+      <p:sp>
+        <p:nvSpPr>
+          <p:cNvPr id="26" name="箭头: 右 25">
+            <a:extLst>
+              <a:ext uri="{FF2B5EF4-FFF2-40B4-BE49-F238E27FC236}">
+                <a16:creationId xmlns:a16="http://schemas.microsoft.com/office/drawing/2014/main" id="{2E40BF86-6D79-4ED3-9706-F196B09C05CB}"/>
+              </a:ext>
+            </a:extLst>
+          </p:cNvPr>
+          <p:cNvSpPr/>
+          <p:nvPr/>
+        </p:nvSpPr>
+        <p:spPr>
+          <a:xfrm>
+            <a:off x="4155120" y="4997149"/>
+            <a:ext cx="839804" cy="349431"/>
+          </a:xfrm>
+          <a:prstGeom prst="rightArrow">
+            <a:avLst/>
+          </a:prstGeom>
+        </p:spPr>
+        <p:style>
+          <a:lnRef idx="2">
+            <a:schemeClr val="accent2">
+              <a:shade val="50000"/>
+            </a:schemeClr>
+          </a:lnRef>
+          <a:fillRef idx="1">
+            <a:schemeClr val="accent2"/>
+          </a:fillRef>
+          <a:effectRef idx="0">
+            <a:schemeClr val="accent2"/>
+          </a:effectRef>
+          <a:fontRef idx="minor">
+            <a:schemeClr val="lt1"/>
+          </a:fontRef>
+        </p:style>
+        <p:txBody>
+          <a:bodyPr rtlCol="0" anchor="ctr"/>
+          <a:lstStyle/>
+          <a:p>
+            <a:pPr algn="ctr"/>
+            <a:endParaRPr lang="zh-CN" altLang="en-US"/>
+          </a:p>
+        </p:txBody>
+      </p:sp>
+      <p:sp>
+        <p:nvSpPr>
+          <p:cNvPr id="27" name="矩形 26">
+            <a:extLst>
+              <a:ext uri="{FF2B5EF4-FFF2-40B4-BE49-F238E27FC236}">
+                <a16:creationId xmlns:a16="http://schemas.microsoft.com/office/drawing/2014/main" id="{14FA7BC0-1D8C-4DEA-B1CD-3F18E8AEA4D5}"/>
+              </a:ext>
+            </a:extLst>
+          </p:cNvPr>
+          <p:cNvSpPr/>
+          <p:nvPr/>
+        </p:nvSpPr>
+        <p:spPr>
+          <a:xfrm>
+            <a:off x="1891554" y="4766843"/>
+            <a:ext cx="2170188" cy="810044"/>
+          </a:xfrm>
+          <a:prstGeom prst="rect">
+            <a:avLst/>
+          </a:prstGeom>
+        </p:spPr>
+        <p:style>
+          <a:lnRef idx="2">
+            <a:schemeClr val="accent2">
+              <a:shade val="50000"/>
+            </a:schemeClr>
+          </a:lnRef>
+          <a:fillRef idx="1">
+            <a:schemeClr val="accent2"/>
+          </a:fillRef>
+          <a:effectRef idx="0">
+            <a:schemeClr val="accent2"/>
+          </a:effectRef>
+          <a:fontRef idx="minor">
+            <a:schemeClr val="lt1"/>
+          </a:fontRef>
+        </p:style>
+        <p:txBody>
+          <a:bodyPr rtlCol="0" anchor="ctr"/>
+          <a:lstStyle/>
+          <a:p>
+            <a:pPr algn="ctr"/>
+            <a:r>
+              <a:rPr lang="zh-CN" altLang="en-US" dirty="0"/>
+              <a:t>后端部署</a:t>
+            </a:r>
+            <a:endParaRPr lang="en-US" altLang="zh-CN" dirty="0"/>
+          </a:p>
+          <a:p>
+            <a:pPr algn="ctr"/>
+            <a:r>
+              <a:rPr lang="zh-CN" altLang="en-US" dirty="0"/>
+              <a:t>至服务器</a:t>
+            </a:r>
+            <a:endParaRPr lang="en-US" altLang="zh-CN" dirty="0"/>
+          </a:p>
+        </p:txBody>
+      </p:sp>
+      <p:sp>
+        <p:nvSpPr>
+          <p:cNvPr id="28" name="矩形 27">
+            <a:extLst>
+              <a:ext uri="{FF2B5EF4-FFF2-40B4-BE49-F238E27FC236}">
+                <a16:creationId xmlns:a16="http://schemas.microsoft.com/office/drawing/2014/main" id="{C6AD6DB5-E422-45A7-A616-D097414EEB67}"/>
+              </a:ext>
+            </a:extLst>
+          </p:cNvPr>
+          <p:cNvSpPr/>
+          <p:nvPr/>
+        </p:nvSpPr>
+        <p:spPr>
+          <a:xfrm>
+            <a:off x="8285050" y="1252680"/>
+            <a:ext cx="2170188" cy="810044"/>
+          </a:xfrm>
+          <a:prstGeom prst="rect">
+            <a:avLst/>
+          </a:prstGeom>
+        </p:spPr>
+        <p:style>
+          <a:lnRef idx="2">
+            <a:schemeClr val="accent2">
+              <a:shade val="50000"/>
+            </a:schemeClr>
+          </a:lnRef>
+          <a:fillRef idx="1">
+            <a:schemeClr val="accent2"/>
+          </a:fillRef>
+          <a:effectRef idx="0">
+            <a:schemeClr val="accent2"/>
+          </a:effectRef>
+          <a:fontRef idx="minor">
+            <a:schemeClr val="lt1"/>
+          </a:fontRef>
+        </p:style>
+        <p:txBody>
+          <a:bodyPr rtlCol="0" anchor="ctr"/>
+          <a:lstStyle/>
+          <a:p>
+            <a:pPr algn="ctr"/>
+            <a:r>
+              <a:rPr lang="zh-CN" altLang="en-US" dirty="0"/>
+              <a:t>游戏机制设计完成</a:t>
+            </a:r>
+          </a:p>
+        </p:txBody>
+      </p:sp>
+      <p:sp>
+        <p:nvSpPr>
+          <p:cNvPr id="29" name="箭头: 右 28">
+            <a:extLst>
+              <a:ext uri="{FF2B5EF4-FFF2-40B4-BE49-F238E27FC236}">
+                <a16:creationId xmlns:a16="http://schemas.microsoft.com/office/drawing/2014/main" id="{187E1DEE-EA6B-4271-9989-35CF28C270FD}"/>
+              </a:ext>
+            </a:extLst>
+          </p:cNvPr>
+          <p:cNvSpPr/>
+          <p:nvPr/>
+        </p:nvSpPr>
+        <p:spPr>
+          <a:xfrm rot="5400000">
+            <a:off x="8995905" y="2338695"/>
+            <a:ext cx="748476" cy="349431"/>
+          </a:xfrm>
+          <a:prstGeom prst="rightArrow">
+            <a:avLst/>
+          </a:prstGeom>
+        </p:spPr>
+        <p:style>
+          <a:lnRef idx="2">
+            <a:schemeClr val="accent2">
+              <a:shade val="50000"/>
+            </a:schemeClr>
+          </a:lnRef>
+          <a:fillRef idx="1">
+            <a:schemeClr val="accent2"/>
+          </a:fillRef>
+          <a:effectRef idx="0">
+            <a:schemeClr val="accent2"/>
+          </a:effectRef>
+          <a:fontRef idx="minor">
+            <a:schemeClr val="lt1"/>
+          </a:fontRef>
+        </p:style>
+        <p:txBody>
+          <a:bodyPr rtlCol="0" anchor="ctr"/>
+          <a:lstStyle/>
+          <a:p>
+            <a:pPr algn="ctr"/>
+            <a:endParaRPr lang="zh-CN" altLang="en-US"/>
+          </a:p>
+        </p:txBody>
+      </p:sp>
+      <p:sp>
+        <p:nvSpPr>
+          <p:cNvPr id="30" name="箭头: 右 29">
+            <a:extLst>
+              <a:ext uri="{FF2B5EF4-FFF2-40B4-BE49-F238E27FC236}">
+                <a16:creationId xmlns:a16="http://schemas.microsoft.com/office/drawing/2014/main" id="{0470A551-D20A-46BE-ACBA-7CB91EFF1F03}"/>
+              </a:ext>
+            </a:extLst>
+          </p:cNvPr>
+          <p:cNvSpPr/>
+          <p:nvPr/>
+        </p:nvSpPr>
+        <p:spPr>
+          <a:xfrm rot="6934559">
+            <a:off x="8676749" y="5088498"/>
+            <a:ext cx="748476" cy="349431"/>
+          </a:xfrm>
+          <a:prstGeom prst="rightArrow">
+            <a:avLst/>
+          </a:prstGeom>
+        </p:spPr>
+        <p:style>
+          <a:lnRef idx="2">
+            <a:schemeClr val="accent1">
+              <a:shade val="50000"/>
+            </a:schemeClr>
+          </a:lnRef>
+          <a:fillRef idx="1">
+            <a:schemeClr val="accent1"/>
+          </a:fillRef>
+          <a:effectRef idx="0">
+            <a:schemeClr val="accent1"/>
+          </a:effectRef>
+          <a:fontRef idx="minor">
+            <a:schemeClr val="lt1"/>
+          </a:fontRef>
+        </p:style>
+        <p:txBody>
+          <a:bodyPr rtlCol="0" anchor="ctr"/>
+          <a:lstStyle/>
+          <a:p>
+            <a:pPr algn="ctr"/>
+            <a:endParaRPr lang="zh-CN" altLang="en-US"/>
+          </a:p>
+        </p:txBody>
+      </p:sp>
+      <p:sp>
+        <p:nvSpPr>
+          <p:cNvPr id="31" name="箭头: 右 30">
+            <a:extLst>
+              <a:ext uri="{FF2B5EF4-FFF2-40B4-BE49-F238E27FC236}">
+                <a16:creationId xmlns:a16="http://schemas.microsoft.com/office/drawing/2014/main" id="{23147FF1-FFCF-4B0F-AE20-FBAF2934DDD2}"/>
+              </a:ext>
+            </a:extLst>
+          </p:cNvPr>
+          <p:cNvSpPr/>
+          <p:nvPr/>
+        </p:nvSpPr>
+        <p:spPr>
+          <a:xfrm rot="3841383">
+            <a:off x="9693043" y="5080544"/>
+            <a:ext cx="748476" cy="349431"/>
+          </a:xfrm>
+          <a:prstGeom prst="rightArrow">
+            <a:avLst/>
+          </a:prstGeom>
+        </p:spPr>
+        <p:style>
+          <a:lnRef idx="2">
+            <a:schemeClr val="accent1">
+              <a:shade val="50000"/>
+            </a:schemeClr>
+          </a:lnRef>
+          <a:fillRef idx="1">
+            <a:schemeClr val="accent1"/>
+          </a:fillRef>
+          <a:effectRef idx="0">
+            <a:schemeClr val="accent1"/>
+          </a:effectRef>
+          <a:fontRef idx="minor">
+            <a:schemeClr val="lt1"/>
+          </a:fontRef>
+        </p:style>
+        <p:txBody>
+          <a:bodyPr rtlCol="0" anchor="ctr"/>
+          <a:lstStyle/>
+          <a:p>
+            <a:pPr algn="ctr"/>
+            <a:endParaRPr lang="zh-CN" altLang="en-US"/>
+          </a:p>
+        </p:txBody>
+      </p:sp>
+      <p:sp>
+        <p:nvSpPr>
+          <p:cNvPr id="32" name="矩形 31">
+            <a:extLst>
+              <a:ext uri="{FF2B5EF4-FFF2-40B4-BE49-F238E27FC236}">
+                <a16:creationId xmlns:a16="http://schemas.microsoft.com/office/drawing/2014/main" id="{FAC48558-D84D-4783-B12F-77F20EB4D07F}"/>
+              </a:ext>
+            </a:extLst>
+          </p:cNvPr>
+          <p:cNvSpPr/>
+          <p:nvPr/>
+        </p:nvSpPr>
+        <p:spPr>
+          <a:xfrm>
+            <a:off x="4787152" y="259978"/>
+            <a:ext cx="1891553" cy="349431"/>
+          </a:xfrm>
+          <a:prstGeom prst="rect">
+            <a:avLst/>
+          </a:prstGeom>
+        </p:spPr>
+        <p:style>
+          <a:lnRef idx="2">
+            <a:schemeClr val="accent1">
+              <a:shade val="50000"/>
+            </a:schemeClr>
+          </a:lnRef>
+          <a:fillRef idx="1">
+            <a:schemeClr val="accent1"/>
+          </a:fillRef>
+          <a:effectRef idx="0">
+            <a:schemeClr val="accent1"/>
+          </a:effectRef>
+          <a:fontRef idx="minor">
+            <a:schemeClr val="lt1"/>
+          </a:fontRef>
+        </p:style>
+        <p:txBody>
+          <a:bodyPr rtlCol="0" anchor="ctr"/>
+          <a:lstStyle/>
+          <a:p>
+            <a:pPr algn="ctr"/>
+            <a:r>
+              <a:rPr lang="zh-CN" altLang="en-US" dirty="0"/>
+              <a:t>需要负责人去做</a:t>
+            </a:r>
+          </a:p>
+        </p:txBody>
+      </p:sp>
+      <p:sp>
+        <p:nvSpPr>
+          <p:cNvPr id="33" name="矩形 32">
+            <a:extLst>
+              <a:ext uri="{FF2B5EF4-FFF2-40B4-BE49-F238E27FC236}">
+                <a16:creationId xmlns:a16="http://schemas.microsoft.com/office/drawing/2014/main" id="{5ED04816-4884-43EB-9D84-825D4766EABF}"/>
+              </a:ext>
+            </a:extLst>
+          </p:cNvPr>
+          <p:cNvSpPr/>
+          <p:nvPr/>
+        </p:nvSpPr>
+        <p:spPr>
+          <a:xfrm>
+            <a:off x="4787152" y="811920"/>
+            <a:ext cx="1891553" cy="349431"/>
+          </a:xfrm>
+          <a:prstGeom prst="rect">
+            <a:avLst/>
+          </a:prstGeom>
+        </p:spPr>
+        <p:style>
+          <a:lnRef idx="2">
+            <a:schemeClr val="accent5">
+              <a:shade val="50000"/>
+            </a:schemeClr>
+          </a:lnRef>
+          <a:fillRef idx="1">
+            <a:schemeClr val="accent5"/>
+          </a:fillRef>
+          <a:effectRef idx="0">
+            <a:schemeClr val="accent5"/>
+          </a:effectRef>
+          <a:fontRef idx="minor">
+            <a:schemeClr val="lt1"/>
+          </a:fontRef>
+        </p:style>
+        <p:txBody>
+          <a:bodyPr rtlCol="0" anchor="ctr"/>
+          <a:lstStyle/>
+          <a:p>
+            <a:pPr algn="ctr"/>
+            <a:r>
+              <a:rPr lang="zh-CN" altLang="en-US" dirty="0"/>
+              <a:t>容易让大家协助</a:t>
+            </a:r>
+          </a:p>
+        </p:txBody>
+      </p:sp>
+      <p:sp>
+        <p:nvSpPr>
+          <p:cNvPr id="34" name="矩形 33">
+            <a:extLst>
+              <a:ext uri="{FF2B5EF4-FFF2-40B4-BE49-F238E27FC236}">
+                <a16:creationId xmlns:a16="http://schemas.microsoft.com/office/drawing/2014/main" id="{54B2A5B5-7370-42D7-AC7D-6CDAB9899E0D}"/>
+              </a:ext>
+            </a:extLst>
+          </p:cNvPr>
+          <p:cNvSpPr/>
+          <p:nvPr/>
+        </p:nvSpPr>
+        <p:spPr>
+          <a:xfrm>
+            <a:off x="4787152" y="1322485"/>
+            <a:ext cx="1891553" cy="349431"/>
+          </a:xfrm>
+          <a:prstGeom prst="rect">
+            <a:avLst/>
+          </a:prstGeom>
+        </p:spPr>
+        <p:style>
+          <a:lnRef idx="2">
+            <a:schemeClr val="accent2">
+              <a:shade val="50000"/>
+            </a:schemeClr>
+          </a:lnRef>
+          <a:fillRef idx="1">
+            <a:schemeClr val="accent2"/>
+          </a:fillRef>
+          <a:effectRef idx="0">
+            <a:schemeClr val="accent2"/>
+          </a:effectRef>
+          <a:fontRef idx="minor">
+            <a:schemeClr val="lt1"/>
+          </a:fontRef>
+        </p:style>
+        <p:txBody>
+          <a:bodyPr rtlCol="0" anchor="ctr"/>
+          <a:lstStyle/>
+          <a:p>
+            <a:pPr algn="ctr"/>
+            <a:r>
+              <a:rPr lang="zh-CN" altLang="en-US" dirty="0"/>
+              <a:t>其它人</a:t>
+            </a:r>
+            <a:r>
+              <a:rPr lang="en-US" altLang="zh-CN" dirty="0"/>
+              <a:t>/</a:t>
+            </a:r>
+            <a:r>
+              <a:rPr lang="zh-CN" altLang="en-US" dirty="0"/>
+              <a:t>全体工作</a:t>
+            </a:r>
+          </a:p>
+        </p:txBody>
+      </p:sp>
+      <p:sp>
+        <p:nvSpPr>
+          <p:cNvPr id="35" name="矩形 34">
+            <a:extLst>
+              <a:ext uri="{FF2B5EF4-FFF2-40B4-BE49-F238E27FC236}">
+                <a16:creationId xmlns:a16="http://schemas.microsoft.com/office/drawing/2014/main" id="{20642BCF-EE65-4592-AA89-C5771A2C1F73}"/>
+              </a:ext>
+            </a:extLst>
+          </p:cNvPr>
+          <p:cNvSpPr/>
+          <p:nvPr/>
+        </p:nvSpPr>
+        <p:spPr>
+          <a:xfrm>
+            <a:off x="8285049" y="3926034"/>
+            <a:ext cx="2170188" cy="810044"/>
+          </a:xfrm>
+          <a:prstGeom prst="rect">
+            <a:avLst/>
+          </a:prstGeom>
+        </p:spPr>
+        <p:style>
+          <a:lnRef idx="2">
+            <a:schemeClr val="accent1">
+              <a:shade val="50000"/>
+            </a:schemeClr>
+          </a:lnRef>
+          <a:fillRef idx="1">
+            <a:schemeClr val="accent1"/>
+          </a:fillRef>
+          <a:effectRef idx="0">
+            <a:schemeClr val="accent1"/>
+          </a:effectRef>
+          <a:fontRef idx="minor">
+            <a:schemeClr val="lt1"/>
+          </a:fontRef>
+        </p:style>
+        <p:txBody>
+          <a:bodyPr rtlCol="0" anchor="ctr"/>
+          <a:lstStyle/>
+          <a:p>
+            <a:pPr algn="ctr"/>
+            <a:r>
+              <a:rPr lang="zh-CN" altLang="en-US" dirty="0"/>
+              <a:t>代码详细说明</a:t>
+            </a:r>
+          </a:p>
+        </p:txBody>
+      </p:sp>
+      <p:sp>
+        <p:nvSpPr>
+          <p:cNvPr id="36" name="矩形 35">
+            <a:extLst>
+              <a:ext uri="{FF2B5EF4-FFF2-40B4-BE49-F238E27FC236}">
+                <a16:creationId xmlns:a16="http://schemas.microsoft.com/office/drawing/2014/main" id="{E4EC9059-9D36-479D-9855-D4E8CB8C799B}"/>
+              </a:ext>
+            </a:extLst>
+          </p:cNvPr>
+          <p:cNvSpPr/>
+          <p:nvPr/>
+        </p:nvSpPr>
+        <p:spPr>
+          <a:xfrm>
+            <a:off x="1822511" y="3378393"/>
+            <a:ext cx="2332609" cy="450848"/>
+          </a:xfrm>
+          <a:prstGeom prst="rect">
+            <a:avLst/>
+          </a:prstGeom>
+          <a:solidFill>
+            <a:srgbClr val="FF0000">
+              <a:alpha val="25000"/>
+            </a:srgbClr>
+          </a:solidFill>
+          <a:ln>
+            <a:solidFill>
+              <a:srgbClr val="C00000"/>
+            </a:solidFill>
+          </a:ln>
+        </p:spPr>
+        <p:style>
+          <a:lnRef idx="2">
+            <a:schemeClr val="accent1">
+              <a:shade val="50000"/>
+            </a:schemeClr>
+          </a:lnRef>
+          <a:fillRef idx="1">
+            <a:schemeClr val="accent1"/>
+          </a:fillRef>
+          <a:effectRef idx="0">
+            <a:schemeClr val="accent1"/>
+          </a:effectRef>
+          <a:fontRef idx="minor">
+            <a:schemeClr val="lt1"/>
+          </a:fontRef>
+        </p:style>
+        <p:txBody>
+          <a:bodyPr rtlCol="0" anchor="ctr"/>
+          <a:lstStyle/>
+          <a:p>
+            <a:pPr algn="ctr"/>
+            <a:endParaRPr lang="zh-CN" altLang="en-US"/>
+          </a:p>
+        </p:txBody>
+      </p:sp>
+      <p:sp>
+        <p:nvSpPr>
+          <p:cNvPr id="37" name="文本框 36">
+            <a:extLst>
+              <a:ext uri="{FF2B5EF4-FFF2-40B4-BE49-F238E27FC236}">
+                <a16:creationId xmlns:a16="http://schemas.microsoft.com/office/drawing/2014/main" id="{8433140B-A14B-4F96-A401-44671DCA22C2}"/>
+              </a:ext>
+            </a:extLst>
+          </p:cNvPr>
+          <p:cNvSpPr txBox="1"/>
+          <p:nvPr/>
+        </p:nvSpPr>
+        <p:spPr>
+          <a:xfrm>
+            <a:off x="4164645" y="1863498"/>
+            <a:ext cx="1569660" cy="369332"/>
+          </a:xfrm>
+          <a:prstGeom prst="rect">
+            <a:avLst/>
+          </a:prstGeom>
+          <a:noFill/>
+        </p:spPr>
+        <p:txBody>
+          <a:bodyPr wrap="none" rtlCol="0">
+            <a:spAutoFit/>
+          </a:bodyPr>
+          <a:lstStyle/>
+          <a:p>
+            <a:r>
+              <a:rPr lang="zh-CN" altLang="en-US" dirty="0">
+                <a:solidFill>
+                  <a:srgbClr val="FF0000"/>
+                </a:solidFill>
+              </a:rPr>
+              <a:t>至少今天完成</a:t>
+            </a:r>
+          </a:p>
+        </p:txBody>
+      </p:sp>
+      <p:sp>
+        <p:nvSpPr>
+          <p:cNvPr id="38" name="文本框 37">
+            <a:extLst>
+              <a:ext uri="{FF2B5EF4-FFF2-40B4-BE49-F238E27FC236}">
+                <a16:creationId xmlns:a16="http://schemas.microsoft.com/office/drawing/2014/main" id="{C1476796-4565-406A-90F1-FAB4864934FF}"/>
+              </a:ext>
+            </a:extLst>
+          </p:cNvPr>
+          <p:cNvSpPr txBox="1"/>
+          <p:nvPr/>
+        </p:nvSpPr>
+        <p:spPr>
+          <a:xfrm>
+            <a:off x="4923016" y="2632090"/>
+            <a:ext cx="2573140" cy="369332"/>
+          </a:xfrm>
+          <a:prstGeom prst="rect">
+            <a:avLst/>
+          </a:prstGeom>
+          <a:noFill/>
+        </p:spPr>
+        <p:txBody>
+          <a:bodyPr wrap="none" rtlCol="0">
+            <a:spAutoFit/>
+          </a:bodyPr>
+          <a:lstStyle/>
+          <a:p>
+            <a:r>
+              <a:rPr lang="zh-CN" altLang="en-US" dirty="0">
+                <a:solidFill>
+                  <a:srgbClr val="FF0000"/>
+                </a:solidFill>
+              </a:rPr>
+              <a:t>估计</a:t>
+            </a:r>
+            <a:r>
+              <a:rPr lang="en-US" altLang="zh-CN" dirty="0">
+                <a:solidFill>
+                  <a:srgbClr val="FF0000"/>
+                </a:solidFill>
+              </a:rPr>
+              <a:t>day 3+day 4</a:t>
+            </a:r>
+            <a:r>
+              <a:rPr lang="zh-CN" altLang="en-US" dirty="0">
+                <a:solidFill>
+                  <a:srgbClr val="FF0000"/>
+                </a:solidFill>
+              </a:rPr>
+              <a:t>能完成</a:t>
+            </a:r>
+          </a:p>
+        </p:txBody>
+      </p:sp>
+      <p:sp>
+        <p:nvSpPr>
+          <p:cNvPr id="39" name="矩形 38">
+            <a:extLst>
+              <a:ext uri="{FF2B5EF4-FFF2-40B4-BE49-F238E27FC236}">
+                <a16:creationId xmlns:a16="http://schemas.microsoft.com/office/drawing/2014/main" id="{9820F264-C83A-4E7B-AEE9-4F6FA2B416F4}"/>
+              </a:ext>
+            </a:extLst>
+          </p:cNvPr>
+          <p:cNvSpPr/>
+          <p:nvPr/>
+        </p:nvSpPr>
+        <p:spPr>
+          <a:xfrm>
+            <a:off x="2068587" y="4014876"/>
+            <a:ext cx="1993155" cy="310034"/>
+          </a:xfrm>
+          <a:prstGeom prst="rect">
+            <a:avLst/>
+          </a:prstGeom>
+        </p:spPr>
+        <p:style>
+          <a:lnRef idx="2">
+            <a:schemeClr val="accent5">
+              <a:shade val="50000"/>
+            </a:schemeClr>
+          </a:lnRef>
+          <a:fillRef idx="1">
+            <a:schemeClr val="accent5"/>
+          </a:fillRef>
+          <a:effectRef idx="0">
+            <a:schemeClr val="accent5"/>
+          </a:effectRef>
+          <a:fontRef idx="minor">
+            <a:schemeClr val="lt1"/>
+          </a:fontRef>
+        </p:style>
+        <p:txBody>
+          <a:bodyPr rtlCol="0" anchor="ctr"/>
+          <a:lstStyle/>
+          <a:p>
+            <a:pPr algn="ctr"/>
+            <a:r>
+              <a:rPr lang="en-US" altLang="zh-CN" dirty="0"/>
+              <a:t>UI</a:t>
+            </a:r>
+            <a:r>
+              <a:rPr lang="zh-CN" altLang="en-US" dirty="0"/>
+              <a:t>提前布局</a:t>
+            </a:r>
+          </a:p>
+        </p:txBody>
+      </p:sp>
+      <p:sp>
+        <p:nvSpPr>
+          <p:cNvPr id="40" name="箭头: 右 39">
+            <a:extLst>
+              <a:ext uri="{FF2B5EF4-FFF2-40B4-BE49-F238E27FC236}">
+                <a16:creationId xmlns:a16="http://schemas.microsoft.com/office/drawing/2014/main" id="{A9D88E31-6601-41BE-ACAF-7621CD0EC7F6}"/>
+              </a:ext>
+            </a:extLst>
+          </p:cNvPr>
+          <p:cNvSpPr/>
+          <p:nvPr/>
+        </p:nvSpPr>
+        <p:spPr>
+          <a:xfrm rot="20381636">
+            <a:off x="4165320" y="3734908"/>
+            <a:ext cx="839804" cy="349431"/>
+          </a:xfrm>
+          <a:prstGeom prst="rightArrow">
+            <a:avLst/>
+          </a:prstGeom>
+        </p:spPr>
+        <p:style>
+          <a:lnRef idx="2">
+            <a:schemeClr val="accent5">
+              <a:shade val="50000"/>
+            </a:schemeClr>
+          </a:lnRef>
+          <a:fillRef idx="1">
+            <a:schemeClr val="accent5"/>
+          </a:fillRef>
+          <a:effectRef idx="0">
+            <a:schemeClr val="accent5"/>
+          </a:effectRef>
+          <a:fontRef idx="minor">
+            <a:schemeClr val="lt1"/>
+          </a:fontRef>
+        </p:style>
+        <p:txBody>
+          <a:bodyPr rtlCol="0" anchor="ctr"/>
+          <a:lstStyle/>
+          <a:p>
+            <a:pPr algn="ctr"/>
+            <a:endParaRPr lang="zh-CN" altLang="en-US"/>
+          </a:p>
+        </p:txBody>
+      </p:sp>
+      <p:sp>
+        <p:nvSpPr>
+          <p:cNvPr id="41" name="矩形 40">
+            <a:extLst>
+              <a:ext uri="{FF2B5EF4-FFF2-40B4-BE49-F238E27FC236}">
+                <a16:creationId xmlns:a16="http://schemas.microsoft.com/office/drawing/2014/main" id="{206CD21F-4141-4666-8B3C-E2A5BB2FC199}"/>
+              </a:ext>
+            </a:extLst>
+          </p:cNvPr>
+          <p:cNvSpPr/>
+          <p:nvPr/>
+        </p:nvSpPr>
+        <p:spPr>
+          <a:xfrm>
+            <a:off x="2019946" y="3926034"/>
+            <a:ext cx="801909" cy="495668"/>
+          </a:xfrm>
+          <a:prstGeom prst="rect">
+            <a:avLst/>
+          </a:prstGeom>
+          <a:solidFill>
+            <a:srgbClr val="FF0000">
+              <a:alpha val="25000"/>
+            </a:srgbClr>
+          </a:solidFill>
+          <a:ln>
+            <a:solidFill>
+              <a:srgbClr val="C00000"/>
+            </a:solidFill>
+          </a:ln>
+        </p:spPr>
+        <p:style>
+          <a:lnRef idx="2">
+            <a:schemeClr val="accent1">
+              <a:shade val="50000"/>
+            </a:schemeClr>
+          </a:lnRef>
+          <a:fillRef idx="1">
+            <a:schemeClr val="accent1"/>
+          </a:fillRef>
+          <a:effectRef idx="0">
+            <a:schemeClr val="accent1"/>
+          </a:effectRef>
+          <a:fontRef idx="minor">
+            <a:schemeClr val="lt1"/>
+          </a:fontRef>
+        </p:style>
+        <p:txBody>
+          <a:bodyPr rtlCol="0" anchor="ctr"/>
+          <a:lstStyle/>
+          <a:p>
+            <a:pPr algn="ctr"/>
+            <a:endParaRPr lang="zh-CN" altLang="en-US"/>
+          </a:p>
+        </p:txBody>
+      </p:sp>
+      <p:sp>
+        <p:nvSpPr>
+          <p:cNvPr id="42" name="矩形 41">
+            <a:extLst>
+              <a:ext uri="{FF2B5EF4-FFF2-40B4-BE49-F238E27FC236}">
+                <a16:creationId xmlns:a16="http://schemas.microsoft.com/office/drawing/2014/main" id="{FF5BD87F-2521-42A1-ABE6-7B354D730EA0}"/>
+              </a:ext>
+            </a:extLst>
+          </p:cNvPr>
+          <p:cNvSpPr/>
+          <p:nvPr/>
+        </p:nvSpPr>
+        <p:spPr>
+          <a:xfrm>
+            <a:off x="2255014" y="5911402"/>
+            <a:ext cx="2170188" cy="810044"/>
+          </a:xfrm>
+          <a:prstGeom prst="rect">
+            <a:avLst/>
+          </a:prstGeom>
+        </p:spPr>
+        <p:style>
+          <a:lnRef idx="2">
+            <a:schemeClr val="accent2">
+              <a:shade val="50000"/>
+            </a:schemeClr>
+          </a:lnRef>
+          <a:fillRef idx="1">
+            <a:schemeClr val="accent2"/>
+          </a:fillRef>
+          <a:effectRef idx="0">
+            <a:schemeClr val="accent2"/>
+          </a:effectRef>
+          <a:fontRef idx="minor">
+            <a:schemeClr val="lt1"/>
+          </a:fontRef>
+        </p:style>
+        <p:txBody>
+          <a:bodyPr rtlCol="0" anchor="ctr"/>
+          <a:lstStyle/>
+          <a:p>
+            <a:pPr algn="ctr"/>
+            <a:r>
+              <a:rPr lang="zh-CN" altLang="en-US" dirty="0"/>
+              <a:t>压力解决</a:t>
+            </a:r>
+            <a:endParaRPr lang="en-US" altLang="zh-CN" dirty="0"/>
+          </a:p>
+        </p:txBody>
+      </p:sp>
+      <p:sp>
+        <p:nvSpPr>
+          <p:cNvPr id="43" name="箭头: 右 42">
+            <a:extLst>
+              <a:ext uri="{FF2B5EF4-FFF2-40B4-BE49-F238E27FC236}">
+                <a16:creationId xmlns:a16="http://schemas.microsoft.com/office/drawing/2014/main" id="{77B77977-7436-45B5-A05C-F3AE5935A1E7}"/>
+              </a:ext>
+            </a:extLst>
+          </p:cNvPr>
+          <p:cNvSpPr/>
+          <p:nvPr/>
+        </p:nvSpPr>
+        <p:spPr>
+          <a:xfrm rot="19915315">
+            <a:off x="4476728" y="6270451"/>
+            <a:ext cx="518946" cy="349431"/>
+          </a:xfrm>
+          <a:prstGeom prst="rightArrow">
+            <a:avLst/>
+          </a:prstGeom>
+        </p:spPr>
+        <p:style>
+          <a:lnRef idx="2">
+            <a:schemeClr val="accent2">
+              <a:shade val="50000"/>
+            </a:schemeClr>
+          </a:lnRef>
+          <a:fillRef idx="1">
+            <a:schemeClr val="accent2"/>
+          </a:fillRef>
+          <a:effectRef idx="0">
+            <a:schemeClr val="accent2"/>
+          </a:effectRef>
+          <a:fontRef idx="minor">
+            <a:schemeClr val="lt1"/>
+          </a:fontRef>
+        </p:style>
+        <p:txBody>
+          <a:bodyPr rtlCol="0" anchor="ctr"/>
+          <a:lstStyle/>
+          <a:p>
+            <a:pPr algn="ctr"/>
+            <a:endParaRPr lang="zh-CN" altLang="en-US"/>
+          </a:p>
+        </p:txBody>
+      </p:sp>
+      <p:sp>
+        <p:nvSpPr>
+          <p:cNvPr id="44" name="箭头: 右 43">
+            <a:extLst>
+              <a:ext uri="{FF2B5EF4-FFF2-40B4-BE49-F238E27FC236}">
+                <a16:creationId xmlns:a16="http://schemas.microsoft.com/office/drawing/2014/main" id="{C636FF05-A14A-4820-80D0-B76E0359433B}"/>
+              </a:ext>
+            </a:extLst>
+          </p:cNvPr>
+          <p:cNvSpPr/>
+          <p:nvPr/>
+        </p:nvSpPr>
+        <p:spPr>
+          <a:xfrm rot="9000000">
+            <a:off x="4424283" y="5866080"/>
+            <a:ext cx="518946" cy="349431"/>
+          </a:xfrm>
+          <a:prstGeom prst="rightArrow">
+            <a:avLst/>
+          </a:prstGeom>
+        </p:spPr>
+        <p:style>
+          <a:lnRef idx="2">
+            <a:schemeClr val="accent2">
+              <a:shade val="50000"/>
+            </a:schemeClr>
+          </a:lnRef>
+          <a:fillRef idx="1">
+            <a:schemeClr val="accent2"/>
+          </a:fillRef>
+          <a:effectRef idx="0">
+            <a:schemeClr val="accent2"/>
+          </a:effectRef>
+          <a:fontRef idx="minor">
+            <a:schemeClr val="lt1"/>
+          </a:fontRef>
+        </p:style>
+        <p:txBody>
+          <a:bodyPr rtlCol="0" anchor="ctr"/>
+          <a:lstStyle/>
+          <a:p>
+            <a:pPr algn="ctr"/>
+            <a:endParaRPr lang="zh-CN" altLang="en-US"/>
+          </a:p>
+        </p:txBody>
+      </p:sp>
+      <p:sp>
+        <p:nvSpPr>
+          <p:cNvPr id="45" name="矩形 44">
+            <a:extLst>
+              <a:ext uri="{FF2B5EF4-FFF2-40B4-BE49-F238E27FC236}">
+                <a16:creationId xmlns:a16="http://schemas.microsoft.com/office/drawing/2014/main" id="{FCB4EC77-8247-44A4-880C-6DF227355BDF}"/>
+              </a:ext>
+            </a:extLst>
+          </p:cNvPr>
+          <p:cNvSpPr/>
+          <p:nvPr/>
+        </p:nvSpPr>
+        <p:spPr>
+          <a:xfrm>
+            <a:off x="1822511" y="198180"/>
+            <a:ext cx="2332609" cy="3180212"/>
+          </a:xfrm>
+          <a:prstGeom prst="rect">
+            <a:avLst/>
+          </a:prstGeom>
+          <a:solidFill>
+            <a:schemeClr val="accent6">
+              <a:lumMod val="60000"/>
+              <a:lumOff val="40000"/>
+              <a:alpha val="25000"/>
+            </a:schemeClr>
+          </a:solidFill>
+          <a:ln>
+            <a:solidFill>
+              <a:schemeClr val="accent6">
+                <a:lumMod val="75000"/>
+              </a:schemeClr>
+            </a:solidFill>
+          </a:ln>
+        </p:spPr>
+        <p:style>
+          <a:lnRef idx="2">
+            <a:schemeClr val="accent1">
+              <a:shade val="50000"/>
+            </a:schemeClr>
+          </a:lnRef>
+          <a:fillRef idx="1">
+            <a:schemeClr val="accent1"/>
+          </a:fillRef>
+          <a:effectRef idx="0">
+            <a:schemeClr val="accent1"/>
+          </a:effectRef>
+          <a:fontRef idx="minor">
+            <a:schemeClr val="lt1"/>
+          </a:fontRef>
+        </p:style>
+        <p:txBody>
+          <a:bodyPr rtlCol="0" anchor="ctr"/>
+          <a:lstStyle/>
+          <a:p>
+            <a:pPr algn="ctr"/>
+            <a:endParaRPr lang="zh-CN" altLang="en-US"/>
+          </a:p>
+        </p:txBody>
+      </p:sp>
+    </p:spTree>
+    <p:extLst>
+      <p:ext uri="{BB962C8B-B14F-4D97-AF65-F5344CB8AC3E}">
+        <p14:creationId xmlns:p14="http://schemas.microsoft.com/office/powerpoint/2010/main" val="4090284205"/>
+      </p:ext>
+    </p:extLst>
   </p:cSld>
   <p:clrMapOvr>
     <a:masterClrMapping/>
@@ -6308,6 +11841,8 @@
       </a:bgFillStyleLst>
     </a:fmtScheme>
   </a:themeElements>
+  <a:objectDefaults/>
+  <a:extraClrSchemeLst/>
   <a:extLst>
     <a:ext uri="{05A4C25C-085E-4340-85A3-A5531E510DB2}">
       <thm15:themeFamily xmlns:thm15="http://schemas.microsoft.com/office/thememl/2012/main" name="Office Theme" id="{62F939B6-93AF-4DB8-9C6B-D6C7DFDC589F}" vid="{4A3C46E8-61CC-4603-A589-7422A47A8E4A}"/>
@@ -6567,6 +12102,8 @@
       </a:bgFillStyleLst>
     </a:fmtScheme>
   </a:themeElements>
+  <a:objectDefaults/>
+  <a:extraClrSchemeLst/>
   <a:extLst>
     <a:ext uri="{05A4C25C-085E-4340-85A3-A5531E510DB2}">
       <thm15:themeFamily xmlns:thm15="http://schemas.microsoft.com/office/thememl/2012/main" name="Office Theme" id="{62F939B6-93AF-4DB8-9C6B-D6C7DFDC589F}" vid="{4A3C46E8-61CC-4603-A589-7422A47A8E4A}"/>

--- a/plan/抽卡手游.pptx
+++ b/plan/抽卡手游.pptx
@@ -5,7 +5,7 @@
     <p:sldMasterId id="2147483648" r:id="rId1"/>
   </p:sldMasterIdLst>
   <p:notesMasterIdLst>
-    <p:notesMasterId r:id="rId20"/>
+    <p:notesMasterId r:id="rId23"/>
   </p:notesMasterIdLst>
   <p:sldIdLst>
     <p:sldId id="256" r:id="rId2"/>
@@ -26,6 +26,9 @@
     <p:sldId id="1321" r:id="rId17"/>
     <p:sldId id="1322" r:id="rId18"/>
     <p:sldId id="1323" r:id="rId19"/>
+    <p:sldId id="1325" r:id="rId20"/>
+    <p:sldId id="1324" r:id="rId21"/>
+    <p:sldId id="1326" r:id="rId22"/>
   </p:sldIdLst>
   <p:sldSz cx="12192000" cy="6858000"/>
   <p:notesSz cx="6858000" cy="9144000"/>
@@ -12026,6 +12029,63 @@
           </a:p>
         </p:txBody>
       </p:sp>
+      <p:sp>
+        <p:nvSpPr>
+          <p:cNvPr id="29" name="矩形 28">
+            <a:extLst>
+              <a:ext uri="{FF2B5EF4-FFF2-40B4-BE49-F238E27FC236}">
+                <a16:creationId xmlns:a16="http://schemas.microsoft.com/office/drawing/2014/main" id="{9F80FBCC-BD79-4423-A84A-C37FF5FAA8A8}"/>
+              </a:ext>
+            </a:extLst>
+          </p:cNvPr>
+          <p:cNvSpPr/>
+          <p:nvPr/>
+        </p:nvSpPr>
+        <p:spPr>
+          <a:xfrm>
+            <a:off x="3321425" y="2733338"/>
+            <a:ext cx="1990162" cy="672353"/>
+          </a:xfrm>
+          <a:prstGeom prst="rect">
+            <a:avLst/>
+          </a:prstGeom>
+        </p:spPr>
+        <p:style>
+          <a:lnRef idx="2">
+            <a:schemeClr val="accent1">
+              <a:shade val="50000"/>
+            </a:schemeClr>
+          </a:lnRef>
+          <a:fillRef idx="1">
+            <a:schemeClr val="accent1"/>
+          </a:fillRef>
+          <a:effectRef idx="0">
+            <a:schemeClr val="accent1"/>
+          </a:effectRef>
+          <a:fontRef idx="minor">
+            <a:schemeClr val="lt1"/>
+          </a:fontRef>
+        </p:style>
+        <p:txBody>
+          <a:bodyPr rtlCol="0" anchor="ctr"/>
+          <a:lstStyle/>
+          <a:p>
+            <a:pPr algn="ctr"/>
+            <a:r>
+              <a:rPr lang="zh-CN" altLang="en-US" dirty="0"/>
+              <a:t>进入的关卡</a:t>
+            </a:r>
+            <a:endParaRPr lang="en-US" altLang="zh-CN" dirty="0"/>
+          </a:p>
+          <a:p>
+            <a:pPr algn="ctr"/>
+            <a:r>
+              <a:rPr lang="zh-CN" altLang="en-US" dirty="0"/>
+              <a:t>（断网用）</a:t>
+            </a:r>
+          </a:p>
+        </p:txBody>
+      </p:sp>
     </p:spTree>
     <p:extLst>
       <p:ext uri="{BB962C8B-B14F-4D97-AF65-F5344CB8AC3E}">
@@ -15528,6 +15588,182 @@
 </p:sld>
 </file>
 
+<file path=ppt/slides/slide19.xml><?xml version="1.0" encoding="utf-8"?>
+<p:sld xmlns:a="http://schemas.openxmlformats.org/drawingml/2006/main" xmlns:r="http://schemas.openxmlformats.org/officeDocument/2006/relationships" xmlns:p="http://schemas.openxmlformats.org/presentationml/2006/main">
+  <p:cSld>
+    <p:spTree>
+      <p:nvGrpSpPr>
+        <p:cNvPr id="1" name=""/>
+        <p:cNvGrpSpPr/>
+        <p:nvPr/>
+      </p:nvGrpSpPr>
+      <p:grpSpPr>
+        <a:xfrm>
+          <a:off x="0" y="0"/>
+          <a:ext cx="0" cy="0"/>
+          <a:chOff x="0" y="0"/>
+          <a:chExt cx="0" cy="0"/>
+        </a:xfrm>
+      </p:grpSpPr>
+      <p:sp>
+        <p:nvSpPr>
+          <p:cNvPr id="2" name="文本框 1">
+            <a:extLst>
+              <a:ext uri="{FF2B5EF4-FFF2-40B4-BE49-F238E27FC236}">
+                <a16:creationId xmlns:a16="http://schemas.microsoft.com/office/drawing/2014/main" id="{79A89413-3027-43A3-B065-0F2AB168E1B3}"/>
+              </a:ext>
+            </a:extLst>
+          </p:cNvPr>
+          <p:cNvSpPr txBox="1"/>
+          <p:nvPr/>
+        </p:nvSpPr>
+        <p:spPr>
+          <a:xfrm>
+            <a:off x="126960" y="138499"/>
+            <a:ext cx="1269899" cy="461665"/>
+          </a:xfrm>
+          <a:prstGeom prst="rect">
+            <a:avLst/>
+          </a:prstGeom>
+          <a:noFill/>
+        </p:spPr>
+        <p:txBody>
+          <a:bodyPr wrap="none" rtlCol="0">
+            <a:spAutoFit/>
+          </a:bodyPr>
+          <a:lstStyle/>
+          <a:p>
+            <a:r>
+              <a:rPr lang="zh-CN" altLang="en-US" sz="2400" dirty="0"/>
+              <a:t>安全性</a:t>
+            </a:r>
+            <a:r>
+              <a:rPr lang="en-US" altLang="zh-CN" sz="2400" dirty="0"/>
+              <a:t>2</a:t>
+            </a:r>
+            <a:endParaRPr lang="zh-CN" altLang="en-US" sz="2400" dirty="0"/>
+          </a:p>
+        </p:txBody>
+      </p:sp>
+      <p:sp>
+        <p:nvSpPr>
+          <p:cNvPr id="3" name="文本框 2">
+            <a:extLst>
+              <a:ext uri="{FF2B5EF4-FFF2-40B4-BE49-F238E27FC236}">
+                <a16:creationId xmlns:a16="http://schemas.microsoft.com/office/drawing/2014/main" id="{852CAE21-18D6-4065-9406-A4D12B1F3FA6}"/>
+              </a:ext>
+            </a:extLst>
+          </p:cNvPr>
+          <p:cNvSpPr txBox="1"/>
+          <p:nvPr/>
+        </p:nvSpPr>
+        <p:spPr>
+          <a:xfrm>
+            <a:off x="206189" y="726142"/>
+            <a:ext cx="8084264" cy="1754326"/>
+          </a:xfrm>
+          <a:prstGeom prst="rect">
+            <a:avLst/>
+          </a:prstGeom>
+          <a:noFill/>
+        </p:spPr>
+        <p:txBody>
+          <a:bodyPr wrap="none" rtlCol="0">
+            <a:spAutoFit/>
+          </a:bodyPr>
+          <a:lstStyle/>
+          <a:p>
+            <a:r>
+              <a:rPr lang="en-US" altLang="zh-CN" dirty="0"/>
+              <a:t>·</a:t>
+            </a:r>
+            <a:r>
+              <a:rPr lang="zh-CN" altLang="en-US" dirty="0"/>
+              <a:t>同一个账号登录时，把登录状态的手机强行登出，让新登录进来的手机进来。</a:t>
+            </a:r>
+            <a:endParaRPr lang="en-US" altLang="zh-CN" dirty="0"/>
+          </a:p>
+          <a:p>
+            <a:r>
+              <a:rPr lang="en-US" altLang="zh-CN" dirty="0"/>
+              <a:t>·</a:t>
+            </a:r>
+            <a:r>
+              <a:rPr lang="zh-CN" altLang="en-US" dirty="0"/>
+              <a:t>关卡开始时设置随机数种子，防止恶意重开关卡进行随机数调整。</a:t>
+            </a:r>
+            <a:endParaRPr lang="en-US" altLang="zh-CN" dirty="0"/>
+          </a:p>
+          <a:p>
+            <a:r>
+              <a:rPr lang="en-US" altLang="zh-CN" dirty="0"/>
+              <a:t>·</a:t>
+            </a:r>
+            <a:r>
+              <a:rPr lang="zh-CN" altLang="en-US" dirty="0"/>
+              <a:t>战斗过程需要在服务器也模拟一遍，客户端战斗结束时只发送</a:t>
+            </a:r>
+            <a:r>
+              <a:rPr lang="en-US" altLang="zh-CN" dirty="0"/>
+              <a:t>"</a:t>
+            </a:r>
+            <a:r>
+              <a:rPr lang="zh-CN" altLang="en-US" dirty="0"/>
+              <a:t>已看完</a:t>
+            </a:r>
+            <a:r>
+              <a:rPr lang="en-US" altLang="zh-CN" dirty="0"/>
+              <a:t>"</a:t>
+            </a:r>
+          </a:p>
+          <a:p>
+            <a:r>
+              <a:rPr lang="en-US" altLang="zh-CN" dirty="0"/>
+              <a:t>·</a:t>
+            </a:r>
+            <a:r>
+              <a:rPr lang="zh-CN" altLang="en-US" dirty="0"/>
+              <a:t>核对的处理在高峰时可以适当设置延迟已获得更高的反应速度。</a:t>
+            </a:r>
+            <a:endParaRPr lang="en-US" altLang="zh-CN" dirty="0"/>
+          </a:p>
+          <a:p>
+            <a:r>
+              <a:rPr lang="en-US" altLang="zh-CN" dirty="0"/>
+              <a:t>·</a:t>
+            </a:r>
+            <a:r>
+              <a:rPr lang="zh-CN" altLang="en-US" dirty="0"/>
+              <a:t>不做人对人交易系统</a:t>
+            </a:r>
+            <a:endParaRPr lang="en-US" altLang="zh-CN" dirty="0"/>
+          </a:p>
+          <a:p>
+            <a:r>
+              <a:rPr lang="en-US" altLang="zh-CN" dirty="0"/>
+              <a:t>·</a:t>
+            </a:r>
+            <a:r>
+              <a:rPr lang="zh-CN" altLang="en-US" dirty="0"/>
+              <a:t>为了提高并发性，尽量压缩数据</a:t>
+            </a:r>
+            <a:endParaRPr lang="en-US" altLang="zh-CN" dirty="0"/>
+          </a:p>
+        </p:txBody>
+      </p:sp>
+    </p:spTree>
+    <p:extLst>
+      <p:ext uri="{BB962C8B-B14F-4D97-AF65-F5344CB8AC3E}">
+        <p14:creationId xmlns:p14="http://schemas.microsoft.com/office/powerpoint/2010/main" val="3972921355"/>
+      </p:ext>
+    </p:extLst>
+  </p:cSld>
+  <p:clrMapOvr>
+    <a:masterClrMapping/>
+  </p:clrMapOvr>
+</p:sld>
+</file>
+
 <file path=ppt/slides/slide2.xml><?xml version="1.0" encoding="utf-8"?>
 <p:sld xmlns:a="http://schemas.openxmlformats.org/drawingml/2006/main" xmlns:r="http://schemas.openxmlformats.org/officeDocument/2006/relationships" xmlns:p="http://schemas.openxmlformats.org/presentationml/2006/main">
   <p:cSld>
@@ -15783,6 +16019,1963 @@
         </p:txBody>
       </p:sp>
     </p:spTree>
+  </p:cSld>
+  <p:clrMapOvr>
+    <a:masterClrMapping/>
+  </p:clrMapOvr>
+</p:sld>
+</file>
+
+<file path=ppt/slides/slide20.xml><?xml version="1.0" encoding="utf-8"?>
+<p:sld xmlns:a="http://schemas.openxmlformats.org/drawingml/2006/main" xmlns:r="http://schemas.openxmlformats.org/officeDocument/2006/relationships" xmlns:p="http://schemas.openxmlformats.org/presentationml/2006/main">
+  <p:cSld>
+    <p:spTree>
+      <p:nvGrpSpPr>
+        <p:cNvPr id="1" name=""/>
+        <p:cNvGrpSpPr/>
+        <p:nvPr/>
+      </p:nvGrpSpPr>
+      <p:grpSpPr>
+        <a:xfrm>
+          <a:off x="0" y="0"/>
+          <a:ext cx="0" cy="0"/>
+          <a:chOff x="0" y="0"/>
+          <a:chExt cx="0" cy="0"/>
+        </a:xfrm>
+      </p:grpSpPr>
+      <p:sp>
+        <p:nvSpPr>
+          <p:cNvPr id="2" name="矩形 1">
+            <a:extLst>
+              <a:ext uri="{FF2B5EF4-FFF2-40B4-BE49-F238E27FC236}">
+                <a16:creationId xmlns:a16="http://schemas.microsoft.com/office/drawing/2014/main" id="{49E92DEA-F828-4CAC-882C-13EC91E27DFA}"/>
+              </a:ext>
+            </a:extLst>
+          </p:cNvPr>
+          <p:cNvSpPr/>
+          <p:nvPr/>
+        </p:nvSpPr>
+        <p:spPr>
+          <a:xfrm>
+            <a:off x="2310424" y="2008094"/>
+            <a:ext cx="1990162" cy="672353"/>
+          </a:xfrm>
+          <a:prstGeom prst="rect">
+            <a:avLst/>
+          </a:prstGeom>
+        </p:spPr>
+        <p:style>
+          <a:lnRef idx="2">
+            <a:schemeClr val="accent1">
+              <a:shade val="50000"/>
+            </a:schemeClr>
+          </a:lnRef>
+          <a:fillRef idx="1">
+            <a:schemeClr val="accent1"/>
+          </a:fillRef>
+          <a:effectRef idx="0">
+            <a:schemeClr val="accent1"/>
+          </a:effectRef>
+          <a:fontRef idx="minor">
+            <a:schemeClr val="lt1"/>
+          </a:fontRef>
+        </p:style>
+        <p:txBody>
+          <a:bodyPr rtlCol="0" anchor="ctr"/>
+          <a:lstStyle/>
+          <a:p>
+            <a:pPr algn="ctr"/>
+            <a:r>
+              <a:rPr lang="zh-CN" altLang="en-US" dirty="0"/>
+              <a:t>进入关卡</a:t>
+            </a:r>
+            <a:endParaRPr lang="en-US" altLang="zh-CN" dirty="0"/>
+          </a:p>
+          <a:p>
+            <a:pPr algn="ctr"/>
+            <a:r>
+              <a:rPr lang="zh-CN" altLang="en-US" dirty="0"/>
+              <a:t>（请求关卡进入）</a:t>
+            </a:r>
+            <a:endParaRPr lang="en-US" altLang="zh-CN" dirty="0"/>
+          </a:p>
+        </p:txBody>
+      </p:sp>
+      <p:sp>
+        <p:nvSpPr>
+          <p:cNvPr id="3" name="矩形 2">
+            <a:extLst>
+              <a:ext uri="{FF2B5EF4-FFF2-40B4-BE49-F238E27FC236}">
+                <a16:creationId xmlns:a16="http://schemas.microsoft.com/office/drawing/2014/main" id="{FCE6BE5F-8FE8-4034-B539-DFB559662C2E}"/>
+              </a:ext>
+            </a:extLst>
+          </p:cNvPr>
+          <p:cNvSpPr/>
+          <p:nvPr/>
+        </p:nvSpPr>
+        <p:spPr>
+          <a:xfrm>
+            <a:off x="28906" y="2008094"/>
+            <a:ext cx="2281518" cy="672353"/>
+          </a:xfrm>
+          <a:prstGeom prst="rect">
+            <a:avLst/>
+          </a:prstGeom>
+        </p:spPr>
+        <p:style>
+          <a:lnRef idx="2">
+            <a:schemeClr val="accent1">
+              <a:shade val="50000"/>
+            </a:schemeClr>
+          </a:lnRef>
+          <a:fillRef idx="1">
+            <a:schemeClr val="accent1"/>
+          </a:fillRef>
+          <a:effectRef idx="0">
+            <a:schemeClr val="accent1"/>
+          </a:effectRef>
+          <a:fontRef idx="minor">
+            <a:schemeClr val="lt1"/>
+          </a:fontRef>
+        </p:style>
+        <p:txBody>
+          <a:bodyPr rtlCol="0" anchor="ctr"/>
+          <a:lstStyle/>
+          <a:p>
+            <a:pPr algn="ctr"/>
+            <a:r>
+              <a:rPr lang="zh-CN" altLang="en-US" dirty="0"/>
+              <a:t>预览关卡</a:t>
+            </a:r>
+            <a:endParaRPr lang="en-US" altLang="zh-CN" dirty="0"/>
+          </a:p>
+          <a:p>
+            <a:pPr algn="ctr"/>
+            <a:r>
+              <a:rPr lang="zh-CN" altLang="en-US" dirty="0"/>
+              <a:t>（请求关卡简略信息）</a:t>
+            </a:r>
+            <a:endParaRPr lang="en-US" altLang="zh-CN" dirty="0"/>
+          </a:p>
+        </p:txBody>
+      </p:sp>
+      <p:sp>
+        <p:nvSpPr>
+          <p:cNvPr id="4" name="矩形 3">
+            <a:extLst>
+              <a:ext uri="{FF2B5EF4-FFF2-40B4-BE49-F238E27FC236}">
+                <a16:creationId xmlns:a16="http://schemas.microsoft.com/office/drawing/2014/main" id="{0B40A8E9-C071-43EE-B411-AF1919C4BE14}"/>
+              </a:ext>
+            </a:extLst>
+          </p:cNvPr>
+          <p:cNvSpPr/>
+          <p:nvPr/>
+        </p:nvSpPr>
+        <p:spPr>
+          <a:xfrm>
+            <a:off x="2310424" y="3765177"/>
+            <a:ext cx="1990162" cy="672353"/>
+          </a:xfrm>
+          <a:prstGeom prst="rect">
+            <a:avLst/>
+          </a:prstGeom>
+        </p:spPr>
+        <p:style>
+          <a:lnRef idx="2">
+            <a:schemeClr val="accent1">
+              <a:shade val="50000"/>
+            </a:schemeClr>
+          </a:lnRef>
+          <a:fillRef idx="1">
+            <a:schemeClr val="accent1"/>
+          </a:fillRef>
+          <a:effectRef idx="0">
+            <a:schemeClr val="accent1"/>
+          </a:effectRef>
+          <a:fontRef idx="minor">
+            <a:schemeClr val="lt1"/>
+          </a:fontRef>
+        </p:style>
+        <p:txBody>
+          <a:bodyPr rtlCol="0" anchor="ctr"/>
+          <a:lstStyle/>
+          <a:p>
+            <a:pPr algn="ctr"/>
+            <a:r>
+              <a:rPr lang="zh-CN" altLang="en-US" dirty="0"/>
+              <a:t>开始战斗</a:t>
+            </a:r>
+            <a:endParaRPr lang="en-US" altLang="zh-CN" dirty="0"/>
+          </a:p>
+        </p:txBody>
+      </p:sp>
+      <p:cxnSp>
+        <p:nvCxnSpPr>
+          <p:cNvPr id="6" name="直接连接符 5">
+            <a:extLst>
+              <a:ext uri="{FF2B5EF4-FFF2-40B4-BE49-F238E27FC236}">
+                <a16:creationId xmlns:a16="http://schemas.microsoft.com/office/drawing/2014/main" id="{B2407F4D-DE9B-44C1-A253-E1A43C242B5B}"/>
+              </a:ext>
+            </a:extLst>
+          </p:cNvPr>
+          <p:cNvCxnSpPr/>
+          <p:nvPr/>
+        </p:nvCxnSpPr>
+        <p:spPr>
+          <a:xfrm>
+            <a:off x="0" y="3218329"/>
+            <a:ext cx="12192000" cy="0"/>
+          </a:xfrm>
+          <a:prstGeom prst="line">
+            <a:avLst/>
+          </a:prstGeom>
+        </p:spPr>
+        <p:style>
+          <a:lnRef idx="1">
+            <a:schemeClr val="accent1"/>
+          </a:lnRef>
+          <a:fillRef idx="0">
+            <a:schemeClr val="accent1"/>
+          </a:fillRef>
+          <a:effectRef idx="0">
+            <a:schemeClr val="accent1"/>
+          </a:effectRef>
+          <a:fontRef idx="minor">
+            <a:schemeClr val="tx1"/>
+          </a:fontRef>
+        </p:style>
+      </p:cxnSp>
+      <p:sp>
+        <p:nvSpPr>
+          <p:cNvPr id="7" name="文本框 6">
+            <a:extLst>
+              <a:ext uri="{FF2B5EF4-FFF2-40B4-BE49-F238E27FC236}">
+                <a16:creationId xmlns:a16="http://schemas.microsoft.com/office/drawing/2014/main" id="{D60828B7-62E1-4071-93BA-F83CC6856D99}"/>
+              </a:ext>
+            </a:extLst>
+          </p:cNvPr>
+          <p:cNvSpPr txBox="1"/>
+          <p:nvPr/>
+        </p:nvSpPr>
+        <p:spPr>
+          <a:xfrm>
+            <a:off x="152400" y="2904565"/>
+            <a:ext cx="1569660" cy="369332"/>
+          </a:xfrm>
+          <a:prstGeom prst="rect">
+            <a:avLst/>
+          </a:prstGeom>
+          <a:noFill/>
+        </p:spPr>
+        <p:txBody>
+          <a:bodyPr wrap="none" rtlCol="0">
+            <a:spAutoFit/>
+          </a:bodyPr>
+          <a:lstStyle/>
+          <a:p>
+            <a:r>
+              <a:rPr lang="zh-CN" altLang="en-US" dirty="0"/>
+              <a:t>与服务器交互</a:t>
+            </a:r>
+          </a:p>
+        </p:txBody>
+      </p:sp>
+      <p:sp>
+        <p:nvSpPr>
+          <p:cNvPr id="8" name="文本框 7">
+            <a:extLst>
+              <a:ext uri="{FF2B5EF4-FFF2-40B4-BE49-F238E27FC236}">
+                <a16:creationId xmlns:a16="http://schemas.microsoft.com/office/drawing/2014/main" id="{4A3B6B17-1F45-434D-88CF-3BBB8D26698D}"/>
+              </a:ext>
+            </a:extLst>
+          </p:cNvPr>
+          <p:cNvSpPr txBox="1"/>
+          <p:nvPr/>
+        </p:nvSpPr>
+        <p:spPr>
+          <a:xfrm>
+            <a:off x="152400" y="3273897"/>
+            <a:ext cx="2034531" cy="369332"/>
+          </a:xfrm>
+          <a:prstGeom prst="rect">
+            <a:avLst/>
+          </a:prstGeom>
+          <a:noFill/>
+        </p:spPr>
+        <p:txBody>
+          <a:bodyPr wrap="none" rtlCol="0">
+            <a:spAutoFit/>
+          </a:bodyPr>
+          <a:lstStyle/>
+          <a:p>
+            <a:r>
+              <a:rPr lang="zh-CN" altLang="en-US" dirty="0"/>
+              <a:t>无需与服务器交互</a:t>
+            </a:r>
+          </a:p>
+        </p:txBody>
+      </p:sp>
+      <p:sp>
+        <p:nvSpPr>
+          <p:cNvPr id="9" name="箭头: 右 8">
+            <a:extLst>
+              <a:ext uri="{FF2B5EF4-FFF2-40B4-BE49-F238E27FC236}">
+                <a16:creationId xmlns:a16="http://schemas.microsoft.com/office/drawing/2014/main" id="{26F319D2-1252-48A5-846D-CC325D042D46}"/>
+              </a:ext>
+            </a:extLst>
+          </p:cNvPr>
+          <p:cNvSpPr/>
+          <p:nvPr/>
+        </p:nvSpPr>
+        <p:spPr>
+          <a:xfrm>
+            <a:off x="152400" y="0"/>
+            <a:ext cx="12039600" cy="475097"/>
+          </a:xfrm>
+          <a:prstGeom prst="rightArrow">
+            <a:avLst/>
+          </a:prstGeom>
+        </p:spPr>
+        <p:style>
+          <a:lnRef idx="2">
+            <a:schemeClr val="accent1">
+              <a:shade val="50000"/>
+            </a:schemeClr>
+          </a:lnRef>
+          <a:fillRef idx="1">
+            <a:schemeClr val="accent1"/>
+          </a:fillRef>
+          <a:effectRef idx="0">
+            <a:schemeClr val="accent1"/>
+          </a:effectRef>
+          <a:fontRef idx="minor">
+            <a:schemeClr val="lt1"/>
+          </a:fontRef>
+        </p:style>
+        <p:txBody>
+          <a:bodyPr rtlCol="0" anchor="ctr"/>
+          <a:lstStyle/>
+          <a:p>
+            <a:pPr algn="ctr"/>
+            <a:r>
+              <a:rPr lang="en-US" altLang="zh-CN" dirty="0"/>
+              <a:t>time</a:t>
+            </a:r>
+            <a:endParaRPr lang="zh-CN" altLang="en-US" dirty="0"/>
+          </a:p>
+        </p:txBody>
+      </p:sp>
+      <p:sp>
+        <p:nvSpPr>
+          <p:cNvPr id="11" name="矩形 10">
+            <a:extLst>
+              <a:ext uri="{FF2B5EF4-FFF2-40B4-BE49-F238E27FC236}">
+                <a16:creationId xmlns:a16="http://schemas.microsoft.com/office/drawing/2014/main" id="{24144FF1-C9E8-4E18-8E5F-349A6FEC348B}"/>
+              </a:ext>
+            </a:extLst>
+          </p:cNvPr>
+          <p:cNvSpPr/>
+          <p:nvPr/>
+        </p:nvSpPr>
+        <p:spPr>
+          <a:xfrm>
+            <a:off x="5008800" y="3765177"/>
+            <a:ext cx="1990162" cy="672353"/>
+          </a:xfrm>
+          <a:prstGeom prst="rect">
+            <a:avLst/>
+          </a:prstGeom>
+        </p:spPr>
+        <p:style>
+          <a:lnRef idx="2">
+            <a:schemeClr val="accent1">
+              <a:shade val="50000"/>
+            </a:schemeClr>
+          </a:lnRef>
+          <a:fillRef idx="1">
+            <a:schemeClr val="accent1"/>
+          </a:fillRef>
+          <a:effectRef idx="0">
+            <a:schemeClr val="accent1"/>
+          </a:effectRef>
+          <a:fontRef idx="minor">
+            <a:schemeClr val="lt1"/>
+          </a:fontRef>
+        </p:style>
+        <p:txBody>
+          <a:bodyPr rtlCol="0" anchor="ctr"/>
+          <a:lstStyle/>
+          <a:p>
+            <a:pPr algn="ctr"/>
+            <a:r>
+              <a:rPr lang="zh-CN" altLang="en-US" dirty="0"/>
+              <a:t>结束战斗</a:t>
+            </a:r>
+            <a:endParaRPr lang="en-US" altLang="zh-CN" dirty="0"/>
+          </a:p>
+        </p:txBody>
+      </p:sp>
+      <p:sp>
+        <p:nvSpPr>
+          <p:cNvPr id="13" name="矩形 12">
+            <a:extLst>
+              <a:ext uri="{FF2B5EF4-FFF2-40B4-BE49-F238E27FC236}">
+                <a16:creationId xmlns:a16="http://schemas.microsoft.com/office/drawing/2014/main" id="{CD34DD5D-28EF-49B2-946F-6F7291AAA136}"/>
+              </a:ext>
+            </a:extLst>
+          </p:cNvPr>
+          <p:cNvSpPr/>
+          <p:nvPr/>
+        </p:nvSpPr>
+        <p:spPr>
+          <a:xfrm>
+            <a:off x="5008800" y="2008094"/>
+            <a:ext cx="1990162" cy="672353"/>
+          </a:xfrm>
+          <a:prstGeom prst="rect">
+            <a:avLst/>
+          </a:prstGeom>
+        </p:spPr>
+        <p:style>
+          <a:lnRef idx="2">
+            <a:schemeClr val="accent1">
+              <a:shade val="50000"/>
+            </a:schemeClr>
+          </a:lnRef>
+          <a:fillRef idx="1">
+            <a:schemeClr val="accent1"/>
+          </a:fillRef>
+          <a:effectRef idx="0">
+            <a:schemeClr val="accent1"/>
+          </a:effectRef>
+          <a:fontRef idx="minor">
+            <a:schemeClr val="lt1"/>
+          </a:fontRef>
+        </p:style>
+        <p:txBody>
+          <a:bodyPr rtlCol="0" anchor="ctr"/>
+          <a:lstStyle/>
+          <a:p>
+            <a:pPr algn="ctr"/>
+            <a:r>
+              <a:rPr lang="zh-CN" altLang="en-US" dirty="0"/>
+              <a:t>退出关卡</a:t>
+            </a:r>
+            <a:endParaRPr lang="en-US" altLang="zh-CN" dirty="0"/>
+          </a:p>
+          <a:p>
+            <a:pPr algn="ctr"/>
+            <a:r>
+              <a:rPr lang="zh-CN" altLang="en-US" dirty="0"/>
+              <a:t>（提交“看完了”）</a:t>
+            </a:r>
+            <a:endParaRPr lang="en-US" altLang="zh-CN" dirty="0"/>
+          </a:p>
+        </p:txBody>
+      </p:sp>
+      <p:sp>
+        <p:nvSpPr>
+          <p:cNvPr id="14" name="矩形 13">
+            <a:extLst>
+              <a:ext uri="{FF2B5EF4-FFF2-40B4-BE49-F238E27FC236}">
+                <a16:creationId xmlns:a16="http://schemas.microsoft.com/office/drawing/2014/main" id="{2A2ED466-EF41-476E-978C-8B5F0430BC3D}"/>
+              </a:ext>
+            </a:extLst>
+          </p:cNvPr>
+          <p:cNvSpPr/>
+          <p:nvPr/>
+        </p:nvSpPr>
+        <p:spPr>
+          <a:xfrm>
+            <a:off x="6998962" y="2008094"/>
+            <a:ext cx="1990162" cy="672353"/>
+          </a:xfrm>
+          <a:prstGeom prst="rect">
+            <a:avLst/>
+          </a:prstGeom>
+        </p:spPr>
+        <p:style>
+          <a:lnRef idx="2">
+            <a:schemeClr val="accent1">
+              <a:shade val="50000"/>
+            </a:schemeClr>
+          </a:lnRef>
+          <a:fillRef idx="1">
+            <a:schemeClr val="accent1"/>
+          </a:fillRef>
+          <a:effectRef idx="0">
+            <a:schemeClr val="accent1"/>
+          </a:effectRef>
+          <a:fontRef idx="minor">
+            <a:schemeClr val="lt1"/>
+          </a:fontRef>
+        </p:style>
+        <p:txBody>
+          <a:bodyPr rtlCol="0" anchor="ctr"/>
+          <a:lstStyle/>
+          <a:p>
+            <a:pPr algn="ctr"/>
+            <a:r>
+              <a:rPr lang="zh-CN" altLang="en-US" dirty="0"/>
+              <a:t>获取报酬</a:t>
+            </a:r>
+            <a:endParaRPr lang="en-US" altLang="zh-CN" dirty="0"/>
+          </a:p>
+          <a:p>
+            <a:pPr algn="ctr"/>
+            <a:r>
+              <a:rPr lang="zh-CN" altLang="en-US" dirty="0"/>
+              <a:t>（请求关卡报酬）</a:t>
+            </a:r>
+            <a:endParaRPr lang="en-US" altLang="zh-CN" dirty="0"/>
+          </a:p>
+        </p:txBody>
+      </p:sp>
+      <p:sp>
+        <p:nvSpPr>
+          <p:cNvPr id="15" name="箭头: 右 14">
+            <a:extLst>
+              <a:ext uri="{FF2B5EF4-FFF2-40B4-BE49-F238E27FC236}">
+                <a16:creationId xmlns:a16="http://schemas.microsoft.com/office/drawing/2014/main" id="{99AED6B4-4A4F-4CBB-92AD-C7C34602A709}"/>
+              </a:ext>
+            </a:extLst>
+          </p:cNvPr>
+          <p:cNvSpPr/>
+          <p:nvPr/>
+        </p:nvSpPr>
+        <p:spPr>
+          <a:xfrm>
+            <a:off x="4300586" y="3917585"/>
+            <a:ext cx="708214" cy="367536"/>
+          </a:xfrm>
+          <a:prstGeom prst="rightArrow">
+            <a:avLst/>
+          </a:prstGeom>
+        </p:spPr>
+        <p:style>
+          <a:lnRef idx="2">
+            <a:schemeClr val="accent1">
+              <a:shade val="50000"/>
+            </a:schemeClr>
+          </a:lnRef>
+          <a:fillRef idx="1">
+            <a:schemeClr val="accent1"/>
+          </a:fillRef>
+          <a:effectRef idx="0">
+            <a:schemeClr val="accent1"/>
+          </a:effectRef>
+          <a:fontRef idx="minor">
+            <a:schemeClr val="lt1"/>
+          </a:fontRef>
+        </p:style>
+        <p:txBody>
+          <a:bodyPr rtlCol="0" anchor="ctr"/>
+          <a:lstStyle/>
+          <a:p>
+            <a:pPr algn="ctr"/>
+            <a:endParaRPr lang="zh-CN" altLang="en-US"/>
+          </a:p>
+        </p:txBody>
+      </p:sp>
+      <p:sp>
+        <p:nvSpPr>
+          <p:cNvPr id="16" name="箭头: 下 15">
+            <a:extLst>
+              <a:ext uri="{FF2B5EF4-FFF2-40B4-BE49-F238E27FC236}">
+                <a16:creationId xmlns:a16="http://schemas.microsoft.com/office/drawing/2014/main" id="{5E697C5C-46BB-4278-9007-34A8D63DD078}"/>
+              </a:ext>
+            </a:extLst>
+          </p:cNvPr>
+          <p:cNvSpPr/>
+          <p:nvPr/>
+        </p:nvSpPr>
+        <p:spPr>
+          <a:xfrm>
+            <a:off x="3119718" y="2684930"/>
+            <a:ext cx="412376" cy="1084727"/>
+          </a:xfrm>
+          <a:prstGeom prst="downArrow">
+            <a:avLst/>
+          </a:prstGeom>
+        </p:spPr>
+        <p:style>
+          <a:lnRef idx="2">
+            <a:schemeClr val="accent1">
+              <a:shade val="50000"/>
+            </a:schemeClr>
+          </a:lnRef>
+          <a:fillRef idx="1">
+            <a:schemeClr val="accent1"/>
+          </a:fillRef>
+          <a:effectRef idx="0">
+            <a:schemeClr val="accent1"/>
+          </a:effectRef>
+          <a:fontRef idx="minor">
+            <a:schemeClr val="lt1"/>
+          </a:fontRef>
+        </p:style>
+        <p:txBody>
+          <a:bodyPr rtlCol="0" anchor="ctr"/>
+          <a:lstStyle/>
+          <a:p>
+            <a:pPr algn="ctr"/>
+            <a:endParaRPr lang="zh-CN" altLang="en-US"/>
+          </a:p>
+        </p:txBody>
+      </p:sp>
+      <p:sp>
+        <p:nvSpPr>
+          <p:cNvPr id="17" name="箭头: 下 16">
+            <a:extLst>
+              <a:ext uri="{FF2B5EF4-FFF2-40B4-BE49-F238E27FC236}">
+                <a16:creationId xmlns:a16="http://schemas.microsoft.com/office/drawing/2014/main" id="{EE472A15-5575-41FC-8646-FEF928CCF323}"/>
+              </a:ext>
+            </a:extLst>
+          </p:cNvPr>
+          <p:cNvSpPr/>
+          <p:nvPr/>
+        </p:nvSpPr>
+        <p:spPr>
+          <a:xfrm flipV="1">
+            <a:off x="5777292" y="2684930"/>
+            <a:ext cx="412376" cy="1084727"/>
+          </a:xfrm>
+          <a:prstGeom prst="downArrow">
+            <a:avLst/>
+          </a:prstGeom>
+        </p:spPr>
+        <p:style>
+          <a:lnRef idx="2">
+            <a:schemeClr val="accent1">
+              <a:shade val="50000"/>
+            </a:schemeClr>
+          </a:lnRef>
+          <a:fillRef idx="1">
+            <a:schemeClr val="accent1"/>
+          </a:fillRef>
+          <a:effectRef idx="0">
+            <a:schemeClr val="accent1"/>
+          </a:effectRef>
+          <a:fontRef idx="minor">
+            <a:schemeClr val="lt1"/>
+          </a:fontRef>
+        </p:style>
+        <p:txBody>
+          <a:bodyPr rtlCol="0" anchor="ctr"/>
+          <a:lstStyle/>
+          <a:p>
+            <a:pPr algn="ctr"/>
+            <a:endParaRPr lang="zh-CN" altLang="en-US"/>
+          </a:p>
+        </p:txBody>
+      </p:sp>
+      <p:sp>
+        <p:nvSpPr>
+          <p:cNvPr id="18" name="文本框 17">
+            <a:extLst>
+              <a:ext uri="{FF2B5EF4-FFF2-40B4-BE49-F238E27FC236}">
+                <a16:creationId xmlns:a16="http://schemas.microsoft.com/office/drawing/2014/main" id="{E48AC63B-7057-4180-889B-C706BE49BDC4}"/>
+              </a:ext>
+            </a:extLst>
+          </p:cNvPr>
+          <p:cNvSpPr txBox="1"/>
+          <p:nvPr/>
+        </p:nvSpPr>
+        <p:spPr>
+          <a:xfrm>
+            <a:off x="60708" y="1633375"/>
+            <a:ext cx="739305" cy="369332"/>
+          </a:xfrm>
+          <a:prstGeom prst="rect">
+            <a:avLst/>
+          </a:prstGeom>
+          <a:noFill/>
+        </p:spPr>
+        <p:txBody>
+          <a:bodyPr wrap="none" rtlCol="0">
+            <a:spAutoFit/>
+          </a:bodyPr>
+          <a:lstStyle/>
+          <a:p>
+            <a:r>
+              <a:rPr lang="en-US" altLang="zh-CN" dirty="0"/>
+              <a:t>case1</a:t>
+            </a:r>
+            <a:endParaRPr lang="zh-CN" altLang="en-US" dirty="0"/>
+          </a:p>
+        </p:txBody>
+      </p:sp>
+      <p:sp>
+        <p:nvSpPr>
+          <p:cNvPr id="19" name="文本框 18">
+            <a:extLst>
+              <a:ext uri="{FF2B5EF4-FFF2-40B4-BE49-F238E27FC236}">
+                <a16:creationId xmlns:a16="http://schemas.microsoft.com/office/drawing/2014/main" id="{636FB452-2908-4292-A01A-4194B63E18DA}"/>
+              </a:ext>
+            </a:extLst>
+          </p:cNvPr>
+          <p:cNvSpPr txBox="1"/>
+          <p:nvPr/>
+        </p:nvSpPr>
+        <p:spPr>
+          <a:xfrm>
+            <a:off x="60708" y="514549"/>
+            <a:ext cx="739305" cy="369332"/>
+          </a:xfrm>
+          <a:prstGeom prst="rect">
+            <a:avLst/>
+          </a:prstGeom>
+          <a:noFill/>
+        </p:spPr>
+        <p:txBody>
+          <a:bodyPr wrap="none" rtlCol="0">
+            <a:spAutoFit/>
+          </a:bodyPr>
+          <a:lstStyle/>
+          <a:p>
+            <a:r>
+              <a:rPr lang="en-US" altLang="zh-CN" dirty="0"/>
+              <a:t>case2</a:t>
+            </a:r>
+            <a:endParaRPr lang="zh-CN" altLang="en-US" dirty="0"/>
+          </a:p>
+        </p:txBody>
+      </p:sp>
+      <p:sp>
+        <p:nvSpPr>
+          <p:cNvPr id="20" name="矩形 19">
+            <a:extLst>
+              <a:ext uri="{FF2B5EF4-FFF2-40B4-BE49-F238E27FC236}">
+                <a16:creationId xmlns:a16="http://schemas.microsoft.com/office/drawing/2014/main" id="{7F2E6DED-C6CC-4D97-8D56-A985A5336FF8}"/>
+              </a:ext>
+            </a:extLst>
+          </p:cNvPr>
+          <p:cNvSpPr/>
+          <p:nvPr/>
+        </p:nvSpPr>
+        <p:spPr>
+          <a:xfrm>
+            <a:off x="2310424" y="838183"/>
+            <a:ext cx="1990162" cy="672353"/>
+          </a:xfrm>
+          <a:prstGeom prst="rect">
+            <a:avLst/>
+          </a:prstGeom>
+        </p:spPr>
+        <p:style>
+          <a:lnRef idx="2">
+            <a:schemeClr val="accent1">
+              <a:shade val="50000"/>
+            </a:schemeClr>
+          </a:lnRef>
+          <a:fillRef idx="1">
+            <a:schemeClr val="accent1"/>
+          </a:fillRef>
+          <a:effectRef idx="0">
+            <a:schemeClr val="accent1"/>
+          </a:effectRef>
+          <a:fontRef idx="minor">
+            <a:schemeClr val="lt1"/>
+          </a:fontRef>
+        </p:style>
+        <p:txBody>
+          <a:bodyPr rtlCol="0" anchor="ctr"/>
+          <a:lstStyle/>
+          <a:p>
+            <a:pPr algn="ctr"/>
+            <a:r>
+              <a:rPr lang="zh-CN" altLang="en-US" dirty="0"/>
+              <a:t>中途进入关卡</a:t>
+            </a:r>
+            <a:endParaRPr lang="en-US" altLang="zh-CN" dirty="0"/>
+          </a:p>
+          <a:p>
+            <a:pPr algn="ctr"/>
+            <a:r>
+              <a:rPr lang="zh-CN" altLang="en-US" dirty="0"/>
+              <a:t>（请求关卡进入）</a:t>
+            </a:r>
+            <a:endParaRPr lang="en-US" altLang="zh-CN" dirty="0"/>
+          </a:p>
+        </p:txBody>
+      </p:sp>
+      <p:sp>
+        <p:nvSpPr>
+          <p:cNvPr id="21" name="矩形 20">
+            <a:extLst>
+              <a:ext uri="{FF2B5EF4-FFF2-40B4-BE49-F238E27FC236}">
+                <a16:creationId xmlns:a16="http://schemas.microsoft.com/office/drawing/2014/main" id="{4B088ED7-F84E-4C7D-BA81-164B7A45B810}"/>
+              </a:ext>
+            </a:extLst>
+          </p:cNvPr>
+          <p:cNvSpPr/>
+          <p:nvPr/>
+        </p:nvSpPr>
+        <p:spPr>
+          <a:xfrm>
+            <a:off x="28906" y="838183"/>
+            <a:ext cx="2281518" cy="672353"/>
+          </a:xfrm>
+          <a:prstGeom prst="rect">
+            <a:avLst/>
+          </a:prstGeom>
+        </p:spPr>
+        <p:style>
+          <a:lnRef idx="2">
+            <a:schemeClr val="accent1">
+              <a:shade val="50000"/>
+            </a:schemeClr>
+          </a:lnRef>
+          <a:fillRef idx="1">
+            <a:schemeClr val="accent1"/>
+          </a:fillRef>
+          <a:effectRef idx="0">
+            <a:schemeClr val="accent1"/>
+          </a:effectRef>
+          <a:fontRef idx="minor">
+            <a:schemeClr val="lt1"/>
+          </a:fontRef>
+        </p:style>
+        <p:txBody>
+          <a:bodyPr rtlCol="0" anchor="ctr"/>
+          <a:lstStyle/>
+          <a:p>
+            <a:pPr algn="ctr"/>
+            <a:r>
+              <a:rPr lang="zh-CN" altLang="en-US" dirty="0"/>
+              <a:t>断网后重连</a:t>
+            </a:r>
+            <a:endParaRPr lang="en-US" altLang="zh-CN" dirty="0"/>
+          </a:p>
+          <a:p>
+            <a:pPr algn="ctr"/>
+            <a:r>
+              <a:rPr lang="zh-CN" altLang="en-US" dirty="0"/>
+              <a:t>（请求普通登录）</a:t>
+            </a:r>
+            <a:endParaRPr lang="en-US" altLang="zh-CN" dirty="0"/>
+          </a:p>
+        </p:txBody>
+      </p:sp>
+      <p:sp>
+        <p:nvSpPr>
+          <p:cNvPr id="22" name="文本框 21">
+            <a:extLst>
+              <a:ext uri="{FF2B5EF4-FFF2-40B4-BE49-F238E27FC236}">
+                <a16:creationId xmlns:a16="http://schemas.microsoft.com/office/drawing/2014/main" id="{B0003754-6566-4C52-B29A-E3B4CDDD4E51}"/>
+              </a:ext>
+            </a:extLst>
+          </p:cNvPr>
+          <p:cNvSpPr txBox="1"/>
+          <p:nvPr/>
+        </p:nvSpPr>
+        <p:spPr>
+          <a:xfrm>
+            <a:off x="6998962" y="420873"/>
+            <a:ext cx="3437159" cy="646331"/>
+          </a:xfrm>
+          <a:prstGeom prst="rect">
+            <a:avLst/>
+          </a:prstGeom>
+          <a:noFill/>
+        </p:spPr>
+        <p:txBody>
+          <a:bodyPr wrap="none" rtlCol="0">
+            <a:spAutoFit/>
+          </a:bodyPr>
+          <a:lstStyle/>
+          <a:p>
+            <a:r>
+              <a:rPr lang="zh-CN" altLang="en-US" dirty="0"/>
+              <a:t>第一行：处理逻辑名</a:t>
+            </a:r>
+            <a:endParaRPr lang="en-US" altLang="zh-CN" dirty="0"/>
+          </a:p>
+          <a:p>
+            <a:r>
+              <a:rPr lang="zh-CN" altLang="en-US" dirty="0"/>
+              <a:t>（第二行）：与后端进行的交互</a:t>
+            </a:r>
+          </a:p>
+        </p:txBody>
+      </p:sp>
+      <p:sp>
+        <p:nvSpPr>
+          <p:cNvPr id="25" name="矩形 24">
+            <a:extLst>
+              <a:ext uri="{FF2B5EF4-FFF2-40B4-BE49-F238E27FC236}">
+                <a16:creationId xmlns:a16="http://schemas.microsoft.com/office/drawing/2014/main" id="{72F3C53B-6184-46B5-A406-FC3AE7D787AF}"/>
+              </a:ext>
+            </a:extLst>
+          </p:cNvPr>
+          <p:cNvSpPr/>
+          <p:nvPr/>
+        </p:nvSpPr>
+        <p:spPr>
+          <a:xfrm>
+            <a:off x="250566" y="4601605"/>
+            <a:ext cx="3545974" cy="1030954"/>
+          </a:xfrm>
+          <a:prstGeom prst="rect">
+            <a:avLst/>
+          </a:prstGeom>
+          <a:solidFill>
+            <a:schemeClr val="bg1"/>
+          </a:solidFill>
+        </p:spPr>
+        <p:style>
+          <a:lnRef idx="2">
+            <a:schemeClr val="accent1">
+              <a:shade val="50000"/>
+            </a:schemeClr>
+          </a:lnRef>
+          <a:fillRef idx="1">
+            <a:schemeClr val="accent1"/>
+          </a:fillRef>
+          <a:effectRef idx="0">
+            <a:schemeClr val="accent1"/>
+          </a:effectRef>
+          <a:fontRef idx="minor">
+            <a:schemeClr val="lt1"/>
+          </a:fontRef>
+        </p:style>
+        <p:txBody>
+          <a:bodyPr rtlCol="0" anchor="t"/>
+          <a:lstStyle/>
+          <a:p>
+            <a:r>
+              <a:rPr lang="zh-CN" altLang="en-US" dirty="0">
+                <a:solidFill>
+                  <a:sysClr val="windowText" lastClr="000000"/>
+                </a:solidFill>
+              </a:rPr>
+              <a:t>关卡 表</a:t>
+            </a:r>
+            <a:r>
+              <a:rPr lang="en-US" altLang="zh-CN" dirty="0">
+                <a:solidFill>
+                  <a:sysClr val="windowText" lastClr="000000"/>
+                </a:solidFill>
+              </a:rPr>
+              <a:t>(stage)</a:t>
+            </a:r>
+          </a:p>
+          <a:p>
+            <a:r>
+              <a:rPr lang="zh-CN" altLang="en-US" dirty="0">
+                <a:solidFill>
+                  <a:sysClr val="windowText" lastClr="000000"/>
+                </a:solidFill>
+              </a:rPr>
+              <a:t>封面</a:t>
+            </a:r>
+            <a:r>
+              <a:rPr lang="en-US" altLang="zh-CN" dirty="0">
+                <a:solidFill>
+                  <a:sysClr val="windowText" lastClr="000000"/>
+                </a:solidFill>
+              </a:rPr>
+              <a:t>(cover)</a:t>
+            </a:r>
+          </a:p>
+          <a:p>
+            <a:r>
+              <a:rPr lang="zh-CN" altLang="en-US" dirty="0">
+                <a:solidFill>
+                  <a:sysClr val="windowText" lastClr="000000"/>
+                </a:solidFill>
+              </a:rPr>
+              <a:t>简述</a:t>
+            </a:r>
+            <a:r>
+              <a:rPr lang="en-US" altLang="zh-CN" dirty="0">
+                <a:solidFill>
+                  <a:sysClr val="windowText" lastClr="000000"/>
+                </a:solidFill>
+              </a:rPr>
+              <a:t>(description)</a:t>
+            </a:r>
+          </a:p>
+          <a:p>
+            <a:endParaRPr lang="zh-CN" altLang="en-US" dirty="0">
+              <a:solidFill>
+                <a:sysClr val="windowText" lastClr="000000"/>
+              </a:solidFill>
+            </a:endParaRPr>
+          </a:p>
+        </p:txBody>
+      </p:sp>
+      <p:sp>
+        <p:nvSpPr>
+          <p:cNvPr id="27" name="文本框 26">
+            <a:extLst>
+              <a:ext uri="{FF2B5EF4-FFF2-40B4-BE49-F238E27FC236}">
+                <a16:creationId xmlns:a16="http://schemas.microsoft.com/office/drawing/2014/main" id="{0DEE1A4A-40C9-4E54-8852-4396DCF996FE}"/>
+              </a:ext>
+            </a:extLst>
+          </p:cNvPr>
+          <p:cNvSpPr txBox="1"/>
+          <p:nvPr/>
+        </p:nvSpPr>
+        <p:spPr>
+          <a:xfrm>
+            <a:off x="4410635" y="4903692"/>
+            <a:ext cx="6750566" cy="646331"/>
+          </a:xfrm>
+          <a:prstGeom prst="rect">
+            <a:avLst/>
+          </a:prstGeom>
+          <a:noFill/>
+        </p:spPr>
+        <p:txBody>
+          <a:bodyPr wrap="none" rtlCol="0">
+            <a:spAutoFit/>
+          </a:bodyPr>
+          <a:lstStyle/>
+          <a:p>
+            <a:r>
+              <a:rPr lang="zh-CN" altLang="en-US" dirty="0"/>
+              <a:t>注释</a:t>
+            </a:r>
+            <a:r>
+              <a:rPr lang="en-US" altLang="zh-CN" dirty="0"/>
+              <a:t>1</a:t>
+            </a:r>
+            <a:r>
+              <a:rPr lang="zh-CN" altLang="en-US" dirty="0"/>
+              <a:t>：关卡按钮在世界地图内的布局属于</a:t>
+            </a:r>
+            <a:r>
+              <a:rPr lang="en-US" altLang="zh-CN" dirty="0"/>
+              <a:t>UI</a:t>
+            </a:r>
+            <a:r>
+              <a:rPr lang="zh-CN" altLang="en-US" dirty="0"/>
+              <a:t>布局，存储在客户端</a:t>
+            </a:r>
+            <a:endParaRPr lang="en-US" altLang="zh-CN" dirty="0"/>
+          </a:p>
+          <a:p>
+            <a:r>
+              <a:rPr lang="zh-CN" altLang="en-US" dirty="0"/>
+              <a:t>注释</a:t>
+            </a:r>
+            <a:r>
+              <a:rPr lang="en-US" altLang="zh-CN" dirty="0"/>
+              <a:t>2</a:t>
+            </a:r>
+            <a:r>
+              <a:rPr lang="zh-CN" altLang="en-US" dirty="0"/>
+              <a:t>：关卡的开放采取一条线形式</a:t>
+            </a:r>
+          </a:p>
+        </p:txBody>
+      </p:sp>
+      <p:sp>
+        <p:nvSpPr>
+          <p:cNvPr id="28" name="矩形 27">
+            <a:extLst>
+              <a:ext uri="{FF2B5EF4-FFF2-40B4-BE49-F238E27FC236}">
+                <a16:creationId xmlns:a16="http://schemas.microsoft.com/office/drawing/2014/main" id="{9A69D4C1-80CD-4559-BF01-C68A96C9108B}"/>
+              </a:ext>
+            </a:extLst>
+          </p:cNvPr>
+          <p:cNvSpPr/>
+          <p:nvPr/>
+        </p:nvSpPr>
+        <p:spPr>
+          <a:xfrm>
+            <a:off x="250566" y="5765238"/>
+            <a:ext cx="3545974" cy="1030954"/>
+          </a:xfrm>
+          <a:prstGeom prst="rect">
+            <a:avLst/>
+          </a:prstGeom>
+          <a:solidFill>
+            <a:schemeClr val="bg1"/>
+          </a:solidFill>
+        </p:spPr>
+        <p:style>
+          <a:lnRef idx="2">
+            <a:schemeClr val="accent1">
+              <a:shade val="50000"/>
+            </a:schemeClr>
+          </a:lnRef>
+          <a:fillRef idx="1">
+            <a:schemeClr val="accent1"/>
+          </a:fillRef>
+          <a:effectRef idx="0">
+            <a:schemeClr val="accent1"/>
+          </a:effectRef>
+          <a:fontRef idx="minor">
+            <a:schemeClr val="lt1"/>
+          </a:fontRef>
+        </p:style>
+        <p:txBody>
+          <a:bodyPr rtlCol="0" anchor="t"/>
+          <a:lstStyle/>
+          <a:p>
+            <a:r>
+              <a:rPr lang="zh-CN" altLang="en-US" dirty="0">
+                <a:solidFill>
+                  <a:sysClr val="windowText" lastClr="000000"/>
+                </a:solidFill>
+              </a:rPr>
+              <a:t>关卡战绩 表</a:t>
+            </a:r>
+            <a:r>
+              <a:rPr lang="en-US" altLang="zh-CN" dirty="0">
+                <a:solidFill>
+                  <a:sysClr val="windowText" lastClr="000000"/>
+                </a:solidFill>
+              </a:rPr>
+              <a:t>(</a:t>
+            </a:r>
+            <a:r>
+              <a:rPr lang="en-US" altLang="zh-CN" dirty="0" err="1">
+                <a:solidFill>
+                  <a:sysClr val="windowText" lastClr="000000"/>
+                </a:solidFill>
+              </a:rPr>
+              <a:t>stage_exploits</a:t>
+            </a:r>
+            <a:r>
+              <a:rPr lang="en-US" altLang="zh-CN" dirty="0">
+                <a:solidFill>
+                  <a:sysClr val="windowText" lastClr="000000"/>
+                </a:solidFill>
+              </a:rPr>
+              <a:t>)</a:t>
+            </a:r>
+          </a:p>
+          <a:p>
+            <a:r>
+              <a:rPr lang="zh-CN" altLang="en-US" dirty="0">
+                <a:solidFill>
+                  <a:sysClr val="windowText" lastClr="000000"/>
+                </a:solidFill>
+              </a:rPr>
+              <a:t>是否通关</a:t>
+            </a:r>
+            <a:r>
+              <a:rPr lang="en-US" altLang="zh-CN" dirty="0">
+                <a:solidFill>
+                  <a:sysClr val="windowText" lastClr="000000"/>
+                </a:solidFill>
+              </a:rPr>
+              <a:t>(</a:t>
+            </a:r>
+            <a:r>
+              <a:rPr lang="en-US" altLang="zh-CN" dirty="0" err="1">
+                <a:solidFill>
+                  <a:sysClr val="windowText" lastClr="000000"/>
+                </a:solidFill>
+              </a:rPr>
+              <a:t>isCleared</a:t>
+            </a:r>
+            <a:r>
+              <a:rPr lang="en-US" altLang="zh-CN" dirty="0">
+                <a:solidFill>
+                  <a:sysClr val="windowText" lastClr="000000"/>
+                </a:solidFill>
+              </a:rPr>
+              <a:t>)</a:t>
+            </a:r>
+          </a:p>
+          <a:p>
+            <a:r>
+              <a:rPr lang="zh-CN" altLang="en-US" dirty="0">
+                <a:solidFill>
+                  <a:sysClr val="windowText" lastClr="000000"/>
+                </a:solidFill>
+              </a:rPr>
+              <a:t>更多内容待定</a:t>
+            </a:r>
+            <a:r>
+              <a:rPr lang="en-US" altLang="zh-CN" dirty="0">
+                <a:solidFill>
+                  <a:sysClr val="windowText" lastClr="000000"/>
+                </a:solidFill>
+              </a:rPr>
+              <a:t>...</a:t>
+            </a:r>
+          </a:p>
+          <a:p>
+            <a:endParaRPr lang="zh-CN" altLang="en-US" dirty="0">
+              <a:solidFill>
+                <a:sysClr val="windowText" lastClr="000000"/>
+              </a:solidFill>
+            </a:endParaRPr>
+          </a:p>
+        </p:txBody>
+      </p:sp>
+      <p:sp>
+        <p:nvSpPr>
+          <p:cNvPr id="30" name="箭头: 左 29">
+            <a:extLst>
+              <a:ext uri="{FF2B5EF4-FFF2-40B4-BE49-F238E27FC236}">
+                <a16:creationId xmlns:a16="http://schemas.microsoft.com/office/drawing/2014/main" id="{CFF08E0B-FF50-4390-923F-BDDD8B2AE22A}"/>
+              </a:ext>
+            </a:extLst>
+          </p:cNvPr>
+          <p:cNvSpPr/>
+          <p:nvPr/>
+        </p:nvSpPr>
+        <p:spPr>
+          <a:xfrm>
+            <a:off x="3944681" y="5877686"/>
+            <a:ext cx="1304857" cy="646331"/>
+          </a:xfrm>
+          <a:prstGeom prst="leftArrow">
+            <a:avLst/>
+          </a:prstGeom>
+        </p:spPr>
+        <p:style>
+          <a:lnRef idx="2">
+            <a:schemeClr val="accent1">
+              <a:shade val="50000"/>
+            </a:schemeClr>
+          </a:lnRef>
+          <a:fillRef idx="1">
+            <a:schemeClr val="accent1"/>
+          </a:fillRef>
+          <a:effectRef idx="0">
+            <a:schemeClr val="accent1"/>
+          </a:effectRef>
+          <a:fontRef idx="minor">
+            <a:schemeClr val="lt1"/>
+          </a:fontRef>
+        </p:style>
+        <p:txBody>
+          <a:bodyPr rtlCol="0" anchor="ctr"/>
+          <a:lstStyle/>
+          <a:p>
+            <a:pPr algn="ctr"/>
+            <a:endParaRPr lang="zh-CN" altLang="en-US"/>
+          </a:p>
+        </p:txBody>
+      </p:sp>
+      <p:sp>
+        <p:nvSpPr>
+          <p:cNvPr id="31" name="文本框 30">
+            <a:extLst>
+              <a:ext uri="{FF2B5EF4-FFF2-40B4-BE49-F238E27FC236}">
+                <a16:creationId xmlns:a16="http://schemas.microsoft.com/office/drawing/2014/main" id="{A1FF9CB9-C885-4486-87E7-552D56543865}"/>
+              </a:ext>
+            </a:extLst>
+          </p:cNvPr>
+          <p:cNvSpPr txBox="1"/>
+          <p:nvPr/>
+        </p:nvSpPr>
+        <p:spPr>
+          <a:xfrm>
+            <a:off x="5266129" y="6016185"/>
+            <a:ext cx="1304857" cy="369332"/>
+          </a:xfrm>
+          <a:prstGeom prst="rect">
+            <a:avLst/>
+          </a:prstGeom>
+          <a:noFill/>
+        </p:spPr>
+        <p:txBody>
+          <a:bodyPr wrap="square" rtlCol="0">
+            <a:spAutoFit/>
+          </a:bodyPr>
+          <a:lstStyle/>
+          <a:p>
+            <a:r>
+              <a:rPr lang="zh-CN" altLang="en-US" dirty="0"/>
+              <a:t>以后再做</a:t>
+            </a:r>
+          </a:p>
+        </p:txBody>
+      </p:sp>
+    </p:spTree>
+    <p:extLst>
+      <p:ext uri="{BB962C8B-B14F-4D97-AF65-F5344CB8AC3E}">
+        <p14:creationId xmlns:p14="http://schemas.microsoft.com/office/powerpoint/2010/main" val="3206325673"/>
+      </p:ext>
+    </p:extLst>
+  </p:cSld>
+  <p:clrMapOvr>
+    <a:masterClrMapping/>
+  </p:clrMapOvr>
+</p:sld>
+</file>
+
+<file path=ppt/slides/slide21.xml><?xml version="1.0" encoding="utf-8"?>
+<p:sld xmlns:a="http://schemas.openxmlformats.org/drawingml/2006/main" xmlns:r="http://schemas.openxmlformats.org/officeDocument/2006/relationships" xmlns:p="http://schemas.openxmlformats.org/presentationml/2006/main">
+  <p:cSld>
+    <p:spTree>
+      <p:nvGrpSpPr>
+        <p:cNvPr id="1" name=""/>
+        <p:cNvGrpSpPr/>
+        <p:nvPr/>
+      </p:nvGrpSpPr>
+      <p:grpSpPr>
+        <a:xfrm>
+          <a:off x="0" y="0"/>
+          <a:ext cx="0" cy="0"/>
+          <a:chOff x="0" y="0"/>
+          <a:chExt cx="0" cy="0"/>
+        </a:xfrm>
+      </p:grpSpPr>
+      <p:sp>
+        <p:nvSpPr>
+          <p:cNvPr id="3" name="文本框 2">
+            <a:extLst>
+              <a:ext uri="{FF2B5EF4-FFF2-40B4-BE49-F238E27FC236}">
+                <a16:creationId xmlns:a16="http://schemas.microsoft.com/office/drawing/2014/main" id="{2243B238-8094-4B6F-ADAF-966446F4F7AA}"/>
+              </a:ext>
+            </a:extLst>
+          </p:cNvPr>
+          <p:cNvSpPr txBox="1"/>
+          <p:nvPr/>
+        </p:nvSpPr>
+        <p:spPr>
+          <a:xfrm>
+            <a:off x="179294" y="197224"/>
+            <a:ext cx="2723823" cy="369332"/>
+          </a:xfrm>
+          <a:prstGeom prst="rect">
+            <a:avLst/>
+          </a:prstGeom>
+          <a:noFill/>
+        </p:spPr>
+        <p:txBody>
+          <a:bodyPr wrap="none" rtlCol="0">
+            <a:spAutoFit/>
+          </a:bodyPr>
+          <a:lstStyle/>
+          <a:p>
+            <a:r>
+              <a:rPr lang="zh-CN" altLang="en-US" dirty="0"/>
+              <a:t>战斗执行过程（客户端）</a:t>
+            </a:r>
+            <a:endParaRPr lang="en-US" altLang="zh-CN" dirty="0"/>
+          </a:p>
+        </p:txBody>
+      </p:sp>
+      <p:sp>
+        <p:nvSpPr>
+          <p:cNvPr id="4" name="矩形 3">
+            <a:extLst>
+              <a:ext uri="{FF2B5EF4-FFF2-40B4-BE49-F238E27FC236}">
+                <a16:creationId xmlns:a16="http://schemas.microsoft.com/office/drawing/2014/main" id="{9D4BDE29-6C55-4EB7-873E-873E6FC1E84E}"/>
+              </a:ext>
+            </a:extLst>
+          </p:cNvPr>
+          <p:cNvSpPr/>
+          <p:nvPr/>
+        </p:nvSpPr>
+        <p:spPr>
+          <a:xfrm>
+            <a:off x="1169169" y="1887070"/>
+            <a:ext cx="627529" cy="627529"/>
+          </a:xfrm>
+          <a:prstGeom prst="rect">
+            <a:avLst/>
+          </a:prstGeom>
+        </p:spPr>
+        <p:style>
+          <a:lnRef idx="2">
+            <a:schemeClr val="accent1">
+              <a:shade val="50000"/>
+            </a:schemeClr>
+          </a:lnRef>
+          <a:fillRef idx="1">
+            <a:schemeClr val="accent1"/>
+          </a:fillRef>
+          <a:effectRef idx="0">
+            <a:schemeClr val="accent1"/>
+          </a:effectRef>
+          <a:fontRef idx="minor">
+            <a:schemeClr val="lt1"/>
+          </a:fontRef>
+        </p:style>
+        <p:txBody>
+          <a:bodyPr rtlCol="0" anchor="ctr"/>
+          <a:lstStyle/>
+          <a:p>
+            <a:pPr algn="ctr"/>
+            <a:endParaRPr lang="zh-CN" altLang="en-US"/>
+          </a:p>
+        </p:txBody>
+      </p:sp>
+      <p:sp>
+        <p:nvSpPr>
+          <p:cNvPr id="5" name="矩形 4">
+            <a:extLst>
+              <a:ext uri="{FF2B5EF4-FFF2-40B4-BE49-F238E27FC236}">
+                <a16:creationId xmlns:a16="http://schemas.microsoft.com/office/drawing/2014/main" id="{D8E2B749-F393-4532-9D2F-3019FDA721C6}"/>
+              </a:ext>
+            </a:extLst>
+          </p:cNvPr>
+          <p:cNvSpPr/>
+          <p:nvPr/>
+        </p:nvSpPr>
+        <p:spPr>
+          <a:xfrm>
+            <a:off x="1984957" y="1887069"/>
+            <a:ext cx="627529" cy="627529"/>
+          </a:xfrm>
+          <a:prstGeom prst="rect">
+            <a:avLst/>
+          </a:prstGeom>
+        </p:spPr>
+        <p:style>
+          <a:lnRef idx="2">
+            <a:schemeClr val="accent1">
+              <a:shade val="50000"/>
+            </a:schemeClr>
+          </a:lnRef>
+          <a:fillRef idx="1">
+            <a:schemeClr val="accent1"/>
+          </a:fillRef>
+          <a:effectRef idx="0">
+            <a:schemeClr val="accent1"/>
+          </a:effectRef>
+          <a:fontRef idx="minor">
+            <a:schemeClr val="lt1"/>
+          </a:fontRef>
+        </p:style>
+        <p:txBody>
+          <a:bodyPr rtlCol="0" anchor="ctr"/>
+          <a:lstStyle/>
+          <a:p>
+            <a:pPr algn="ctr"/>
+            <a:endParaRPr lang="zh-CN" altLang="en-US"/>
+          </a:p>
+        </p:txBody>
+      </p:sp>
+      <p:sp>
+        <p:nvSpPr>
+          <p:cNvPr id="6" name="矩形 5">
+            <a:extLst>
+              <a:ext uri="{FF2B5EF4-FFF2-40B4-BE49-F238E27FC236}">
+                <a16:creationId xmlns:a16="http://schemas.microsoft.com/office/drawing/2014/main" id="{A2355F2E-CDDC-412B-AFC5-4C58D5A9F4EC}"/>
+              </a:ext>
+            </a:extLst>
+          </p:cNvPr>
+          <p:cNvSpPr/>
+          <p:nvPr/>
+        </p:nvSpPr>
+        <p:spPr>
+          <a:xfrm>
+            <a:off x="2800745" y="1887068"/>
+            <a:ext cx="627529" cy="627529"/>
+          </a:xfrm>
+          <a:prstGeom prst="rect">
+            <a:avLst/>
+          </a:prstGeom>
+        </p:spPr>
+        <p:style>
+          <a:lnRef idx="2">
+            <a:schemeClr val="accent1">
+              <a:shade val="50000"/>
+            </a:schemeClr>
+          </a:lnRef>
+          <a:fillRef idx="1">
+            <a:schemeClr val="accent1"/>
+          </a:fillRef>
+          <a:effectRef idx="0">
+            <a:schemeClr val="accent1"/>
+          </a:effectRef>
+          <a:fontRef idx="minor">
+            <a:schemeClr val="lt1"/>
+          </a:fontRef>
+        </p:style>
+        <p:txBody>
+          <a:bodyPr rtlCol="0" anchor="ctr"/>
+          <a:lstStyle/>
+          <a:p>
+            <a:pPr algn="ctr"/>
+            <a:endParaRPr lang="zh-CN" altLang="en-US"/>
+          </a:p>
+        </p:txBody>
+      </p:sp>
+      <p:sp>
+        <p:nvSpPr>
+          <p:cNvPr id="7" name="箭头: 下 6">
+            <a:extLst>
+              <a:ext uri="{FF2B5EF4-FFF2-40B4-BE49-F238E27FC236}">
+                <a16:creationId xmlns:a16="http://schemas.microsoft.com/office/drawing/2014/main" id="{F4E6E64F-D977-4497-8B7F-556FB1C8402E}"/>
+              </a:ext>
+            </a:extLst>
+          </p:cNvPr>
+          <p:cNvSpPr/>
+          <p:nvPr/>
+        </p:nvSpPr>
+        <p:spPr>
+          <a:xfrm>
+            <a:off x="1984957" y="896470"/>
+            <a:ext cx="627529" cy="735105"/>
+          </a:xfrm>
+          <a:prstGeom prst="downArrow">
+            <a:avLst/>
+          </a:prstGeom>
+        </p:spPr>
+        <p:style>
+          <a:lnRef idx="2">
+            <a:schemeClr val="accent1">
+              <a:shade val="50000"/>
+            </a:schemeClr>
+          </a:lnRef>
+          <a:fillRef idx="1">
+            <a:schemeClr val="accent1"/>
+          </a:fillRef>
+          <a:effectRef idx="0">
+            <a:schemeClr val="accent1"/>
+          </a:effectRef>
+          <a:fontRef idx="minor">
+            <a:schemeClr val="lt1"/>
+          </a:fontRef>
+        </p:style>
+        <p:txBody>
+          <a:bodyPr rtlCol="0" anchor="ctr"/>
+          <a:lstStyle/>
+          <a:p>
+            <a:pPr algn="ctr"/>
+            <a:endParaRPr lang="zh-CN" altLang="en-US"/>
+          </a:p>
+        </p:txBody>
+      </p:sp>
+      <p:sp>
+        <p:nvSpPr>
+          <p:cNvPr id="8" name="文本框 7">
+            <a:extLst>
+              <a:ext uri="{FF2B5EF4-FFF2-40B4-BE49-F238E27FC236}">
+                <a16:creationId xmlns:a16="http://schemas.microsoft.com/office/drawing/2014/main" id="{E5C441E6-70B4-4B86-A3C3-FD9C14508759}"/>
+              </a:ext>
+            </a:extLst>
+          </p:cNvPr>
+          <p:cNvSpPr txBox="1"/>
+          <p:nvPr/>
+        </p:nvSpPr>
+        <p:spPr>
+          <a:xfrm>
+            <a:off x="380275" y="2724396"/>
+            <a:ext cx="4331400" cy="646331"/>
+          </a:xfrm>
+          <a:prstGeom prst="rect">
+            <a:avLst/>
+          </a:prstGeom>
+          <a:noFill/>
+        </p:spPr>
+        <p:txBody>
+          <a:bodyPr wrap="square" rtlCol="0">
+            <a:spAutoFit/>
+          </a:bodyPr>
+          <a:lstStyle/>
+          <a:p>
+            <a:r>
+              <a:rPr lang="zh-CN" altLang="en-US" dirty="0"/>
+              <a:t>获取敌人单位信息</a:t>
+            </a:r>
+            <a:endParaRPr lang="en-US" altLang="zh-CN" dirty="0"/>
+          </a:p>
+          <a:p>
+            <a:r>
+              <a:rPr lang="zh-CN" altLang="en-US" dirty="0"/>
+              <a:t>获取友方单位（自己部署的卡片）信息</a:t>
+            </a:r>
+          </a:p>
+        </p:txBody>
+      </p:sp>
+      <p:grpSp>
+        <p:nvGrpSpPr>
+          <p:cNvPr id="12" name="组合 11">
+            <a:extLst>
+              <a:ext uri="{FF2B5EF4-FFF2-40B4-BE49-F238E27FC236}">
+                <a16:creationId xmlns:a16="http://schemas.microsoft.com/office/drawing/2014/main" id="{A2A8EE80-75E6-4255-9164-B718DFA5CCB5}"/>
+              </a:ext>
+            </a:extLst>
+          </p:cNvPr>
+          <p:cNvGrpSpPr/>
+          <p:nvPr/>
+        </p:nvGrpSpPr>
+        <p:grpSpPr>
+          <a:xfrm rot="18769220">
+            <a:off x="5396752" y="1336141"/>
+            <a:ext cx="1398494" cy="457196"/>
+            <a:chOff x="6293224" y="1721227"/>
+            <a:chExt cx="1398494" cy="457196"/>
+          </a:xfrm>
+        </p:grpSpPr>
+        <p:sp>
+          <p:nvSpPr>
+            <p:cNvPr id="10" name="矩形 9">
+              <a:extLst>
+                <a:ext uri="{FF2B5EF4-FFF2-40B4-BE49-F238E27FC236}">
+                  <a16:creationId xmlns:a16="http://schemas.microsoft.com/office/drawing/2014/main" id="{19B9E83D-C0D9-4BF5-A016-8A4CF60A1FFC}"/>
+                </a:ext>
+              </a:extLst>
+            </p:cNvPr>
+            <p:cNvSpPr/>
+            <p:nvPr/>
+          </p:nvSpPr>
+          <p:spPr>
+            <a:xfrm>
+              <a:off x="6293224" y="1918447"/>
+              <a:ext cx="1398494" cy="62753"/>
+            </a:xfrm>
+            <a:prstGeom prst="rect">
+              <a:avLst/>
+            </a:prstGeom>
+          </p:spPr>
+          <p:style>
+            <a:lnRef idx="2">
+              <a:schemeClr val="accent1">
+                <a:shade val="50000"/>
+              </a:schemeClr>
+            </a:lnRef>
+            <a:fillRef idx="1">
+              <a:schemeClr val="accent1"/>
+            </a:fillRef>
+            <a:effectRef idx="0">
+              <a:schemeClr val="accent1"/>
+            </a:effectRef>
+            <a:fontRef idx="minor">
+              <a:schemeClr val="lt1"/>
+            </a:fontRef>
+          </p:style>
+          <p:txBody>
+            <a:bodyPr rtlCol="0" anchor="ctr"/>
+            <a:lstStyle/>
+            <a:p>
+              <a:pPr algn="ctr"/>
+              <a:endParaRPr lang="zh-CN" altLang="en-US"/>
+            </a:p>
+          </p:txBody>
+        </p:sp>
+        <p:sp>
+          <p:nvSpPr>
+            <p:cNvPr id="11" name="矩形 10">
+              <a:extLst>
+                <a:ext uri="{FF2B5EF4-FFF2-40B4-BE49-F238E27FC236}">
+                  <a16:creationId xmlns:a16="http://schemas.microsoft.com/office/drawing/2014/main" id="{390F7456-31B8-4A82-9EDF-7E03E418279E}"/>
+                </a:ext>
+              </a:extLst>
+            </p:cNvPr>
+            <p:cNvSpPr/>
+            <p:nvPr/>
+          </p:nvSpPr>
+          <p:spPr>
+            <a:xfrm rot="5400000">
+              <a:off x="6326843" y="1911725"/>
+              <a:ext cx="457196" cy="76200"/>
+            </a:xfrm>
+            <a:prstGeom prst="rect">
+              <a:avLst/>
+            </a:prstGeom>
+          </p:spPr>
+          <p:style>
+            <a:lnRef idx="2">
+              <a:schemeClr val="accent1">
+                <a:shade val="50000"/>
+              </a:schemeClr>
+            </a:lnRef>
+            <a:fillRef idx="1">
+              <a:schemeClr val="accent1"/>
+            </a:fillRef>
+            <a:effectRef idx="0">
+              <a:schemeClr val="accent1"/>
+            </a:effectRef>
+            <a:fontRef idx="minor">
+              <a:schemeClr val="lt1"/>
+            </a:fontRef>
+          </p:style>
+          <p:txBody>
+            <a:bodyPr rtlCol="0" anchor="ctr"/>
+            <a:lstStyle/>
+            <a:p>
+              <a:pPr algn="ctr"/>
+              <a:endParaRPr lang="zh-CN" altLang="en-US"/>
+            </a:p>
+          </p:txBody>
+        </p:sp>
+      </p:grpSp>
+      <p:grpSp>
+        <p:nvGrpSpPr>
+          <p:cNvPr id="13" name="组合 12">
+            <a:extLst>
+              <a:ext uri="{FF2B5EF4-FFF2-40B4-BE49-F238E27FC236}">
+                <a16:creationId xmlns:a16="http://schemas.microsoft.com/office/drawing/2014/main" id="{45B2AC5B-3A25-4254-B66B-8D5482324ECF}"/>
+              </a:ext>
+            </a:extLst>
+          </p:cNvPr>
+          <p:cNvGrpSpPr/>
+          <p:nvPr/>
+        </p:nvGrpSpPr>
+        <p:grpSpPr>
+          <a:xfrm rot="2830780" flipH="1">
+            <a:off x="5552978" y="1336141"/>
+            <a:ext cx="1398494" cy="457196"/>
+            <a:chOff x="6293224" y="1721227"/>
+            <a:chExt cx="1398494" cy="457196"/>
+          </a:xfrm>
+        </p:grpSpPr>
+        <p:sp>
+          <p:nvSpPr>
+            <p:cNvPr id="14" name="矩形 13">
+              <a:extLst>
+                <a:ext uri="{FF2B5EF4-FFF2-40B4-BE49-F238E27FC236}">
+                  <a16:creationId xmlns:a16="http://schemas.microsoft.com/office/drawing/2014/main" id="{9B8CEDFE-D112-4B42-8DE5-EC84B4E14A5C}"/>
+                </a:ext>
+              </a:extLst>
+            </p:cNvPr>
+            <p:cNvSpPr/>
+            <p:nvPr/>
+          </p:nvSpPr>
+          <p:spPr>
+            <a:xfrm>
+              <a:off x="6293224" y="1918447"/>
+              <a:ext cx="1398494" cy="62753"/>
+            </a:xfrm>
+            <a:prstGeom prst="rect">
+              <a:avLst/>
+            </a:prstGeom>
+          </p:spPr>
+          <p:style>
+            <a:lnRef idx="2">
+              <a:schemeClr val="accent1">
+                <a:shade val="50000"/>
+              </a:schemeClr>
+            </a:lnRef>
+            <a:fillRef idx="1">
+              <a:schemeClr val="accent1"/>
+            </a:fillRef>
+            <a:effectRef idx="0">
+              <a:schemeClr val="accent1"/>
+            </a:effectRef>
+            <a:fontRef idx="minor">
+              <a:schemeClr val="lt1"/>
+            </a:fontRef>
+          </p:style>
+          <p:txBody>
+            <a:bodyPr rtlCol="0" anchor="ctr"/>
+            <a:lstStyle/>
+            <a:p>
+              <a:pPr algn="ctr"/>
+              <a:endParaRPr lang="zh-CN" altLang="en-US"/>
+            </a:p>
+          </p:txBody>
+        </p:sp>
+        <p:sp>
+          <p:nvSpPr>
+            <p:cNvPr id="15" name="矩形 14">
+              <a:extLst>
+                <a:ext uri="{FF2B5EF4-FFF2-40B4-BE49-F238E27FC236}">
+                  <a16:creationId xmlns:a16="http://schemas.microsoft.com/office/drawing/2014/main" id="{2A1146E8-9A61-4EA7-927B-679A3242CDB8}"/>
+                </a:ext>
+              </a:extLst>
+            </p:cNvPr>
+            <p:cNvSpPr/>
+            <p:nvPr/>
+          </p:nvSpPr>
+          <p:spPr>
+            <a:xfrm rot="5400000">
+              <a:off x="6326843" y="1911725"/>
+              <a:ext cx="457196" cy="76200"/>
+            </a:xfrm>
+            <a:prstGeom prst="rect">
+              <a:avLst/>
+            </a:prstGeom>
+          </p:spPr>
+          <p:style>
+            <a:lnRef idx="2">
+              <a:schemeClr val="accent1">
+                <a:shade val="50000"/>
+              </a:schemeClr>
+            </a:lnRef>
+            <a:fillRef idx="1">
+              <a:schemeClr val="accent1"/>
+            </a:fillRef>
+            <a:effectRef idx="0">
+              <a:schemeClr val="accent1"/>
+            </a:effectRef>
+            <a:fontRef idx="minor">
+              <a:schemeClr val="lt1"/>
+            </a:fontRef>
+          </p:style>
+          <p:txBody>
+            <a:bodyPr rtlCol="0" anchor="ctr"/>
+            <a:lstStyle/>
+            <a:p>
+              <a:pPr algn="ctr"/>
+              <a:endParaRPr lang="zh-CN" altLang="en-US"/>
+            </a:p>
+          </p:txBody>
+        </p:sp>
+      </p:grpSp>
+      <p:sp>
+        <p:nvSpPr>
+          <p:cNvPr id="16" name="文本框 15">
+            <a:extLst>
+              <a:ext uri="{FF2B5EF4-FFF2-40B4-BE49-F238E27FC236}">
+                <a16:creationId xmlns:a16="http://schemas.microsoft.com/office/drawing/2014/main" id="{7F046A92-54FD-4B7A-B772-C5A128B6E238}"/>
+              </a:ext>
+            </a:extLst>
+          </p:cNvPr>
+          <p:cNvSpPr txBox="1"/>
+          <p:nvPr/>
+        </p:nvSpPr>
+        <p:spPr>
+          <a:xfrm>
+            <a:off x="4854114" y="2724396"/>
+            <a:ext cx="3003180" cy="1200329"/>
+          </a:xfrm>
+          <a:prstGeom prst="rect">
+            <a:avLst/>
+          </a:prstGeom>
+          <a:noFill/>
+        </p:spPr>
+        <p:txBody>
+          <a:bodyPr wrap="square" rtlCol="0">
+            <a:spAutoFit/>
+          </a:bodyPr>
+          <a:lstStyle/>
+          <a:p>
+            <a:r>
+              <a:rPr lang="zh-CN" altLang="en-US" dirty="0"/>
+              <a:t>运行战斗过程</a:t>
+            </a:r>
+            <a:endParaRPr lang="en-US" altLang="zh-CN" dirty="0"/>
+          </a:p>
+          <a:p>
+            <a:r>
+              <a:rPr lang="zh-CN" altLang="en-US" dirty="0"/>
+              <a:t>服务器也同时进行运算，</a:t>
+            </a:r>
+            <a:endParaRPr lang="en-US" altLang="zh-CN" dirty="0"/>
+          </a:p>
+          <a:p>
+            <a:r>
+              <a:rPr lang="zh-CN" altLang="en-US" dirty="0"/>
+              <a:t>如果是高峰期可以延迟这个处理</a:t>
+            </a:r>
+          </a:p>
+        </p:txBody>
+      </p:sp>
+      <p:sp>
+        <p:nvSpPr>
+          <p:cNvPr id="17" name="箭头: 下 16">
+            <a:extLst>
+              <a:ext uri="{FF2B5EF4-FFF2-40B4-BE49-F238E27FC236}">
+                <a16:creationId xmlns:a16="http://schemas.microsoft.com/office/drawing/2014/main" id="{99EF3018-1345-4724-957E-8CC9A81EFF72}"/>
+              </a:ext>
+            </a:extLst>
+          </p:cNvPr>
+          <p:cNvSpPr/>
+          <p:nvPr/>
+        </p:nvSpPr>
+        <p:spPr>
+          <a:xfrm rot="10800000">
+            <a:off x="9767769" y="1517743"/>
+            <a:ext cx="627529" cy="735105"/>
+          </a:xfrm>
+          <a:prstGeom prst="downArrow">
+            <a:avLst/>
+          </a:prstGeom>
+        </p:spPr>
+        <p:style>
+          <a:lnRef idx="2">
+            <a:schemeClr val="accent1">
+              <a:shade val="50000"/>
+            </a:schemeClr>
+          </a:lnRef>
+          <a:fillRef idx="1">
+            <a:schemeClr val="accent1"/>
+          </a:fillRef>
+          <a:effectRef idx="0">
+            <a:schemeClr val="accent1"/>
+          </a:effectRef>
+          <a:fontRef idx="minor">
+            <a:schemeClr val="lt1"/>
+          </a:fontRef>
+        </p:style>
+        <p:txBody>
+          <a:bodyPr rtlCol="0" anchor="ctr"/>
+          <a:lstStyle/>
+          <a:p>
+            <a:pPr algn="ctr"/>
+            <a:endParaRPr lang="zh-CN" altLang="en-US"/>
+          </a:p>
+        </p:txBody>
+      </p:sp>
+      <p:sp>
+        <p:nvSpPr>
+          <p:cNvPr id="18" name="文本框 17">
+            <a:extLst>
+              <a:ext uri="{FF2B5EF4-FFF2-40B4-BE49-F238E27FC236}">
+                <a16:creationId xmlns:a16="http://schemas.microsoft.com/office/drawing/2014/main" id="{2BB8892E-61A4-4180-86FD-B73850A65665}"/>
+              </a:ext>
+            </a:extLst>
+          </p:cNvPr>
+          <p:cNvSpPr txBox="1"/>
+          <p:nvPr/>
+        </p:nvSpPr>
+        <p:spPr>
+          <a:xfrm>
+            <a:off x="8579943" y="2678229"/>
+            <a:ext cx="3003180" cy="369332"/>
+          </a:xfrm>
+          <a:prstGeom prst="rect">
+            <a:avLst/>
+          </a:prstGeom>
+          <a:noFill/>
+        </p:spPr>
+        <p:txBody>
+          <a:bodyPr wrap="square" rtlCol="0">
+            <a:spAutoFit/>
+          </a:bodyPr>
+          <a:lstStyle/>
+          <a:p>
+            <a:r>
+              <a:rPr lang="zh-CN" altLang="en-US" dirty="0"/>
+              <a:t>发送结果</a:t>
+            </a:r>
+          </a:p>
+        </p:txBody>
+      </p:sp>
+      <p:sp>
+        <p:nvSpPr>
+          <p:cNvPr id="19" name="文本框 18">
+            <a:extLst>
+              <a:ext uri="{FF2B5EF4-FFF2-40B4-BE49-F238E27FC236}">
+                <a16:creationId xmlns:a16="http://schemas.microsoft.com/office/drawing/2014/main" id="{4A13D336-B3A6-44BF-9897-352FC2CC1FC4}"/>
+              </a:ext>
+            </a:extLst>
+          </p:cNvPr>
+          <p:cNvSpPr txBox="1"/>
+          <p:nvPr/>
+        </p:nvSpPr>
+        <p:spPr>
+          <a:xfrm>
+            <a:off x="699247" y="4527176"/>
+            <a:ext cx="184731" cy="369332"/>
+          </a:xfrm>
+          <a:prstGeom prst="rect">
+            <a:avLst/>
+          </a:prstGeom>
+          <a:noFill/>
+        </p:spPr>
+        <p:txBody>
+          <a:bodyPr wrap="none" rtlCol="0">
+            <a:spAutoFit/>
+          </a:bodyPr>
+          <a:lstStyle/>
+          <a:p>
+            <a:endParaRPr lang="zh-CN" altLang="en-US" dirty="0"/>
+          </a:p>
+        </p:txBody>
+      </p:sp>
+    </p:spTree>
+    <p:extLst>
+      <p:ext uri="{BB962C8B-B14F-4D97-AF65-F5344CB8AC3E}">
+        <p14:creationId xmlns:p14="http://schemas.microsoft.com/office/powerpoint/2010/main" val="1464513033"/>
+      </p:ext>
+    </p:extLst>
   </p:cSld>
   <p:clrMapOvr>
     <a:masterClrMapping/>

--- a/plan/抽卡手游.pptx
+++ b/plan/抽卡手游.pptx
@@ -5,7 +5,7 @@
     <p:sldMasterId id="2147483648" r:id="rId1"/>
   </p:sldMasterIdLst>
   <p:notesMasterIdLst>
-    <p:notesMasterId r:id="rId23"/>
+    <p:notesMasterId r:id="rId28"/>
   </p:notesMasterIdLst>
   <p:sldIdLst>
     <p:sldId id="256" r:id="rId2"/>
@@ -29,6 +29,11 @@
     <p:sldId id="1325" r:id="rId20"/>
     <p:sldId id="1324" r:id="rId21"/>
     <p:sldId id="1326" r:id="rId22"/>
+    <p:sldId id="1329" r:id="rId23"/>
+    <p:sldId id="1331" r:id="rId24"/>
+    <p:sldId id="1330" r:id="rId25"/>
+    <p:sldId id="1328" r:id="rId26"/>
+    <p:sldId id="1332" r:id="rId27"/>
   </p:sldIdLst>
   <p:sldSz cx="12192000" cy="6858000"/>
   <p:notesSz cx="6858000" cy="9144000"/>
@@ -217,7 +222,7 @@
           <a:p>
             <a:fld id="{D2A48B96-639E-45A3-A0BA-2464DFDB1FAA}" type="datetimeFigureOut">
               <a:rPr lang="zh-CN" altLang="en-US" smtClean="0"/>
-              <a:t>2020/7/8</a:t>
+              <a:t>2020/7/10</a:t>
             </a:fld>
             <a:endParaRPr lang="zh-CN" altLang="en-US"/>
           </a:p>
@@ -664,7 +669,7 @@
           <a:p>
             <a:fld id="{5AD20816-3703-4B36-A03B-6CEA84674823}" type="datetimeFigureOut">
               <a:rPr lang="zh-CN" altLang="en-US" smtClean="0"/>
-              <a:t>2020/7/8</a:t>
+              <a:t>2020/7/10</a:t>
             </a:fld>
             <a:endParaRPr lang="zh-CN" altLang="en-US"/>
           </a:p>
@@ -827,7 +832,7 @@
           <a:p>
             <a:fld id="{5AD20816-3703-4B36-A03B-6CEA84674823}" type="datetimeFigureOut">
               <a:rPr lang="zh-CN" altLang="en-US" smtClean="0"/>
-              <a:t>2020/7/8</a:t>
+              <a:t>2020/7/10</a:t>
             </a:fld>
             <a:endParaRPr lang="zh-CN" altLang="en-US"/>
           </a:p>
@@ -1000,7 +1005,7 @@
           <a:p>
             <a:fld id="{5AD20816-3703-4B36-A03B-6CEA84674823}" type="datetimeFigureOut">
               <a:rPr lang="zh-CN" altLang="en-US" smtClean="0"/>
-              <a:t>2020/7/8</a:t>
+              <a:t>2020/7/10</a:t>
             </a:fld>
             <a:endParaRPr lang="zh-CN" altLang="en-US"/>
           </a:p>
@@ -1163,7 +1168,7 @@
           <a:p>
             <a:fld id="{5AD20816-3703-4B36-A03B-6CEA84674823}" type="datetimeFigureOut">
               <a:rPr lang="zh-CN" altLang="en-US" smtClean="0"/>
-              <a:t>2020/7/8</a:t>
+              <a:t>2020/7/10</a:t>
             </a:fld>
             <a:endParaRPr lang="zh-CN" altLang="en-US"/>
           </a:p>
@@ -1403,7 +1408,7 @@
           <a:p>
             <a:fld id="{5AD20816-3703-4B36-A03B-6CEA84674823}" type="datetimeFigureOut">
               <a:rPr lang="zh-CN" altLang="en-US" smtClean="0"/>
-              <a:t>2020/7/8</a:t>
+              <a:t>2020/7/10</a:t>
             </a:fld>
             <a:endParaRPr lang="zh-CN" altLang="en-US"/>
           </a:p>
@@ -1627,7 +1632,7 @@
           <a:p>
             <a:fld id="{5AD20816-3703-4B36-A03B-6CEA84674823}" type="datetimeFigureOut">
               <a:rPr lang="zh-CN" altLang="en-US" smtClean="0"/>
-              <a:t>2020/7/8</a:t>
+              <a:t>2020/7/10</a:t>
             </a:fld>
             <a:endParaRPr lang="zh-CN" altLang="en-US"/>
           </a:p>
@@ -1986,7 +1991,7 @@
           <a:p>
             <a:fld id="{5AD20816-3703-4B36-A03B-6CEA84674823}" type="datetimeFigureOut">
               <a:rPr lang="zh-CN" altLang="en-US" smtClean="0"/>
-              <a:t>2020/7/8</a:t>
+              <a:t>2020/7/10</a:t>
             </a:fld>
             <a:endParaRPr lang="zh-CN" altLang="en-US"/>
           </a:p>
@@ -2098,7 +2103,7 @@
           <a:p>
             <a:fld id="{5AD20816-3703-4B36-A03B-6CEA84674823}" type="datetimeFigureOut">
               <a:rPr lang="zh-CN" altLang="en-US" smtClean="0"/>
-              <a:t>2020/7/8</a:t>
+              <a:t>2020/7/10</a:t>
             </a:fld>
             <a:endParaRPr lang="zh-CN" altLang="en-US"/>
           </a:p>
@@ -2188,7 +2193,7 @@
           <a:p>
             <a:fld id="{5AD20816-3703-4B36-A03B-6CEA84674823}" type="datetimeFigureOut">
               <a:rPr lang="zh-CN" altLang="en-US" smtClean="0"/>
-              <a:t>2020/7/8</a:t>
+              <a:t>2020/7/10</a:t>
             </a:fld>
             <a:endParaRPr lang="zh-CN" altLang="en-US"/>
           </a:p>
@@ -2458,7 +2463,7 @@
           <a:p>
             <a:fld id="{5AD20816-3703-4B36-A03B-6CEA84674823}" type="datetimeFigureOut">
               <a:rPr lang="zh-CN" altLang="en-US" smtClean="0"/>
-              <a:t>2020/7/8</a:t>
+              <a:t>2020/7/10</a:t>
             </a:fld>
             <a:endParaRPr lang="zh-CN" altLang="en-US"/>
           </a:p>
@@ -2705,7 +2710,7 @@
           <a:p>
             <a:fld id="{5AD20816-3703-4B36-A03B-6CEA84674823}" type="datetimeFigureOut">
               <a:rPr lang="zh-CN" altLang="en-US" smtClean="0"/>
-              <a:t>2020/7/8</a:t>
+              <a:t>2020/7/10</a:t>
             </a:fld>
             <a:endParaRPr lang="zh-CN" altLang="en-US"/>
           </a:p>
@@ -2911,7 +2916,7 @@
           <a:p>
             <a:fld id="{5AD20816-3703-4B36-A03B-6CEA84674823}" type="datetimeFigureOut">
               <a:rPr lang="zh-CN" altLang="en-US" smtClean="0"/>
-              <a:t>2020/7/8</a:t>
+              <a:t>2020/7/10</a:t>
             </a:fld>
             <a:endParaRPr lang="zh-CN" altLang="en-US"/>
           </a:p>
@@ -6235,7 +6240,7 @@
         </p:nvSpPr>
         <p:spPr>
           <a:xfrm>
-            <a:off x="5088302" y="2964097"/>
+            <a:off x="5177745" y="2995660"/>
             <a:ext cx="2170188" cy="810044"/>
           </a:xfrm>
           <a:prstGeom prst="rect">
@@ -7309,7 +7314,7 @@
         <p:spPr>
           <a:xfrm>
             <a:off x="2019946" y="3926034"/>
-            <a:ext cx="801909" cy="495668"/>
+            <a:ext cx="570854" cy="495668"/>
           </a:xfrm>
           <a:prstGeom prst="rect">
             <a:avLst/>
@@ -7484,6 +7489,296 @@
           <a:xfrm>
             <a:off x="1822511" y="198180"/>
             <a:ext cx="2332609" cy="3180212"/>
+          </a:xfrm>
+          <a:prstGeom prst="rect">
+            <a:avLst/>
+          </a:prstGeom>
+          <a:solidFill>
+            <a:schemeClr val="accent6">
+              <a:lumMod val="60000"/>
+              <a:lumOff val="40000"/>
+              <a:alpha val="25000"/>
+            </a:schemeClr>
+          </a:solidFill>
+          <a:ln>
+            <a:solidFill>
+              <a:schemeClr val="accent6">
+                <a:lumMod val="75000"/>
+              </a:schemeClr>
+            </a:solidFill>
+          </a:ln>
+        </p:spPr>
+        <p:style>
+          <a:lnRef idx="2">
+            <a:schemeClr val="accent1">
+              <a:shade val="50000"/>
+            </a:schemeClr>
+          </a:lnRef>
+          <a:fillRef idx="1">
+            <a:schemeClr val="accent1"/>
+          </a:fillRef>
+          <a:effectRef idx="0">
+            <a:schemeClr val="accent1"/>
+          </a:effectRef>
+          <a:fontRef idx="minor">
+            <a:schemeClr val="lt1"/>
+          </a:fontRef>
+        </p:style>
+        <p:txBody>
+          <a:bodyPr rtlCol="0" anchor="ctr"/>
+          <a:lstStyle/>
+          <a:p>
+            <a:pPr algn="ctr"/>
+            <a:endParaRPr lang="zh-CN" altLang="en-US"/>
+          </a:p>
+        </p:txBody>
+      </p:sp>
+      <p:sp>
+        <p:nvSpPr>
+          <p:cNvPr id="2" name="矩形 1">
+            <a:extLst>
+              <a:ext uri="{FF2B5EF4-FFF2-40B4-BE49-F238E27FC236}">
+                <a16:creationId xmlns:a16="http://schemas.microsoft.com/office/drawing/2014/main" id="{CB951185-2EDF-4F58-86A7-39DE3DC0657B}"/>
+              </a:ext>
+            </a:extLst>
+          </p:cNvPr>
+          <p:cNvSpPr/>
+          <p:nvPr/>
+        </p:nvSpPr>
+        <p:spPr>
+          <a:xfrm>
+            <a:off x="7351868" y="80682"/>
+            <a:ext cx="1065991" cy="349431"/>
+          </a:xfrm>
+          <a:prstGeom prst="rect">
+            <a:avLst/>
+          </a:prstGeom>
+        </p:spPr>
+        <p:style>
+          <a:lnRef idx="2">
+            <a:schemeClr val="accent1">
+              <a:shade val="50000"/>
+            </a:schemeClr>
+          </a:lnRef>
+          <a:fillRef idx="1">
+            <a:schemeClr val="accent1"/>
+          </a:fillRef>
+          <a:effectRef idx="0">
+            <a:schemeClr val="accent1"/>
+          </a:effectRef>
+          <a:fontRef idx="minor">
+            <a:schemeClr val="lt1"/>
+          </a:fontRef>
+        </p:style>
+        <p:txBody>
+          <a:bodyPr rtlCol="0" anchor="ctr"/>
+          <a:lstStyle/>
+          <a:p>
+            <a:pPr algn="ctr"/>
+            <a:endParaRPr lang="zh-CN" altLang="en-US"/>
+          </a:p>
+        </p:txBody>
+      </p:sp>
+      <p:sp>
+        <p:nvSpPr>
+          <p:cNvPr id="46" name="矩形 45">
+            <a:extLst>
+              <a:ext uri="{FF2B5EF4-FFF2-40B4-BE49-F238E27FC236}">
+                <a16:creationId xmlns:a16="http://schemas.microsoft.com/office/drawing/2014/main" id="{0A7FF4D9-2CC3-43CE-AC86-FE7C736A78A4}"/>
+              </a:ext>
+            </a:extLst>
+          </p:cNvPr>
+          <p:cNvSpPr/>
+          <p:nvPr/>
+        </p:nvSpPr>
+        <p:spPr>
+          <a:xfrm>
+            <a:off x="8558026" y="80682"/>
+            <a:ext cx="1065991" cy="349431"/>
+          </a:xfrm>
+          <a:prstGeom prst="rect">
+            <a:avLst/>
+          </a:prstGeom>
+        </p:spPr>
+        <p:style>
+          <a:lnRef idx="2">
+            <a:schemeClr val="accent1">
+              <a:shade val="50000"/>
+            </a:schemeClr>
+          </a:lnRef>
+          <a:fillRef idx="1">
+            <a:schemeClr val="accent1"/>
+          </a:fillRef>
+          <a:effectRef idx="0">
+            <a:schemeClr val="accent1"/>
+          </a:effectRef>
+          <a:fontRef idx="minor">
+            <a:schemeClr val="lt1"/>
+          </a:fontRef>
+        </p:style>
+        <p:txBody>
+          <a:bodyPr rtlCol="0" anchor="ctr"/>
+          <a:lstStyle/>
+          <a:p>
+            <a:pPr algn="ctr"/>
+            <a:endParaRPr lang="zh-CN" altLang="en-US"/>
+          </a:p>
+        </p:txBody>
+      </p:sp>
+      <p:sp>
+        <p:nvSpPr>
+          <p:cNvPr id="47" name="矩形 46">
+            <a:extLst>
+              <a:ext uri="{FF2B5EF4-FFF2-40B4-BE49-F238E27FC236}">
+                <a16:creationId xmlns:a16="http://schemas.microsoft.com/office/drawing/2014/main" id="{47F6A370-9033-4BE4-B743-920275671FE9}"/>
+              </a:ext>
+            </a:extLst>
+          </p:cNvPr>
+          <p:cNvSpPr/>
+          <p:nvPr/>
+        </p:nvSpPr>
+        <p:spPr>
+          <a:xfrm>
+            <a:off x="9778809" y="88985"/>
+            <a:ext cx="521638" cy="165917"/>
+          </a:xfrm>
+          <a:prstGeom prst="rect">
+            <a:avLst/>
+          </a:prstGeom>
+        </p:spPr>
+        <p:style>
+          <a:lnRef idx="2">
+            <a:schemeClr val="accent1">
+              <a:shade val="50000"/>
+            </a:schemeClr>
+          </a:lnRef>
+          <a:fillRef idx="1">
+            <a:schemeClr val="accent1"/>
+          </a:fillRef>
+          <a:effectRef idx="0">
+            <a:schemeClr val="accent1"/>
+          </a:effectRef>
+          <a:fontRef idx="minor">
+            <a:schemeClr val="lt1"/>
+          </a:fontRef>
+        </p:style>
+        <p:txBody>
+          <a:bodyPr rtlCol="0" anchor="ctr"/>
+          <a:lstStyle/>
+          <a:p>
+            <a:pPr algn="ctr"/>
+            <a:endParaRPr lang="zh-CN" altLang="en-US"/>
+          </a:p>
+        </p:txBody>
+      </p:sp>
+      <p:sp>
+        <p:nvSpPr>
+          <p:cNvPr id="48" name="矩形 47">
+            <a:extLst>
+              <a:ext uri="{FF2B5EF4-FFF2-40B4-BE49-F238E27FC236}">
+                <a16:creationId xmlns:a16="http://schemas.microsoft.com/office/drawing/2014/main" id="{B1469FC3-EDA7-41B5-9F8F-44A2A965BFB4}"/>
+              </a:ext>
+            </a:extLst>
+          </p:cNvPr>
+          <p:cNvSpPr/>
+          <p:nvPr/>
+        </p:nvSpPr>
+        <p:spPr>
+          <a:xfrm>
+            <a:off x="9778809" y="259978"/>
+            <a:ext cx="521638" cy="165917"/>
+          </a:xfrm>
+          <a:prstGeom prst="rect">
+            <a:avLst/>
+          </a:prstGeom>
+        </p:spPr>
+        <p:style>
+          <a:lnRef idx="2">
+            <a:schemeClr val="accent1">
+              <a:shade val="50000"/>
+            </a:schemeClr>
+          </a:lnRef>
+          <a:fillRef idx="1">
+            <a:schemeClr val="accent1"/>
+          </a:fillRef>
+          <a:effectRef idx="0">
+            <a:schemeClr val="accent1"/>
+          </a:effectRef>
+          <a:fontRef idx="minor">
+            <a:schemeClr val="lt1"/>
+          </a:fontRef>
+        </p:style>
+        <p:txBody>
+          <a:bodyPr rtlCol="0" anchor="ctr"/>
+          <a:lstStyle/>
+          <a:p>
+            <a:pPr algn="ctr"/>
+            <a:endParaRPr lang="zh-CN" altLang="en-US"/>
+          </a:p>
+        </p:txBody>
+      </p:sp>
+      <p:sp>
+        <p:nvSpPr>
+          <p:cNvPr id="49" name="矩形 48">
+            <a:extLst>
+              <a:ext uri="{FF2B5EF4-FFF2-40B4-BE49-F238E27FC236}">
+                <a16:creationId xmlns:a16="http://schemas.microsoft.com/office/drawing/2014/main" id="{A2763973-FC03-4A14-9FD3-F2AD1AC0A077}"/>
+              </a:ext>
+            </a:extLst>
+          </p:cNvPr>
+          <p:cNvSpPr/>
+          <p:nvPr/>
+        </p:nvSpPr>
+        <p:spPr>
+          <a:xfrm>
+            <a:off x="10309753" y="85758"/>
+            <a:ext cx="521638" cy="165917"/>
+          </a:xfrm>
+          <a:prstGeom prst="rect">
+            <a:avLst/>
+          </a:prstGeom>
+        </p:spPr>
+        <p:style>
+          <a:lnRef idx="2">
+            <a:schemeClr val="accent1">
+              <a:shade val="50000"/>
+            </a:schemeClr>
+          </a:lnRef>
+          <a:fillRef idx="1">
+            <a:schemeClr val="accent1"/>
+          </a:fillRef>
+          <a:effectRef idx="0">
+            <a:schemeClr val="accent1"/>
+          </a:effectRef>
+          <a:fontRef idx="minor">
+            <a:schemeClr val="lt1"/>
+          </a:fontRef>
+        </p:style>
+        <p:txBody>
+          <a:bodyPr rtlCol="0" anchor="ctr"/>
+          <a:lstStyle/>
+          <a:p>
+            <a:pPr algn="ctr"/>
+            <a:endParaRPr lang="zh-CN" altLang="en-US"/>
+          </a:p>
+        </p:txBody>
+      </p:sp>
+      <p:sp>
+        <p:nvSpPr>
+          <p:cNvPr id="50" name="矩形 49">
+            <a:extLst>
+              <a:ext uri="{FF2B5EF4-FFF2-40B4-BE49-F238E27FC236}">
+                <a16:creationId xmlns:a16="http://schemas.microsoft.com/office/drawing/2014/main" id="{A55FBC8D-F8F0-4904-B33D-1645E552670F}"/>
+              </a:ext>
+            </a:extLst>
+          </p:cNvPr>
+          <p:cNvSpPr/>
+          <p:nvPr/>
+        </p:nvSpPr>
+        <p:spPr>
+          <a:xfrm>
+            <a:off x="5135358" y="2948930"/>
+            <a:ext cx="606775" cy="865144"/>
           </a:xfrm>
           <a:prstGeom prst="rect">
             <a:avLst/>
@@ -17974,6 +18269,956 @@
     <p:extLst>
       <p:ext uri="{BB962C8B-B14F-4D97-AF65-F5344CB8AC3E}">
         <p14:creationId xmlns:p14="http://schemas.microsoft.com/office/powerpoint/2010/main" val="1464513033"/>
+      </p:ext>
+    </p:extLst>
+  </p:cSld>
+  <p:clrMapOvr>
+    <a:masterClrMapping/>
+  </p:clrMapOvr>
+</p:sld>
+</file>
+
+<file path=ppt/slides/slide22.xml><?xml version="1.0" encoding="utf-8"?>
+<p:sld xmlns:a="http://schemas.openxmlformats.org/drawingml/2006/main" xmlns:r="http://schemas.openxmlformats.org/officeDocument/2006/relationships" xmlns:p="http://schemas.openxmlformats.org/presentationml/2006/main">
+  <p:cSld>
+    <p:spTree>
+      <p:nvGrpSpPr>
+        <p:cNvPr id="1" name=""/>
+        <p:cNvGrpSpPr/>
+        <p:nvPr/>
+      </p:nvGrpSpPr>
+      <p:grpSpPr>
+        <a:xfrm>
+          <a:off x="0" y="0"/>
+          <a:ext cx="0" cy="0"/>
+          <a:chOff x="0" y="0"/>
+          <a:chExt cx="0" cy="0"/>
+        </a:xfrm>
+      </p:grpSpPr>
+      <p:pic>
+        <p:nvPicPr>
+          <p:cNvPr id="3" name="图片 2" descr="截图里有图片&#10;&#10;描述已自动生成">
+            <a:extLst>
+              <a:ext uri="{FF2B5EF4-FFF2-40B4-BE49-F238E27FC236}">
+                <a16:creationId xmlns:a16="http://schemas.microsoft.com/office/drawing/2014/main" id="{FC3118FD-3240-458B-AC8F-76D19A5B64F6}"/>
+              </a:ext>
+            </a:extLst>
+          </p:cNvPr>
+          <p:cNvPicPr>
+            <a:picLocks noChangeAspect="1"/>
+          </p:cNvPicPr>
+          <p:nvPr/>
+        </p:nvPicPr>
+        <p:blipFill rotWithShape="1">
+          <a:blip r:embed="rId2">
+            <a:extLst>
+              <a:ext uri="{28A0092B-C50C-407E-A947-70E740481C1C}">
+                <a14:useLocalDpi xmlns:a14="http://schemas.microsoft.com/office/drawing/2010/main" val="0"/>
+              </a:ext>
+            </a:extLst>
+          </a:blip>
+          <a:srcRect l="11102" t="20509" r="26030" b="16437"/>
+          <a:stretch/>
+        </p:blipFill>
+        <p:spPr>
+          <a:xfrm>
+            <a:off x="0" y="-1"/>
+            <a:ext cx="12192000" cy="6844631"/>
+          </a:xfrm>
+          <a:prstGeom prst="rect">
+            <a:avLst/>
+          </a:prstGeom>
+        </p:spPr>
+      </p:pic>
+      <p:sp>
+        <p:nvSpPr>
+          <p:cNvPr id="4" name="矩形 3">
+            <a:extLst>
+              <a:ext uri="{FF2B5EF4-FFF2-40B4-BE49-F238E27FC236}">
+                <a16:creationId xmlns:a16="http://schemas.microsoft.com/office/drawing/2014/main" id="{39B63596-6FEE-4A0A-91E8-0185264C15AA}"/>
+              </a:ext>
+            </a:extLst>
+          </p:cNvPr>
+          <p:cNvSpPr/>
+          <p:nvPr/>
+        </p:nvSpPr>
+        <p:spPr>
+          <a:xfrm>
+            <a:off x="2698377" y="1027300"/>
+            <a:ext cx="1344706" cy="349625"/>
+          </a:xfrm>
+          <a:prstGeom prst="rect">
+            <a:avLst/>
+          </a:prstGeom>
+        </p:spPr>
+        <p:style>
+          <a:lnRef idx="2">
+            <a:schemeClr val="accent1">
+              <a:shade val="50000"/>
+            </a:schemeClr>
+          </a:lnRef>
+          <a:fillRef idx="1">
+            <a:schemeClr val="accent1"/>
+          </a:fillRef>
+          <a:effectRef idx="0">
+            <a:schemeClr val="accent1"/>
+          </a:effectRef>
+          <a:fontRef idx="minor">
+            <a:schemeClr val="lt1"/>
+          </a:fontRef>
+        </p:style>
+        <p:txBody>
+          <a:bodyPr rtlCol="0" anchor="ctr"/>
+          <a:lstStyle/>
+          <a:p>
+            <a:pPr algn="ctr"/>
+            <a:r>
+              <a:rPr lang="zh-CN" altLang="en-US" dirty="0"/>
+              <a:t>‭</a:t>
+            </a:r>
+            <a:r>
+              <a:rPr lang="en-US" altLang="zh-CN" dirty="0"/>
+              <a:t>0.453‬</a:t>
+            </a:r>
+            <a:endParaRPr lang="zh-CN" altLang="en-US" dirty="0"/>
+          </a:p>
+        </p:txBody>
+      </p:sp>
+      <p:sp>
+        <p:nvSpPr>
+          <p:cNvPr id="5" name="矩形 4">
+            <a:extLst>
+              <a:ext uri="{FF2B5EF4-FFF2-40B4-BE49-F238E27FC236}">
+                <a16:creationId xmlns:a16="http://schemas.microsoft.com/office/drawing/2014/main" id="{8AA17321-90CA-4AD8-B84D-27B5A388AFE6}"/>
+              </a:ext>
+            </a:extLst>
+          </p:cNvPr>
+          <p:cNvSpPr/>
+          <p:nvPr/>
+        </p:nvSpPr>
+        <p:spPr>
+          <a:xfrm>
+            <a:off x="5531224" y="994562"/>
+            <a:ext cx="2026023" cy="232043"/>
+          </a:xfrm>
+          <a:prstGeom prst="rect">
+            <a:avLst/>
+          </a:prstGeom>
+        </p:spPr>
+        <p:style>
+          <a:lnRef idx="2">
+            <a:schemeClr val="accent1">
+              <a:shade val="50000"/>
+            </a:schemeClr>
+          </a:lnRef>
+          <a:fillRef idx="1">
+            <a:schemeClr val="accent1"/>
+          </a:fillRef>
+          <a:effectRef idx="0">
+            <a:schemeClr val="accent1"/>
+          </a:effectRef>
+          <a:fontRef idx="minor">
+            <a:schemeClr val="lt1"/>
+          </a:fontRef>
+        </p:style>
+        <p:txBody>
+          <a:bodyPr rtlCol="0" anchor="ctr"/>
+          <a:lstStyle/>
+          <a:p>
+            <a:pPr algn="ctr"/>
+            <a:r>
+              <a:rPr lang="zh-CN" altLang="en-US" dirty="0"/>
+              <a:t>‭</a:t>
+            </a:r>
+            <a:r>
+              <a:rPr lang="en-US" altLang="zh-CN" dirty="0"/>
+              <a:t>0.166‬</a:t>
+            </a:r>
+            <a:endParaRPr lang="zh-CN" altLang="en-US" dirty="0"/>
+          </a:p>
+        </p:txBody>
+      </p:sp>
+      <p:sp>
+        <p:nvSpPr>
+          <p:cNvPr id="6" name="矩形 5">
+            <a:extLst>
+              <a:ext uri="{FF2B5EF4-FFF2-40B4-BE49-F238E27FC236}">
+                <a16:creationId xmlns:a16="http://schemas.microsoft.com/office/drawing/2014/main" id="{608BBF0A-CBB8-4C89-B3C3-E6A2D304E8EF}"/>
+              </a:ext>
+            </a:extLst>
+          </p:cNvPr>
+          <p:cNvSpPr/>
+          <p:nvPr/>
+        </p:nvSpPr>
+        <p:spPr>
+          <a:xfrm>
+            <a:off x="7557247" y="878541"/>
+            <a:ext cx="242047" cy="232043"/>
+          </a:xfrm>
+          <a:prstGeom prst="rect">
+            <a:avLst/>
+          </a:prstGeom>
+        </p:spPr>
+        <p:style>
+          <a:lnRef idx="2">
+            <a:schemeClr val="accent1">
+              <a:shade val="50000"/>
+            </a:schemeClr>
+          </a:lnRef>
+          <a:fillRef idx="1">
+            <a:schemeClr val="accent1"/>
+          </a:fillRef>
+          <a:effectRef idx="0">
+            <a:schemeClr val="accent1"/>
+          </a:effectRef>
+          <a:fontRef idx="minor">
+            <a:schemeClr val="lt1"/>
+          </a:fontRef>
+        </p:style>
+        <p:txBody>
+          <a:bodyPr rtlCol="0" anchor="ctr"/>
+          <a:lstStyle/>
+          <a:p>
+            <a:pPr algn="ctr"/>
+            <a:r>
+              <a:rPr lang="en-US" altLang="zh-CN" dirty="0"/>
+              <a:t>0.02</a:t>
+            </a:r>
+            <a:endParaRPr lang="zh-CN" altLang="en-US" dirty="0"/>
+          </a:p>
+        </p:txBody>
+      </p:sp>
+      <p:sp>
+        <p:nvSpPr>
+          <p:cNvPr id="7" name="矩形 6">
+            <a:extLst>
+              <a:ext uri="{FF2B5EF4-FFF2-40B4-BE49-F238E27FC236}">
+                <a16:creationId xmlns:a16="http://schemas.microsoft.com/office/drawing/2014/main" id="{8FEA62AD-3A35-4FAA-91D8-FB743B48C1A3}"/>
+              </a:ext>
+            </a:extLst>
+          </p:cNvPr>
+          <p:cNvSpPr/>
+          <p:nvPr/>
+        </p:nvSpPr>
+        <p:spPr>
+          <a:xfrm>
+            <a:off x="-1" y="175072"/>
+            <a:ext cx="12191999" cy="206188"/>
+          </a:xfrm>
+          <a:prstGeom prst="rect">
+            <a:avLst/>
+          </a:prstGeom>
+        </p:spPr>
+        <p:style>
+          <a:lnRef idx="2">
+            <a:schemeClr val="accent1">
+              <a:shade val="50000"/>
+            </a:schemeClr>
+          </a:lnRef>
+          <a:fillRef idx="1">
+            <a:schemeClr val="accent1"/>
+          </a:fillRef>
+          <a:effectRef idx="0">
+            <a:schemeClr val="accent1"/>
+          </a:effectRef>
+          <a:fontRef idx="minor">
+            <a:schemeClr val="lt1"/>
+          </a:fontRef>
+        </p:style>
+        <p:txBody>
+          <a:bodyPr rtlCol="0" anchor="ctr"/>
+          <a:lstStyle/>
+          <a:p>
+            <a:pPr algn="ctr"/>
+            <a:r>
+              <a:rPr lang="en-US" altLang="zh-CN" dirty="0"/>
+              <a:t>33.87</a:t>
+            </a:r>
+            <a:endParaRPr lang="zh-CN" altLang="en-US" dirty="0"/>
+          </a:p>
+        </p:txBody>
+      </p:sp>
+      <p:sp>
+        <p:nvSpPr>
+          <p:cNvPr id="8" name="矩形 7">
+            <a:extLst>
+              <a:ext uri="{FF2B5EF4-FFF2-40B4-BE49-F238E27FC236}">
+                <a16:creationId xmlns:a16="http://schemas.microsoft.com/office/drawing/2014/main" id="{AA8E7FBE-060E-4DA4-8120-87219017BEFA}"/>
+              </a:ext>
+            </a:extLst>
+          </p:cNvPr>
+          <p:cNvSpPr/>
+          <p:nvPr/>
+        </p:nvSpPr>
+        <p:spPr>
+          <a:xfrm>
+            <a:off x="528918" y="961362"/>
+            <a:ext cx="528918" cy="349625"/>
+          </a:xfrm>
+          <a:prstGeom prst="rect">
+            <a:avLst/>
+          </a:prstGeom>
+        </p:spPr>
+        <p:style>
+          <a:lnRef idx="2">
+            <a:schemeClr val="accent1">
+              <a:shade val="50000"/>
+            </a:schemeClr>
+          </a:lnRef>
+          <a:fillRef idx="1">
+            <a:schemeClr val="accent1"/>
+          </a:fillRef>
+          <a:effectRef idx="0">
+            <a:schemeClr val="accent1"/>
+          </a:effectRef>
+          <a:fontRef idx="minor">
+            <a:schemeClr val="lt1"/>
+          </a:fontRef>
+        </p:style>
+        <p:txBody>
+          <a:bodyPr rtlCol="0" anchor="ctr"/>
+          <a:lstStyle/>
+          <a:p>
+            <a:pPr algn="ctr"/>
+            <a:r>
+              <a:rPr lang="en-US" altLang="zh-CN" dirty="0"/>
+              <a:t>0.043</a:t>
+            </a:r>
+            <a:endParaRPr lang="zh-CN" altLang="en-US" dirty="0"/>
+          </a:p>
+        </p:txBody>
+      </p:sp>
+      <p:sp>
+        <p:nvSpPr>
+          <p:cNvPr id="9" name="矩形 8">
+            <a:extLst>
+              <a:ext uri="{FF2B5EF4-FFF2-40B4-BE49-F238E27FC236}">
+                <a16:creationId xmlns:a16="http://schemas.microsoft.com/office/drawing/2014/main" id="{F2CCC75D-14F8-4E28-B9B8-03FE37B08ACA}"/>
+              </a:ext>
+            </a:extLst>
+          </p:cNvPr>
+          <p:cNvSpPr/>
+          <p:nvPr/>
+        </p:nvSpPr>
+        <p:spPr>
+          <a:xfrm>
+            <a:off x="0" y="1310987"/>
+            <a:ext cx="528918" cy="349625"/>
+          </a:xfrm>
+          <a:prstGeom prst="rect">
+            <a:avLst/>
+          </a:prstGeom>
+        </p:spPr>
+        <p:style>
+          <a:lnRef idx="2">
+            <a:schemeClr val="accent1">
+              <a:shade val="50000"/>
+            </a:schemeClr>
+          </a:lnRef>
+          <a:fillRef idx="1">
+            <a:schemeClr val="accent1"/>
+          </a:fillRef>
+          <a:effectRef idx="0">
+            <a:schemeClr val="accent1"/>
+          </a:effectRef>
+          <a:fontRef idx="minor">
+            <a:schemeClr val="lt1"/>
+          </a:fontRef>
+        </p:style>
+        <p:txBody>
+          <a:bodyPr rtlCol="0" anchor="ctr"/>
+          <a:lstStyle/>
+          <a:p>
+            <a:pPr algn="ctr"/>
+            <a:r>
+              <a:rPr lang="en-US" altLang="zh-CN" dirty="0"/>
+              <a:t>0.04</a:t>
+            </a:r>
+            <a:endParaRPr lang="zh-CN" altLang="en-US" dirty="0"/>
+          </a:p>
+        </p:txBody>
+      </p:sp>
+    </p:spTree>
+    <p:extLst>
+      <p:ext uri="{BB962C8B-B14F-4D97-AF65-F5344CB8AC3E}">
+        <p14:creationId xmlns:p14="http://schemas.microsoft.com/office/powerpoint/2010/main" val="2303981221"/>
+      </p:ext>
+    </p:extLst>
+  </p:cSld>
+  <p:clrMapOvr>
+    <a:masterClrMapping/>
+  </p:clrMapOvr>
+</p:sld>
+</file>
+
+<file path=ppt/slides/slide23.xml><?xml version="1.0" encoding="utf-8"?>
+<p:sld xmlns:a="http://schemas.openxmlformats.org/drawingml/2006/main" xmlns:r="http://schemas.openxmlformats.org/officeDocument/2006/relationships" xmlns:p="http://schemas.openxmlformats.org/presentationml/2006/main">
+  <p:cSld>
+    <p:spTree>
+      <p:nvGrpSpPr>
+        <p:cNvPr id="1" name=""/>
+        <p:cNvGrpSpPr/>
+        <p:nvPr/>
+      </p:nvGrpSpPr>
+      <p:grpSpPr>
+        <a:xfrm>
+          <a:off x="0" y="0"/>
+          <a:ext cx="0" cy="0"/>
+          <a:chOff x="0" y="0"/>
+          <a:chExt cx="0" cy="0"/>
+        </a:xfrm>
+      </p:grpSpPr>
+      <p:pic>
+        <p:nvPicPr>
+          <p:cNvPr id="2" name="图片 1" descr="截图里有图片&#10;&#10;描述已自动生成">
+            <a:extLst>
+              <a:ext uri="{FF2B5EF4-FFF2-40B4-BE49-F238E27FC236}">
+                <a16:creationId xmlns:a16="http://schemas.microsoft.com/office/drawing/2014/main" id="{F4F11351-A87E-4B4F-9C50-A2464B439EE3}"/>
+              </a:ext>
+            </a:extLst>
+          </p:cNvPr>
+          <p:cNvPicPr>
+            <a:picLocks noChangeAspect="1"/>
+          </p:cNvPicPr>
+          <p:nvPr/>
+        </p:nvPicPr>
+        <p:blipFill rotWithShape="1">
+          <a:blip r:embed="rId2">
+            <a:extLst>
+              <a:ext uri="{28A0092B-C50C-407E-A947-70E740481C1C}">
+                <a14:useLocalDpi xmlns:a14="http://schemas.microsoft.com/office/drawing/2010/main" val="0"/>
+              </a:ext>
+            </a:extLst>
+          </a:blip>
+          <a:srcRect l="11102" t="20509" r="26030" b="16437"/>
+          <a:stretch/>
+        </p:blipFill>
+        <p:spPr>
+          <a:xfrm flipH="1">
+            <a:off x="0" y="-1"/>
+            <a:ext cx="12192000" cy="6844631"/>
+          </a:xfrm>
+          <a:prstGeom prst="rect">
+            <a:avLst/>
+          </a:prstGeom>
+        </p:spPr>
+      </p:pic>
+    </p:spTree>
+    <p:extLst>
+      <p:ext uri="{BB962C8B-B14F-4D97-AF65-F5344CB8AC3E}">
+        <p14:creationId xmlns:p14="http://schemas.microsoft.com/office/powerpoint/2010/main" val="1522405865"/>
+      </p:ext>
+    </p:extLst>
+  </p:cSld>
+  <p:clrMapOvr>
+    <a:masterClrMapping/>
+  </p:clrMapOvr>
+</p:sld>
+</file>
+
+<file path=ppt/slides/slide24.xml><?xml version="1.0" encoding="utf-8"?>
+<p:sld xmlns:a="http://schemas.openxmlformats.org/drawingml/2006/main" xmlns:r="http://schemas.openxmlformats.org/officeDocument/2006/relationships" xmlns:p="http://schemas.openxmlformats.org/presentationml/2006/main">
+  <p:cSld>
+    <p:spTree>
+      <p:nvGrpSpPr>
+        <p:cNvPr id="1" name=""/>
+        <p:cNvGrpSpPr/>
+        <p:nvPr/>
+      </p:nvGrpSpPr>
+      <p:grpSpPr>
+        <a:xfrm>
+          <a:off x="0" y="0"/>
+          <a:ext cx="0" cy="0"/>
+          <a:chOff x="0" y="0"/>
+          <a:chExt cx="0" cy="0"/>
+        </a:xfrm>
+      </p:grpSpPr>
+      <p:pic>
+        <p:nvPicPr>
+          <p:cNvPr id="3" name="图片 2" descr="图片包含 监控, 电脑, 游戏机&#10;&#10;描述已自动生成">
+            <a:extLst>
+              <a:ext uri="{FF2B5EF4-FFF2-40B4-BE49-F238E27FC236}">
+                <a16:creationId xmlns:a16="http://schemas.microsoft.com/office/drawing/2014/main" id="{231AC250-AAC0-484F-865D-8835308DED38}"/>
+              </a:ext>
+            </a:extLst>
+          </p:cNvPr>
+          <p:cNvPicPr>
+            <a:picLocks noChangeAspect="1"/>
+          </p:cNvPicPr>
+          <p:nvPr/>
+        </p:nvPicPr>
+        <p:blipFill>
+          <a:blip r:embed="rId2">
+            <a:extLst>
+              <a:ext uri="{28A0092B-C50C-407E-A947-70E740481C1C}">
+                <a14:useLocalDpi xmlns:a14="http://schemas.microsoft.com/office/drawing/2010/main" val="0"/>
+              </a:ext>
+            </a:extLst>
+          </a:blip>
+          <a:stretch>
+            <a:fillRect/>
+          </a:stretch>
+        </p:blipFill>
+        <p:spPr>
+          <a:xfrm>
+            <a:off x="2271712" y="1276350"/>
+            <a:ext cx="7648575" cy="4305300"/>
+          </a:xfrm>
+          <a:prstGeom prst="rect">
+            <a:avLst/>
+          </a:prstGeom>
+        </p:spPr>
+      </p:pic>
+    </p:spTree>
+    <p:extLst>
+      <p:ext uri="{BB962C8B-B14F-4D97-AF65-F5344CB8AC3E}">
+        <p14:creationId xmlns:p14="http://schemas.microsoft.com/office/powerpoint/2010/main" val="2329762259"/>
+      </p:ext>
+    </p:extLst>
+  </p:cSld>
+  <p:clrMapOvr>
+    <a:masterClrMapping/>
+  </p:clrMapOvr>
+</p:sld>
+</file>
+
+<file path=ppt/slides/slide25.xml><?xml version="1.0" encoding="utf-8"?>
+<p:sld xmlns:a="http://schemas.openxmlformats.org/drawingml/2006/main" xmlns:r="http://schemas.openxmlformats.org/officeDocument/2006/relationships" xmlns:p="http://schemas.openxmlformats.org/presentationml/2006/main">
+  <p:cSld>
+    <p:spTree>
+      <p:nvGrpSpPr>
+        <p:cNvPr id="1" name=""/>
+        <p:cNvGrpSpPr/>
+        <p:nvPr/>
+      </p:nvGrpSpPr>
+      <p:grpSpPr>
+        <a:xfrm>
+          <a:off x="0" y="0"/>
+          <a:ext cx="0" cy="0"/>
+          <a:chOff x="0" y="0"/>
+          <a:chExt cx="0" cy="0"/>
+        </a:xfrm>
+      </p:grpSpPr>
+      <p:pic>
+        <p:nvPicPr>
+          <p:cNvPr id="2" name="图片 1" descr="图片包含 建筑, 标志, 女人, 桌子&#10;&#10;描述已自动生成">
+            <a:extLst>
+              <a:ext uri="{FF2B5EF4-FFF2-40B4-BE49-F238E27FC236}">
+                <a16:creationId xmlns:a16="http://schemas.microsoft.com/office/drawing/2014/main" id="{CB0A8B37-1C0B-49DB-B364-857E70811E0A}"/>
+              </a:ext>
+            </a:extLst>
+          </p:cNvPr>
+          <p:cNvPicPr>
+            <a:picLocks noChangeAspect="1"/>
+          </p:cNvPicPr>
+          <p:nvPr/>
+        </p:nvPicPr>
+        <p:blipFill>
+          <a:blip r:embed="rId2">
+            <a:extLst>
+              <a:ext uri="{28A0092B-C50C-407E-A947-70E740481C1C}">
+                <a14:useLocalDpi xmlns:a14="http://schemas.microsoft.com/office/drawing/2010/main" val="0"/>
+              </a:ext>
+            </a:extLst>
+          </a:blip>
+          <a:stretch>
+            <a:fillRect/>
+          </a:stretch>
+        </p:blipFill>
+        <p:spPr>
+          <a:xfrm>
+            <a:off x="0" y="0"/>
+            <a:ext cx="12192000" cy="6855920"/>
+          </a:xfrm>
+          <a:prstGeom prst="rect">
+            <a:avLst/>
+          </a:prstGeom>
+        </p:spPr>
+      </p:pic>
+      <p:sp>
+        <p:nvSpPr>
+          <p:cNvPr id="3" name="矩形 2">
+            <a:extLst>
+              <a:ext uri="{FF2B5EF4-FFF2-40B4-BE49-F238E27FC236}">
+                <a16:creationId xmlns:a16="http://schemas.microsoft.com/office/drawing/2014/main" id="{EF9E1837-D7C2-4B89-939F-0361BE328748}"/>
+              </a:ext>
+            </a:extLst>
+          </p:cNvPr>
+          <p:cNvSpPr/>
+          <p:nvPr/>
+        </p:nvSpPr>
+        <p:spPr>
+          <a:xfrm>
+            <a:off x="89647" y="0"/>
+            <a:ext cx="367553" cy="6858000"/>
+          </a:xfrm>
+          <a:prstGeom prst="rect">
+            <a:avLst/>
+          </a:prstGeom>
+        </p:spPr>
+        <p:style>
+          <a:lnRef idx="2">
+            <a:schemeClr val="accent2">
+              <a:shade val="50000"/>
+            </a:schemeClr>
+          </a:lnRef>
+          <a:fillRef idx="1">
+            <a:schemeClr val="accent2"/>
+          </a:fillRef>
+          <a:effectRef idx="0">
+            <a:schemeClr val="accent2"/>
+          </a:effectRef>
+          <a:fontRef idx="minor">
+            <a:schemeClr val="lt1"/>
+          </a:fontRef>
+        </p:style>
+        <p:txBody>
+          <a:bodyPr rtlCol="0" anchor="ctr"/>
+          <a:lstStyle/>
+          <a:p>
+            <a:pPr algn="ctr"/>
+            <a:r>
+              <a:rPr lang="en-US" altLang="zh-CN" dirty="0"/>
+              <a:t>19.04 </a:t>
+            </a:r>
+            <a:endParaRPr lang="zh-CN" altLang="en-US" dirty="0"/>
+          </a:p>
+        </p:txBody>
+      </p:sp>
+      <p:sp>
+        <p:nvSpPr>
+          <p:cNvPr id="4" name="矩形 3">
+            <a:extLst>
+              <a:ext uri="{FF2B5EF4-FFF2-40B4-BE49-F238E27FC236}">
+                <a16:creationId xmlns:a16="http://schemas.microsoft.com/office/drawing/2014/main" id="{5980C2C1-6342-49E0-B7D7-248E07E22FF6}"/>
+              </a:ext>
+            </a:extLst>
+          </p:cNvPr>
+          <p:cNvSpPr/>
+          <p:nvPr/>
+        </p:nvSpPr>
+        <p:spPr>
+          <a:xfrm>
+            <a:off x="2689410" y="403413"/>
+            <a:ext cx="519955" cy="537881"/>
+          </a:xfrm>
+          <a:prstGeom prst="rect">
+            <a:avLst/>
+          </a:prstGeom>
+        </p:spPr>
+        <p:style>
+          <a:lnRef idx="2">
+            <a:schemeClr val="accent2">
+              <a:shade val="50000"/>
+            </a:schemeClr>
+          </a:lnRef>
+          <a:fillRef idx="1">
+            <a:schemeClr val="accent2"/>
+          </a:fillRef>
+          <a:effectRef idx="0">
+            <a:schemeClr val="accent2"/>
+          </a:effectRef>
+          <a:fontRef idx="minor">
+            <a:schemeClr val="lt1"/>
+          </a:fontRef>
+        </p:style>
+        <p:txBody>
+          <a:bodyPr rtlCol="0" anchor="ctr"/>
+          <a:lstStyle/>
+          <a:p>
+            <a:pPr algn="ctr"/>
+            <a:r>
+              <a:rPr lang="en-US" altLang="zh-CN" dirty="0"/>
+              <a:t>0.078</a:t>
+            </a:r>
+            <a:endParaRPr lang="zh-CN" altLang="en-US" dirty="0"/>
+          </a:p>
+        </p:txBody>
+      </p:sp>
+      <p:sp>
+        <p:nvSpPr>
+          <p:cNvPr id="5" name="矩形 4">
+            <a:extLst>
+              <a:ext uri="{FF2B5EF4-FFF2-40B4-BE49-F238E27FC236}">
+                <a16:creationId xmlns:a16="http://schemas.microsoft.com/office/drawing/2014/main" id="{D9B932AE-DBBB-4E35-82B4-A889FE6DF4A2}"/>
+              </a:ext>
+            </a:extLst>
+          </p:cNvPr>
+          <p:cNvSpPr/>
+          <p:nvPr/>
+        </p:nvSpPr>
+        <p:spPr>
+          <a:xfrm>
+            <a:off x="3505199" y="0"/>
+            <a:ext cx="519955" cy="2868706"/>
+          </a:xfrm>
+          <a:prstGeom prst="rect">
+            <a:avLst/>
+          </a:prstGeom>
+        </p:spPr>
+        <p:style>
+          <a:lnRef idx="2">
+            <a:schemeClr val="accent2">
+              <a:shade val="50000"/>
+            </a:schemeClr>
+          </a:lnRef>
+          <a:fillRef idx="1">
+            <a:schemeClr val="accent2"/>
+          </a:fillRef>
+          <a:effectRef idx="0">
+            <a:schemeClr val="accent2"/>
+          </a:effectRef>
+          <a:fontRef idx="minor">
+            <a:schemeClr val="lt1"/>
+          </a:fontRef>
+        </p:style>
+        <p:txBody>
+          <a:bodyPr rtlCol="0" anchor="ctr"/>
+          <a:lstStyle/>
+          <a:p>
+            <a:pPr algn="ctr"/>
+            <a:r>
+              <a:rPr lang="en-US" altLang="zh-CN" dirty="0"/>
+              <a:t>0.419</a:t>
+            </a:r>
+            <a:endParaRPr lang="zh-CN" altLang="en-US" dirty="0"/>
+          </a:p>
+        </p:txBody>
+      </p:sp>
+      <p:sp>
+        <p:nvSpPr>
+          <p:cNvPr id="6" name="矩形 5">
+            <a:extLst>
+              <a:ext uri="{FF2B5EF4-FFF2-40B4-BE49-F238E27FC236}">
+                <a16:creationId xmlns:a16="http://schemas.microsoft.com/office/drawing/2014/main" id="{159DB1B2-63A1-4797-9B46-CE0C1C8160ED}"/>
+              </a:ext>
+            </a:extLst>
+          </p:cNvPr>
+          <p:cNvSpPr/>
+          <p:nvPr/>
+        </p:nvSpPr>
+        <p:spPr>
+          <a:xfrm>
+            <a:off x="4464423" y="2868706"/>
+            <a:ext cx="519955" cy="663388"/>
+          </a:xfrm>
+          <a:prstGeom prst="rect">
+            <a:avLst/>
+          </a:prstGeom>
+        </p:spPr>
+        <p:style>
+          <a:lnRef idx="2">
+            <a:schemeClr val="accent2">
+              <a:shade val="50000"/>
+            </a:schemeClr>
+          </a:lnRef>
+          <a:fillRef idx="1">
+            <a:schemeClr val="accent2"/>
+          </a:fillRef>
+          <a:effectRef idx="0">
+            <a:schemeClr val="accent2"/>
+          </a:effectRef>
+          <a:fontRef idx="minor">
+            <a:schemeClr val="lt1"/>
+          </a:fontRef>
+        </p:style>
+        <p:txBody>
+          <a:bodyPr rtlCol="0" anchor="ctr"/>
+          <a:lstStyle/>
+          <a:p>
+            <a:pPr algn="ctr"/>
+            <a:r>
+              <a:rPr lang="en-US" altLang="zh-CN" dirty="0"/>
+              <a:t>0.097</a:t>
+            </a:r>
+            <a:endParaRPr lang="zh-CN" altLang="en-US" dirty="0"/>
+          </a:p>
+        </p:txBody>
+      </p:sp>
+      <p:sp>
+        <p:nvSpPr>
+          <p:cNvPr id="7" name="矩形 6">
+            <a:extLst>
+              <a:ext uri="{FF2B5EF4-FFF2-40B4-BE49-F238E27FC236}">
+                <a16:creationId xmlns:a16="http://schemas.microsoft.com/office/drawing/2014/main" id="{1A0A33C7-2567-4AE7-98E1-91E8B0D8871F}"/>
+              </a:ext>
+            </a:extLst>
+          </p:cNvPr>
+          <p:cNvSpPr/>
+          <p:nvPr/>
+        </p:nvSpPr>
+        <p:spPr>
+          <a:xfrm>
+            <a:off x="5163669" y="3532094"/>
+            <a:ext cx="519955" cy="224118"/>
+          </a:xfrm>
+          <a:prstGeom prst="rect">
+            <a:avLst/>
+          </a:prstGeom>
+        </p:spPr>
+        <p:style>
+          <a:lnRef idx="2">
+            <a:schemeClr val="accent2">
+              <a:shade val="50000"/>
+            </a:schemeClr>
+          </a:lnRef>
+          <a:fillRef idx="1">
+            <a:schemeClr val="accent2"/>
+          </a:fillRef>
+          <a:effectRef idx="0">
+            <a:schemeClr val="accent2"/>
+          </a:effectRef>
+          <a:fontRef idx="minor">
+            <a:schemeClr val="lt1"/>
+          </a:fontRef>
+        </p:style>
+        <p:txBody>
+          <a:bodyPr rtlCol="0" anchor="ctr"/>
+          <a:lstStyle/>
+          <a:p>
+            <a:pPr algn="ctr"/>
+            <a:r>
+              <a:rPr lang="en-US" altLang="zh-CN" dirty="0"/>
+              <a:t>0.033</a:t>
+            </a:r>
+            <a:endParaRPr lang="zh-CN" altLang="en-US" dirty="0"/>
+          </a:p>
+        </p:txBody>
+      </p:sp>
+    </p:spTree>
+    <p:extLst>
+      <p:ext uri="{BB962C8B-B14F-4D97-AF65-F5344CB8AC3E}">
+        <p14:creationId xmlns:p14="http://schemas.microsoft.com/office/powerpoint/2010/main" val="1974626105"/>
+      </p:ext>
+    </p:extLst>
+  </p:cSld>
+  <p:clrMapOvr>
+    <a:masterClrMapping/>
+  </p:clrMapOvr>
+</p:sld>
+</file>
+
+<file path=ppt/slides/slide26.xml><?xml version="1.0" encoding="utf-8"?>
+<p:sld xmlns:a="http://schemas.openxmlformats.org/drawingml/2006/main" xmlns:r="http://schemas.openxmlformats.org/officeDocument/2006/relationships" xmlns:p="http://schemas.openxmlformats.org/presentationml/2006/main">
+  <p:cSld>
+    <p:spTree>
+      <p:nvGrpSpPr>
+        <p:cNvPr id="1" name=""/>
+        <p:cNvGrpSpPr/>
+        <p:nvPr/>
+      </p:nvGrpSpPr>
+      <p:grpSpPr>
+        <a:xfrm>
+          <a:off x="0" y="0"/>
+          <a:ext cx="0" cy="0"/>
+          <a:chOff x="0" y="0"/>
+          <a:chExt cx="0" cy="0"/>
+        </a:xfrm>
+      </p:grpSpPr>
+      <p:sp>
+        <p:nvSpPr>
+          <p:cNvPr id="2" name="文本框 1">
+            <a:extLst>
+              <a:ext uri="{FF2B5EF4-FFF2-40B4-BE49-F238E27FC236}">
+                <a16:creationId xmlns:a16="http://schemas.microsoft.com/office/drawing/2014/main" id="{C0267C7D-D01A-4F90-8F7F-966206C34F31}"/>
+              </a:ext>
+            </a:extLst>
+          </p:cNvPr>
+          <p:cNvSpPr txBox="1"/>
+          <p:nvPr/>
+        </p:nvSpPr>
+        <p:spPr>
+          <a:xfrm>
+            <a:off x="62753" y="1210235"/>
+            <a:ext cx="9251576" cy="1477328"/>
+          </a:xfrm>
+          <a:prstGeom prst="rect">
+            <a:avLst/>
+          </a:prstGeom>
+          <a:noFill/>
+        </p:spPr>
+        <p:txBody>
+          <a:bodyPr wrap="square" rtlCol="0">
+            <a:spAutoFit/>
+          </a:bodyPr>
+          <a:lstStyle/>
+          <a:p>
+            <a:r>
+              <a:rPr lang="en-US" altLang="zh-CN" dirty="0"/>
+              <a:t>·</a:t>
+            </a:r>
+            <a:r>
+              <a:rPr lang="zh-CN" altLang="en-US" dirty="0"/>
+              <a:t>客户端</a:t>
+            </a:r>
+            <a:r>
+              <a:rPr lang="en-US" altLang="zh-CN" dirty="0"/>
+              <a:t>UI</a:t>
+            </a:r>
+            <a:r>
+              <a:rPr lang="zh-CN" altLang="en-US" dirty="0"/>
+              <a:t>制作</a:t>
+            </a:r>
+            <a:endParaRPr lang="en-US" altLang="zh-CN" dirty="0"/>
+          </a:p>
+          <a:p>
+            <a:r>
+              <a:rPr lang="en-US" altLang="zh-CN" dirty="0"/>
+              <a:t>·</a:t>
+            </a:r>
+            <a:r>
+              <a:rPr lang="zh-CN" altLang="en-US" dirty="0"/>
+              <a:t>网络端的战斗运算移植</a:t>
+            </a:r>
+            <a:endParaRPr lang="en-US" altLang="zh-CN" dirty="0"/>
+          </a:p>
+          <a:p>
+            <a:r>
+              <a:rPr lang="en-US" altLang="zh-CN" dirty="0"/>
+              <a:t>·</a:t>
+            </a:r>
+            <a:r>
+              <a:rPr lang="zh-CN" altLang="en-US" dirty="0"/>
+              <a:t>补充数据库实体</a:t>
+            </a:r>
+            <a:endParaRPr lang="en-US" altLang="zh-CN" dirty="0"/>
+          </a:p>
+          <a:p>
+            <a:r>
+              <a:rPr lang="en-US" altLang="zh-CN" dirty="0"/>
+              <a:t>·</a:t>
+            </a:r>
+            <a:r>
+              <a:rPr lang="zh-CN" altLang="en-US" dirty="0"/>
+              <a:t>离线版卡牌数据做成</a:t>
+            </a:r>
+            <a:r>
+              <a:rPr lang="en-US" altLang="zh-CN" dirty="0" err="1"/>
+              <a:t>sql</a:t>
+            </a:r>
+            <a:r>
+              <a:rPr lang="zh-CN" altLang="en-US" dirty="0"/>
+              <a:t>脚本</a:t>
+            </a:r>
+            <a:endParaRPr lang="en-US" altLang="zh-CN" dirty="0"/>
+          </a:p>
+          <a:p>
+            <a:r>
+              <a:rPr lang="en-US" altLang="zh-CN" dirty="0"/>
+              <a:t>·</a:t>
+            </a:r>
+            <a:r>
+              <a:rPr lang="zh-CN" altLang="en-US" dirty="0"/>
+              <a:t>高并发性与弹性的对策研究（需与助教沟通，以手游的角度思考）</a:t>
+            </a:r>
+            <a:endParaRPr lang="en-US" altLang="zh-CN" dirty="0"/>
+          </a:p>
+        </p:txBody>
+      </p:sp>
+    </p:spTree>
+    <p:extLst>
+      <p:ext uri="{BB962C8B-B14F-4D97-AF65-F5344CB8AC3E}">
+        <p14:creationId xmlns:p14="http://schemas.microsoft.com/office/powerpoint/2010/main" val="2759921219"/>
       </p:ext>
     </p:extLst>
   </p:cSld>

--- a/plan/抽卡手游.pptx
+++ b/plan/抽卡手游.pptx
@@ -5,7 +5,7 @@
     <p:sldMasterId id="2147483648" r:id="rId1"/>
   </p:sldMasterIdLst>
   <p:notesMasterIdLst>
-    <p:notesMasterId r:id="rId28"/>
+    <p:notesMasterId r:id="rId30"/>
   </p:notesMasterIdLst>
   <p:sldIdLst>
     <p:sldId id="256" r:id="rId2"/>
@@ -34,6 +34,8 @@
     <p:sldId id="1330" r:id="rId25"/>
     <p:sldId id="1328" r:id="rId26"/>
     <p:sldId id="1332" r:id="rId27"/>
+    <p:sldId id="1334" r:id="rId28"/>
+    <p:sldId id="1335" r:id="rId29"/>
   </p:sldIdLst>
   <p:sldSz cx="12192000" cy="6858000"/>
   <p:notesSz cx="6858000" cy="9144000"/>
@@ -222,7 +224,7 @@
           <a:p>
             <a:fld id="{D2A48B96-639E-45A3-A0BA-2464DFDB1FAA}" type="datetimeFigureOut">
               <a:rPr lang="zh-CN" altLang="en-US" smtClean="0"/>
-              <a:t>2020/7/10</a:t>
+              <a:t>2020/7/13</a:t>
             </a:fld>
             <a:endParaRPr lang="zh-CN" altLang="en-US"/>
           </a:p>
@@ -540,6 +542,90 @@
 </p:notes>
 </file>
 
+<file path=ppt/notesSlides/notesSlide2.xml><?xml version="1.0" encoding="utf-8"?>
+<p:notes xmlns:a="http://schemas.openxmlformats.org/drawingml/2006/main" xmlns:r="http://schemas.openxmlformats.org/officeDocument/2006/relationships" xmlns:p="http://schemas.openxmlformats.org/presentationml/2006/main">
+  <p:cSld>
+    <p:spTree>
+      <p:nvGrpSpPr>
+        <p:cNvPr id="1" name=""/>
+        <p:cNvGrpSpPr/>
+        <p:nvPr/>
+      </p:nvGrpSpPr>
+      <p:grpSpPr>
+        <a:xfrm>
+          <a:off x="0" y="0"/>
+          <a:ext cx="0" cy="0"/>
+          <a:chOff x="0" y="0"/>
+          <a:chExt cx="0" cy="0"/>
+        </a:xfrm>
+      </p:grpSpPr>
+      <p:sp>
+        <p:nvSpPr>
+          <p:cNvPr id="2" name="幻灯片图像占位符 1"/>
+          <p:cNvSpPr>
+            <a:spLocks noGrp="1" noRot="1" noChangeAspect="1"/>
+          </p:cNvSpPr>
+          <p:nvPr>
+            <p:ph type="sldImg"/>
+          </p:nvPr>
+        </p:nvSpPr>
+        <p:spPr/>
+      </p:sp>
+      <p:sp>
+        <p:nvSpPr>
+          <p:cNvPr id="3" name="备注占位符 2"/>
+          <p:cNvSpPr>
+            <a:spLocks noGrp="1"/>
+          </p:cNvSpPr>
+          <p:nvPr>
+            <p:ph type="body" idx="1"/>
+          </p:nvPr>
+        </p:nvSpPr>
+        <p:spPr/>
+        <p:txBody>
+          <a:bodyPr/>
+          <a:lstStyle/>
+          <a:p>
+            <a:endParaRPr lang="zh-CN" altLang="en-US" dirty="0"/>
+          </a:p>
+        </p:txBody>
+      </p:sp>
+      <p:sp>
+        <p:nvSpPr>
+          <p:cNvPr id="4" name="灯片编号占位符 3"/>
+          <p:cNvSpPr>
+            <a:spLocks noGrp="1"/>
+          </p:cNvSpPr>
+          <p:nvPr>
+            <p:ph type="sldNum" sz="quarter" idx="5"/>
+          </p:nvPr>
+        </p:nvSpPr>
+        <p:spPr/>
+        <p:txBody>
+          <a:bodyPr/>
+          <a:lstStyle/>
+          <a:p>
+            <a:fld id="{3E01422B-FC40-4DBC-8F7B-C5ECCE81D261}" type="slidenum">
+              <a:rPr lang="zh-CN" altLang="en-US" smtClean="0"/>
+              <a:t>27</a:t>
+            </a:fld>
+            <a:endParaRPr lang="zh-CN" altLang="en-US"/>
+          </a:p>
+        </p:txBody>
+      </p:sp>
+    </p:spTree>
+    <p:extLst>
+      <p:ext uri="{BB962C8B-B14F-4D97-AF65-F5344CB8AC3E}">
+        <p14:creationId xmlns:p14="http://schemas.microsoft.com/office/powerpoint/2010/main" val="3746046815"/>
+      </p:ext>
+    </p:extLst>
+  </p:cSld>
+  <p:clrMapOvr>
+    <a:masterClrMapping/>
+  </p:clrMapOvr>
+</p:notes>
+</file>
+
 <file path=ppt/slideLayouts/slideLayout1.xml><?xml version="1.0" encoding="utf-8"?>
 <p:sldLayout xmlns:a="http://schemas.openxmlformats.org/drawingml/2006/main" xmlns:r="http://schemas.openxmlformats.org/officeDocument/2006/relationships" xmlns:p="http://schemas.openxmlformats.org/presentationml/2006/main" type="title" preserve="1">
   <p:cSld name="标题幻灯片">
@@ -669,7 +755,7 @@
           <a:p>
             <a:fld id="{5AD20816-3703-4B36-A03B-6CEA84674823}" type="datetimeFigureOut">
               <a:rPr lang="zh-CN" altLang="en-US" smtClean="0"/>
-              <a:t>2020/7/10</a:t>
+              <a:t>2020/7/13</a:t>
             </a:fld>
             <a:endParaRPr lang="zh-CN" altLang="en-US"/>
           </a:p>
@@ -832,7 +918,7 @@
           <a:p>
             <a:fld id="{5AD20816-3703-4B36-A03B-6CEA84674823}" type="datetimeFigureOut">
               <a:rPr lang="zh-CN" altLang="en-US" smtClean="0"/>
-              <a:t>2020/7/10</a:t>
+              <a:t>2020/7/13</a:t>
             </a:fld>
             <a:endParaRPr lang="zh-CN" altLang="en-US"/>
           </a:p>
@@ -1005,7 +1091,7 @@
           <a:p>
             <a:fld id="{5AD20816-3703-4B36-A03B-6CEA84674823}" type="datetimeFigureOut">
               <a:rPr lang="zh-CN" altLang="en-US" smtClean="0"/>
-              <a:t>2020/7/10</a:t>
+              <a:t>2020/7/13</a:t>
             </a:fld>
             <a:endParaRPr lang="zh-CN" altLang="en-US"/>
           </a:p>
@@ -1168,7 +1254,7 @@
           <a:p>
             <a:fld id="{5AD20816-3703-4B36-A03B-6CEA84674823}" type="datetimeFigureOut">
               <a:rPr lang="zh-CN" altLang="en-US" smtClean="0"/>
-              <a:t>2020/7/10</a:t>
+              <a:t>2020/7/13</a:t>
             </a:fld>
             <a:endParaRPr lang="zh-CN" altLang="en-US"/>
           </a:p>
@@ -1408,7 +1494,7 @@
           <a:p>
             <a:fld id="{5AD20816-3703-4B36-A03B-6CEA84674823}" type="datetimeFigureOut">
               <a:rPr lang="zh-CN" altLang="en-US" smtClean="0"/>
-              <a:t>2020/7/10</a:t>
+              <a:t>2020/7/13</a:t>
             </a:fld>
             <a:endParaRPr lang="zh-CN" altLang="en-US"/>
           </a:p>
@@ -1632,7 +1718,7 @@
           <a:p>
             <a:fld id="{5AD20816-3703-4B36-A03B-6CEA84674823}" type="datetimeFigureOut">
               <a:rPr lang="zh-CN" altLang="en-US" smtClean="0"/>
-              <a:t>2020/7/10</a:t>
+              <a:t>2020/7/13</a:t>
             </a:fld>
             <a:endParaRPr lang="zh-CN" altLang="en-US"/>
           </a:p>
@@ -1991,7 +2077,7 @@
           <a:p>
             <a:fld id="{5AD20816-3703-4B36-A03B-6CEA84674823}" type="datetimeFigureOut">
               <a:rPr lang="zh-CN" altLang="en-US" smtClean="0"/>
-              <a:t>2020/7/10</a:t>
+              <a:t>2020/7/13</a:t>
             </a:fld>
             <a:endParaRPr lang="zh-CN" altLang="en-US"/>
           </a:p>
@@ -2103,7 +2189,7 @@
           <a:p>
             <a:fld id="{5AD20816-3703-4B36-A03B-6CEA84674823}" type="datetimeFigureOut">
               <a:rPr lang="zh-CN" altLang="en-US" smtClean="0"/>
-              <a:t>2020/7/10</a:t>
+              <a:t>2020/7/13</a:t>
             </a:fld>
             <a:endParaRPr lang="zh-CN" altLang="en-US"/>
           </a:p>
@@ -2193,7 +2279,7 @@
           <a:p>
             <a:fld id="{5AD20816-3703-4B36-A03B-6CEA84674823}" type="datetimeFigureOut">
               <a:rPr lang="zh-CN" altLang="en-US" smtClean="0"/>
-              <a:t>2020/7/10</a:t>
+              <a:t>2020/7/13</a:t>
             </a:fld>
             <a:endParaRPr lang="zh-CN" altLang="en-US"/>
           </a:p>
@@ -2463,7 +2549,7 @@
           <a:p>
             <a:fld id="{5AD20816-3703-4B36-A03B-6CEA84674823}" type="datetimeFigureOut">
               <a:rPr lang="zh-CN" altLang="en-US" smtClean="0"/>
-              <a:t>2020/7/10</a:t>
+              <a:t>2020/7/13</a:t>
             </a:fld>
             <a:endParaRPr lang="zh-CN" altLang="en-US"/>
           </a:p>
@@ -2710,7 +2796,7 @@
           <a:p>
             <a:fld id="{5AD20816-3703-4B36-A03B-6CEA84674823}" type="datetimeFigureOut">
               <a:rPr lang="zh-CN" altLang="en-US" smtClean="0"/>
-              <a:t>2020/7/10</a:t>
+              <a:t>2020/7/13</a:t>
             </a:fld>
             <a:endParaRPr lang="zh-CN" altLang="en-US"/>
           </a:p>
@@ -2916,7 +3002,7 @@
           <a:p>
             <a:fld id="{5AD20816-3703-4B36-A03B-6CEA84674823}" type="datetimeFigureOut">
               <a:rPr lang="zh-CN" altLang="en-US" smtClean="0"/>
-              <a:t>2020/7/10</a:t>
+              <a:t>2020/7/13</a:t>
             </a:fld>
             <a:endParaRPr lang="zh-CN" altLang="en-US"/>
           </a:p>
@@ -19219,6 +19305,3308 @@
     <p:extLst>
       <p:ext uri="{BB962C8B-B14F-4D97-AF65-F5344CB8AC3E}">
         <p14:creationId xmlns:p14="http://schemas.microsoft.com/office/powerpoint/2010/main" val="2759921219"/>
+      </p:ext>
+    </p:extLst>
+  </p:cSld>
+  <p:clrMapOvr>
+    <a:masterClrMapping/>
+  </p:clrMapOvr>
+</p:sld>
+</file>
+
+<file path=ppt/slides/slide27.xml><?xml version="1.0" encoding="utf-8"?>
+<p:sld xmlns:a="http://schemas.openxmlformats.org/drawingml/2006/main" xmlns:r="http://schemas.openxmlformats.org/officeDocument/2006/relationships" xmlns:p="http://schemas.openxmlformats.org/presentationml/2006/main">
+  <p:cSld>
+    <p:spTree>
+      <p:nvGrpSpPr>
+        <p:cNvPr id="1" name=""/>
+        <p:cNvGrpSpPr/>
+        <p:nvPr/>
+      </p:nvGrpSpPr>
+      <p:grpSpPr>
+        <a:xfrm>
+          <a:off x="0" y="0"/>
+          <a:ext cx="0" cy="0"/>
+          <a:chOff x="0" y="0"/>
+          <a:chExt cx="0" cy="0"/>
+        </a:xfrm>
+      </p:grpSpPr>
+      <p:sp>
+        <p:nvSpPr>
+          <p:cNvPr id="8" name="矩形 7">
+            <a:extLst>
+              <a:ext uri="{FF2B5EF4-FFF2-40B4-BE49-F238E27FC236}">
+                <a16:creationId xmlns:a16="http://schemas.microsoft.com/office/drawing/2014/main" id="{9476B6D5-0E24-40AC-B71F-0A89EA85178C}"/>
+              </a:ext>
+            </a:extLst>
+          </p:cNvPr>
+          <p:cNvSpPr/>
+          <p:nvPr/>
+        </p:nvSpPr>
+        <p:spPr>
+          <a:xfrm>
+            <a:off x="4198070" y="1244338"/>
+            <a:ext cx="4044087" cy="622169"/>
+          </a:xfrm>
+          <a:prstGeom prst="rect">
+            <a:avLst/>
+          </a:prstGeom>
+        </p:spPr>
+        <p:style>
+          <a:lnRef idx="2">
+            <a:schemeClr val="accent6">
+              <a:shade val="50000"/>
+            </a:schemeClr>
+          </a:lnRef>
+          <a:fillRef idx="1">
+            <a:schemeClr val="accent6"/>
+          </a:fillRef>
+          <a:effectRef idx="0">
+            <a:schemeClr val="accent6"/>
+          </a:effectRef>
+          <a:fontRef idx="minor">
+            <a:schemeClr val="lt1"/>
+          </a:fontRef>
+        </p:style>
+        <p:txBody>
+          <a:bodyPr rtlCol="0" anchor="ctr"/>
+          <a:lstStyle/>
+          <a:p>
+            <a:pPr algn="ctr"/>
+            <a:r>
+              <a:rPr lang="zh-CN" altLang="en-US" dirty="0"/>
+              <a:t>登陆</a:t>
+            </a:r>
+          </a:p>
+        </p:txBody>
+      </p:sp>
+      <p:sp>
+        <p:nvSpPr>
+          <p:cNvPr id="9" name="矩形 8">
+            <a:extLst>
+              <a:ext uri="{FF2B5EF4-FFF2-40B4-BE49-F238E27FC236}">
+                <a16:creationId xmlns:a16="http://schemas.microsoft.com/office/drawing/2014/main" id="{8884481A-B7E9-49C9-BDE4-145B49258087}"/>
+              </a:ext>
+            </a:extLst>
+          </p:cNvPr>
+          <p:cNvSpPr/>
+          <p:nvPr/>
+        </p:nvSpPr>
+        <p:spPr>
+          <a:xfrm>
+            <a:off x="4198070" y="2045616"/>
+            <a:ext cx="4044087" cy="537328"/>
+          </a:xfrm>
+          <a:prstGeom prst="rect">
+            <a:avLst/>
+          </a:prstGeom>
+        </p:spPr>
+        <p:style>
+          <a:lnRef idx="2">
+            <a:schemeClr val="accent6">
+              <a:shade val="50000"/>
+            </a:schemeClr>
+          </a:lnRef>
+          <a:fillRef idx="1">
+            <a:schemeClr val="accent6"/>
+          </a:fillRef>
+          <a:effectRef idx="0">
+            <a:schemeClr val="accent6"/>
+          </a:effectRef>
+          <a:fontRef idx="minor">
+            <a:schemeClr val="lt1"/>
+          </a:fontRef>
+        </p:style>
+        <p:txBody>
+          <a:bodyPr rtlCol="0" anchor="ctr"/>
+          <a:lstStyle/>
+          <a:p>
+            <a:pPr algn="ctr"/>
+            <a:r>
+              <a:rPr lang="zh-CN" altLang="en-US" dirty="0"/>
+              <a:t>主菜单</a:t>
+            </a:r>
+          </a:p>
+        </p:txBody>
+      </p:sp>
+      <p:sp>
+        <p:nvSpPr>
+          <p:cNvPr id="10" name="矩形 9">
+            <a:extLst>
+              <a:ext uri="{FF2B5EF4-FFF2-40B4-BE49-F238E27FC236}">
+                <a16:creationId xmlns:a16="http://schemas.microsoft.com/office/drawing/2014/main" id="{0002BB5E-8066-44FC-8345-A82C68C75D52}"/>
+              </a:ext>
+            </a:extLst>
+          </p:cNvPr>
+          <p:cNvSpPr/>
+          <p:nvPr/>
+        </p:nvSpPr>
+        <p:spPr>
+          <a:xfrm>
+            <a:off x="2472965" y="2045616"/>
+            <a:ext cx="1223912" cy="537328"/>
+          </a:xfrm>
+          <a:prstGeom prst="rect">
+            <a:avLst/>
+          </a:prstGeom>
+        </p:spPr>
+        <p:style>
+          <a:lnRef idx="2">
+            <a:schemeClr val="accent2">
+              <a:shade val="50000"/>
+            </a:schemeClr>
+          </a:lnRef>
+          <a:fillRef idx="1">
+            <a:schemeClr val="accent2"/>
+          </a:fillRef>
+          <a:effectRef idx="0">
+            <a:schemeClr val="accent2"/>
+          </a:effectRef>
+          <a:fontRef idx="minor">
+            <a:schemeClr val="lt1"/>
+          </a:fontRef>
+        </p:style>
+        <p:txBody>
+          <a:bodyPr rtlCol="0" anchor="ctr"/>
+          <a:lstStyle/>
+          <a:p>
+            <a:pPr algn="ctr"/>
+            <a:r>
+              <a:rPr lang="zh-CN" altLang="en-US" dirty="0"/>
+              <a:t>公告详情</a:t>
+            </a:r>
+          </a:p>
+        </p:txBody>
+      </p:sp>
+      <p:sp>
+        <p:nvSpPr>
+          <p:cNvPr id="11" name="矩形 10">
+            <a:extLst>
+              <a:ext uri="{FF2B5EF4-FFF2-40B4-BE49-F238E27FC236}">
+                <a16:creationId xmlns:a16="http://schemas.microsoft.com/office/drawing/2014/main" id="{07797F90-C34B-49E4-A12E-D350D012C389}"/>
+              </a:ext>
+            </a:extLst>
+          </p:cNvPr>
+          <p:cNvSpPr/>
+          <p:nvPr/>
+        </p:nvSpPr>
+        <p:spPr>
+          <a:xfrm>
+            <a:off x="8656948" y="2045616"/>
+            <a:ext cx="1706252" cy="537328"/>
+          </a:xfrm>
+          <a:prstGeom prst="rect">
+            <a:avLst/>
+          </a:prstGeom>
+        </p:spPr>
+        <p:style>
+          <a:lnRef idx="2">
+            <a:schemeClr val="accent2">
+              <a:shade val="50000"/>
+            </a:schemeClr>
+          </a:lnRef>
+          <a:fillRef idx="1">
+            <a:schemeClr val="accent2"/>
+          </a:fillRef>
+          <a:effectRef idx="0">
+            <a:schemeClr val="accent2"/>
+          </a:effectRef>
+          <a:fontRef idx="minor">
+            <a:schemeClr val="lt1"/>
+          </a:fontRef>
+        </p:style>
+        <p:txBody>
+          <a:bodyPr rtlCol="0" anchor="ctr"/>
+          <a:lstStyle/>
+          <a:p>
+            <a:pPr algn="ctr"/>
+            <a:r>
+              <a:rPr lang="zh-CN" altLang="en-US" dirty="0"/>
+              <a:t>邮件</a:t>
+            </a:r>
+          </a:p>
+        </p:txBody>
+      </p:sp>
+      <p:sp>
+        <p:nvSpPr>
+          <p:cNvPr id="12" name="矩形 11">
+            <a:extLst>
+              <a:ext uri="{FF2B5EF4-FFF2-40B4-BE49-F238E27FC236}">
+                <a16:creationId xmlns:a16="http://schemas.microsoft.com/office/drawing/2014/main" id="{0148D86F-0504-4EA0-A75A-8419DF6D6F93}"/>
+              </a:ext>
+            </a:extLst>
+          </p:cNvPr>
+          <p:cNvSpPr/>
+          <p:nvPr/>
+        </p:nvSpPr>
+        <p:spPr>
+          <a:xfrm>
+            <a:off x="8712283" y="1414021"/>
+            <a:ext cx="1432874" cy="537328"/>
+          </a:xfrm>
+          <a:prstGeom prst="rect">
+            <a:avLst/>
+          </a:prstGeom>
+        </p:spPr>
+        <p:style>
+          <a:lnRef idx="2">
+            <a:schemeClr val="accent2">
+              <a:shade val="50000"/>
+            </a:schemeClr>
+          </a:lnRef>
+          <a:fillRef idx="1">
+            <a:schemeClr val="accent2"/>
+          </a:fillRef>
+          <a:effectRef idx="0">
+            <a:schemeClr val="accent2"/>
+          </a:effectRef>
+          <a:fontRef idx="minor">
+            <a:schemeClr val="lt1"/>
+          </a:fontRef>
+        </p:style>
+        <p:txBody>
+          <a:bodyPr rtlCol="0" anchor="ctr"/>
+          <a:lstStyle/>
+          <a:p>
+            <a:pPr algn="ctr"/>
+            <a:r>
+              <a:rPr lang="zh-CN" altLang="en-US" dirty="0"/>
+              <a:t>好友列表</a:t>
+            </a:r>
+          </a:p>
+        </p:txBody>
+      </p:sp>
+      <p:sp>
+        <p:nvSpPr>
+          <p:cNvPr id="13" name="矩形 12">
+            <a:extLst>
+              <a:ext uri="{FF2B5EF4-FFF2-40B4-BE49-F238E27FC236}">
+                <a16:creationId xmlns:a16="http://schemas.microsoft.com/office/drawing/2014/main" id="{57F4E57F-79A4-497A-8285-5987A1669918}"/>
+              </a:ext>
+            </a:extLst>
+          </p:cNvPr>
+          <p:cNvSpPr/>
+          <p:nvPr/>
+        </p:nvSpPr>
+        <p:spPr>
+          <a:xfrm>
+            <a:off x="1822515" y="2818614"/>
+            <a:ext cx="1706252" cy="537328"/>
+          </a:xfrm>
+          <a:prstGeom prst="rect">
+            <a:avLst/>
+          </a:prstGeom>
+        </p:spPr>
+        <p:style>
+          <a:lnRef idx="2">
+            <a:schemeClr val="accent6">
+              <a:shade val="50000"/>
+            </a:schemeClr>
+          </a:lnRef>
+          <a:fillRef idx="1">
+            <a:schemeClr val="accent6"/>
+          </a:fillRef>
+          <a:effectRef idx="0">
+            <a:schemeClr val="accent6"/>
+          </a:effectRef>
+          <a:fontRef idx="minor">
+            <a:schemeClr val="lt1"/>
+          </a:fontRef>
+        </p:style>
+        <p:txBody>
+          <a:bodyPr rtlCol="0" anchor="ctr"/>
+          <a:lstStyle/>
+          <a:p>
+            <a:pPr algn="ctr"/>
+            <a:r>
+              <a:rPr lang="zh-CN" altLang="en-US" dirty="0"/>
+              <a:t>关卡</a:t>
+            </a:r>
+          </a:p>
+        </p:txBody>
+      </p:sp>
+      <p:sp>
+        <p:nvSpPr>
+          <p:cNvPr id="14" name="矩形 13">
+            <a:extLst>
+              <a:ext uri="{FF2B5EF4-FFF2-40B4-BE49-F238E27FC236}">
+                <a16:creationId xmlns:a16="http://schemas.microsoft.com/office/drawing/2014/main" id="{C00D4567-3C64-4918-A9E3-D6EC33E6CE6B}"/>
+              </a:ext>
+            </a:extLst>
+          </p:cNvPr>
+          <p:cNvSpPr/>
+          <p:nvPr/>
+        </p:nvSpPr>
+        <p:spPr>
+          <a:xfrm>
+            <a:off x="4264058" y="2818614"/>
+            <a:ext cx="1706252" cy="537328"/>
+          </a:xfrm>
+          <a:prstGeom prst="rect">
+            <a:avLst/>
+          </a:prstGeom>
+        </p:spPr>
+        <p:style>
+          <a:lnRef idx="2">
+            <a:schemeClr val="accent1">
+              <a:shade val="50000"/>
+            </a:schemeClr>
+          </a:lnRef>
+          <a:fillRef idx="1">
+            <a:schemeClr val="accent1"/>
+          </a:fillRef>
+          <a:effectRef idx="0">
+            <a:schemeClr val="accent1"/>
+          </a:effectRef>
+          <a:fontRef idx="minor">
+            <a:schemeClr val="lt1"/>
+          </a:fontRef>
+        </p:style>
+        <p:txBody>
+          <a:bodyPr rtlCol="0" anchor="ctr"/>
+          <a:lstStyle/>
+          <a:p>
+            <a:pPr algn="ctr"/>
+            <a:r>
+              <a:rPr lang="zh-CN" altLang="en-US" dirty="0"/>
+              <a:t>商店</a:t>
+            </a:r>
+          </a:p>
+        </p:txBody>
+      </p:sp>
+      <p:sp>
+        <p:nvSpPr>
+          <p:cNvPr id="15" name="矩形 14">
+            <a:extLst>
+              <a:ext uri="{FF2B5EF4-FFF2-40B4-BE49-F238E27FC236}">
+                <a16:creationId xmlns:a16="http://schemas.microsoft.com/office/drawing/2014/main" id="{441CE295-F32C-4FC5-810B-60ADE2889CC4}"/>
+              </a:ext>
+            </a:extLst>
+          </p:cNvPr>
+          <p:cNvSpPr/>
+          <p:nvPr/>
+        </p:nvSpPr>
+        <p:spPr>
+          <a:xfrm>
+            <a:off x="6130565" y="2818613"/>
+            <a:ext cx="2102178" cy="999227"/>
+          </a:xfrm>
+          <a:prstGeom prst="rect">
+            <a:avLst/>
+          </a:prstGeom>
+        </p:spPr>
+        <p:style>
+          <a:lnRef idx="2">
+            <a:schemeClr val="accent1">
+              <a:shade val="50000"/>
+            </a:schemeClr>
+          </a:lnRef>
+          <a:fillRef idx="1">
+            <a:schemeClr val="accent1"/>
+          </a:fillRef>
+          <a:effectRef idx="0">
+            <a:schemeClr val="accent1"/>
+          </a:effectRef>
+          <a:fontRef idx="minor">
+            <a:schemeClr val="lt1"/>
+          </a:fontRef>
+        </p:style>
+        <p:txBody>
+          <a:bodyPr rtlCol="0" anchor="t"/>
+          <a:lstStyle/>
+          <a:p>
+            <a:pPr algn="ctr"/>
+            <a:r>
+              <a:rPr lang="zh-CN" altLang="en-US" dirty="0"/>
+              <a:t>背包</a:t>
+            </a:r>
+          </a:p>
+        </p:txBody>
+      </p:sp>
+      <p:sp>
+        <p:nvSpPr>
+          <p:cNvPr id="16" name="矩形 15">
+            <a:extLst>
+              <a:ext uri="{FF2B5EF4-FFF2-40B4-BE49-F238E27FC236}">
+                <a16:creationId xmlns:a16="http://schemas.microsoft.com/office/drawing/2014/main" id="{A48188DA-92C6-4B47-988B-0C89278E3FD1}"/>
+              </a:ext>
+            </a:extLst>
+          </p:cNvPr>
+          <p:cNvSpPr/>
+          <p:nvPr/>
+        </p:nvSpPr>
+        <p:spPr>
+          <a:xfrm>
+            <a:off x="8949179" y="2818614"/>
+            <a:ext cx="1809947" cy="537328"/>
+          </a:xfrm>
+          <a:prstGeom prst="rect">
+            <a:avLst/>
+          </a:prstGeom>
+          <a:solidFill>
+            <a:schemeClr val="tx1">
+              <a:lumMod val="75000"/>
+              <a:lumOff val="25000"/>
+            </a:schemeClr>
+          </a:solidFill>
+        </p:spPr>
+        <p:style>
+          <a:lnRef idx="2">
+            <a:schemeClr val="accent3">
+              <a:shade val="50000"/>
+            </a:schemeClr>
+          </a:lnRef>
+          <a:fillRef idx="1">
+            <a:schemeClr val="accent3"/>
+          </a:fillRef>
+          <a:effectRef idx="0">
+            <a:schemeClr val="accent3"/>
+          </a:effectRef>
+          <a:fontRef idx="minor">
+            <a:schemeClr val="lt1"/>
+          </a:fontRef>
+        </p:style>
+        <p:txBody>
+          <a:bodyPr rtlCol="0" anchor="ctr"/>
+          <a:lstStyle/>
+          <a:p>
+            <a:pPr algn="ctr"/>
+            <a:r>
+              <a:rPr lang="zh-CN" altLang="en-US" dirty="0"/>
+              <a:t>任务</a:t>
+            </a:r>
+          </a:p>
+        </p:txBody>
+      </p:sp>
+      <p:sp>
+        <p:nvSpPr>
+          <p:cNvPr id="17" name="矩形 16">
+            <a:extLst>
+              <a:ext uri="{FF2B5EF4-FFF2-40B4-BE49-F238E27FC236}">
+                <a16:creationId xmlns:a16="http://schemas.microsoft.com/office/drawing/2014/main" id="{30F152AD-2486-4E56-8B2C-BA44C48A19AD}"/>
+              </a:ext>
+            </a:extLst>
+          </p:cNvPr>
+          <p:cNvSpPr/>
+          <p:nvPr/>
+        </p:nvSpPr>
+        <p:spPr>
+          <a:xfrm>
+            <a:off x="1162639" y="3780148"/>
+            <a:ext cx="961534" cy="537328"/>
+          </a:xfrm>
+          <a:prstGeom prst="rect">
+            <a:avLst/>
+          </a:prstGeom>
+        </p:spPr>
+        <p:style>
+          <a:lnRef idx="2">
+            <a:schemeClr val="accent1">
+              <a:shade val="50000"/>
+            </a:schemeClr>
+          </a:lnRef>
+          <a:fillRef idx="1">
+            <a:schemeClr val="accent1"/>
+          </a:fillRef>
+          <a:effectRef idx="0">
+            <a:schemeClr val="accent1"/>
+          </a:effectRef>
+          <a:fontRef idx="minor">
+            <a:schemeClr val="lt1"/>
+          </a:fontRef>
+        </p:style>
+        <p:txBody>
+          <a:bodyPr rtlCol="0" anchor="ctr"/>
+          <a:lstStyle/>
+          <a:p>
+            <a:pPr algn="ctr"/>
+            <a:r>
+              <a:rPr lang="zh-CN" altLang="en-US" dirty="0"/>
+              <a:t>主线</a:t>
+            </a:r>
+          </a:p>
+        </p:txBody>
+      </p:sp>
+      <p:sp>
+        <p:nvSpPr>
+          <p:cNvPr id="18" name="矩形 17">
+            <a:extLst>
+              <a:ext uri="{FF2B5EF4-FFF2-40B4-BE49-F238E27FC236}">
+                <a16:creationId xmlns:a16="http://schemas.microsoft.com/office/drawing/2014/main" id="{96EA0834-9B78-4298-A468-D463B592A489}"/>
+              </a:ext>
+            </a:extLst>
+          </p:cNvPr>
+          <p:cNvSpPr/>
+          <p:nvPr/>
+        </p:nvSpPr>
+        <p:spPr>
+          <a:xfrm>
+            <a:off x="2340990" y="3780148"/>
+            <a:ext cx="857839" cy="537328"/>
+          </a:xfrm>
+          <a:prstGeom prst="rect">
+            <a:avLst/>
+          </a:prstGeom>
+          <a:solidFill>
+            <a:schemeClr val="tx1">
+              <a:lumMod val="75000"/>
+              <a:lumOff val="25000"/>
+            </a:schemeClr>
+          </a:solidFill>
+        </p:spPr>
+        <p:style>
+          <a:lnRef idx="2">
+            <a:schemeClr val="accent3">
+              <a:shade val="50000"/>
+            </a:schemeClr>
+          </a:lnRef>
+          <a:fillRef idx="1">
+            <a:schemeClr val="accent3"/>
+          </a:fillRef>
+          <a:effectRef idx="0">
+            <a:schemeClr val="accent3"/>
+          </a:effectRef>
+          <a:fontRef idx="minor">
+            <a:schemeClr val="lt1"/>
+          </a:fontRef>
+        </p:style>
+        <p:txBody>
+          <a:bodyPr rtlCol="0" anchor="ctr"/>
+          <a:lstStyle/>
+          <a:p>
+            <a:pPr algn="ctr"/>
+            <a:r>
+              <a:rPr lang="zh-CN" altLang="en-US" dirty="0"/>
+              <a:t>每日</a:t>
+            </a:r>
+          </a:p>
+        </p:txBody>
+      </p:sp>
+      <p:sp>
+        <p:nvSpPr>
+          <p:cNvPr id="19" name="矩形 18">
+            <a:extLst>
+              <a:ext uri="{FF2B5EF4-FFF2-40B4-BE49-F238E27FC236}">
+                <a16:creationId xmlns:a16="http://schemas.microsoft.com/office/drawing/2014/main" id="{5B731F4A-10ED-4978-869D-78690B8E2F47}"/>
+              </a:ext>
+            </a:extLst>
+          </p:cNvPr>
+          <p:cNvSpPr/>
+          <p:nvPr/>
+        </p:nvSpPr>
+        <p:spPr>
+          <a:xfrm>
+            <a:off x="3396792" y="3780148"/>
+            <a:ext cx="801278" cy="537328"/>
+          </a:xfrm>
+          <a:prstGeom prst="rect">
+            <a:avLst/>
+          </a:prstGeom>
+        </p:spPr>
+        <p:style>
+          <a:lnRef idx="2">
+            <a:schemeClr val="accent1">
+              <a:shade val="50000"/>
+            </a:schemeClr>
+          </a:lnRef>
+          <a:fillRef idx="1">
+            <a:schemeClr val="accent1"/>
+          </a:fillRef>
+          <a:effectRef idx="0">
+            <a:schemeClr val="accent1"/>
+          </a:effectRef>
+          <a:fontRef idx="minor">
+            <a:schemeClr val="lt1"/>
+          </a:fontRef>
+        </p:style>
+        <p:txBody>
+          <a:bodyPr rtlCol="0" anchor="ctr"/>
+          <a:lstStyle/>
+          <a:p>
+            <a:pPr algn="ctr"/>
+            <a:r>
+              <a:rPr lang="zh-CN" altLang="en-US" dirty="0"/>
+              <a:t>活动</a:t>
+            </a:r>
+          </a:p>
+        </p:txBody>
+      </p:sp>
+      <p:sp>
+        <p:nvSpPr>
+          <p:cNvPr id="20" name="矩形 19">
+            <a:extLst>
+              <a:ext uri="{FF2B5EF4-FFF2-40B4-BE49-F238E27FC236}">
+                <a16:creationId xmlns:a16="http://schemas.microsoft.com/office/drawing/2014/main" id="{38CAEAA3-8F18-477A-9335-260E6CF7B2CD}"/>
+              </a:ext>
+            </a:extLst>
+          </p:cNvPr>
+          <p:cNvSpPr/>
+          <p:nvPr/>
+        </p:nvSpPr>
+        <p:spPr>
+          <a:xfrm>
+            <a:off x="974103" y="4666268"/>
+            <a:ext cx="3289955" cy="603315"/>
+          </a:xfrm>
+          <a:prstGeom prst="rect">
+            <a:avLst/>
+          </a:prstGeom>
+        </p:spPr>
+        <p:style>
+          <a:lnRef idx="2">
+            <a:schemeClr val="accent1">
+              <a:shade val="50000"/>
+            </a:schemeClr>
+          </a:lnRef>
+          <a:fillRef idx="1">
+            <a:schemeClr val="accent1"/>
+          </a:fillRef>
+          <a:effectRef idx="0">
+            <a:schemeClr val="accent1"/>
+          </a:effectRef>
+          <a:fontRef idx="minor">
+            <a:schemeClr val="lt1"/>
+          </a:fontRef>
+        </p:style>
+        <p:txBody>
+          <a:bodyPr rtlCol="0" anchor="ctr"/>
+          <a:lstStyle/>
+          <a:p>
+            <a:pPr algn="ctr"/>
+            <a:r>
+              <a:rPr lang="zh-CN" altLang="en-US" dirty="0"/>
+              <a:t>战前准备</a:t>
+            </a:r>
+          </a:p>
+        </p:txBody>
+      </p:sp>
+      <p:sp>
+        <p:nvSpPr>
+          <p:cNvPr id="21" name="矩形 20">
+            <a:extLst>
+              <a:ext uri="{FF2B5EF4-FFF2-40B4-BE49-F238E27FC236}">
+                <a16:creationId xmlns:a16="http://schemas.microsoft.com/office/drawing/2014/main" id="{658F774E-9522-41EC-9E8E-46F8820AA624}"/>
+              </a:ext>
+            </a:extLst>
+          </p:cNvPr>
+          <p:cNvSpPr/>
+          <p:nvPr/>
+        </p:nvSpPr>
+        <p:spPr>
+          <a:xfrm>
+            <a:off x="974103" y="5627802"/>
+            <a:ext cx="3289955" cy="490194"/>
+          </a:xfrm>
+          <a:prstGeom prst="rect">
+            <a:avLst/>
+          </a:prstGeom>
+          <a:solidFill>
+            <a:schemeClr val="bg1">
+              <a:lumMod val="75000"/>
+            </a:schemeClr>
+          </a:solidFill>
+        </p:spPr>
+        <p:style>
+          <a:lnRef idx="2">
+            <a:schemeClr val="dk1">
+              <a:shade val="50000"/>
+            </a:schemeClr>
+          </a:lnRef>
+          <a:fillRef idx="1">
+            <a:schemeClr val="dk1"/>
+          </a:fillRef>
+          <a:effectRef idx="0">
+            <a:schemeClr val="dk1"/>
+          </a:effectRef>
+          <a:fontRef idx="minor">
+            <a:schemeClr val="lt1"/>
+          </a:fontRef>
+        </p:style>
+        <p:txBody>
+          <a:bodyPr rtlCol="0" anchor="ctr"/>
+          <a:lstStyle/>
+          <a:p>
+            <a:pPr algn="ctr"/>
+            <a:r>
+              <a:rPr lang="zh-CN" altLang="en-US" dirty="0"/>
+              <a:t>战斗结算</a:t>
+            </a:r>
+          </a:p>
+        </p:txBody>
+      </p:sp>
+      <p:sp>
+        <p:nvSpPr>
+          <p:cNvPr id="22" name="矩形 21">
+            <a:extLst>
+              <a:ext uri="{FF2B5EF4-FFF2-40B4-BE49-F238E27FC236}">
+                <a16:creationId xmlns:a16="http://schemas.microsoft.com/office/drawing/2014/main" id="{3AC9BBDD-8BC2-4AAC-9396-89C660185AE9}"/>
+              </a:ext>
+            </a:extLst>
+          </p:cNvPr>
+          <p:cNvSpPr/>
+          <p:nvPr/>
+        </p:nvSpPr>
+        <p:spPr>
+          <a:xfrm>
+            <a:off x="4339472" y="3780148"/>
+            <a:ext cx="641023" cy="537328"/>
+          </a:xfrm>
+          <a:prstGeom prst="rect">
+            <a:avLst/>
+          </a:prstGeom>
+        </p:spPr>
+        <p:style>
+          <a:lnRef idx="2">
+            <a:schemeClr val="accent1">
+              <a:shade val="50000"/>
+            </a:schemeClr>
+          </a:lnRef>
+          <a:fillRef idx="1">
+            <a:schemeClr val="accent1"/>
+          </a:fillRef>
+          <a:effectRef idx="0">
+            <a:schemeClr val="accent1"/>
+          </a:effectRef>
+          <a:fontRef idx="minor">
+            <a:schemeClr val="lt1"/>
+          </a:fontRef>
+        </p:style>
+        <p:txBody>
+          <a:bodyPr rtlCol="0" anchor="ctr"/>
+          <a:lstStyle/>
+          <a:p>
+            <a:pPr algn="ctr"/>
+            <a:r>
+              <a:rPr lang="zh-CN" altLang="en-US" dirty="0"/>
+              <a:t>抽卡界面</a:t>
+            </a:r>
+          </a:p>
+        </p:txBody>
+      </p:sp>
+      <p:sp>
+        <p:nvSpPr>
+          <p:cNvPr id="23" name="矩形 22">
+            <a:extLst>
+              <a:ext uri="{FF2B5EF4-FFF2-40B4-BE49-F238E27FC236}">
+                <a16:creationId xmlns:a16="http://schemas.microsoft.com/office/drawing/2014/main" id="{6885DB80-40EA-46FE-B187-1BF10D747ABD}"/>
+              </a:ext>
+            </a:extLst>
+          </p:cNvPr>
+          <p:cNvSpPr/>
+          <p:nvPr/>
+        </p:nvSpPr>
+        <p:spPr>
+          <a:xfrm>
+            <a:off x="5093616" y="3780148"/>
+            <a:ext cx="678731" cy="537328"/>
+          </a:xfrm>
+          <a:prstGeom prst="rect">
+            <a:avLst/>
+          </a:prstGeom>
+        </p:spPr>
+        <p:style>
+          <a:lnRef idx="2">
+            <a:schemeClr val="accent1">
+              <a:shade val="50000"/>
+            </a:schemeClr>
+          </a:lnRef>
+          <a:fillRef idx="1">
+            <a:schemeClr val="accent1"/>
+          </a:fillRef>
+          <a:effectRef idx="0">
+            <a:schemeClr val="accent1"/>
+          </a:effectRef>
+          <a:fontRef idx="minor">
+            <a:schemeClr val="lt1"/>
+          </a:fontRef>
+        </p:style>
+        <p:txBody>
+          <a:bodyPr rtlCol="0" anchor="ctr"/>
+          <a:lstStyle/>
+          <a:p>
+            <a:pPr algn="ctr"/>
+            <a:r>
+              <a:rPr lang="zh-CN" altLang="en-US" dirty="0"/>
+              <a:t>购买界面</a:t>
+            </a:r>
+          </a:p>
+        </p:txBody>
+      </p:sp>
+      <p:sp>
+        <p:nvSpPr>
+          <p:cNvPr id="24" name="矩形 23">
+            <a:extLst>
+              <a:ext uri="{FF2B5EF4-FFF2-40B4-BE49-F238E27FC236}">
+                <a16:creationId xmlns:a16="http://schemas.microsoft.com/office/drawing/2014/main" id="{B7F39CF8-120C-4587-8ACE-885FE4A94937}"/>
+              </a:ext>
+            </a:extLst>
+          </p:cNvPr>
+          <p:cNvSpPr/>
+          <p:nvPr/>
+        </p:nvSpPr>
+        <p:spPr>
+          <a:xfrm>
+            <a:off x="4339472" y="4666268"/>
+            <a:ext cx="641023" cy="603315"/>
+          </a:xfrm>
+          <a:prstGeom prst="rect">
+            <a:avLst/>
+          </a:prstGeom>
+        </p:spPr>
+        <p:style>
+          <a:lnRef idx="2">
+            <a:schemeClr val="accent1">
+              <a:shade val="50000"/>
+            </a:schemeClr>
+          </a:lnRef>
+          <a:fillRef idx="1">
+            <a:schemeClr val="accent1"/>
+          </a:fillRef>
+          <a:effectRef idx="0">
+            <a:schemeClr val="accent1"/>
+          </a:effectRef>
+          <a:fontRef idx="minor">
+            <a:schemeClr val="lt1"/>
+          </a:fontRef>
+        </p:style>
+        <p:txBody>
+          <a:bodyPr rtlCol="0" anchor="ctr"/>
+          <a:lstStyle/>
+          <a:p>
+            <a:pPr algn="ctr"/>
+            <a:r>
+              <a:rPr lang="zh-CN" altLang="en-US" dirty="0"/>
+              <a:t>抽卡结果</a:t>
+            </a:r>
+          </a:p>
+        </p:txBody>
+      </p:sp>
+      <p:sp>
+        <p:nvSpPr>
+          <p:cNvPr id="25" name="矩形 24">
+            <a:extLst>
+              <a:ext uri="{FF2B5EF4-FFF2-40B4-BE49-F238E27FC236}">
+                <a16:creationId xmlns:a16="http://schemas.microsoft.com/office/drawing/2014/main" id="{2C2F44ED-94A8-47B6-B1E1-A0D3CE721D10}"/>
+              </a:ext>
+            </a:extLst>
+          </p:cNvPr>
+          <p:cNvSpPr/>
+          <p:nvPr/>
+        </p:nvSpPr>
+        <p:spPr>
+          <a:xfrm>
+            <a:off x="6149419" y="3139124"/>
+            <a:ext cx="367646" cy="1112363"/>
+          </a:xfrm>
+          <a:prstGeom prst="rect">
+            <a:avLst/>
+          </a:prstGeom>
+          <a:solidFill>
+            <a:schemeClr val="tx1">
+              <a:lumMod val="75000"/>
+              <a:lumOff val="25000"/>
+            </a:schemeClr>
+          </a:solidFill>
+        </p:spPr>
+        <p:style>
+          <a:lnRef idx="2">
+            <a:schemeClr val="accent3">
+              <a:shade val="50000"/>
+            </a:schemeClr>
+          </a:lnRef>
+          <a:fillRef idx="1">
+            <a:schemeClr val="accent3"/>
+          </a:fillRef>
+          <a:effectRef idx="0">
+            <a:schemeClr val="accent3"/>
+          </a:effectRef>
+          <a:fontRef idx="minor">
+            <a:schemeClr val="lt1"/>
+          </a:fontRef>
+        </p:style>
+        <p:txBody>
+          <a:bodyPr rtlCol="0" anchor="ctr"/>
+          <a:lstStyle/>
+          <a:p>
+            <a:pPr algn="ctr"/>
+            <a:r>
+              <a:rPr lang="zh-CN" altLang="en-US" dirty="0"/>
+              <a:t>图鉴</a:t>
+            </a:r>
+          </a:p>
+        </p:txBody>
+      </p:sp>
+      <p:sp>
+        <p:nvSpPr>
+          <p:cNvPr id="26" name="矩形 25">
+            <a:extLst>
+              <a:ext uri="{FF2B5EF4-FFF2-40B4-BE49-F238E27FC236}">
+                <a16:creationId xmlns:a16="http://schemas.microsoft.com/office/drawing/2014/main" id="{E73A9E70-3A9A-4714-835C-2302822F549C}"/>
+              </a:ext>
+            </a:extLst>
+          </p:cNvPr>
+          <p:cNvSpPr/>
+          <p:nvPr/>
+        </p:nvSpPr>
+        <p:spPr>
+          <a:xfrm>
+            <a:off x="7120380" y="3154106"/>
+            <a:ext cx="358219" cy="1206631"/>
+          </a:xfrm>
+          <a:prstGeom prst="rect">
+            <a:avLst/>
+          </a:prstGeom>
+        </p:spPr>
+        <p:style>
+          <a:lnRef idx="2">
+            <a:schemeClr val="accent1">
+              <a:shade val="50000"/>
+            </a:schemeClr>
+          </a:lnRef>
+          <a:fillRef idx="1">
+            <a:schemeClr val="accent1"/>
+          </a:fillRef>
+          <a:effectRef idx="0">
+            <a:schemeClr val="accent1"/>
+          </a:effectRef>
+          <a:fontRef idx="minor">
+            <a:schemeClr val="lt1"/>
+          </a:fontRef>
+        </p:style>
+        <p:txBody>
+          <a:bodyPr rtlCol="0" anchor="ctr"/>
+          <a:lstStyle/>
+          <a:p>
+            <a:pPr algn="ctr"/>
+            <a:r>
+              <a:rPr lang="zh-CN" altLang="en-US" dirty="0"/>
+              <a:t>角色仓库</a:t>
+            </a:r>
+          </a:p>
+        </p:txBody>
+      </p:sp>
+      <p:sp>
+        <p:nvSpPr>
+          <p:cNvPr id="27" name="矩形 26">
+            <a:extLst>
+              <a:ext uri="{FF2B5EF4-FFF2-40B4-BE49-F238E27FC236}">
+                <a16:creationId xmlns:a16="http://schemas.microsoft.com/office/drawing/2014/main" id="{E966729C-588F-4745-AAA8-DD1FA6A555B1}"/>
+              </a:ext>
+            </a:extLst>
+          </p:cNvPr>
+          <p:cNvSpPr/>
+          <p:nvPr/>
+        </p:nvSpPr>
+        <p:spPr>
+          <a:xfrm>
+            <a:off x="7554011" y="3148550"/>
+            <a:ext cx="678718" cy="537328"/>
+          </a:xfrm>
+          <a:prstGeom prst="rect">
+            <a:avLst/>
+          </a:prstGeom>
+        </p:spPr>
+        <p:style>
+          <a:lnRef idx="2">
+            <a:schemeClr val="accent1">
+              <a:shade val="50000"/>
+            </a:schemeClr>
+          </a:lnRef>
+          <a:fillRef idx="1">
+            <a:schemeClr val="accent1"/>
+          </a:fillRef>
+          <a:effectRef idx="0">
+            <a:schemeClr val="accent1"/>
+          </a:effectRef>
+          <a:fontRef idx="minor">
+            <a:schemeClr val="lt1"/>
+          </a:fontRef>
+        </p:style>
+        <p:txBody>
+          <a:bodyPr rtlCol="0" anchor="ctr"/>
+          <a:lstStyle/>
+          <a:p>
+            <a:pPr algn="ctr"/>
+            <a:r>
+              <a:rPr lang="zh-CN" altLang="en-US" dirty="0"/>
+              <a:t>道具仓库</a:t>
+            </a:r>
+          </a:p>
+        </p:txBody>
+      </p:sp>
+      <p:sp>
+        <p:nvSpPr>
+          <p:cNvPr id="28" name="矩形 27">
+            <a:extLst>
+              <a:ext uri="{FF2B5EF4-FFF2-40B4-BE49-F238E27FC236}">
+                <a16:creationId xmlns:a16="http://schemas.microsoft.com/office/drawing/2014/main" id="{7EC813AD-4D44-4FDE-8ADE-80DCDF41D5B1}"/>
+              </a:ext>
+            </a:extLst>
+          </p:cNvPr>
+          <p:cNvSpPr/>
+          <p:nvPr/>
+        </p:nvSpPr>
+        <p:spPr>
+          <a:xfrm>
+            <a:off x="6733893" y="5279010"/>
+            <a:ext cx="735291" cy="603315"/>
+          </a:xfrm>
+          <a:prstGeom prst="rect">
+            <a:avLst/>
+          </a:prstGeom>
+          <a:solidFill>
+            <a:schemeClr val="bg1">
+              <a:lumMod val="75000"/>
+            </a:schemeClr>
+          </a:solidFill>
+        </p:spPr>
+        <p:style>
+          <a:lnRef idx="2">
+            <a:schemeClr val="accent1">
+              <a:shade val="50000"/>
+            </a:schemeClr>
+          </a:lnRef>
+          <a:fillRef idx="1">
+            <a:schemeClr val="accent1"/>
+          </a:fillRef>
+          <a:effectRef idx="0">
+            <a:schemeClr val="accent1"/>
+          </a:effectRef>
+          <a:fontRef idx="minor">
+            <a:schemeClr val="lt1"/>
+          </a:fontRef>
+        </p:style>
+        <p:txBody>
+          <a:bodyPr rtlCol="0" anchor="ctr"/>
+          <a:lstStyle/>
+          <a:p>
+            <a:pPr algn="ctr"/>
+            <a:r>
+              <a:rPr lang="zh-CN" altLang="en-US" dirty="0"/>
+              <a:t>角色详情</a:t>
+            </a:r>
+          </a:p>
+        </p:txBody>
+      </p:sp>
+      <p:sp>
+        <p:nvSpPr>
+          <p:cNvPr id="29" name="矩形 28">
+            <a:extLst>
+              <a:ext uri="{FF2B5EF4-FFF2-40B4-BE49-F238E27FC236}">
+                <a16:creationId xmlns:a16="http://schemas.microsoft.com/office/drawing/2014/main" id="{945D9571-6C3F-4A5C-A5F6-77DDA419C73F}"/>
+              </a:ext>
+            </a:extLst>
+          </p:cNvPr>
+          <p:cNvSpPr/>
+          <p:nvPr/>
+        </p:nvSpPr>
+        <p:spPr>
+          <a:xfrm>
+            <a:off x="7563439" y="4317476"/>
+            <a:ext cx="669303" cy="603315"/>
+          </a:xfrm>
+          <a:prstGeom prst="rect">
+            <a:avLst/>
+          </a:prstGeom>
+          <a:solidFill>
+            <a:schemeClr val="bg1">
+              <a:lumMod val="75000"/>
+            </a:schemeClr>
+          </a:solidFill>
+        </p:spPr>
+        <p:style>
+          <a:lnRef idx="2">
+            <a:schemeClr val="dk1">
+              <a:shade val="50000"/>
+            </a:schemeClr>
+          </a:lnRef>
+          <a:fillRef idx="1">
+            <a:schemeClr val="dk1"/>
+          </a:fillRef>
+          <a:effectRef idx="0">
+            <a:schemeClr val="dk1"/>
+          </a:effectRef>
+          <a:fontRef idx="minor">
+            <a:schemeClr val="lt1"/>
+          </a:fontRef>
+        </p:style>
+        <p:txBody>
+          <a:bodyPr rtlCol="0" anchor="ctr"/>
+          <a:lstStyle/>
+          <a:p>
+            <a:pPr algn="ctr"/>
+            <a:r>
+              <a:rPr lang="zh-CN" altLang="en-US" dirty="0"/>
+              <a:t>道具详情</a:t>
+            </a:r>
+          </a:p>
+        </p:txBody>
+      </p:sp>
+      <p:sp>
+        <p:nvSpPr>
+          <p:cNvPr id="30" name="矩形 29">
+            <a:extLst>
+              <a:ext uri="{FF2B5EF4-FFF2-40B4-BE49-F238E27FC236}">
+                <a16:creationId xmlns:a16="http://schemas.microsoft.com/office/drawing/2014/main" id="{2032A2F5-15B4-4388-9040-9D47E5F32F91}"/>
+              </a:ext>
+            </a:extLst>
+          </p:cNvPr>
+          <p:cNvSpPr/>
+          <p:nvPr/>
+        </p:nvSpPr>
+        <p:spPr>
+          <a:xfrm>
+            <a:off x="8949179" y="3619893"/>
+            <a:ext cx="1809947" cy="697583"/>
+          </a:xfrm>
+          <a:prstGeom prst="rect">
+            <a:avLst/>
+          </a:prstGeom>
+          <a:solidFill>
+            <a:schemeClr val="tx1">
+              <a:lumMod val="75000"/>
+              <a:lumOff val="25000"/>
+            </a:schemeClr>
+          </a:solidFill>
+        </p:spPr>
+        <p:style>
+          <a:lnRef idx="2">
+            <a:schemeClr val="accent3">
+              <a:shade val="50000"/>
+            </a:schemeClr>
+          </a:lnRef>
+          <a:fillRef idx="1">
+            <a:schemeClr val="accent3"/>
+          </a:fillRef>
+          <a:effectRef idx="0">
+            <a:schemeClr val="accent3"/>
+          </a:effectRef>
+          <a:fontRef idx="minor">
+            <a:schemeClr val="lt1"/>
+          </a:fontRef>
+        </p:style>
+        <p:txBody>
+          <a:bodyPr rtlCol="0" anchor="ctr"/>
+          <a:lstStyle/>
+          <a:p>
+            <a:pPr algn="ctr"/>
+            <a:r>
+              <a:rPr lang="zh-CN" altLang="en-US" dirty="0"/>
+              <a:t>任务说明</a:t>
+            </a:r>
+          </a:p>
+        </p:txBody>
+      </p:sp>
+      <p:sp>
+        <p:nvSpPr>
+          <p:cNvPr id="31" name="矩形 30">
+            <a:extLst>
+              <a:ext uri="{FF2B5EF4-FFF2-40B4-BE49-F238E27FC236}">
+                <a16:creationId xmlns:a16="http://schemas.microsoft.com/office/drawing/2014/main" id="{664E1E32-A353-4B7C-9C15-30931E8E3A53}"/>
+              </a:ext>
+            </a:extLst>
+          </p:cNvPr>
+          <p:cNvSpPr/>
+          <p:nvPr/>
+        </p:nvSpPr>
+        <p:spPr>
+          <a:xfrm>
+            <a:off x="8949179" y="4487159"/>
+            <a:ext cx="1809947" cy="697583"/>
+          </a:xfrm>
+          <a:prstGeom prst="rect">
+            <a:avLst/>
+          </a:prstGeom>
+          <a:solidFill>
+            <a:schemeClr val="tx1">
+              <a:lumMod val="75000"/>
+              <a:lumOff val="25000"/>
+            </a:schemeClr>
+          </a:solidFill>
+        </p:spPr>
+        <p:style>
+          <a:lnRef idx="2">
+            <a:schemeClr val="accent3">
+              <a:shade val="50000"/>
+            </a:schemeClr>
+          </a:lnRef>
+          <a:fillRef idx="1">
+            <a:schemeClr val="accent3"/>
+          </a:fillRef>
+          <a:effectRef idx="0">
+            <a:schemeClr val="accent3"/>
+          </a:effectRef>
+          <a:fontRef idx="minor">
+            <a:schemeClr val="lt1"/>
+          </a:fontRef>
+        </p:style>
+        <p:txBody>
+          <a:bodyPr rtlCol="0" anchor="ctr"/>
+          <a:lstStyle/>
+          <a:p>
+            <a:pPr algn="ctr"/>
+            <a:r>
+              <a:rPr lang="zh-CN" altLang="en-US" dirty="0"/>
+              <a:t>任务完成引导</a:t>
+            </a:r>
+          </a:p>
+        </p:txBody>
+      </p:sp>
+      <p:cxnSp>
+        <p:nvCxnSpPr>
+          <p:cNvPr id="33" name="直接连接符 32">
+            <a:extLst>
+              <a:ext uri="{FF2B5EF4-FFF2-40B4-BE49-F238E27FC236}">
+                <a16:creationId xmlns:a16="http://schemas.microsoft.com/office/drawing/2014/main" id="{7E2F6B48-BE7C-4C52-83A4-361A087A84E6}"/>
+              </a:ext>
+            </a:extLst>
+          </p:cNvPr>
+          <p:cNvCxnSpPr/>
+          <p:nvPr/>
+        </p:nvCxnSpPr>
+        <p:spPr>
+          <a:xfrm>
+            <a:off x="6064577" y="1866507"/>
+            <a:ext cx="0" cy="245097"/>
+          </a:xfrm>
+          <a:prstGeom prst="line">
+            <a:avLst/>
+          </a:prstGeom>
+        </p:spPr>
+        <p:style>
+          <a:lnRef idx="1">
+            <a:schemeClr val="accent1"/>
+          </a:lnRef>
+          <a:fillRef idx="0">
+            <a:schemeClr val="accent1"/>
+          </a:fillRef>
+          <a:effectRef idx="0">
+            <a:schemeClr val="accent1"/>
+          </a:effectRef>
+          <a:fontRef idx="minor">
+            <a:schemeClr val="tx1"/>
+          </a:fontRef>
+        </p:style>
+      </p:cxnSp>
+      <p:cxnSp>
+        <p:nvCxnSpPr>
+          <p:cNvPr id="35" name="直接连接符 34">
+            <a:extLst>
+              <a:ext uri="{FF2B5EF4-FFF2-40B4-BE49-F238E27FC236}">
+                <a16:creationId xmlns:a16="http://schemas.microsoft.com/office/drawing/2014/main" id="{535A6B68-C5A5-428A-A636-48D022E90B72}"/>
+              </a:ext>
+            </a:extLst>
+          </p:cNvPr>
+          <p:cNvCxnSpPr>
+            <a:cxnSpLocks/>
+            <a:stCxn id="9" idx="1"/>
+            <a:endCxn id="10" idx="3"/>
+          </p:cNvCxnSpPr>
+          <p:nvPr/>
+        </p:nvCxnSpPr>
+        <p:spPr>
+          <a:xfrm flipH="1">
+            <a:off x="3696877" y="2314280"/>
+            <a:ext cx="501193" cy="0"/>
+          </a:xfrm>
+          <a:prstGeom prst="line">
+            <a:avLst/>
+          </a:prstGeom>
+        </p:spPr>
+        <p:style>
+          <a:lnRef idx="1">
+            <a:schemeClr val="accent1"/>
+          </a:lnRef>
+          <a:fillRef idx="0">
+            <a:schemeClr val="accent1"/>
+          </a:fillRef>
+          <a:effectRef idx="0">
+            <a:schemeClr val="accent1"/>
+          </a:effectRef>
+          <a:fontRef idx="minor">
+            <a:schemeClr val="tx1"/>
+          </a:fontRef>
+        </p:style>
+      </p:cxnSp>
+      <p:cxnSp>
+        <p:nvCxnSpPr>
+          <p:cNvPr id="37" name="直接连接符 36">
+            <a:extLst>
+              <a:ext uri="{FF2B5EF4-FFF2-40B4-BE49-F238E27FC236}">
+                <a16:creationId xmlns:a16="http://schemas.microsoft.com/office/drawing/2014/main" id="{2899EA30-13BF-4F9B-B0B0-441C26BFB6D3}"/>
+              </a:ext>
+            </a:extLst>
+          </p:cNvPr>
+          <p:cNvCxnSpPr>
+            <a:stCxn id="9" idx="3"/>
+            <a:endCxn id="11" idx="1"/>
+          </p:cNvCxnSpPr>
+          <p:nvPr/>
+        </p:nvCxnSpPr>
+        <p:spPr>
+          <a:xfrm>
+            <a:off x="8242157" y="2314280"/>
+            <a:ext cx="414791" cy="0"/>
+          </a:xfrm>
+          <a:prstGeom prst="line">
+            <a:avLst/>
+          </a:prstGeom>
+        </p:spPr>
+        <p:style>
+          <a:lnRef idx="1">
+            <a:schemeClr val="accent1"/>
+          </a:lnRef>
+          <a:fillRef idx="0">
+            <a:schemeClr val="accent1"/>
+          </a:fillRef>
+          <a:effectRef idx="0">
+            <a:schemeClr val="accent1"/>
+          </a:effectRef>
+          <a:fontRef idx="minor">
+            <a:schemeClr val="tx1"/>
+          </a:fontRef>
+        </p:style>
+      </p:cxnSp>
+      <p:cxnSp>
+        <p:nvCxnSpPr>
+          <p:cNvPr id="43" name="直接连接符 42">
+            <a:extLst>
+              <a:ext uri="{FF2B5EF4-FFF2-40B4-BE49-F238E27FC236}">
+                <a16:creationId xmlns:a16="http://schemas.microsoft.com/office/drawing/2014/main" id="{EC87AA4D-FF90-4DBE-BB05-92EF6BC8F554}"/>
+              </a:ext>
+            </a:extLst>
+          </p:cNvPr>
+          <p:cNvCxnSpPr>
+            <a:stCxn id="9" idx="2"/>
+          </p:cNvCxnSpPr>
+          <p:nvPr/>
+        </p:nvCxnSpPr>
+        <p:spPr>
+          <a:xfrm>
+            <a:off x="6220114" y="2582944"/>
+            <a:ext cx="4719" cy="131976"/>
+          </a:xfrm>
+          <a:prstGeom prst="line">
+            <a:avLst/>
+          </a:prstGeom>
+        </p:spPr>
+        <p:style>
+          <a:lnRef idx="1">
+            <a:schemeClr val="accent1"/>
+          </a:lnRef>
+          <a:fillRef idx="0">
+            <a:schemeClr val="accent1"/>
+          </a:fillRef>
+          <a:effectRef idx="0">
+            <a:schemeClr val="accent1"/>
+          </a:effectRef>
+          <a:fontRef idx="minor">
+            <a:schemeClr val="tx1"/>
+          </a:fontRef>
+        </p:style>
+      </p:cxnSp>
+      <p:cxnSp>
+        <p:nvCxnSpPr>
+          <p:cNvPr id="45" name="直接连接符 44">
+            <a:extLst>
+              <a:ext uri="{FF2B5EF4-FFF2-40B4-BE49-F238E27FC236}">
+                <a16:creationId xmlns:a16="http://schemas.microsoft.com/office/drawing/2014/main" id="{C47D6F79-77C9-4858-A55D-A897874EBF21}"/>
+              </a:ext>
+            </a:extLst>
+          </p:cNvPr>
+          <p:cNvCxnSpPr>
+            <a:cxnSpLocks/>
+          </p:cNvCxnSpPr>
+          <p:nvPr/>
+        </p:nvCxnSpPr>
+        <p:spPr>
+          <a:xfrm flipH="1">
+            <a:off x="2755769" y="2714920"/>
+            <a:ext cx="3464346" cy="0"/>
+          </a:xfrm>
+          <a:prstGeom prst="line">
+            <a:avLst/>
+          </a:prstGeom>
+        </p:spPr>
+        <p:style>
+          <a:lnRef idx="1">
+            <a:schemeClr val="accent1"/>
+          </a:lnRef>
+          <a:fillRef idx="0">
+            <a:schemeClr val="accent1"/>
+          </a:fillRef>
+          <a:effectRef idx="0">
+            <a:schemeClr val="accent1"/>
+          </a:effectRef>
+          <a:fontRef idx="minor">
+            <a:schemeClr val="tx1"/>
+          </a:fontRef>
+        </p:style>
+      </p:cxnSp>
+      <p:cxnSp>
+        <p:nvCxnSpPr>
+          <p:cNvPr id="47" name="直接连接符 46">
+            <a:extLst>
+              <a:ext uri="{FF2B5EF4-FFF2-40B4-BE49-F238E27FC236}">
+                <a16:creationId xmlns:a16="http://schemas.microsoft.com/office/drawing/2014/main" id="{9D025B4A-8159-425C-B910-B0D3A5B6A6DA}"/>
+              </a:ext>
+            </a:extLst>
+          </p:cNvPr>
+          <p:cNvCxnSpPr>
+            <a:cxnSpLocks/>
+          </p:cNvCxnSpPr>
+          <p:nvPr/>
+        </p:nvCxnSpPr>
+        <p:spPr>
+          <a:xfrm>
+            <a:off x="6220114" y="2714920"/>
+            <a:ext cx="3464356" cy="0"/>
+          </a:xfrm>
+          <a:prstGeom prst="line">
+            <a:avLst/>
+          </a:prstGeom>
+        </p:spPr>
+        <p:style>
+          <a:lnRef idx="1">
+            <a:schemeClr val="accent1"/>
+          </a:lnRef>
+          <a:fillRef idx="0">
+            <a:schemeClr val="accent1"/>
+          </a:fillRef>
+          <a:effectRef idx="0">
+            <a:schemeClr val="accent1"/>
+          </a:effectRef>
+          <a:fontRef idx="minor">
+            <a:schemeClr val="tx1"/>
+          </a:fontRef>
+        </p:style>
+      </p:cxnSp>
+      <p:cxnSp>
+        <p:nvCxnSpPr>
+          <p:cNvPr id="49" name="直接连接符 48">
+            <a:extLst>
+              <a:ext uri="{FF2B5EF4-FFF2-40B4-BE49-F238E27FC236}">
+                <a16:creationId xmlns:a16="http://schemas.microsoft.com/office/drawing/2014/main" id="{50D4C726-E418-4E2A-A932-5CD5EF380180}"/>
+              </a:ext>
+            </a:extLst>
+          </p:cNvPr>
+          <p:cNvCxnSpPr>
+            <a:endCxn id="13" idx="0"/>
+          </p:cNvCxnSpPr>
+          <p:nvPr/>
+        </p:nvCxnSpPr>
+        <p:spPr>
+          <a:xfrm flipH="1">
+            <a:off x="2675641" y="2714920"/>
+            <a:ext cx="80128" cy="103694"/>
+          </a:xfrm>
+          <a:prstGeom prst="line">
+            <a:avLst/>
+          </a:prstGeom>
+        </p:spPr>
+        <p:style>
+          <a:lnRef idx="1">
+            <a:schemeClr val="accent1"/>
+          </a:lnRef>
+          <a:fillRef idx="0">
+            <a:schemeClr val="accent1"/>
+          </a:fillRef>
+          <a:effectRef idx="0">
+            <a:schemeClr val="accent1"/>
+          </a:effectRef>
+          <a:fontRef idx="minor">
+            <a:schemeClr val="tx1"/>
+          </a:fontRef>
+        </p:style>
+      </p:cxnSp>
+      <p:cxnSp>
+        <p:nvCxnSpPr>
+          <p:cNvPr id="51" name="直接连接符 50">
+            <a:extLst>
+              <a:ext uri="{FF2B5EF4-FFF2-40B4-BE49-F238E27FC236}">
+                <a16:creationId xmlns:a16="http://schemas.microsoft.com/office/drawing/2014/main" id="{5406E3F0-6A98-4797-B5C4-148ABA03283F}"/>
+              </a:ext>
+            </a:extLst>
+          </p:cNvPr>
+          <p:cNvCxnSpPr>
+            <a:endCxn id="14" idx="0"/>
+          </p:cNvCxnSpPr>
+          <p:nvPr/>
+        </p:nvCxnSpPr>
+        <p:spPr>
+          <a:xfrm flipH="1">
+            <a:off x="5117184" y="2714920"/>
+            <a:ext cx="4713" cy="103694"/>
+          </a:xfrm>
+          <a:prstGeom prst="line">
+            <a:avLst/>
+          </a:prstGeom>
+        </p:spPr>
+        <p:style>
+          <a:lnRef idx="1">
+            <a:schemeClr val="accent1"/>
+          </a:lnRef>
+          <a:fillRef idx="0">
+            <a:schemeClr val="accent1"/>
+          </a:fillRef>
+          <a:effectRef idx="0">
+            <a:schemeClr val="accent1"/>
+          </a:effectRef>
+          <a:fontRef idx="minor">
+            <a:schemeClr val="tx1"/>
+          </a:fontRef>
+        </p:style>
+      </p:cxnSp>
+      <p:cxnSp>
+        <p:nvCxnSpPr>
+          <p:cNvPr id="53" name="直接连接符 52">
+            <a:extLst>
+              <a:ext uri="{FF2B5EF4-FFF2-40B4-BE49-F238E27FC236}">
+                <a16:creationId xmlns:a16="http://schemas.microsoft.com/office/drawing/2014/main" id="{E1EC049E-D7F4-4935-A860-F708E94DA30C}"/>
+              </a:ext>
+            </a:extLst>
+          </p:cNvPr>
+          <p:cNvCxnSpPr>
+            <a:cxnSpLocks/>
+            <a:endCxn id="15" idx="0"/>
+          </p:cNvCxnSpPr>
+          <p:nvPr/>
+        </p:nvCxnSpPr>
+        <p:spPr>
+          <a:xfrm flipH="1">
+            <a:off x="7181654" y="2714920"/>
+            <a:ext cx="259238" cy="103693"/>
+          </a:xfrm>
+          <a:prstGeom prst="line">
+            <a:avLst/>
+          </a:prstGeom>
+        </p:spPr>
+        <p:style>
+          <a:lnRef idx="1">
+            <a:schemeClr val="accent1"/>
+          </a:lnRef>
+          <a:fillRef idx="0">
+            <a:schemeClr val="accent1"/>
+          </a:fillRef>
+          <a:effectRef idx="0">
+            <a:schemeClr val="accent1"/>
+          </a:effectRef>
+          <a:fontRef idx="minor">
+            <a:schemeClr val="tx1"/>
+          </a:fontRef>
+        </p:style>
+      </p:cxnSp>
+      <p:cxnSp>
+        <p:nvCxnSpPr>
+          <p:cNvPr id="55" name="直接连接符 54">
+            <a:extLst>
+              <a:ext uri="{FF2B5EF4-FFF2-40B4-BE49-F238E27FC236}">
+                <a16:creationId xmlns:a16="http://schemas.microsoft.com/office/drawing/2014/main" id="{B3112A11-8FF4-4A36-99B5-13C34030E4E5}"/>
+              </a:ext>
+            </a:extLst>
+          </p:cNvPr>
+          <p:cNvCxnSpPr>
+            <a:endCxn id="16" idx="0"/>
+          </p:cNvCxnSpPr>
+          <p:nvPr/>
+        </p:nvCxnSpPr>
+        <p:spPr>
+          <a:xfrm>
+            <a:off x="9684470" y="2714920"/>
+            <a:ext cx="169683" cy="103694"/>
+          </a:xfrm>
+          <a:prstGeom prst="line">
+            <a:avLst/>
+          </a:prstGeom>
+        </p:spPr>
+        <p:style>
+          <a:lnRef idx="1">
+            <a:schemeClr val="accent1"/>
+          </a:lnRef>
+          <a:fillRef idx="0">
+            <a:schemeClr val="accent1"/>
+          </a:fillRef>
+          <a:effectRef idx="0">
+            <a:schemeClr val="accent1"/>
+          </a:effectRef>
+          <a:fontRef idx="minor">
+            <a:schemeClr val="tx1"/>
+          </a:fontRef>
+        </p:style>
+      </p:cxnSp>
+      <p:cxnSp>
+        <p:nvCxnSpPr>
+          <p:cNvPr id="57" name="直接连接符 56">
+            <a:extLst>
+              <a:ext uri="{FF2B5EF4-FFF2-40B4-BE49-F238E27FC236}">
+                <a16:creationId xmlns:a16="http://schemas.microsoft.com/office/drawing/2014/main" id="{0CE297BC-6987-4333-94A5-54F6D02F50C9}"/>
+              </a:ext>
+            </a:extLst>
+          </p:cNvPr>
+          <p:cNvCxnSpPr>
+            <a:cxnSpLocks/>
+          </p:cNvCxnSpPr>
+          <p:nvPr/>
+        </p:nvCxnSpPr>
+        <p:spPr>
+          <a:xfrm flipH="1">
+            <a:off x="1982771" y="3355942"/>
+            <a:ext cx="358219" cy="424206"/>
+          </a:xfrm>
+          <a:prstGeom prst="line">
+            <a:avLst/>
+          </a:prstGeom>
+        </p:spPr>
+        <p:style>
+          <a:lnRef idx="1">
+            <a:schemeClr val="accent1"/>
+          </a:lnRef>
+          <a:fillRef idx="0">
+            <a:schemeClr val="accent1"/>
+          </a:fillRef>
+          <a:effectRef idx="0">
+            <a:schemeClr val="accent1"/>
+          </a:effectRef>
+          <a:fontRef idx="minor">
+            <a:schemeClr val="tx1"/>
+          </a:fontRef>
+        </p:style>
+      </p:cxnSp>
+      <p:cxnSp>
+        <p:nvCxnSpPr>
+          <p:cNvPr id="59" name="直接连接符 58">
+            <a:extLst>
+              <a:ext uri="{FF2B5EF4-FFF2-40B4-BE49-F238E27FC236}">
+                <a16:creationId xmlns:a16="http://schemas.microsoft.com/office/drawing/2014/main" id="{030049ED-DD26-4DC4-9307-9B9C002753B5}"/>
+              </a:ext>
+            </a:extLst>
+          </p:cNvPr>
+          <p:cNvCxnSpPr/>
+          <p:nvPr/>
+        </p:nvCxnSpPr>
+        <p:spPr>
+          <a:xfrm>
+            <a:off x="2773051" y="3333215"/>
+            <a:ext cx="0" cy="424206"/>
+          </a:xfrm>
+          <a:prstGeom prst="line">
+            <a:avLst/>
+          </a:prstGeom>
+        </p:spPr>
+        <p:style>
+          <a:lnRef idx="1">
+            <a:schemeClr val="accent1"/>
+          </a:lnRef>
+          <a:fillRef idx="0">
+            <a:schemeClr val="accent1"/>
+          </a:fillRef>
+          <a:effectRef idx="0">
+            <a:schemeClr val="accent1"/>
+          </a:effectRef>
+          <a:fontRef idx="minor">
+            <a:schemeClr val="tx1"/>
+          </a:fontRef>
+        </p:style>
+      </p:cxnSp>
+      <p:cxnSp>
+        <p:nvCxnSpPr>
+          <p:cNvPr id="61" name="直接连接符 60">
+            <a:extLst>
+              <a:ext uri="{FF2B5EF4-FFF2-40B4-BE49-F238E27FC236}">
+                <a16:creationId xmlns:a16="http://schemas.microsoft.com/office/drawing/2014/main" id="{FD83BAD4-348D-4905-BC14-6D3014E35CFB}"/>
+              </a:ext>
+            </a:extLst>
+          </p:cNvPr>
+          <p:cNvCxnSpPr>
+            <a:endCxn id="19" idx="0"/>
+          </p:cNvCxnSpPr>
+          <p:nvPr/>
+        </p:nvCxnSpPr>
+        <p:spPr>
+          <a:xfrm>
+            <a:off x="3396792" y="3355942"/>
+            <a:ext cx="400639" cy="424206"/>
+          </a:xfrm>
+          <a:prstGeom prst="line">
+            <a:avLst/>
+          </a:prstGeom>
+        </p:spPr>
+        <p:style>
+          <a:lnRef idx="1">
+            <a:schemeClr val="accent1"/>
+          </a:lnRef>
+          <a:fillRef idx="0">
+            <a:schemeClr val="accent1"/>
+          </a:fillRef>
+          <a:effectRef idx="0">
+            <a:schemeClr val="accent1"/>
+          </a:effectRef>
+          <a:fontRef idx="minor">
+            <a:schemeClr val="tx1"/>
+          </a:fontRef>
+        </p:style>
+      </p:cxnSp>
+      <p:cxnSp>
+        <p:nvCxnSpPr>
+          <p:cNvPr id="63" name="直接连接符 62">
+            <a:extLst>
+              <a:ext uri="{FF2B5EF4-FFF2-40B4-BE49-F238E27FC236}">
+                <a16:creationId xmlns:a16="http://schemas.microsoft.com/office/drawing/2014/main" id="{1CCB1B6A-8A58-4906-B13B-E0ABF3A5675E}"/>
+              </a:ext>
+            </a:extLst>
+          </p:cNvPr>
+          <p:cNvCxnSpPr>
+            <a:cxnSpLocks/>
+          </p:cNvCxnSpPr>
+          <p:nvPr/>
+        </p:nvCxnSpPr>
+        <p:spPr>
+          <a:xfrm>
+            <a:off x="1775376" y="4308049"/>
+            <a:ext cx="249822" cy="367646"/>
+          </a:xfrm>
+          <a:prstGeom prst="line">
+            <a:avLst/>
+          </a:prstGeom>
+        </p:spPr>
+        <p:style>
+          <a:lnRef idx="1">
+            <a:schemeClr val="accent1"/>
+          </a:lnRef>
+          <a:fillRef idx="0">
+            <a:schemeClr val="accent1"/>
+          </a:fillRef>
+          <a:effectRef idx="0">
+            <a:schemeClr val="accent1"/>
+          </a:effectRef>
+          <a:fontRef idx="minor">
+            <a:schemeClr val="tx1"/>
+          </a:fontRef>
+        </p:style>
+      </p:cxnSp>
+      <p:cxnSp>
+        <p:nvCxnSpPr>
+          <p:cNvPr id="65" name="直接连接符 64">
+            <a:extLst>
+              <a:ext uri="{FF2B5EF4-FFF2-40B4-BE49-F238E27FC236}">
+                <a16:creationId xmlns:a16="http://schemas.microsoft.com/office/drawing/2014/main" id="{9CA403E3-D2A7-44A6-BF7E-6E7EF72025B5}"/>
+              </a:ext>
+            </a:extLst>
+          </p:cNvPr>
+          <p:cNvCxnSpPr>
+            <a:cxnSpLocks/>
+            <a:stCxn id="18" idx="2"/>
+          </p:cNvCxnSpPr>
+          <p:nvPr/>
+        </p:nvCxnSpPr>
+        <p:spPr>
+          <a:xfrm>
+            <a:off x="2769910" y="4317476"/>
+            <a:ext cx="0" cy="296943"/>
+          </a:xfrm>
+          <a:prstGeom prst="line">
+            <a:avLst/>
+          </a:prstGeom>
+        </p:spPr>
+        <p:style>
+          <a:lnRef idx="1">
+            <a:schemeClr val="accent1"/>
+          </a:lnRef>
+          <a:fillRef idx="0">
+            <a:schemeClr val="accent1"/>
+          </a:fillRef>
+          <a:effectRef idx="0">
+            <a:schemeClr val="accent1"/>
+          </a:effectRef>
+          <a:fontRef idx="minor">
+            <a:schemeClr val="tx1"/>
+          </a:fontRef>
+        </p:style>
+      </p:cxnSp>
+      <p:cxnSp>
+        <p:nvCxnSpPr>
+          <p:cNvPr id="67" name="直接连接符 66">
+            <a:extLst>
+              <a:ext uri="{FF2B5EF4-FFF2-40B4-BE49-F238E27FC236}">
+                <a16:creationId xmlns:a16="http://schemas.microsoft.com/office/drawing/2014/main" id="{A759C46C-2F6F-4A71-86F9-F34CA5E85144}"/>
+              </a:ext>
+            </a:extLst>
+          </p:cNvPr>
+          <p:cNvCxnSpPr>
+            <a:cxnSpLocks/>
+            <a:stCxn id="19" idx="2"/>
+          </p:cNvCxnSpPr>
+          <p:nvPr/>
+        </p:nvCxnSpPr>
+        <p:spPr>
+          <a:xfrm flipH="1">
+            <a:off x="3443927" y="4317476"/>
+            <a:ext cx="353504" cy="348791"/>
+          </a:xfrm>
+          <a:prstGeom prst="line">
+            <a:avLst/>
+          </a:prstGeom>
+        </p:spPr>
+        <p:style>
+          <a:lnRef idx="1">
+            <a:schemeClr val="accent1"/>
+          </a:lnRef>
+          <a:fillRef idx="0">
+            <a:schemeClr val="accent1"/>
+          </a:fillRef>
+          <a:effectRef idx="0">
+            <a:schemeClr val="accent1"/>
+          </a:effectRef>
+          <a:fontRef idx="minor">
+            <a:schemeClr val="tx1"/>
+          </a:fontRef>
+        </p:style>
+      </p:cxnSp>
+      <p:cxnSp>
+        <p:nvCxnSpPr>
+          <p:cNvPr id="69" name="直接连接符 68">
+            <a:extLst>
+              <a:ext uri="{FF2B5EF4-FFF2-40B4-BE49-F238E27FC236}">
+                <a16:creationId xmlns:a16="http://schemas.microsoft.com/office/drawing/2014/main" id="{84B0E63C-B9B0-42AC-B03B-1155E027F3A4}"/>
+              </a:ext>
+            </a:extLst>
+          </p:cNvPr>
+          <p:cNvCxnSpPr/>
+          <p:nvPr/>
+        </p:nvCxnSpPr>
+        <p:spPr>
+          <a:xfrm>
+            <a:off x="2769910" y="5269583"/>
+            <a:ext cx="0" cy="358219"/>
+          </a:xfrm>
+          <a:prstGeom prst="line">
+            <a:avLst/>
+          </a:prstGeom>
+        </p:spPr>
+        <p:style>
+          <a:lnRef idx="1">
+            <a:schemeClr val="accent1"/>
+          </a:lnRef>
+          <a:fillRef idx="0">
+            <a:schemeClr val="accent1"/>
+          </a:fillRef>
+          <a:effectRef idx="0">
+            <a:schemeClr val="accent1"/>
+          </a:effectRef>
+          <a:fontRef idx="minor">
+            <a:schemeClr val="tx1"/>
+          </a:fontRef>
+        </p:style>
+      </p:cxnSp>
+      <p:cxnSp>
+        <p:nvCxnSpPr>
+          <p:cNvPr id="71" name="直接连接符 70">
+            <a:extLst>
+              <a:ext uri="{FF2B5EF4-FFF2-40B4-BE49-F238E27FC236}">
+                <a16:creationId xmlns:a16="http://schemas.microsoft.com/office/drawing/2014/main" id="{4E387EB4-B8C5-4390-A196-CD614ECDE204}"/>
+              </a:ext>
+            </a:extLst>
+          </p:cNvPr>
+          <p:cNvCxnSpPr/>
+          <p:nvPr/>
+        </p:nvCxnSpPr>
+        <p:spPr>
+          <a:xfrm>
+            <a:off x="3797431" y="5269583"/>
+            <a:ext cx="0" cy="263951"/>
+          </a:xfrm>
+          <a:prstGeom prst="line">
+            <a:avLst/>
+          </a:prstGeom>
+        </p:spPr>
+        <p:style>
+          <a:lnRef idx="1">
+            <a:schemeClr val="accent1"/>
+          </a:lnRef>
+          <a:fillRef idx="0">
+            <a:schemeClr val="accent1"/>
+          </a:fillRef>
+          <a:effectRef idx="0">
+            <a:schemeClr val="accent1"/>
+          </a:effectRef>
+          <a:fontRef idx="minor">
+            <a:schemeClr val="tx1"/>
+          </a:fontRef>
+        </p:style>
+      </p:cxnSp>
+      <p:cxnSp>
+        <p:nvCxnSpPr>
+          <p:cNvPr id="73" name="直接连接符 72">
+            <a:extLst>
+              <a:ext uri="{FF2B5EF4-FFF2-40B4-BE49-F238E27FC236}">
+                <a16:creationId xmlns:a16="http://schemas.microsoft.com/office/drawing/2014/main" id="{6ED988F5-0AD8-404B-98E6-20040C4AC5E1}"/>
+              </a:ext>
+            </a:extLst>
+          </p:cNvPr>
+          <p:cNvCxnSpPr/>
+          <p:nvPr/>
+        </p:nvCxnSpPr>
+        <p:spPr>
+          <a:xfrm>
+            <a:off x="3797431" y="5533534"/>
+            <a:ext cx="2559377" cy="0"/>
+          </a:xfrm>
+          <a:prstGeom prst="line">
+            <a:avLst/>
+          </a:prstGeom>
+        </p:spPr>
+        <p:style>
+          <a:lnRef idx="1">
+            <a:schemeClr val="accent1"/>
+          </a:lnRef>
+          <a:fillRef idx="0">
+            <a:schemeClr val="accent1"/>
+          </a:fillRef>
+          <a:effectRef idx="0">
+            <a:schemeClr val="accent1"/>
+          </a:effectRef>
+          <a:fontRef idx="minor">
+            <a:schemeClr val="tx1"/>
+          </a:fontRef>
+        </p:style>
+      </p:cxnSp>
+      <p:sp>
+        <p:nvSpPr>
+          <p:cNvPr id="74" name="矩形 73">
+            <a:extLst>
+              <a:ext uri="{FF2B5EF4-FFF2-40B4-BE49-F238E27FC236}">
+                <a16:creationId xmlns:a16="http://schemas.microsoft.com/office/drawing/2014/main" id="{91A135B4-CE13-4D00-BAA0-EFB667707461}"/>
+              </a:ext>
+            </a:extLst>
+          </p:cNvPr>
+          <p:cNvSpPr/>
+          <p:nvPr/>
+        </p:nvSpPr>
+        <p:spPr>
+          <a:xfrm>
+            <a:off x="6601911" y="3148553"/>
+            <a:ext cx="386486" cy="1310326"/>
+          </a:xfrm>
+          <a:prstGeom prst="rect">
+            <a:avLst/>
+          </a:prstGeom>
+        </p:spPr>
+        <p:style>
+          <a:lnRef idx="2">
+            <a:schemeClr val="accent1">
+              <a:shade val="50000"/>
+            </a:schemeClr>
+          </a:lnRef>
+          <a:fillRef idx="1">
+            <a:schemeClr val="accent1"/>
+          </a:fillRef>
+          <a:effectRef idx="0">
+            <a:schemeClr val="accent1"/>
+          </a:effectRef>
+          <a:fontRef idx="minor">
+            <a:schemeClr val="lt1"/>
+          </a:fontRef>
+        </p:style>
+        <p:txBody>
+          <a:bodyPr rtlCol="0" anchor="ctr"/>
+          <a:lstStyle/>
+          <a:p>
+            <a:pPr algn="ctr"/>
+            <a:r>
+              <a:rPr lang="zh-CN" altLang="en-US" dirty="0"/>
+              <a:t>角色编队</a:t>
+            </a:r>
+          </a:p>
+        </p:txBody>
+      </p:sp>
+      <p:cxnSp>
+        <p:nvCxnSpPr>
+          <p:cNvPr id="78" name="直接连接符 77">
+            <a:extLst>
+              <a:ext uri="{FF2B5EF4-FFF2-40B4-BE49-F238E27FC236}">
+                <a16:creationId xmlns:a16="http://schemas.microsoft.com/office/drawing/2014/main" id="{441BF67F-9B15-45D5-AAF2-F120268A811A}"/>
+              </a:ext>
+            </a:extLst>
+          </p:cNvPr>
+          <p:cNvCxnSpPr>
+            <a:cxnSpLocks/>
+            <a:stCxn id="74" idx="2"/>
+          </p:cNvCxnSpPr>
+          <p:nvPr/>
+        </p:nvCxnSpPr>
+        <p:spPr>
+          <a:xfrm flipH="1">
+            <a:off x="6378818" y="4458879"/>
+            <a:ext cx="416336" cy="1078527"/>
+          </a:xfrm>
+          <a:prstGeom prst="line">
+            <a:avLst/>
+          </a:prstGeom>
+        </p:spPr>
+        <p:style>
+          <a:lnRef idx="1">
+            <a:schemeClr val="accent1"/>
+          </a:lnRef>
+          <a:fillRef idx="0">
+            <a:schemeClr val="accent1"/>
+          </a:fillRef>
+          <a:effectRef idx="0">
+            <a:schemeClr val="accent1"/>
+          </a:effectRef>
+          <a:fontRef idx="minor">
+            <a:schemeClr val="tx1"/>
+          </a:fontRef>
+        </p:style>
+      </p:cxnSp>
+      <p:cxnSp>
+        <p:nvCxnSpPr>
+          <p:cNvPr id="84" name="直接连接符 83">
+            <a:extLst>
+              <a:ext uri="{FF2B5EF4-FFF2-40B4-BE49-F238E27FC236}">
+                <a16:creationId xmlns:a16="http://schemas.microsoft.com/office/drawing/2014/main" id="{D20FBA90-92F8-4078-83CE-37109BCED3B7}"/>
+              </a:ext>
+            </a:extLst>
+          </p:cNvPr>
+          <p:cNvCxnSpPr>
+            <a:stCxn id="27" idx="2"/>
+            <a:endCxn id="29" idx="0"/>
+          </p:cNvCxnSpPr>
+          <p:nvPr/>
+        </p:nvCxnSpPr>
+        <p:spPr>
+          <a:xfrm>
+            <a:off x="7893370" y="3685878"/>
+            <a:ext cx="4721" cy="631598"/>
+          </a:xfrm>
+          <a:prstGeom prst="line">
+            <a:avLst/>
+          </a:prstGeom>
+        </p:spPr>
+        <p:style>
+          <a:lnRef idx="1">
+            <a:schemeClr val="accent1"/>
+          </a:lnRef>
+          <a:fillRef idx="0">
+            <a:schemeClr val="accent1"/>
+          </a:fillRef>
+          <a:effectRef idx="0">
+            <a:schemeClr val="accent1"/>
+          </a:effectRef>
+          <a:fontRef idx="minor">
+            <a:schemeClr val="tx1"/>
+          </a:fontRef>
+        </p:style>
+      </p:cxnSp>
+      <p:cxnSp>
+        <p:nvCxnSpPr>
+          <p:cNvPr id="86" name="直接连接符 85">
+            <a:extLst>
+              <a:ext uri="{FF2B5EF4-FFF2-40B4-BE49-F238E27FC236}">
+                <a16:creationId xmlns:a16="http://schemas.microsoft.com/office/drawing/2014/main" id="{92EC65CB-0AA1-4BD4-A679-8EF1A163C24C}"/>
+              </a:ext>
+            </a:extLst>
+          </p:cNvPr>
+          <p:cNvCxnSpPr>
+            <a:stCxn id="25" idx="0"/>
+          </p:cNvCxnSpPr>
+          <p:nvPr/>
+        </p:nvCxnSpPr>
+        <p:spPr>
+          <a:xfrm flipV="1">
+            <a:off x="6333242" y="2941161"/>
+            <a:ext cx="183823" cy="197963"/>
+          </a:xfrm>
+          <a:prstGeom prst="line">
+            <a:avLst/>
+          </a:prstGeom>
+        </p:spPr>
+        <p:style>
+          <a:lnRef idx="1">
+            <a:schemeClr val="accent1"/>
+          </a:lnRef>
+          <a:fillRef idx="0">
+            <a:schemeClr val="accent1"/>
+          </a:fillRef>
+          <a:effectRef idx="0">
+            <a:schemeClr val="accent1"/>
+          </a:effectRef>
+          <a:fontRef idx="minor">
+            <a:schemeClr val="tx1"/>
+          </a:fontRef>
+        </p:style>
+      </p:cxnSp>
+      <p:cxnSp>
+        <p:nvCxnSpPr>
+          <p:cNvPr id="88" name="直接连接符 87">
+            <a:extLst>
+              <a:ext uri="{FF2B5EF4-FFF2-40B4-BE49-F238E27FC236}">
+                <a16:creationId xmlns:a16="http://schemas.microsoft.com/office/drawing/2014/main" id="{F29BDF18-EC4B-404B-9532-607CA0B091FE}"/>
+              </a:ext>
+            </a:extLst>
+          </p:cNvPr>
+          <p:cNvCxnSpPr>
+            <a:cxnSpLocks/>
+          </p:cNvCxnSpPr>
+          <p:nvPr/>
+        </p:nvCxnSpPr>
+        <p:spPr>
+          <a:xfrm>
+            <a:off x="4612849" y="3346514"/>
+            <a:ext cx="0" cy="433634"/>
+          </a:xfrm>
+          <a:prstGeom prst="line">
+            <a:avLst/>
+          </a:prstGeom>
+        </p:spPr>
+        <p:style>
+          <a:lnRef idx="1">
+            <a:schemeClr val="accent1"/>
+          </a:lnRef>
+          <a:fillRef idx="0">
+            <a:schemeClr val="accent1"/>
+          </a:fillRef>
+          <a:effectRef idx="0">
+            <a:schemeClr val="accent1"/>
+          </a:effectRef>
+          <a:fontRef idx="minor">
+            <a:schemeClr val="tx1"/>
+          </a:fontRef>
+        </p:style>
+      </p:cxnSp>
+      <p:cxnSp>
+        <p:nvCxnSpPr>
+          <p:cNvPr id="90" name="直接连接符 89">
+            <a:extLst>
+              <a:ext uri="{FF2B5EF4-FFF2-40B4-BE49-F238E27FC236}">
+                <a16:creationId xmlns:a16="http://schemas.microsoft.com/office/drawing/2014/main" id="{D7AB3051-1082-4E50-8F49-E695DF73D040}"/>
+              </a:ext>
+            </a:extLst>
+          </p:cNvPr>
+          <p:cNvCxnSpPr>
+            <a:cxnSpLocks/>
+            <a:stCxn id="22" idx="2"/>
+            <a:endCxn id="24" idx="0"/>
+          </p:cNvCxnSpPr>
+          <p:nvPr/>
+        </p:nvCxnSpPr>
+        <p:spPr>
+          <a:xfrm>
+            <a:off x="4659984" y="4317476"/>
+            <a:ext cx="0" cy="348792"/>
+          </a:xfrm>
+          <a:prstGeom prst="line">
+            <a:avLst/>
+          </a:prstGeom>
+        </p:spPr>
+        <p:style>
+          <a:lnRef idx="1">
+            <a:schemeClr val="accent1"/>
+          </a:lnRef>
+          <a:fillRef idx="0">
+            <a:schemeClr val="accent1"/>
+          </a:fillRef>
+          <a:effectRef idx="0">
+            <a:schemeClr val="accent1"/>
+          </a:effectRef>
+          <a:fontRef idx="minor">
+            <a:schemeClr val="tx1"/>
+          </a:fontRef>
+        </p:style>
+      </p:cxnSp>
+      <p:cxnSp>
+        <p:nvCxnSpPr>
+          <p:cNvPr id="92" name="直接连接符 91">
+            <a:extLst>
+              <a:ext uri="{FF2B5EF4-FFF2-40B4-BE49-F238E27FC236}">
+                <a16:creationId xmlns:a16="http://schemas.microsoft.com/office/drawing/2014/main" id="{D2C9711D-DFD3-470B-A7BC-946220AA68FE}"/>
+              </a:ext>
+            </a:extLst>
+          </p:cNvPr>
+          <p:cNvCxnSpPr>
+            <a:cxnSpLocks/>
+            <a:endCxn id="23" idx="0"/>
+          </p:cNvCxnSpPr>
+          <p:nvPr/>
+        </p:nvCxnSpPr>
+        <p:spPr>
+          <a:xfrm>
+            <a:off x="5432982" y="3346514"/>
+            <a:ext cx="0" cy="433634"/>
+          </a:xfrm>
+          <a:prstGeom prst="line">
+            <a:avLst/>
+          </a:prstGeom>
+        </p:spPr>
+        <p:style>
+          <a:lnRef idx="1">
+            <a:schemeClr val="accent1"/>
+          </a:lnRef>
+          <a:fillRef idx="0">
+            <a:schemeClr val="accent1"/>
+          </a:fillRef>
+          <a:effectRef idx="0">
+            <a:schemeClr val="accent1"/>
+          </a:effectRef>
+          <a:fontRef idx="minor">
+            <a:schemeClr val="tx1"/>
+          </a:fontRef>
+        </p:style>
+      </p:cxnSp>
+      <p:cxnSp>
+        <p:nvCxnSpPr>
+          <p:cNvPr id="98" name="直接连接符 97">
+            <a:extLst>
+              <a:ext uri="{FF2B5EF4-FFF2-40B4-BE49-F238E27FC236}">
+                <a16:creationId xmlns:a16="http://schemas.microsoft.com/office/drawing/2014/main" id="{46F7C52C-FE48-440B-9AE2-D4BDAB5EE3F4}"/>
+              </a:ext>
+            </a:extLst>
+          </p:cNvPr>
+          <p:cNvCxnSpPr>
+            <a:cxnSpLocks/>
+          </p:cNvCxnSpPr>
+          <p:nvPr/>
+        </p:nvCxnSpPr>
+        <p:spPr>
+          <a:xfrm>
+            <a:off x="10099249" y="3355942"/>
+            <a:ext cx="0" cy="263951"/>
+          </a:xfrm>
+          <a:prstGeom prst="line">
+            <a:avLst/>
+          </a:prstGeom>
+        </p:spPr>
+        <p:style>
+          <a:lnRef idx="1">
+            <a:schemeClr val="accent1"/>
+          </a:lnRef>
+          <a:fillRef idx="0">
+            <a:schemeClr val="accent1"/>
+          </a:fillRef>
+          <a:effectRef idx="0">
+            <a:schemeClr val="accent1"/>
+          </a:effectRef>
+          <a:fontRef idx="minor">
+            <a:schemeClr val="tx1"/>
+          </a:fontRef>
+        </p:style>
+      </p:cxnSp>
+      <p:cxnSp>
+        <p:nvCxnSpPr>
+          <p:cNvPr id="100" name="直接连接符 99">
+            <a:extLst>
+              <a:ext uri="{FF2B5EF4-FFF2-40B4-BE49-F238E27FC236}">
+                <a16:creationId xmlns:a16="http://schemas.microsoft.com/office/drawing/2014/main" id="{3276F89E-9DC9-42FE-BD88-40BC9DEEE4EF}"/>
+              </a:ext>
+            </a:extLst>
+          </p:cNvPr>
+          <p:cNvCxnSpPr/>
+          <p:nvPr/>
+        </p:nvCxnSpPr>
+        <p:spPr>
+          <a:xfrm>
+            <a:off x="10099249" y="4317476"/>
+            <a:ext cx="0" cy="245097"/>
+          </a:xfrm>
+          <a:prstGeom prst="line">
+            <a:avLst/>
+          </a:prstGeom>
+        </p:spPr>
+        <p:style>
+          <a:lnRef idx="1">
+            <a:schemeClr val="accent1"/>
+          </a:lnRef>
+          <a:fillRef idx="0">
+            <a:schemeClr val="accent1"/>
+          </a:fillRef>
+          <a:effectRef idx="0">
+            <a:schemeClr val="accent1"/>
+          </a:effectRef>
+          <a:fontRef idx="minor">
+            <a:schemeClr val="tx1"/>
+          </a:fontRef>
+        </p:style>
+      </p:cxnSp>
+      <p:cxnSp>
+        <p:nvCxnSpPr>
+          <p:cNvPr id="85" name="直接连接符 84">
+            <a:extLst>
+              <a:ext uri="{FF2B5EF4-FFF2-40B4-BE49-F238E27FC236}">
+                <a16:creationId xmlns:a16="http://schemas.microsoft.com/office/drawing/2014/main" id="{0BAD797A-757D-438B-9072-B4EAB65F50C0}"/>
+              </a:ext>
+            </a:extLst>
+          </p:cNvPr>
+          <p:cNvCxnSpPr/>
+          <p:nvPr/>
+        </p:nvCxnSpPr>
+        <p:spPr>
+          <a:xfrm>
+            <a:off x="5706359" y="3214538"/>
+            <a:ext cx="452486" cy="810707"/>
+          </a:xfrm>
+          <a:prstGeom prst="line">
+            <a:avLst/>
+          </a:prstGeom>
+        </p:spPr>
+        <p:style>
+          <a:lnRef idx="1">
+            <a:schemeClr val="accent1"/>
+          </a:lnRef>
+          <a:fillRef idx="0">
+            <a:schemeClr val="accent1"/>
+          </a:fillRef>
+          <a:effectRef idx="0">
+            <a:schemeClr val="accent1"/>
+          </a:effectRef>
+          <a:fontRef idx="minor">
+            <a:schemeClr val="tx1"/>
+          </a:fontRef>
+        </p:style>
+      </p:cxnSp>
+      <p:cxnSp>
+        <p:nvCxnSpPr>
+          <p:cNvPr id="89" name="直接连接符 88">
+            <a:extLst>
+              <a:ext uri="{FF2B5EF4-FFF2-40B4-BE49-F238E27FC236}">
+                <a16:creationId xmlns:a16="http://schemas.microsoft.com/office/drawing/2014/main" id="{A4D652AD-B215-487D-A9A0-BCBD851263F0}"/>
+              </a:ext>
+            </a:extLst>
+          </p:cNvPr>
+          <p:cNvCxnSpPr>
+            <a:stCxn id="24" idx="3"/>
+          </p:cNvCxnSpPr>
+          <p:nvPr/>
+        </p:nvCxnSpPr>
+        <p:spPr>
+          <a:xfrm flipV="1">
+            <a:off x="4980495" y="4260913"/>
+            <a:ext cx="1150070" cy="707013"/>
+          </a:xfrm>
+          <a:prstGeom prst="line">
+            <a:avLst/>
+          </a:prstGeom>
+        </p:spPr>
+        <p:style>
+          <a:lnRef idx="1">
+            <a:schemeClr val="accent1"/>
+          </a:lnRef>
+          <a:fillRef idx="0">
+            <a:schemeClr val="accent1"/>
+          </a:fillRef>
+          <a:effectRef idx="0">
+            <a:schemeClr val="accent1"/>
+          </a:effectRef>
+          <a:fontRef idx="minor">
+            <a:schemeClr val="tx1"/>
+          </a:fontRef>
+        </p:style>
+      </p:cxnSp>
+      <p:cxnSp>
+        <p:nvCxnSpPr>
+          <p:cNvPr id="112" name="直接连接符 111">
+            <a:extLst>
+              <a:ext uri="{FF2B5EF4-FFF2-40B4-BE49-F238E27FC236}">
+                <a16:creationId xmlns:a16="http://schemas.microsoft.com/office/drawing/2014/main" id="{84CF6BC8-E006-46E1-B273-B52E09C90B2F}"/>
+              </a:ext>
+            </a:extLst>
+          </p:cNvPr>
+          <p:cNvCxnSpPr>
+            <a:stCxn id="74" idx="2"/>
+            <a:endCxn id="28" idx="0"/>
+          </p:cNvCxnSpPr>
+          <p:nvPr/>
+        </p:nvCxnSpPr>
+        <p:spPr>
+          <a:xfrm>
+            <a:off x="6795154" y="4458879"/>
+            <a:ext cx="306385" cy="820131"/>
+          </a:xfrm>
+          <a:prstGeom prst="line">
+            <a:avLst/>
+          </a:prstGeom>
+        </p:spPr>
+        <p:style>
+          <a:lnRef idx="1">
+            <a:schemeClr val="accent1"/>
+          </a:lnRef>
+          <a:fillRef idx="0">
+            <a:schemeClr val="accent1"/>
+          </a:fillRef>
+          <a:effectRef idx="0">
+            <a:schemeClr val="accent1"/>
+          </a:effectRef>
+          <a:fontRef idx="minor">
+            <a:schemeClr val="tx1"/>
+          </a:fontRef>
+        </p:style>
+      </p:cxnSp>
+      <p:cxnSp>
+        <p:nvCxnSpPr>
+          <p:cNvPr id="114" name="直接连接符 113">
+            <a:extLst>
+              <a:ext uri="{FF2B5EF4-FFF2-40B4-BE49-F238E27FC236}">
+                <a16:creationId xmlns:a16="http://schemas.microsoft.com/office/drawing/2014/main" id="{F79A9CF9-7952-43BF-9B23-1194E60BD4A5}"/>
+              </a:ext>
+            </a:extLst>
+          </p:cNvPr>
+          <p:cNvCxnSpPr>
+            <a:stCxn id="26" idx="2"/>
+          </p:cNvCxnSpPr>
+          <p:nvPr/>
+        </p:nvCxnSpPr>
+        <p:spPr>
+          <a:xfrm flipH="1">
+            <a:off x="7095255" y="4360737"/>
+            <a:ext cx="204235" cy="833432"/>
+          </a:xfrm>
+          <a:prstGeom prst="line">
+            <a:avLst/>
+          </a:prstGeom>
+        </p:spPr>
+        <p:style>
+          <a:lnRef idx="1">
+            <a:schemeClr val="accent1"/>
+          </a:lnRef>
+          <a:fillRef idx="0">
+            <a:schemeClr val="accent1"/>
+          </a:fillRef>
+          <a:effectRef idx="0">
+            <a:schemeClr val="accent1"/>
+          </a:effectRef>
+          <a:fontRef idx="minor">
+            <a:schemeClr val="tx1"/>
+          </a:fontRef>
+        </p:style>
+      </p:cxnSp>
+      <p:sp>
+        <p:nvSpPr>
+          <p:cNvPr id="118" name="文本框 117">
+            <a:extLst>
+              <a:ext uri="{FF2B5EF4-FFF2-40B4-BE49-F238E27FC236}">
+                <a16:creationId xmlns:a16="http://schemas.microsoft.com/office/drawing/2014/main" id="{BEB4E8B7-B25E-4300-AAD8-CA9028AA3808}"/>
+              </a:ext>
+            </a:extLst>
+          </p:cNvPr>
+          <p:cNvSpPr txBox="1"/>
+          <p:nvPr/>
+        </p:nvSpPr>
+        <p:spPr>
+          <a:xfrm>
+            <a:off x="9954864" y="5627802"/>
+            <a:ext cx="285656" cy="369332"/>
+          </a:xfrm>
+          <a:prstGeom prst="rect">
+            <a:avLst/>
+          </a:prstGeom>
+          <a:noFill/>
+        </p:spPr>
+        <p:txBody>
+          <a:bodyPr wrap="none" rtlCol="0">
+            <a:spAutoFit/>
+          </a:bodyPr>
+          <a:lstStyle/>
+          <a:p>
+            <a:r>
+              <a:rPr lang="en-US" altLang="zh-CN" dirty="0"/>
+              <a:t>?</a:t>
+            </a:r>
+            <a:endParaRPr lang="zh-CN" altLang="en-US" dirty="0"/>
+          </a:p>
+        </p:txBody>
+      </p:sp>
+      <p:cxnSp>
+        <p:nvCxnSpPr>
+          <p:cNvPr id="121" name="连接符: 肘形 120">
+            <a:extLst>
+              <a:ext uri="{FF2B5EF4-FFF2-40B4-BE49-F238E27FC236}">
+                <a16:creationId xmlns:a16="http://schemas.microsoft.com/office/drawing/2014/main" id="{5712DB18-AC90-439A-A706-795F1C9ADD26}"/>
+              </a:ext>
+            </a:extLst>
+          </p:cNvPr>
+          <p:cNvCxnSpPr>
+            <a:cxnSpLocks/>
+            <a:stCxn id="9" idx="3"/>
+            <a:endCxn id="12" idx="1"/>
+          </p:cNvCxnSpPr>
+          <p:nvPr/>
+        </p:nvCxnSpPr>
+        <p:spPr>
+          <a:xfrm flipV="1">
+            <a:off x="8242157" y="1682685"/>
+            <a:ext cx="470126" cy="631595"/>
+          </a:xfrm>
+          <a:prstGeom prst="bentConnector3">
+            <a:avLst/>
+          </a:prstGeom>
+        </p:spPr>
+        <p:style>
+          <a:lnRef idx="1">
+            <a:schemeClr val="accent1"/>
+          </a:lnRef>
+          <a:fillRef idx="0">
+            <a:schemeClr val="accent1"/>
+          </a:fillRef>
+          <a:effectRef idx="0">
+            <a:schemeClr val="accent1"/>
+          </a:effectRef>
+          <a:fontRef idx="minor">
+            <a:schemeClr val="tx1"/>
+          </a:fontRef>
+        </p:style>
+      </p:cxnSp>
+      <p:cxnSp>
+        <p:nvCxnSpPr>
+          <p:cNvPr id="126" name="连接符: 肘形 125">
+            <a:extLst>
+              <a:ext uri="{FF2B5EF4-FFF2-40B4-BE49-F238E27FC236}">
+                <a16:creationId xmlns:a16="http://schemas.microsoft.com/office/drawing/2014/main" id="{3D56C660-F49E-4647-B646-4B40319E89B5}"/>
+              </a:ext>
+            </a:extLst>
+          </p:cNvPr>
+          <p:cNvCxnSpPr>
+            <a:stCxn id="21" idx="1"/>
+            <a:endCxn id="13" idx="1"/>
+          </p:cNvCxnSpPr>
+          <p:nvPr/>
+        </p:nvCxnSpPr>
+        <p:spPr>
+          <a:xfrm rot="10800000" flipH="1">
+            <a:off x="974103" y="3087279"/>
+            <a:ext cx="848412" cy="2785621"/>
+          </a:xfrm>
+          <a:prstGeom prst="bentConnector3">
+            <a:avLst>
+              <a:gd name="adj1" fmla="val -26944"/>
+            </a:avLst>
+          </a:prstGeom>
+          <a:ln>
+            <a:tailEnd type="triangle"/>
+          </a:ln>
+        </p:spPr>
+        <p:style>
+          <a:lnRef idx="1">
+            <a:schemeClr val="accent1"/>
+          </a:lnRef>
+          <a:fillRef idx="0">
+            <a:schemeClr val="accent1"/>
+          </a:fillRef>
+          <a:effectRef idx="0">
+            <a:schemeClr val="accent1"/>
+          </a:effectRef>
+          <a:fontRef idx="minor">
+            <a:schemeClr val="tx1"/>
+          </a:fontRef>
+        </p:style>
+      </p:cxnSp>
+      <p:cxnSp>
+        <p:nvCxnSpPr>
+          <p:cNvPr id="128" name="直接箭头连接符 127">
+            <a:extLst>
+              <a:ext uri="{FF2B5EF4-FFF2-40B4-BE49-F238E27FC236}">
+                <a16:creationId xmlns:a16="http://schemas.microsoft.com/office/drawing/2014/main" id="{316E3ABC-A917-48C8-8004-099F8E46484D}"/>
+              </a:ext>
+            </a:extLst>
+          </p:cNvPr>
+          <p:cNvCxnSpPr>
+            <a:endCxn id="118" idx="0"/>
+          </p:cNvCxnSpPr>
+          <p:nvPr/>
+        </p:nvCxnSpPr>
+        <p:spPr>
+          <a:xfrm>
+            <a:off x="10097692" y="5184742"/>
+            <a:ext cx="0" cy="443060"/>
+          </a:xfrm>
+          <a:prstGeom prst="straightConnector1">
+            <a:avLst/>
+          </a:prstGeom>
+          <a:ln>
+            <a:tailEnd type="triangle"/>
+          </a:ln>
+        </p:spPr>
+        <p:style>
+          <a:lnRef idx="1">
+            <a:schemeClr val="accent1"/>
+          </a:lnRef>
+          <a:fillRef idx="0">
+            <a:schemeClr val="accent1"/>
+          </a:fillRef>
+          <a:effectRef idx="0">
+            <a:schemeClr val="accent1"/>
+          </a:effectRef>
+          <a:fontRef idx="minor">
+            <a:schemeClr val="tx1"/>
+          </a:fontRef>
+        </p:style>
+      </p:cxnSp>
+      <p:cxnSp>
+        <p:nvCxnSpPr>
+          <p:cNvPr id="130" name="直接箭头连接符 129">
+            <a:extLst>
+              <a:ext uri="{FF2B5EF4-FFF2-40B4-BE49-F238E27FC236}">
+                <a16:creationId xmlns:a16="http://schemas.microsoft.com/office/drawing/2014/main" id="{A2A6B38E-8604-489C-AD6F-8E625785D762}"/>
+              </a:ext>
+            </a:extLst>
+          </p:cNvPr>
+          <p:cNvCxnSpPr>
+            <a:stCxn id="10" idx="1"/>
+          </p:cNvCxnSpPr>
+          <p:nvPr/>
+        </p:nvCxnSpPr>
+        <p:spPr>
+          <a:xfrm flipH="1">
+            <a:off x="1982771" y="2314280"/>
+            <a:ext cx="490194" cy="0"/>
+          </a:xfrm>
+          <a:prstGeom prst="straightConnector1">
+            <a:avLst/>
+          </a:prstGeom>
+          <a:ln>
+            <a:tailEnd type="triangle"/>
+          </a:ln>
+        </p:spPr>
+        <p:style>
+          <a:lnRef idx="1">
+            <a:schemeClr val="accent1"/>
+          </a:lnRef>
+          <a:fillRef idx="0">
+            <a:schemeClr val="accent1"/>
+          </a:fillRef>
+          <a:effectRef idx="0">
+            <a:schemeClr val="accent1"/>
+          </a:effectRef>
+          <a:fontRef idx="minor">
+            <a:schemeClr val="tx1"/>
+          </a:fontRef>
+        </p:style>
+      </p:cxnSp>
+      <p:sp>
+        <p:nvSpPr>
+          <p:cNvPr id="131" name="文本框 130">
+            <a:extLst>
+              <a:ext uri="{FF2B5EF4-FFF2-40B4-BE49-F238E27FC236}">
+                <a16:creationId xmlns:a16="http://schemas.microsoft.com/office/drawing/2014/main" id="{AE619702-F22B-46A7-B4D6-B915D6103DF8}"/>
+              </a:ext>
+            </a:extLst>
+          </p:cNvPr>
+          <p:cNvSpPr txBox="1"/>
+          <p:nvPr/>
+        </p:nvSpPr>
+        <p:spPr>
+          <a:xfrm>
+            <a:off x="1704969" y="2130284"/>
+            <a:ext cx="285656" cy="369332"/>
+          </a:xfrm>
+          <a:prstGeom prst="rect">
+            <a:avLst/>
+          </a:prstGeom>
+          <a:noFill/>
+        </p:spPr>
+        <p:txBody>
+          <a:bodyPr wrap="none" rtlCol="0">
+            <a:spAutoFit/>
+          </a:bodyPr>
+          <a:lstStyle/>
+          <a:p>
+            <a:r>
+              <a:rPr lang="en-US" altLang="zh-CN" dirty="0"/>
+              <a:t>?</a:t>
+            </a:r>
+            <a:endParaRPr lang="zh-CN" altLang="en-US" dirty="0"/>
+          </a:p>
+        </p:txBody>
+      </p:sp>
+      <p:sp>
+        <p:nvSpPr>
+          <p:cNvPr id="132" name="文本框 131">
+            <a:extLst>
+              <a:ext uri="{FF2B5EF4-FFF2-40B4-BE49-F238E27FC236}">
+                <a16:creationId xmlns:a16="http://schemas.microsoft.com/office/drawing/2014/main" id="{3168159C-5CAB-4EC6-8362-F2ECF0D9DB9F}"/>
+              </a:ext>
+            </a:extLst>
+          </p:cNvPr>
+          <p:cNvSpPr txBox="1"/>
+          <p:nvPr/>
+        </p:nvSpPr>
+        <p:spPr>
+          <a:xfrm>
+            <a:off x="203588" y="880389"/>
+            <a:ext cx="1439818" cy="369332"/>
+          </a:xfrm>
+          <a:prstGeom prst="rect">
+            <a:avLst/>
+          </a:prstGeom>
+          <a:noFill/>
+        </p:spPr>
+        <p:txBody>
+          <a:bodyPr wrap="none" rtlCol="0">
+            <a:spAutoFit/>
+          </a:bodyPr>
+          <a:lstStyle/>
+          <a:p>
+            <a:r>
+              <a:rPr lang="en-US" altLang="zh-CN" dirty="0"/>
+              <a:t>?</a:t>
+            </a:r>
+            <a:r>
+              <a:rPr lang="zh-CN" altLang="en-US" dirty="0"/>
+              <a:t>：自由跳转</a:t>
+            </a:r>
+          </a:p>
+        </p:txBody>
+      </p:sp>
+      <p:sp>
+        <p:nvSpPr>
+          <p:cNvPr id="133" name="文本框 132">
+            <a:extLst>
+              <a:ext uri="{FF2B5EF4-FFF2-40B4-BE49-F238E27FC236}">
+                <a16:creationId xmlns:a16="http://schemas.microsoft.com/office/drawing/2014/main" id="{E5CEA376-C42C-4F28-81E5-3AACDEC1E711}"/>
+              </a:ext>
+            </a:extLst>
+          </p:cNvPr>
+          <p:cNvSpPr txBox="1"/>
+          <p:nvPr/>
+        </p:nvSpPr>
+        <p:spPr>
+          <a:xfrm>
+            <a:off x="164256" y="172661"/>
+            <a:ext cx="2311851" cy="461665"/>
+          </a:xfrm>
+          <a:prstGeom prst="rect">
+            <a:avLst/>
+          </a:prstGeom>
+          <a:noFill/>
+        </p:spPr>
+        <p:txBody>
+          <a:bodyPr wrap="none" rtlCol="0">
+            <a:spAutoFit/>
+          </a:bodyPr>
+          <a:lstStyle/>
+          <a:p>
+            <a:r>
+              <a:rPr lang="zh-CN" altLang="en-US" sz="2400" dirty="0"/>
+              <a:t>客户端</a:t>
+            </a:r>
+            <a:r>
+              <a:rPr lang="en-US" altLang="zh-CN" sz="2400" dirty="0"/>
+              <a:t>UI</a:t>
+            </a:r>
+            <a:r>
+              <a:rPr lang="zh-CN" altLang="en-US" sz="2400" dirty="0"/>
+              <a:t>跳转流</a:t>
+            </a:r>
+          </a:p>
+        </p:txBody>
+      </p:sp>
+      <p:sp>
+        <p:nvSpPr>
+          <p:cNvPr id="134" name="矩形 133">
+            <a:extLst>
+              <a:ext uri="{FF2B5EF4-FFF2-40B4-BE49-F238E27FC236}">
+                <a16:creationId xmlns:a16="http://schemas.microsoft.com/office/drawing/2014/main" id="{C399749D-E2DA-4653-B2BC-3E4D6696E08F}"/>
+              </a:ext>
+            </a:extLst>
+          </p:cNvPr>
+          <p:cNvSpPr/>
+          <p:nvPr/>
+        </p:nvSpPr>
+        <p:spPr>
+          <a:xfrm>
+            <a:off x="203588" y="1414021"/>
+            <a:ext cx="352593" cy="235670"/>
+          </a:xfrm>
+          <a:prstGeom prst="rect">
+            <a:avLst/>
+          </a:prstGeom>
+        </p:spPr>
+        <p:style>
+          <a:lnRef idx="2">
+            <a:schemeClr val="accent1">
+              <a:shade val="50000"/>
+            </a:schemeClr>
+          </a:lnRef>
+          <a:fillRef idx="1">
+            <a:schemeClr val="accent1"/>
+          </a:fillRef>
+          <a:effectRef idx="0">
+            <a:schemeClr val="accent1"/>
+          </a:effectRef>
+          <a:fontRef idx="minor">
+            <a:schemeClr val="lt1"/>
+          </a:fontRef>
+        </p:style>
+        <p:txBody>
+          <a:bodyPr rtlCol="0" anchor="ctr"/>
+          <a:lstStyle/>
+          <a:p>
+            <a:pPr algn="ctr"/>
+            <a:endParaRPr lang="zh-CN" altLang="en-US"/>
+          </a:p>
+        </p:txBody>
+      </p:sp>
+      <p:sp>
+        <p:nvSpPr>
+          <p:cNvPr id="135" name="矩形 134">
+            <a:extLst>
+              <a:ext uri="{FF2B5EF4-FFF2-40B4-BE49-F238E27FC236}">
+                <a16:creationId xmlns:a16="http://schemas.microsoft.com/office/drawing/2014/main" id="{544EEEA2-3E73-4E0C-A9C2-8D6C8270FC1F}"/>
+              </a:ext>
+            </a:extLst>
+          </p:cNvPr>
+          <p:cNvSpPr/>
+          <p:nvPr/>
+        </p:nvSpPr>
+        <p:spPr>
+          <a:xfrm>
+            <a:off x="203588" y="1731454"/>
+            <a:ext cx="352593" cy="235670"/>
+          </a:xfrm>
+          <a:prstGeom prst="rect">
+            <a:avLst/>
+          </a:prstGeom>
+          <a:solidFill>
+            <a:schemeClr val="bg1">
+              <a:lumMod val="75000"/>
+            </a:schemeClr>
+          </a:solidFill>
+        </p:spPr>
+        <p:style>
+          <a:lnRef idx="2">
+            <a:schemeClr val="dk1">
+              <a:shade val="50000"/>
+            </a:schemeClr>
+          </a:lnRef>
+          <a:fillRef idx="1">
+            <a:schemeClr val="dk1"/>
+          </a:fillRef>
+          <a:effectRef idx="0">
+            <a:schemeClr val="dk1"/>
+          </a:effectRef>
+          <a:fontRef idx="minor">
+            <a:schemeClr val="lt1"/>
+          </a:fontRef>
+        </p:style>
+        <p:txBody>
+          <a:bodyPr rtlCol="0" anchor="ctr"/>
+          <a:lstStyle/>
+          <a:p>
+            <a:pPr algn="ctr"/>
+            <a:endParaRPr lang="zh-CN" altLang="en-US"/>
+          </a:p>
+        </p:txBody>
+      </p:sp>
+      <p:sp>
+        <p:nvSpPr>
+          <p:cNvPr id="136" name="矩形 135">
+            <a:extLst>
+              <a:ext uri="{FF2B5EF4-FFF2-40B4-BE49-F238E27FC236}">
+                <a16:creationId xmlns:a16="http://schemas.microsoft.com/office/drawing/2014/main" id="{047A6B2F-43FF-4387-A83A-B1EDD35018DA}"/>
+              </a:ext>
+            </a:extLst>
+          </p:cNvPr>
+          <p:cNvSpPr/>
+          <p:nvPr/>
+        </p:nvSpPr>
+        <p:spPr>
+          <a:xfrm>
+            <a:off x="203588" y="2045616"/>
+            <a:ext cx="352593" cy="235670"/>
+          </a:xfrm>
+          <a:prstGeom prst="rect">
+            <a:avLst/>
+          </a:prstGeom>
+          <a:solidFill>
+            <a:schemeClr val="tx1">
+              <a:lumMod val="75000"/>
+              <a:lumOff val="25000"/>
+            </a:schemeClr>
+          </a:solidFill>
+        </p:spPr>
+        <p:style>
+          <a:lnRef idx="2">
+            <a:schemeClr val="accent3">
+              <a:shade val="50000"/>
+            </a:schemeClr>
+          </a:lnRef>
+          <a:fillRef idx="1">
+            <a:schemeClr val="accent3"/>
+          </a:fillRef>
+          <a:effectRef idx="0">
+            <a:schemeClr val="accent3"/>
+          </a:effectRef>
+          <a:fontRef idx="minor">
+            <a:schemeClr val="lt1"/>
+          </a:fontRef>
+        </p:style>
+        <p:txBody>
+          <a:bodyPr rtlCol="0" anchor="ctr"/>
+          <a:lstStyle/>
+          <a:p>
+            <a:pPr algn="ctr"/>
+            <a:endParaRPr lang="zh-CN" altLang="en-US"/>
+          </a:p>
+        </p:txBody>
+      </p:sp>
+      <p:sp>
+        <p:nvSpPr>
+          <p:cNvPr id="137" name="文本框 136">
+            <a:extLst>
+              <a:ext uri="{FF2B5EF4-FFF2-40B4-BE49-F238E27FC236}">
+                <a16:creationId xmlns:a16="http://schemas.microsoft.com/office/drawing/2014/main" id="{962E8947-D259-44E2-A934-176416329F7B}"/>
+              </a:ext>
+            </a:extLst>
+          </p:cNvPr>
+          <p:cNvSpPr txBox="1"/>
+          <p:nvPr/>
+        </p:nvSpPr>
+        <p:spPr>
+          <a:xfrm>
+            <a:off x="600331" y="1374455"/>
+            <a:ext cx="646331" cy="923330"/>
+          </a:xfrm>
+          <a:prstGeom prst="rect">
+            <a:avLst/>
+          </a:prstGeom>
+          <a:noFill/>
+        </p:spPr>
+        <p:txBody>
+          <a:bodyPr wrap="none" rtlCol="0">
+            <a:spAutoFit/>
+          </a:bodyPr>
+          <a:lstStyle/>
+          <a:p>
+            <a:r>
+              <a:rPr lang="zh-CN" altLang="en-US" dirty="0"/>
+              <a:t>优先</a:t>
+            </a:r>
+            <a:endParaRPr lang="en-US" altLang="zh-CN" dirty="0"/>
+          </a:p>
+          <a:p>
+            <a:r>
+              <a:rPr lang="zh-CN" altLang="en-US" dirty="0"/>
+              <a:t>稍后</a:t>
+            </a:r>
+            <a:endParaRPr lang="en-US" altLang="zh-CN" dirty="0"/>
+          </a:p>
+          <a:p>
+            <a:r>
+              <a:rPr lang="zh-CN" altLang="en-US" dirty="0"/>
+              <a:t>最后</a:t>
+            </a:r>
+          </a:p>
+        </p:txBody>
+      </p:sp>
+    </p:spTree>
+    <p:extLst>
+      <p:ext uri="{BB962C8B-B14F-4D97-AF65-F5344CB8AC3E}">
+        <p14:creationId xmlns:p14="http://schemas.microsoft.com/office/powerpoint/2010/main" val="1522617681"/>
+      </p:ext>
+    </p:extLst>
+  </p:cSld>
+  <p:clrMapOvr>
+    <a:masterClrMapping/>
+  </p:clrMapOvr>
+</p:sld>
+</file>
+
+<file path=ppt/slides/slide28.xml><?xml version="1.0" encoding="utf-8"?>
+<p:sld xmlns:a="http://schemas.openxmlformats.org/drawingml/2006/main" xmlns:r="http://schemas.openxmlformats.org/officeDocument/2006/relationships" xmlns:p="http://schemas.openxmlformats.org/presentationml/2006/main">
+  <p:cSld>
+    <p:spTree>
+      <p:nvGrpSpPr>
+        <p:cNvPr id="1" name=""/>
+        <p:cNvGrpSpPr/>
+        <p:nvPr/>
+      </p:nvGrpSpPr>
+      <p:grpSpPr>
+        <a:xfrm>
+          <a:off x="0" y="0"/>
+          <a:ext cx="0" cy="0"/>
+          <a:chOff x="0" y="0"/>
+          <a:chExt cx="0" cy="0"/>
+        </a:xfrm>
+      </p:grpSpPr>
+      <p:pic>
+        <p:nvPicPr>
+          <p:cNvPr id="4" name="图片 3">
+            <a:extLst>
+              <a:ext uri="{FF2B5EF4-FFF2-40B4-BE49-F238E27FC236}">
+                <a16:creationId xmlns:a16="http://schemas.microsoft.com/office/drawing/2014/main" id="{544860B2-9097-435C-98C1-0EDEFA8BCAAF}"/>
+              </a:ext>
+            </a:extLst>
+          </p:cNvPr>
+          <p:cNvPicPr>
+            <a:picLocks noChangeAspect="1"/>
+          </p:cNvPicPr>
+          <p:nvPr/>
+        </p:nvPicPr>
+        <p:blipFill>
+          <a:blip r:embed="rId2"/>
+          <a:stretch>
+            <a:fillRect/>
+          </a:stretch>
+        </p:blipFill>
+        <p:spPr>
+          <a:xfrm>
+            <a:off x="2328136" y="234656"/>
+            <a:ext cx="7018525" cy="6668360"/>
+          </a:xfrm>
+          <a:prstGeom prst="rect">
+            <a:avLst/>
+          </a:prstGeom>
+        </p:spPr>
+      </p:pic>
+      <p:sp>
+        <p:nvSpPr>
+          <p:cNvPr id="5" name="矩形 4">
+            <a:extLst>
+              <a:ext uri="{FF2B5EF4-FFF2-40B4-BE49-F238E27FC236}">
+                <a16:creationId xmlns:a16="http://schemas.microsoft.com/office/drawing/2014/main" id="{C7DE8B9A-64E0-4A46-8E4F-A9100AE6BC4B}"/>
+              </a:ext>
+            </a:extLst>
+          </p:cNvPr>
+          <p:cNvSpPr/>
+          <p:nvPr/>
+        </p:nvSpPr>
+        <p:spPr>
+          <a:xfrm>
+            <a:off x="2614555" y="3541059"/>
+            <a:ext cx="1883888" cy="968188"/>
+          </a:xfrm>
+          <a:prstGeom prst="rect">
+            <a:avLst/>
+          </a:prstGeom>
+          <a:solidFill>
+            <a:srgbClr val="FF0000">
+              <a:alpha val="15000"/>
+            </a:srgbClr>
+          </a:solidFill>
+        </p:spPr>
+        <p:style>
+          <a:lnRef idx="2">
+            <a:schemeClr val="accent1">
+              <a:shade val="50000"/>
+            </a:schemeClr>
+          </a:lnRef>
+          <a:fillRef idx="1">
+            <a:schemeClr val="accent1"/>
+          </a:fillRef>
+          <a:effectRef idx="0">
+            <a:schemeClr val="accent1"/>
+          </a:effectRef>
+          <a:fontRef idx="minor">
+            <a:schemeClr val="lt1"/>
+          </a:fontRef>
+        </p:style>
+        <p:txBody>
+          <a:bodyPr rtlCol="0" anchor="ctr"/>
+          <a:lstStyle/>
+          <a:p>
+            <a:r>
+              <a:rPr lang="en-US" altLang="zh-CN" sz="3200" dirty="0">
+                <a:solidFill>
+                  <a:srgbClr val="FF0000"/>
+                </a:solidFill>
+              </a:rPr>
+              <a:t>UI&amp;</a:t>
+            </a:r>
+            <a:r>
+              <a:rPr lang="zh-CN" altLang="en-US" sz="3200" dirty="0">
+                <a:solidFill>
+                  <a:srgbClr val="FF0000"/>
+                </a:solidFill>
+              </a:rPr>
+              <a:t>跳转</a:t>
+            </a:r>
+          </a:p>
+        </p:txBody>
+      </p:sp>
+      <p:sp>
+        <p:nvSpPr>
+          <p:cNvPr id="8" name="矩形 7">
+            <a:extLst>
+              <a:ext uri="{FF2B5EF4-FFF2-40B4-BE49-F238E27FC236}">
+                <a16:creationId xmlns:a16="http://schemas.microsoft.com/office/drawing/2014/main" id="{5CE21DE1-7754-418D-88B8-504475240DEE}"/>
+              </a:ext>
+            </a:extLst>
+          </p:cNvPr>
+          <p:cNvSpPr/>
+          <p:nvPr/>
+        </p:nvSpPr>
+        <p:spPr>
+          <a:xfrm>
+            <a:off x="4643041" y="3541059"/>
+            <a:ext cx="801989" cy="968188"/>
+          </a:xfrm>
+          <a:prstGeom prst="rect">
+            <a:avLst/>
+          </a:prstGeom>
+          <a:solidFill>
+            <a:srgbClr val="FF0000">
+              <a:alpha val="15000"/>
+            </a:srgbClr>
+          </a:solidFill>
+        </p:spPr>
+        <p:style>
+          <a:lnRef idx="2">
+            <a:schemeClr val="accent1">
+              <a:shade val="50000"/>
+            </a:schemeClr>
+          </a:lnRef>
+          <a:fillRef idx="1">
+            <a:schemeClr val="accent1"/>
+          </a:fillRef>
+          <a:effectRef idx="0">
+            <a:schemeClr val="accent1"/>
+          </a:effectRef>
+          <a:fontRef idx="minor">
+            <a:schemeClr val="lt1"/>
+          </a:fontRef>
+        </p:style>
+        <p:txBody>
+          <a:bodyPr rtlCol="0" anchor="ctr"/>
+          <a:lstStyle/>
+          <a:p>
+            <a:r>
+              <a:rPr lang="zh-CN" altLang="en-US" sz="2400">
+                <a:solidFill>
+                  <a:srgbClr val="FF0000"/>
+                </a:solidFill>
+              </a:rPr>
+              <a:t>最终移植</a:t>
+            </a:r>
+            <a:endParaRPr lang="zh-CN" altLang="en-US" sz="2400" dirty="0">
+              <a:solidFill>
+                <a:srgbClr val="FF0000"/>
+              </a:solidFill>
+            </a:endParaRPr>
+          </a:p>
+        </p:txBody>
+      </p:sp>
+      <p:sp>
+        <p:nvSpPr>
+          <p:cNvPr id="9" name="矩形 8">
+            <a:extLst>
+              <a:ext uri="{FF2B5EF4-FFF2-40B4-BE49-F238E27FC236}">
+                <a16:creationId xmlns:a16="http://schemas.microsoft.com/office/drawing/2014/main" id="{868142C9-027A-4D7B-8EDC-40AE4CEAFF68}"/>
+              </a:ext>
+            </a:extLst>
+          </p:cNvPr>
+          <p:cNvSpPr/>
+          <p:nvPr/>
+        </p:nvSpPr>
+        <p:spPr>
+          <a:xfrm>
+            <a:off x="5589628" y="3541059"/>
+            <a:ext cx="1562642" cy="968188"/>
+          </a:xfrm>
+          <a:prstGeom prst="rect">
+            <a:avLst/>
+          </a:prstGeom>
+          <a:solidFill>
+            <a:srgbClr val="FF0000">
+              <a:alpha val="15000"/>
+            </a:srgbClr>
+          </a:solidFill>
+        </p:spPr>
+        <p:style>
+          <a:lnRef idx="2">
+            <a:schemeClr val="accent1">
+              <a:shade val="50000"/>
+            </a:schemeClr>
+          </a:lnRef>
+          <a:fillRef idx="1">
+            <a:schemeClr val="accent1"/>
+          </a:fillRef>
+          <a:effectRef idx="0">
+            <a:schemeClr val="accent1"/>
+          </a:effectRef>
+          <a:fontRef idx="minor">
+            <a:schemeClr val="lt1"/>
+          </a:fontRef>
+        </p:style>
+        <p:txBody>
+          <a:bodyPr rtlCol="0" anchor="ctr"/>
+          <a:lstStyle/>
+          <a:p>
+            <a:pPr algn="ctr"/>
+            <a:r>
+              <a:rPr lang="zh-CN" altLang="en-US" dirty="0">
+                <a:solidFill>
+                  <a:srgbClr val="FF0000"/>
+                </a:solidFill>
+              </a:rPr>
+              <a:t>单元测试</a:t>
+            </a:r>
+          </a:p>
+        </p:txBody>
+      </p:sp>
+      <p:sp>
+        <p:nvSpPr>
+          <p:cNvPr id="10" name="矩形 9">
+            <a:extLst>
+              <a:ext uri="{FF2B5EF4-FFF2-40B4-BE49-F238E27FC236}">
+                <a16:creationId xmlns:a16="http://schemas.microsoft.com/office/drawing/2014/main" id="{AFCD9C80-7D39-4FA7-972C-8383A3B38E9C}"/>
+              </a:ext>
+            </a:extLst>
+          </p:cNvPr>
+          <p:cNvSpPr/>
+          <p:nvPr/>
+        </p:nvSpPr>
+        <p:spPr>
+          <a:xfrm>
+            <a:off x="2614555" y="4541659"/>
+            <a:ext cx="1883888" cy="690217"/>
+          </a:xfrm>
+          <a:prstGeom prst="rect">
+            <a:avLst/>
+          </a:prstGeom>
+          <a:solidFill>
+            <a:srgbClr val="FF0000">
+              <a:alpha val="15000"/>
+            </a:srgbClr>
+          </a:solidFill>
+        </p:spPr>
+        <p:style>
+          <a:lnRef idx="2">
+            <a:schemeClr val="accent1">
+              <a:shade val="50000"/>
+            </a:schemeClr>
+          </a:lnRef>
+          <a:fillRef idx="1">
+            <a:schemeClr val="accent1"/>
+          </a:fillRef>
+          <a:effectRef idx="0">
+            <a:schemeClr val="accent1"/>
+          </a:effectRef>
+          <a:fontRef idx="minor">
+            <a:schemeClr val="lt1"/>
+          </a:fontRef>
+        </p:style>
+        <p:txBody>
+          <a:bodyPr rtlCol="0" anchor="ctr"/>
+          <a:lstStyle/>
+          <a:p>
+            <a:pPr algn="ctr"/>
+            <a:r>
+              <a:rPr lang="en-US" altLang="zh-CN" sz="3600" dirty="0" err="1">
+                <a:solidFill>
+                  <a:srgbClr val="FF0000"/>
+                </a:solidFill>
+              </a:rPr>
+              <a:t>aws</a:t>
+            </a:r>
+            <a:endParaRPr lang="zh-CN" altLang="en-US" sz="3600" dirty="0">
+              <a:solidFill>
+                <a:srgbClr val="FF0000"/>
+              </a:solidFill>
+            </a:endParaRPr>
+          </a:p>
+        </p:txBody>
+      </p:sp>
+    </p:spTree>
+    <p:extLst>
+      <p:ext uri="{BB962C8B-B14F-4D97-AF65-F5344CB8AC3E}">
+        <p14:creationId xmlns:p14="http://schemas.microsoft.com/office/powerpoint/2010/main" val="2687980483"/>
       </p:ext>
     </p:extLst>
   </p:cSld>

--- a/plan/抽卡手游.pptx
+++ b/plan/抽卡手游.pptx
@@ -5,7 +5,7 @@
     <p:sldMasterId id="2147483648" r:id="rId1"/>
   </p:sldMasterIdLst>
   <p:notesMasterIdLst>
-    <p:notesMasterId r:id="rId30"/>
+    <p:notesMasterId r:id="rId31"/>
   </p:notesMasterIdLst>
   <p:sldIdLst>
     <p:sldId id="256" r:id="rId2"/>
@@ -36,6 +36,7 @@
     <p:sldId id="1332" r:id="rId27"/>
     <p:sldId id="1334" r:id="rId28"/>
     <p:sldId id="1335" r:id="rId29"/>
+    <p:sldId id="264" r:id="rId30"/>
   </p:sldIdLst>
   <p:sldSz cx="12192000" cy="6858000"/>
   <p:notesSz cx="6858000" cy="9144000"/>
@@ -224,7 +225,7 @@
           <a:p>
             <a:fld id="{D2A48B96-639E-45A3-A0BA-2464DFDB1FAA}" type="datetimeFigureOut">
               <a:rPr lang="zh-CN" altLang="en-US" smtClean="0"/>
-              <a:t>2020/7/13</a:t>
+              <a:t>2020/7/15</a:t>
             </a:fld>
             <a:endParaRPr lang="zh-CN" altLang="en-US"/>
           </a:p>
@@ -755,7 +756,7 @@
           <a:p>
             <a:fld id="{5AD20816-3703-4B36-A03B-6CEA84674823}" type="datetimeFigureOut">
               <a:rPr lang="zh-CN" altLang="en-US" smtClean="0"/>
-              <a:t>2020/7/13</a:t>
+              <a:t>2020/7/15</a:t>
             </a:fld>
             <a:endParaRPr lang="zh-CN" altLang="en-US"/>
           </a:p>
@@ -918,7 +919,7 @@
           <a:p>
             <a:fld id="{5AD20816-3703-4B36-A03B-6CEA84674823}" type="datetimeFigureOut">
               <a:rPr lang="zh-CN" altLang="en-US" smtClean="0"/>
-              <a:t>2020/7/13</a:t>
+              <a:t>2020/7/15</a:t>
             </a:fld>
             <a:endParaRPr lang="zh-CN" altLang="en-US"/>
           </a:p>
@@ -1091,7 +1092,7 @@
           <a:p>
             <a:fld id="{5AD20816-3703-4B36-A03B-6CEA84674823}" type="datetimeFigureOut">
               <a:rPr lang="zh-CN" altLang="en-US" smtClean="0"/>
-              <a:t>2020/7/13</a:t>
+              <a:t>2020/7/15</a:t>
             </a:fld>
             <a:endParaRPr lang="zh-CN" altLang="en-US"/>
           </a:p>
@@ -1254,7 +1255,7 @@
           <a:p>
             <a:fld id="{5AD20816-3703-4B36-A03B-6CEA84674823}" type="datetimeFigureOut">
               <a:rPr lang="zh-CN" altLang="en-US" smtClean="0"/>
-              <a:t>2020/7/13</a:t>
+              <a:t>2020/7/15</a:t>
             </a:fld>
             <a:endParaRPr lang="zh-CN" altLang="en-US"/>
           </a:p>
@@ -1494,7 +1495,7 @@
           <a:p>
             <a:fld id="{5AD20816-3703-4B36-A03B-6CEA84674823}" type="datetimeFigureOut">
               <a:rPr lang="zh-CN" altLang="en-US" smtClean="0"/>
-              <a:t>2020/7/13</a:t>
+              <a:t>2020/7/15</a:t>
             </a:fld>
             <a:endParaRPr lang="zh-CN" altLang="en-US"/>
           </a:p>
@@ -1718,7 +1719,7 @@
           <a:p>
             <a:fld id="{5AD20816-3703-4B36-A03B-6CEA84674823}" type="datetimeFigureOut">
               <a:rPr lang="zh-CN" altLang="en-US" smtClean="0"/>
-              <a:t>2020/7/13</a:t>
+              <a:t>2020/7/15</a:t>
             </a:fld>
             <a:endParaRPr lang="zh-CN" altLang="en-US"/>
           </a:p>
@@ -2077,7 +2078,7 @@
           <a:p>
             <a:fld id="{5AD20816-3703-4B36-A03B-6CEA84674823}" type="datetimeFigureOut">
               <a:rPr lang="zh-CN" altLang="en-US" smtClean="0"/>
-              <a:t>2020/7/13</a:t>
+              <a:t>2020/7/15</a:t>
             </a:fld>
             <a:endParaRPr lang="zh-CN" altLang="en-US"/>
           </a:p>
@@ -2189,7 +2190,7 @@
           <a:p>
             <a:fld id="{5AD20816-3703-4B36-A03B-6CEA84674823}" type="datetimeFigureOut">
               <a:rPr lang="zh-CN" altLang="en-US" smtClean="0"/>
-              <a:t>2020/7/13</a:t>
+              <a:t>2020/7/15</a:t>
             </a:fld>
             <a:endParaRPr lang="zh-CN" altLang="en-US"/>
           </a:p>
@@ -2279,7 +2280,7 @@
           <a:p>
             <a:fld id="{5AD20816-3703-4B36-A03B-6CEA84674823}" type="datetimeFigureOut">
               <a:rPr lang="zh-CN" altLang="en-US" smtClean="0"/>
-              <a:t>2020/7/13</a:t>
+              <a:t>2020/7/15</a:t>
             </a:fld>
             <a:endParaRPr lang="zh-CN" altLang="en-US"/>
           </a:p>
@@ -2549,7 +2550,7 @@
           <a:p>
             <a:fld id="{5AD20816-3703-4B36-A03B-6CEA84674823}" type="datetimeFigureOut">
               <a:rPr lang="zh-CN" altLang="en-US" smtClean="0"/>
-              <a:t>2020/7/13</a:t>
+              <a:t>2020/7/15</a:t>
             </a:fld>
             <a:endParaRPr lang="zh-CN" altLang="en-US"/>
           </a:p>
@@ -2796,7 +2797,7 @@
           <a:p>
             <a:fld id="{5AD20816-3703-4B36-A03B-6CEA84674823}" type="datetimeFigureOut">
               <a:rPr lang="zh-CN" altLang="en-US" smtClean="0"/>
-              <a:t>2020/7/13</a:t>
+              <a:t>2020/7/15</a:t>
             </a:fld>
             <a:endParaRPr lang="zh-CN" altLang="en-US"/>
           </a:p>
@@ -3002,7 +3003,7 @@
           <a:p>
             <a:fld id="{5AD20816-3703-4B36-A03B-6CEA84674823}" type="datetimeFigureOut">
               <a:rPr lang="zh-CN" altLang="en-US" smtClean="0"/>
-              <a:t>2020/7/13</a:t>
+              <a:t>2020/7/15</a:t>
             </a:fld>
             <a:endParaRPr lang="zh-CN" altLang="en-US"/>
           </a:p>
@@ -22607,6 +22608,705 @@
     <p:extLst>
       <p:ext uri="{BB962C8B-B14F-4D97-AF65-F5344CB8AC3E}">
         <p14:creationId xmlns:p14="http://schemas.microsoft.com/office/powerpoint/2010/main" val="2687980483"/>
+      </p:ext>
+    </p:extLst>
+  </p:cSld>
+  <p:clrMapOvr>
+    <a:masterClrMapping/>
+  </p:clrMapOvr>
+</p:sld>
+</file>
+
+<file path=ppt/slides/slide29.xml><?xml version="1.0" encoding="utf-8"?>
+<p:sld xmlns:a="http://schemas.openxmlformats.org/drawingml/2006/main" xmlns:r="http://schemas.openxmlformats.org/officeDocument/2006/relationships" xmlns:p="http://schemas.openxmlformats.org/presentationml/2006/main">
+  <p:cSld>
+    <p:spTree>
+      <p:nvGrpSpPr>
+        <p:cNvPr id="1" name=""/>
+        <p:cNvGrpSpPr/>
+        <p:nvPr/>
+      </p:nvGrpSpPr>
+      <p:grpSpPr>
+        <a:xfrm>
+          <a:off x="0" y="0"/>
+          <a:ext cx="0" cy="0"/>
+          <a:chOff x="0" y="0"/>
+          <a:chExt cx="0" cy="0"/>
+        </a:xfrm>
+      </p:grpSpPr>
+      <p:sp>
+        <p:nvSpPr>
+          <p:cNvPr id="2" name="矩形 1">
+            <a:extLst>
+              <a:ext uri="{FF2B5EF4-FFF2-40B4-BE49-F238E27FC236}">
+                <a16:creationId xmlns:a16="http://schemas.microsoft.com/office/drawing/2014/main" id="{302ECB12-14B0-4FAC-A015-6A0E6F23673E}"/>
+              </a:ext>
+            </a:extLst>
+          </p:cNvPr>
+          <p:cNvSpPr/>
+          <p:nvPr/>
+        </p:nvSpPr>
+        <p:spPr>
+          <a:xfrm>
+            <a:off x="555813" y="385482"/>
+            <a:ext cx="2411505" cy="1066800"/>
+          </a:xfrm>
+          <a:prstGeom prst="rect">
+            <a:avLst/>
+          </a:prstGeom>
+        </p:spPr>
+        <p:style>
+          <a:lnRef idx="2">
+            <a:schemeClr val="accent1">
+              <a:shade val="50000"/>
+            </a:schemeClr>
+          </a:lnRef>
+          <a:fillRef idx="1">
+            <a:schemeClr val="accent1"/>
+          </a:fillRef>
+          <a:effectRef idx="0">
+            <a:schemeClr val="accent1"/>
+          </a:effectRef>
+          <a:fontRef idx="minor">
+            <a:schemeClr val="lt1"/>
+          </a:fontRef>
+        </p:style>
+        <p:txBody>
+          <a:bodyPr rtlCol="0" anchor="ctr"/>
+          <a:lstStyle/>
+          <a:p>
+            <a:pPr algn="ctr"/>
+            <a:r>
+              <a:rPr lang="zh-CN" altLang="en-US" sz="2400" dirty="0"/>
+              <a:t>“奖励</a:t>
+            </a:r>
+            <a:r>
+              <a:rPr lang="en-US" altLang="zh-CN" sz="2400" dirty="0"/>
+              <a:t>"</a:t>
+            </a:r>
+            <a:r>
+              <a:rPr lang="zh-CN" altLang="en-US" sz="2400" dirty="0"/>
+              <a:t>表的制作</a:t>
+            </a:r>
+            <a:endParaRPr lang="en-US" altLang="zh-CN" sz="2400" dirty="0"/>
+          </a:p>
+          <a:p>
+            <a:pPr algn="ctr"/>
+            <a:r>
+              <a:rPr lang="en-US" altLang="zh-CN" sz="2400" dirty="0"/>
+              <a:t>EXP+</a:t>
+            </a:r>
+            <a:r>
+              <a:rPr lang="zh-CN" altLang="en-US" sz="2400" dirty="0"/>
+              <a:t>掉落物</a:t>
+            </a:r>
+            <a:r>
+              <a:rPr lang="en-US" altLang="zh-CN" sz="2400" dirty="0"/>
+              <a:t>+</a:t>
+            </a:r>
+            <a:r>
+              <a:rPr lang="zh-CN" altLang="en-US" sz="2400" dirty="0"/>
+              <a:t>获取时间</a:t>
+            </a:r>
+          </a:p>
+        </p:txBody>
+      </p:sp>
+      <p:sp>
+        <p:nvSpPr>
+          <p:cNvPr id="3" name="矩形 2">
+            <a:extLst>
+              <a:ext uri="{FF2B5EF4-FFF2-40B4-BE49-F238E27FC236}">
+                <a16:creationId xmlns:a16="http://schemas.microsoft.com/office/drawing/2014/main" id="{C2199BCF-4810-401B-96FF-AEF0BBFD52AB}"/>
+              </a:ext>
+            </a:extLst>
+          </p:cNvPr>
+          <p:cNvSpPr/>
+          <p:nvPr/>
+        </p:nvSpPr>
+        <p:spPr>
+          <a:xfrm>
+            <a:off x="555813" y="1954305"/>
+            <a:ext cx="2411505" cy="1066800"/>
+          </a:xfrm>
+          <a:prstGeom prst="rect">
+            <a:avLst/>
+          </a:prstGeom>
+        </p:spPr>
+        <p:style>
+          <a:lnRef idx="2">
+            <a:schemeClr val="accent1">
+              <a:shade val="50000"/>
+            </a:schemeClr>
+          </a:lnRef>
+          <a:fillRef idx="1">
+            <a:schemeClr val="accent1"/>
+          </a:fillRef>
+          <a:effectRef idx="0">
+            <a:schemeClr val="accent1"/>
+          </a:effectRef>
+          <a:fontRef idx="minor">
+            <a:schemeClr val="lt1"/>
+          </a:fontRef>
+        </p:style>
+        <p:txBody>
+          <a:bodyPr rtlCol="0" anchor="ctr"/>
+          <a:lstStyle/>
+          <a:p>
+            <a:pPr algn="ctr"/>
+            <a:r>
+              <a:rPr lang="zh-CN" altLang="en-US" sz="2400" dirty="0"/>
+              <a:t>运维端对奖励的设定（</a:t>
+            </a:r>
+            <a:r>
+              <a:rPr lang="en-US" altLang="zh-CN" sz="2400" dirty="0"/>
+              <a:t>EXP+</a:t>
+            </a:r>
+            <a:r>
+              <a:rPr lang="zh-CN" altLang="en-US" sz="2400" dirty="0"/>
+              <a:t>特别掉落物）</a:t>
+            </a:r>
+          </a:p>
+        </p:txBody>
+      </p:sp>
+      <p:sp>
+        <p:nvSpPr>
+          <p:cNvPr id="4" name="矩形 3">
+            <a:extLst>
+              <a:ext uri="{FF2B5EF4-FFF2-40B4-BE49-F238E27FC236}">
+                <a16:creationId xmlns:a16="http://schemas.microsoft.com/office/drawing/2014/main" id="{54B25B5B-7553-4250-BA8B-EDB605ACC59D}"/>
+              </a:ext>
+            </a:extLst>
+          </p:cNvPr>
+          <p:cNvSpPr/>
+          <p:nvPr/>
+        </p:nvSpPr>
+        <p:spPr>
+          <a:xfrm>
+            <a:off x="555813" y="3523128"/>
+            <a:ext cx="2411505" cy="1066800"/>
+          </a:xfrm>
+          <a:prstGeom prst="rect">
+            <a:avLst/>
+          </a:prstGeom>
+        </p:spPr>
+        <p:style>
+          <a:lnRef idx="2">
+            <a:schemeClr val="accent1">
+              <a:shade val="50000"/>
+            </a:schemeClr>
+          </a:lnRef>
+          <a:fillRef idx="1">
+            <a:schemeClr val="accent1"/>
+          </a:fillRef>
+          <a:effectRef idx="0">
+            <a:schemeClr val="accent1"/>
+          </a:effectRef>
+          <a:fontRef idx="minor">
+            <a:schemeClr val="lt1"/>
+          </a:fontRef>
+        </p:style>
+        <p:txBody>
+          <a:bodyPr rtlCol="0" anchor="ctr"/>
+          <a:lstStyle/>
+          <a:p>
+            <a:pPr algn="ctr"/>
+            <a:r>
+              <a:rPr lang="zh-CN" altLang="en-US" sz="2400" dirty="0"/>
+              <a:t>卡牌增加</a:t>
+            </a:r>
+            <a:r>
+              <a:rPr lang="en-US" altLang="zh-CN" sz="2400" dirty="0" err="1"/>
+              <a:t>Lv+EXP</a:t>
+            </a:r>
+            <a:endParaRPr lang="zh-CN" altLang="en-US" sz="2400" dirty="0"/>
+          </a:p>
+        </p:txBody>
+      </p:sp>
+      <p:sp>
+        <p:nvSpPr>
+          <p:cNvPr id="5" name="矩形 4">
+            <a:extLst>
+              <a:ext uri="{FF2B5EF4-FFF2-40B4-BE49-F238E27FC236}">
+                <a16:creationId xmlns:a16="http://schemas.microsoft.com/office/drawing/2014/main" id="{D02C44CB-C5E8-47FE-BB53-C6F57DDFB1EA}"/>
+              </a:ext>
+            </a:extLst>
+          </p:cNvPr>
+          <p:cNvSpPr/>
+          <p:nvPr/>
+        </p:nvSpPr>
+        <p:spPr>
+          <a:xfrm>
+            <a:off x="555813" y="5217457"/>
+            <a:ext cx="2411505" cy="1066800"/>
+          </a:xfrm>
+          <a:prstGeom prst="rect">
+            <a:avLst/>
+          </a:prstGeom>
+        </p:spPr>
+        <p:style>
+          <a:lnRef idx="2">
+            <a:schemeClr val="accent1">
+              <a:shade val="50000"/>
+            </a:schemeClr>
+          </a:lnRef>
+          <a:fillRef idx="1">
+            <a:schemeClr val="accent1"/>
+          </a:fillRef>
+          <a:effectRef idx="0">
+            <a:schemeClr val="accent1"/>
+          </a:effectRef>
+          <a:fontRef idx="minor">
+            <a:schemeClr val="lt1"/>
+          </a:fontRef>
+        </p:style>
+        <p:txBody>
+          <a:bodyPr rtlCol="0" anchor="ctr"/>
+          <a:lstStyle/>
+          <a:p>
+            <a:pPr algn="ctr"/>
+            <a:r>
+              <a:rPr lang="zh-CN" altLang="en-US" sz="2400" dirty="0"/>
+              <a:t>玩家已经有了</a:t>
+            </a:r>
+            <a:r>
+              <a:rPr lang="en-US" altLang="zh-CN" sz="2400" dirty="0" err="1"/>
+              <a:t>Lv</a:t>
+            </a:r>
+            <a:r>
+              <a:rPr lang="zh-CN" altLang="en-US" sz="2400" dirty="0"/>
+              <a:t>，该加</a:t>
+            </a:r>
+            <a:r>
+              <a:rPr lang="en-US" altLang="zh-CN" sz="2400" dirty="0"/>
+              <a:t>EXP</a:t>
+            </a:r>
+            <a:endParaRPr lang="zh-CN" altLang="en-US" sz="2400" dirty="0"/>
+          </a:p>
+        </p:txBody>
+      </p:sp>
+      <p:sp>
+        <p:nvSpPr>
+          <p:cNvPr id="10" name="矩形 9">
+            <a:extLst>
+              <a:ext uri="{FF2B5EF4-FFF2-40B4-BE49-F238E27FC236}">
+                <a16:creationId xmlns:a16="http://schemas.microsoft.com/office/drawing/2014/main" id="{3D3036C8-31A9-4025-B0CB-CAB3CEAD944E}"/>
+              </a:ext>
+            </a:extLst>
+          </p:cNvPr>
+          <p:cNvSpPr/>
+          <p:nvPr/>
+        </p:nvSpPr>
+        <p:spPr>
+          <a:xfrm>
+            <a:off x="3502647" y="385482"/>
+            <a:ext cx="2411505" cy="1066800"/>
+          </a:xfrm>
+          <a:prstGeom prst="rect">
+            <a:avLst/>
+          </a:prstGeom>
+        </p:spPr>
+        <p:style>
+          <a:lnRef idx="2">
+            <a:schemeClr val="accent1">
+              <a:shade val="50000"/>
+            </a:schemeClr>
+          </a:lnRef>
+          <a:fillRef idx="1">
+            <a:schemeClr val="accent1"/>
+          </a:fillRef>
+          <a:effectRef idx="0">
+            <a:schemeClr val="accent1"/>
+          </a:effectRef>
+          <a:fontRef idx="minor">
+            <a:schemeClr val="lt1"/>
+          </a:fontRef>
+        </p:style>
+        <p:txBody>
+          <a:bodyPr rtlCol="0" anchor="ctr"/>
+          <a:lstStyle/>
+          <a:p>
+            <a:pPr algn="ctr"/>
+            <a:r>
+              <a:rPr lang="en-US" altLang="zh-CN" sz="2400" dirty="0"/>
+              <a:t>"</a:t>
+            </a:r>
+            <a:r>
+              <a:rPr lang="zh-CN" altLang="en-US" sz="2400" dirty="0"/>
+              <a:t>知识的关联性加成效果</a:t>
+            </a:r>
+            <a:r>
+              <a:rPr lang="en-US" altLang="zh-CN" sz="2400" dirty="0"/>
+              <a:t>"</a:t>
+            </a:r>
+            <a:endParaRPr lang="zh-CN" altLang="en-US" sz="2400" dirty="0"/>
+          </a:p>
+        </p:txBody>
+      </p:sp>
+      <p:sp>
+        <p:nvSpPr>
+          <p:cNvPr id="11" name="矩形 10">
+            <a:extLst>
+              <a:ext uri="{FF2B5EF4-FFF2-40B4-BE49-F238E27FC236}">
+                <a16:creationId xmlns:a16="http://schemas.microsoft.com/office/drawing/2014/main" id="{493B73E4-C74B-4800-BCB9-67596CD67D25}"/>
+              </a:ext>
+            </a:extLst>
+          </p:cNvPr>
+          <p:cNvSpPr/>
+          <p:nvPr/>
+        </p:nvSpPr>
+        <p:spPr>
+          <a:xfrm>
+            <a:off x="3502647" y="1954305"/>
+            <a:ext cx="2411505" cy="1066800"/>
+          </a:xfrm>
+          <a:prstGeom prst="rect">
+            <a:avLst/>
+          </a:prstGeom>
+        </p:spPr>
+        <p:style>
+          <a:lnRef idx="2">
+            <a:schemeClr val="accent1">
+              <a:shade val="50000"/>
+            </a:schemeClr>
+          </a:lnRef>
+          <a:fillRef idx="1">
+            <a:schemeClr val="accent1"/>
+          </a:fillRef>
+          <a:effectRef idx="0">
+            <a:schemeClr val="accent1"/>
+          </a:effectRef>
+          <a:fontRef idx="minor">
+            <a:schemeClr val="lt1"/>
+          </a:fontRef>
+        </p:style>
+        <p:txBody>
+          <a:bodyPr rtlCol="0" anchor="ctr"/>
+          <a:lstStyle/>
+          <a:p>
+            <a:pPr algn="ctr"/>
+            <a:r>
+              <a:rPr lang="zh-CN" altLang="en-US" sz="2400" dirty="0"/>
+              <a:t>重复获得卡牌</a:t>
+            </a:r>
+            <a:endParaRPr lang="en-US" altLang="zh-CN" sz="2400" dirty="0"/>
+          </a:p>
+          <a:p>
+            <a:pPr algn="ctr"/>
+            <a:r>
+              <a:rPr lang="zh-CN" altLang="en-US" sz="2400" dirty="0"/>
+              <a:t>提升等级上限</a:t>
+            </a:r>
+          </a:p>
+        </p:txBody>
+      </p:sp>
+      <p:sp>
+        <p:nvSpPr>
+          <p:cNvPr id="12" name="矩形 11">
+            <a:extLst>
+              <a:ext uri="{FF2B5EF4-FFF2-40B4-BE49-F238E27FC236}">
+                <a16:creationId xmlns:a16="http://schemas.microsoft.com/office/drawing/2014/main" id="{07036737-5FD9-429F-916B-C71846FA861C}"/>
+              </a:ext>
+            </a:extLst>
+          </p:cNvPr>
+          <p:cNvSpPr/>
+          <p:nvPr/>
+        </p:nvSpPr>
+        <p:spPr>
+          <a:xfrm>
+            <a:off x="3502647" y="3523128"/>
+            <a:ext cx="2411505" cy="1066800"/>
+          </a:xfrm>
+          <a:prstGeom prst="rect">
+            <a:avLst/>
+          </a:prstGeom>
+        </p:spPr>
+        <p:style>
+          <a:lnRef idx="2">
+            <a:schemeClr val="accent1">
+              <a:shade val="50000"/>
+            </a:schemeClr>
+          </a:lnRef>
+          <a:fillRef idx="1">
+            <a:schemeClr val="accent1"/>
+          </a:fillRef>
+          <a:effectRef idx="0">
+            <a:schemeClr val="accent1"/>
+          </a:effectRef>
+          <a:fontRef idx="minor">
+            <a:schemeClr val="lt1"/>
+          </a:fontRef>
+        </p:style>
+        <p:txBody>
+          <a:bodyPr rtlCol="0" anchor="ctr"/>
+          <a:lstStyle/>
+          <a:p>
+            <a:pPr algn="ctr"/>
+            <a:r>
+              <a:rPr lang="zh-CN" altLang="en-US" sz="2400" dirty="0"/>
+              <a:t>玩家等级上限</a:t>
+            </a:r>
+            <a:r>
+              <a:rPr lang="en-US" altLang="zh-CN" sz="2400" dirty="0"/>
+              <a:t>=</a:t>
+            </a:r>
+            <a:r>
+              <a:rPr lang="zh-CN" altLang="en-US" sz="2400" dirty="0"/>
+              <a:t>记忆力</a:t>
+            </a:r>
+            <a:r>
+              <a:rPr lang="en-US" altLang="zh-CN" sz="2400" dirty="0"/>
+              <a:t>=</a:t>
+            </a:r>
+            <a:r>
+              <a:rPr lang="zh-CN" altLang="en-US" sz="2400" dirty="0"/>
+              <a:t>全卡牌等级上限</a:t>
+            </a:r>
+          </a:p>
+        </p:txBody>
+      </p:sp>
+      <p:sp>
+        <p:nvSpPr>
+          <p:cNvPr id="13" name="矩形 12">
+            <a:extLst>
+              <a:ext uri="{FF2B5EF4-FFF2-40B4-BE49-F238E27FC236}">
+                <a16:creationId xmlns:a16="http://schemas.microsoft.com/office/drawing/2014/main" id="{2654209C-0085-4DAB-AD90-B8AED5F7ADF0}"/>
+              </a:ext>
+            </a:extLst>
+          </p:cNvPr>
+          <p:cNvSpPr/>
+          <p:nvPr/>
+        </p:nvSpPr>
+        <p:spPr>
+          <a:xfrm>
+            <a:off x="3502647" y="5217457"/>
+            <a:ext cx="2411505" cy="1066800"/>
+          </a:xfrm>
+          <a:prstGeom prst="rect">
+            <a:avLst/>
+          </a:prstGeom>
+        </p:spPr>
+        <p:style>
+          <a:lnRef idx="2">
+            <a:schemeClr val="accent1">
+              <a:shade val="50000"/>
+            </a:schemeClr>
+          </a:lnRef>
+          <a:fillRef idx="1">
+            <a:schemeClr val="accent1"/>
+          </a:fillRef>
+          <a:effectRef idx="0">
+            <a:schemeClr val="accent1"/>
+          </a:effectRef>
+          <a:fontRef idx="minor">
+            <a:schemeClr val="lt1"/>
+          </a:fontRef>
+        </p:style>
+        <p:txBody>
+          <a:bodyPr rtlCol="0" anchor="ctr"/>
+          <a:lstStyle/>
+          <a:p>
+            <a:pPr algn="ctr"/>
+            <a:r>
+              <a:rPr lang="zh-CN" altLang="en-US" sz="2400" dirty="0"/>
+              <a:t>卡牌的升级点数自由分配</a:t>
+            </a:r>
+          </a:p>
+        </p:txBody>
+      </p:sp>
+      <p:sp>
+        <p:nvSpPr>
+          <p:cNvPr id="14" name="矩形 13">
+            <a:extLst>
+              <a:ext uri="{FF2B5EF4-FFF2-40B4-BE49-F238E27FC236}">
+                <a16:creationId xmlns:a16="http://schemas.microsoft.com/office/drawing/2014/main" id="{11A4564B-3810-4F40-85FD-6AC46A8123F7}"/>
+              </a:ext>
+            </a:extLst>
+          </p:cNvPr>
+          <p:cNvSpPr/>
+          <p:nvPr/>
+        </p:nvSpPr>
+        <p:spPr>
+          <a:xfrm>
+            <a:off x="6449481" y="385482"/>
+            <a:ext cx="2411505" cy="1066800"/>
+          </a:xfrm>
+          <a:prstGeom prst="rect">
+            <a:avLst/>
+          </a:prstGeom>
+        </p:spPr>
+        <p:style>
+          <a:lnRef idx="2">
+            <a:schemeClr val="accent1">
+              <a:shade val="50000"/>
+            </a:schemeClr>
+          </a:lnRef>
+          <a:fillRef idx="1">
+            <a:schemeClr val="accent1"/>
+          </a:fillRef>
+          <a:effectRef idx="0">
+            <a:schemeClr val="accent1"/>
+          </a:effectRef>
+          <a:fontRef idx="minor">
+            <a:schemeClr val="lt1"/>
+          </a:fontRef>
+        </p:style>
+        <p:txBody>
+          <a:bodyPr rtlCol="0" anchor="ctr"/>
+          <a:lstStyle/>
+          <a:p>
+            <a:pPr algn="ctr"/>
+            <a:r>
+              <a:rPr lang="zh-CN" altLang="en-US" sz="2400" dirty="0"/>
+              <a:t>关卡地形</a:t>
+            </a:r>
+          </a:p>
+        </p:txBody>
+      </p:sp>
+      <p:sp>
+        <p:nvSpPr>
+          <p:cNvPr id="15" name="矩形 14">
+            <a:extLst>
+              <a:ext uri="{FF2B5EF4-FFF2-40B4-BE49-F238E27FC236}">
+                <a16:creationId xmlns:a16="http://schemas.microsoft.com/office/drawing/2014/main" id="{B9AA5B8F-55E8-40CC-AA3E-3F7B9E540168}"/>
+              </a:ext>
+            </a:extLst>
+          </p:cNvPr>
+          <p:cNvSpPr/>
+          <p:nvPr/>
+        </p:nvSpPr>
+        <p:spPr>
+          <a:xfrm>
+            <a:off x="6449481" y="1954305"/>
+            <a:ext cx="2411505" cy="1066800"/>
+          </a:xfrm>
+          <a:prstGeom prst="rect">
+            <a:avLst/>
+          </a:prstGeom>
+        </p:spPr>
+        <p:style>
+          <a:lnRef idx="2">
+            <a:schemeClr val="accent1">
+              <a:shade val="50000"/>
+            </a:schemeClr>
+          </a:lnRef>
+          <a:fillRef idx="1">
+            <a:schemeClr val="accent1"/>
+          </a:fillRef>
+          <a:effectRef idx="0">
+            <a:schemeClr val="accent1"/>
+          </a:effectRef>
+          <a:fontRef idx="minor">
+            <a:schemeClr val="lt1"/>
+          </a:fontRef>
+        </p:style>
+        <p:txBody>
+          <a:bodyPr rtlCol="0" anchor="ctr"/>
+          <a:lstStyle/>
+          <a:p>
+            <a:pPr algn="ctr"/>
+            <a:r>
+              <a:rPr lang="zh-CN" altLang="en-US" sz="2400" dirty="0"/>
+              <a:t>技能的手动释放</a:t>
+            </a:r>
+          </a:p>
+        </p:txBody>
+      </p:sp>
+      <p:sp>
+        <p:nvSpPr>
+          <p:cNvPr id="16" name="矩形 15">
+            <a:extLst>
+              <a:ext uri="{FF2B5EF4-FFF2-40B4-BE49-F238E27FC236}">
+                <a16:creationId xmlns:a16="http://schemas.microsoft.com/office/drawing/2014/main" id="{4ADE3B7A-DB87-47F1-81AD-3340C1EC9929}"/>
+              </a:ext>
+            </a:extLst>
+          </p:cNvPr>
+          <p:cNvSpPr/>
+          <p:nvPr/>
+        </p:nvSpPr>
+        <p:spPr>
+          <a:xfrm>
+            <a:off x="6449481" y="3523128"/>
+            <a:ext cx="2411505" cy="1066800"/>
+          </a:xfrm>
+          <a:prstGeom prst="rect">
+            <a:avLst/>
+          </a:prstGeom>
+        </p:spPr>
+        <p:style>
+          <a:lnRef idx="2">
+            <a:schemeClr val="accent1">
+              <a:shade val="50000"/>
+            </a:schemeClr>
+          </a:lnRef>
+          <a:fillRef idx="1">
+            <a:schemeClr val="accent1"/>
+          </a:fillRef>
+          <a:effectRef idx="0">
+            <a:schemeClr val="accent1"/>
+          </a:effectRef>
+          <a:fontRef idx="minor">
+            <a:schemeClr val="lt1"/>
+          </a:fontRef>
+        </p:style>
+        <p:txBody>
+          <a:bodyPr rtlCol="0" anchor="ctr"/>
+          <a:lstStyle/>
+          <a:p>
+            <a:pPr algn="ctr"/>
+            <a:endParaRPr lang="zh-CN" altLang="en-US" sz="2400" dirty="0"/>
+          </a:p>
+        </p:txBody>
+      </p:sp>
+      <p:sp>
+        <p:nvSpPr>
+          <p:cNvPr id="17" name="矩形 16">
+            <a:extLst>
+              <a:ext uri="{FF2B5EF4-FFF2-40B4-BE49-F238E27FC236}">
+                <a16:creationId xmlns:a16="http://schemas.microsoft.com/office/drawing/2014/main" id="{DB3B5842-4E1D-46F0-9932-384DCF92F16B}"/>
+              </a:ext>
+            </a:extLst>
+          </p:cNvPr>
+          <p:cNvSpPr/>
+          <p:nvPr/>
+        </p:nvSpPr>
+        <p:spPr>
+          <a:xfrm>
+            <a:off x="6449481" y="5217457"/>
+            <a:ext cx="2411505" cy="1066800"/>
+          </a:xfrm>
+          <a:prstGeom prst="rect">
+            <a:avLst/>
+          </a:prstGeom>
+        </p:spPr>
+        <p:style>
+          <a:lnRef idx="2">
+            <a:schemeClr val="accent1">
+              <a:shade val="50000"/>
+            </a:schemeClr>
+          </a:lnRef>
+          <a:fillRef idx="1">
+            <a:schemeClr val="accent1"/>
+          </a:fillRef>
+          <a:effectRef idx="0">
+            <a:schemeClr val="accent1"/>
+          </a:effectRef>
+          <a:fontRef idx="minor">
+            <a:schemeClr val="lt1"/>
+          </a:fontRef>
+        </p:style>
+        <p:txBody>
+          <a:bodyPr rtlCol="0" anchor="ctr"/>
+          <a:lstStyle/>
+          <a:p>
+            <a:pPr algn="ctr"/>
+            <a:endParaRPr lang="zh-CN" altLang="en-US" sz="2400" dirty="0"/>
+          </a:p>
+        </p:txBody>
+      </p:sp>
+    </p:spTree>
+    <p:extLst>
+      <p:ext uri="{BB962C8B-B14F-4D97-AF65-F5344CB8AC3E}">
+        <p14:creationId xmlns:p14="http://schemas.microsoft.com/office/powerpoint/2010/main" val="2664979159"/>
       </p:ext>
     </p:extLst>
   </p:cSld>

--- a/plan/抽卡手游.pptx
+++ b/plan/抽卡手游.pptx
@@ -5,7 +5,7 @@
     <p:sldMasterId id="2147483648" r:id="rId1"/>
   </p:sldMasterIdLst>
   <p:notesMasterIdLst>
-    <p:notesMasterId r:id="rId30"/>
+    <p:notesMasterId r:id="rId31"/>
   </p:notesMasterIdLst>
   <p:sldIdLst>
     <p:sldId id="256" r:id="rId2"/>
@@ -36,6 +36,7 @@
     <p:sldId id="1332" r:id="rId27"/>
     <p:sldId id="1334" r:id="rId28"/>
     <p:sldId id="1335" r:id="rId29"/>
+    <p:sldId id="1336" r:id="rId30"/>
   </p:sldIdLst>
   <p:sldSz cx="12192000" cy="6858000"/>
   <p:notesSz cx="6858000" cy="9144000"/>
@@ -224,7 +225,7 @@
           <a:p>
             <a:fld id="{D2A48B96-639E-45A3-A0BA-2464DFDB1FAA}" type="datetimeFigureOut">
               <a:rPr lang="zh-CN" altLang="en-US" smtClean="0"/>
-              <a:t>2020/7/13</a:t>
+              <a:t>2020/7/15</a:t>
             </a:fld>
             <a:endParaRPr lang="zh-CN" altLang="en-US"/>
           </a:p>
@@ -755,7 +756,7 @@
           <a:p>
             <a:fld id="{5AD20816-3703-4B36-A03B-6CEA84674823}" type="datetimeFigureOut">
               <a:rPr lang="zh-CN" altLang="en-US" smtClean="0"/>
-              <a:t>2020/7/13</a:t>
+              <a:t>2020/7/15</a:t>
             </a:fld>
             <a:endParaRPr lang="zh-CN" altLang="en-US"/>
           </a:p>
@@ -918,7 +919,7 @@
           <a:p>
             <a:fld id="{5AD20816-3703-4B36-A03B-6CEA84674823}" type="datetimeFigureOut">
               <a:rPr lang="zh-CN" altLang="en-US" smtClean="0"/>
-              <a:t>2020/7/13</a:t>
+              <a:t>2020/7/15</a:t>
             </a:fld>
             <a:endParaRPr lang="zh-CN" altLang="en-US"/>
           </a:p>
@@ -1091,7 +1092,7 @@
           <a:p>
             <a:fld id="{5AD20816-3703-4B36-A03B-6CEA84674823}" type="datetimeFigureOut">
               <a:rPr lang="zh-CN" altLang="en-US" smtClean="0"/>
-              <a:t>2020/7/13</a:t>
+              <a:t>2020/7/15</a:t>
             </a:fld>
             <a:endParaRPr lang="zh-CN" altLang="en-US"/>
           </a:p>
@@ -1254,7 +1255,7 @@
           <a:p>
             <a:fld id="{5AD20816-3703-4B36-A03B-6CEA84674823}" type="datetimeFigureOut">
               <a:rPr lang="zh-CN" altLang="en-US" smtClean="0"/>
-              <a:t>2020/7/13</a:t>
+              <a:t>2020/7/15</a:t>
             </a:fld>
             <a:endParaRPr lang="zh-CN" altLang="en-US"/>
           </a:p>
@@ -1494,7 +1495,7 @@
           <a:p>
             <a:fld id="{5AD20816-3703-4B36-A03B-6CEA84674823}" type="datetimeFigureOut">
               <a:rPr lang="zh-CN" altLang="en-US" smtClean="0"/>
-              <a:t>2020/7/13</a:t>
+              <a:t>2020/7/15</a:t>
             </a:fld>
             <a:endParaRPr lang="zh-CN" altLang="en-US"/>
           </a:p>
@@ -1718,7 +1719,7 @@
           <a:p>
             <a:fld id="{5AD20816-3703-4B36-A03B-6CEA84674823}" type="datetimeFigureOut">
               <a:rPr lang="zh-CN" altLang="en-US" smtClean="0"/>
-              <a:t>2020/7/13</a:t>
+              <a:t>2020/7/15</a:t>
             </a:fld>
             <a:endParaRPr lang="zh-CN" altLang="en-US"/>
           </a:p>
@@ -2077,7 +2078,7 @@
           <a:p>
             <a:fld id="{5AD20816-3703-4B36-A03B-6CEA84674823}" type="datetimeFigureOut">
               <a:rPr lang="zh-CN" altLang="en-US" smtClean="0"/>
-              <a:t>2020/7/13</a:t>
+              <a:t>2020/7/15</a:t>
             </a:fld>
             <a:endParaRPr lang="zh-CN" altLang="en-US"/>
           </a:p>
@@ -2189,7 +2190,7 @@
           <a:p>
             <a:fld id="{5AD20816-3703-4B36-A03B-6CEA84674823}" type="datetimeFigureOut">
               <a:rPr lang="zh-CN" altLang="en-US" smtClean="0"/>
-              <a:t>2020/7/13</a:t>
+              <a:t>2020/7/15</a:t>
             </a:fld>
             <a:endParaRPr lang="zh-CN" altLang="en-US"/>
           </a:p>
@@ -2279,7 +2280,7 @@
           <a:p>
             <a:fld id="{5AD20816-3703-4B36-A03B-6CEA84674823}" type="datetimeFigureOut">
               <a:rPr lang="zh-CN" altLang="en-US" smtClean="0"/>
-              <a:t>2020/7/13</a:t>
+              <a:t>2020/7/15</a:t>
             </a:fld>
             <a:endParaRPr lang="zh-CN" altLang="en-US"/>
           </a:p>
@@ -2549,7 +2550,7 @@
           <a:p>
             <a:fld id="{5AD20816-3703-4B36-A03B-6CEA84674823}" type="datetimeFigureOut">
               <a:rPr lang="zh-CN" altLang="en-US" smtClean="0"/>
-              <a:t>2020/7/13</a:t>
+              <a:t>2020/7/15</a:t>
             </a:fld>
             <a:endParaRPr lang="zh-CN" altLang="en-US"/>
           </a:p>
@@ -2796,7 +2797,7 @@
           <a:p>
             <a:fld id="{5AD20816-3703-4B36-A03B-6CEA84674823}" type="datetimeFigureOut">
               <a:rPr lang="zh-CN" altLang="en-US" smtClean="0"/>
-              <a:t>2020/7/13</a:t>
+              <a:t>2020/7/15</a:t>
             </a:fld>
             <a:endParaRPr lang="zh-CN" altLang="en-US"/>
           </a:p>
@@ -3002,7 +3003,7 @@
           <a:p>
             <a:fld id="{5AD20816-3703-4B36-A03B-6CEA84674823}" type="datetimeFigureOut">
               <a:rPr lang="zh-CN" altLang="en-US" smtClean="0"/>
-              <a:t>2020/7/13</a:t>
+              <a:t>2020/7/15</a:t>
             </a:fld>
             <a:endParaRPr lang="zh-CN" altLang="en-US"/>
           </a:p>
@@ -22607,6 +22608,560 @@
     <p:extLst>
       <p:ext uri="{BB962C8B-B14F-4D97-AF65-F5344CB8AC3E}">
         <p14:creationId xmlns:p14="http://schemas.microsoft.com/office/powerpoint/2010/main" val="2687980483"/>
+      </p:ext>
+    </p:extLst>
+  </p:cSld>
+  <p:clrMapOvr>
+    <a:masterClrMapping/>
+  </p:clrMapOvr>
+</p:sld>
+</file>
+
+<file path=ppt/slides/slide29.xml><?xml version="1.0" encoding="utf-8"?>
+<p:sld xmlns:a="http://schemas.openxmlformats.org/drawingml/2006/main" xmlns:r="http://schemas.openxmlformats.org/officeDocument/2006/relationships" xmlns:p="http://schemas.openxmlformats.org/presentationml/2006/main">
+  <p:cSld>
+    <p:spTree>
+      <p:nvGrpSpPr>
+        <p:cNvPr id="1" name=""/>
+        <p:cNvGrpSpPr/>
+        <p:nvPr/>
+      </p:nvGrpSpPr>
+      <p:grpSpPr>
+        <a:xfrm>
+          <a:off x="0" y="0"/>
+          <a:ext cx="0" cy="0"/>
+          <a:chOff x="0" y="0"/>
+          <a:chExt cx="0" cy="0"/>
+        </a:xfrm>
+      </p:grpSpPr>
+      <p:sp>
+        <p:nvSpPr>
+          <p:cNvPr id="5" name="矩形 4">
+            <a:extLst>
+              <a:ext uri="{FF2B5EF4-FFF2-40B4-BE49-F238E27FC236}">
+                <a16:creationId xmlns:a16="http://schemas.microsoft.com/office/drawing/2014/main" id="{F311B8F9-CE2F-4BAA-87AC-0595F85349BF}"/>
+              </a:ext>
+            </a:extLst>
+          </p:cNvPr>
+          <p:cNvSpPr/>
+          <p:nvPr/>
+        </p:nvSpPr>
+        <p:spPr>
+          <a:xfrm>
+            <a:off x="641390" y="2389095"/>
+            <a:ext cx="5646940" cy="2030504"/>
+          </a:xfrm>
+          <a:prstGeom prst="rect">
+            <a:avLst/>
+          </a:prstGeom>
+        </p:spPr>
+        <p:style>
+          <a:lnRef idx="2">
+            <a:schemeClr val="accent2">
+              <a:shade val="50000"/>
+            </a:schemeClr>
+          </a:lnRef>
+          <a:fillRef idx="1">
+            <a:schemeClr val="accent2"/>
+          </a:fillRef>
+          <a:effectRef idx="0">
+            <a:schemeClr val="accent2"/>
+          </a:effectRef>
+          <a:fontRef idx="minor">
+            <a:schemeClr val="lt1"/>
+          </a:fontRef>
+        </p:style>
+        <p:txBody>
+          <a:bodyPr rtlCol="0" anchor="t"/>
+          <a:lstStyle/>
+          <a:p>
+            <a:pPr algn="ctr"/>
+            <a:r>
+              <a:rPr lang="zh-CN" altLang="en-US" dirty="0"/>
+              <a:t>章节</a:t>
+            </a:r>
+          </a:p>
+        </p:txBody>
+      </p:sp>
+      <p:sp>
+        <p:nvSpPr>
+          <p:cNvPr id="2" name="矩形 1">
+            <a:extLst>
+              <a:ext uri="{FF2B5EF4-FFF2-40B4-BE49-F238E27FC236}">
+                <a16:creationId xmlns:a16="http://schemas.microsoft.com/office/drawing/2014/main" id="{CE245E80-7518-46F0-A016-4E74A9B2D6DA}"/>
+              </a:ext>
+            </a:extLst>
+          </p:cNvPr>
+          <p:cNvSpPr/>
+          <p:nvPr/>
+        </p:nvSpPr>
+        <p:spPr>
+          <a:xfrm>
+            <a:off x="932330" y="3429000"/>
+            <a:ext cx="1532965" cy="878542"/>
+          </a:xfrm>
+          <a:prstGeom prst="rect">
+            <a:avLst/>
+          </a:prstGeom>
+        </p:spPr>
+        <p:style>
+          <a:lnRef idx="2">
+            <a:schemeClr val="accent2">
+              <a:shade val="50000"/>
+            </a:schemeClr>
+          </a:lnRef>
+          <a:fillRef idx="1">
+            <a:schemeClr val="accent2"/>
+          </a:fillRef>
+          <a:effectRef idx="0">
+            <a:schemeClr val="accent2"/>
+          </a:effectRef>
+          <a:fontRef idx="minor">
+            <a:schemeClr val="lt1"/>
+          </a:fontRef>
+        </p:style>
+        <p:txBody>
+          <a:bodyPr rtlCol="0" anchor="ctr"/>
+          <a:lstStyle/>
+          <a:p>
+            <a:pPr algn="ctr"/>
+            <a:r>
+              <a:rPr lang="zh-CN" altLang="en-US" dirty="0"/>
+              <a:t>关卡</a:t>
+            </a:r>
+          </a:p>
+        </p:txBody>
+      </p:sp>
+      <p:sp>
+        <p:nvSpPr>
+          <p:cNvPr id="3" name="矩形 2">
+            <a:extLst>
+              <a:ext uri="{FF2B5EF4-FFF2-40B4-BE49-F238E27FC236}">
+                <a16:creationId xmlns:a16="http://schemas.microsoft.com/office/drawing/2014/main" id="{082B75B3-844C-4880-812B-A4FB0FD4E50F}"/>
+              </a:ext>
+            </a:extLst>
+          </p:cNvPr>
+          <p:cNvSpPr/>
+          <p:nvPr/>
+        </p:nvSpPr>
+        <p:spPr>
+          <a:xfrm>
+            <a:off x="2698377" y="3429000"/>
+            <a:ext cx="1532965" cy="878542"/>
+          </a:xfrm>
+          <a:prstGeom prst="rect">
+            <a:avLst/>
+          </a:prstGeom>
+        </p:spPr>
+        <p:style>
+          <a:lnRef idx="2">
+            <a:schemeClr val="accent2">
+              <a:shade val="50000"/>
+            </a:schemeClr>
+          </a:lnRef>
+          <a:fillRef idx="1">
+            <a:schemeClr val="accent2"/>
+          </a:fillRef>
+          <a:effectRef idx="0">
+            <a:schemeClr val="accent2"/>
+          </a:effectRef>
+          <a:fontRef idx="minor">
+            <a:schemeClr val="lt1"/>
+          </a:fontRef>
+        </p:style>
+        <p:txBody>
+          <a:bodyPr rtlCol="0" anchor="ctr"/>
+          <a:lstStyle/>
+          <a:p>
+            <a:pPr algn="ctr"/>
+            <a:r>
+              <a:rPr lang="zh-CN" altLang="en-US" dirty="0"/>
+              <a:t>关卡</a:t>
+            </a:r>
+          </a:p>
+        </p:txBody>
+      </p:sp>
+      <p:sp>
+        <p:nvSpPr>
+          <p:cNvPr id="4" name="矩形 3">
+            <a:extLst>
+              <a:ext uri="{FF2B5EF4-FFF2-40B4-BE49-F238E27FC236}">
+                <a16:creationId xmlns:a16="http://schemas.microsoft.com/office/drawing/2014/main" id="{9C5F74A3-0E2E-467F-99AA-3A051AE8D5D6}"/>
+              </a:ext>
+            </a:extLst>
+          </p:cNvPr>
+          <p:cNvSpPr/>
+          <p:nvPr/>
+        </p:nvSpPr>
+        <p:spPr>
+          <a:xfrm>
+            <a:off x="4450977" y="3429000"/>
+            <a:ext cx="1532965" cy="878542"/>
+          </a:xfrm>
+          <a:prstGeom prst="rect">
+            <a:avLst/>
+          </a:prstGeom>
+        </p:spPr>
+        <p:style>
+          <a:lnRef idx="2">
+            <a:schemeClr val="accent2">
+              <a:shade val="50000"/>
+            </a:schemeClr>
+          </a:lnRef>
+          <a:fillRef idx="1">
+            <a:schemeClr val="accent2"/>
+          </a:fillRef>
+          <a:effectRef idx="0">
+            <a:schemeClr val="accent2"/>
+          </a:effectRef>
+          <a:fontRef idx="minor">
+            <a:schemeClr val="lt1"/>
+          </a:fontRef>
+        </p:style>
+        <p:txBody>
+          <a:bodyPr rtlCol="0" anchor="ctr"/>
+          <a:lstStyle/>
+          <a:p>
+            <a:pPr algn="ctr"/>
+            <a:r>
+              <a:rPr lang="zh-CN" altLang="en-US" dirty="0"/>
+              <a:t>关卡</a:t>
+            </a:r>
+          </a:p>
+        </p:txBody>
+      </p:sp>
+      <p:sp>
+        <p:nvSpPr>
+          <p:cNvPr id="6" name="箭头: 右 5">
+            <a:extLst>
+              <a:ext uri="{FF2B5EF4-FFF2-40B4-BE49-F238E27FC236}">
+                <a16:creationId xmlns:a16="http://schemas.microsoft.com/office/drawing/2014/main" id="{8133C4D1-3658-479A-9FD0-A54E8D1CE211}"/>
+              </a:ext>
+            </a:extLst>
+          </p:cNvPr>
+          <p:cNvSpPr/>
+          <p:nvPr/>
+        </p:nvSpPr>
+        <p:spPr>
+          <a:xfrm>
+            <a:off x="6096000" y="3455895"/>
+            <a:ext cx="1595718" cy="824752"/>
+          </a:xfrm>
+          <a:prstGeom prst="rightArrow">
+            <a:avLst/>
+          </a:prstGeom>
+        </p:spPr>
+        <p:style>
+          <a:lnRef idx="2">
+            <a:schemeClr val="accent1">
+              <a:shade val="50000"/>
+            </a:schemeClr>
+          </a:lnRef>
+          <a:fillRef idx="1">
+            <a:schemeClr val="accent1"/>
+          </a:fillRef>
+          <a:effectRef idx="0">
+            <a:schemeClr val="accent1"/>
+          </a:effectRef>
+          <a:fontRef idx="minor">
+            <a:schemeClr val="lt1"/>
+          </a:fontRef>
+        </p:style>
+        <p:txBody>
+          <a:bodyPr rtlCol="0" anchor="ctr"/>
+          <a:lstStyle/>
+          <a:p>
+            <a:pPr algn="ctr"/>
+            <a:r>
+              <a:rPr lang="zh-CN" altLang="en-US" dirty="0"/>
+              <a:t>关卡奖励</a:t>
+            </a:r>
+          </a:p>
+        </p:txBody>
+      </p:sp>
+      <p:sp>
+        <p:nvSpPr>
+          <p:cNvPr id="7" name="箭头: 右 6">
+            <a:extLst>
+              <a:ext uri="{FF2B5EF4-FFF2-40B4-BE49-F238E27FC236}">
+                <a16:creationId xmlns:a16="http://schemas.microsoft.com/office/drawing/2014/main" id="{D128B97A-C89B-4435-9F7D-B8B4C49FD21E}"/>
+              </a:ext>
+            </a:extLst>
+          </p:cNvPr>
+          <p:cNvSpPr/>
+          <p:nvPr/>
+        </p:nvSpPr>
+        <p:spPr>
+          <a:xfrm>
+            <a:off x="6096000" y="2389094"/>
+            <a:ext cx="1595718" cy="824752"/>
+          </a:xfrm>
+          <a:prstGeom prst="rightArrow">
+            <a:avLst/>
+          </a:prstGeom>
+        </p:spPr>
+        <p:style>
+          <a:lnRef idx="2">
+            <a:schemeClr val="accent1">
+              <a:shade val="50000"/>
+            </a:schemeClr>
+          </a:lnRef>
+          <a:fillRef idx="1">
+            <a:schemeClr val="accent1"/>
+          </a:fillRef>
+          <a:effectRef idx="0">
+            <a:schemeClr val="accent1"/>
+          </a:effectRef>
+          <a:fontRef idx="minor">
+            <a:schemeClr val="lt1"/>
+          </a:fontRef>
+        </p:style>
+        <p:txBody>
+          <a:bodyPr rtlCol="0" anchor="ctr"/>
+          <a:lstStyle/>
+          <a:p>
+            <a:pPr algn="ctr"/>
+            <a:r>
+              <a:rPr lang="zh-CN" altLang="en-US" dirty="0"/>
+              <a:t>章节奖励</a:t>
+            </a:r>
+          </a:p>
+        </p:txBody>
+      </p:sp>
+      <p:sp>
+        <p:nvSpPr>
+          <p:cNvPr id="8" name="矩形 7">
+            <a:extLst>
+              <a:ext uri="{FF2B5EF4-FFF2-40B4-BE49-F238E27FC236}">
+                <a16:creationId xmlns:a16="http://schemas.microsoft.com/office/drawing/2014/main" id="{393F645E-3549-4FEC-9CCE-1A5CB92E0009}"/>
+              </a:ext>
+            </a:extLst>
+          </p:cNvPr>
+          <p:cNvSpPr/>
+          <p:nvPr/>
+        </p:nvSpPr>
+        <p:spPr>
+          <a:xfrm>
+            <a:off x="7691718" y="2389094"/>
+            <a:ext cx="1595718" cy="824752"/>
+          </a:xfrm>
+          <a:prstGeom prst="rect">
+            <a:avLst/>
+          </a:prstGeom>
+        </p:spPr>
+        <p:style>
+          <a:lnRef idx="2">
+            <a:schemeClr val="accent1">
+              <a:shade val="50000"/>
+            </a:schemeClr>
+          </a:lnRef>
+          <a:fillRef idx="1">
+            <a:schemeClr val="accent1"/>
+          </a:fillRef>
+          <a:effectRef idx="0">
+            <a:schemeClr val="accent1"/>
+          </a:effectRef>
+          <a:fontRef idx="minor">
+            <a:schemeClr val="lt1"/>
+          </a:fontRef>
+        </p:style>
+        <p:txBody>
+          <a:bodyPr rtlCol="0" anchor="ctr"/>
+          <a:lstStyle/>
+          <a:p>
+            <a:pPr algn="ctr"/>
+            <a:r>
+              <a:rPr lang="zh-CN" altLang="en-US" dirty="0"/>
+              <a:t>任务页面领取</a:t>
+            </a:r>
+          </a:p>
+        </p:txBody>
+      </p:sp>
+      <p:sp>
+        <p:nvSpPr>
+          <p:cNvPr id="9" name="矩形 8">
+            <a:extLst>
+              <a:ext uri="{FF2B5EF4-FFF2-40B4-BE49-F238E27FC236}">
+                <a16:creationId xmlns:a16="http://schemas.microsoft.com/office/drawing/2014/main" id="{955A890C-BC8B-420F-BDB8-086751D897FB}"/>
+              </a:ext>
+            </a:extLst>
+          </p:cNvPr>
+          <p:cNvSpPr/>
+          <p:nvPr/>
+        </p:nvSpPr>
+        <p:spPr>
+          <a:xfrm>
+            <a:off x="7691718" y="3455895"/>
+            <a:ext cx="1595718" cy="824752"/>
+          </a:xfrm>
+          <a:prstGeom prst="rect">
+            <a:avLst/>
+          </a:prstGeom>
+        </p:spPr>
+        <p:style>
+          <a:lnRef idx="2">
+            <a:schemeClr val="accent1">
+              <a:shade val="50000"/>
+            </a:schemeClr>
+          </a:lnRef>
+          <a:fillRef idx="1">
+            <a:schemeClr val="accent1"/>
+          </a:fillRef>
+          <a:effectRef idx="0">
+            <a:schemeClr val="accent1"/>
+          </a:effectRef>
+          <a:fontRef idx="minor">
+            <a:schemeClr val="lt1"/>
+          </a:fontRef>
+        </p:style>
+        <p:txBody>
+          <a:bodyPr rtlCol="0" anchor="ctr"/>
+          <a:lstStyle/>
+          <a:p>
+            <a:pPr algn="ctr"/>
+            <a:r>
+              <a:rPr lang="zh-CN" altLang="en-US" dirty="0"/>
+              <a:t>战斗结束</a:t>
+            </a:r>
+            <a:endParaRPr lang="en-US" altLang="zh-CN" dirty="0"/>
+          </a:p>
+          <a:p>
+            <a:pPr algn="ctr"/>
+            <a:r>
+              <a:rPr lang="zh-CN" altLang="en-US" dirty="0"/>
+              <a:t>页面领取</a:t>
+            </a:r>
+          </a:p>
+        </p:txBody>
+      </p:sp>
+      <p:sp>
+        <p:nvSpPr>
+          <p:cNvPr id="10" name="矩形 9">
+            <a:extLst>
+              <a:ext uri="{FF2B5EF4-FFF2-40B4-BE49-F238E27FC236}">
+                <a16:creationId xmlns:a16="http://schemas.microsoft.com/office/drawing/2014/main" id="{5C0E5E50-1F0D-4FE2-933D-BAE888ECEB78}"/>
+              </a:ext>
+            </a:extLst>
+          </p:cNvPr>
+          <p:cNvSpPr/>
+          <p:nvPr/>
+        </p:nvSpPr>
+        <p:spPr>
+          <a:xfrm>
+            <a:off x="641390" y="5501415"/>
+            <a:ext cx="6719530" cy="701040"/>
+          </a:xfrm>
+          <a:prstGeom prst="rect">
+            <a:avLst/>
+          </a:prstGeom>
+        </p:spPr>
+        <p:style>
+          <a:lnRef idx="2">
+            <a:schemeClr val="accent1">
+              <a:shade val="50000"/>
+            </a:schemeClr>
+          </a:lnRef>
+          <a:fillRef idx="1">
+            <a:schemeClr val="accent1"/>
+          </a:fillRef>
+          <a:effectRef idx="0">
+            <a:schemeClr val="accent1"/>
+          </a:effectRef>
+          <a:fontRef idx="minor">
+            <a:schemeClr val="lt1"/>
+          </a:fontRef>
+        </p:style>
+        <p:txBody>
+          <a:bodyPr rtlCol="0" anchor="ctr"/>
+          <a:lstStyle/>
+          <a:p>
+            <a:pPr algn="ctr"/>
+            <a:r>
+              <a:rPr lang="zh-CN" altLang="en-US" dirty="0"/>
+              <a:t>人为奖励：关卡通过掉落物奖励</a:t>
+            </a:r>
+            <a:r>
+              <a:rPr lang="en-US" altLang="zh-CN" dirty="0"/>
+              <a:t>ADD</a:t>
+            </a:r>
+            <a:r>
+              <a:rPr lang="zh-CN" altLang="en-US" dirty="0"/>
+              <a:t>、章节通过</a:t>
+            </a:r>
+            <a:r>
+              <a:rPr lang="en-US" altLang="zh-CN" dirty="0"/>
+              <a:t>EXP&amp;</a:t>
+            </a:r>
+            <a:r>
+              <a:rPr lang="zh-CN" altLang="en-US" dirty="0"/>
+              <a:t>掉落物奖励</a:t>
+            </a:r>
+            <a:r>
+              <a:rPr lang="en-US" altLang="zh-CN" dirty="0"/>
+              <a:t>SET</a:t>
+            </a:r>
+            <a:endParaRPr lang="zh-CN" altLang="en-US" dirty="0"/>
+          </a:p>
+        </p:txBody>
+      </p:sp>
+      <p:sp>
+        <p:nvSpPr>
+          <p:cNvPr id="11" name="矩形 10">
+            <a:extLst>
+              <a:ext uri="{FF2B5EF4-FFF2-40B4-BE49-F238E27FC236}">
+                <a16:creationId xmlns:a16="http://schemas.microsoft.com/office/drawing/2014/main" id="{15EB1D1A-CDA3-40B9-B2DE-FB0106F8DBD5}"/>
+              </a:ext>
+            </a:extLst>
+          </p:cNvPr>
+          <p:cNvSpPr/>
+          <p:nvPr/>
+        </p:nvSpPr>
+        <p:spPr>
+          <a:xfrm>
+            <a:off x="641390" y="4758465"/>
+            <a:ext cx="6719530" cy="701040"/>
+          </a:xfrm>
+          <a:prstGeom prst="rect">
+            <a:avLst/>
+          </a:prstGeom>
+        </p:spPr>
+        <p:style>
+          <a:lnRef idx="2">
+            <a:schemeClr val="accent1">
+              <a:shade val="50000"/>
+            </a:schemeClr>
+          </a:lnRef>
+          <a:fillRef idx="1">
+            <a:schemeClr val="accent1"/>
+          </a:fillRef>
+          <a:effectRef idx="0">
+            <a:schemeClr val="accent1"/>
+          </a:effectRef>
+          <a:fontRef idx="minor">
+            <a:schemeClr val="lt1"/>
+          </a:fontRef>
+        </p:style>
+        <p:txBody>
+          <a:bodyPr rtlCol="0" anchor="ctr"/>
+          <a:lstStyle/>
+          <a:p>
+            <a:pPr algn="ctr"/>
+            <a:r>
+              <a:rPr lang="zh-CN" altLang="en-US" dirty="0"/>
+              <a:t>自动奖励：怪物击杀掉落物、</a:t>
+            </a:r>
+            <a:r>
+              <a:rPr lang="en-US" altLang="zh-CN" dirty="0"/>
+              <a:t>EXP</a:t>
+            </a:r>
+            <a:endParaRPr lang="zh-CN" altLang="en-US" dirty="0"/>
+          </a:p>
+        </p:txBody>
+      </p:sp>
+    </p:spTree>
+    <p:extLst>
+      <p:ext uri="{BB962C8B-B14F-4D97-AF65-F5344CB8AC3E}">
+        <p14:creationId xmlns:p14="http://schemas.microsoft.com/office/powerpoint/2010/main" val="1569138098"/>
       </p:ext>
     </p:extLst>
   </p:cSld>

--- a/plan/抽卡手游.pptx
+++ b/plan/抽卡手游.pptx
@@ -5,7 +5,7 @@
     <p:sldMasterId id="2147483648" r:id="rId1"/>
   </p:sldMasterIdLst>
   <p:notesMasterIdLst>
-    <p:notesMasterId r:id="rId31"/>
+    <p:notesMasterId r:id="rId32"/>
   </p:notesMasterIdLst>
   <p:sldIdLst>
     <p:sldId id="256" r:id="rId2"/>
@@ -37,6 +37,7 @@
     <p:sldId id="1334" r:id="rId28"/>
     <p:sldId id="1335" r:id="rId29"/>
     <p:sldId id="264" r:id="rId30"/>
+    <p:sldId id="1336" r:id="rId31"/>
   </p:sldIdLst>
   <p:sldSz cx="12192000" cy="6858000"/>
   <p:notesSz cx="6858000" cy="9144000"/>
@@ -23425,6 +23426,595 @@
         </p:txBody>
       </p:sp>
     </p:spTree>
+  </p:cSld>
+  <p:clrMapOvr>
+    <a:masterClrMapping/>
+  </p:clrMapOvr>
+</p:sld>
+</file>
+
+<file path=ppt/slides/slide30.xml><?xml version="1.0" encoding="utf-8"?>
+<p:sld xmlns:a="http://schemas.openxmlformats.org/drawingml/2006/main" xmlns:r="http://schemas.openxmlformats.org/officeDocument/2006/relationships" xmlns:p="http://schemas.openxmlformats.org/presentationml/2006/main">
+  <p:cSld>
+    <p:spTree>
+      <p:nvGrpSpPr>
+        <p:cNvPr id="1" name=""/>
+        <p:cNvGrpSpPr/>
+        <p:nvPr/>
+      </p:nvGrpSpPr>
+      <p:grpSpPr>
+        <a:xfrm>
+          <a:off x="0" y="0"/>
+          <a:ext cx="0" cy="0"/>
+          <a:chOff x="0" y="0"/>
+          <a:chExt cx="0" cy="0"/>
+        </a:xfrm>
+      </p:grpSpPr>
+      <p:sp>
+        <p:nvSpPr>
+          <p:cNvPr id="5" name="矩形 4">
+            <a:extLst>
+              <a:ext uri="{FF2B5EF4-FFF2-40B4-BE49-F238E27FC236}">
+                <a16:creationId xmlns:a16="http://schemas.microsoft.com/office/drawing/2014/main" id="{F311B8F9-CE2F-4BAA-87AC-0595F85349BF}"/>
+              </a:ext>
+            </a:extLst>
+          </p:cNvPr>
+          <p:cNvSpPr/>
+          <p:nvPr/>
+        </p:nvSpPr>
+        <p:spPr>
+          <a:xfrm>
+            <a:off x="641390" y="2389095"/>
+            <a:ext cx="5646940" cy="2030504"/>
+          </a:xfrm>
+          <a:prstGeom prst="rect">
+            <a:avLst/>
+          </a:prstGeom>
+        </p:spPr>
+        <p:style>
+          <a:lnRef idx="2">
+            <a:schemeClr val="accent2">
+              <a:shade val="50000"/>
+            </a:schemeClr>
+          </a:lnRef>
+          <a:fillRef idx="1">
+            <a:schemeClr val="accent2"/>
+          </a:fillRef>
+          <a:effectRef idx="0">
+            <a:schemeClr val="accent2"/>
+          </a:effectRef>
+          <a:fontRef idx="minor">
+            <a:schemeClr val="lt1"/>
+          </a:fontRef>
+        </p:style>
+        <p:txBody>
+          <a:bodyPr rtlCol="0" anchor="t"/>
+          <a:lstStyle/>
+          <a:p>
+            <a:pPr algn="ctr"/>
+            <a:r>
+              <a:rPr lang="zh-CN" altLang="en-US" dirty="0"/>
+              <a:t>章节</a:t>
+            </a:r>
+          </a:p>
+        </p:txBody>
+      </p:sp>
+      <p:sp>
+        <p:nvSpPr>
+          <p:cNvPr id="2" name="矩形 1">
+            <a:extLst>
+              <a:ext uri="{FF2B5EF4-FFF2-40B4-BE49-F238E27FC236}">
+                <a16:creationId xmlns:a16="http://schemas.microsoft.com/office/drawing/2014/main" id="{CE245E80-7518-46F0-A016-4E74A9B2D6DA}"/>
+              </a:ext>
+            </a:extLst>
+          </p:cNvPr>
+          <p:cNvSpPr/>
+          <p:nvPr/>
+        </p:nvSpPr>
+        <p:spPr>
+          <a:xfrm>
+            <a:off x="932330" y="3429000"/>
+            <a:ext cx="1532965" cy="878542"/>
+          </a:xfrm>
+          <a:prstGeom prst="rect">
+            <a:avLst/>
+          </a:prstGeom>
+        </p:spPr>
+        <p:style>
+          <a:lnRef idx="2">
+            <a:schemeClr val="accent2">
+              <a:shade val="50000"/>
+            </a:schemeClr>
+          </a:lnRef>
+          <a:fillRef idx="1">
+            <a:schemeClr val="accent2"/>
+          </a:fillRef>
+          <a:effectRef idx="0">
+            <a:schemeClr val="accent2"/>
+          </a:effectRef>
+          <a:fontRef idx="minor">
+            <a:schemeClr val="lt1"/>
+          </a:fontRef>
+        </p:style>
+        <p:txBody>
+          <a:bodyPr rtlCol="0" anchor="ctr"/>
+          <a:lstStyle/>
+          <a:p>
+            <a:pPr algn="ctr"/>
+            <a:r>
+              <a:rPr lang="zh-CN" altLang="en-US" dirty="0"/>
+              <a:t>关卡</a:t>
+            </a:r>
+          </a:p>
+        </p:txBody>
+      </p:sp>
+      <p:sp>
+        <p:nvSpPr>
+          <p:cNvPr id="3" name="矩形 2">
+            <a:extLst>
+              <a:ext uri="{FF2B5EF4-FFF2-40B4-BE49-F238E27FC236}">
+                <a16:creationId xmlns:a16="http://schemas.microsoft.com/office/drawing/2014/main" id="{082B75B3-844C-4880-812B-A4FB0FD4E50F}"/>
+              </a:ext>
+            </a:extLst>
+          </p:cNvPr>
+          <p:cNvSpPr/>
+          <p:nvPr/>
+        </p:nvSpPr>
+        <p:spPr>
+          <a:xfrm>
+            <a:off x="2698377" y="3429000"/>
+            <a:ext cx="1532965" cy="878542"/>
+          </a:xfrm>
+          <a:prstGeom prst="rect">
+            <a:avLst/>
+          </a:prstGeom>
+        </p:spPr>
+        <p:style>
+          <a:lnRef idx="2">
+            <a:schemeClr val="accent2">
+              <a:shade val="50000"/>
+            </a:schemeClr>
+          </a:lnRef>
+          <a:fillRef idx="1">
+            <a:schemeClr val="accent2"/>
+          </a:fillRef>
+          <a:effectRef idx="0">
+            <a:schemeClr val="accent2"/>
+          </a:effectRef>
+          <a:fontRef idx="minor">
+            <a:schemeClr val="lt1"/>
+          </a:fontRef>
+        </p:style>
+        <p:txBody>
+          <a:bodyPr rtlCol="0" anchor="ctr"/>
+          <a:lstStyle/>
+          <a:p>
+            <a:pPr algn="ctr"/>
+            <a:r>
+              <a:rPr lang="zh-CN" altLang="en-US" dirty="0"/>
+              <a:t>关卡</a:t>
+            </a:r>
+          </a:p>
+        </p:txBody>
+      </p:sp>
+      <p:sp>
+        <p:nvSpPr>
+          <p:cNvPr id="4" name="矩形 3">
+            <a:extLst>
+              <a:ext uri="{FF2B5EF4-FFF2-40B4-BE49-F238E27FC236}">
+                <a16:creationId xmlns:a16="http://schemas.microsoft.com/office/drawing/2014/main" id="{9C5F74A3-0E2E-467F-99AA-3A051AE8D5D6}"/>
+              </a:ext>
+            </a:extLst>
+          </p:cNvPr>
+          <p:cNvSpPr/>
+          <p:nvPr/>
+        </p:nvSpPr>
+        <p:spPr>
+          <a:xfrm>
+            <a:off x="4450977" y="3429000"/>
+            <a:ext cx="1532965" cy="878542"/>
+          </a:xfrm>
+          <a:prstGeom prst="rect">
+            <a:avLst/>
+          </a:prstGeom>
+        </p:spPr>
+        <p:style>
+          <a:lnRef idx="2">
+            <a:schemeClr val="accent2">
+              <a:shade val="50000"/>
+            </a:schemeClr>
+          </a:lnRef>
+          <a:fillRef idx="1">
+            <a:schemeClr val="accent2"/>
+          </a:fillRef>
+          <a:effectRef idx="0">
+            <a:schemeClr val="accent2"/>
+          </a:effectRef>
+          <a:fontRef idx="minor">
+            <a:schemeClr val="lt1"/>
+          </a:fontRef>
+        </p:style>
+        <p:txBody>
+          <a:bodyPr rtlCol="0" anchor="ctr"/>
+          <a:lstStyle/>
+          <a:p>
+            <a:pPr algn="ctr"/>
+            <a:r>
+              <a:rPr lang="zh-CN" altLang="en-US" dirty="0"/>
+              <a:t>关卡</a:t>
+            </a:r>
+          </a:p>
+        </p:txBody>
+      </p:sp>
+      <p:sp>
+        <p:nvSpPr>
+          <p:cNvPr id="6" name="箭头: 右 5">
+            <a:extLst>
+              <a:ext uri="{FF2B5EF4-FFF2-40B4-BE49-F238E27FC236}">
+                <a16:creationId xmlns:a16="http://schemas.microsoft.com/office/drawing/2014/main" id="{8133C4D1-3658-479A-9FD0-A54E8D1CE211}"/>
+              </a:ext>
+            </a:extLst>
+          </p:cNvPr>
+          <p:cNvSpPr/>
+          <p:nvPr/>
+        </p:nvSpPr>
+        <p:spPr>
+          <a:xfrm>
+            <a:off x="6096000" y="3455895"/>
+            <a:ext cx="1595718" cy="824752"/>
+          </a:xfrm>
+          <a:prstGeom prst="rightArrow">
+            <a:avLst/>
+          </a:prstGeom>
+        </p:spPr>
+        <p:style>
+          <a:lnRef idx="2">
+            <a:schemeClr val="accent1">
+              <a:shade val="50000"/>
+            </a:schemeClr>
+          </a:lnRef>
+          <a:fillRef idx="1">
+            <a:schemeClr val="accent1"/>
+          </a:fillRef>
+          <a:effectRef idx="0">
+            <a:schemeClr val="accent1"/>
+          </a:effectRef>
+          <a:fontRef idx="minor">
+            <a:schemeClr val="lt1"/>
+          </a:fontRef>
+        </p:style>
+        <p:txBody>
+          <a:bodyPr rtlCol="0" anchor="ctr"/>
+          <a:lstStyle/>
+          <a:p>
+            <a:pPr algn="ctr"/>
+            <a:r>
+              <a:rPr lang="zh-CN" altLang="en-US" dirty="0"/>
+              <a:t>关卡奖励</a:t>
+            </a:r>
+          </a:p>
+        </p:txBody>
+      </p:sp>
+      <p:sp>
+        <p:nvSpPr>
+          <p:cNvPr id="7" name="箭头: 右 6">
+            <a:extLst>
+              <a:ext uri="{FF2B5EF4-FFF2-40B4-BE49-F238E27FC236}">
+                <a16:creationId xmlns:a16="http://schemas.microsoft.com/office/drawing/2014/main" id="{D128B97A-C89B-4435-9F7D-B8B4C49FD21E}"/>
+              </a:ext>
+            </a:extLst>
+          </p:cNvPr>
+          <p:cNvSpPr/>
+          <p:nvPr/>
+        </p:nvSpPr>
+        <p:spPr>
+          <a:xfrm>
+            <a:off x="6096000" y="2389094"/>
+            <a:ext cx="1595718" cy="824752"/>
+          </a:xfrm>
+          <a:prstGeom prst="rightArrow">
+            <a:avLst/>
+          </a:prstGeom>
+        </p:spPr>
+        <p:style>
+          <a:lnRef idx="2">
+            <a:schemeClr val="accent1">
+              <a:shade val="50000"/>
+            </a:schemeClr>
+          </a:lnRef>
+          <a:fillRef idx="1">
+            <a:schemeClr val="accent1"/>
+          </a:fillRef>
+          <a:effectRef idx="0">
+            <a:schemeClr val="accent1"/>
+          </a:effectRef>
+          <a:fontRef idx="minor">
+            <a:schemeClr val="lt1"/>
+          </a:fontRef>
+        </p:style>
+        <p:txBody>
+          <a:bodyPr rtlCol="0" anchor="ctr"/>
+          <a:lstStyle/>
+          <a:p>
+            <a:pPr algn="ctr"/>
+            <a:r>
+              <a:rPr lang="zh-CN" altLang="en-US" dirty="0"/>
+              <a:t>章节奖励</a:t>
+            </a:r>
+          </a:p>
+        </p:txBody>
+      </p:sp>
+      <p:sp>
+        <p:nvSpPr>
+          <p:cNvPr id="8" name="矩形 7">
+            <a:extLst>
+              <a:ext uri="{FF2B5EF4-FFF2-40B4-BE49-F238E27FC236}">
+                <a16:creationId xmlns:a16="http://schemas.microsoft.com/office/drawing/2014/main" id="{393F645E-3549-4FEC-9CCE-1A5CB92E0009}"/>
+              </a:ext>
+            </a:extLst>
+          </p:cNvPr>
+          <p:cNvSpPr/>
+          <p:nvPr/>
+        </p:nvSpPr>
+        <p:spPr>
+          <a:xfrm>
+            <a:off x="7691718" y="2389094"/>
+            <a:ext cx="1595718" cy="824752"/>
+          </a:xfrm>
+          <a:prstGeom prst="rect">
+            <a:avLst/>
+          </a:prstGeom>
+        </p:spPr>
+        <p:style>
+          <a:lnRef idx="2">
+            <a:schemeClr val="accent1">
+              <a:shade val="50000"/>
+            </a:schemeClr>
+          </a:lnRef>
+          <a:fillRef idx="1">
+            <a:schemeClr val="accent1"/>
+          </a:fillRef>
+          <a:effectRef idx="0">
+            <a:schemeClr val="accent1"/>
+          </a:effectRef>
+          <a:fontRef idx="minor">
+            <a:schemeClr val="lt1"/>
+          </a:fontRef>
+        </p:style>
+        <p:txBody>
+          <a:bodyPr rtlCol="0" anchor="ctr"/>
+          <a:lstStyle/>
+          <a:p>
+            <a:pPr algn="ctr"/>
+            <a:r>
+              <a:rPr lang="zh-CN" altLang="en-US" dirty="0"/>
+              <a:t>任务页面领取</a:t>
+            </a:r>
+          </a:p>
+        </p:txBody>
+      </p:sp>
+      <p:sp>
+        <p:nvSpPr>
+          <p:cNvPr id="9" name="矩形 8">
+            <a:extLst>
+              <a:ext uri="{FF2B5EF4-FFF2-40B4-BE49-F238E27FC236}">
+                <a16:creationId xmlns:a16="http://schemas.microsoft.com/office/drawing/2014/main" id="{955A890C-BC8B-420F-BDB8-086751D897FB}"/>
+              </a:ext>
+            </a:extLst>
+          </p:cNvPr>
+          <p:cNvSpPr/>
+          <p:nvPr/>
+        </p:nvSpPr>
+        <p:spPr>
+          <a:xfrm>
+            <a:off x="7691718" y="3455895"/>
+            <a:ext cx="1595718" cy="824752"/>
+          </a:xfrm>
+          <a:prstGeom prst="rect">
+            <a:avLst/>
+          </a:prstGeom>
+        </p:spPr>
+        <p:style>
+          <a:lnRef idx="2">
+            <a:schemeClr val="accent1">
+              <a:shade val="50000"/>
+            </a:schemeClr>
+          </a:lnRef>
+          <a:fillRef idx="1">
+            <a:schemeClr val="accent1"/>
+          </a:fillRef>
+          <a:effectRef idx="0">
+            <a:schemeClr val="accent1"/>
+          </a:effectRef>
+          <a:fontRef idx="minor">
+            <a:schemeClr val="lt1"/>
+          </a:fontRef>
+        </p:style>
+        <p:txBody>
+          <a:bodyPr rtlCol="0" anchor="ctr"/>
+          <a:lstStyle/>
+          <a:p>
+            <a:pPr algn="ctr"/>
+            <a:r>
+              <a:rPr lang="zh-CN" altLang="en-US" dirty="0"/>
+              <a:t>战斗结束</a:t>
+            </a:r>
+            <a:endParaRPr lang="en-US" altLang="zh-CN" dirty="0"/>
+          </a:p>
+          <a:p>
+            <a:pPr algn="ctr"/>
+            <a:r>
+              <a:rPr lang="zh-CN" altLang="en-US" dirty="0"/>
+              <a:t>页面领取</a:t>
+            </a:r>
+          </a:p>
+        </p:txBody>
+      </p:sp>
+      <p:sp>
+        <p:nvSpPr>
+          <p:cNvPr id="10" name="矩形 9">
+            <a:extLst>
+              <a:ext uri="{FF2B5EF4-FFF2-40B4-BE49-F238E27FC236}">
+                <a16:creationId xmlns:a16="http://schemas.microsoft.com/office/drawing/2014/main" id="{5C0E5E50-1F0D-4FE2-933D-BAE888ECEB78}"/>
+              </a:ext>
+            </a:extLst>
+          </p:cNvPr>
+          <p:cNvSpPr/>
+          <p:nvPr/>
+        </p:nvSpPr>
+        <p:spPr>
+          <a:xfrm>
+            <a:off x="641390" y="5501415"/>
+            <a:ext cx="6719530" cy="701040"/>
+          </a:xfrm>
+          <a:prstGeom prst="rect">
+            <a:avLst/>
+          </a:prstGeom>
+        </p:spPr>
+        <p:style>
+          <a:lnRef idx="2">
+            <a:schemeClr val="accent1">
+              <a:shade val="50000"/>
+            </a:schemeClr>
+          </a:lnRef>
+          <a:fillRef idx="1">
+            <a:schemeClr val="accent1"/>
+          </a:fillRef>
+          <a:effectRef idx="0">
+            <a:schemeClr val="accent1"/>
+          </a:effectRef>
+          <a:fontRef idx="minor">
+            <a:schemeClr val="lt1"/>
+          </a:fontRef>
+        </p:style>
+        <p:txBody>
+          <a:bodyPr rtlCol="0" anchor="ctr"/>
+          <a:lstStyle/>
+          <a:p>
+            <a:pPr algn="ctr"/>
+            <a:r>
+              <a:rPr lang="zh-CN" altLang="en-US" dirty="0"/>
+              <a:t>人为奖励：关卡通过掉落物奖励</a:t>
+            </a:r>
+            <a:r>
+              <a:rPr lang="en-US" altLang="zh-CN" dirty="0"/>
+              <a:t>ADD</a:t>
+            </a:r>
+            <a:r>
+              <a:rPr lang="zh-CN" altLang="en-US" dirty="0"/>
+              <a:t>、章节通过</a:t>
+            </a:r>
+            <a:r>
+              <a:rPr lang="en-US" altLang="zh-CN" dirty="0"/>
+              <a:t>EXP&amp;</a:t>
+            </a:r>
+            <a:r>
+              <a:rPr lang="zh-CN" altLang="en-US" dirty="0"/>
+              <a:t>掉落物奖励</a:t>
+            </a:r>
+            <a:r>
+              <a:rPr lang="en-US" altLang="zh-CN" dirty="0"/>
+              <a:t>SET</a:t>
+            </a:r>
+            <a:endParaRPr lang="zh-CN" altLang="en-US" dirty="0"/>
+          </a:p>
+        </p:txBody>
+      </p:sp>
+      <p:sp>
+        <p:nvSpPr>
+          <p:cNvPr id="11" name="矩形 10">
+            <a:extLst>
+              <a:ext uri="{FF2B5EF4-FFF2-40B4-BE49-F238E27FC236}">
+                <a16:creationId xmlns:a16="http://schemas.microsoft.com/office/drawing/2014/main" id="{15EB1D1A-CDA3-40B9-B2DE-FB0106F8DBD5}"/>
+              </a:ext>
+            </a:extLst>
+          </p:cNvPr>
+          <p:cNvSpPr/>
+          <p:nvPr/>
+        </p:nvSpPr>
+        <p:spPr>
+          <a:xfrm>
+            <a:off x="641390" y="4758465"/>
+            <a:ext cx="6719530" cy="701040"/>
+          </a:xfrm>
+          <a:prstGeom prst="rect">
+            <a:avLst/>
+          </a:prstGeom>
+        </p:spPr>
+        <p:style>
+          <a:lnRef idx="2">
+            <a:schemeClr val="accent1">
+              <a:shade val="50000"/>
+            </a:schemeClr>
+          </a:lnRef>
+          <a:fillRef idx="1">
+            <a:schemeClr val="accent1"/>
+          </a:fillRef>
+          <a:effectRef idx="0">
+            <a:schemeClr val="accent1"/>
+          </a:effectRef>
+          <a:fontRef idx="minor">
+            <a:schemeClr val="lt1"/>
+          </a:fontRef>
+        </p:style>
+        <p:txBody>
+          <a:bodyPr rtlCol="0" anchor="ctr"/>
+          <a:lstStyle/>
+          <a:p>
+            <a:pPr algn="ctr"/>
+            <a:r>
+              <a:rPr lang="zh-CN" altLang="en-US" dirty="0"/>
+              <a:t>自动奖励：怪物击杀掉落物、</a:t>
+            </a:r>
+            <a:r>
+              <a:rPr lang="en-US" altLang="zh-CN" dirty="0"/>
+              <a:t>EXP</a:t>
+            </a:r>
+            <a:endParaRPr lang="zh-CN" altLang="en-US" dirty="0"/>
+          </a:p>
+        </p:txBody>
+      </p:sp>
+      <p:sp>
+        <p:nvSpPr>
+          <p:cNvPr id="12" name="文本框 11">
+            <a:extLst>
+              <a:ext uri="{FF2B5EF4-FFF2-40B4-BE49-F238E27FC236}">
+                <a16:creationId xmlns:a16="http://schemas.microsoft.com/office/drawing/2014/main" id="{A0CBF231-0C96-4780-B9D8-9F8CA1266EFD}"/>
+              </a:ext>
+            </a:extLst>
+          </p:cNvPr>
+          <p:cNvSpPr txBox="1"/>
+          <p:nvPr/>
+        </p:nvSpPr>
+        <p:spPr>
+          <a:xfrm>
+            <a:off x="268941" y="510988"/>
+            <a:ext cx="1107996" cy="369332"/>
+          </a:xfrm>
+          <a:prstGeom prst="rect">
+            <a:avLst/>
+          </a:prstGeom>
+          <a:noFill/>
+        </p:spPr>
+        <p:txBody>
+          <a:bodyPr wrap="none" rtlCol="0">
+            <a:spAutoFit/>
+          </a:bodyPr>
+          <a:lstStyle/>
+          <a:p>
+            <a:r>
+              <a:rPr lang="zh-CN" altLang="en-US" dirty="0"/>
+              <a:t>奖励分类</a:t>
+            </a:r>
+          </a:p>
+        </p:txBody>
+      </p:sp>
+    </p:spTree>
+    <p:extLst>
+      <p:ext uri="{BB962C8B-B14F-4D97-AF65-F5344CB8AC3E}">
+        <p14:creationId xmlns:p14="http://schemas.microsoft.com/office/powerpoint/2010/main" val="1569138098"/>
+      </p:ext>
+    </p:extLst>
   </p:cSld>
   <p:clrMapOvr>
     <a:masterClrMapping/>

--- a/plan/抽卡手游.pptx
+++ b/plan/抽卡手游.pptx
@@ -5,7 +5,7 @@
     <p:sldMasterId id="2147483648" r:id="rId1"/>
   </p:sldMasterIdLst>
   <p:notesMasterIdLst>
-    <p:notesMasterId r:id="rId32"/>
+    <p:notesMasterId r:id="rId33"/>
   </p:notesMasterIdLst>
   <p:sldIdLst>
     <p:sldId id="256" r:id="rId2"/>
@@ -38,6 +38,7 @@
     <p:sldId id="1335" r:id="rId29"/>
     <p:sldId id="264" r:id="rId30"/>
     <p:sldId id="1336" r:id="rId31"/>
+    <p:sldId id="1337" r:id="rId32"/>
   </p:sldIdLst>
   <p:sldSz cx="12192000" cy="6858000"/>
   <p:notesSz cx="6858000" cy="9144000"/>
@@ -226,7 +227,7 @@
           <a:p>
             <a:fld id="{D2A48B96-639E-45A3-A0BA-2464DFDB1FAA}" type="datetimeFigureOut">
               <a:rPr lang="zh-CN" altLang="en-US" smtClean="0"/>
-              <a:t>2020/7/15</a:t>
+              <a:t>2020/7/21</a:t>
             </a:fld>
             <a:endParaRPr lang="zh-CN" altLang="en-US"/>
           </a:p>
@@ -757,7 +758,7 @@
           <a:p>
             <a:fld id="{5AD20816-3703-4B36-A03B-6CEA84674823}" type="datetimeFigureOut">
               <a:rPr lang="zh-CN" altLang="en-US" smtClean="0"/>
-              <a:t>2020/7/15</a:t>
+              <a:t>2020/7/21</a:t>
             </a:fld>
             <a:endParaRPr lang="zh-CN" altLang="en-US"/>
           </a:p>
@@ -920,7 +921,7 @@
           <a:p>
             <a:fld id="{5AD20816-3703-4B36-A03B-6CEA84674823}" type="datetimeFigureOut">
               <a:rPr lang="zh-CN" altLang="en-US" smtClean="0"/>
-              <a:t>2020/7/15</a:t>
+              <a:t>2020/7/21</a:t>
             </a:fld>
             <a:endParaRPr lang="zh-CN" altLang="en-US"/>
           </a:p>
@@ -1093,7 +1094,7 @@
           <a:p>
             <a:fld id="{5AD20816-3703-4B36-A03B-6CEA84674823}" type="datetimeFigureOut">
               <a:rPr lang="zh-CN" altLang="en-US" smtClean="0"/>
-              <a:t>2020/7/15</a:t>
+              <a:t>2020/7/21</a:t>
             </a:fld>
             <a:endParaRPr lang="zh-CN" altLang="en-US"/>
           </a:p>
@@ -1256,7 +1257,7 @@
           <a:p>
             <a:fld id="{5AD20816-3703-4B36-A03B-6CEA84674823}" type="datetimeFigureOut">
               <a:rPr lang="zh-CN" altLang="en-US" smtClean="0"/>
-              <a:t>2020/7/15</a:t>
+              <a:t>2020/7/21</a:t>
             </a:fld>
             <a:endParaRPr lang="zh-CN" altLang="en-US"/>
           </a:p>
@@ -1496,7 +1497,7 @@
           <a:p>
             <a:fld id="{5AD20816-3703-4B36-A03B-6CEA84674823}" type="datetimeFigureOut">
               <a:rPr lang="zh-CN" altLang="en-US" smtClean="0"/>
-              <a:t>2020/7/15</a:t>
+              <a:t>2020/7/21</a:t>
             </a:fld>
             <a:endParaRPr lang="zh-CN" altLang="en-US"/>
           </a:p>
@@ -1720,7 +1721,7 @@
           <a:p>
             <a:fld id="{5AD20816-3703-4B36-A03B-6CEA84674823}" type="datetimeFigureOut">
               <a:rPr lang="zh-CN" altLang="en-US" smtClean="0"/>
-              <a:t>2020/7/15</a:t>
+              <a:t>2020/7/21</a:t>
             </a:fld>
             <a:endParaRPr lang="zh-CN" altLang="en-US"/>
           </a:p>
@@ -2079,7 +2080,7 @@
           <a:p>
             <a:fld id="{5AD20816-3703-4B36-A03B-6CEA84674823}" type="datetimeFigureOut">
               <a:rPr lang="zh-CN" altLang="en-US" smtClean="0"/>
-              <a:t>2020/7/15</a:t>
+              <a:t>2020/7/21</a:t>
             </a:fld>
             <a:endParaRPr lang="zh-CN" altLang="en-US"/>
           </a:p>
@@ -2191,7 +2192,7 @@
           <a:p>
             <a:fld id="{5AD20816-3703-4B36-A03B-6CEA84674823}" type="datetimeFigureOut">
               <a:rPr lang="zh-CN" altLang="en-US" smtClean="0"/>
-              <a:t>2020/7/15</a:t>
+              <a:t>2020/7/21</a:t>
             </a:fld>
             <a:endParaRPr lang="zh-CN" altLang="en-US"/>
           </a:p>
@@ -2281,7 +2282,7 @@
           <a:p>
             <a:fld id="{5AD20816-3703-4B36-A03B-6CEA84674823}" type="datetimeFigureOut">
               <a:rPr lang="zh-CN" altLang="en-US" smtClean="0"/>
-              <a:t>2020/7/15</a:t>
+              <a:t>2020/7/21</a:t>
             </a:fld>
             <a:endParaRPr lang="zh-CN" altLang="en-US"/>
           </a:p>
@@ -2551,7 +2552,7 @@
           <a:p>
             <a:fld id="{5AD20816-3703-4B36-A03B-6CEA84674823}" type="datetimeFigureOut">
               <a:rPr lang="zh-CN" altLang="en-US" smtClean="0"/>
-              <a:t>2020/7/15</a:t>
+              <a:t>2020/7/21</a:t>
             </a:fld>
             <a:endParaRPr lang="zh-CN" altLang="en-US"/>
           </a:p>
@@ -2798,7 +2799,7 @@
           <a:p>
             <a:fld id="{5AD20816-3703-4B36-A03B-6CEA84674823}" type="datetimeFigureOut">
               <a:rPr lang="zh-CN" altLang="en-US" smtClean="0"/>
-              <a:t>2020/7/15</a:t>
+              <a:t>2020/7/21</a:t>
             </a:fld>
             <a:endParaRPr lang="zh-CN" altLang="en-US"/>
           </a:p>
@@ -3004,7 +3005,7 @@
           <a:p>
             <a:fld id="{5AD20816-3703-4B36-A03B-6CEA84674823}" type="datetimeFigureOut">
               <a:rPr lang="zh-CN" altLang="en-US" smtClean="0"/>
-              <a:t>2020/7/15</a:t>
+              <a:t>2020/7/21</a:t>
             </a:fld>
             <a:endParaRPr lang="zh-CN" altLang="en-US"/>
           </a:p>
@@ -4653,6 +4654,521 @@
           </p:txBody>
         </p:sp>
       </p:grpSp>
+      <p:sp>
+        <p:nvSpPr>
+          <p:cNvPr id="6" name="箭头: 右 5">
+            <a:extLst>
+              <a:ext uri="{FF2B5EF4-FFF2-40B4-BE49-F238E27FC236}">
+                <a16:creationId xmlns:a16="http://schemas.microsoft.com/office/drawing/2014/main" id="{42562602-93C7-44C0-B72A-63AE3174A46B}"/>
+              </a:ext>
+            </a:extLst>
+          </p:cNvPr>
+          <p:cNvSpPr/>
+          <p:nvPr/>
+        </p:nvSpPr>
+        <p:spPr>
+          <a:xfrm>
+            <a:off x="4164390" y="6143175"/>
+            <a:ext cx="2088777" cy="248769"/>
+          </a:xfrm>
+          <a:prstGeom prst="rightArrow">
+            <a:avLst/>
+          </a:prstGeom>
+        </p:spPr>
+        <p:style>
+          <a:lnRef idx="2">
+            <a:schemeClr val="accent1">
+              <a:shade val="50000"/>
+            </a:schemeClr>
+          </a:lnRef>
+          <a:fillRef idx="1">
+            <a:schemeClr val="accent1"/>
+          </a:fillRef>
+          <a:effectRef idx="0">
+            <a:schemeClr val="accent1"/>
+          </a:effectRef>
+          <a:fontRef idx="minor">
+            <a:schemeClr val="lt1"/>
+          </a:fontRef>
+        </p:style>
+        <p:txBody>
+          <a:bodyPr rtlCol="0" anchor="ctr"/>
+          <a:lstStyle/>
+          <a:p>
+            <a:pPr algn="ctr"/>
+            <a:endParaRPr lang="zh-CN" altLang="en-US"/>
+          </a:p>
+        </p:txBody>
+      </p:sp>
+      <p:sp>
+        <p:nvSpPr>
+          <p:cNvPr id="32" name="箭头: 右 31">
+            <a:extLst>
+              <a:ext uri="{FF2B5EF4-FFF2-40B4-BE49-F238E27FC236}">
+                <a16:creationId xmlns:a16="http://schemas.microsoft.com/office/drawing/2014/main" id="{4E9B8F04-F952-4783-9899-5FE4A085DBC2}"/>
+              </a:ext>
+            </a:extLst>
+          </p:cNvPr>
+          <p:cNvSpPr/>
+          <p:nvPr/>
+        </p:nvSpPr>
+        <p:spPr>
+          <a:xfrm flipH="1">
+            <a:off x="4164389" y="6542665"/>
+            <a:ext cx="2088777" cy="248769"/>
+          </a:xfrm>
+          <a:prstGeom prst="rightArrow">
+            <a:avLst/>
+          </a:prstGeom>
+        </p:spPr>
+        <p:style>
+          <a:lnRef idx="2">
+            <a:schemeClr val="accent1">
+              <a:shade val="50000"/>
+            </a:schemeClr>
+          </a:lnRef>
+          <a:fillRef idx="1">
+            <a:schemeClr val="accent1"/>
+          </a:fillRef>
+          <a:effectRef idx="0">
+            <a:schemeClr val="accent1"/>
+          </a:effectRef>
+          <a:fontRef idx="minor">
+            <a:schemeClr val="lt1"/>
+          </a:fontRef>
+        </p:style>
+        <p:txBody>
+          <a:bodyPr rtlCol="0" anchor="ctr"/>
+          <a:lstStyle/>
+          <a:p>
+            <a:pPr algn="ctr"/>
+            <a:endParaRPr lang="zh-CN" altLang="en-US"/>
+          </a:p>
+        </p:txBody>
+      </p:sp>
+      <p:sp>
+        <p:nvSpPr>
+          <p:cNvPr id="33" name="箭头: 右 32">
+            <a:extLst>
+              <a:ext uri="{FF2B5EF4-FFF2-40B4-BE49-F238E27FC236}">
+                <a16:creationId xmlns:a16="http://schemas.microsoft.com/office/drawing/2014/main" id="{8E722558-978F-4CAA-AF97-6C888072F606}"/>
+              </a:ext>
+            </a:extLst>
+          </p:cNvPr>
+          <p:cNvSpPr/>
+          <p:nvPr/>
+        </p:nvSpPr>
+        <p:spPr>
+          <a:xfrm rot="10800000">
+            <a:off x="9005878" y="6524681"/>
+            <a:ext cx="2088777" cy="248769"/>
+          </a:xfrm>
+          <a:prstGeom prst="rightArrow">
+            <a:avLst/>
+          </a:prstGeom>
+        </p:spPr>
+        <p:style>
+          <a:lnRef idx="2">
+            <a:schemeClr val="accent1">
+              <a:shade val="50000"/>
+            </a:schemeClr>
+          </a:lnRef>
+          <a:fillRef idx="1">
+            <a:schemeClr val="accent1"/>
+          </a:fillRef>
+          <a:effectRef idx="0">
+            <a:schemeClr val="accent1"/>
+          </a:effectRef>
+          <a:fontRef idx="minor">
+            <a:schemeClr val="lt1"/>
+          </a:fontRef>
+        </p:style>
+        <p:txBody>
+          <a:bodyPr rtlCol="0" anchor="ctr"/>
+          <a:lstStyle/>
+          <a:p>
+            <a:pPr algn="ctr"/>
+            <a:endParaRPr lang="zh-CN" altLang="en-US"/>
+          </a:p>
+        </p:txBody>
+      </p:sp>
+      <p:sp>
+        <p:nvSpPr>
+          <p:cNvPr id="34" name="矩形 33">
+            <a:extLst>
+              <a:ext uri="{FF2B5EF4-FFF2-40B4-BE49-F238E27FC236}">
+                <a16:creationId xmlns:a16="http://schemas.microsoft.com/office/drawing/2014/main" id="{85FDF060-6045-4EBF-9EB1-B6DF5C54EF24}"/>
+              </a:ext>
+            </a:extLst>
+          </p:cNvPr>
+          <p:cNvSpPr/>
+          <p:nvPr/>
+        </p:nvSpPr>
+        <p:spPr>
+          <a:xfrm>
+            <a:off x="7049346" y="6157915"/>
+            <a:ext cx="1956531" cy="607408"/>
+          </a:xfrm>
+          <a:prstGeom prst="rect">
+            <a:avLst/>
+          </a:prstGeom>
+        </p:spPr>
+        <p:style>
+          <a:lnRef idx="2">
+            <a:schemeClr val="accent1">
+              <a:shade val="50000"/>
+            </a:schemeClr>
+          </a:lnRef>
+          <a:fillRef idx="1">
+            <a:schemeClr val="accent1"/>
+          </a:fillRef>
+          <a:effectRef idx="0">
+            <a:schemeClr val="accent1"/>
+          </a:effectRef>
+          <a:fontRef idx="minor">
+            <a:schemeClr val="lt1"/>
+          </a:fontRef>
+        </p:style>
+        <p:txBody>
+          <a:bodyPr rtlCol="0" anchor="ctr"/>
+          <a:lstStyle/>
+          <a:p>
+            <a:pPr algn="ctr"/>
+            <a:r>
+              <a:rPr lang="zh-CN" altLang="en-US" dirty="0"/>
+              <a:t>公告</a:t>
+            </a:r>
+          </a:p>
+        </p:txBody>
+      </p:sp>
+      <p:sp>
+        <p:nvSpPr>
+          <p:cNvPr id="35" name="箭头: 右 34">
+            <a:extLst>
+              <a:ext uri="{FF2B5EF4-FFF2-40B4-BE49-F238E27FC236}">
+                <a16:creationId xmlns:a16="http://schemas.microsoft.com/office/drawing/2014/main" id="{0C13AE91-448A-48D3-B893-77C779BE9B29}"/>
+              </a:ext>
+            </a:extLst>
+          </p:cNvPr>
+          <p:cNvSpPr/>
+          <p:nvPr/>
+        </p:nvSpPr>
+        <p:spPr>
+          <a:xfrm>
+            <a:off x="9005877" y="6125191"/>
+            <a:ext cx="2088777" cy="248769"/>
+          </a:xfrm>
+          <a:prstGeom prst="rightArrow">
+            <a:avLst/>
+          </a:prstGeom>
+          <a:solidFill>
+            <a:schemeClr val="bg1"/>
+          </a:solidFill>
+        </p:spPr>
+        <p:style>
+          <a:lnRef idx="2">
+            <a:schemeClr val="accent1">
+              <a:shade val="50000"/>
+            </a:schemeClr>
+          </a:lnRef>
+          <a:fillRef idx="1">
+            <a:schemeClr val="accent1"/>
+          </a:fillRef>
+          <a:effectRef idx="0">
+            <a:schemeClr val="accent1"/>
+          </a:effectRef>
+          <a:fontRef idx="minor">
+            <a:schemeClr val="lt1"/>
+          </a:fontRef>
+        </p:style>
+        <p:txBody>
+          <a:bodyPr rtlCol="0" anchor="ctr"/>
+          <a:lstStyle/>
+          <a:p>
+            <a:pPr algn="ctr"/>
+            <a:endParaRPr lang="zh-CN" altLang="en-US"/>
+          </a:p>
+        </p:txBody>
+      </p:sp>
+      <p:sp>
+        <p:nvSpPr>
+          <p:cNvPr id="36" name="乘号 35">
+            <a:extLst>
+              <a:ext uri="{FF2B5EF4-FFF2-40B4-BE49-F238E27FC236}">
+                <a16:creationId xmlns:a16="http://schemas.microsoft.com/office/drawing/2014/main" id="{4EAADA0B-3DE9-45BB-92D2-FA5836143CA5}"/>
+              </a:ext>
+            </a:extLst>
+          </p:cNvPr>
+          <p:cNvSpPr/>
+          <p:nvPr/>
+        </p:nvSpPr>
+        <p:spPr>
+          <a:xfrm>
+            <a:off x="9689047" y="5869135"/>
+            <a:ext cx="779930" cy="779930"/>
+          </a:xfrm>
+          <a:prstGeom prst="mathMultiply">
+            <a:avLst/>
+          </a:prstGeom>
+          <a:solidFill>
+            <a:srgbClr val="FF0000"/>
+          </a:solidFill>
+        </p:spPr>
+        <p:style>
+          <a:lnRef idx="2">
+            <a:schemeClr val="accent1">
+              <a:shade val="50000"/>
+            </a:schemeClr>
+          </a:lnRef>
+          <a:fillRef idx="1">
+            <a:schemeClr val="accent1"/>
+          </a:fillRef>
+          <a:effectRef idx="0">
+            <a:schemeClr val="accent1"/>
+          </a:effectRef>
+          <a:fontRef idx="minor">
+            <a:schemeClr val="lt1"/>
+          </a:fontRef>
+        </p:style>
+        <p:txBody>
+          <a:bodyPr rtlCol="0" anchor="ctr"/>
+          <a:lstStyle/>
+          <a:p>
+            <a:pPr algn="ctr"/>
+            <a:endParaRPr lang="zh-CN" altLang="en-US"/>
+          </a:p>
+        </p:txBody>
+      </p:sp>
+      <p:sp>
+        <p:nvSpPr>
+          <p:cNvPr id="37" name="箭头: 右 36">
+            <a:extLst>
+              <a:ext uri="{FF2B5EF4-FFF2-40B4-BE49-F238E27FC236}">
+                <a16:creationId xmlns:a16="http://schemas.microsoft.com/office/drawing/2014/main" id="{EE900A97-CA7B-481F-9097-CADE3E584138}"/>
+              </a:ext>
+            </a:extLst>
+          </p:cNvPr>
+          <p:cNvSpPr/>
+          <p:nvPr/>
+        </p:nvSpPr>
+        <p:spPr>
+          <a:xfrm>
+            <a:off x="4177054" y="3494754"/>
+            <a:ext cx="2088777" cy="248769"/>
+          </a:xfrm>
+          <a:prstGeom prst="rightArrow">
+            <a:avLst/>
+          </a:prstGeom>
+        </p:spPr>
+        <p:style>
+          <a:lnRef idx="2">
+            <a:schemeClr val="accent1">
+              <a:shade val="50000"/>
+            </a:schemeClr>
+          </a:lnRef>
+          <a:fillRef idx="1">
+            <a:schemeClr val="accent1"/>
+          </a:fillRef>
+          <a:effectRef idx="0">
+            <a:schemeClr val="accent1"/>
+          </a:effectRef>
+          <a:fontRef idx="minor">
+            <a:schemeClr val="lt1"/>
+          </a:fontRef>
+        </p:style>
+        <p:txBody>
+          <a:bodyPr rtlCol="0" anchor="ctr"/>
+          <a:lstStyle/>
+          <a:p>
+            <a:pPr algn="ctr"/>
+            <a:endParaRPr lang="zh-CN" altLang="en-US"/>
+          </a:p>
+        </p:txBody>
+      </p:sp>
+      <p:sp>
+        <p:nvSpPr>
+          <p:cNvPr id="38" name="箭头: 右 37">
+            <a:extLst>
+              <a:ext uri="{FF2B5EF4-FFF2-40B4-BE49-F238E27FC236}">
+                <a16:creationId xmlns:a16="http://schemas.microsoft.com/office/drawing/2014/main" id="{1356BEAF-82AB-41C8-9947-D432E2F21797}"/>
+              </a:ext>
+            </a:extLst>
+          </p:cNvPr>
+          <p:cNvSpPr/>
+          <p:nvPr/>
+        </p:nvSpPr>
+        <p:spPr>
+          <a:xfrm flipH="1">
+            <a:off x="4177053" y="3894244"/>
+            <a:ext cx="2088777" cy="248769"/>
+          </a:xfrm>
+          <a:prstGeom prst="rightArrow">
+            <a:avLst/>
+          </a:prstGeom>
+        </p:spPr>
+        <p:style>
+          <a:lnRef idx="2">
+            <a:schemeClr val="accent1">
+              <a:shade val="50000"/>
+            </a:schemeClr>
+          </a:lnRef>
+          <a:fillRef idx="1">
+            <a:schemeClr val="accent1"/>
+          </a:fillRef>
+          <a:effectRef idx="0">
+            <a:schemeClr val="accent1"/>
+          </a:effectRef>
+          <a:fontRef idx="minor">
+            <a:schemeClr val="lt1"/>
+          </a:fontRef>
+        </p:style>
+        <p:txBody>
+          <a:bodyPr rtlCol="0" anchor="ctr"/>
+          <a:lstStyle/>
+          <a:p>
+            <a:pPr algn="ctr"/>
+            <a:endParaRPr lang="zh-CN" altLang="en-US"/>
+          </a:p>
+        </p:txBody>
+      </p:sp>
+      <p:sp>
+        <p:nvSpPr>
+          <p:cNvPr id="39" name="箭头: 右 38">
+            <a:extLst>
+              <a:ext uri="{FF2B5EF4-FFF2-40B4-BE49-F238E27FC236}">
+                <a16:creationId xmlns:a16="http://schemas.microsoft.com/office/drawing/2014/main" id="{82230166-7F59-4609-8B97-A0494D0683D9}"/>
+              </a:ext>
+            </a:extLst>
+          </p:cNvPr>
+          <p:cNvSpPr/>
+          <p:nvPr/>
+        </p:nvSpPr>
+        <p:spPr>
+          <a:xfrm>
+            <a:off x="4177053" y="607935"/>
+            <a:ext cx="2088777" cy="248769"/>
+          </a:xfrm>
+          <a:prstGeom prst="rightArrow">
+            <a:avLst/>
+          </a:prstGeom>
+        </p:spPr>
+        <p:style>
+          <a:lnRef idx="2">
+            <a:schemeClr val="accent1">
+              <a:shade val="50000"/>
+            </a:schemeClr>
+          </a:lnRef>
+          <a:fillRef idx="1">
+            <a:schemeClr val="accent1"/>
+          </a:fillRef>
+          <a:effectRef idx="0">
+            <a:schemeClr val="accent1"/>
+          </a:effectRef>
+          <a:fontRef idx="minor">
+            <a:schemeClr val="lt1"/>
+          </a:fontRef>
+        </p:style>
+        <p:txBody>
+          <a:bodyPr rtlCol="0" anchor="ctr"/>
+          <a:lstStyle/>
+          <a:p>
+            <a:pPr algn="ctr"/>
+            <a:endParaRPr lang="zh-CN" altLang="en-US"/>
+          </a:p>
+        </p:txBody>
+      </p:sp>
+      <p:sp>
+        <p:nvSpPr>
+          <p:cNvPr id="40" name="箭头: 右 39">
+            <a:extLst>
+              <a:ext uri="{FF2B5EF4-FFF2-40B4-BE49-F238E27FC236}">
+                <a16:creationId xmlns:a16="http://schemas.microsoft.com/office/drawing/2014/main" id="{A005DFE7-D873-43CE-9DF8-6F1970786983}"/>
+              </a:ext>
+            </a:extLst>
+          </p:cNvPr>
+          <p:cNvSpPr/>
+          <p:nvPr/>
+        </p:nvSpPr>
+        <p:spPr>
+          <a:xfrm flipH="1">
+            <a:off x="4177053" y="1096259"/>
+            <a:ext cx="2088777" cy="248769"/>
+          </a:xfrm>
+          <a:prstGeom prst="rightArrow">
+            <a:avLst/>
+          </a:prstGeom>
+        </p:spPr>
+        <p:style>
+          <a:lnRef idx="2">
+            <a:schemeClr val="accent1">
+              <a:shade val="50000"/>
+            </a:schemeClr>
+          </a:lnRef>
+          <a:fillRef idx="1">
+            <a:schemeClr val="accent1"/>
+          </a:fillRef>
+          <a:effectRef idx="0">
+            <a:schemeClr val="accent1"/>
+          </a:effectRef>
+          <a:fontRef idx="minor">
+            <a:schemeClr val="lt1"/>
+          </a:fontRef>
+        </p:style>
+        <p:txBody>
+          <a:bodyPr rtlCol="0" anchor="ctr"/>
+          <a:lstStyle/>
+          <a:p>
+            <a:pPr algn="ctr"/>
+            <a:endParaRPr lang="zh-CN" altLang="en-US"/>
+          </a:p>
+        </p:txBody>
+      </p:sp>
+      <p:sp>
+        <p:nvSpPr>
+          <p:cNvPr id="41" name="箭头: 右 40">
+            <a:extLst>
+              <a:ext uri="{FF2B5EF4-FFF2-40B4-BE49-F238E27FC236}">
+                <a16:creationId xmlns:a16="http://schemas.microsoft.com/office/drawing/2014/main" id="{25C081E9-4F05-4540-BB00-7B212F1B4BC5}"/>
+              </a:ext>
+            </a:extLst>
+          </p:cNvPr>
+          <p:cNvSpPr/>
+          <p:nvPr/>
+        </p:nvSpPr>
+        <p:spPr>
+          <a:xfrm>
+            <a:off x="4164389" y="874956"/>
+            <a:ext cx="2088777" cy="248769"/>
+          </a:xfrm>
+          <a:prstGeom prst="rightArrow">
+            <a:avLst/>
+          </a:prstGeom>
+        </p:spPr>
+        <p:style>
+          <a:lnRef idx="2">
+            <a:schemeClr val="accent1">
+              <a:shade val="50000"/>
+            </a:schemeClr>
+          </a:lnRef>
+          <a:fillRef idx="1">
+            <a:schemeClr val="accent1"/>
+          </a:fillRef>
+          <a:effectRef idx="0">
+            <a:schemeClr val="accent1"/>
+          </a:effectRef>
+          <a:fontRef idx="minor">
+            <a:schemeClr val="lt1"/>
+          </a:fontRef>
+        </p:style>
+        <p:txBody>
+          <a:bodyPr rtlCol="0" anchor="ctr"/>
+          <a:lstStyle/>
+          <a:p>
+            <a:pPr algn="ctr"/>
+            <a:endParaRPr lang="zh-CN" altLang="en-US"/>
+          </a:p>
+        </p:txBody>
+      </p:sp>
     </p:spTree>
   </p:cSld>
   <p:clrMapOvr>
@@ -24013,6 +24529,422 @@
     <p:extLst>
       <p:ext uri="{BB962C8B-B14F-4D97-AF65-F5344CB8AC3E}">
         <p14:creationId xmlns:p14="http://schemas.microsoft.com/office/powerpoint/2010/main" val="1569138098"/>
+      </p:ext>
+    </p:extLst>
+  </p:cSld>
+  <p:clrMapOvr>
+    <a:masterClrMapping/>
+  </p:clrMapOvr>
+</p:sld>
+</file>
+
+<file path=ppt/slides/slide31.xml><?xml version="1.0" encoding="utf-8"?>
+<p:sld xmlns:a="http://schemas.openxmlformats.org/drawingml/2006/main" xmlns:r="http://schemas.openxmlformats.org/officeDocument/2006/relationships" xmlns:p="http://schemas.openxmlformats.org/presentationml/2006/main">
+  <p:cSld>
+    <p:spTree>
+      <p:nvGrpSpPr>
+        <p:cNvPr id="1" name=""/>
+        <p:cNvGrpSpPr/>
+        <p:nvPr/>
+      </p:nvGrpSpPr>
+      <p:grpSpPr>
+        <a:xfrm>
+          <a:off x="0" y="0"/>
+          <a:ext cx="0" cy="0"/>
+          <a:chOff x="0" y="0"/>
+          <a:chExt cx="0" cy="0"/>
+        </a:xfrm>
+      </p:grpSpPr>
+      <p:sp>
+        <p:nvSpPr>
+          <p:cNvPr id="2" name="矩形 1">
+            <a:extLst>
+              <a:ext uri="{FF2B5EF4-FFF2-40B4-BE49-F238E27FC236}">
+                <a16:creationId xmlns:a16="http://schemas.microsoft.com/office/drawing/2014/main" id="{FE80ADCC-1EB2-41CC-AA6E-F9AC093F57D0}"/>
+              </a:ext>
+            </a:extLst>
+          </p:cNvPr>
+          <p:cNvSpPr/>
+          <p:nvPr/>
+        </p:nvSpPr>
+        <p:spPr>
+          <a:xfrm>
+            <a:off x="681318" y="735105"/>
+            <a:ext cx="3460376" cy="1568823"/>
+          </a:xfrm>
+          <a:prstGeom prst="rect">
+            <a:avLst/>
+          </a:prstGeom>
+        </p:spPr>
+        <p:style>
+          <a:lnRef idx="2">
+            <a:schemeClr val="accent1">
+              <a:shade val="50000"/>
+            </a:schemeClr>
+          </a:lnRef>
+          <a:fillRef idx="1">
+            <a:schemeClr val="accent1"/>
+          </a:fillRef>
+          <a:effectRef idx="0">
+            <a:schemeClr val="accent1"/>
+          </a:effectRef>
+          <a:fontRef idx="minor">
+            <a:schemeClr val="lt1"/>
+          </a:fontRef>
+        </p:style>
+        <p:txBody>
+          <a:bodyPr rtlCol="0" anchor="t"/>
+          <a:lstStyle/>
+          <a:p>
+            <a:r>
+              <a:rPr lang="zh-CN" altLang="en-US" dirty="0"/>
+              <a:t>卡牌序列号</a:t>
+            </a:r>
+            <a:endParaRPr lang="en-US" altLang="zh-CN" dirty="0"/>
+          </a:p>
+          <a:p>
+            <a:r>
+              <a:rPr lang="en-US" altLang="zh-CN" dirty="0"/>
+              <a:t>·</a:t>
+            </a:r>
+            <a:r>
+              <a:rPr lang="zh-CN" altLang="en-US" dirty="0"/>
+              <a:t>能确定初始信息（数据库发送）</a:t>
+            </a:r>
+            <a:endParaRPr lang="en-US" altLang="zh-CN" dirty="0"/>
+          </a:p>
+          <a:p>
+            <a:r>
+              <a:rPr lang="en-US" altLang="zh-CN" dirty="0"/>
+              <a:t>·</a:t>
+            </a:r>
+            <a:r>
+              <a:rPr lang="zh-CN" altLang="en-US" dirty="0"/>
+              <a:t>能确定使用图片与音效（本地）</a:t>
+            </a:r>
+            <a:endParaRPr lang="en-US" altLang="zh-CN" dirty="0"/>
+          </a:p>
+          <a:p>
+            <a:endParaRPr lang="en-US" altLang="zh-CN" dirty="0"/>
+          </a:p>
+          <a:p>
+            <a:r>
+              <a:rPr lang="zh-CN" altLang="en-US" dirty="0"/>
+              <a:t>抽卡时使用。</a:t>
+            </a:r>
+          </a:p>
+        </p:txBody>
+      </p:sp>
+      <p:sp>
+        <p:nvSpPr>
+          <p:cNvPr id="3" name="矩形 2">
+            <a:extLst>
+              <a:ext uri="{FF2B5EF4-FFF2-40B4-BE49-F238E27FC236}">
+                <a16:creationId xmlns:a16="http://schemas.microsoft.com/office/drawing/2014/main" id="{513AC89C-5895-4F40-9AAD-7920168BAF6B}"/>
+              </a:ext>
+            </a:extLst>
+          </p:cNvPr>
+          <p:cNvSpPr/>
+          <p:nvPr/>
+        </p:nvSpPr>
+        <p:spPr>
+          <a:xfrm>
+            <a:off x="681318" y="2644588"/>
+            <a:ext cx="3460376" cy="1568823"/>
+          </a:xfrm>
+          <a:prstGeom prst="rect">
+            <a:avLst/>
+          </a:prstGeom>
+        </p:spPr>
+        <p:style>
+          <a:lnRef idx="2">
+            <a:schemeClr val="accent1">
+              <a:shade val="50000"/>
+            </a:schemeClr>
+          </a:lnRef>
+          <a:fillRef idx="1">
+            <a:schemeClr val="accent1"/>
+          </a:fillRef>
+          <a:effectRef idx="0">
+            <a:schemeClr val="accent1"/>
+          </a:effectRef>
+          <a:fontRef idx="minor">
+            <a:schemeClr val="lt1"/>
+          </a:fontRef>
+        </p:style>
+        <p:txBody>
+          <a:bodyPr rtlCol="0" anchor="t"/>
+          <a:lstStyle/>
+          <a:p>
+            <a:r>
+              <a:rPr lang="zh-CN" altLang="en-US" dirty="0"/>
+              <a:t>卡牌持有序列号</a:t>
+            </a:r>
+            <a:endParaRPr lang="en-US" altLang="zh-CN" dirty="0"/>
+          </a:p>
+          <a:p>
+            <a:r>
+              <a:rPr lang="en-US" altLang="zh-CN" dirty="0"/>
+              <a:t>·</a:t>
+            </a:r>
+            <a:r>
+              <a:rPr lang="zh-CN" altLang="en-US" dirty="0"/>
+              <a:t>能确定当前卡牌等级与经验</a:t>
+            </a:r>
+            <a:endParaRPr lang="en-US" altLang="zh-CN" dirty="0"/>
+          </a:p>
+          <a:p>
+            <a:r>
+              <a:rPr lang="en-US" altLang="zh-CN" dirty="0"/>
+              <a:t>·</a:t>
+            </a:r>
+            <a:r>
+              <a:rPr lang="zh-CN" altLang="en-US" dirty="0"/>
+              <a:t>能确定当前属性值</a:t>
+            </a:r>
+            <a:endParaRPr lang="en-US" altLang="zh-CN" dirty="0"/>
+          </a:p>
+          <a:p>
+            <a:endParaRPr lang="en-US" altLang="zh-CN" dirty="0"/>
+          </a:p>
+          <a:p>
+            <a:r>
+              <a:rPr lang="zh-CN" altLang="en-US" dirty="0"/>
+              <a:t>强化，战斗时使用。</a:t>
+            </a:r>
+          </a:p>
+        </p:txBody>
+      </p:sp>
+      <p:sp>
+        <p:nvSpPr>
+          <p:cNvPr id="4" name="矩形 3">
+            <a:extLst>
+              <a:ext uri="{FF2B5EF4-FFF2-40B4-BE49-F238E27FC236}">
+                <a16:creationId xmlns:a16="http://schemas.microsoft.com/office/drawing/2014/main" id="{FF051BED-6CF1-4FCE-A0C4-F4530F077E4B}"/>
+              </a:ext>
+            </a:extLst>
+          </p:cNvPr>
+          <p:cNvSpPr/>
+          <p:nvPr/>
+        </p:nvSpPr>
+        <p:spPr>
+          <a:xfrm>
+            <a:off x="555812" y="2501153"/>
+            <a:ext cx="3738282" cy="1855694"/>
+          </a:xfrm>
+          <a:prstGeom prst="rect">
+            <a:avLst/>
+          </a:prstGeom>
+          <a:noFill/>
+          <a:ln w="28575">
+            <a:solidFill>
+              <a:srgbClr val="FF0000"/>
+            </a:solidFill>
+          </a:ln>
+        </p:spPr>
+        <p:style>
+          <a:lnRef idx="2">
+            <a:schemeClr val="accent1">
+              <a:shade val="50000"/>
+            </a:schemeClr>
+          </a:lnRef>
+          <a:fillRef idx="1">
+            <a:schemeClr val="accent1"/>
+          </a:fillRef>
+          <a:effectRef idx="0">
+            <a:schemeClr val="accent1"/>
+          </a:effectRef>
+          <a:fontRef idx="minor">
+            <a:schemeClr val="lt1"/>
+          </a:fontRef>
+        </p:style>
+        <p:txBody>
+          <a:bodyPr rtlCol="0" anchor="ctr"/>
+          <a:lstStyle/>
+          <a:p>
+            <a:pPr algn="ctr"/>
+            <a:endParaRPr lang="zh-CN" altLang="en-US"/>
+          </a:p>
+        </p:txBody>
+      </p:sp>
+      <p:sp>
+        <p:nvSpPr>
+          <p:cNvPr id="5" name="文本框 4">
+            <a:extLst>
+              <a:ext uri="{FF2B5EF4-FFF2-40B4-BE49-F238E27FC236}">
+                <a16:creationId xmlns:a16="http://schemas.microsoft.com/office/drawing/2014/main" id="{E9F8D984-1322-495B-B8A7-69F687DA373E}"/>
+              </a:ext>
+            </a:extLst>
+          </p:cNvPr>
+          <p:cNvSpPr txBox="1"/>
+          <p:nvPr/>
+        </p:nvSpPr>
+        <p:spPr>
+          <a:xfrm>
+            <a:off x="4554071" y="2644588"/>
+            <a:ext cx="3929281" cy="1200329"/>
+          </a:xfrm>
+          <a:prstGeom prst="rect">
+            <a:avLst/>
+          </a:prstGeom>
+          <a:noFill/>
+        </p:spPr>
+        <p:txBody>
+          <a:bodyPr wrap="none" rtlCol="0">
+            <a:spAutoFit/>
+          </a:bodyPr>
+          <a:lstStyle/>
+          <a:p>
+            <a:r>
+              <a:rPr lang="zh-CN" altLang="en-US"/>
+              <a:t>本地</a:t>
+            </a:r>
+            <a:r>
+              <a:rPr lang="zh-CN" altLang="en-US" dirty="0"/>
+              <a:t>会保存：</a:t>
+            </a:r>
+            <a:endParaRPr lang="en-US" altLang="zh-CN" dirty="0"/>
+          </a:p>
+          <a:p>
+            <a:r>
+              <a:rPr lang="en-US" altLang="zh-CN" dirty="0"/>
+              <a:t>·</a:t>
+            </a:r>
+            <a:r>
+              <a:rPr lang="zh-CN" altLang="en-US" dirty="0"/>
+              <a:t>卡牌初始信息，卡牌使用图片与音效</a:t>
+            </a:r>
+            <a:endParaRPr lang="en-US" altLang="zh-CN" dirty="0"/>
+          </a:p>
+          <a:p>
+            <a:r>
+              <a:rPr lang="en-US" altLang="zh-CN" dirty="0"/>
+              <a:t>·</a:t>
+            </a:r>
+            <a:r>
+              <a:rPr lang="zh-CN" altLang="en-US" dirty="0"/>
+              <a:t>各卡牌的目前等级和经验</a:t>
+            </a:r>
+            <a:endParaRPr lang="en-US" altLang="zh-CN" dirty="0"/>
+          </a:p>
+          <a:p>
+            <a:r>
+              <a:rPr lang="en-US" altLang="zh-CN" dirty="0"/>
+              <a:t>·</a:t>
+            </a:r>
+            <a:r>
+              <a:rPr lang="zh-CN" altLang="en-US" dirty="0"/>
+              <a:t>保存的编队模板，与当前选择的编队</a:t>
+            </a:r>
+            <a:endParaRPr lang="en-US" altLang="zh-CN" dirty="0"/>
+          </a:p>
+        </p:txBody>
+      </p:sp>
+      <p:sp>
+        <p:nvSpPr>
+          <p:cNvPr id="6" name="文本框 5">
+            <a:extLst>
+              <a:ext uri="{FF2B5EF4-FFF2-40B4-BE49-F238E27FC236}">
+                <a16:creationId xmlns:a16="http://schemas.microsoft.com/office/drawing/2014/main" id="{3D6DAC94-EBA9-458C-BD04-5002345A0353}"/>
+              </a:ext>
+            </a:extLst>
+          </p:cNvPr>
+          <p:cNvSpPr txBox="1"/>
+          <p:nvPr/>
+        </p:nvSpPr>
+        <p:spPr>
+          <a:xfrm>
+            <a:off x="770965" y="4778188"/>
+            <a:ext cx="6351419" cy="646331"/>
+          </a:xfrm>
+          <a:prstGeom prst="rect">
+            <a:avLst/>
+          </a:prstGeom>
+          <a:noFill/>
+        </p:spPr>
+        <p:txBody>
+          <a:bodyPr wrap="none" rtlCol="0">
+            <a:spAutoFit/>
+          </a:bodyPr>
+          <a:lstStyle/>
+          <a:p>
+            <a:r>
+              <a:rPr lang="zh-CN" altLang="en-US" dirty="0"/>
+              <a:t>本地</a:t>
+            </a:r>
+            <a:r>
+              <a:rPr lang="en-US" altLang="zh-CN" dirty="0"/>
+              <a:t>-</a:t>
+            </a:r>
+            <a:r>
+              <a:rPr lang="zh-CN" altLang="en-US" dirty="0"/>
+              <a:t>卡牌与图形</a:t>
+            </a:r>
+            <a:r>
+              <a:rPr lang="en-US" altLang="zh-CN" dirty="0"/>
+              <a:t>/</a:t>
+            </a:r>
+            <a:r>
+              <a:rPr lang="zh-CN" altLang="en-US" dirty="0"/>
+              <a:t>音效关联：使用卡牌序列号</a:t>
+            </a:r>
+            <a:endParaRPr lang="en-US" altLang="zh-CN" dirty="0"/>
+          </a:p>
+          <a:p>
+            <a:r>
+              <a:rPr lang="zh-CN" altLang="en-US" dirty="0"/>
+              <a:t>本地</a:t>
+            </a:r>
+            <a:r>
+              <a:rPr lang="en-US" altLang="zh-CN" dirty="0"/>
+              <a:t>-</a:t>
+            </a:r>
+            <a:r>
+              <a:rPr lang="zh-CN" altLang="en-US" dirty="0"/>
+              <a:t>显示编队中的卡牌的简略信息：从本地保存的卡牌基础</a:t>
+            </a:r>
+          </a:p>
+        </p:txBody>
+      </p:sp>
+      <p:sp>
+        <p:nvSpPr>
+          <p:cNvPr id="7" name="文本框 6">
+            <a:extLst>
+              <a:ext uri="{FF2B5EF4-FFF2-40B4-BE49-F238E27FC236}">
+                <a16:creationId xmlns:a16="http://schemas.microsoft.com/office/drawing/2014/main" id="{1DE1CEC4-756D-4355-8E17-AD8B1A4C2D73}"/>
+              </a:ext>
+            </a:extLst>
+          </p:cNvPr>
+          <p:cNvSpPr txBox="1"/>
+          <p:nvPr/>
+        </p:nvSpPr>
+        <p:spPr>
+          <a:xfrm>
+            <a:off x="322729" y="286871"/>
+            <a:ext cx="7625806" cy="369332"/>
+          </a:xfrm>
+          <a:prstGeom prst="rect">
+            <a:avLst/>
+          </a:prstGeom>
+          <a:noFill/>
+        </p:spPr>
+        <p:txBody>
+          <a:bodyPr wrap="none" rtlCol="0">
+            <a:spAutoFit/>
+          </a:bodyPr>
+          <a:lstStyle/>
+          <a:p>
+            <a:r>
+              <a:rPr lang="zh-CN" altLang="en-US" dirty="0"/>
+              <a:t>能否抽卡、强化、战斗以外情况下的卡牌信息展示全都从本地信息读取</a:t>
+            </a:r>
+          </a:p>
+        </p:txBody>
+      </p:sp>
+    </p:spTree>
+    <p:extLst>
+      <p:ext uri="{BB962C8B-B14F-4D97-AF65-F5344CB8AC3E}">
+        <p14:creationId xmlns:p14="http://schemas.microsoft.com/office/powerpoint/2010/main" val="2221888122"/>
       </p:ext>
     </p:extLst>
   </p:cSld>

--- a/plan/抽卡手游.pptx
+++ b/plan/抽卡手游.pptx
@@ -5,7 +5,7 @@
     <p:sldMasterId id="2147483648" r:id="rId1"/>
   </p:sldMasterIdLst>
   <p:notesMasterIdLst>
-    <p:notesMasterId r:id="rId33"/>
+    <p:notesMasterId r:id="rId35"/>
   </p:notesMasterIdLst>
   <p:sldIdLst>
     <p:sldId id="256" r:id="rId2"/>
@@ -39,6 +39,8 @@
     <p:sldId id="264" r:id="rId30"/>
     <p:sldId id="1336" r:id="rId31"/>
     <p:sldId id="1337" r:id="rId32"/>
+    <p:sldId id="1338" r:id="rId33"/>
+    <p:sldId id="1339" r:id="rId34"/>
   </p:sldIdLst>
   <p:sldSz cx="12192000" cy="6858000"/>
   <p:notesSz cx="6858000" cy="9144000"/>
@@ -227,7 +229,7 @@
           <a:p>
             <a:fld id="{D2A48B96-639E-45A3-A0BA-2464DFDB1FAA}" type="datetimeFigureOut">
               <a:rPr lang="zh-CN" altLang="en-US" smtClean="0"/>
-              <a:t>2020/7/21</a:t>
+              <a:t>2020/7/23</a:t>
             </a:fld>
             <a:endParaRPr lang="zh-CN" altLang="en-US"/>
           </a:p>
@@ -629,6 +631,90 @@
 </p:notes>
 </file>
 
+<file path=ppt/notesSlides/notesSlide3.xml><?xml version="1.0" encoding="utf-8"?>
+<p:notes xmlns:a="http://schemas.openxmlformats.org/drawingml/2006/main" xmlns:r="http://schemas.openxmlformats.org/officeDocument/2006/relationships" xmlns:p="http://schemas.openxmlformats.org/presentationml/2006/main">
+  <p:cSld>
+    <p:spTree>
+      <p:nvGrpSpPr>
+        <p:cNvPr id="1" name=""/>
+        <p:cNvGrpSpPr/>
+        <p:nvPr/>
+      </p:nvGrpSpPr>
+      <p:grpSpPr>
+        <a:xfrm>
+          <a:off x="0" y="0"/>
+          <a:ext cx="0" cy="0"/>
+          <a:chOff x="0" y="0"/>
+          <a:chExt cx="0" cy="0"/>
+        </a:xfrm>
+      </p:grpSpPr>
+      <p:sp>
+        <p:nvSpPr>
+          <p:cNvPr id="2" name="幻灯片图像占位符 1"/>
+          <p:cNvSpPr>
+            <a:spLocks noGrp="1" noRot="1" noChangeAspect="1"/>
+          </p:cNvSpPr>
+          <p:nvPr>
+            <p:ph type="sldImg"/>
+          </p:nvPr>
+        </p:nvSpPr>
+        <p:spPr/>
+      </p:sp>
+      <p:sp>
+        <p:nvSpPr>
+          <p:cNvPr id="3" name="备注占位符 2"/>
+          <p:cNvSpPr>
+            <a:spLocks noGrp="1"/>
+          </p:cNvSpPr>
+          <p:nvPr>
+            <p:ph type="body" idx="1"/>
+          </p:nvPr>
+        </p:nvSpPr>
+        <p:spPr/>
+        <p:txBody>
+          <a:bodyPr/>
+          <a:lstStyle/>
+          <a:p>
+            <a:endParaRPr lang="zh-CN" altLang="en-US" dirty="0"/>
+          </a:p>
+        </p:txBody>
+      </p:sp>
+      <p:sp>
+        <p:nvSpPr>
+          <p:cNvPr id="4" name="灯片编号占位符 3"/>
+          <p:cNvSpPr>
+            <a:spLocks noGrp="1"/>
+          </p:cNvSpPr>
+          <p:nvPr>
+            <p:ph type="sldNum" sz="quarter" idx="5"/>
+          </p:nvPr>
+        </p:nvSpPr>
+        <p:spPr/>
+        <p:txBody>
+          <a:bodyPr/>
+          <a:lstStyle/>
+          <a:p>
+            <a:fld id="{3E01422B-FC40-4DBC-8F7B-C5ECCE81D261}" type="slidenum">
+              <a:rPr lang="zh-CN" altLang="en-US" smtClean="0"/>
+              <a:t>32</a:t>
+            </a:fld>
+            <a:endParaRPr lang="zh-CN" altLang="en-US"/>
+          </a:p>
+        </p:txBody>
+      </p:sp>
+    </p:spTree>
+    <p:extLst>
+      <p:ext uri="{BB962C8B-B14F-4D97-AF65-F5344CB8AC3E}">
+        <p14:creationId xmlns:p14="http://schemas.microsoft.com/office/powerpoint/2010/main" val="3746046815"/>
+      </p:ext>
+    </p:extLst>
+  </p:cSld>
+  <p:clrMapOvr>
+    <a:masterClrMapping/>
+  </p:clrMapOvr>
+</p:notes>
+</file>
+
 <file path=ppt/slideLayouts/slideLayout1.xml><?xml version="1.0" encoding="utf-8"?>
 <p:sldLayout xmlns:a="http://schemas.openxmlformats.org/drawingml/2006/main" xmlns:r="http://schemas.openxmlformats.org/officeDocument/2006/relationships" xmlns:p="http://schemas.openxmlformats.org/presentationml/2006/main" type="title" preserve="1">
   <p:cSld name="标题幻灯片">
@@ -758,7 +844,7 @@
           <a:p>
             <a:fld id="{5AD20816-3703-4B36-A03B-6CEA84674823}" type="datetimeFigureOut">
               <a:rPr lang="zh-CN" altLang="en-US" smtClean="0"/>
-              <a:t>2020/7/21</a:t>
+              <a:t>2020/7/23</a:t>
             </a:fld>
             <a:endParaRPr lang="zh-CN" altLang="en-US"/>
           </a:p>
@@ -921,7 +1007,7 @@
           <a:p>
             <a:fld id="{5AD20816-3703-4B36-A03B-6CEA84674823}" type="datetimeFigureOut">
               <a:rPr lang="zh-CN" altLang="en-US" smtClean="0"/>
-              <a:t>2020/7/21</a:t>
+              <a:t>2020/7/23</a:t>
             </a:fld>
             <a:endParaRPr lang="zh-CN" altLang="en-US"/>
           </a:p>
@@ -1094,7 +1180,7 @@
           <a:p>
             <a:fld id="{5AD20816-3703-4B36-A03B-6CEA84674823}" type="datetimeFigureOut">
               <a:rPr lang="zh-CN" altLang="en-US" smtClean="0"/>
-              <a:t>2020/7/21</a:t>
+              <a:t>2020/7/23</a:t>
             </a:fld>
             <a:endParaRPr lang="zh-CN" altLang="en-US"/>
           </a:p>
@@ -1257,7 +1343,7 @@
           <a:p>
             <a:fld id="{5AD20816-3703-4B36-A03B-6CEA84674823}" type="datetimeFigureOut">
               <a:rPr lang="zh-CN" altLang="en-US" smtClean="0"/>
-              <a:t>2020/7/21</a:t>
+              <a:t>2020/7/23</a:t>
             </a:fld>
             <a:endParaRPr lang="zh-CN" altLang="en-US"/>
           </a:p>
@@ -1497,7 +1583,7 @@
           <a:p>
             <a:fld id="{5AD20816-3703-4B36-A03B-6CEA84674823}" type="datetimeFigureOut">
               <a:rPr lang="zh-CN" altLang="en-US" smtClean="0"/>
-              <a:t>2020/7/21</a:t>
+              <a:t>2020/7/23</a:t>
             </a:fld>
             <a:endParaRPr lang="zh-CN" altLang="en-US"/>
           </a:p>
@@ -1721,7 +1807,7 @@
           <a:p>
             <a:fld id="{5AD20816-3703-4B36-A03B-6CEA84674823}" type="datetimeFigureOut">
               <a:rPr lang="zh-CN" altLang="en-US" smtClean="0"/>
-              <a:t>2020/7/21</a:t>
+              <a:t>2020/7/23</a:t>
             </a:fld>
             <a:endParaRPr lang="zh-CN" altLang="en-US"/>
           </a:p>
@@ -2080,7 +2166,7 @@
           <a:p>
             <a:fld id="{5AD20816-3703-4B36-A03B-6CEA84674823}" type="datetimeFigureOut">
               <a:rPr lang="zh-CN" altLang="en-US" smtClean="0"/>
-              <a:t>2020/7/21</a:t>
+              <a:t>2020/7/23</a:t>
             </a:fld>
             <a:endParaRPr lang="zh-CN" altLang="en-US"/>
           </a:p>
@@ -2192,7 +2278,7 @@
           <a:p>
             <a:fld id="{5AD20816-3703-4B36-A03B-6CEA84674823}" type="datetimeFigureOut">
               <a:rPr lang="zh-CN" altLang="en-US" smtClean="0"/>
-              <a:t>2020/7/21</a:t>
+              <a:t>2020/7/23</a:t>
             </a:fld>
             <a:endParaRPr lang="zh-CN" altLang="en-US"/>
           </a:p>
@@ -2282,7 +2368,7 @@
           <a:p>
             <a:fld id="{5AD20816-3703-4B36-A03B-6CEA84674823}" type="datetimeFigureOut">
               <a:rPr lang="zh-CN" altLang="en-US" smtClean="0"/>
-              <a:t>2020/7/21</a:t>
+              <a:t>2020/7/23</a:t>
             </a:fld>
             <a:endParaRPr lang="zh-CN" altLang="en-US"/>
           </a:p>
@@ -2552,7 +2638,7 @@
           <a:p>
             <a:fld id="{5AD20816-3703-4B36-A03B-6CEA84674823}" type="datetimeFigureOut">
               <a:rPr lang="zh-CN" altLang="en-US" smtClean="0"/>
-              <a:t>2020/7/21</a:t>
+              <a:t>2020/7/23</a:t>
             </a:fld>
             <a:endParaRPr lang="zh-CN" altLang="en-US"/>
           </a:p>
@@ -2799,7 +2885,7 @@
           <a:p>
             <a:fld id="{5AD20816-3703-4B36-A03B-6CEA84674823}" type="datetimeFigureOut">
               <a:rPr lang="zh-CN" altLang="en-US" smtClean="0"/>
-              <a:t>2020/7/21</a:t>
+              <a:t>2020/7/23</a:t>
             </a:fld>
             <a:endParaRPr lang="zh-CN" altLang="en-US"/>
           </a:p>
@@ -3005,7 +3091,7 @@
           <a:p>
             <a:fld id="{5AD20816-3703-4B36-A03B-6CEA84674823}" type="datetimeFigureOut">
               <a:rPr lang="zh-CN" altLang="en-US" smtClean="0"/>
-              <a:t>2020/7/21</a:t>
+              <a:t>2020/7/23</a:t>
             </a:fld>
             <a:endParaRPr lang="zh-CN" altLang="en-US"/>
           </a:p>
@@ -24945,6 +25031,2707 @@
     <p:extLst>
       <p:ext uri="{BB962C8B-B14F-4D97-AF65-F5344CB8AC3E}">
         <p14:creationId xmlns:p14="http://schemas.microsoft.com/office/powerpoint/2010/main" val="2221888122"/>
+      </p:ext>
+    </p:extLst>
+  </p:cSld>
+  <p:clrMapOvr>
+    <a:masterClrMapping/>
+  </p:clrMapOvr>
+</p:sld>
+</file>
+
+<file path=ppt/slides/slide32.xml><?xml version="1.0" encoding="utf-8"?>
+<p:sld xmlns:a="http://schemas.openxmlformats.org/drawingml/2006/main" xmlns:r="http://schemas.openxmlformats.org/officeDocument/2006/relationships" xmlns:p="http://schemas.openxmlformats.org/presentationml/2006/main">
+  <p:cSld>
+    <p:spTree>
+      <p:nvGrpSpPr>
+        <p:cNvPr id="1" name=""/>
+        <p:cNvGrpSpPr/>
+        <p:nvPr/>
+      </p:nvGrpSpPr>
+      <p:grpSpPr>
+        <a:xfrm>
+          <a:off x="0" y="0"/>
+          <a:ext cx="0" cy="0"/>
+          <a:chOff x="0" y="0"/>
+          <a:chExt cx="0" cy="0"/>
+        </a:xfrm>
+      </p:grpSpPr>
+      <p:sp>
+        <p:nvSpPr>
+          <p:cNvPr id="8" name="矩形 7">
+            <a:extLst>
+              <a:ext uri="{FF2B5EF4-FFF2-40B4-BE49-F238E27FC236}">
+                <a16:creationId xmlns:a16="http://schemas.microsoft.com/office/drawing/2014/main" id="{9476B6D5-0E24-40AC-B71F-0A89EA85178C}"/>
+              </a:ext>
+            </a:extLst>
+          </p:cNvPr>
+          <p:cNvSpPr/>
+          <p:nvPr/>
+        </p:nvSpPr>
+        <p:spPr>
+          <a:xfrm>
+            <a:off x="4198070" y="1244338"/>
+            <a:ext cx="4044087" cy="622169"/>
+          </a:xfrm>
+          <a:prstGeom prst="rect">
+            <a:avLst/>
+          </a:prstGeom>
+          <a:solidFill>
+            <a:schemeClr val="accent2"/>
+          </a:solidFill>
+        </p:spPr>
+        <p:style>
+          <a:lnRef idx="2">
+            <a:schemeClr val="accent1">
+              <a:shade val="50000"/>
+            </a:schemeClr>
+          </a:lnRef>
+          <a:fillRef idx="1">
+            <a:schemeClr val="accent1"/>
+          </a:fillRef>
+          <a:effectRef idx="0">
+            <a:schemeClr val="accent1"/>
+          </a:effectRef>
+          <a:fontRef idx="minor">
+            <a:schemeClr val="lt1"/>
+          </a:fontRef>
+        </p:style>
+        <p:txBody>
+          <a:bodyPr rtlCol="0" anchor="ctr"/>
+          <a:lstStyle/>
+          <a:p>
+            <a:pPr algn="ctr"/>
+            <a:r>
+              <a:rPr lang="zh-CN" altLang="en-US" dirty="0"/>
+              <a:t>登陆</a:t>
+            </a:r>
+          </a:p>
+        </p:txBody>
+      </p:sp>
+      <p:sp>
+        <p:nvSpPr>
+          <p:cNvPr id="9" name="矩形 8">
+            <a:extLst>
+              <a:ext uri="{FF2B5EF4-FFF2-40B4-BE49-F238E27FC236}">
+                <a16:creationId xmlns:a16="http://schemas.microsoft.com/office/drawing/2014/main" id="{8884481A-B7E9-49C9-BDE4-145B49258087}"/>
+              </a:ext>
+            </a:extLst>
+          </p:cNvPr>
+          <p:cNvSpPr/>
+          <p:nvPr/>
+        </p:nvSpPr>
+        <p:spPr>
+          <a:xfrm>
+            <a:off x="4198070" y="2045616"/>
+            <a:ext cx="4044087" cy="537328"/>
+          </a:xfrm>
+          <a:prstGeom prst="rect">
+            <a:avLst/>
+          </a:prstGeom>
+        </p:spPr>
+        <p:style>
+          <a:lnRef idx="2">
+            <a:schemeClr val="accent6">
+              <a:shade val="50000"/>
+            </a:schemeClr>
+          </a:lnRef>
+          <a:fillRef idx="1">
+            <a:schemeClr val="accent6"/>
+          </a:fillRef>
+          <a:effectRef idx="0">
+            <a:schemeClr val="accent6"/>
+          </a:effectRef>
+          <a:fontRef idx="minor">
+            <a:schemeClr val="lt1"/>
+          </a:fontRef>
+        </p:style>
+        <p:txBody>
+          <a:bodyPr rtlCol="0" anchor="ctr"/>
+          <a:lstStyle/>
+          <a:p>
+            <a:pPr algn="ctr"/>
+            <a:r>
+              <a:rPr lang="zh-CN" altLang="en-US" dirty="0"/>
+              <a:t>主菜单</a:t>
+            </a:r>
+          </a:p>
+        </p:txBody>
+      </p:sp>
+      <p:sp>
+        <p:nvSpPr>
+          <p:cNvPr id="10" name="矩形 9">
+            <a:extLst>
+              <a:ext uri="{FF2B5EF4-FFF2-40B4-BE49-F238E27FC236}">
+                <a16:creationId xmlns:a16="http://schemas.microsoft.com/office/drawing/2014/main" id="{0002BB5E-8066-44FC-8345-A82C68C75D52}"/>
+              </a:ext>
+            </a:extLst>
+          </p:cNvPr>
+          <p:cNvSpPr/>
+          <p:nvPr/>
+        </p:nvSpPr>
+        <p:spPr>
+          <a:xfrm>
+            <a:off x="2476886" y="2045616"/>
+            <a:ext cx="1223912" cy="537328"/>
+          </a:xfrm>
+          <a:prstGeom prst="rect">
+            <a:avLst/>
+          </a:prstGeom>
+          <a:solidFill>
+            <a:schemeClr val="accent2"/>
+          </a:solidFill>
+        </p:spPr>
+        <p:style>
+          <a:lnRef idx="2">
+            <a:schemeClr val="accent1">
+              <a:shade val="50000"/>
+            </a:schemeClr>
+          </a:lnRef>
+          <a:fillRef idx="1">
+            <a:schemeClr val="accent1"/>
+          </a:fillRef>
+          <a:effectRef idx="0">
+            <a:schemeClr val="accent1"/>
+          </a:effectRef>
+          <a:fontRef idx="minor">
+            <a:schemeClr val="lt1"/>
+          </a:fontRef>
+        </p:style>
+        <p:txBody>
+          <a:bodyPr rtlCol="0" anchor="ctr"/>
+          <a:lstStyle/>
+          <a:p>
+            <a:pPr algn="ctr"/>
+            <a:r>
+              <a:rPr lang="zh-CN" altLang="en-US" dirty="0"/>
+              <a:t>公告详情</a:t>
+            </a:r>
+          </a:p>
+        </p:txBody>
+      </p:sp>
+      <p:sp>
+        <p:nvSpPr>
+          <p:cNvPr id="11" name="矩形 10">
+            <a:extLst>
+              <a:ext uri="{FF2B5EF4-FFF2-40B4-BE49-F238E27FC236}">
+                <a16:creationId xmlns:a16="http://schemas.microsoft.com/office/drawing/2014/main" id="{07797F90-C34B-49E4-A12E-D350D012C389}"/>
+              </a:ext>
+            </a:extLst>
+          </p:cNvPr>
+          <p:cNvSpPr/>
+          <p:nvPr/>
+        </p:nvSpPr>
+        <p:spPr>
+          <a:xfrm>
+            <a:off x="8656948" y="2045616"/>
+            <a:ext cx="1706252" cy="537328"/>
+          </a:xfrm>
+          <a:prstGeom prst="rect">
+            <a:avLst/>
+          </a:prstGeom>
+          <a:solidFill>
+            <a:schemeClr val="accent2"/>
+          </a:solidFill>
+        </p:spPr>
+        <p:style>
+          <a:lnRef idx="2">
+            <a:schemeClr val="accent1">
+              <a:shade val="50000"/>
+            </a:schemeClr>
+          </a:lnRef>
+          <a:fillRef idx="1">
+            <a:schemeClr val="accent1"/>
+          </a:fillRef>
+          <a:effectRef idx="0">
+            <a:schemeClr val="accent1"/>
+          </a:effectRef>
+          <a:fontRef idx="minor">
+            <a:schemeClr val="lt1"/>
+          </a:fontRef>
+        </p:style>
+        <p:txBody>
+          <a:bodyPr rtlCol="0" anchor="ctr"/>
+          <a:lstStyle/>
+          <a:p>
+            <a:pPr algn="ctr"/>
+            <a:r>
+              <a:rPr lang="zh-CN" altLang="en-US" dirty="0"/>
+              <a:t>邮件</a:t>
+            </a:r>
+          </a:p>
+        </p:txBody>
+      </p:sp>
+      <p:sp>
+        <p:nvSpPr>
+          <p:cNvPr id="12" name="矩形 11">
+            <a:extLst>
+              <a:ext uri="{FF2B5EF4-FFF2-40B4-BE49-F238E27FC236}">
+                <a16:creationId xmlns:a16="http://schemas.microsoft.com/office/drawing/2014/main" id="{0148D86F-0504-4EA0-A75A-8419DF6D6F93}"/>
+              </a:ext>
+            </a:extLst>
+          </p:cNvPr>
+          <p:cNvSpPr/>
+          <p:nvPr/>
+        </p:nvSpPr>
+        <p:spPr>
+          <a:xfrm>
+            <a:off x="8656948" y="1414021"/>
+            <a:ext cx="1432874" cy="537328"/>
+          </a:xfrm>
+          <a:prstGeom prst="rect">
+            <a:avLst/>
+          </a:prstGeom>
+          <a:solidFill>
+            <a:schemeClr val="accent2"/>
+          </a:solidFill>
+        </p:spPr>
+        <p:style>
+          <a:lnRef idx="2">
+            <a:schemeClr val="accent1">
+              <a:shade val="50000"/>
+            </a:schemeClr>
+          </a:lnRef>
+          <a:fillRef idx="1">
+            <a:schemeClr val="accent1"/>
+          </a:fillRef>
+          <a:effectRef idx="0">
+            <a:schemeClr val="accent1"/>
+          </a:effectRef>
+          <a:fontRef idx="minor">
+            <a:schemeClr val="lt1"/>
+          </a:fontRef>
+        </p:style>
+        <p:txBody>
+          <a:bodyPr rtlCol="0" anchor="ctr"/>
+          <a:lstStyle/>
+          <a:p>
+            <a:pPr algn="ctr"/>
+            <a:r>
+              <a:rPr lang="zh-CN" altLang="en-US" dirty="0"/>
+              <a:t>好友列表</a:t>
+            </a:r>
+          </a:p>
+        </p:txBody>
+      </p:sp>
+      <p:sp>
+        <p:nvSpPr>
+          <p:cNvPr id="13" name="矩形 12">
+            <a:extLst>
+              <a:ext uri="{FF2B5EF4-FFF2-40B4-BE49-F238E27FC236}">
+                <a16:creationId xmlns:a16="http://schemas.microsoft.com/office/drawing/2014/main" id="{57F4E57F-79A4-497A-8285-5987A1669918}"/>
+              </a:ext>
+            </a:extLst>
+          </p:cNvPr>
+          <p:cNvSpPr/>
+          <p:nvPr/>
+        </p:nvSpPr>
+        <p:spPr>
+          <a:xfrm>
+            <a:off x="1822515" y="2818614"/>
+            <a:ext cx="1706252" cy="537328"/>
+          </a:xfrm>
+          <a:prstGeom prst="rect">
+            <a:avLst/>
+          </a:prstGeom>
+        </p:spPr>
+        <p:style>
+          <a:lnRef idx="2">
+            <a:schemeClr val="accent2">
+              <a:shade val="50000"/>
+            </a:schemeClr>
+          </a:lnRef>
+          <a:fillRef idx="1">
+            <a:schemeClr val="accent2"/>
+          </a:fillRef>
+          <a:effectRef idx="0">
+            <a:schemeClr val="accent2"/>
+          </a:effectRef>
+          <a:fontRef idx="minor">
+            <a:schemeClr val="lt1"/>
+          </a:fontRef>
+        </p:style>
+        <p:txBody>
+          <a:bodyPr rtlCol="0" anchor="ctr"/>
+          <a:lstStyle/>
+          <a:p>
+            <a:pPr algn="ctr"/>
+            <a:r>
+              <a:rPr lang="zh-CN" altLang="en-US" dirty="0"/>
+              <a:t>关卡</a:t>
+            </a:r>
+          </a:p>
+        </p:txBody>
+      </p:sp>
+      <p:sp>
+        <p:nvSpPr>
+          <p:cNvPr id="14" name="矩形 13">
+            <a:extLst>
+              <a:ext uri="{FF2B5EF4-FFF2-40B4-BE49-F238E27FC236}">
+                <a16:creationId xmlns:a16="http://schemas.microsoft.com/office/drawing/2014/main" id="{C00D4567-3C64-4918-A9E3-D6EC33E6CE6B}"/>
+              </a:ext>
+            </a:extLst>
+          </p:cNvPr>
+          <p:cNvSpPr/>
+          <p:nvPr/>
+        </p:nvSpPr>
+        <p:spPr>
+          <a:xfrm>
+            <a:off x="4264058" y="2818613"/>
+            <a:ext cx="1706252" cy="999221"/>
+          </a:xfrm>
+          <a:prstGeom prst="rect">
+            <a:avLst/>
+          </a:prstGeom>
+        </p:spPr>
+        <p:style>
+          <a:lnRef idx="2">
+            <a:schemeClr val="accent2">
+              <a:shade val="50000"/>
+            </a:schemeClr>
+          </a:lnRef>
+          <a:fillRef idx="1">
+            <a:schemeClr val="accent2"/>
+          </a:fillRef>
+          <a:effectRef idx="0">
+            <a:schemeClr val="accent2"/>
+          </a:effectRef>
+          <a:fontRef idx="minor">
+            <a:schemeClr val="lt1"/>
+          </a:fontRef>
+        </p:style>
+        <p:txBody>
+          <a:bodyPr rtlCol="0" anchor="t"/>
+          <a:lstStyle/>
+          <a:p>
+            <a:pPr algn="ctr"/>
+            <a:r>
+              <a:rPr lang="zh-CN" altLang="en-US" dirty="0"/>
+              <a:t>商店</a:t>
+            </a:r>
+          </a:p>
+        </p:txBody>
+      </p:sp>
+      <p:sp>
+        <p:nvSpPr>
+          <p:cNvPr id="15" name="矩形 14">
+            <a:extLst>
+              <a:ext uri="{FF2B5EF4-FFF2-40B4-BE49-F238E27FC236}">
+                <a16:creationId xmlns:a16="http://schemas.microsoft.com/office/drawing/2014/main" id="{441CE295-F32C-4FC5-810B-60ADE2889CC4}"/>
+              </a:ext>
+            </a:extLst>
+          </p:cNvPr>
+          <p:cNvSpPr/>
+          <p:nvPr/>
+        </p:nvSpPr>
+        <p:spPr>
+          <a:xfrm>
+            <a:off x="6130565" y="2818613"/>
+            <a:ext cx="2102178" cy="999227"/>
+          </a:xfrm>
+          <a:prstGeom prst="rect">
+            <a:avLst/>
+          </a:prstGeom>
+        </p:spPr>
+        <p:style>
+          <a:lnRef idx="2">
+            <a:schemeClr val="accent2">
+              <a:shade val="50000"/>
+            </a:schemeClr>
+          </a:lnRef>
+          <a:fillRef idx="1">
+            <a:schemeClr val="accent2"/>
+          </a:fillRef>
+          <a:effectRef idx="0">
+            <a:schemeClr val="accent2"/>
+          </a:effectRef>
+          <a:fontRef idx="minor">
+            <a:schemeClr val="lt1"/>
+          </a:fontRef>
+        </p:style>
+        <p:txBody>
+          <a:bodyPr rtlCol="0" anchor="t"/>
+          <a:lstStyle/>
+          <a:p>
+            <a:pPr algn="ctr"/>
+            <a:r>
+              <a:rPr lang="zh-CN" altLang="en-US" dirty="0"/>
+              <a:t>背包</a:t>
+            </a:r>
+          </a:p>
+        </p:txBody>
+      </p:sp>
+      <p:sp>
+        <p:nvSpPr>
+          <p:cNvPr id="16" name="矩形 15">
+            <a:extLst>
+              <a:ext uri="{FF2B5EF4-FFF2-40B4-BE49-F238E27FC236}">
+                <a16:creationId xmlns:a16="http://schemas.microsoft.com/office/drawing/2014/main" id="{A48188DA-92C6-4B47-988B-0C89278E3FD1}"/>
+              </a:ext>
+            </a:extLst>
+          </p:cNvPr>
+          <p:cNvSpPr/>
+          <p:nvPr/>
+        </p:nvSpPr>
+        <p:spPr>
+          <a:xfrm>
+            <a:off x="8949179" y="2818614"/>
+            <a:ext cx="1809947" cy="537328"/>
+          </a:xfrm>
+          <a:prstGeom prst="rect">
+            <a:avLst/>
+          </a:prstGeom>
+          <a:solidFill>
+            <a:schemeClr val="tx1">
+              <a:lumMod val="75000"/>
+              <a:lumOff val="25000"/>
+            </a:schemeClr>
+          </a:solidFill>
+        </p:spPr>
+        <p:style>
+          <a:lnRef idx="2">
+            <a:schemeClr val="accent3">
+              <a:shade val="50000"/>
+            </a:schemeClr>
+          </a:lnRef>
+          <a:fillRef idx="1">
+            <a:schemeClr val="accent3"/>
+          </a:fillRef>
+          <a:effectRef idx="0">
+            <a:schemeClr val="accent3"/>
+          </a:effectRef>
+          <a:fontRef idx="minor">
+            <a:schemeClr val="lt1"/>
+          </a:fontRef>
+        </p:style>
+        <p:txBody>
+          <a:bodyPr rtlCol="0" anchor="ctr"/>
+          <a:lstStyle/>
+          <a:p>
+            <a:pPr algn="ctr"/>
+            <a:r>
+              <a:rPr lang="zh-CN" altLang="en-US" dirty="0"/>
+              <a:t>任务</a:t>
+            </a:r>
+          </a:p>
+        </p:txBody>
+      </p:sp>
+      <p:sp>
+        <p:nvSpPr>
+          <p:cNvPr id="17" name="矩形 16">
+            <a:extLst>
+              <a:ext uri="{FF2B5EF4-FFF2-40B4-BE49-F238E27FC236}">
+                <a16:creationId xmlns:a16="http://schemas.microsoft.com/office/drawing/2014/main" id="{30F152AD-2486-4E56-8B2C-BA44C48A19AD}"/>
+              </a:ext>
+            </a:extLst>
+          </p:cNvPr>
+          <p:cNvSpPr/>
+          <p:nvPr/>
+        </p:nvSpPr>
+        <p:spPr>
+          <a:xfrm>
+            <a:off x="1162639" y="3780148"/>
+            <a:ext cx="961534" cy="537328"/>
+          </a:xfrm>
+          <a:prstGeom prst="rect">
+            <a:avLst/>
+          </a:prstGeom>
+        </p:spPr>
+        <p:style>
+          <a:lnRef idx="2">
+            <a:schemeClr val="accent6">
+              <a:shade val="50000"/>
+            </a:schemeClr>
+          </a:lnRef>
+          <a:fillRef idx="1">
+            <a:schemeClr val="accent6"/>
+          </a:fillRef>
+          <a:effectRef idx="0">
+            <a:schemeClr val="accent6"/>
+          </a:effectRef>
+          <a:fontRef idx="minor">
+            <a:schemeClr val="lt1"/>
+          </a:fontRef>
+        </p:style>
+        <p:txBody>
+          <a:bodyPr rtlCol="0" anchor="ctr"/>
+          <a:lstStyle/>
+          <a:p>
+            <a:pPr algn="ctr"/>
+            <a:r>
+              <a:rPr lang="zh-CN" altLang="en-US" dirty="0"/>
+              <a:t>主线</a:t>
+            </a:r>
+          </a:p>
+        </p:txBody>
+      </p:sp>
+      <p:sp>
+        <p:nvSpPr>
+          <p:cNvPr id="18" name="矩形 17">
+            <a:extLst>
+              <a:ext uri="{FF2B5EF4-FFF2-40B4-BE49-F238E27FC236}">
+                <a16:creationId xmlns:a16="http://schemas.microsoft.com/office/drawing/2014/main" id="{96EA0834-9B78-4298-A468-D463B592A489}"/>
+              </a:ext>
+            </a:extLst>
+          </p:cNvPr>
+          <p:cNvSpPr/>
+          <p:nvPr/>
+        </p:nvSpPr>
+        <p:spPr>
+          <a:xfrm>
+            <a:off x="2340990" y="3780148"/>
+            <a:ext cx="1750236" cy="537328"/>
+          </a:xfrm>
+          <a:prstGeom prst="rect">
+            <a:avLst/>
+          </a:prstGeom>
+          <a:solidFill>
+            <a:schemeClr val="tx1">
+              <a:lumMod val="75000"/>
+              <a:lumOff val="25000"/>
+            </a:schemeClr>
+          </a:solidFill>
+        </p:spPr>
+        <p:style>
+          <a:lnRef idx="2">
+            <a:schemeClr val="accent3">
+              <a:shade val="50000"/>
+            </a:schemeClr>
+          </a:lnRef>
+          <a:fillRef idx="1">
+            <a:schemeClr val="accent3"/>
+          </a:fillRef>
+          <a:effectRef idx="0">
+            <a:schemeClr val="accent3"/>
+          </a:effectRef>
+          <a:fontRef idx="minor">
+            <a:schemeClr val="lt1"/>
+          </a:fontRef>
+        </p:style>
+        <p:txBody>
+          <a:bodyPr rtlCol="0" anchor="ctr"/>
+          <a:lstStyle/>
+          <a:p>
+            <a:pPr algn="ctr"/>
+            <a:r>
+              <a:rPr lang="zh-CN" altLang="en-US" dirty="0"/>
+              <a:t>活动追加副本</a:t>
+            </a:r>
+          </a:p>
+        </p:txBody>
+      </p:sp>
+      <p:sp>
+        <p:nvSpPr>
+          <p:cNvPr id="20" name="矩形 19">
+            <a:extLst>
+              <a:ext uri="{FF2B5EF4-FFF2-40B4-BE49-F238E27FC236}">
+                <a16:creationId xmlns:a16="http://schemas.microsoft.com/office/drawing/2014/main" id="{38CAEAA3-8F18-477A-9335-260E6CF7B2CD}"/>
+              </a:ext>
+            </a:extLst>
+          </p:cNvPr>
+          <p:cNvSpPr/>
+          <p:nvPr/>
+        </p:nvSpPr>
+        <p:spPr>
+          <a:xfrm>
+            <a:off x="974103" y="4666268"/>
+            <a:ext cx="3289955" cy="603315"/>
+          </a:xfrm>
+          <a:prstGeom prst="rect">
+            <a:avLst/>
+          </a:prstGeom>
+        </p:spPr>
+        <p:style>
+          <a:lnRef idx="2">
+            <a:schemeClr val="accent1">
+              <a:shade val="50000"/>
+            </a:schemeClr>
+          </a:lnRef>
+          <a:fillRef idx="1">
+            <a:schemeClr val="accent1"/>
+          </a:fillRef>
+          <a:effectRef idx="0">
+            <a:schemeClr val="accent1"/>
+          </a:effectRef>
+          <a:fontRef idx="minor">
+            <a:schemeClr val="lt1"/>
+          </a:fontRef>
+        </p:style>
+        <p:txBody>
+          <a:bodyPr rtlCol="0" anchor="ctr"/>
+          <a:lstStyle/>
+          <a:p>
+            <a:pPr algn="ctr"/>
+            <a:r>
+              <a:rPr lang="zh-CN" altLang="en-US" dirty="0"/>
+              <a:t>战前准备</a:t>
+            </a:r>
+          </a:p>
+        </p:txBody>
+      </p:sp>
+      <p:sp>
+        <p:nvSpPr>
+          <p:cNvPr id="21" name="矩形 20">
+            <a:extLst>
+              <a:ext uri="{FF2B5EF4-FFF2-40B4-BE49-F238E27FC236}">
+                <a16:creationId xmlns:a16="http://schemas.microsoft.com/office/drawing/2014/main" id="{658F774E-9522-41EC-9E8E-46F8820AA624}"/>
+              </a:ext>
+            </a:extLst>
+          </p:cNvPr>
+          <p:cNvSpPr/>
+          <p:nvPr/>
+        </p:nvSpPr>
+        <p:spPr>
+          <a:xfrm>
+            <a:off x="974104" y="5866673"/>
+            <a:ext cx="3304742" cy="524720"/>
+          </a:xfrm>
+          <a:prstGeom prst="rect">
+            <a:avLst/>
+          </a:prstGeom>
+        </p:spPr>
+        <p:style>
+          <a:lnRef idx="2">
+            <a:schemeClr val="accent2">
+              <a:shade val="50000"/>
+            </a:schemeClr>
+          </a:lnRef>
+          <a:fillRef idx="1">
+            <a:schemeClr val="accent2"/>
+          </a:fillRef>
+          <a:effectRef idx="0">
+            <a:schemeClr val="accent2"/>
+          </a:effectRef>
+          <a:fontRef idx="minor">
+            <a:schemeClr val="lt1"/>
+          </a:fontRef>
+        </p:style>
+        <p:txBody>
+          <a:bodyPr rtlCol="0" anchor="ctr"/>
+          <a:lstStyle/>
+          <a:p>
+            <a:pPr algn="ctr"/>
+            <a:r>
+              <a:rPr lang="zh-CN" altLang="en-US" dirty="0"/>
+              <a:t>战斗结算</a:t>
+            </a:r>
+          </a:p>
+        </p:txBody>
+      </p:sp>
+      <p:sp>
+        <p:nvSpPr>
+          <p:cNvPr id="22" name="矩形 21">
+            <a:extLst>
+              <a:ext uri="{FF2B5EF4-FFF2-40B4-BE49-F238E27FC236}">
+                <a16:creationId xmlns:a16="http://schemas.microsoft.com/office/drawing/2014/main" id="{3AC9BBDD-8BC2-4AAC-9396-89C660185AE9}"/>
+              </a:ext>
+            </a:extLst>
+          </p:cNvPr>
+          <p:cNvSpPr/>
+          <p:nvPr/>
+        </p:nvSpPr>
+        <p:spPr>
+          <a:xfrm>
+            <a:off x="4339472" y="3404287"/>
+            <a:ext cx="641023" cy="537328"/>
+          </a:xfrm>
+          <a:prstGeom prst="rect">
+            <a:avLst/>
+          </a:prstGeom>
+        </p:spPr>
+        <p:style>
+          <a:lnRef idx="2">
+            <a:schemeClr val="accent2">
+              <a:shade val="50000"/>
+            </a:schemeClr>
+          </a:lnRef>
+          <a:fillRef idx="1">
+            <a:schemeClr val="accent2"/>
+          </a:fillRef>
+          <a:effectRef idx="0">
+            <a:schemeClr val="accent2"/>
+          </a:effectRef>
+          <a:fontRef idx="minor">
+            <a:schemeClr val="lt1"/>
+          </a:fontRef>
+        </p:style>
+        <p:txBody>
+          <a:bodyPr rtlCol="0" anchor="ctr"/>
+          <a:lstStyle/>
+          <a:p>
+            <a:pPr algn="ctr"/>
+            <a:r>
+              <a:rPr lang="zh-CN" altLang="en-US" dirty="0"/>
+              <a:t>抽卡界面</a:t>
+            </a:r>
+          </a:p>
+        </p:txBody>
+      </p:sp>
+      <p:sp>
+        <p:nvSpPr>
+          <p:cNvPr id="23" name="矩形 22">
+            <a:extLst>
+              <a:ext uri="{FF2B5EF4-FFF2-40B4-BE49-F238E27FC236}">
+                <a16:creationId xmlns:a16="http://schemas.microsoft.com/office/drawing/2014/main" id="{6885DB80-40EA-46FE-B187-1BF10D747ABD}"/>
+              </a:ext>
+            </a:extLst>
+          </p:cNvPr>
+          <p:cNvSpPr/>
+          <p:nvPr/>
+        </p:nvSpPr>
+        <p:spPr>
+          <a:xfrm>
+            <a:off x="5203588" y="3404287"/>
+            <a:ext cx="678731" cy="537328"/>
+          </a:xfrm>
+          <a:prstGeom prst="rect">
+            <a:avLst/>
+          </a:prstGeom>
+        </p:spPr>
+        <p:style>
+          <a:lnRef idx="2">
+            <a:schemeClr val="accent2">
+              <a:shade val="50000"/>
+            </a:schemeClr>
+          </a:lnRef>
+          <a:fillRef idx="1">
+            <a:schemeClr val="accent2"/>
+          </a:fillRef>
+          <a:effectRef idx="0">
+            <a:schemeClr val="accent2"/>
+          </a:effectRef>
+          <a:fontRef idx="minor">
+            <a:schemeClr val="lt1"/>
+          </a:fontRef>
+        </p:style>
+        <p:txBody>
+          <a:bodyPr rtlCol="0" anchor="ctr"/>
+          <a:lstStyle/>
+          <a:p>
+            <a:pPr algn="ctr"/>
+            <a:r>
+              <a:rPr lang="zh-CN" altLang="en-US" dirty="0"/>
+              <a:t>购买界面</a:t>
+            </a:r>
+          </a:p>
+        </p:txBody>
+      </p:sp>
+      <p:sp>
+        <p:nvSpPr>
+          <p:cNvPr id="25" name="矩形 24">
+            <a:extLst>
+              <a:ext uri="{FF2B5EF4-FFF2-40B4-BE49-F238E27FC236}">
+                <a16:creationId xmlns:a16="http://schemas.microsoft.com/office/drawing/2014/main" id="{2C2F44ED-94A8-47B6-B1E1-A0D3CE721D10}"/>
+              </a:ext>
+            </a:extLst>
+          </p:cNvPr>
+          <p:cNvSpPr/>
+          <p:nvPr/>
+        </p:nvSpPr>
+        <p:spPr>
+          <a:xfrm>
+            <a:off x="6149419" y="3139124"/>
+            <a:ext cx="367646" cy="1112363"/>
+          </a:xfrm>
+          <a:prstGeom prst="rect">
+            <a:avLst/>
+          </a:prstGeom>
+        </p:spPr>
+        <p:style>
+          <a:lnRef idx="2">
+            <a:schemeClr val="dk1">
+              <a:shade val="50000"/>
+            </a:schemeClr>
+          </a:lnRef>
+          <a:fillRef idx="1">
+            <a:schemeClr val="dk1"/>
+          </a:fillRef>
+          <a:effectRef idx="0">
+            <a:schemeClr val="dk1"/>
+          </a:effectRef>
+          <a:fontRef idx="minor">
+            <a:schemeClr val="lt1"/>
+          </a:fontRef>
+        </p:style>
+        <p:txBody>
+          <a:bodyPr rtlCol="0" anchor="ctr"/>
+          <a:lstStyle/>
+          <a:p>
+            <a:pPr algn="ctr"/>
+            <a:r>
+              <a:rPr lang="zh-CN" altLang="en-US" dirty="0"/>
+              <a:t>图鉴</a:t>
+            </a:r>
+          </a:p>
+        </p:txBody>
+      </p:sp>
+      <p:sp>
+        <p:nvSpPr>
+          <p:cNvPr id="26" name="矩形 25">
+            <a:extLst>
+              <a:ext uri="{FF2B5EF4-FFF2-40B4-BE49-F238E27FC236}">
+                <a16:creationId xmlns:a16="http://schemas.microsoft.com/office/drawing/2014/main" id="{E73A9E70-3A9A-4714-835C-2302822F549C}"/>
+              </a:ext>
+            </a:extLst>
+          </p:cNvPr>
+          <p:cNvSpPr/>
+          <p:nvPr/>
+        </p:nvSpPr>
+        <p:spPr>
+          <a:xfrm>
+            <a:off x="7120380" y="3154106"/>
+            <a:ext cx="358219" cy="1206631"/>
+          </a:xfrm>
+          <a:prstGeom prst="rect">
+            <a:avLst/>
+          </a:prstGeom>
+        </p:spPr>
+        <p:style>
+          <a:lnRef idx="2">
+            <a:schemeClr val="accent6">
+              <a:shade val="50000"/>
+            </a:schemeClr>
+          </a:lnRef>
+          <a:fillRef idx="1">
+            <a:schemeClr val="accent6"/>
+          </a:fillRef>
+          <a:effectRef idx="0">
+            <a:schemeClr val="accent6"/>
+          </a:effectRef>
+          <a:fontRef idx="minor">
+            <a:schemeClr val="lt1"/>
+          </a:fontRef>
+        </p:style>
+        <p:txBody>
+          <a:bodyPr rtlCol="0" anchor="ctr"/>
+          <a:lstStyle/>
+          <a:p>
+            <a:pPr algn="ctr"/>
+            <a:r>
+              <a:rPr lang="zh-CN" altLang="en-US" dirty="0"/>
+              <a:t>角色仓库</a:t>
+            </a:r>
+          </a:p>
+        </p:txBody>
+      </p:sp>
+      <p:sp>
+        <p:nvSpPr>
+          <p:cNvPr id="27" name="矩形 26">
+            <a:extLst>
+              <a:ext uri="{FF2B5EF4-FFF2-40B4-BE49-F238E27FC236}">
+                <a16:creationId xmlns:a16="http://schemas.microsoft.com/office/drawing/2014/main" id="{E966729C-588F-4745-AAA8-DD1FA6A555B1}"/>
+              </a:ext>
+            </a:extLst>
+          </p:cNvPr>
+          <p:cNvSpPr/>
+          <p:nvPr/>
+        </p:nvSpPr>
+        <p:spPr>
+          <a:xfrm>
+            <a:off x="7554011" y="3148550"/>
+            <a:ext cx="678718" cy="537328"/>
+          </a:xfrm>
+          <a:prstGeom prst="rect">
+            <a:avLst/>
+          </a:prstGeom>
+        </p:spPr>
+        <p:style>
+          <a:lnRef idx="2">
+            <a:schemeClr val="accent2">
+              <a:shade val="50000"/>
+            </a:schemeClr>
+          </a:lnRef>
+          <a:fillRef idx="1">
+            <a:schemeClr val="accent2"/>
+          </a:fillRef>
+          <a:effectRef idx="0">
+            <a:schemeClr val="accent2"/>
+          </a:effectRef>
+          <a:fontRef idx="minor">
+            <a:schemeClr val="lt1"/>
+          </a:fontRef>
+        </p:style>
+        <p:txBody>
+          <a:bodyPr rtlCol="0" anchor="ctr"/>
+          <a:lstStyle/>
+          <a:p>
+            <a:pPr algn="ctr"/>
+            <a:r>
+              <a:rPr lang="zh-CN" altLang="en-US" dirty="0"/>
+              <a:t>道具仓库</a:t>
+            </a:r>
+          </a:p>
+        </p:txBody>
+      </p:sp>
+      <p:sp>
+        <p:nvSpPr>
+          <p:cNvPr id="28" name="矩形 27">
+            <a:extLst>
+              <a:ext uri="{FF2B5EF4-FFF2-40B4-BE49-F238E27FC236}">
+                <a16:creationId xmlns:a16="http://schemas.microsoft.com/office/drawing/2014/main" id="{7EC813AD-4D44-4FDE-8ADE-80DCDF41D5B1}"/>
+              </a:ext>
+            </a:extLst>
+          </p:cNvPr>
+          <p:cNvSpPr/>
+          <p:nvPr/>
+        </p:nvSpPr>
+        <p:spPr>
+          <a:xfrm>
+            <a:off x="6733893" y="5279010"/>
+            <a:ext cx="735291" cy="603315"/>
+          </a:xfrm>
+          <a:prstGeom prst="rect">
+            <a:avLst/>
+          </a:prstGeom>
+        </p:spPr>
+        <p:style>
+          <a:lnRef idx="2">
+            <a:schemeClr val="accent1">
+              <a:shade val="50000"/>
+            </a:schemeClr>
+          </a:lnRef>
+          <a:fillRef idx="1">
+            <a:schemeClr val="accent1"/>
+          </a:fillRef>
+          <a:effectRef idx="0">
+            <a:schemeClr val="accent1"/>
+          </a:effectRef>
+          <a:fontRef idx="minor">
+            <a:schemeClr val="lt1"/>
+          </a:fontRef>
+        </p:style>
+        <p:txBody>
+          <a:bodyPr rtlCol="0" anchor="ctr"/>
+          <a:lstStyle/>
+          <a:p>
+            <a:pPr algn="ctr"/>
+            <a:r>
+              <a:rPr lang="zh-CN" altLang="en-US" dirty="0"/>
+              <a:t>角色详情</a:t>
+            </a:r>
+          </a:p>
+        </p:txBody>
+      </p:sp>
+      <p:sp>
+        <p:nvSpPr>
+          <p:cNvPr id="29" name="矩形 28">
+            <a:extLst>
+              <a:ext uri="{FF2B5EF4-FFF2-40B4-BE49-F238E27FC236}">
+                <a16:creationId xmlns:a16="http://schemas.microsoft.com/office/drawing/2014/main" id="{945D9571-6C3F-4A5C-A5F6-77DDA419C73F}"/>
+              </a:ext>
+            </a:extLst>
+          </p:cNvPr>
+          <p:cNvSpPr/>
+          <p:nvPr/>
+        </p:nvSpPr>
+        <p:spPr>
+          <a:xfrm>
+            <a:off x="7563439" y="4317476"/>
+            <a:ext cx="669303" cy="603315"/>
+          </a:xfrm>
+          <a:prstGeom prst="rect">
+            <a:avLst/>
+          </a:prstGeom>
+          <a:solidFill>
+            <a:schemeClr val="tx1">
+              <a:lumMod val="75000"/>
+              <a:lumOff val="25000"/>
+            </a:schemeClr>
+          </a:solidFill>
+        </p:spPr>
+        <p:style>
+          <a:lnRef idx="2">
+            <a:schemeClr val="accent3">
+              <a:shade val="50000"/>
+            </a:schemeClr>
+          </a:lnRef>
+          <a:fillRef idx="1">
+            <a:schemeClr val="accent3"/>
+          </a:fillRef>
+          <a:effectRef idx="0">
+            <a:schemeClr val="accent3"/>
+          </a:effectRef>
+          <a:fontRef idx="minor">
+            <a:schemeClr val="lt1"/>
+          </a:fontRef>
+        </p:style>
+        <p:txBody>
+          <a:bodyPr rtlCol="0" anchor="ctr"/>
+          <a:lstStyle/>
+          <a:p>
+            <a:pPr algn="ctr"/>
+            <a:r>
+              <a:rPr lang="zh-CN" altLang="en-US" dirty="0"/>
+              <a:t>道具详情</a:t>
+            </a:r>
+          </a:p>
+        </p:txBody>
+      </p:sp>
+      <p:sp>
+        <p:nvSpPr>
+          <p:cNvPr id="30" name="矩形 29">
+            <a:extLst>
+              <a:ext uri="{FF2B5EF4-FFF2-40B4-BE49-F238E27FC236}">
+                <a16:creationId xmlns:a16="http://schemas.microsoft.com/office/drawing/2014/main" id="{2032A2F5-15B4-4388-9040-9D47E5F32F91}"/>
+              </a:ext>
+            </a:extLst>
+          </p:cNvPr>
+          <p:cNvSpPr/>
+          <p:nvPr/>
+        </p:nvSpPr>
+        <p:spPr>
+          <a:xfrm>
+            <a:off x="8949179" y="3619893"/>
+            <a:ext cx="1809947" cy="697583"/>
+          </a:xfrm>
+          <a:prstGeom prst="rect">
+            <a:avLst/>
+          </a:prstGeom>
+          <a:solidFill>
+            <a:schemeClr val="tx1">
+              <a:lumMod val="75000"/>
+              <a:lumOff val="25000"/>
+            </a:schemeClr>
+          </a:solidFill>
+        </p:spPr>
+        <p:style>
+          <a:lnRef idx="2">
+            <a:schemeClr val="accent3">
+              <a:shade val="50000"/>
+            </a:schemeClr>
+          </a:lnRef>
+          <a:fillRef idx="1">
+            <a:schemeClr val="accent3"/>
+          </a:fillRef>
+          <a:effectRef idx="0">
+            <a:schemeClr val="accent3"/>
+          </a:effectRef>
+          <a:fontRef idx="minor">
+            <a:schemeClr val="lt1"/>
+          </a:fontRef>
+        </p:style>
+        <p:txBody>
+          <a:bodyPr rtlCol="0" anchor="ctr"/>
+          <a:lstStyle/>
+          <a:p>
+            <a:pPr algn="ctr"/>
+            <a:r>
+              <a:rPr lang="zh-CN" altLang="en-US" dirty="0"/>
+              <a:t>任务说明</a:t>
+            </a:r>
+          </a:p>
+        </p:txBody>
+      </p:sp>
+      <p:sp>
+        <p:nvSpPr>
+          <p:cNvPr id="31" name="矩形 30">
+            <a:extLst>
+              <a:ext uri="{FF2B5EF4-FFF2-40B4-BE49-F238E27FC236}">
+                <a16:creationId xmlns:a16="http://schemas.microsoft.com/office/drawing/2014/main" id="{664E1E32-A353-4B7C-9C15-30931E8E3A53}"/>
+              </a:ext>
+            </a:extLst>
+          </p:cNvPr>
+          <p:cNvSpPr/>
+          <p:nvPr/>
+        </p:nvSpPr>
+        <p:spPr>
+          <a:xfrm>
+            <a:off x="8949179" y="4487159"/>
+            <a:ext cx="1809947" cy="697583"/>
+          </a:xfrm>
+          <a:prstGeom prst="rect">
+            <a:avLst/>
+          </a:prstGeom>
+          <a:solidFill>
+            <a:schemeClr val="tx1">
+              <a:lumMod val="75000"/>
+              <a:lumOff val="25000"/>
+            </a:schemeClr>
+          </a:solidFill>
+        </p:spPr>
+        <p:style>
+          <a:lnRef idx="2">
+            <a:schemeClr val="accent3">
+              <a:shade val="50000"/>
+            </a:schemeClr>
+          </a:lnRef>
+          <a:fillRef idx="1">
+            <a:schemeClr val="accent3"/>
+          </a:fillRef>
+          <a:effectRef idx="0">
+            <a:schemeClr val="accent3"/>
+          </a:effectRef>
+          <a:fontRef idx="minor">
+            <a:schemeClr val="lt1"/>
+          </a:fontRef>
+        </p:style>
+        <p:txBody>
+          <a:bodyPr rtlCol="0" anchor="ctr"/>
+          <a:lstStyle/>
+          <a:p>
+            <a:pPr algn="ctr"/>
+            <a:r>
+              <a:rPr lang="zh-CN" altLang="en-US" dirty="0"/>
+              <a:t>任务完成引导</a:t>
+            </a:r>
+          </a:p>
+        </p:txBody>
+      </p:sp>
+      <p:cxnSp>
+        <p:nvCxnSpPr>
+          <p:cNvPr id="33" name="直接连接符 32">
+            <a:extLst>
+              <a:ext uri="{FF2B5EF4-FFF2-40B4-BE49-F238E27FC236}">
+                <a16:creationId xmlns:a16="http://schemas.microsoft.com/office/drawing/2014/main" id="{7E2F6B48-BE7C-4C52-83A4-361A087A84E6}"/>
+              </a:ext>
+            </a:extLst>
+          </p:cNvPr>
+          <p:cNvCxnSpPr>
+            <a:cxnSpLocks/>
+            <a:stCxn id="8" idx="2"/>
+            <a:endCxn id="9" idx="0"/>
+          </p:cNvCxnSpPr>
+          <p:nvPr/>
+        </p:nvCxnSpPr>
+        <p:spPr>
+          <a:xfrm>
+            <a:off x="6220114" y="1866507"/>
+            <a:ext cx="0" cy="179109"/>
+          </a:xfrm>
+          <a:prstGeom prst="line">
+            <a:avLst/>
+          </a:prstGeom>
+        </p:spPr>
+        <p:style>
+          <a:lnRef idx="1">
+            <a:schemeClr val="accent1"/>
+          </a:lnRef>
+          <a:fillRef idx="0">
+            <a:schemeClr val="accent1"/>
+          </a:fillRef>
+          <a:effectRef idx="0">
+            <a:schemeClr val="accent1"/>
+          </a:effectRef>
+          <a:fontRef idx="minor">
+            <a:schemeClr val="tx1"/>
+          </a:fontRef>
+        </p:style>
+      </p:cxnSp>
+      <p:cxnSp>
+        <p:nvCxnSpPr>
+          <p:cNvPr id="35" name="直接连接符 34">
+            <a:extLst>
+              <a:ext uri="{FF2B5EF4-FFF2-40B4-BE49-F238E27FC236}">
+                <a16:creationId xmlns:a16="http://schemas.microsoft.com/office/drawing/2014/main" id="{535A6B68-C5A5-428A-A636-48D022E90B72}"/>
+              </a:ext>
+            </a:extLst>
+          </p:cNvPr>
+          <p:cNvCxnSpPr>
+            <a:cxnSpLocks/>
+            <a:stCxn id="9" idx="1"/>
+            <a:endCxn id="10" idx="3"/>
+          </p:cNvCxnSpPr>
+          <p:nvPr/>
+        </p:nvCxnSpPr>
+        <p:spPr>
+          <a:xfrm flipH="1">
+            <a:off x="3700798" y="2314280"/>
+            <a:ext cx="497272" cy="0"/>
+          </a:xfrm>
+          <a:prstGeom prst="line">
+            <a:avLst/>
+          </a:prstGeom>
+        </p:spPr>
+        <p:style>
+          <a:lnRef idx="1">
+            <a:schemeClr val="accent1"/>
+          </a:lnRef>
+          <a:fillRef idx="0">
+            <a:schemeClr val="accent1"/>
+          </a:fillRef>
+          <a:effectRef idx="0">
+            <a:schemeClr val="accent1"/>
+          </a:effectRef>
+          <a:fontRef idx="minor">
+            <a:schemeClr val="tx1"/>
+          </a:fontRef>
+        </p:style>
+      </p:cxnSp>
+      <p:cxnSp>
+        <p:nvCxnSpPr>
+          <p:cNvPr id="37" name="直接连接符 36">
+            <a:extLst>
+              <a:ext uri="{FF2B5EF4-FFF2-40B4-BE49-F238E27FC236}">
+                <a16:creationId xmlns:a16="http://schemas.microsoft.com/office/drawing/2014/main" id="{2899EA30-13BF-4F9B-B0B0-441C26BFB6D3}"/>
+              </a:ext>
+            </a:extLst>
+          </p:cNvPr>
+          <p:cNvCxnSpPr>
+            <a:stCxn id="9" idx="3"/>
+            <a:endCxn id="11" idx="1"/>
+          </p:cNvCxnSpPr>
+          <p:nvPr/>
+        </p:nvCxnSpPr>
+        <p:spPr>
+          <a:xfrm>
+            <a:off x="8242157" y="2314280"/>
+            <a:ext cx="414791" cy="0"/>
+          </a:xfrm>
+          <a:prstGeom prst="line">
+            <a:avLst/>
+          </a:prstGeom>
+        </p:spPr>
+        <p:style>
+          <a:lnRef idx="1">
+            <a:schemeClr val="accent1"/>
+          </a:lnRef>
+          <a:fillRef idx="0">
+            <a:schemeClr val="accent1"/>
+          </a:fillRef>
+          <a:effectRef idx="0">
+            <a:schemeClr val="accent1"/>
+          </a:effectRef>
+          <a:fontRef idx="minor">
+            <a:schemeClr val="tx1"/>
+          </a:fontRef>
+        </p:style>
+      </p:cxnSp>
+      <p:cxnSp>
+        <p:nvCxnSpPr>
+          <p:cNvPr id="43" name="直接连接符 42">
+            <a:extLst>
+              <a:ext uri="{FF2B5EF4-FFF2-40B4-BE49-F238E27FC236}">
+                <a16:creationId xmlns:a16="http://schemas.microsoft.com/office/drawing/2014/main" id="{EC87AA4D-FF90-4DBE-BB05-92EF6BC8F554}"/>
+              </a:ext>
+            </a:extLst>
+          </p:cNvPr>
+          <p:cNvCxnSpPr>
+            <a:stCxn id="9" idx="2"/>
+          </p:cNvCxnSpPr>
+          <p:nvPr/>
+        </p:nvCxnSpPr>
+        <p:spPr>
+          <a:xfrm>
+            <a:off x="6220114" y="2582944"/>
+            <a:ext cx="4719" cy="131976"/>
+          </a:xfrm>
+          <a:prstGeom prst="line">
+            <a:avLst/>
+          </a:prstGeom>
+        </p:spPr>
+        <p:style>
+          <a:lnRef idx="1">
+            <a:schemeClr val="accent1"/>
+          </a:lnRef>
+          <a:fillRef idx="0">
+            <a:schemeClr val="accent1"/>
+          </a:fillRef>
+          <a:effectRef idx="0">
+            <a:schemeClr val="accent1"/>
+          </a:effectRef>
+          <a:fontRef idx="minor">
+            <a:schemeClr val="tx1"/>
+          </a:fontRef>
+        </p:style>
+      </p:cxnSp>
+      <p:cxnSp>
+        <p:nvCxnSpPr>
+          <p:cNvPr id="45" name="直接连接符 44">
+            <a:extLst>
+              <a:ext uri="{FF2B5EF4-FFF2-40B4-BE49-F238E27FC236}">
+                <a16:creationId xmlns:a16="http://schemas.microsoft.com/office/drawing/2014/main" id="{C47D6F79-77C9-4858-A55D-A897874EBF21}"/>
+              </a:ext>
+            </a:extLst>
+          </p:cNvPr>
+          <p:cNvCxnSpPr>
+            <a:cxnSpLocks/>
+          </p:cNvCxnSpPr>
+          <p:nvPr/>
+        </p:nvCxnSpPr>
+        <p:spPr>
+          <a:xfrm flipH="1">
+            <a:off x="2755769" y="2714920"/>
+            <a:ext cx="3464346" cy="0"/>
+          </a:xfrm>
+          <a:prstGeom prst="line">
+            <a:avLst/>
+          </a:prstGeom>
+        </p:spPr>
+        <p:style>
+          <a:lnRef idx="1">
+            <a:schemeClr val="accent1"/>
+          </a:lnRef>
+          <a:fillRef idx="0">
+            <a:schemeClr val="accent1"/>
+          </a:fillRef>
+          <a:effectRef idx="0">
+            <a:schemeClr val="accent1"/>
+          </a:effectRef>
+          <a:fontRef idx="minor">
+            <a:schemeClr val="tx1"/>
+          </a:fontRef>
+        </p:style>
+      </p:cxnSp>
+      <p:cxnSp>
+        <p:nvCxnSpPr>
+          <p:cNvPr id="47" name="直接连接符 46">
+            <a:extLst>
+              <a:ext uri="{FF2B5EF4-FFF2-40B4-BE49-F238E27FC236}">
+                <a16:creationId xmlns:a16="http://schemas.microsoft.com/office/drawing/2014/main" id="{9D025B4A-8159-425C-B910-B0D3A5B6A6DA}"/>
+              </a:ext>
+            </a:extLst>
+          </p:cNvPr>
+          <p:cNvCxnSpPr>
+            <a:cxnSpLocks/>
+          </p:cNvCxnSpPr>
+          <p:nvPr/>
+        </p:nvCxnSpPr>
+        <p:spPr>
+          <a:xfrm>
+            <a:off x="6220114" y="2714920"/>
+            <a:ext cx="3464356" cy="0"/>
+          </a:xfrm>
+          <a:prstGeom prst="line">
+            <a:avLst/>
+          </a:prstGeom>
+        </p:spPr>
+        <p:style>
+          <a:lnRef idx="1">
+            <a:schemeClr val="accent1"/>
+          </a:lnRef>
+          <a:fillRef idx="0">
+            <a:schemeClr val="accent1"/>
+          </a:fillRef>
+          <a:effectRef idx="0">
+            <a:schemeClr val="accent1"/>
+          </a:effectRef>
+          <a:fontRef idx="minor">
+            <a:schemeClr val="tx1"/>
+          </a:fontRef>
+        </p:style>
+      </p:cxnSp>
+      <p:cxnSp>
+        <p:nvCxnSpPr>
+          <p:cNvPr id="49" name="直接连接符 48">
+            <a:extLst>
+              <a:ext uri="{FF2B5EF4-FFF2-40B4-BE49-F238E27FC236}">
+                <a16:creationId xmlns:a16="http://schemas.microsoft.com/office/drawing/2014/main" id="{50D4C726-E418-4E2A-A932-5CD5EF380180}"/>
+              </a:ext>
+            </a:extLst>
+          </p:cNvPr>
+          <p:cNvCxnSpPr>
+            <a:endCxn id="13" idx="0"/>
+          </p:cNvCxnSpPr>
+          <p:nvPr/>
+        </p:nvCxnSpPr>
+        <p:spPr>
+          <a:xfrm flipH="1">
+            <a:off x="2675641" y="2714920"/>
+            <a:ext cx="80128" cy="103694"/>
+          </a:xfrm>
+          <a:prstGeom prst="line">
+            <a:avLst/>
+          </a:prstGeom>
+        </p:spPr>
+        <p:style>
+          <a:lnRef idx="1">
+            <a:schemeClr val="accent1"/>
+          </a:lnRef>
+          <a:fillRef idx="0">
+            <a:schemeClr val="accent1"/>
+          </a:fillRef>
+          <a:effectRef idx="0">
+            <a:schemeClr val="accent1"/>
+          </a:effectRef>
+          <a:fontRef idx="minor">
+            <a:schemeClr val="tx1"/>
+          </a:fontRef>
+        </p:style>
+      </p:cxnSp>
+      <p:cxnSp>
+        <p:nvCxnSpPr>
+          <p:cNvPr id="51" name="直接连接符 50">
+            <a:extLst>
+              <a:ext uri="{FF2B5EF4-FFF2-40B4-BE49-F238E27FC236}">
+                <a16:creationId xmlns:a16="http://schemas.microsoft.com/office/drawing/2014/main" id="{5406E3F0-6A98-4797-B5C4-148ABA03283F}"/>
+              </a:ext>
+            </a:extLst>
+          </p:cNvPr>
+          <p:cNvCxnSpPr>
+            <a:cxnSpLocks/>
+            <a:endCxn id="14" idx="0"/>
+          </p:cNvCxnSpPr>
+          <p:nvPr/>
+        </p:nvCxnSpPr>
+        <p:spPr>
+          <a:xfrm flipH="1">
+            <a:off x="5117184" y="2714920"/>
+            <a:ext cx="4714" cy="103693"/>
+          </a:xfrm>
+          <a:prstGeom prst="line">
+            <a:avLst/>
+          </a:prstGeom>
+        </p:spPr>
+        <p:style>
+          <a:lnRef idx="1">
+            <a:schemeClr val="accent1"/>
+          </a:lnRef>
+          <a:fillRef idx="0">
+            <a:schemeClr val="accent1"/>
+          </a:fillRef>
+          <a:effectRef idx="0">
+            <a:schemeClr val="accent1"/>
+          </a:effectRef>
+          <a:fontRef idx="minor">
+            <a:schemeClr val="tx1"/>
+          </a:fontRef>
+        </p:style>
+      </p:cxnSp>
+      <p:cxnSp>
+        <p:nvCxnSpPr>
+          <p:cNvPr id="53" name="直接连接符 52">
+            <a:extLst>
+              <a:ext uri="{FF2B5EF4-FFF2-40B4-BE49-F238E27FC236}">
+                <a16:creationId xmlns:a16="http://schemas.microsoft.com/office/drawing/2014/main" id="{E1EC049E-D7F4-4935-A860-F708E94DA30C}"/>
+              </a:ext>
+            </a:extLst>
+          </p:cNvPr>
+          <p:cNvCxnSpPr>
+            <a:cxnSpLocks/>
+            <a:endCxn id="15" idx="0"/>
+          </p:cNvCxnSpPr>
+          <p:nvPr/>
+        </p:nvCxnSpPr>
+        <p:spPr>
+          <a:xfrm flipH="1">
+            <a:off x="7181654" y="2714920"/>
+            <a:ext cx="259238" cy="103693"/>
+          </a:xfrm>
+          <a:prstGeom prst="line">
+            <a:avLst/>
+          </a:prstGeom>
+        </p:spPr>
+        <p:style>
+          <a:lnRef idx="1">
+            <a:schemeClr val="accent1"/>
+          </a:lnRef>
+          <a:fillRef idx="0">
+            <a:schemeClr val="accent1"/>
+          </a:fillRef>
+          <a:effectRef idx="0">
+            <a:schemeClr val="accent1"/>
+          </a:effectRef>
+          <a:fontRef idx="minor">
+            <a:schemeClr val="tx1"/>
+          </a:fontRef>
+        </p:style>
+      </p:cxnSp>
+      <p:cxnSp>
+        <p:nvCxnSpPr>
+          <p:cNvPr id="55" name="直接连接符 54">
+            <a:extLst>
+              <a:ext uri="{FF2B5EF4-FFF2-40B4-BE49-F238E27FC236}">
+                <a16:creationId xmlns:a16="http://schemas.microsoft.com/office/drawing/2014/main" id="{B3112A11-8FF4-4A36-99B5-13C34030E4E5}"/>
+              </a:ext>
+            </a:extLst>
+          </p:cNvPr>
+          <p:cNvCxnSpPr>
+            <a:endCxn id="16" idx="0"/>
+          </p:cNvCxnSpPr>
+          <p:nvPr/>
+        </p:nvCxnSpPr>
+        <p:spPr>
+          <a:xfrm>
+            <a:off x="9684470" y="2714920"/>
+            <a:ext cx="169683" cy="103694"/>
+          </a:xfrm>
+          <a:prstGeom prst="line">
+            <a:avLst/>
+          </a:prstGeom>
+        </p:spPr>
+        <p:style>
+          <a:lnRef idx="1">
+            <a:schemeClr val="accent1"/>
+          </a:lnRef>
+          <a:fillRef idx="0">
+            <a:schemeClr val="accent1"/>
+          </a:fillRef>
+          <a:effectRef idx="0">
+            <a:schemeClr val="accent1"/>
+          </a:effectRef>
+          <a:fontRef idx="minor">
+            <a:schemeClr val="tx1"/>
+          </a:fontRef>
+        </p:style>
+      </p:cxnSp>
+      <p:cxnSp>
+        <p:nvCxnSpPr>
+          <p:cNvPr id="57" name="直接连接符 56">
+            <a:extLst>
+              <a:ext uri="{FF2B5EF4-FFF2-40B4-BE49-F238E27FC236}">
+                <a16:creationId xmlns:a16="http://schemas.microsoft.com/office/drawing/2014/main" id="{0CE297BC-6987-4333-94A5-54F6D02F50C9}"/>
+              </a:ext>
+            </a:extLst>
+          </p:cNvPr>
+          <p:cNvCxnSpPr>
+            <a:cxnSpLocks/>
+            <a:endCxn id="17" idx="0"/>
+          </p:cNvCxnSpPr>
+          <p:nvPr/>
+        </p:nvCxnSpPr>
+        <p:spPr>
+          <a:xfrm flipH="1">
+            <a:off x="1643406" y="3355942"/>
+            <a:ext cx="697586" cy="424206"/>
+          </a:xfrm>
+          <a:prstGeom prst="line">
+            <a:avLst/>
+          </a:prstGeom>
+        </p:spPr>
+        <p:style>
+          <a:lnRef idx="1">
+            <a:schemeClr val="accent1"/>
+          </a:lnRef>
+          <a:fillRef idx="0">
+            <a:schemeClr val="accent1"/>
+          </a:fillRef>
+          <a:effectRef idx="0">
+            <a:schemeClr val="accent1"/>
+          </a:effectRef>
+          <a:fontRef idx="minor">
+            <a:schemeClr val="tx1"/>
+          </a:fontRef>
+        </p:style>
+      </p:cxnSp>
+      <p:cxnSp>
+        <p:nvCxnSpPr>
+          <p:cNvPr id="59" name="直接连接符 58">
+            <a:extLst>
+              <a:ext uri="{FF2B5EF4-FFF2-40B4-BE49-F238E27FC236}">
+                <a16:creationId xmlns:a16="http://schemas.microsoft.com/office/drawing/2014/main" id="{030049ED-DD26-4DC4-9307-9B9C002753B5}"/>
+              </a:ext>
+            </a:extLst>
+          </p:cNvPr>
+          <p:cNvCxnSpPr>
+            <a:cxnSpLocks/>
+            <a:endCxn id="18" idx="0"/>
+          </p:cNvCxnSpPr>
+          <p:nvPr/>
+        </p:nvCxnSpPr>
+        <p:spPr>
+          <a:xfrm>
+            <a:off x="2773051" y="3333215"/>
+            <a:ext cx="443057" cy="446933"/>
+          </a:xfrm>
+          <a:prstGeom prst="line">
+            <a:avLst/>
+          </a:prstGeom>
+        </p:spPr>
+        <p:style>
+          <a:lnRef idx="1">
+            <a:schemeClr val="accent1"/>
+          </a:lnRef>
+          <a:fillRef idx="0">
+            <a:schemeClr val="accent1"/>
+          </a:fillRef>
+          <a:effectRef idx="0">
+            <a:schemeClr val="accent1"/>
+          </a:effectRef>
+          <a:fontRef idx="minor">
+            <a:schemeClr val="tx1"/>
+          </a:fontRef>
+        </p:style>
+      </p:cxnSp>
+      <p:cxnSp>
+        <p:nvCxnSpPr>
+          <p:cNvPr id="63" name="直接连接符 62">
+            <a:extLst>
+              <a:ext uri="{FF2B5EF4-FFF2-40B4-BE49-F238E27FC236}">
+                <a16:creationId xmlns:a16="http://schemas.microsoft.com/office/drawing/2014/main" id="{1CCB1B6A-8A58-4906-B13B-E0ABF3A5675E}"/>
+              </a:ext>
+            </a:extLst>
+          </p:cNvPr>
+          <p:cNvCxnSpPr>
+            <a:cxnSpLocks/>
+            <a:stCxn id="17" idx="2"/>
+          </p:cNvCxnSpPr>
+          <p:nvPr/>
+        </p:nvCxnSpPr>
+        <p:spPr>
+          <a:xfrm>
+            <a:off x="1643406" y="4317476"/>
+            <a:ext cx="381792" cy="358219"/>
+          </a:xfrm>
+          <a:prstGeom prst="line">
+            <a:avLst/>
+          </a:prstGeom>
+        </p:spPr>
+        <p:style>
+          <a:lnRef idx="1">
+            <a:schemeClr val="accent1"/>
+          </a:lnRef>
+          <a:fillRef idx="0">
+            <a:schemeClr val="accent1"/>
+          </a:fillRef>
+          <a:effectRef idx="0">
+            <a:schemeClr val="accent1"/>
+          </a:effectRef>
+          <a:fontRef idx="minor">
+            <a:schemeClr val="tx1"/>
+          </a:fontRef>
+        </p:style>
+      </p:cxnSp>
+      <p:cxnSp>
+        <p:nvCxnSpPr>
+          <p:cNvPr id="65" name="直接连接符 64">
+            <a:extLst>
+              <a:ext uri="{FF2B5EF4-FFF2-40B4-BE49-F238E27FC236}">
+                <a16:creationId xmlns:a16="http://schemas.microsoft.com/office/drawing/2014/main" id="{9CA403E3-D2A7-44A6-BF7E-6E7EF72025B5}"/>
+              </a:ext>
+            </a:extLst>
+          </p:cNvPr>
+          <p:cNvCxnSpPr>
+            <a:cxnSpLocks/>
+            <a:stCxn id="18" idx="2"/>
+          </p:cNvCxnSpPr>
+          <p:nvPr/>
+        </p:nvCxnSpPr>
+        <p:spPr>
+          <a:xfrm flipH="1">
+            <a:off x="2769910" y="4317476"/>
+            <a:ext cx="446198" cy="358219"/>
+          </a:xfrm>
+          <a:prstGeom prst="line">
+            <a:avLst/>
+          </a:prstGeom>
+        </p:spPr>
+        <p:style>
+          <a:lnRef idx="1">
+            <a:schemeClr val="accent1"/>
+          </a:lnRef>
+          <a:fillRef idx="0">
+            <a:schemeClr val="accent1"/>
+          </a:fillRef>
+          <a:effectRef idx="0">
+            <a:schemeClr val="accent1"/>
+          </a:effectRef>
+          <a:fontRef idx="minor">
+            <a:schemeClr val="tx1"/>
+          </a:fontRef>
+        </p:style>
+      </p:cxnSp>
+      <p:sp>
+        <p:nvSpPr>
+          <p:cNvPr id="74" name="矩形 73">
+            <a:extLst>
+              <a:ext uri="{FF2B5EF4-FFF2-40B4-BE49-F238E27FC236}">
+                <a16:creationId xmlns:a16="http://schemas.microsoft.com/office/drawing/2014/main" id="{91A135B4-CE13-4D00-BAA0-EFB667707461}"/>
+              </a:ext>
+            </a:extLst>
+          </p:cNvPr>
+          <p:cNvSpPr/>
+          <p:nvPr/>
+        </p:nvSpPr>
+        <p:spPr>
+          <a:xfrm>
+            <a:off x="6601911" y="3148553"/>
+            <a:ext cx="386486" cy="1310326"/>
+          </a:xfrm>
+          <a:prstGeom prst="rect">
+            <a:avLst/>
+          </a:prstGeom>
+        </p:spPr>
+        <p:style>
+          <a:lnRef idx="2">
+            <a:schemeClr val="accent6">
+              <a:shade val="50000"/>
+            </a:schemeClr>
+          </a:lnRef>
+          <a:fillRef idx="1">
+            <a:schemeClr val="accent6"/>
+          </a:fillRef>
+          <a:effectRef idx="0">
+            <a:schemeClr val="accent6"/>
+          </a:effectRef>
+          <a:fontRef idx="minor">
+            <a:schemeClr val="lt1"/>
+          </a:fontRef>
+        </p:style>
+        <p:txBody>
+          <a:bodyPr rtlCol="0" anchor="ctr"/>
+          <a:lstStyle/>
+          <a:p>
+            <a:pPr algn="ctr"/>
+            <a:r>
+              <a:rPr lang="zh-CN" altLang="en-US" dirty="0"/>
+              <a:t>角色编队</a:t>
+            </a:r>
+          </a:p>
+        </p:txBody>
+      </p:sp>
+      <p:cxnSp>
+        <p:nvCxnSpPr>
+          <p:cNvPr id="78" name="直接连接符 77">
+            <a:extLst>
+              <a:ext uri="{FF2B5EF4-FFF2-40B4-BE49-F238E27FC236}">
+                <a16:creationId xmlns:a16="http://schemas.microsoft.com/office/drawing/2014/main" id="{441BF67F-9B15-45D5-AAF2-F120268A811A}"/>
+              </a:ext>
+            </a:extLst>
+          </p:cNvPr>
+          <p:cNvCxnSpPr>
+            <a:cxnSpLocks/>
+            <a:stCxn id="74" idx="2"/>
+            <a:endCxn id="20" idx="3"/>
+          </p:cNvCxnSpPr>
+          <p:nvPr/>
+        </p:nvCxnSpPr>
+        <p:spPr>
+          <a:xfrm flipH="1">
+            <a:off x="4264058" y="4458879"/>
+            <a:ext cx="2531096" cy="509047"/>
+          </a:xfrm>
+          <a:prstGeom prst="line">
+            <a:avLst/>
+          </a:prstGeom>
+        </p:spPr>
+        <p:style>
+          <a:lnRef idx="1">
+            <a:schemeClr val="accent1"/>
+          </a:lnRef>
+          <a:fillRef idx="0">
+            <a:schemeClr val="accent1"/>
+          </a:fillRef>
+          <a:effectRef idx="0">
+            <a:schemeClr val="accent1"/>
+          </a:effectRef>
+          <a:fontRef idx="minor">
+            <a:schemeClr val="tx1"/>
+          </a:fontRef>
+        </p:style>
+      </p:cxnSp>
+      <p:cxnSp>
+        <p:nvCxnSpPr>
+          <p:cNvPr id="84" name="直接连接符 83">
+            <a:extLst>
+              <a:ext uri="{FF2B5EF4-FFF2-40B4-BE49-F238E27FC236}">
+                <a16:creationId xmlns:a16="http://schemas.microsoft.com/office/drawing/2014/main" id="{D20FBA90-92F8-4078-83CE-37109BCED3B7}"/>
+              </a:ext>
+            </a:extLst>
+          </p:cNvPr>
+          <p:cNvCxnSpPr>
+            <a:stCxn id="27" idx="2"/>
+            <a:endCxn id="29" idx="0"/>
+          </p:cNvCxnSpPr>
+          <p:nvPr/>
+        </p:nvCxnSpPr>
+        <p:spPr>
+          <a:xfrm>
+            <a:off x="7893370" y="3685878"/>
+            <a:ext cx="4721" cy="631598"/>
+          </a:xfrm>
+          <a:prstGeom prst="line">
+            <a:avLst/>
+          </a:prstGeom>
+        </p:spPr>
+        <p:style>
+          <a:lnRef idx="1">
+            <a:schemeClr val="accent1"/>
+          </a:lnRef>
+          <a:fillRef idx="0">
+            <a:schemeClr val="accent1"/>
+          </a:fillRef>
+          <a:effectRef idx="0">
+            <a:schemeClr val="accent1"/>
+          </a:effectRef>
+          <a:fontRef idx="minor">
+            <a:schemeClr val="tx1"/>
+          </a:fontRef>
+        </p:style>
+      </p:cxnSp>
+      <p:cxnSp>
+        <p:nvCxnSpPr>
+          <p:cNvPr id="98" name="直接连接符 97">
+            <a:extLst>
+              <a:ext uri="{FF2B5EF4-FFF2-40B4-BE49-F238E27FC236}">
+                <a16:creationId xmlns:a16="http://schemas.microsoft.com/office/drawing/2014/main" id="{46F7C52C-FE48-440B-9AE2-D4BDAB5EE3F4}"/>
+              </a:ext>
+            </a:extLst>
+          </p:cNvPr>
+          <p:cNvCxnSpPr>
+            <a:cxnSpLocks/>
+          </p:cNvCxnSpPr>
+          <p:nvPr/>
+        </p:nvCxnSpPr>
+        <p:spPr>
+          <a:xfrm>
+            <a:off x="10099249" y="3355942"/>
+            <a:ext cx="0" cy="263951"/>
+          </a:xfrm>
+          <a:prstGeom prst="line">
+            <a:avLst/>
+          </a:prstGeom>
+        </p:spPr>
+        <p:style>
+          <a:lnRef idx="1">
+            <a:schemeClr val="accent1"/>
+          </a:lnRef>
+          <a:fillRef idx="0">
+            <a:schemeClr val="accent1"/>
+          </a:fillRef>
+          <a:effectRef idx="0">
+            <a:schemeClr val="accent1"/>
+          </a:effectRef>
+          <a:fontRef idx="minor">
+            <a:schemeClr val="tx1"/>
+          </a:fontRef>
+        </p:style>
+      </p:cxnSp>
+      <p:cxnSp>
+        <p:nvCxnSpPr>
+          <p:cNvPr id="100" name="直接连接符 99">
+            <a:extLst>
+              <a:ext uri="{FF2B5EF4-FFF2-40B4-BE49-F238E27FC236}">
+                <a16:creationId xmlns:a16="http://schemas.microsoft.com/office/drawing/2014/main" id="{3276F89E-9DC9-42FE-BD88-40BC9DEEE4EF}"/>
+              </a:ext>
+            </a:extLst>
+          </p:cNvPr>
+          <p:cNvCxnSpPr/>
+          <p:nvPr/>
+        </p:nvCxnSpPr>
+        <p:spPr>
+          <a:xfrm>
+            <a:off x="10099249" y="4317476"/>
+            <a:ext cx="0" cy="245097"/>
+          </a:xfrm>
+          <a:prstGeom prst="line">
+            <a:avLst/>
+          </a:prstGeom>
+        </p:spPr>
+        <p:style>
+          <a:lnRef idx="1">
+            <a:schemeClr val="accent1"/>
+          </a:lnRef>
+          <a:fillRef idx="0">
+            <a:schemeClr val="accent1"/>
+          </a:fillRef>
+          <a:effectRef idx="0">
+            <a:schemeClr val="accent1"/>
+          </a:effectRef>
+          <a:fontRef idx="minor">
+            <a:schemeClr val="tx1"/>
+          </a:fontRef>
+        </p:style>
+      </p:cxnSp>
+      <p:cxnSp>
+        <p:nvCxnSpPr>
+          <p:cNvPr id="89" name="直接连接符 88">
+            <a:extLst>
+              <a:ext uri="{FF2B5EF4-FFF2-40B4-BE49-F238E27FC236}">
+                <a16:creationId xmlns:a16="http://schemas.microsoft.com/office/drawing/2014/main" id="{A4D652AD-B215-487D-A9A0-BCBD851263F0}"/>
+              </a:ext>
+            </a:extLst>
+          </p:cNvPr>
+          <p:cNvCxnSpPr>
+            <a:cxnSpLocks/>
+            <a:stCxn id="22" idx="2"/>
+            <a:endCxn id="28" idx="0"/>
+          </p:cNvCxnSpPr>
+          <p:nvPr/>
+        </p:nvCxnSpPr>
+        <p:spPr>
+          <a:xfrm>
+            <a:off x="4659984" y="3941615"/>
+            <a:ext cx="2441555" cy="1337395"/>
+          </a:xfrm>
+          <a:prstGeom prst="line">
+            <a:avLst/>
+          </a:prstGeom>
+        </p:spPr>
+        <p:style>
+          <a:lnRef idx="1">
+            <a:schemeClr val="accent1"/>
+          </a:lnRef>
+          <a:fillRef idx="0">
+            <a:schemeClr val="accent1"/>
+          </a:fillRef>
+          <a:effectRef idx="0">
+            <a:schemeClr val="accent1"/>
+          </a:effectRef>
+          <a:fontRef idx="minor">
+            <a:schemeClr val="tx1"/>
+          </a:fontRef>
+        </p:style>
+      </p:cxnSp>
+      <p:cxnSp>
+        <p:nvCxnSpPr>
+          <p:cNvPr id="112" name="直接连接符 111">
+            <a:extLst>
+              <a:ext uri="{FF2B5EF4-FFF2-40B4-BE49-F238E27FC236}">
+                <a16:creationId xmlns:a16="http://schemas.microsoft.com/office/drawing/2014/main" id="{84CF6BC8-E006-46E1-B273-B52E09C90B2F}"/>
+              </a:ext>
+            </a:extLst>
+          </p:cNvPr>
+          <p:cNvCxnSpPr>
+            <a:cxnSpLocks/>
+            <a:stCxn id="74" idx="2"/>
+            <a:endCxn id="28" idx="0"/>
+          </p:cNvCxnSpPr>
+          <p:nvPr/>
+        </p:nvCxnSpPr>
+        <p:spPr>
+          <a:xfrm>
+            <a:off x="6795154" y="4458879"/>
+            <a:ext cx="306385" cy="820131"/>
+          </a:xfrm>
+          <a:prstGeom prst="line">
+            <a:avLst/>
+          </a:prstGeom>
+        </p:spPr>
+        <p:style>
+          <a:lnRef idx="1">
+            <a:schemeClr val="accent1"/>
+          </a:lnRef>
+          <a:fillRef idx="0">
+            <a:schemeClr val="accent1"/>
+          </a:fillRef>
+          <a:effectRef idx="0">
+            <a:schemeClr val="accent1"/>
+          </a:effectRef>
+          <a:fontRef idx="minor">
+            <a:schemeClr val="tx1"/>
+          </a:fontRef>
+        </p:style>
+      </p:cxnSp>
+      <p:cxnSp>
+        <p:nvCxnSpPr>
+          <p:cNvPr id="114" name="直接连接符 113">
+            <a:extLst>
+              <a:ext uri="{FF2B5EF4-FFF2-40B4-BE49-F238E27FC236}">
+                <a16:creationId xmlns:a16="http://schemas.microsoft.com/office/drawing/2014/main" id="{F79A9CF9-7952-43BF-9B23-1194E60BD4A5}"/>
+              </a:ext>
+            </a:extLst>
+          </p:cNvPr>
+          <p:cNvCxnSpPr>
+            <a:cxnSpLocks/>
+            <a:stCxn id="26" idx="2"/>
+            <a:endCxn id="28" idx="0"/>
+          </p:cNvCxnSpPr>
+          <p:nvPr/>
+        </p:nvCxnSpPr>
+        <p:spPr>
+          <a:xfrm flipH="1">
+            <a:off x="7101539" y="4360737"/>
+            <a:ext cx="197951" cy="918273"/>
+          </a:xfrm>
+          <a:prstGeom prst="line">
+            <a:avLst/>
+          </a:prstGeom>
+        </p:spPr>
+        <p:style>
+          <a:lnRef idx="1">
+            <a:schemeClr val="accent1"/>
+          </a:lnRef>
+          <a:fillRef idx="0">
+            <a:schemeClr val="accent1"/>
+          </a:fillRef>
+          <a:effectRef idx="0">
+            <a:schemeClr val="accent1"/>
+          </a:effectRef>
+          <a:fontRef idx="minor">
+            <a:schemeClr val="tx1"/>
+          </a:fontRef>
+        </p:style>
+      </p:cxnSp>
+      <p:sp>
+        <p:nvSpPr>
+          <p:cNvPr id="118" name="文本框 117">
+            <a:extLst>
+              <a:ext uri="{FF2B5EF4-FFF2-40B4-BE49-F238E27FC236}">
+                <a16:creationId xmlns:a16="http://schemas.microsoft.com/office/drawing/2014/main" id="{BEB4E8B7-B25E-4300-AAD8-CA9028AA3808}"/>
+              </a:ext>
+            </a:extLst>
+          </p:cNvPr>
+          <p:cNvSpPr txBox="1"/>
+          <p:nvPr/>
+        </p:nvSpPr>
+        <p:spPr>
+          <a:xfrm>
+            <a:off x="9954864" y="5627802"/>
+            <a:ext cx="285656" cy="369332"/>
+          </a:xfrm>
+          <a:prstGeom prst="rect">
+            <a:avLst/>
+          </a:prstGeom>
+          <a:noFill/>
+        </p:spPr>
+        <p:txBody>
+          <a:bodyPr wrap="none" rtlCol="0">
+            <a:spAutoFit/>
+          </a:bodyPr>
+          <a:lstStyle/>
+          <a:p>
+            <a:r>
+              <a:rPr lang="en-US" altLang="zh-CN" dirty="0"/>
+              <a:t>?</a:t>
+            </a:r>
+            <a:endParaRPr lang="zh-CN" altLang="en-US" dirty="0"/>
+          </a:p>
+        </p:txBody>
+      </p:sp>
+      <p:cxnSp>
+        <p:nvCxnSpPr>
+          <p:cNvPr id="121" name="连接符: 肘形 120">
+            <a:extLst>
+              <a:ext uri="{FF2B5EF4-FFF2-40B4-BE49-F238E27FC236}">
+                <a16:creationId xmlns:a16="http://schemas.microsoft.com/office/drawing/2014/main" id="{5712DB18-AC90-439A-A706-795F1C9ADD26}"/>
+              </a:ext>
+            </a:extLst>
+          </p:cNvPr>
+          <p:cNvCxnSpPr>
+            <a:cxnSpLocks/>
+            <a:stCxn id="9" idx="3"/>
+            <a:endCxn id="12" idx="1"/>
+          </p:cNvCxnSpPr>
+          <p:nvPr/>
+        </p:nvCxnSpPr>
+        <p:spPr>
+          <a:xfrm flipV="1">
+            <a:off x="8242157" y="1682685"/>
+            <a:ext cx="414791" cy="631595"/>
+          </a:xfrm>
+          <a:prstGeom prst="bentConnector3">
+            <a:avLst/>
+          </a:prstGeom>
+        </p:spPr>
+        <p:style>
+          <a:lnRef idx="1">
+            <a:schemeClr val="accent1"/>
+          </a:lnRef>
+          <a:fillRef idx="0">
+            <a:schemeClr val="accent1"/>
+          </a:fillRef>
+          <a:effectRef idx="0">
+            <a:schemeClr val="accent1"/>
+          </a:effectRef>
+          <a:fontRef idx="minor">
+            <a:schemeClr val="tx1"/>
+          </a:fontRef>
+        </p:style>
+      </p:cxnSp>
+      <p:cxnSp>
+        <p:nvCxnSpPr>
+          <p:cNvPr id="126" name="连接符: 肘形 125">
+            <a:extLst>
+              <a:ext uri="{FF2B5EF4-FFF2-40B4-BE49-F238E27FC236}">
+                <a16:creationId xmlns:a16="http://schemas.microsoft.com/office/drawing/2014/main" id="{3D56C660-F49E-4647-B646-4B40319E89B5}"/>
+              </a:ext>
+            </a:extLst>
+          </p:cNvPr>
+          <p:cNvCxnSpPr>
+            <a:cxnSpLocks/>
+            <a:stCxn id="21" idx="1"/>
+            <a:endCxn id="13" idx="1"/>
+          </p:cNvCxnSpPr>
+          <p:nvPr/>
+        </p:nvCxnSpPr>
+        <p:spPr>
+          <a:xfrm rot="10800000" flipH="1">
+            <a:off x="974103" y="3087279"/>
+            <a:ext cx="848411" cy="3041755"/>
+          </a:xfrm>
+          <a:prstGeom prst="bentConnector3">
+            <a:avLst>
+              <a:gd name="adj1" fmla="val -26944"/>
+            </a:avLst>
+          </a:prstGeom>
+          <a:ln>
+            <a:tailEnd type="triangle"/>
+          </a:ln>
+        </p:spPr>
+        <p:style>
+          <a:lnRef idx="1">
+            <a:schemeClr val="accent1"/>
+          </a:lnRef>
+          <a:fillRef idx="0">
+            <a:schemeClr val="accent1"/>
+          </a:fillRef>
+          <a:effectRef idx="0">
+            <a:schemeClr val="accent1"/>
+          </a:effectRef>
+          <a:fontRef idx="minor">
+            <a:schemeClr val="tx1"/>
+          </a:fontRef>
+        </p:style>
+      </p:cxnSp>
+      <p:cxnSp>
+        <p:nvCxnSpPr>
+          <p:cNvPr id="128" name="直接箭头连接符 127">
+            <a:extLst>
+              <a:ext uri="{FF2B5EF4-FFF2-40B4-BE49-F238E27FC236}">
+                <a16:creationId xmlns:a16="http://schemas.microsoft.com/office/drawing/2014/main" id="{316E3ABC-A917-48C8-8004-099F8E46484D}"/>
+              </a:ext>
+            </a:extLst>
+          </p:cNvPr>
+          <p:cNvCxnSpPr>
+            <a:endCxn id="118" idx="0"/>
+          </p:cNvCxnSpPr>
+          <p:nvPr/>
+        </p:nvCxnSpPr>
+        <p:spPr>
+          <a:xfrm>
+            <a:off x="10097692" y="5184742"/>
+            <a:ext cx="0" cy="443060"/>
+          </a:xfrm>
+          <a:prstGeom prst="straightConnector1">
+            <a:avLst/>
+          </a:prstGeom>
+          <a:ln>
+            <a:tailEnd type="triangle"/>
+          </a:ln>
+        </p:spPr>
+        <p:style>
+          <a:lnRef idx="1">
+            <a:schemeClr val="accent1"/>
+          </a:lnRef>
+          <a:fillRef idx="0">
+            <a:schemeClr val="accent1"/>
+          </a:fillRef>
+          <a:effectRef idx="0">
+            <a:schemeClr val="accent1"/>
+          </a:effectRef>
+          <a:fontRef idx="minor">
+            <a:schemeClr val="tx1"/>
+          </a:fontRef>
+        </p:style>
+      </p:cxnSp>
+      <p:cxnSp>
+        <p:nvCxnSpPr>
+          <p:cNvPr id="130" name="直接箭头连接符 129">
+            <a:extLst>
+              <a:ext uri="{FF2B5EF4-FFF2-40B4-BE49-F238E27FC236}">
+                <a16:creationId xmlns:a16="http://schemas.microsoft.com/office/drawing/2014/main" id="{A2A6B38E-8604-489C-AD6F-8E625785D762}"/>
+              </a:ext>
+            </a:extLst>
+          </p:cNvPr>
+          <p:cNvCxnSpPr>
+            <a:stCxn id="10" idx="1"/>
+          </p:cNvCxnSpPr>
+          <p:nvPr/>
+        </p:nvCxnSpPr>
+        <p:spPr>
+          <a:xfrm flipH="1">
+            <a:off x="1986692" y="2314280"/>
+            <a:ext cx="490194" cy="0"/>
+          </a:xfrm>
+          <a:prstGeom prst="straightConnector1">
+            <a:avLst/>
+          </a:prstGeom>
+          <a:ln>
+            <a:tailEnd type="triangle"/>
+          </a:ln>
+        </p:spPr>
+        <p:style>
+          <a:lnRef idx="1">
+            <a:schemeClr val="accent1"/>
+          </a:lnRef>
+          <a:fillRef idx="0">
+            <a:schemeClr val="accent1"/>
+          </a:fillRef>
+          <a:effectRef idx="0">
+            <a:schemeClr val="accent1"/>
+          </a:effectRef>
+          <a:fontRef idx="minor">
+            <a:schemeClr val="tx1"/>
+          </a:fontRef>
+        </p:style>
+      </p:cxnSp>
+      <p:sp>
+        <p:nvSpPr>
+          <p:cNvPr id="131" name="文本框 130">
+            <a:extLst>
+              <a:ext uri="{FF2B5EF4-FFF2-40B4-BE49-F238E27FC236}">
+                <a16:creationId xmlns:a16="http://schemas.microsoft.com/office/drawing/2014/main" id="{AE619702-F22B-46A7-B4D6-B915D6103DF8}"/>
+              </a:ext>
+            </a:extLst>
+          </p:cNvPr>
+          <p:cNvSpPr txBox="1"/>
+          <p:nvPr/>
+        </p:nvSpPr>
+        <p:spPr>
+          <a:xfrm>
+            <a:off x="1704969" y="2130284"/>
+            <a:ext cx="285656" cy="369332"/>
+          </a:xfrm>
+          <a:prstGeom prst="rect">
+            <a:avLst/>
+          </a:prstGeom>
+          <a:solidFill>
+            <a:schemeClr val="accent2"/>
+          </a:solidFill>
+        </p:spPr>
+        <p:txBody>
+          <a:bodyPr wrap="none" rtlCol="0">
+            <a:spAutoFit/>
+          </a:bodyPr>
+          <a:lstStyle/>
+          <a:p>
+            <a:r>
+              <a:rPr lang="en-US" altLang="zh-CN" dirty="0"/>
+              <a:t>?</a:t>
+            </a:r>
+            <a:endParaRPr lang="zh-CN" altLang="en-US" dirty="0"/>
+          </a:p>
+        </p:txBody>
+      </p:sp>
+      <p:sp>
+        <p:nvSpPr>
+          <p:cNvPr id="132" name="文本框 131">
+            <a:extLst>
+              <a:ext uri="{FF2B5EF4-FFF2-40B4-BE49-F238E27FC236}">
+                <a16:creationId xmlns:a16="http://schemas.microsoft.com/office/drawing/2014/main" id="{3168159C-5CAB-4EC6-8362-F2ECF0D9DB9F}"/>
+              </a:ext>
+            </a:extLst>
+          </p:cNvPr>
+          <p:cNvSpPr txBox="1"/>
+          <p:nvPr/>
+        </p:nvSpPr>
+        <p:spPr>
+          <a:xfrm>
+            <a:off x="203588" y="880389"/>
+            <a:ext cx="1439818" cy="369332"/>
+          </a:xfrm>
+          <a:prstGeom prst="rect">
+            <a:avLst/>
+          </a:prstGeom>
+          <a:noFill/>
+        </p:spPr>
+        <p:txBody>
+          <a:bodyPr wrap="none" rtlCol="0">
+            <a:spAutoFit/>
+          </a:bodyPr>
+          <a:lstStyle/>
+          <a:p>
+            <a:r>
+              <a:rPr lang="en-US" altLang="zh-CN" dirty="0"/>
+              <a:t>?</a:t>
+            </a:r>
+            <a:r>
+              <a:rPr lang="zh-CN" altLang="en-US" dirty="0"/>
+              <a:t>：自由跳转</a:t>
+            </a:r>
+          </a:p>
+        </p:txBody>
+      </p:sp>
+      <p:sp>
+        <p:nvSpPr>
+          <p:cNvPr id="133" name="文本框 132">
+            <a:extLst>
+              <a:ext uri="{FF2B5EF4-FFF2-40B4-BE49-F238E27FC236}">
+                <a16:creationId xmlns:a16="http://schemas.microsoft.com/office/drawing/2014/main" id="{E5CEA376-C42C-4F28-81E5-3AACDEC1E711}"/>
+              </a:ext>
+            </a:extLst>
+          </p:cNvPr>
+          <p:cNvSpPr txBox="1"/>
+          <p:nvPr/>
+        </p:nvSpPr>
+        <p:spPr>
+          <a:xfrm>
+            <a:off x="164256" y="172661"/>
+            <a:ext cx="2954655" cy="461665"/>
+          </a:xfrm>
+          <a:prstGeom prst="rect">
+            <a:avLst/>
+          </a:prstGeom>
+          <a:noFill/>
+        </p:spPr>
+        <p:txBody>
+          <a:bodyPr wrap="none" rtlCol="0">
+            <a:spAutoFit/>
+          </a:bodyPr>
+          <a:lstStyle/>
+          <a:p>
+            <a:r>
+              <a:rPr lang="zh-CN" altLang="en-US" sz="2400" dirty="0"/>
+              <a:t>客户端功能完成进度</a:t>
+            </a:r>
+          </a:p>
+        </p:txBody>
+      </p:sp>
+      <p:sp>
+        <p:nvSpPr>
+          <p:cNvPr id="134" name="矩形 133">
+            <a:extLst>
+              <a:ext uri="{FF2B5EF4-FFF2-40B4-BE49-F238E27FC236}">
+                <a16:creationId xmlns:a16="http://schemas.microsoft.com/office/drawing/2014/main" id="{C399749D-E2DA-4653-B2BC-3E4D6696E08F}"/>
+              </a:ext>
+            </a:extLst>
+          </p:cNvPr>
+          <p:cNvSpPr/>
+          <p:nvPr/>
+        </p:nvSpPr>
+        <p:spPr>
+          <a:xfrm>
+            <a:off x="66516" y="1280987"/>
+            <a:ext cx="352593" cy="235670"/>
+          </a:xfrm>
+          <a:prstGeom prst="rect">
+            <a:avLst/>
+          </a:prstGeom>
+        </p:spPr>
+        <p:style>
+          <a:lnRef idx="2">
+            <a:schemeClr val="accent1">
+              <a:shade val="50000"/>
+            </a:schemeClr>
+          </a:lnRef>
+          <a:fillRef idx="1">
+            <a:schemeClr val="accent1"/>
+          </a:fillRef>
+          <a:effectRef idx="0">
+            <a:schemeClr val="accent1"/>
+          </a:effectRef>
+          <a:fontRef idx="minor">
+            <a:schemeClr val="lt1"/>
+          </a:fontRef>
+        </p:style>
+        <p:txBody>
+          <a:bodyPr rtlCol="0" anchor="ctr"/>
+          <a:lstStyle/>
+          <a:p>
+            <a:pPr algn="ctr"/>
+            <a:endParaRPr lang="zh-CN" altLang="en-US"/>
+          </a:p>
+        </p:txBody>
+      </p:sp>
+      <p:sp>
+        <p:nvSpPr>
+          <p:cNvPr id="135" name="矩形 134">
+            <a:extLst>
+              <a:ext uri="{FF2B5EF4-FFF2-40B4-BE49-F238E27FC236}">
+                <a16:creationId xmlns:a16="http://schemas.microsoft.com/office/drawing/2014/main" id="{544EEEA2-3E73-4E0C-A9C2-8D6C8270FC1F}"/>
+              </a:ext>
+            </a:extLst>
+          </p:cNvPr>
+          <p:cNvSpPr/>
+          <p:nvPr/>
+        </p:nvSpPr>
+        <p:spPr>
+          <a:xfrm>
+            <a:off x="65127" y="1575097"/>
+            <a:ext cx="352593" cy="235670"/>
+          </a:xfrm>
+          <a:prstGeom prst="rect">
+            <a:avLst/>
+          </a:prstGeom>
+        </p:spPr>
+        <p:style>
+          <a:lnRef idx="2">
+            <a:schemeClr val="accent2">
+              <a:shade val="50000"/>
+            </a:schemeClr>
+          </a:lnRef>
+          <a:fillRef idx="1">
+            <a:schemeClr val="accent2"/>
+          </a:fillRef>
+          <a:effectRef idx="0">
+            <a:schemeClr val="accent2"/>
+          </a:effectRef>
+          <a:fontRef idx="minor">
+            <a:schemeClr val="lt1"/>
+          </a:fontRef>
+        </p:style>
+        <p:txBody>
+          <a:bodyPr rtlCol="0" anchor="ctr"/>
+          <a:lstStyle/>
+          <a:p>
+            <a:pPr algn="ctr"/>
+            <a:endParaRPr lang="zh-CN" altLang="en-US"/>
+          </a:p>
+        </p:txBody>
+      </p:sp>
+      <p:sp>
+        <p:nvSpPr>
+          <p:cNvPr id="136" name="矩形 135">
+            <a:extLst>
+              <a:ext uri="{FF2B5EF4-FFF2-40B4-BE49-F238E27FC236}">
+                <a16:creationId xmlns:a16="http://schemas.microsoft.com/office/drawing/2014/main" id="{047A6B2F-43FF-4387-A83A-B1EDD35018DA}"/>
+              </a:ext>
+            </a:extLst>
+          </p:cNvPr>
+          <p:cNvSpPr/>
+          <p:nvPr/>
+        </p:nvSpPr>
+        <p:spPr>
+          <a:xfrm>
+            <a:off x="65125" y="2163318"/>
+            <a:ext cx="352593" cy="235670"/>
+          </a:xfrm>
+          <a:prstGeom prst="rect">
+            <a:avLst/>
+          </a:prstGeom>
+          <a:solidFill>
+            <a:schemeClr val="tx1">
+              <a:lumMod val="75000"/>
+              <a:lumOff val="25000"/>
+            </a:schemeClr>
+          </a:solidFill>
+        </p:spPr>
+        <p:style>
+          <a:lnRef idx="2">
+            <a:schemeClr val="accent3">
+              <a:shade val="50000"/>
+            </a:schemeClr>
+          </a:lnRef>
+          <a:fillRef idx="1">
+            <a:schemeClr val="accent3"/>
+          </a:fillRef>
+          <a:effectRef idx="0">
+            <a:schemeClr val="accent3"/>
+          </a:effectRef>
+          <a:fontRef idx="minor">
+            <a:schemeClr val="lt1"/>
+          </a:fontRef>
+        </p:style>
+        <p:txBody>
+          <a:bodyPr rtlCol="0" anchor="ctr"/>
+          <a:lstStyle/>
+          <a:p>
+            <a:pPr algn="ctr"/>
+            <a:endParaRPr lang="zh-CN" altLang="en-US"/>
+          </a:p>
+        </p:txBody>
+      </p:sp>
+      <p:sp>
+        <p:nvSpPr>
+          <p:cNvPr id="137" name="文本框 136">
+            <a:extLst>
+              <a:ext uri="{FF2B5EF4-FFF2-40B4-BE49-F238E27FC236}">
+                <a16:creationId xmlns:a16="http://schemas.microsoft.com/office/drawing/2014/main" id="{962E8947-D259-44E2-A934-176416329F7B}"/>
+              </a:ext>
+            </a:extLst>
+          </p:cNvPr>
+          <p:cNvSpPr txBox="1"/>
+          <p:nvPr/>
+        </p:nvSpPr>
+        <p:spPr>
+          <a:xfrm>
+            <a:off x="548014" y="1266487"/>
+            <a:ext cx="2390398" cy="1200329"/>
+          </a:xfrm>
+          <a:prstGeom prst="rect">
+            <a:avLst/>
+          </a:prstGeom>
+          <a:noFill/>
+        </p:spPr>
+        <p:txBody>
+          <a:bodyPr wrap="none" rtlCol="0">
+            <a:spAutoFit/>
+          </a:bodyPr>
+          <a:lstStyle/>
+          <a:p>
+            <a:r>
+              <a:rPr lang="zh-CN" altLang="en-US" dirty="0"/>
+              <a:t>优先，完成度低于</a:t>
+            </a:r>
+            <a:r>
+              <a:rPr lang="en-US" altLang="zh-CN" dirty="0"/>
+              <a:t>50%</a:t>
+            </a:r>
+          </a:p>
+          <a:p>
+            <a:r>
+              <a:rPr lang="zh-CN" altLang="en-US" dirty="0"/>
+              <a:t>优先，完成度高于</a:t>
+            </a:r>
+            <a:r>
+              <a:rPr lang="en-US" altLang="zh-CN" dirty="0"/>
+              <a:t>50%</a:t>
+            </a:r>
+          </a:p>
+          <a:p>
+            <a:r>
+              <a:rPr lang="zh-CN" altLang="en-US" dirty="0"/>
+              <a:t>功能实现完成</a:t>
+            </a:r>
+            <a:endParaRPr lang="en-US" altLang="zh-CN" dirty="0"/>
+          </a:p>
+          <a:p>
+            <a:r>
+              <a:rPr lang="zh-CN" altLang="en-US" dirty="0"/>
+              <a:t>可推迟</a:t>
+            </a:r>
+          </a:p>
+        </p:txBody>
+      </p:sp>
+      <p:sp>
+        <p:nvSpPr>
+          <p:cNvPr id="91" name="矩形 90">
+            <a:extLst>
+              <a:ext uri="{FF2B5EF4-FFF2-40B4-BE49-F238E27FC236}">
+                <a16:creationId xmlns:a16="http://schemas.microsoft.com/office/drawing/2014/main" id="{2EB24ED1-C392-4D84-B976-947437B0117F}"/>
+              </a:ext>
+            </a:extLst>
+          </p:cNvPr>
+          <p:cNvSpPr/>
+          <p:nvPr/>
+        </p:nvSpPr>
+        <p:spPr>
+          <a:xfrm>
+            <a:off x="974103" y="5263358"/>
+            <a:ext cx="3289955" cy="603315"/>
+          </a:xfrm>
+          <a:prstGeom prst="rect">
+            <a:avLst/>
+          </a:prstGeom>
+        </p:spPr>
+        <p:style>
+          <a:lnRef idx="2">
+            <a:schemeClr val="accent6">
+              <a:shade val="50000"/>
+            </a:schemeClr>
+          </a:lnRef>
+          <a:fillRef idx="1">
+            <a:schemeClr val="accent6"/>
+          </a:fillRef>
+          <a:effectRef idx="0">
+            <a:schemeClr val="accent6"/>
+          </a:effectRef>
+          <a:fontRef idx="minor">
+            <a:schemeClr val="lt1"/>
+          </a:fontRef>
+        </p:style>
+        <p:txBody>
+          <a:bodyPr rtlCol="0" anchor="ctr"/>
+          <a:lstStyle/>
+          <a:p>
+            <a:pPr algn="ctr"/>
+            <a:r>
+              <a:rPr lang="zh-CN" altLang="en-US" dirty="0"/>
+              <a:t>战前准备</a:t>
+            </a:r>
+          </a:p>
+        </p:txBody>
+      </p:sp>
+      <p:sp>
+        <p:nvSpPr>
+          <p:cNvPr id="104" name="矩形 103">
+            <a:extLst>
+              <a:ext uri="{FF2B5EF4-FFF2-40B4-BE49-F238E27FC236}">
+                <a16:creationId xmlns:a16="http://schemas.microsoft.com/office/drawing/2014/main" id="{8359AB9B-C4E9-46A9-8A06-7D099B08AFE8}"/>
+              </a:ext>
+            </a:extLst>
+          </p:cNvPr>
+          <p:cNvSpPr/>
+          <p:nvPr/>
+        </p:nvSpPr>
+        <p:spPr>
+          <a:xfrm>
+            <a:off x="65126" y="1869207"/>
+            <a:ext cx="352593" cy="235670"/>
+          </a:xfrm>
+          <a:prstGeom prst="rect">
+            <a:avLst/>
+          </a:prstGeom>
+        </p:spPr>
+        <p:style>
+          <a:lnRef idx="2">
+            <a:schemeClr val="accent6">
+              <a:shade val="50000"/>
+            </a:schemeClr>
+          </a:lnRef>
+          <a:fillRef idx="1">
+            <a:schemeClr val="accent6"/>
+          </a:fillRef>
+          <a:effectRef idx="0">
+            <a:schemeClr val="accent6"/>
+          </a:effectRef>
+          <a:fontRef idx="minor">
+            <a:schemeClr val="lt1"/>
+          </a:fontRef>
+        </p:style>
+        <p:txBody>
+          <a:bodyPr rtlCol="0" anchor="ctr"/>
+          <a:lstStyle/>
+          <a:p>
+            <a:pPr algn="ctr"/>
+            <a:endParaRPr lang="zh-CN" altLang="en-US"/>
+          </a:p>
+        </p:txBody>
+      </p:sp>
+      <p:cxnSp>
+        <p:nvCxnSpPr>
+          <p:cNvPr id="106" name="直接连接符 105">
+            <a:extLst>
+              <a:ext uri="{FF2B5EF4-FFF2-40B4-BE49-F238E27FC236}">
+                <a16:creationId xmlns:a16="http://schemas.microsoft.com/office/drawing/2014/main" id="{CA8716D0-CF01-4906-A764-21C01C7EE776}"/>
+              </a:ext>
+            </a:extLst>
+          </p:cNvPr>
+          <p:cNvCxnSpPr>
+            <a:cxnSpLocks/>
+            <a:stCxn id="74" idx="2"/>
+            <a:endCxn id="26" idx="2"/>
+          </p:cNvCxnSpPr>
+          <p:nvPr/>
+        </p:nvCxnSpPr>
+        <p:spPr>
+          <a:xfrm flipV="1">
+            <a:off x="6795154" y="4360737"/>
+            <a:ext cx="504336" cy="98142"/>
+          </a:xfrm>
+          <a:prstGeom prst="line">
+            <a:avLst/>
+          </a:prstGeom>
+        </p:spPr>
+        <p:style>
+          <a:lnRef idx="1">
+            <a:schemeClr val="accent1"/>
+          </a:lnRef>
+          <a:fillRef idx="0">
+            <a:schemeClr val="accent1"/>
+          </a:fillRef>
+          <a:effectRef idx="0">
+            <a:schemeClr val="accent1"/>
+          </a:effectRef>
+          <a:fontRef idx="minor">
+            <a:schemeClr val="tx1"/>
+          </a:fontRef>
+        </p:style>
+      </p:cxnSp>
+    </p:spTree>
+    <p:extLst>
+      <p:ext uri="{BB962C8B-B14F-4D97-AF65-F5344CB8AC3E}">
+        <p14:creationId xmlns:p14="http://schemas.microsoft.com/office/powerpoint/2010/main" val="3075917631"/>
+      </p:ext>
+    </p:extLst>
+  </p:cSld>
+  <p:clrMapOvr>
+    <a:masterClrMapping/>
+  </p:clrMapOvr>
+</p:sld>
+</file>
+
+<file path=ppt/slides/slide33.xml><?xml version="1.0" encoding="utf-8"?>
+<p:sld xmlns:a="http://schemas.openxmlformats.org/drawingml/2006/main" xmlns:r="http://schemas.openxmlformats.org/officeDocument/2006/relationships" xmlns:p="http://schemas.openxmlformats.org/presentationml/2006/main">
+  <p:cSld>
+    <p:spTree>
+      <p:nvGrpSpPr>
+        <p:cNvPr id="1" name=""/>
+        <p:cNvGrpSpPr/>
+        <p:nvPr/>
+      </p:nvGrpSpPr>
+      <p:grpSpPr>
+        <a:xfrm>
+          <a:off x="0" y="0"/>
+          <a:ext cx="0" cy="0"/>
+          <a:chOff x="0" y="0"/>
+          <a:chExt cx="0" cy="0"/>
+        </a:xfrm>
+      </p:grpSpPr>
+    </p:spTree>
+    <p:extLst>
+      <p:ext uri="{BB962C8B-B14F-4D97-AF65-F5344CB8AC3E}">
+        <p14:creationId xmlns:p14="http://schemas.microsoft.com/office/powerpoint/2010/main" val="950394761"/>
       </p:ext>
     </p:extLst>
   </p:cSld>

--- a/plan/抽卡手游.pptx
+++ b/plan/抽卡手游.pptx
@@ -5,7 +5,7 @@
     <p:sldMasterId id="2147483648" r:id="rId1"/>
   </p:sldMasterIdLst>
   <p:notesMasterIdLst>
-    <p:notesMasterId r:id="rId35"/>
+    <p:notesMasterId r:id="rId37"/>
   </p:notesMasterIdLst>
   <p:sldIdLst>
     <p:sldId id="256" r:id="rId2"/>
@@ -41,6 +41,8 @@
     <p:sldId id="1337" r:id="rId32"/>
     <p:sldId id="1338" r:id="rId33"/>
     <p:sldId id="1339" r:id="rId34"/>
+    <p:sldId id="1340" r:id="rId35"/>
+    <p:sldId id="1341" r:id="rId36"/>
   </p:sldIdLst>
   <p:sldSz cx="12192000" cy="6858000"/>
   <p:notesSz cx="6858000" cy="9144000"/>
@@ -229,7 +231,7 @@
           <a:p>
             <a:fld id="{D2A48B96-639E-45A3-A0BA-2464DFDB1FAA}" type="datetimeFigureOut">
               <a:rPr lang="zh-CN" altLang="en-US" smtClean="0"/>
-              <a:t>2020/7/23</a:t>
+              <a:t>2020/7/24</a:t>
             </a:fld>
             <a:endParaRPr lang="zh-CN" altLang="en-US"/>
           </a:p>
@@ -844,7 +846,7 @@
           <a:p>
             <a:fld id="{5AD20816-3703-4B36-A03B-6CEA84674823}" type="datetimeFigureOut">
               <a:rPr lang="zh-CN" altLang="en-US" smtClean="0"/>
-              <a:t>2020/7/23</a:t>
+              <a:t>2020/7/24</a:t>
             </a:fld>
             <a:endParaRPr lang="zh-CN" altLang="en-US"/>
           </a:p>
@@ -1007,7 +1009,7 @@
           <a:p>
             <a:fld id="{5AD20816-3703-4B36-A03B-6CEA84674823}" type="datetimeFigureOut">
               <a:rPr lang="zh-CN" altLang="en-US" smtClean="0"/>
-              <a:t>2020/7/23</a:t>
+              <a:t>2020/7/24</a:t>
             </a:fld>
             <a:endParaRPr lang="zh-CN" altLang="en-US"/>
           </a:p>
@@ -1180,7 +1182,7 @@
           <a:p>
             <a:fld id="{5AD20816-3703-4B36-A03B-6CEA84674823}" type="datetimeFigureOut">
               <a:rPr lang="zh-CN" altLang="en-US" smtClean="0"/>
-              <a:t>2020/7/23</a:t>
+              <a:t>2020/7/24</a:t>
             </a:fld>
             <a:endParaRPr lang="zh-CN" altLang="en-US"/>
           </a:p>
@@ -1343,7 +1345,7 @@
           <a:p>
             <a:fld id="{5AD20816-3703-4B36-A03B-6CEA84674823}" type="datetimeFigureOut">
               <a:rPr lang="zh-CN" altLang="en-US" smtClean="0"/>
-              <a:t>2020/7/23</a:t>
+              <a:t>2020/7/24</a:t>
             </a:fld>
             <a:endParaRPr lang="zh-CN" altLang="en-US"/>
           </a:p>
@@ -1583,7 +1585,7 @@
           <a:p>
             <a:fld id="{5AD20816-3703-4B36-A03B-6CEA84674823}" type="datetimeFigureOut">
               <a:rPr lang="zh-CN" altLang="en-US" smtClean="0"/>
-              <a:t>2020/7/23</a:t>
+              <a:t>2020/7/24</a:t>
             </a:fld>
             <a:endParaRPr lang="zh-CN" altLang="en-US"/>
           </a:p>
@@ -1807,7 +1809,7 @@
           <a:p>
             <a:fld id="{5AD20816-3703-4B36-A03B-6CEA84674823}" type="datetimeFigureOut">
               <a:rPr lang="zh-CN" altLang="en-US" smtClean="0"/>
-              <a:t>2020/7/23</a:t>
+              <a:t>2020/7/24</a:t>
             </a:fld>
             <a:endParaRPr lang="zh-CN" altLang="en-US"/>
           </a:p>
@@ -2166,7 +2168,7 @@
           <a:p>
             <a:fld id="{5AD20816-3703-4B36-A03B-6CEA84674823}" type="datetimeFigureOut">
               <a:rPr lang="zh-CN" altLang="en-US" smtClean="0"/>
-              <a:t>2020/7/23</a:t>
+              <a:t>2020/7/24</a:t>
             </a:fld>
             <a:endParaRPr lang="zh-CN" altLang="en-US"/>
           </a:p>
@@ -2278,7 +2280,7 @@
           <a:p>
             <a:fld id="{5AD20816-3703-4B36-A03B-6CEA84674823}" type="datetimeFigureOut">
               <a:rPr lang="zh-CN" altLang="en-US" smtClean="0"/>
-              <a:t>2020/7/23</a:t>
+              <a:t>2020/7/24</a:t>
             </a:fld>
             <a:endParaRPr lang="zh-CN" altLang="en-US"/>
           </a:p>
@@ -2368,7 +2370,7 @@
           <a:p>
             <a:fld id="{5AD20816-3703-4B36-A03B-6CEA84674823}" type="datetimeFigureOut">
               <a:rPr lang="zh-CN" altLang="en-US" smtClean="0"/>
-              <a:t>2020/7/23</a:t>
+              <a:t>2020/7/24</a:t>
             </a:fld>
             <a:endParaRPr lang="zh-CN" altLang="en-US"/>
           </a:p>
@@ -2638,7 +2640,7 @@
           <a:p>
             <a:fld id="{5AD20816-3703-4B36-A03B-6CEA84674823}" type="datetimeFigureOut">
               <a:rPr lang="zh-CN" altLang="en-US" smtClean="0"/>
-              <a:t>2020/7/23</a:t>
+              <a:t>2020/7/24</a:t>
             </a:fld>
             <a:endParaRPr lang="zh-CN" altLang="en-US"/>
           </a:p>
@@ -2885,7 +2887,7 @@
           <a:p>
             <a:fld id="{5AD20816-3703-4B36-A03B-6CEA84674823}" type="datetimeFigureOut">
               <a:rPr lang="zh-CN" altLang="en-US" smtClean="0"/>
-              <a:t>2020/7/23</a:t>
+              <a:t>2020/7/24</a:t>
             </a:fld>
             <a:endParaRPr lang="zh-CN" altLang="en-US"/>
           </a:p>
@@ -3091,7 +3093,7 @@
           <a:p>
             <a:fld id="{5AD20816-3703-4B36-A03B-6CEA84674823}" type="datetimeFigureOut">
               <a:rPr lang="zh-CN" altLang="en-US" smtClean="0"/>
-              <a:t>2020/7/23</a:t>
+              <a:t>2020/7/24</a:t>
             </a:fld>
             <a:endParaRPr lang="zh-CN" altLang="en-US"/>
           </a:p>
@@ -25337,15 +25339,15 @@
         </p:spPr>
         <p:style>
           <a:lnRef idx="2">
-            <a:schemeClr val="accent2">
-              <a:shade val="50000"/>
-            </a:schemeClr>
-          </a:lnRef>
-          <a:fillRef idx="1">
-            <a:schemeClr val="accent2"/>
-          </a:fillRef>
-          <a:effectRef idx="0">
-            <a:schemeClr val="accent2"/>
+            <a:schemeClr val="accent6">
+              <a:shade val="50000"/>
+            </a:schemeClr>
+          </a:lnRef>
+          <a:fillRef idx="1">
+            <a:schemeClr val="accent6"/>
+          </a:fillRef>
+          <a:effectRef idx="0">
+            <a:schemeClr val="accent6"/>
           </a:effectRef>
           <a:fontRef idx="minor">
             <a:schemeClr val="lt1"/>
@@ -25643,15 +25645,15 @@
         </p:spPr>
         <p:style>
           <a:lnRef idx="2">
-            <a:schemeClr val="accent1">
-              <a:shade val="50000"/>
-            </a:schemeClr>
-          </a:lnRef>
-          <a:fillRef idx="1">
-            <a:schemeClr val="accent1"/>
-          </a:fillRef>
-          <a:effectRef idx="0">
-            <a:schemeClr val="accent1"/>
+            <a:schemeClr val="dk1">
+              <a:shade val="50000"/>
+            </a:schemeClr>
+          </a:lnRef>
+          <a:fillRef idx="1">
+            <a:schemeClr val="dk1"/>
+          </a:fillRef>
+          <a:effectRef idx="0">
+            <a:schemeClr val="dk1"/>
           </a:effectRef>
           <a:fontRef idx="minor">
             <a:schemeClr val="lt1"/>
@@ -25986,15 +25988,15 @@
         </p:spPr>
         <p:style>
           <a:lnRef idx="2">
-            <a:schemeClr val="accent1">
-              <a:shade val="50000"/>
-            </a:schemeClr>
-          </a:lnRef>
-          <a:fillRef idx="1">
-            <a:schemeClr val="accent1"/>
-          </a:fillRef>
-          <a:effectRef idx="0">
-            <a:schemeClr val="accent1"/>
+            <a:schemeClr val="accent2">
+              <a:shade val="50000"/>
+            </a:schemeClr>
+          </a:lnRef>
+          <a:fillRef idx="1">
+            <a:schemeClr val="accent2"/>
+          </a:fillRef>
+          <a:effectRef idx="0">
+            <a:schemeClr val="accent2"/>
           </a:effectRef>
           <a:fontRef idx="minor">
             <a:schemeClr val="lt1"/>
@@ -27728,10 +27730,431 @@
           <a:chExt cx="0" cy="0"/>
         </a:xfrm>
       </p:grpSpPr>
+      <p:sp>
+        <p:nvSpPr>
+          <p:cNvPr id="2" name="文本框 1">
+            <a:extLst>
+              <a:ext uri="{FF2B5EF4-FFF2-40B4-BE49-F238E27FC236}">
+                <a16:creationId xmlns:a16="http://schemas.microsoft.com/office/drawing/2014/main" id="{50676BF0-2857-42F5-AD7F-E5B1B35732EF}"/>
+              </a:ext>
+            </a:extLst>
+          </p:cNvPr>
+          <p:cNvSpPr txBox="1"/>
+          <p:nvPr/>
+        </p:nvSpPr>
+        <p:spPr>
+          <a:xfrm>
+            <a:off x="89647" y="125506"/>
+            <a:ext cx="5556329" cy="2031325"/>
+          </a:xfrm>
+          <a:prstGeom prst="rect">
+            <a:avLst/>
+          </a:prstGeom>
+          <a:noFill/>
+        </p:spPr>
+        <p:txBody>
+          <a:bodyPr wrap="none" rtlCol="0">
+            <a:spAutoFit/>
+          </a:bodyPr>
+          <a:lstStyle/>
+          <a:p>
+            <a:r>
+              <a:rPr lang="zh-CN" altLang="en-US" dirty="0"/>
+              <a:t>用户的身份信息 初次下载后保持不变</a:t>
+            </a:r>
+            <a:endParaRPr lang="en-US" altLang="zh-CN" dirty="0"/>
+          </a:p>
+          <a:p>
+            <a:r>
+              <a:rPr lang="zh-CN" altLang="en-US" dirty="0"/>
+              <a:t>用户的资源 初次下载、抽卡、进入关卡、退出关卡</a:t>
+            </a:r>
+            <a:endParaRPr lang="en-US" altLang="zh-CN" dirty="0"/>
+          </a:p>
+          <a:p>
+            <a:r>
+              <a:rPr lang="zh-CN" altLang="en-US" dirty="0"/>
+              <a:t>道具的获得 初次下载、消耗、获取</a:t>
+            </a:r>
+            <a:endParaRPr lang="en-US" altLang="zh-CN" dirty="0"/>
+          </a:p>
+          <a:p>
+            <a:r>
+              <a:rPr lang="zh-CN" altLang="en-US" dirty="0"/>
+              <a:t>卡牌的获得 初次下载、消耗、获取</a:t>
+            </a:r>
+            <a:endParaRPr lang="en-US" altLang="zh-CN" dirty="0"/>
+          </a:p>
+          <a:p>
+            <a:r>
+              <a:rPr lang="zh-CN" altLang="en-US" dirty="0"/>
+              <a:t>卡牌的等级与经验值 初次下载、点数分配、退出关卡</a:t>
+            </a:r>
+            <a:endParaRPr lang="en-US" altLang="zh-CN" dirty="0"/>
+          </a:p>
+          <a:p>
+            <a:endParaRPr lang="en-US" altLang="zh-CN" dirty="0"/>
+          </a:p>
+          <a:p>
+            <a:r>
+              <a:rPr lang="zh-CN" altLang="en-US" dirty="0"/>
+              <a:t>节点以外的时刻都保持至内存</a:t>
+            </a:r>
+          </a:p>
+        </p:txBody>
+      </p:sp>
     </p:spTree>
     <p:extLst>
       <p:ext uri="{BB962C8B-B14F-4D97-AF65-F5344CB8AC3E}">
         <p14:creationId xmlns:p14="http://schemas.microsoft.com/office/powerpoint/2010/main" val="950394761"/>
+      </p:ext>
+    </p:extLst>
+  </p:cSld>
+  <p:clrMapOvr>
+    <a:masterClrMapping/>
+  </p:clrMapOvr>
+</p:sld>
+</file>
+
+<file path=ppt/slides/slide34.xml><?xml version="1.0" encoding="utf-8"?>
+<p:sld xmlns:a="http://schemas.openxmlformats.org/drawingml/2006/main" xmlns:r="http://schemas.openxmlformats.org/officeDocument/2006/relationships" xmlns:p="http://schemas.openxmlformats.org/presentationml/2006/main">
+  <p:cSld>
+    <p:spTree>
+      <p:nvGrpSpPr>
+        <p:cNvPr id="1" name=""/>
+        <p:cNvGrpSpPr/>
+        <p:nvPr/>
+      </p:nvGrpSpPr>
+      <p:grpSpPr>
+        <a:xfrm>
+          <a:off x="0" y="0"/>
+          <a:ext cx="0" cy="0"/>
+          <a:chOff x="0" y="0"/>
+          <a:chExt cx="0" cy="0"/>
+        </a:xfrm>
+      </p:grpSpPr>
+      <p:sp>
+        <p:nvSpPr>
+          <p:cNvPr id="2" name="文本框 1">
+            <a:extLst>
+              <a:ext uri="{FF2B5EF4-FFF2-40B4-BE49-F238E27FC236}">
+                <a16:creationId xmlns:a16="http://schemas.microsoft.com/office/drawing/2014/main" id="{FF939343-D6A2-4EB8-8E6D-B56DCEE8FB94}"/>
+              </a:ext>
+            </a:extLst>
+          </p:cNvPr>
+          <p:cNvSpPr txBox="1"/>
+          <p:nvPr/>
+        </p:nvSpPr>
+        <p:spPr>
+          <a:xfrm>
+            <a:off x="206187" y="206188"/>
+            <a:ext cx="3698448" cy="5632311"/>
+          </a:xfrm>
+          <a:prstGeom prst="rect">
+            <a:avLst/>
+          </a:prstGeom>
+          <a:noFill/>
+        </p:spPr>
+        <p:txBody>
+          <a:bodyPr wrap="none" rtlCol="0">
+            <a:spAutoFit/>
+          </a:bodyPr>
+          <a:lstStyle/>
+          <a:p>
+            <a:r>
+              <a:rPr lang="zh-CN" altLang="en-US" dirty="0"/>
+              <a:t>运维所需的统计功能</a:t>
+            </a:r>
+          </a:p>
+          <a:p>
+            <a:r>
+              <a:rPr lang="en-US" altLang="zh-CN" dirty="0"/>
+              <a:t>·</a:t>
+            </a:r>
+            <a:r>
+              <a:rPr lang="zh-CN" altLang="en-US" dirty="0">
+                <a:solidFill>
+                  <a:srgbClr val="FF0000"/>
+                </a:solidFill>
+              </a:rPr>
+              <a:t>上线玩家数曲线</a:t>
+            </a:r>
+            <a:endParaRPr lang="en-US" altLang="zh-CN" dirty="0">
+              <a:solidFill>
+                <a:srgbClr val="FF0000"/>
+              </a:solidFill>
+            </a:endParaRPr>
+          </a:p>
+          <a:p>
+            <a:r>
+              <a:rPr lang="en-US" altLang="zh-CN" dirty="0"/>
+              <a:t>·</a:t>
+            </a:r>
+            <a:r>
+              <a:rPr lang="zh-CN" altLang="en-US" dirty="0"/>
+              <a:t>关卡热度曲线</a:t>
+            </a:r>
+            <a:endParaRPr lang="en-US" altLang="zh-CN" dirty="0"/>
+          </a:p>
+          <a:p>
+            <a:r>
+              <a:rPr lang="en-US" altLang="zh-CN" dirty="0"/>
+              <a:t>·</a:t>
+            </a:r>
+            <a:r>
+              <a:rPr lang="zh-CN" altLang="en-US" dirty="0"/>
+              <a:t>抽卡频率曲线（按卡牌）</a:t>
+            </a:r>
+            <a:endParaRPr lang="en-US" altLang="zh-CN" dirty="0"/>
+          </a:p>
+          <a:p>
+            <a:r>
+              <a:rPr lang="en-US" altLang="zh-CN" dirty="0"/>
+              <a:t>·</a:t>
+            </a:r>
+            <a:r>
+              <a:rPr lang="zh-CN" altLang="en-US" dirty="0"/>
+              <a:t>交易频率曲线（按商品）</a:t>
+            </a:r>
+            <a:endParaRPr lang="en-US" altLang="zh-CN" dirty="0"/>
+          </a:p>
+          <a:p>
+            <a:r>
+              <a:rPr lang="en-US" altLang="zh-CN" dirty="0"/>
+              <a:t>·</a:t>
+            </a:r>
+            <a:r>
+              <a:rPr lang="zh-CN" altLang="en-US" dirty="0"/>
+              <a:t>交易金额曲线</a:t>
+            </a:r>
+            <a:endParaRPr lang="en-US" altLang="zh-CN" dirty="0"/>
+          </a:p>
+          <a:p>
+            <a:endParaRPr lang="en-US" altLang="zh-CN" dirty="0"/>
+          </a:p>
+          <a:p>
+            <a:r>
+              <a:rPr lang="zh-CN" altLang="en-US" dirty="0"/>
+              <a:t>基本日志</a:t>
+            </a:r>
+            <a:endParaRPr lang="en-US" altLang="zh-CN" dirty="0"/>
+          </a:p>
+          <a:p>
+            <a:r>
+              <a:rPr lang="en-US" altLang="zh-CN" dirty="0"/>
+              <a:t>·</a:t>
+            </a:r>
+            <a:r>
+              <a:rPr lang="zh-CN" altLang="en-US" dirty="0">
+                <a:solidFill>
+                  <a:srgbClr val="FF0000"/>
+                </a:solidFill>
+              </a:rPr>
+              <a:t>登入登出日志</a:t>
+            </a:r>
+            <a:endParaRPr lang="en-US" altLang="zh-CN" dirty="0">
+              <a:solidFill>
+                <a:srgbClr val="FF0000"/>
+              </a:solidFill>
+            </a:endParaRPr>
+          </a:p>
+          <a:p>
+            <a:r>
+              <a:rPr lang="en-US" altLang="zh-CN" dirty="0"/>
+              <a:t>·</a:t>
+            </a:r>
+            <a:r>
+              <a:rPr lang="zh-CN" altLang="en-US" dirty="0"/>
+              <a:t>战绩日志</a:t>
+            </a:r>
+            <a:endParaRPr lang="en-US" altLang="zh-CN" dirty="0"/>
+          </a:p>
+          <a:p>
+            <a:r>
+              <a:rPr lang="en-US" altLang="zh-CN" dirty="0"/>
+              <a:t>·</a:t>
+            </a:r>
+            <a:r>
+              <a:rPr lang="zh-CN" altLang="en-US" dirty="0"/>
+              <a:t>交易日志（道具、商品、时间点）</a:t>
+            </a:r>
+            <a:endParaRPr lang="en-US" altLang="zh-CN" dirty="0"/>
+          </a:p>
+          <a:p>
+            <a:r>
+              <a:rPr lang="en-US" altLang="zh-CN" dirty="0"/>
+              <a:t>·</a:t>
+            </a:r>
+            <a:r>
+              <a:rPr lang="zh-CN" altLang="en-US" dirty="0"/>
+              <a:t>抽卡日志（抽出的卡牌、时间点）</a:t>
+            </a:r>
+            <a:endParaRPr lang="en-US" altLang="zh-CN" dirty="0"/>
+          </a:p>
+          <a:p>
+            <a:endParaRPr lang="en-US" altLang="zh-CN" dirty="0"/>
+          </a:p>
+          <a:p>
+            <a:r>
+              <a:rPr lang="zh-CN" altLang="en-US" dirty="0"/>
+              <a:t>系统日志</a:t>
+            </a:r>
+            <a:endParaRPr lang="en-US" altLang="zh-CN" dirty="0"/>
+          </a:p>
+          <a:p>
+            <a:r>
+              <a:rPr lang="en-US" altLang="zh-CN" dirty="0"/>
+              <a:t>·</a:t>
+            </a:r>
+            <a:r>
+              <a:rPr lang="zh-CN" altLang="en-US" dirty="0"/>
+              <a:t>客户端崩溃日志</a:t>
+            </a:r>
+            <a:endParaRPr lang="en-US" altLang="zh-CN" dirty="0"/>
+          </a:p>
+          <a:p>
+            <a:r>
+              <a:rPr lang="en-US" altLang="zh-CN" dirty="0"/>
+              <a:t>·</a:t>
+            </a:r>
+            <a:r>
+              <a:rPr lang="zh-CN" altLang="en-US" dirty="0">
+                <a:solidFill>
+                  <a:srgbClr val="FF0000"/>
+                </a:solidFill>
+              </a:rPr>
+              <a:t>客户端异常耗时日志</a:t>
+            </a:r>
+            <a:endParaRPr lang="en-US" altLang="zh-CN" dirty="0">
+              <a:solidFill>
+                <a:srgbClr val="FF0000"/>
+              </a:solidFill>
+            </a:endParaRPr>
+          </a:p>
+          <a:p>
+            <a:endParaRPr lang="en-US" altLang="zh-CN" dirty="0"/>
+          </a:p>
+          <a:p>
+            <a:r>
+              <a:rPr lang="zh-CN" altLang="en-US" dirty="0"/>
+              <a:t>通过计算得出的信息</a:t>
+            </a:r>
+            <a:endParaRPr lang="en-US" altLang="zh-CN" dirty="0"/>
+          </a:p>
+          <a:p>
+            <a:r>
+              <a:rPr lang="en-US" altLang="zh-CN" dirty="0"/>
+              <a:t>·</a:t>
+            </a:r>
+            <a:r>
+              <a:rPr lang="zh-CN" altLang="en-US" dirty="0">
+                <a:solidFill>
+                  <a:srgbClr val="FF0000"/>
+                </a:solidFill>
+              </a:rPr>
+              <a:t>游玩时长</a:t>
+            </a:r>
+            <a:endParaRPr lang="en-US" altLang="zh-CN" dirty="0">
+              <a:solidFill>
+                <a:srgbClr val="FF0000"/>
+              </a:solidFill>
+            </a:endParaRPr>
+          </a:p>
+          <a:p>
+            <a:r>
+              <a:rPr lang="en-US" altLang="zh-CN" dirty="0"/>
+              <a:t>·</a:t>
+            </a:r>
+          </a:p>
+        </p:txBody>
+      </p:sp>
+    </p:spTree>
+    <p:extLst>
+      <p:ext uri="{BB962C8B-B14F-4D97-AF65-F5344CB8AC3E}">
+        <p14:creationId xmlns:p14="http://schemas.microsoft.com/office/powerpoint/2010/main" val="149543519"/>
+      </p:ext>
+    </p:extLst>
+  </p:cSld>
+  <p:clrMapOvr>
+    <a:masterClrMapping/>
+  </p:clrMapOvr>
+</p:sld>
+</file>
+
+<file path=ppt/slides/slide35.xml><?xml version="1.0" encoding="utf-8"?>
+<p:sld xmlns:a="http://schemas.openxmlformats.org/drawingml/2006/main" xmlns:r="http://schemas.openxmlformats.org/officeDocument/2006/relationships" xmlns:p="http://schemas.openxmlformats.org/presentationml/2006/main">
+  <p:cSld>
+    <p:spTree>
+      <p:nvGrpSpPr>
+        <p:cNvPr id="1" name=""/>
+        <p:cNvGrpSpPr/>
+        <p:nvPr/>
+      </p:nvGrpSpPr>
+      <p:grpSpPr>
+        <a:xfrm>
+          <a:off x="0" y="0"/>
+          <a:ext cx="0" cy="0"/>
+          <a:chOff x="0" y="0"/>
+          <a:chExt cx="0" cy="0"/>
+        </a:xfrm>
+      </p:grpSpPr>
+      <p:sp>
+        <p:nvSpPr>
+          <p:cNvPr id="3" name="文本框 2">
+            <a:extLst>
+              <a:ext uri="{FF2B5EF4-FFF2-40B4-BE49-F238E27FC236}">
+                <a16:creationId xmlns:a16="http://schemas.microsoft.com/office/drawing/2014/main" id="{7F1BBF0D-60FD-442D-A0A3-3CE6D6B19C76}"/>
+              </a:ext>
+            </a:extLst>
+          </p:cNvPr>
+          <p:cNvSpPr txBox="1"/>
+          <p:nvPr/>
+        </p:nvSpPr>
+        <p:spPr>
+          <a:xfrm>
+            <a:off x="89647" y="125506"/>
+            <a:ext cx="1845377" cy="923330"/>
+          </a:xfrm>
+          <a:prstGeom prst="rect">
+            <a:avLst/>
+          </a:prstGeom>
+          <a:noFill/>
+        </p:spPr>
+        <p:txBody>
+          <a:bodyPr wrap="none" rtlCol="0">
+            <a:spAutoFit/>
+          </a:bodyPr>
+          <a:lstStyle/>
+          <a:p>
+            <a:r>
+              <a:rPr lang="zh-CN" altLang="en-US" dirty="0"/>
+              <a:t>发布邮件</a:t>
+            </a:r>
+            <a:r>
+              <a:rPr lang="en-US" altLang="zh-CN" dirty="0"/>
+              <a:t>/</a:t>
+            </a:r>
+            <a:r>
+              <a:rPr lang="zh-CN" altLang="en-US" dirty="0"/>
+              <a:t>公告</a:t>
+            </a:r>
+            <a:endParaRPr lang="en-US" altLang="zh-CN" dirty="0"/>
+          </a:p>
+          <a:p>
+            <a:endParaRPr lang="en-US" altLang="zh-CN" dirty="0"/>
+          </a:p>
+          <a:p>
+            <a:r>
+              <a:rPr lang="zh-CN" altLang="en-US" dirty="0"/>
+              <a:t>游玩的双重验证</a:t>
+            </a:r>
+          </a:p>
+        </p:txBody>
+      </p:sp>
+    </p:spTree>
+    <p:extLst>
+      <p:ext uri="{BB962C8B-B14F-4D97-AF65-F5344CB8AC3E}">
+        <p14:creationId xmlns:p14="http://schemas.microsoft.com/office/powerpoint/2010/main" val="4000776998"/>
       </p:ext>
     </p:extLst>
   </p:cSld>

--- a/plan/抽卡手游.pptx
+++ b/plan/抽卡手游.pptx
@@ -5,7 +5,7 @@
     <p:sldMasterId id="2147483648" r:id="rId1"/>
   </p:sldMasterIdLst>
   <p:notesMasterIdLst>
-    <p:notesMasterId r:id="rId37"/>
+    <p:notesMasterId r:id="rId38"/>
   </p:notesMasterIdLst>
   <p:sldIdLst>
     <p:sldId id="256" r:id="rId2"/>
@@ -43,6 +43,7 @@
     <p:sldId id="1339" r:id="rId34"/>
     <p:sldId id="1340" r:id="rId35"/>
     <p:sldId id="1341" r:id="rId36"/>
+    <p:sldId id="1342" r:id="rId37"/>
   </p:sldIdLst>
   <p:sldSz cx="12192000" cy="6858000"/>
   <p:notesSz cx="6858000" cy="9144000"/>
@@ -231,7 +232,7 @@
           <a:p>
             <a:fld id="{D2A48B96-639E-45A3-A0BA-2464DFDB1FAA}" type="datetimeFigureOut">
               <a:rPr lang="zh-CN" altLang="en-US" smtClean="0"/>
-              <a:t>2020/7/24</a:t>
+              <a:t>2020/7/31</a:t>
             </a:fld>
             <a:endParaRPr lang="zh-CN" altLang="en-US"/>
           </a:p>
@@ -846,7 +847,7 @@
           <a:p>
             <a:fld id="{5AD20816-3703-4B36-A03B-6CEA84674823}" type="datetimeFigureOut">
               <a:rPr lang="zh-CN" altLang="en-US" smtClean="0"/>
-              <a:t>2020/7/24</a:t>
+              <a:t>2020/7/31</a:t>
             </a:fld>
             <a:endParaRPr lang="zh-CN" altLang="en-US"/>
           </a:p>
@@ -1009,7 +1010,7 @@
           <a:p>
             <a:fld id="{5AD20816-3703-4B36-A03B-6CEA84674823}" type="datetimeFigureOut">
               <a:rPr lang="zh-CN" altLang="en-US" smtClean="0"/>
-              <a:t>2020/7/24</a:t>
+              <a:t>2020/7/31</a:t>
             </a:fld>
             <a:endParaRPr lang="zh-CN" altLang="en-US"/>
           </a:p>
@@ -1182,7 +1183,7 @@
           <a:p>
             <a:fld id="{5AD20816-3703-4B36-A03B-6CEA84674823}" type="datetimeFigureOut">
               <a:rPr lang="zh-CN" altLang="en-US" smtClean="0"/>
-              <a:t>2020/7/24</a:t>
+              <a:t>2020/7/31</a:t>
             </a:fld>
             <a:endParaRPr lang="zh-CN" altLang="en-US"/>
           </a:p>
@@ -1345,7 +1346,7 @@
           <a:p>
             <a:fld id="{5AD20816-3703-4B36-A03B-6CEA84674823}" type="datetimeFigureOut">
               <a:rPr lang="zh-CN" altLang="en-US" smtClean="0"/>
-              <a:t>2020/7/24</a:t>
+              <a:t>2020/7/31</a:t>
             </a:fld>
             <a:endParaRPr lang="zh-CN" altLang="en-US"/>
           </a:p>
@@ -1585,7 +1586,7 @@
           <a:p>
             <a:fld id="{5AD20816-3703-4B36-A03B-6CEA84674823}" type="datetimeFigureOut">
               <a:rPr lang="zh-CN" altLang="en-US" smtClean="0"/>
-              <a:t>2020/7/24</a:t>
+              <a:t>2020/7/31</a:t>
             </a:fld>
             <a:endParaRPr lang="zh-CN" altLang="en-US"/>
           </a:p>
@@ -1809,7 +1810,7 @@
           <a:p>
             <a:fld id="{5AD20816-3703-4B36-A03B-6CEA84674823}" type="datetimeFigureOut">
               <a:rPr lang="zh-CN" altLang="en-US" smtClean="0"/>
-              <a:t>2020/7/24</a:t>
+              <a:t>2020/7/31</a:t>
             </a:fld>
             <a:endParaRPr lang="zh-CN" altLang="en-US"/>
           </a:p>
@@ -2168,7 +2169,7 @@
           <a:p>
             <a:fld id="{5AD20816-3703-4B36-A03B-6CEA84674823}" type="datetimeFigureOut">
               <a:rPr lang="zh-CN" altLang="en-US" smtClean="0"/>
-              <a:t>2020/7/24</a:t>
+              <a:t>2020/7/31</a:t>
             </a:fld>
             <a:endParaRPr lang="zh-CN" altLang="en-US"/>
           </a:p>
@@ -2280,7 +2281,7 @@
           <a:p>
             <a:fld id="{5AD20816-3703-4B36-A03B-6CEA84674823}" type="datetimeFigureOut">
               <a:rPr lang="zh-CN" altLang="en-US" smtClean="0"/>
-              <a:t>2020/7/24</a:t>
+              <a:t>2020/7/31</a:t>
             </a:fld>
             <a:endParaRPr lang="zh-CN" altLang="en-US"/>
           </a:p>
@@ -2370,7 +2371,7 @@
           <a:p>
             <a:fld id="{5AD20816-3703-4B36-A03B-6CEA84674823}" type="datetimeFigureOut">
               <a:rPr lang="zh-CN" altLang="en-US" smtClean="0"/>
-              <a:t>2020/7/24</a:t>
+              <a:t>2020/7/31</a:t>
             </a:fld>
             <a:endParaRPr lang="zh-CN" altLang="en-US"/>
           </a:p>
@@ -2640,7 +2641,7 @@
           <a:p>
             <a:fld id="{5AD20816-3703-4B36-A03B-6CEA84674823}" type="datetimeFigureOut">
               <a:rPr lang="zh-CN" altLang="en-US" smtClean="0"/>
-              <a:t>2020/7/24</a:t>
+              <a:t>2020/7/31</a:t>
             </a:fld>
             <a:endParaRPr lang="zh-CN" altLang="en-US"/>
           </a:p>
@@ -2887,7 +2888,7 @@
           <a:p>
             <a:fld id="{5AD20816-3703-4B36-A03B-6CEA84674823}" type="datetimeFigureOut">
               <a:rPr lang="zh-CN" altLang="en-US" smtClean="0"/>
-              <a:t>2020/7/24</a:t>
+              <a:t>2020/7/31</a:t>
             </a:fld>
             <a:endParaRPr lang="zh-CN" altLang="en-US"/>
           </a:p>
@@ -3093,7 +3094,7 @@
           <a:p>
             <a:fld id="{5AD20816-3703-4B36-A03B-6CEA84674823}" type="datetimeFigureOut">
               <a:rPr lang="zh-CN" altLang="en-US" smtClean="0"/>
-              <a:t>2020/7/24</a:t>
+              <a:t>2020/7/31</a:t>
             </a:fld>
             <a:endParaRPr lang="zh-CN" altLang="en-US"/>
           </a:p>
@@ -28155,6 +28156,263 @@
     <p:extLst>
       <p:ext uri="{BB962C8B-B14F-4D97-AF65-F5344CB8AC3E}">
         <p14:creationId xmlns:p14="http://schemas.microsoft.com/office/powerpoint/2010/main" val="4000776998"/>
+      </p:ext>
+    </p:extLst>
+  </p:cSld>
+  <p:clrMapOvr>
+    <a:masterClrMapping/>
+  </p:clrMapOvr>
+</p:sld>
+</file>
+
+<file path=ppt/slides/slide36.xml><?xml version="1.0" encoding="utf-8"?>
+<p:sld xmlns:a="http://schemas.openxmlformats.org/drawingml/2006/main" xmlns:r="http://schemas.openxmlformats.org/officeDocument/2006/relationships" xmlns:p="http://schemas.openxmlformats.org/presentationml/2006/main">
+  <p:cSld>
+    <p:spTree>
+      <p:nvGrpSpPr>
+        <p:cNvPr id="1" name=""/>
+        <p:cNvGrpSpPr/>
+        <p:nvPr/>
+      </p:nvGrpSpPr>
+      <p:grpSpPr>
+        <a:xfrm>
+          <a:off x="0" y="0"/>
+          <a:ext cx="0" cy="0"/>
+          <a:chOff x="0" y="0"/>
+          <a:chExt cx="0" cy="0"/>
+        </a:xfrm>
+      </p:grpSpPr>
+      <p:sp>
+        <p:nvSpPr>
+          <p:cNvPr id="2" name="文本框 1">
+            <a:extLst>
+              <a:ext uri="{FF2B5EF4-FFF2-40B4-BE49-F238E27FC236}">
+                <a16:creationId xmlns:a16="http://schemas.microsoft.com/office/drawing/2014/main" id="{46054FE5-5A4E-44E7-A772-9A99CFE90AF2}"/>
+              </a:ext>
+            </a:extLst>
+          </p:cNvPr>
+          <p:cNvSpPr txBox="1"/>
+          <p:nvPr/>
+        </p:nvSpPr>
+        <p:spPr>
+          <a:xfrm>
+            <a:off x="259976" y="295835"/>
+            <a:ext cx="1983235" cy="369332"/>
+          </a:xfrm>
+          <a:prstGeom prst="rect">
+            <a:avLst/>
+          </a:prstGeom>
+          <a:noFill/>
+        </p:spPr>
+        <p:txBody>
+          <a:bodyPr wrap="none" rtlCol="0">
+            <a:spAutoFit/>
+          </a:bodyPr>
+          <a:lstStyle/>
+          <a:p>
+            <a:r>
+              <a:rPr lang="zh-CN" altLang="en-US" dirty="0"/>
+              <a:t>第五周计划</a:t>
+            </a:r>
+            <a:r>
+              <a:rPr lang="en-US" altLang="zh-CN" dirty="0"/>
+              <a:t>-</a:t>
+            </a:r>
+            <a:r>
+              <a:rPr lang="en-US" altLang="zh-CN" dirty="0" err="1"/>
+              <a:t>izumi</a:t>
+            </a:r>
+            <a:endParaRPr lang="zh-CN" altLang="en-US" dirty="0"/>
+          </a:p>
+        </p:txBody>
+      </p:sp>
+      <p:pic>
+        <p:nvPicPr>
+          <p:cNvPr id="3" name="图片 2">
+            <a:extLst>
+              <a:ext uri="{FF2B5EF4-FFF2-40B4-BE49-F238E27FC236}">
+                <a16:creationId xmlns:a16="http://schemas.microsoft.com/office/drawing/2014/main" id="{26D68CAB-F62C-4892-A2AD-C63FD212D111}"/>
+              </a:ext>
+            </a:extLst>
+          </p:cNvPr>
+          <p:cNvPicPr>
+            <a:picLocks noChangeAspect="1"/>
+          </p:cNvPicPr>
+          <p:nvPr/>
+        </p:nvPicPr>
+        <p:blipFill rotWithShape="1">
+          <a:blip r:embed="rId2"/>
+          <a:srcRect l="8099"/>
+          <a:stretch/>
+        </p:blipFill>
+        <p:spPr>
+          <a:xfrm>
+            <a:off x="0" y="820551"/>
+            <a:ext cx="5594917" cy="5741614"/>
+          </a:xfrm>
+          <a:prstGeom prst="rect">
+            <a:avLst/>
+          </a:prstGeom>
+        </p:spPr>
+      </p:pic>
+      <p:sp>
+        <p:nvSpPr>
+          <p:cNvPr id="5" name="文本框 4">
+            <a:extLst>
+              <a:ext uri="{FF2B5EF4-FFF2-40B4-BE49-F238E27FC236}">
+                <a16:creationId xmlns:a16="http://schemas.microsoft.com/office/drawing/2014/main" id="{61A28762-28D0-484A-8579-025F69B5A203}"/>
+              </a:ext>
+            </a:extLst>
+          </p:cNvPr>
+          <p:cNvSpPr txBox="1"/>
+          <p:nvPr/>
+        </p:nvSpPr>
+        <p:spPr>
+          <a:xfrm>
+            <a:off x="5581422" y="5714283"/>
+            <a:ext cx="2031325" cy="646331"/>
+          </a:xfrm>
+          <a:prstGeom prst="rect">
+            <a:avLst/>
+          </a:prstGeom>
+          <a:noFill/>
+        </p:spPr>
+        <p:txBody>
+          <a:bodyPr wrap="none" rtlCol="0">
+            <a:spAutoFit/>
+          </a:bodyPr>
+          <a:lstStyle/>
+          <a:p>
+            <a:r>
+              <a:rPr lang="zh-CN" altLang="en-US" sz="3600" dirty="0"/>
+              <a:t>演讲练习</a:t>
+            </a:r>
+          </a:p>
+        </p:txBody>
+      </p:sp>
+      <p:sp>
+        <p:nvSpPr>
+          <p:cNvPr id="6" name="文本框 5">
+            <a:extLst>
+              <a:ext uri="{FF2B5EF4-FFF2-40B4-BE49-F238E27FC236}">
+                <a16:creationId xmlns:a16="http://schemas.microsoft.com/office/drawing/2014/main" id="{3DDBD43C-0D80-4130-9A33-6EF28281A324}"/>
+              </a:ext>
+            </a:extLst>
+          </p:cNvPr>
+          <p:cNvSpPr txBox="1"/>
+          <p:nvPr/>
+        </p:nvSpPr>
+        <p:spPr>
+          <a:xfrm>
+            <a:off x="5823469" y="1231993"/>
+            <a:ext cx="5416868" cy="4154984"/>
+          </a:xfrm>
+          <a:prstGeom prst="rect">
+            <a:avLst/>
+          </a:prstGeom>
+          <a:noFill/>
+        </p:spPr>
+        <p:txBody>
+          <a:bodyPr wrap="none" rtlCol="0">
+            <a:spAutoFit/>
+          </a:bodyPr>
+          <a:lstStyle/>
+          <a:p>
+            <a:r>
+              <a:rPr lang="en-US" altLang="zh-CN" sz="2400" dirty="0"/>
+              <a:t>week5:</a:t>
+            </a:r>
+          </a:p>
+          <a:p>
+            <a:r>
+              <a:rPr lang="zh-CN" altLang="en-US" sz="2400" dirty="0"/>
+              <a:t>补核心功能的压力测试</a:t>
+            </a:r>
+            <a:endParaRPr lang="en-US" altLang="zh-CN" sz="2400" dirty="0"/>
+          </a:p>
+          <a:p>
+            <a:r>
+              <a:rPr lang="zh-CN" altLang="en-US" sz="2400" dirty="0"/>
+              <a:t>剩余界面（邮件</a:t>
+            </a:r>
+            <a:r>
+              <a:rPr lang="en-US" altLang="zh-CN" sz="2400" dirty="0"/>
+              <a:t>/</a:t>
+            </a:r>
+            <a:r>
+              <a:rPr lang="zh-CN" altLang="en-US" sz="2400" dirty="0"/>
+              <a:t>公告</a:t>
+            </a:r>
+            <a:r>
+              <a:rPr lang="en-US" altLang="zh-CN" sz="2400" dirty="0" err="1"/>
+              <a:t>etc</a:t>
+            </a:r>
+            <a:r>
+              <a:rPr lang="zh-CN" altLang="en-US" sz="2400" dirty="0"/>
+              <a:t>）的制作</a:t>
+            </a:r>
+            <a:endParaRPr lang="en-US" altLang="zh-CN" sz="2400" dirty="0"/>
+          </a:p>
+          <a:p>
+            <a:r>
+              <a:rPr lang="zh-CN" altLang="en-US" sz="2400" dirty="0"/>
+              <a:t>应该制作的同时找时间做好说明文档</a:t>
+            </a:r>
+            <a:endParaRPr lang="en-US" altLang="zh-CN" sz="2400" dirty="0"/>
+          </a:p>
+          <a:p>
+            <a:r>
+              <a:rPr lang="en-US" altLang="zh-CN" sz="2400" dirty="0"/>
+              <a:t>week6:</a:t>
+            </a:r>
+          </a:p>
+          <a:p>
+            <a:r>
+              <a:rPr lang="zh-CN" altLang="en-US" sz="2400" dirty="0"/>
+              <a:t>根据情况优化数据库与后端，可以从</a:t>
+            </a:r>
+            <a:endParaRPr lang="en-US" altLang="zh-CN" sz="2400" dirty="0"/>
+          </a:p>
+          <a:p>
+            <a:r>
+              <a:rPr lang="zh-CN" altLang="en-US" sz="2400" dirty="0"/>
+              <a:t>减少请求次数等基础的角度去开始做</a:t>
+            </a:r>
+            <a:endParaRPr lang="en-US" altLang="zh-CN" sz="2400" dirty="0"/>
+          </a:p>
+          <a:p>
+            <a:r>
+              <a:rPr lang="zh-CN" altLang="en-US" sz="2400" dirty="0"/>
+              <a:t>资源下载器做完</a:t>
+            </a:r>
+            <a:endParaRPr lang="en-US" altLang="zh-CN" sz="2400" dirty="0"/>
+          </a:p>
+          <a:p>
+            <a:r>
+              <a:rPr lang="en-US" altLang="zh-CN" sz="2400" dirty="0"/>
+              <a:t>week7,8:</a:t>
+            </a:r>
+          </a:p>
+          <a:p>
+            <a:r>
+              <a:rPr lang="zh-CN" altLang="en-US" sz="2400" dirty="0"/>
+              <a:t>进一步优化，我个人想在空闲时间优化</a:t>
+            </a:r>
+            <a:endParaRPr lang="en-US" altLang="zh-CN" sz="2400" dirty="0"/>
+          </a:p>
+          <a:p>
+            <a:r>
+              <a:rPr lang="zh-CN" altLang="en-US" sz="2400" dirty="0"/>
+              <a:t>其它地方的代码</a:t>
+            </a:r>
+            <a:endParaRPr lang="en-US" altLang="zh-CN" sz="2400" dirty="0"/>
+          </a:p>
+        </p:txBody>
+      </p:sp>
+    </p:spTree>
+    <p:extLst>
+      <p:ext uri="{BB962C8B-B14F-4D97-AF65-F5344CB8AC3E}">
+        <p14:creationId xmlns:p14="http://schemas.microsoft.com/office/powerpoint/2010/main" val="1824682348"/>
       </p:ext>
     </p:extLst>
   </p:cSld>
